--- a/Nathan/Compte-rendus/REVUE-R2-GUIGAND-SFL6.pptx
+++ b/Nathan/Compte-rendus/REVUE-R2-GUIGAND-SFL6.pptx
@@ -845,7 +845,7 @@
             <a:fld id="{B61BEF0D-F0BB-DE4B-95CE-6DB70DBA9567}" type="datetimeFigureOut">
               <a:rPr lang="en-US" dirty="0"/>
               <a:pPr/>
-              <a:t>1/22/2020</a:t>
+              <a:t>2/26/2020</a:t>
             </a:fld>
             <a:endParaRPr lang="en-US" dirty="0"/>
           </a:p>
@@ -1093,7 +1093,7 @@
             <a:fld id="{B61BEF0D-F0BB-DE4B-95CE-6DB70DBA9567}" type="datetimeFigureOut">
               <a:rPr lang="en-US" dirty="0"/>
               <a:pPr/>
-              <a:t>1/22/2020</a:t>
+              <a:t>2/26/2020</a:t>
             </a:fld>
             <a:endParaRPr lang="en-US" dirty="0"/>
           </a:p>
@@ -1404,7 +1404,7 @@
             <a:fld id="{B61BEF0D-F0BB-DE4B-95CE-6DB70DBA9567}" type="datetimeFigureOut">
               <a:rPr lang="en-US" dirty="0"/>
               <a:pPr/>
-              <a:t>1/22/2020</a:t>
+              <a:t>2/26/2020</a:t>
             </a:fld>
             <a:endParaRPr lang="en-US" dirty="0"/>
           </a:p>
@@ -1742,7 +1742,7 @@
             <a:fld id="{B61BEF0D-F0BB-DE4B-95CE-6DB70DBA9567}" type="datetimeFigureOut">
               <a:rPr lang="en-US" dirty="0"/>
               <a:pPr/>
-              <a:t>1/22/2020</a:t>
+              <a:t>2/26/2020</a:t>
             </a:fld>
             <a:endParaRPr lang="en-US" dirty="0"/>
           </a:p>
@@ -2053,7 +2053,7 @@
             <a:fld id="{B61BEF0D-F0BB-DE4B-95CE-6DB70DBA9567}" type="datetimeFigureOut">
               <a:rPr lang="en-US" dirty="0"/>
               <a:pPr/>
-              <a:t>1/22/2020</a:t>
+              <a:t>2/26/2020</a:t>
             </a:fld>
             <a:endParaRPr lang="en-US" dirty="0"/>
           </a:p>
@@ -2443,7 +2443,7 @@
             <a:fld id="{B61BEF0D-F0BB-DE4B-95CE-6DB70DBA9567}" type="datetimeFigureOut">
               <a:rPr lang="en-US" dirty="0"/>
               <a:pPr/>
-              <a:t>1/22/2020</a:t>
+              <a:t>2/26/2020</a:t>
             </a:fld>
             <a:endParaRPr lang="en-US" dirty="0"/>
           </a:p>
@@ -2609,7 +2609,7 @@
           <a:p>
             <a:fld id="{55C6B4A9-1611-4792-9094-5F34BCA07E0B}" type="datetimeFigureOut">
               <a:rPr lang="en-US" dirty="0"/>
-              <a:t>1/22/2020</a:t>
+              <a:t>2/26/2020</a:t>
             </a:fld>
             <a:endParaRPr lang="en-US" dirty="0"/>
           </a:p>
@@ -2785,7 +2785,7 @@
             <a:fld id="{B61BEF0D-F0BB-DE4B-95CE-6DB70DBA9567}" type="datetimeFigureOut">
               <a:rPr lang="en-US" dirty="0"/>
               <a:pPr/>
-              <a:t>1/22/2020</a:t>
+              <a:t>2/26/2020</a:t>
             </a:fld>
             <a:endParaRPr lang="en-US" dirty="0"/>
           </a:p>
@@ -2958,7 +2958,7 @@
             <a:fld id="{B61BEF0D-F0BB-DE4B-95CE-6DB70DBA9567}" type="datetimeFigureOut">
               <a:rPr lang="en-US" dirty="0"/>
               <a:pPr/>
-              <a:t>1/22/2020</a:t>
+              <a:t>2/26/2020</a:t>
             </a:fld>
             <a:endParaRPr lang="en-US" dirty="0"/>
           </a:p>
@@ -3202,7 +3202,7 @@
             <a:fld id="{B61BEF0D-F0BB-DE4B-95CE-6DB70DBA9567}" type="datetimeFigureOut">
               <a:rPr lang="en-US" dirty="0"/>
               <a:pPr/>
-              <a:t>1/22/2020</a:t>
+              <a:t>2/26/2020</a:t>
             </a:fld>
             <a:endParaRPr lang="en-US" dirty="0"/>
           </a:p>
@@ -3430,7 +3430,7 @@
           <a:p>
             <a:fld id="{EB712588-04B1-427B-82EE-E8DB90309F08}" type="datetimeFigureOut">
               <a:rPr lang="en-US" dirty="0"/>
-              <a:t>1/22/2020</a:t>
+              <a:t>2/26/2020</a:t>
             </a:fld>
             <a:endParaRPr lang="en-US" dirty="0"/>
           </a:p>
@@ -3800,7 +3800,7 @@
             <a:fld id="{B61BEF0D-F0BB-DE4B-95CE-6DB70DBA9567}" type="datetimeFigureOut">
               <a:rPr lang="en-US" dirty="0"/>
               <a:pPr/>
-              <a:t>1/22/2020</a:t>
+              <a:t>2/26/2020</a:t>
             </a:fld>
             <a:endParaRPr lang="en-US" dirty="0"/>
           </a:p>
@@ -3920,7 +3920,7 @@
             <a:fld id="{B61BEF0D-F0BB-DE4B-95CE-6DB70DBA9567}" type="datetimeFigureOut">
               <a:rPr lang="en-US" dirty="0"/>
               <a:pPr/>
-              <a:t>1/22/2020</a:t>
+              <a:t>2/26/2020</a:t>
             </a:fld>
             <a:endParaRPr lang="en-US" dirty="0"/>
           </a:p>
@@ -4012,7 +4012,7 @@
             <a:fld id="{B61BEF0D-F0BB-DE4B-95CE-6DB70DBA9567}" type="datetimeFigureOut">
               <a:rPr lang="en-US" dirty="0"/>
               <a:pPr/>
-              <a:t>1/22/2020</a:t>
+              <a:t>2/26/2020</a:t>
             </a:fld>
             <a:endParaRPr lang="en-US" dirty="0"/>
           </a:p>
@@ -4263,7 +4263,7 @@
           <a:p>
             <a:fld id="{42A54C80-263E-416B-A8E0-580EDEADCBDC}" type="datetimeFigureOut">
               <a:rPr lang="en-US" dirty="0"/>
-              <a:t>1/22/2020</a:t>
+              <a:t>2/26/2020</a:t>
             </a:fld>
             <a:endParaRPr lang="en-US" dirty="0"/>
           </a:p>
@@ -4522,7 +4522,7 @@
             <a:fld id="{B61BEF0D-F0BB-DE4B-95CE-6DB70DBA9567}" type="datetimeFigureOut">
               <a:rPr lang="en-US" dirty="0"/>
               <a:pPr/>
-              <a:t>1/22/2020</a:t>
+              <a:t>2/26/2020</a:t>
             </a:fld>
             <a:endParaRPr lang="en-US" dirty="0"/>
           </a:p>
@@ -5262,7 +5262,7 @@
             <a:fld id="{B61BEF0D-F0BB-DE4B-95CE-6DB70DBA9567}" type="datetimeFigureOut">
               <a:rPr lang="en-US" dirty="0"/>
               <a:pPr/>
-              <a:t>1/22/2020</a:t>
+              <a:t>2/26/2020</a:t>
             </a:fld>
             <a:endParaRPr lang="en-US" dirty="0"/>
           </a:p>
@@ -7326,7 +7326,7 @@
         <p:spPr>
           <a:xfrm>
             <a:off x="1051560" y="1307592"/>
-            <a:ext cx="4754880" cy="2308324"/>
+            <a:ext cx="4754880" cy="2585323"/>
           </a:xfrm>
           <a:prstGeom prst="rect">
             <a:avLst/>
@@ -7385,7 +7385,15 @@
             </a:pPr>
             <a:r>
               <a:rPr lang="fr-FR" dirty="0"/>
-              <a:t>Diagramme de séquence</a:t>
+              <a:t>Diagrammes de séquences : </a:t>
+            </a:r>
+            <a:r>
+              <a:rPr lang="fr-FR" dirty="0" err="1"/>
+              <a:t>a</a:t>
+            </a:r>
+            <a:r>
+              <a:rPr lang="fr-FR" dirty="0"/>
+              <a:t> compléter…</a:t>
             </a:r>
           </a:p>
           <a:p>
@@ -7395,13 +7403,8 @@
             </a:pPr>
             <a:r>
               <a:rPr lang="fr-FR" dirty="0"/>
-              <a:t>Schéma </a:t>
-            </a:r>
-            <a:r>
-              <a:rPr lang="fr-FR"/>
-              <a:t>du réseau</a:t>
-            </a:r>
-            <a:endParaRPr lang="fr-FR" dirty="0"/>
+              <a:t>Schéma du réseau</a:t>
+            </a:r>
           </a:p>
           <a:p>
             <a:pPr marL="285750" indent="-285750">
@@ -8109,10 +8112,10 @@
       </p:sp>
       <p:pic>
         <p:nvPicPr>
-          <p:cNvPr id="2" name="Image 1">
+          <p:cNvPr id="5" name="Image 4">
             <a:extLst>
               <a:ext uri="{FF2B5EF4-FFF2-40B4-BE49-F238E27FC236}">
-                <a16:creationId xmlns:a16="http://schemas.microsoft.com/office/drawing/2014/main" id="{90A51D8C-DBCC-4AC6-9EC6-E9B6237A0F66}"/>
+                <a16:creationId xmlns:a16="http://schemas.microsoft.com/office/drawing/2014/main" id="{8CB2815D-F72A-42DB-A46B-C73868FF90D7}"/>
               </a:ext>
             </a:extLst>
           </p:cNvPr>
@@ -8129,7 +8132,7 @@
         </p:blipFill>
         <p:spPr>
           <a:xfrm>
-            <a:off x="2103443" y="1115122"/>
+            <a:off x="2263920" y="1115122"/>
             <a:ext cx="5238849" cy="5742878"/>
           </a:xfrm>
           <a:prstGeom prst="rect">
@@ -8307,36 +8310,6 @@
           </a:p>
         </p:txBody>
       </p:sp>
-      <p:pic>
-        <p:nvPicPr>
-          <p:cNvPr id="2" name="Image 1">
-            <a:extLst>
-              <a:ext uri="{FF2B5EF4-FFF2-40B4-BE49-F238E27FC236}">
-                <a16:creationId xmlns:a16="http://schemas.microsoft.com/office/drawing/2014/main" id="{99A0B900-94D3-44A9-A462-A4EE245E8216}"/>
-              </a:ext>
-            </a:extLst>
-          </p:cNvPr>
-          <p:cNvPicPr>
-            <a:picLocks noChangeAspect="1"/>
-          </p:cNvPicPr>
-          <p:nvPr/>
-        </p:nvPicPr>
-        <p:blipFill>
-          <a:blip r:embed="rId3"/>
-          <a:stretch>
-            <a:fillRect/>
-          </a:stretch>
-        </p:blipFill>
-        <p:spPr>
-          <a:xfrm>
-            <a:off x="410147" y="1220653"/>
-            <a:ext cx="8624126" cy="5547092"/>
-          </a:xfrm>
-          <a:prstGeom prst="rect">
-            <a:avLst/>
-          </a:prstGeom>
-        </p:spPr>
-      </p:pic>
     </p:spTree>
     <p:extLst>
       <p:ext uri="{BB962C8B-B14F-4D97-AF65-F5344CB8AC3E}">
@@ -8496,7 +8469,7 @@
                 </a:solidFill>
                 <a:latin typeface="Eras Medium ITC" panose="020B0602030504020804" pitchFamily="34" charset="0"/>
               </a:rPr>
-              <a:t>Envoie d’un message</a:t>
+              <a:t>Envoi d’un message</a:t>
             </a:r>
             <a:endParaRPr lang="fr-FR" sz="3200" b="1" dirty="0">
               <a:solidFill>
@@ -8507,36 +8480,6 @@
           </a:p>
         </p:txBody>
       </p:sp>
-      <p:pic>
-        <p:nvPicPr>
-          <p:cNvPr id="4" name="Image 3">
-            <a:extLst>
-              <a:ext uri="{FF2B5EF4-FFF2-40B4-BE49-F238E27FC236}">
-                <a16:creationId xmlns:a16="http://schemas.microsoft.com/office/drawing/2014/main" id="{F4043A68-49AD-4B17-A66C-CEDE708FEBF0}"/>
-              </a:ext>
-            </a:extLst>
-          </p:cNvPr>
-          <p:cNvPicPr>
-            <a:picLocks noChangeAspect="1"/>
-          </p:cNvPicPr>
-          <p:nvPr/>
-        </p:nvPicPr>
-        <p:blipFill>
-          <a:blip r:embed="rId3"/>
-          <a:stretch>
-            <a:fillRect/>
-          </a:stretch>
-        </p:blipFill>
-        <p:spPr>
-          <a:xfrm>
-            <a:off x="314886" y="1220653"/>
-            <a:ext cx="8570796" cy="5600718"/>
-          </a:xfrm>
-          <a:prstGeom prst="rect">
-            <a:avLst/>
-          </a:prstGeom>
-        </p:spPr>
-      </p:pic>
     </p:spTree>
     <p:extLst>
       <p:ext uri="{BB962C8B-B14F-4D97-AF65-F5344CB8AC3E}">
@@ -8707,36 +8650,6 @@
           </a:p>
         </p:txBody>
       </p:sp>
-      <p:pic>
-        <p:nvPicPr>
-          <p:cNvPr id="4" name="Image 3">
-            <a:extLst>
-              <a:ext uri="{FF2B5EF4-FFF2-40B4-BE49-F238E27FC236}">
-                <a16:creationId xmlns:a16="http://schemas.microsoft.com/office/drawing/2014/main" id="{EB08F633-2131-4DF7-99CF-8F105CAF1306}"/>
-              </a:ext>
-            </a:extLst>
-          </p:cNvPr>
-          <p:cNvPicPr>
-            <a:picLocks noChangeAspect="1"/>
-          </p:cNvPicPr>
-          <p:nvPr/>
-        </p:nvPicPr>
-        <p:blipFill>
-          <a:blip r:embed="rId3"/>
-          <a:stretch>
-            <a:fillRect/>
-          </a:stretch>
-        </p:blipFill>
-        <p:spPr>
-          <a:xfrm>
-            <a:off x="219075" y="1666875"/>
-            <a:ext cx="9196607" cy="4610099"/>
-          </a:xfrm>
-          <a:prstGeom prst="rect">
-            <a:avLst/>
-          </a:prstGeom>
-        </p:spPr>
-      </p:pic>
     </p:spTree>
     <p:extLst>
       <p:ext uri="{BB962C8B-B14F-4D97-AF65-F5344CB8AC3E}">

--- a/Nathan/Compte-rendus/REVUE-R2-GUIGAND-SFL6.pptx
+++ b/Nathan/Compte-rendus/REVUE-R2-GUIGAND-SFL6.pptx
@@ -13,9 +13,10 @@
     <p:sldId id="266" r:id="rId7"/>
     <p:sldId id="261" r:id="rId8"/>
     <p:sldId id="264" r:id="rId9"/>
-    <p:sldId id="265" r:id="rId10"/>
-    <p:sldId id="262" r:id="rId11"/>
-    <p:sldId id="263" r:id="rId12"/>
+    <p:sldId id="267" r:id="rId10"/>
+    <p:sldId id="265" r:id="rId11"/>
+    <p:sldId id="262" r:id="rId12"/>
+    <p:sldId id="263" r:id="rId13"/>
   </p:sldIdLst>
   <p:sldSz cx="12192000" cy="6858000"/>
   <p:notesSz cx="6858000" cy="9144000"/>
@@ -845,7 +846,7 @@
             <a:fld id="{B61BEF0D-F0BB-DE4B-95CE-6DB70DBA9567}" type="datetimeFigureOut">
               <a:rPr lang="en-US" dirty="0"/>
               <a:pPr/>
-              <a:t>2/26/2020</a:t>
+              <a:t>3/3/2020</a:t>
             </a:fld>
             <a:endParaRPr lang="en-US" dirty="0"/>
           </a:p>
@@ -1093,7 +1094,7 @@
             <a:fld id="{B61BEF0D-F0BB-DE4B-95CE-6DB70DBA9567}" type="datetimeFigureOut">
               <a:rPr lang="en-US" dirty="0"/>
               <a:pPr/>
-              <a:t>2/26/2020</a:t>
+              <a:t>3/3/2020</a:t>
             </a:fld>
             <a:endParaRPr lang="en-US" dirty="0"/>
           </a:p>
@@ -1404,7 +1405,7 @@
             <a:fld id="{B61BEF0D-F0BB-DE4B-95CE-6DB70DBA9567}" type="datetimeFigureOut">
               <a:rPr lang="en-US" dirty="0"/>
               <a:pPr/>
-              <a:t>2/26/2020</a:t>
+              <a:t>3/3/2020</a:t>
             </a:fld>
             <a:endParaRPr lang="en-US" dirty="0"/>
           </a:p>
@@ -1742,7 +1743,7 @@
             <a:fld id="{B61BEF0D-F0BB-DE4B-95CE-6DB70DBA9567}" type="datetimeFigureOut">
               <a:rPr lang="en-US" dirty="0"/>
               <a:pPr/>
-              <a:t>2/26/2020</a:t>
+              <a:t>3/3/2020</a:t>
             </a:fld>
             <a:endParaRPr lang="en-US" dirty="0"/>
           </a:p>
@@ -2053,7 +2054,7 @@
             <a:fld id="{B61BEF0D-F0BB-DE4B-95CE-6DB70DBA9567}" type="datetimeFigureOut">
               <a:rPr lang="en-US" dirty="0"/>
               <a:pPr/>
-              <a:t>2/26/2020</a:t>
+              <a:t>3/3/2020</a:t>
             </a:fld>
             <a:endParaRPr lang="en-US" dirty="0"/>
           </a:p>
@@ -2443,7 +2444,7 @@
             <a:fld id="{B61BEF0D-F0BB-DE4B-95CE-6DB70DBA9567}" type="datetimeFigureOut">
               <a:rPr lang="en-US" dirty="0"/>
               <a:pPr/>
-              <a:t>2/26/2020</a:t>
+              <a:t>3/3/2020</a:t>
             </a:fld>
             <a:endParaRPr lang="en-US" dirty="0"/>
           </a:p>
@@ -2609,7 +2610,7 @@
           <a:p>
             <a:fld id="{55C6B4A9-1611-4792-9094-5F34BCA07E0B}" type="datetimeFigureOut">
               <a:rPr lang="en-US" dirty="0"/>
-              <a:t>2/26/2020</a:t>
+              <a:t>3/3/2020</a:t>
             </a:fld>
             <a:endParaRPr lang="en-US" dirty="0"/>
           </a:p>
@@ -2785,7 +2786,7 @@
             <a:fld id="{B61BEF0D-F0BB-DE4B-95CE-6DB70DBA9567}" type="datetimeFigureOut">
               <a:rPr lang="en-US" dirty="0"/>
               <a:pPr/>
-              <a:t>2/26/2020</a:t>
+              <a:t>3/3/2020</a:t>
             </a:fld>
             <a:endParaRPr lang="en-US" dirty="0"/>
           </a:p>
@@ -2958,7 +2959,7 @@
             <a:fld id="{B61BEF0D-F0BB-DE4B-95CE-6DB70DBA9567}" type="datetimeFigureOut">
               <a:rPr lang="en-US" dirty="0"/>
               <a:pPr/>
-              <a:t>2/26/2020</a:t>
+              <a:t>3/3/2020</a:t>
             </a:fld>
             <a:endParaRPr lang="en-US" dirty="0"/>
           </a:p>
@@ -3202,7 +3203,7 @@
             <a:fld id="{B61BEF0D-F0BB-DE4B-95CE-6DB70DBA9567}" type="datetimeFigureOut">
               <a:rPr lang="en-US" dirty="0"/>
               <a:pPr/>
-              <a:t>2/26/2020</a:t>
+              <a:t>3/3/2020</a:t>
             </a:fld>
             <a:endParaRPr lang="en-US" dirty="0"/>
           </a:p>
@@ -3430,7 +3431,7 @@
           <a:p>
             <a:fld id="{EB712588-04B1-427B-82EE-E8DB90309F08}" type="datetimeFigureOut">
               <a:rPr lang="en-US" dirty="0"/>
-              <a:t>2/26/2020</a:t>
+              <a:t>3/3/2020</a:t>
             </a:fld>
             <a:endParaRPr lang="en-US" dirty="0"/>
           </a:p>
@@ -3800,7 +3801,7 @@
             <a:fld id="{B61BEF0D-F0BB-DE4B-95CE-6DB70DBA9567}" type="datetimeFigureOut">
               <a:rPr lang="en-US" dirty="0"/>
               <a:pPr/>
-              <a:t>2/26/2020</a:t>
+              <a:t>3/3/2020</a:t>
             </a:fld>
             <a:endParaRPr lang="en-US" dirty="0"/>
           </a:p>
@@ -3920,7 +3921,7 @@
             <a:fld id="{B61BEF0D-F0BB-DE4B-95CE-6DB70DBA9567}" type="datetimeFigureOut">
               <a:rPr lang="en-US" dirty="0"/>
               <a:pPr/>
-              <a:t>2/26/2020</a:t>
+              <a:t>3/3/2020</a:t>
             </a:fld>
             <a:endParaRPr lang="en-US" dirty="0"/>
           </a:p>
@@ -4012,7 +4013,7 @@
             <a:fld id="{B61BEF0D-F0BB-DE4B-95CE-6DB70DBA9567}" type="datetimeFigureOut">
               <a:rPr lang="en-US" dirty="0"/>
               <a:pPr/>
-              <a:t>2/26/2020</a:t>
+              <a:t>3/3/2020</a:t>
             </a:fld>
             <a:endParaRPr lang="en-US" dirty="0"/>
           </a:p>
@@ -4263,7 +4264,7 @@
           <a:p>
             <a:fld id="{42A54C80-263E-416B-A8E0-580EDEADCBDC}" type="datetimeFigureOut">
               <a:rPr lang="en-US" dirty="0"/>
-              <a:t>2/26/2020</a:t>
+              <a:t>3/3/2020</a:t>
             </a:fld>
             <a:endParaRPr lang="en-US" dirty="0"/>
           </a:p>
@@ -4522,7 +4523,7 @@
             <a:fld id="{B61BEF0D-F0BB-DE4B-95CE-6DB70DBA9567}" type="datetimeFigureOut">
               <a:rPr lang="en-US" dirty="0"/>
               <a:pPr/>
-              <a:t>2/26/2020</a:t>
+              <a:t>3/3/2020</a:t>
             </a:fld>
             <a:endParaRPr lang="en-US" dirty="0"/>
           </a:p>
@@ -5262,7 +5263,7 @@
             <a:fld id="{B61BEF0D-F0BB-DE4B-95CE-6DB70DBA9567}" type="datetimeFigureOut">
               <a:rPr lang="en-US" dirty="0"/>
               <a:pPr/>
-              <a:t>2/26/2020</a:t>
+              <a:t>3/3/2020</a:t>
             </a:fld>
             <a:endParaRPr lang="en-US" dirty="0"/>
           </a:p>
@@ -6955,6 +6956,176 @@
           <p:cNvPr id="3" name="ZoneTexte 2">
             <a:extLst>
               <a:ext uri="{FF2B5EF4-FFF2-40B4-BE49-F238E27FC236}">
+                <a16:creationId xmlns:a16="http://schemas.microsoft.com/office/drawing/2014/main" id="{16637F4C-A45D-4A64-84F7-746FFFD316BB}"/>
+              </a:ext>
+            </a:extLst>
+          </p:cNvPr>
+          <p:cNvSpPr txBox="1"/>
+          <p:nvPr/>
+        </p:nvSpPr>
+        <p:spPr>
+          <a:xfrm>
+            <a:off x="2816352" y="143435"/>
+            <a:ext cx="5897880" cy="1077218"/>
+          </a:xfrm>
+          <a:prstGeom prst="rect">
+            <a:avLst/>
+          </a:prstGeom>
+          <a:noFill/>
+          <a:ln>
+            <a:noFill/>
+          </a:ln>
+          <a:effectLst>
+            <a:glow rad="63500">
+              <a:schemeClr val="accent4">
+                <a:satMod val="175000"/>
+                <a:alpha val="40000"/>
+              </a:schemeClr>
+            </a:glow>
+            <a:outerShdw blurRad="50800" dist="38100" dir="5400000" algn="t" rotWithShape="0">
+              <a:prstClr val="black">
+                <a:alpha val="40000"/>
+              </a:prstClr>
+            </a:outerShdw>
+          </a:effectLst>
+          <a:scene3d>
+            <a:camera prst="orthographicFront">
+              <a:rot lat="0" lon="0" rev="0"/>
+            </a:camera>
+            <a:lightRig rig="soft" dir="t">
+              <a:rot lat="0" lon="0" rev="0"/>
+            </a:lightRig>
+          </a:scene3d>
+          <a:sp3d contourW="44450" prstMaterial="matte">
+            <a:bevelT w="63500" h="63500" prst="artDeco"/>
+            <a:contourClr>
+              <a:srgbClr val="FFFFFF"/>
+            </a:contourClr>
+          </a:sp3d>
+        </p:spPr>
+        <p:txBody>
+          <a:bodyPr wrap="square" rtlCol="0">
+            <a:spAutoFit/>
+          </a:bodyPr>
+          <a:lstStyle/>
+          <a:p>
+            <a:pPr algn="ctr"/>
+            <a:r>
+              <a:rPr lang="fr-FR" sz="3600" b="1" dirty="0">
+                <a:latin typeface="Eras Medium ITC" panose="020B0602030504020804" pitchFamily="34" charset="0"/>
+              </a:rPr>
+              <a:t>Diagramme de séquence : </a:t>
+            </a:r>
+            <a:r>
+              <a:rPr lang="fr-FR" sz="2800" b="1" dirty="0">
+                <a:solidFill>
+                  <a:srgbClr val="A41258"/>
+                </a:solidFill>
+                <a:latin typeface="Eras Medium ITC" panose="020B0602030504020804" pitchFamily="34" charset="0"/>
+              </a:rPr>
+              <a:t>Fin de la partie</a:t>
+            </a:r>
+            <a:endParaRPr lang="fr-FR" sz="3200" b="1" dirty="0">
+              <a:solidFill>
+                <a:srgbClr val="A41258"/>
+              </a:solidFill>
+              <a:latin typeface="Eras Medium ITC" panose="020B0602030504020804" pitchFamily="34" charset="0"/>
+            </a:endParaRPr>
+          </a:p>
+        </p:txBody>
+      </p:sp>
+    </p:spTree>
+    <p:extLst>
+      <p:ext uri="{BB962C8B-B14F-4D97-AF65-F5344CB8AC3E}">
+        <p14:creationId xmlns:p14="http://schemas.microsoft.com/office/powerpoint/2010/main" val="296410980"/>
+      </p:ext>
+    </p:extLst>
+  </p:cSld>
+  <p:clrMapOvr>
+    <a:masterClrMapping/>
+  </p:clrMapOvr>
+  <mc:AlternateContent xmlns:mc="http://schemas.openxmlformats.org/markup-compatibility/2006" xmlns:p159="http://schemas.microsoft.com/office/powerpoint/2015/09/main">
+    <mc:Choice Requires="p159">
+      <p:transition xmlns:p14="http://schemas.microsoft.com/office/powerpoint/2010/main" spd="slow" p14:dur="2000">
+        <p159:morph option="byObject"/>
+      </p:transition>
+    </mc:Choice>
+    <mc:Fallback xmlns="">
+      <p:transition spd="slow">
+        <p:fade/>
+      </p:transition>
+    </mc:Fallback>
+  </mc:AlternateContent>
+</p:sld>
+</file>
+
+<file path=ppt/slides/slide11.xml><?xml version="1.0" encoding="utf-8"?>
+<p:sld xmlns:a="http://schemas.openxmlformats.org/drawingml/2006/main" xmlns:r="http://schemas.openxmlformats.org/officeDocument/2006/relationships" xmlns:p="http://schemas.openxmlformats.org/presentationml/2006/main">
+  <p:cSld>
+    <p:spTree>
+      <p:nvGrpSpPr>
+        <p:cNvPr id="1" name=""/>
+        <p:cNvGrpSpPr/>
+        <p:nvPr/>
+      </p:nvGrpSpPr>
+      <p:grpSpPr>
+        <a:xfrm>
+          <a:off x="0" y="0"/>
+          <a:ext cx="0" cy="0"/>
+          <a:chOff x="0" y="0"/>
+          <a:chExt cx="0" cy="0"/>
+        </a:xfrm>
+      </p:grpSpPr>
+      <p:pic>
+        <p:nvPicPr>
+          <p:cNvPr id="1026" name="Picture 2" descr="Image associée">
+            <a:extLst>
+              <a:ext uri="{FF2B5EF4-FFF2-40B4-BE49-F238E27FC236}">
+                <a16:creationId xmlns:a16="http://schemas.microsoft.com/office/drawing/2014/main" id="{C816F3D8-CC4C-46B3-A21E-58AE9AD30454}"/>
+              </a:ext>
+            </a:extLst>
+          </p:cNvPr>
+          <p:cNvPicPr>
+            <a:picLocks noChangeAspect="1" noChangeArrowheads="1"/>
+          </p:cNvPicPr>
+          <p:nvPr/>
+        </p:nvPicPr>
+        <p:blipFill rotWithShape="1">
+          <a:blip r:embed="rId2">
+            <a:extLst>
+              <a:ext uri="{28A0092B-C50C-407E-A947-70E740481C1C}">
+                <a14:useLocalDpi xmlns:a14="http://schemas.microsoft.com/office/drawing/2010/main" val="0"/>
+              </a:ext>
+            </a:extLst>
+          </a:blip>
+          <a:srcRect l="18677" r="15441"/>
+          <a:stretch/>
+        </p:blipFill>
+        <p:spPr bwMode="auto">
+          <a:xfrm>
+            <a:off x="143436" y="143435"/>
+            <a:ext cx="2269635" cy="609600"/>
+          </a:xfrm>
+          <a:prstGeom prst="rect">
+            <a:avLst/>
+          </a:prstGeom>
+          <a:noFill/>
+          <a:extLst>
+            <a:ext uri="{909E8E84-426E-40DD-AFC4-6F175D3DCCD1}">
+              <a14:hiddenFill xmlns:a14="http://schemas.microsoft.com/office/drawing/2010/main">
+                <a:solidFill>
+                  <a:srgbClr val="FFFFFF"/>
+                </a:solidFill>
+              </a14:hiddenFill>
+            </a:ext>
+          </a:extLst>
+        </p:spPr>
+      </p:pic>
+      <p:sp>
+        <p:nvSpPr>
+          <p:cNvPr id="3" name="ZoneTexte 2">
+            <a:extLst>
+              <a:ext uri="{FF2B5EF4-FFF2-40B4-BE49-F238E27FC236}">
                 <a16:creationId xmlns:a16="http://schemas.microsoft.com/office/drawing/2014/main" id="{B5DA24B5-6993-45AE-B83E-5BA1E69FACD0}"/>
               </a:ext>
             </a:extLst>
@@ -7091,7 +7262,7 @@
 </p:sld>
 </file>
 
-<file path=ppt/slides/slide11.xml><?xml version="1.0" encoding="utf-8"?>
+<file path=ppt/slides/slide12.xml><?xml version="1.0" encoding="utf-8"?>
 <p:sld xmlns:a="http://schemas.openxmlformats.org/drawingml/2006/main" xmlns:r="http://schemas.openxmlformats.org/officeDocument/2006/relationships" xmlns:p="http://schemas.openxmlformats.org/presentationml/2006/main">
   <p:cSld>
     <p:spTree>
@@ -8241,7 +8412,7 @@
         </p:nvSpPr>
         <p:spPr>
           <a:xfrm>
-            <a:off x="2816352" y="143435"/>
+            <a:off x="2556644" y="-90374"/>
             <a:ext cx="5897880" cy="1077218"/>
           </a:xfrm>
           <a:prstGeom prst="rect">
@@ -8310,6 +8481,36 @@
           </a:p>
         </p:txBody>
       </p:sp>
+      <p:pic>
+        <p:nvPicPr>
+          <p:cNvPr id="4" name="Image 3" descr="Une image contenant texte, carte, gâteau, table&#10;&#10;Description générée automatiquement">
+            <a:extLst>
+              <a:ext uri="{FF2B5EF4-FFF2-40B4-BE49-F238E27FC236}">
+                <a16:creationId xmlns:a16="http://schemas.microsoft.com/office/drawing/2014/main" id="{4EE797FD-FCAD-4A4C-8AB7-9F79822D2D4D}"/>
+              </a:ext>
+            </a:extLst>
+          </p:cNvPr>
+          <p:cNvPicPr>
+            <a:picLocks noChangeAspect="1"/>
+          </p:cNvPicPr>
+          <p:nvPr/>
+        </p:nvPicPr>
+        <p:blipFill>
+          <a:blip r:embed="rId3"/>
+          <a:stretch>
+            <a:fillRect/>
+          </a:stretch>
+        </p:blipFill>
+        <p:spPr>
+          <a:xfrm>
+            <a:off x="2556644" y="905672"/>
+            <a:ext cx="5703667" cy="5952328"/>
+          </a:xfrm>
+          <a:prstGeom prst="rect">
+            <a:avLst/>
+          </a:prstGeom>
+        </p:spPr>
+      </p:pic>
     </p:spTree>
     <p:extLst>
       <p:ext uri="{BB962C8B-B14F-4D97-AF65-F5344CB8AC3E}">
@@ -8480,6 +8681,36 @@
           </a:p>
         </p:txBody>
       </p:sp>
+      <p:pic>
+        <p:nvPicPr>
+          <p:cNvPr id="2" name="Image 1">
+            <a:extLst>
+              <a:ext uri="{FF2B5EF4-FFF2-40B4-BE49-F238E27FC236}">
+                <a16:creationId xmlns:a16="http://schemas.microsoft.com/office/drawing/2014/main" id="{BE6E4815-E682-4D4C-8B5A-FE22800EA057}"/>
+              </a:ext>
+            </a:extLst>
+          </p:cNvPr>
+          <p:cNvPicPr>
+            <a:picLocks noChangeAspect="1"/>
+          </p:cNvPicPr>
+          <p:nvPr/>
+        </p:nvPicPr>
+        <p:blipFill>
+          <a:blip r:embed="rId3"/>
+          <a:stretch>
+            <a:fillRect/>
+          </a:stretch>
+        </p:blipFill>
+        <p:spPr>
+          <a:xfrm>
+            <a:off x="223209" y="1142202"/>
+            <a:ext cx="9002381" cy="5715798"/>
+          </a:xfrm>
+          <a:prstGeom prst="rect">
+            <a:avLst/>
+          </a:prstGeom>
+        </p:spPr>
+      </p:pic>
     </p:spTree>
     <p:extLst>
       <p:ext uri="{BB962C8B-B14F-4D97-AF65-F5344CB8AC3E}">
@@ -8524,154 +8755,47 @@
       </p:grpSpPr>
       <p:pic>
         <p:nvPicPr>
-          <p:cNvPr id="1026" name="Picture 2" descr="Image associée">
+          <p:cNvPr id="4" name="Image 3">
             <a:extLst>
               <a:ext uri="{FF2B5EF4-FFF2-40B4-BE49-F238E27FC236}">
-                <a16:creationId xmlns:a16="http://schemas.microsoft.com/office/drawing/2014/main" id="{C816F3D8-CC4C-46B3-A21E-58AE9AD30454}"/>
+                <a16:creationId xmlns:a16="http://schemas.microsoft.com/office/drawing/2014/main" id="{BE4AC4FA-FF20-4090-A93F-4F73AC65A491}"/>
               </a:ext>
             </a:extLst>
           </p:cNvPr>
           <p:cNvPicPr>
-            <a:picLocks noChangeAspect="1" noChangeArrowheads="1"/>
+            <a:picLocks noChangeAspect="1"/>
           </p:cNvPicPr>
           <p:nvPr/>
         </p:nvPicPr>
-        <p:blipFill rotWithShape="1">
-          <a:blip r:embed="rId2">
-            <a:extLst>
-              <a:ext uri="{28A0092B-C50C-407E-A947-70E740481C1C}">
-                <a14:useLocalDpi xmlns:a14="http://schemas.microsoft.com/office/drawing/2010/main" val="0"/>
-              </a:ext>
-            </a:extLst>
-          </a:blip>
-          <a:srcRect l="18677" r="15441"/>
-          <a:stretch/>
+        <p:blipFill>
+          <a:blip r:embed="rId2"/>
+          <a:stretch>
+            <a:fillRect/>
+          </a:stretch>
         </p:blipFill>
-        <p:spPr bwMode="auto">
+        <p:spPr>
           <a:xfrm>
-            <a:off x="143436" y="143435"/>
-            <a:ext cx="2269635" cy="609600"/>
+            <a:off x="288825" y="0"/>
+            <a:ext cx="8921850" cy="7038975"/>
           </a:xfrm>
           <a:prstGeom prst="rect">
             <a:avLst/>
           </a:prstGeom>
-          <a:noFill/>
-          <a:extLst>
-            <a:ext uri="{909E8E84-426E-40DD-AFC4-6F175D3DCCD1}">
-              <a14:hiddenFill xmlns:a14="http://schemas.microsoft.com/office/drawing/2010/main">
-                <a:solidFill>
-                  <a:srgbClr val="FFFFFF"/>
-                </a:solidFill>
-              </a14:hiddenFill>
-            </a:ext>
-          </a:extLst>
         </p:spPr>
       </p:pic>
-      <p:sp>
-        <p:nvSpPr>
-          <p:cNvPr id="3" name="ZoneTexte 2">
-            <a:extLst>
-              <a:ext uri="{FF2B5EF4-FFF2-40B4-BE49-F238E27FC236}">
-                <a16:creationId xmlns:a16="http://schemas.microsoft.com/office/drawing/2014/main" id="{16637F4C-A45D-4A64-84F7-746FFFD316BB}"/>
-              </a:ext>
-            </a:extLst>
-          </p:cNvPr>
-          <p:cNvSpPr txBox="1"/>
-          <p:nvPr/>
-        </p:nvSpPr>
-        <p:spPr>
-          <a:xfrm>
-            <a:off x="2816352" y="143435"/>
-            <a:ext cx="5897880" cy="1077218"/>
-          </a:xfrm>
-          <a:prstGeom prst="rect">
-            <a:avLst/>
-          </a:prstGeom>
-          <a:noFill/>
-          <a:ln>
-            <a:noFill/>
-          </a:ln>
-          <a:effectLst>
-            <a:glow rad="63500">
-              <a:schemeClr val="accent4">
-                <a:satMod val="175000"/>
-                <a:alpha val="40000"/>
-              </a:schemeClr>
-            </a:glow>
-            <a:outerShdw blurRad="50800" dist="38100" dir="5400000" algn="t" rotWithShape="0">
-              <a:prstClr val="black">
-                <a:alpha val="40000"/>
-              </a:prstClr>
-            </a:outerShdw>
-          </a:effectLst>
-          <a:scene3d>
-            <a:camera prst="orthographicFront">
-              <a:rot lat="0" lon="0" rev="0"/>
-            </a:camera>
-            <a:lightRig rig="soft" dir="t">
-              <a:rot lat="0" lon="0" rev="0"/>
-            </a:lightRig>
-          </a:scene3d>
-          <a:sp3d contourW="44450" prstMaterial="matte">
-            <a:bevelT w="63500" h="63500" prst="artDeco"/>
-            <a:contourClr>
-              <a:srgbClr val="FFFFFF"/>
-            </a:contourClr>
-          </a:sp3d>
-        </p:spPr>
-        <p:txBody>
-          <a:bodyPr wrap="square" rtlCol="0">
-            <a:spAutoFit/>
-          </a:bodyPr>
-          <a:lstStyle/>
-          <a:p>
-            <a:pPr algn="ctr"/>
-            <a:r>
-              <a:rPr lang="fr-FR" sz="3600" b="1" dirty="0">
-                <a:latin typeface="Eras Medium ITC" panose="020B0602030504020804" pitchFamily="34" charset="0"/>
-              </a:rPr>
-              <a:t>Diagramme de séquence : </a:t>
-            </a:r>
-            <a:r>
-              <a:rPr lang="fr-FR" sz="2800" b="1" dirty="0">
-                <a:solidFill>
-                  <a:srgbClr val="A41258"/>
-                </a:solidFill>
-                <a:latin typeface="Eras Medium ITC" panose="020B0602030504020804" pitchFamily="34" charset="0"/>
-              </a:rPr>
-              <a:t>Fin de la partie</a:t>
-            </a:r>
-            <a:endParaRPr lang="fr-FR" sz="3200" b="1" dirty="0">
-              <a:solidFill>
-                <a:srgbClr val="A41258"/>
-              </a:solidFill>
-              <a:latin typeface="Eras Medium ITC" panose="020B0602030504020804" pitchFamily="34" charset="0"/>
-            </a:endParaRPr>
-          </a:p>
-        </p:txBody>
-      </p:sp>
     </p:spTree>
     <p:extLst>
       <p:ext uri="{BB962C8B-B14F-4D97-AF65-F5344CB8AC3E}">
-        <p14:creationId xmlns:p14="http://schemas.microsoft.com/office/powerpoint/2010/main" val="296410980"/>
+        <p14:creationId xmlns:p14="http://schemas.microsoft.com/office/powerpoint/2010/main" val="2119402248"/>
       </p:ext>
     </p:extLst>
   </p:cSld>
   <p:clrMapOvr>
     <a:masterClrMapping/>
   </p:clrMapOvr>
-  <mc:AlternateContent xmlns:mc="http://schemas.openxmlformats.org/markup-compatibility/2006" xmlns:p159="http://schemas.microsoft.com/office/powerpoint/2015/09/main">
-    <mc:Choice Requires="p159">
-      <p:transition xmlns:p14="http://schemas.microsoft.com/office/powerpoint/2010/main" spd="slow" p14:dur="2000">
-        <p159:morph option="byObject"/>
-      </p:transition>
-    </mc:Choice>
-    <mc:Fallback xmlns="">
-      <p:transition spd="slow">
-        <p:fade/>
-      </p:transition>
-    </mc:Fallback>
-  </mc:AlternateContent>
+  <p:transition spd="slow">
+    <p:push dir="u"/>
+  </p:transition>
 </p:sld>
 </file>
 

--- a/Nathan/Compte-rendus/REVUE-R2-GUIGAND-SFL6.pptx
+++ b/Nathan/Compte-rendus/REVUE-R2-GUIGAND-SFL6.pptx
@@ -5,18 +5,19 @@
     <p:sldMasterId id="2147483648" r:id="rId1"/>
   </p:sldMasterIdLst>
   <p:sldIdLst>
-    <p:sldId id="256" r:id="rId2"/>
+    <p:sldId id="268" r:id="rId2"/>
     <p:sldId id="257" r:id="rId3"/>
     <p:sldId id="258" r:id="rId4"/>
     <p:sldId id="259" r:id="rId5"/>
     <p:sldId id="260" r:id="rId6"/>
-    <p:sldId id="266" r:id="rId7"/>
-    <p:sldId id="261" r:id="rId8"/>
-    <p:sldId id="264" r:id="rId9"/>
-    <p:sldId id="267" r:id="rId10"/>
-    <p:sldId id="265" r:id="rId11"/>
-    <p:sldId id="262" r:id="rId12"/>
-    <p:sldId id="263" r:id="rId13"/>
+    <p:sldId id="269" r:id="rId7"/>
+    <p:sldId id="266" r:id="rId8"/>
+    <p:sldId id="261" r:id="rId9"/>
+    <p:sldId id="264" r:id="rId10"/>
+    <p:sldId id="267" r:id="rId11"/>
+    <p:sldId id="265" r:id="rId12"/>
+    <p:sldId id="262" r:id="rId13"/>
+    <p:sldId id="263" r:id="rId14"/>
   </p:sldIdLst>
   <p:sldSz cx="12192000" cy="6858000"/>
   <p:notesSz cx="6858000" cy="9144000"/>
@@ -121,6 +122,3127 @@
     </p:ext>
   </p:extLst>
 </p:presentation>
+</file>
+
+<file path=ppt/diagrams/colors1.xml><?xml version="1.0" encoding="utf-8"?>
+<dgm:colorsDef xmlns:dgm="http://schemas.openxmlformats.org/drawingml/2006/diagram" xmlns:a="http://schemas.openxmlformats.org/drawingml/2006/main" uniqueId="urn:microsoft.com/office/officeart/2005/8/colors/accent4_1">
+  <dgm:title val=""/>
+  <dgm:desc val=""/>
+  <dgm:catLst>
+    <dgm:cat type="accent4" pri="11100"/>
+  </dgm:catLst>
+  <dgm:styleLbl name="node0">
+    <dgm:fillClrLst meth="repeat">
+      <a:schemeClr val="lt1"/>
+    </dgm:fillClrLst>
+    <dgm:linClrLst meth="repeat">
+      <a:schemeClr val="accent4">
+        <a:shade val="80000"/>
+      </a:schemeClr>
+    </dgm:linClrLst>
+    <dgm:effectClrLst/>
+    <dgm:txLinClrLst/>
+    <dgm:txFillClrLst meth="repeat">
+      <a:schemeClr val="dk1"/>
+    </dgm:txFillClrLst>
+    <dgm:txEffectClrLst/>
+  </dgm:styleLbl>
+  <dgm:styleLbl name="node1">
+    <dgm:fillClrLst meth="repeat">
+      <a:schemeClr val="lt1"/>
+    </dgm:fillClrLst>
+    <dgm:linClrLst meth="repeat">
+      <a:schemeClr val="accent4">
+        <a:shade val="80000"/>
+      </a:schemeClr>
+    </dgm:linClrLst>
+    <dgm:effectClrLst/>
+    <dgm:txLinClrLst/>
+    <dgm:txFillClrLst meth="repeat">
+      <a:schemeClr val="dk1"/>
+    </dgm:txFillClrLst>
+    <dgm:txEffectClrLst/>
+  </dgm:styleLbl>
+  <dgm:styleLbl name="alignNode1">
+    <dgm:fillClrLst meth="repeat">
+      <a:schemeClr val="lt1"/>
+    </dgm:fillClrLst>
+    <dgm:linClrLst meth="repeat">
+      <a:schemeClr val="accent4">
+        <a:shade val="80000"/>
+      </a:schemeClr>
+    </dgm:linClrLst>
+    <dgm:effectClrLst/>
+    <dgm:txLinClrLst/>
+    <dgm:txFillClrLst meth="repeat">
+      <a:schemeClr val="dk1"/>
+    </dgm:txFillClrLst>
+    <dgm:txEffectClrLst/>
+  </dgm:styleLbl>
+  <dgm:styleLbl name="lnNode1">
+    <dgm:fillClrLst meth="repeat">
+      <a:schemeClr val="lt1"/>
+    </dgm:fillClrLst>
+    <dgm:linClrLst meth="repeat">
+      <a:schemeClr val="accent4">
+        <a:shade val="80000"/>
+      </a:schemeClr>
+    </dgm:linClrLst>
+    <dgm:effectClrLst/>
+    <dgm:txLinClrLst/>
+    <dgm:txFillClrLst meth="repeat">
+      <a:schemeClr val="dk1"/>
+    </dgm:txFillClrLst>
+    <dgm:txEffectClrLst/>
+  </dgm:styleLbl>
+  <dgm:styleLbl name="vennNode1">
+    <dgm:fillClrLst meth="repeat">
+      <a:schemeClr val="lt1">
+        <a:alpha val="50000"/>
+      </a:schemeClr>
+    </dgm:fillClrLst>
+    <dgm:linClrLst meth="repeat">
+      <a:schemeClr val="accent4">
+        <a:shade val="80000"/>
+      </a:schemeClr>
+    </dgm:linClrLst>
+    <dgm:effectClrLst/>
+    <dgm:txLinClrLst/>
+    <dgm:txFillClrLst/>
+    <dgm:txEffectClrLst/>
+  </dgm:styleLbl>
+  <dgm:styleLbl name="node2">
+    <dgm:fillClrLst meth="repeat">
+      <a:schemeClr val="lt1"/>
+    </dgm:fillClrLst>
+    <dgm:linClrLst meth="repeat">
+      <a:schemeClr val="accent4">
+        <a:shade val="80000"/>
+      </a:schemeClr>
+    </dgm:linClrLst>
+    <dgm:effectClrLst/>
+    <dgm:txLinClrLst/>
+    <dgm:txFillClrLst meth="repeat">
+      <a:schemeClr val="dk1"/>
+    </dgm:txFillClrLst>
+    <dgm:txEffectClrLst/>
+  </dgm:styleLbl>
+  <dgm:styleLbl name="node3">
+    <dgm:fillClrLst meth="repeat">
+      <a:schemeClr val="lt1"/>
+    </dgm:fillClrLst>
+    <dgm:linClrLst meth="repeat">
+      <a:schemeClr val="accent4">
+        <a:shade val="80000"/>
+      </a:schemeClr>
+    </dgm:linClrLst>
+    <dgm:effectClrLst/>
+    <dgm:txLinClrLst/>
+    <dgm:txFillClrLst meth="repeat">
+      <a:schemeClr val="dk1"/>
+    </dgm:txFillClrLst>
+    <dgm:txEffectClrLst/>
+  </dgm:styleLbl>
+  <dgm:styleLbl name="node4">
+    <dgm:fillClrLst meth="repeat">
+      <a:schemeClr val="lt1"/>
+    </dgm:fillClrLst>
+    <dgm:linClrLst meth="repeat">
+      <a:schemeClr val="accent4">
+        <a:shade val="80000"/>
+      </a:schemeClr>
+    </dgm:linClrLst>
+    <dgm:effectClrLst/>
+    <dgm:txLinClrLst/>
+    <dgm:txFillClrLst meth="repeat">
+      <a:schemeClr val="dk1"/>
+    </dgm:txFillClrLst>
+    <dgm:txEffectClrLst/>
+  </dgm:styleLbl>
+  <dgm:styleLbl name="fgImgPlace1">
+    <dgm:fillClrLst meth="repeat">
+      <a:schemeClr val="accent4">
+        <a:tint val="40000"/>
+      </a:schemeClr>
+    </dgm:fillClrLst>
+    <dgm:linClrLst meth="repeat">
+      <a:schemeClr val="accent4">
+        <a:shade val="80000"/>
+      </a:schemeClr>
+    </dgm:linClrLst>
+    <dgm:effectClrLst/>
+    <dgm:txLinClrLst/>
+    <dgm:txFillClrLst meth="repeat">
+      <a:schemeClr val="lt1"/>
+    </dgm:txFillClrLst>
+    <dgm:txEffectClrLst/>
+  </dgm:styleLbl>
+  <dgm:styleLbl name="alignImgPlace1">
+    <dgm:fillClrLst meth="repeat">
+      <a:schemeClr val="accent4">
+        <a:tint val="40000"/>
+      </a:schemeClr>
+    </dgm:fillClrLst>
+    <dgm:linClrLst meth="repeat">
+      <a:schemeClr val="accent4">
+        <a:shade val="80000"/>
+      </a:schemeClr>
+    </dgm:linClrLst>
+    <dgm:effectClrLst/>
+    <dgm:txLinClrLst/>
+    <dgm:txFillClrLst meth="repeat">
+      <a:schemeClr val="lt1"/>
+    </dgm:txFillClrLst>
+    <dgm:txEffectClrLst/>
+  </dgm:styleLbl>
+  <dgm:styleLbl name="bgImgPlace1">
+    <dgm:fillClrLst meth="repeat">
+      <a:schemeClr val="accent4">
+        <a:tint val="40000"/>
+      </a:schemeClr>
+    </dgm:fillClrLst>
+    <dgm:linClrLst meth="repeat">
+      <a:schemeClr val="accent4">
+        <a:shade val="80000"/>
+      </a:schemeClr>
+    </dgm:linClrLst>
+    <dgm:effectClrLst/>
+    <dgm:txLinClrLst/>
+    <dgm:txFillClrLst meth="repeat">
+      <a:schemeClr val="lt1"/>
+    </dgm:txFillClrLst>
+    <dgm:txEffectClrLst/>
+  </dgm:styleLbl>
+  <dgm:styleLbl name="sibTrans2D1">
+    <dgm:fillClrLst meth="repeat">
+      <a:schemeClr val="accent4">
+        <a:tint val="60000"/>
+      </a:schemeClr>
+    </dgm:fillClrLst>
+    <dgm:linClrLst meth="repeat">
+      <a:schemeClr val="accent4">
+        <a:tint val="60000"/>
+      </a:schemeClr>
+    </dgm:linClrLst>
+    <dgm:effectClrLst/>
+    <dgm:txLinClrLst/>
+    <dgm:txFillClrLst meth="repeat">
+      <a:schemeClr val="dk1"/>
+    </dgm:txFillClrLst>
+    <dgm:txEffectClrLst/>
+  </dgm:styleLbl>
+  <dgm:styleLbl name="fgSibTrans2D1">
+    <dgm:fillClrLst meth="repeat">
+      <a:schemeClr val="accent4">
+        <a:tint val="60000"/>
+      </a:schemeClr>
+    </dgm:fillClrLst>
+    <dgm:linClrLst meth="repeat">
+      <a:schemeClr val="accent4">
+        <a:tint val="60000"/>
+      </a:schemeClr>
+    </dgm:linClrLst>
+    <dgm:effectClrLst/>
+    <dgm:txLinClrLst/>
+    <dgm:txFillClrLst meth="repeat">
+      <a:schemeClr val="dk1"/>
+    </dgm:txFillClrLst>
+    <dgm:txEffectClrLst/>
+  </dgm:styleLbl>
+  <dgm:styleLbl name="bgSibTrans2D1">
+    <dgm:fillClrLst meth="repeat">
+      <a:schemeClr val="accent4">
+        <a:tint val="60000"/>
+      </a:schemeClr>
+    </dgm:fillClrLst>
+    <dgm:linClrLst meth="repeat">
+      <a:schemeClr val="accent4">
+        <a:tint val="60000"/>
+      </a:schemeClr>
+    </dgm:linClrLst>
+    <dgm:effectClrLst/>
+    <dgm:txLinClrLst/>
+    <dgm:txFillClrLst meth="repeat">
+      <a:schemeClr val="dk1"/>
+    </dgm:txFillClrLst>
+    <dgm:txEffectClrLst/>
+  </dgm:styleLbl>
+  <dgm:styleLbl name="sibTrans1D1">
+    <dgm:fillClrLst meth="repeat">
+      <a:schemeClr val="accent4"/>
+    </dgm:fillClrLst>
+    <dgm:linClrLst meth="repeat">
+      <a:schemeClr val="accent4"/>
+    </dgm:linClrLst>
+    <dgm:effectClrLst/>
+    <dgm:txLinClrLst/>
+    <dgm:txFillClrLst meth="repeat">
+      <a:schemeClr val="tx1"/>
+    </dgm:txFillClrLst>
+    <dgm:txEffectClrLst/>
+  </dgm:styleLbl>
+  <dgm:styleLbl name="callout">
+    <dgm:fillClrLst meth="repeat">
+      <a:schemeClr val="accent4"/>
+    </dgm:fillClrLst>
+    <dgm:linClrLst meth="repeat">
+      <a:schemeClr val="accent4"/>
+    </dgm:linClrLst>
+    <dgm:effectClrLst/>
+    <dgm:txLinClrLst/>
+    <dgm:txFillClrLst meth="repeat">
+      <a:schemeClr val="tx1"/>
+    </dgm:txFillClrLst>
+    <dgm:txEffectClrLst/>
+  </dgm:styleLbl>
+  <dgm:styleLbl name="asst0">
+    <dgm:fillClrLst meth="repeat">
+      <a:schemeClr val="lt1"/>
+    </dgm:fillClrLst>
+    <dgm:linClrLst meth="repeat">
+      <a:schemeClr val="accent4">
+        <a:shade val="80000"/>
+      </a:schemeClr>
+    </dgm:linClrLst>
+    <dgm:effectClrLst/>
+    <dgm:txLinClrLst/>
+    <dgm:txFillClrLst meth="repeat">
+      <a:schemeClr val="dk1"/>
+    </dgm:txFillClrLst>
+    <dgm:txEffectClrLst/>
+  </dgm:styleLbl>
+  <dgm:styleLbl name="asst1">
+    <dgm:fillClrLst meth="repeat">
+      <a:schemeClr val="lt1"/>
+    </dgm:fillClrLst>
+    <dgm:linClrLst meth="repeat">
+      <a:schemeClr val="accent4">
+        <a:shade val="80000"/>
+      </a:schemeClr>
+    </dgm:linClrLst>
+    <dgm:effectClrLst/>
+    <dgm:txLinClrLst/>
+    <dgm:txFillClrLst meth="repeat">
+      <a:schemeClr val="dk1"/>
+    </dgm:txFillClrLst>
+    <dgm:txEffectClrLst/>
+  </dgm:styleLbl>
+  <dgm:styleLbl name="asst2">
+    <dgm:fillClrLst meth="repeat">
+      <a:schemeClr val="lt1"/>
+    </dgm:fillClrLst>
+    <dgm:linClrLst meth="repeat">
+      <a:schemeClr val="accent4">
+        <a:shade val="80000"/>
+      </a:schemeClr>
+    </dgm:linClrLst>
+    <dgm:effectClrLst/>
+    <dgm:txLinClrLst/>
+    <dgm:txFillClrLst meth="repeat">
+      <a:schemeClr val="dk1"/>
+    </dgm:txFillClrLst>
+    <dgm:txEffectClrLst/>
+  </dgm:styleLbl>
+  <dgm:styleLbl name="asst3">
+    <dgm:fillClrLst meth="repeat">
+      <a:schemeClr val="lt1"/>
+    </dgm:fillClrLst>
+    <dgm:linClrLst meth="repeat">
+      <a:schemeClr val="accent4">
+        <a:shade val="80000"/>
+      </a:schemeClr>
+    </dgm:linClrLst>
+    <dgm:effectClrLst/>
+    <dgm:txLinClrLst/>
+    <dgm:txFillClrLst meth="repeat">
+      <a:schemeClr val="dk1"/>
+    </dgm:txFillClrLst>
+    <dgm:txEffectClrLst/>
+  </dgm:styleLbl>
+  <dgm:styleLbl name="asst4">
+    <dgm:fillClrLst meth="repeat">
+      <a:schemeClr val="lt1"/>
+    </dgm:fillClrLst>
+    <dgm:linClrLst meth="repeat">
+      <a:schemeClr val="accent4">
+        <a:shade val="80000"/>
+      </a:schemeClr>
+    </dgm:linClrLst>
+    <dgm:effectClrLst/>
+    <dgm:txLinClrLst/>
+    <dgm:txFillClrLst meth="repeat">
+      <a:schemeClr val="dk1"/>
+    </dgm:txFillClrLst>
+    <dgm:txEffectClrLst/>
+  </dgm:styleLbl>
+  <dgm:styleLbl name="parChTrans2D1">
+    <dgm:fillClrLst meth="repeat">
+      <a:schemeClr val="accent4">
+        <a:tint val="60000"/>
+      </a:schemeClr>
+    </dgm:fillClrLst>
+    <dgm:linClrLst meth="repeat">
+      <a:schemeClr val="accent4">
+        <a:tint val="60000"/>
+      </a:schemeClr>
+    </dgm:linClrLst>
+    <dgm:effectClrLst/>
+    <dgm:txLinClrLst/>
+    <dgm:txFillClrLst/>
+    <dgm:txEffectClrLst/>
+  </dgm:styleLbl>
+  <dgm:styleLbl name="parChTrans2D2">
+    <dgm:fillClrLst meth="repeat">
+      <a:schemeClr val="accent4"/>
+    </dgm:fillClrLst>
+    <dgm:linClrLst meth="repeat">
+      <a:schemeClr val="accent4"/>
+    </dgm:linClrLst>
+    <dgm:effectClrLst/>
+    <dgm:txLinClrLst/>
+    <dgm:txFillClrLst/>
+    <dgm:txEffectClrLst/>
+  </dgm:styleLbl>
+  <dgm:styleLbl name="parChTrans2D3">
+    <dgm:fillClrLst meth="repeat">
+      <a:schemeClr val="accent4"/>
+    </dgm:fillClrLst>
+    <dgm:linClrLst meth="repeat">
+      <a:schemeClr val="accent4"/>
+    </dgm:linClrLst>
+    <dgm:effectClrLst/>
+    <dgm:txLinClrLst/>
+    <dgm:txFillClrLst/>
+    <dgm:txEffectClrLst/>
+  </dgm:styleLbl>
+  <dgm:styleLbl name="parChTrans2D4">
+    <dgm:fillClrLst meth="repeat">
+      <a:schemeClr val="accent4"/>
+    </dgm:fillClrLst>
+    <dgm:linClrLst meth="repeat">
+      <a:schemeClr val="accent4"/>
+    </dgm:linClrLst>
+    <dgm:effectClrLst/>
+    <dgm:txLinClrLst/>
+    <dgm:txFillClrLst meth="repeat">
+      <a:schemeClr val="lt1"/>
+    </dgm:txFillClrLst>
+    <dgm:txEffectClrLst/>
+  </dgm:styleLbl>
+  <dgm:styleLbl name="parChTrans1D1">
+    <dgm:fillClrLst meth="repeat">
+      <a:schemeClr val="accent4"/>
+    </dgm:fillClrLst>
+    <dgm:linClrLst meth="repeat">
+      <a:schemeClr val="accent4">
+        <a:shade val="60000"/>
+      </a:schemeClr>
+    </dgm:linClrLst>
+    <dgm:effectClrLst/>
+    <dgm:txLinClrLst/>
+    <dgm:txFillClrLst meth="repeat">
+      <a:schemeClr val="tx1"/>
+    </dgm:txFillClrLst>
+    <dgm:txEffectClrLst/>
+  </dgm:styleLbl>
+  <dgm:styleLbl name="parChTrans1D2">
+    <dgm:fillClrLst meth="repeat">
+      <a:schemeClr val="accent4"/>
+    </dgm:fillClrLst>
+    <dgm:linClrLst meth="repeat">
+      <a:schemeClr val="accent4">
+        <a:shade val="60000"/>
+      </a:schemeClr>
+    </dgm:linClrLst>
+    <dgm:effectClrLst/>
+    <dgm:txLinClrLst/>
+    <dgm:txFillClrLst meth="repeat">
+      <a:schemeClr val="tx1"/>
+    </dgm:txFillClrLst>
+    <dgm:txEffectClrLst/>
+  </dgm:styleLbl>
+  <dgm:styleLbl name="parChTrans1D3">
+    <dgm:fillClrLst meth="repeat">
+      <a:schemeClr val="accent4"/>
+    </dgm:fillClrLst>
+    <dgm:linClrLst meth="repeat">
+      <a:schemeClr val="accent4">
+        <a:shade val="80000"/>
+      </a:schemeClr>
+    </dgm:linClrLst>
+    <dgm:effectClrLst/>
+    <dgm:txLinClrLst/>
+    <dgm:txFillClrLst meth="repeat">
+      <a:schemeClr val="tx1"/>
+    </dgm:txFillClrLst>
+    <dgm:txEffectClrLst/>
+  </dgm:styleLbl>
+  <dgm:styleLbl name="parChTrans1D4">
+    <dgm:fillClrLst meth="repeat">
+      <a:schemeClr val="accent4"/>
+    </dgm:fillClrLst>
+    <dgm:linClrLst meth="repeat">
+      <a:schemeClr val="accent4">
+        <a:shade val="80000"/>
+      </a:schemeClr>
+    </dgm:linClrLst>
+    <dgm:effectClrLst/>
+    <dgm:txLinClrLst/>
+    <dgm:txFillClrLst meth="repeat">
+      <a:schemeClr val="tx1"/>
+    </dgm:txFillClrLst>
+    <dgm:txEffectClrLst/>
+  </dgm:styleLbl>
+  <dgm:styleLbl name="fgAcc1">
+    <dgm:fillClrLst meth="repeat">
+      <a:schemeClr val="accent4">
+        <a:alpha val="90000"/>
+        <a:tint val="40000"/>
+      </a:schemeClr>
+    </dgm:fillClrLst>
+    <dgm:linClrLst meth="repeat">
+      <a:schemeClr val="accent4"/>
+    </dgm:linClrLst>
+    <dgm:effectClrLst/>
+    <dgm:txLinClrLst/>
+    <dgm:txFillClrLst meth="repeat">
+      <a:schemeClr val="dk1"/>
+    </dgm:txFillClrLst>
+    <dgm:txEffectClrLst/>
+  </dgm:styleLbl>
+  <dgm:styleLbl name="conFgAcc1">
+    <dgm:fillClrLst meth="repeat">
+      <a:schemeClr val="accent4">
+        <a:alpha val="90000"/>
+        <a:tint val="40000"/>
+      </a:schemeClr>
+    </dgm:fillClrLst>
+    <dgm:linClrLst meth="repeat">
+      <a:schemeClr val="accent4"/>
+    </dgm:linClrLst>
+    <dgm:effectClrLst/>
+    <dgm:txLinClrLst/>
+    <dgm:txFillClrLst meth="repeat">
+      <a:schemeClr val="dk1"/>
+    </dgm:txFillClrLst>
+    <dgm:txEffectClrLst/>
+  </dgm:styleLbl>
+  <dgm:styleLbl name="alignAcc1">
+    <dgm:fillClrLst meth="repeat">
+      <a:schemeClr val="accent4">
+        <a:alpha val="90000"/>
+        <a:tint val="40000"/>
+      </a:schemeClr>
+    </dgm:fillClrLst>
+    <dgm:linClrLst meth="repeat">
+      <a:schemeClr val="accent4"/>
+    </dgm:linClrLst>
+    <dgm:effectClrLst/>
+    <dgm:txLinClrLst/>
+    <dgm:txFillClrLst meth="repeat">
+      <a:schemeClr val="dk1"/>
+    </dgm:txFillClrLst>
+    <dgm:txEffectClrLst/>
+  </dgm:styleLbl>
+  <dgm:styleLbl name="trAlignAcc1">
+    <dgm:fillClrLst meth="repeat">
+      <a:schemeClr val="accent4">
+        <a:alpha val="40000"/>
+        <a:tint val="40000"/>
+      </a:schemeClr>
+    </dgm:fillClrLst>
+    <dgm:linClrLst meth="repeat">
+      <a:schemeClr val="accent4"/>
+    </dgm:linClrLst>
+    <dgm:effectClrLst/>
+    <dgm:txLinClrLst/>
+    <dgm:txFillClrLst meth="repeat">
+      <a:schemeClr val="dk1"/>
+    </dgm:txFillClrLst>
+    <dgm:txEffectClrLst/>
+  </dgm:styleLbl>
+  <dgm:styleLbl name="bgAcc1">
+    <dgm:fillClrLst meth="repeat">
+      <a:schemeClr val="accent4">
+        <a:alpha val="90000"/>
+        <a:tint val="40000"/>
+      </a:schemeClr>
+    </dgm:fillClrLst>
+    <dgm:linClrLst meth="repeat">
+      <a:schemeClr val="accent4"/>
+    </dgm:linClrLst>
+    <dgm:effectClrLst/>
+    <dgm:txLinClrLst/>
+    <dgm:txFillClrLst meth="repeat">
+      <a:schemeClr val="dk1"/>
+    </dgm:txFillClrLst>
+    <dgm:txEffectClrLst/>
+  </dgm:styleLbl>
+  <dgm:styleLbl name="solidFgAcc1">
+    <dgm:fillClrLst meth="repeat">
+      <a:schemeClr val="lt1"/>
+    </dgm:fillClrLst>
+    <dgm:linClrLst meth="repeat">
+      <a:schemeClr val="accent4"/>
+    </dgm:linClrLst>
+    <dgm:effectClrLst/>
+    <dgm:txLinClrLst/>
+    <dgm:txFillClrLst meth="repeat">
+      <a:schemeClr val="dk1"/>
+    </dgm:txFillClrLst>
+    <dgm:txEffectClrLst/>
+  </dgm:styleLbl>
+  <dgm:styleLbl name="solidAlignAcc1">
+    <dgm:fillClrLst meth="repeat">
+      <a:schemeClr val="lt1"/>
+    </dgm:fillClrLst>
+    <dgm:linClrLst meth="repeat">
+      <a:schemeClr val="accent4"/>
+    </dgm:linClrLst>
+    <dgm:effectClrLst/>
+    <dgm:txLinClrLst/>
+    <dgm:txFillClrLst meth="repeat">
+      <a:schemeClr val="dk1"/>
+    </dgm:txFillClrLst>
+    <dgm:txEffectClrLst/>
+  </dgm:styleLbl>
+  <dgm:styleLbl name="solidBgAcc1">
+    <dgm:fillClrLst meth="repeat">
+      <a:schemeClr val="lt1"/>
+    </dgm:fillClrLst>
+    <dgm:linClrLst meth="repeat">
+      <a:schemeClr val="accent4"/>
+    </dgm:linClrLst>
+    <dgm:effectClrLst/>
+    <dgm:txLinClrLst/>
+    <dgm:txFillClrLst meth="repeat">
+      <a:schemeClr val="dk1"/>
+    </dgm:txFillClrLst>
+    <dgm:txEffectClrLst/>
+  </dgm:styleLbl>
+  <dgm:styleLbl name="fgAccFollowNode1">
+    <dgm:fillClrLst meth="repeat">
+      <a:schemeClr val="lt1">
+        <a:alpha val="90000"/>
+        <a:tint val="40000"/>
+      </a:schemeClr>
+    </dgm:fillClrLst>
+    <dgm:linClrLst meth="repeat">
+      <a:schemeClr val="accent4">
+        <a:alpha val="90000"/>
+      </a:schemeClr>
+    </dgm:linClrLst>
+    <dgm:effectClrLst/>
+    <dgm:txLinClrLst/>
+    <dgm:txFillClrLst meth="repeat">
+      <a:schemeClr val="dk1"/>
+    </dgm:txFillClrLst>
+    <dgm:txEffectClrLst/>
+  </dgm:styleLbl>
+  <dgm:styleLbl name="alignAccFollowNode1">
+    <dgm:fillClrLst meth="repeat">
+      <a:schemeClr val="lt1">
+        <a:alpha val="90000"/>
+        <a:tint val="40000"/>
+      </a:schemeClr>
+    </dgm:fillClrLst>
+    <dgm:linClrLst meth="repeat">
+      <a:schemeClr val="accent4">
+        <a:alpha val="90000"/>
+      </a:schemeClr>
+    </dgm:linClrLst>
+    <dgm:effectClrLst/>
+    <dgm:txLinClrLst/>
+    <dgm:txFillClrLst meth="repeat">
+      <a:schemeClr val="dk1"/>
+    </dgm:txFillClrLst>
+    <dgm:txEffectClrLst/>
+  </dgm:styleLbl>
+  <dgm:styleLbl name="bgAccFollowNode1">
+    <dgm:fillClrLst meth="repeat">
+      <a:schemeClr val="lt1">
+        <a:alpha val="90000"/>
+        <a:tint val="40000"/>
+      </a:schemeClr>
+    </dgm:fillClrLst>
+    <dgm:linClrLst meth="repeat">
+      <a:schemeClr val="accent4">
+        <a:alpha val="90000"/>
+      </a:schemeClr>
+    </dgm:linClrLst>
+    <dgm:effectClrLst/>
+    <dgm:txLinClrLst/>
+    <dgm:txFillClrLst meth="repeat">
+      <a:schemeClr val="dk1"/>
+    </dgm:txFillClrLst>
+    <dgm:txEffectClrLst/>
+  </dgm:styleLbl>
+  <dgm:styleLbl name="fgAcc0">
+    <dgm:fillClrLst meth="repeat">
+      <a:schemeClr val="accent4">
+        <a:alpha val="90000"/>
+        <a:tint val="40000"/>
+      </a:schemeClr>
+    </dgm:fillClrLst>
+    <dgm:linClrLst meth="repeat">
+      <a:schemeClr val="accent4"/>
+    </dgm:linClrLst>
+    <dgm:effectClrLst/>
+    <dgm:txLinClrLst/>
+    <dgm:txFillClrLst meth="repeat">
+      <a:schemeClr val="dk1"/>
+    </dgm:txFillClrLst>
+    <dgm:txEffectClrLst/>
+  </dgm:styleLbl>
+  <dgm:styleLbl name="fgAcc2">
+    <dgm:fillClrLst meth="repeat">
+      <a:schemeClr val="accent4">
+        <a:alpha val="90000"/>
+        <a:tint val="40000"/>
+      </a:schemeClr>
+    </dgm:fillClrLst>
+    <dgm:linClrLst meth="repeat">
+      <a:schemeClr val="accent4"/>
+    </dgm:linClrLst>
+    <dgm:effectClrLst/>
+    <dgm:txLinClrLst/>
+    <dgm:txFillClrLst meth="repeat">
+      <a:schemeClr val="dk1"/>
+    </dgm:txFillClrLst>
+    <dgm:txEffectClrLst/>
+  </dgm:styleLbl>
+  <dgm:styleLbl name="fgAcc3">
+    <dgm:fillClrLst meth="repeat">
+      <a:schemeClr val="accent4">
+        <a:alpha val="90000"/>
+        <a:tint val="40000"/>
+      </a:schemeClr>
+    </dgm:fillClrLst>
+    <dgm:linClrLst meth="repeat">
+      <a:schemeClr val="accent4"/>
+    </dgm:linClrLst>
+    <dgm:effectClrLst/>
+    <dgm:txLinClrLst/>
+    <dgm:txFillClrLst meth="repeat">
+      <a:schemeClr val="dk1"/>
+    </dgm:txFillClrLst>
+    <dgm:txEffectClrLst/>
+  </dgm:styleLbl>
+  <dgm:styleLbl name="fgAcc4">
+    <dgm:fillClrLst meth="repeat">
+      <a:schemeClr val="accent4">
+        <a:alpha val="90000"/>
+        <a:tint val="40000"/>
+      </a:schemeClr>
+    </dgm:fillClrLst>
+    <dgm:linClrLst meth="repeat">
+      <a:schemeClr val="accent4"/>
+    </dgm:linClrLst>
+    <dgm:effectClrLst/>
+    <dgm:txLinClrLst/>
+    <dgm:txFillClrLst meth="repeat">
+      <a:schemeClr val="dk1"/>
+    </dgm:txFillClrLst>
+    <dgm:txEffectClrLst/>
+  </dgm:styleLbl>
+  <dgm:styleLbl name="bgShp">
+    <dgm:fillClrLst meth="repeat">
+      <a:schemeClr val="accent4">
+        <a:tint val="40000"/>
+      </a:schemeClr>
+    </dgm:fillClrLst>
+    <dgm:linClrLst meth="repeat">
+      <a:schemeClr val="accent4"/>
+    </dgm:linClrLst>
+    <dgm:effectClrLst/>
+    <dgm:txLinClrLst/>
+    <dgm:txFillClrLst meth="repeat">
+      <a:schemeClr val="dk1"/>
+    </dgm:txFillClrLst>
+    <dgm:txEffectClrLst/>
+  </dgm:styleLbl>
+  <dgm:styleLbl name="dkBgShp">
+    <dgm:fillClrLst meth="repeat">
+      <a:schemeClr val="accent4">
+        <a:shade val="80000"/>
+      </a:schemeClr>
+    </dgm:fillClrLst>
+    <dgm:linClrLst meth="repeat">
+      <a:schemeClr val="accent4"/>
+    </dgm:linClrLst>
+    <dgm:effectClrLst/>
+    <dgm:txLinClrLst/>
+    <dgm:txFillClrLst meth="repeat">
+      <a:schemeClr val="lt1"/>
+    </dgm:txFillClrLst>
+    <dgm:txEffectClrLst/>
+  </dgm:styleLbl>
+  <dgm:styleLbl name="trBgShp">
+    <dgm:fillClrLst meth="repeat">
+      <a:schemeClr val="accent4">
+        <a:tint val="50000"/>
+        <a:alpha val="40000"/>
+      </a:schemeClr>
+    </dgm:fillClrLst>
+    <dgm:linClrLst meth="repeat">
+      <a:schemeClr val="accent4"/>
+    </dgm:linClrLst>
+    <dgm:effectClrLst/>
+    <dgm:txLinClrLst/>
+    <dgm:txFillClrLst meth="repeat">
+      <a:schemeClr val="lt1"/>
+    </dgm:txFillClrLst>
+    <dgm:txEffectClrLst/>
+  </dgm:styleLbl>
+  <dgm:styleLbl name="fgShp">
+    <dgm:fillClrLst meth="repeat">
+      <a:schemeClr val="accent4">
+        <a:tint val="60000"/>
+      </a:schemeClr>
+    </dgm:fillClrLst>
+    <dgm:linClrLst meth="repeat">
+      <a:schemeClr val="lt1"/>
+    </dgm:linClrLst>
+    <dgm:effectClrLst/>
+    <dgm:txLinClrLst/>
+    <dgm:txFillClrLst meth="repeat">
+      <a:schemeClr val="dk1"/>
+    </dgm:txFillClrLst>
+    <dgm:txEffectClrLst/>
+  </dgm:styleLbl>
+  <dgm:styleLbl name="revTx">
+    <dgm:fillClrLst meth="repeat">
+      <a:schemeClr val="lt1">
+        <a:alpha val="0"/>
+      </a:schemeClr>
+    </dgm:fillClrLst>
+    <dgm:linClrLst meth="repeat">
+      <a:schemeClr val="dk1">
+        <a:alpha val="0"/>
+      </a:schemeClr>
+    </dgm:linClrLst>
+    <dgm:effectClrLst/>
+    <dgm:txLinClrLst/>
+    <dgm:txFillClrLst meth="repeat">
+      <a:schemeClr val="tx1"/>
+    </dgm:txFillClrLst>
+    <dgm:txEffectClrLst/>
+  </dgm:styleLbl>
+</dgm:colorsDef>
+</file>
+
+<file path=ppt/diagrams/data1.xml><?xml version="1.0" encoding="utf-8"?>
+<dgm:dataModel xmlns:dgm="http://schemas.openxmlformats.org/drawingml/2006/diagram" xmlns:a="http://schemas.openxmlformats.org/drawingml/2006/main">
+  <dgm:ptLst>
+    <dgm:pt modelId="{ACF2DFCF-DD14-417F-9316-53D6C4503FE7}" type="doc">
+      <dgm:prSet loTypeId="urn:microsoft.com/office/officeart/2005/8/layout/StepDownProcess" loCatId="process" qsTypeId="urn:microsoft.com/office/officeart/2005/8/quickstyle/simple3" qsCatId="simple" csTypeId="urn:microsoft.com/office/officeart/2005/8/colors/accent4_1" csCatId="accent4" phldr="1"/>
+      <dgm:spPr/>
+      <dgm:t>
+        <a:bodyPr/>
+        <a:lstStyle/>
+        <a:p>
+          <a:endParaRPr lang="fr-FR"/>
+        </a:p>
+      </dgm:t>
+    </dgm:pt>
+    <dgm:pt modelId="{F231BFF2-FAB8-4B30-B213-CC8343C5299B}">
+      <dgm:prSet phldrT="[Texte]" custT="1"/>
+      <dgm:spPr/>
+      <dgm:t>
+        <a:bodyPr/>
+        <a:lstStyle/>
+        <a:p>
+          <a:r>
+            <a:rPr lang="fr-FR" sz="1600" dirty="0"/>
+            <a:t>Système d’exploitation : Windows 10</a:t>
+          </a:r>
+        </a:p>
+      </dgm:t>
+    </dgm:pt>
+    <dgm:pt modelId="{F5D602D8-0F24-403E-B204-CFDFD38C054D}" type="parTrans" cxnId="{647B41F1-4D94-409C-8D17-13E9697E9EAC}">
+      <dgm:prSet/>
+      <dgm:spPr/>
+      <dgm:t>
+        <a:bodyPr/>
+        <a:lstStyle/>
+        <a:p>
+          <a:endParaRPr lang="fr-FR"/>
+        </a:p>
+      </dgm:t>
+    </dgm:pt>
+    <dgm:pt modelId="{424526EC-751E-41E4-96D7-C34B159C040B}" type="sibTrans" cxnId="{647B41F1-4D94-409C-8D17-13E9697E9EAC}">
+      <dgm:prSet/>
+      <dgm:spPr/>
+      <dgm:t>
+        <a:bodyPr/>
+        <a:lstStyle/>
+        <a:p>
+          <a:endParaRPr lang="fr-FR"/>
+        </a:p>
+      </dgm:t>
+    </dgm:pt>
+    <dgm:pt modelId="{B068D528-0452-4A6B-80A0-5DBBE0872E77}">
+      <dgm:prSet phldrT="[Texte]"/>
+      <dgm:spPr>
+        <a:noFill/>
+        <a:ln>
+          <a:noFill/>
+        </a:ln>
+      </dgm:spPr>
+      <dgm:t>
+        <a:bodyPr/>
+        <a:lstStyle/>
+        <a:p>
+          <a:r>
+            <a:rPr lang="fr-FR" dirty="0"/>
+            <a:t> </a:t>
+          </a:r>
+        </a:p>
+      </dgm:t>
+    </dgm:pt>
+    <dgm:pt modelId="{10011C78-79D4-4A81-93D9-99C350FE3C58}" type="parTrans" cxnId="{8F4BF599-0E13-4C7D-A036-3818797FA7B7}">
+      <dgm:prSet/>
+      <dgm:spPr/>
+      <dgm:t>
+        <a:bodyPr/>
+        <a:lstStyle/>
+        <a:p>
+          <a:endParaRPr lang="fr-FR"/>
+        </a:p>
+      </dgm:t>
+    </dgm:pt>
+    <dgm:pt modelId="{DB4B7179-49C8-4AA1-9707-C51EACABAB2F}" type="sibTrans" cxnId="{8F4BF599-0E13-4C7D-A036-3818797FA7B7}">
+      <dgm:prSet/>
+      <dgm:spPr/>
+      <dgm:t>
+        <a:bodyPr/>
+        <a:lstStyle/>
+        <a:p>
+          <a:endParaRPr lang="fr-FR"/>
+        </a:p>
+      </dgm:t>
+    </dgm:pt>
+    <dgm:pt modelId="{3373453A-8E7A-4A7A-B141-1DA2A6EC45AA}">
+      <dgm:prSet phldrT="[Texte]" custT="1"/>
+      <dgm:spPr/>
+      <dgm:t>
+        <a:bodyPr/>
+        <a:lstStyle/>
+        <a:p>
+          <a:r>
+            <a:rPr lang="fr-FR" sz="1600" dirty="0"/>
+            <a:t>Langage de développement : C#</a:t>
+          </a:r>
+        </a:p>
+      </dgm:t>
+    </dgm:pt>
+    <dgm:pt modelId="{C5B12C6D-8112-42EF-82D9-92E80ADD7D7F}" type="parTrans" cxnId="{28DA6164-0103-4F01-BFDD-9C7174E5C29C}">
+      <dgm:prSet/>
+      <dgm:spPr/>
+      <dgm:t>
+        <a:bodyPr/>
+        <a:lstStyle/>
+        <a:p>
+          <a:endParaRPr lang="fr-FR"/>
+        </a:p>
+      </dgm:t>
+    </dgm:pt>
+    <dgm:pt modelId="{D3AE4B5B-8ABE-4067-B8E9-4F90980811D7}" type="sibTrans" cxnId="{28DA6164-0103-4F01-BFDD-9C7174E5C29C}">
+      <dgm:prSet/>
+      <dgm:spPr/>
+      <dgm:t>
+        <a:bodyPr/>
+        <a:lstStyle/>
+        <a:p>
+          <a:endParaRPr lang="fr-FR"/>
+        </a:p>
+      </dgm:t>
+    </dgm:pt>
+    <dgm:pt modelId="{C269453D-C4F7-476F-9B2F-64646BFAE15D}">
+      <dgm:prSet phldrT="[Texte]"/>
+      <dgm:spPr>
+        <a:noFill/>
+        <a:ln>
+          <a:noFill/>
+        </a:ln>
+      </dgm:spPr>
+      <dgm:t>
+        <a:bodyPr/>
+        <a:lstStyle/>
+        <a:p>
+          <a:r>
+            <a:rPr lang="fr-FR" dirty="0"/>
+            <a:t> </a:t>
+          </a:r>
+        </a:p>
+      </dgm:t>
+    </dgm:pt>
+    <dgm:pt modelId="{39A39B53-4D4E-47CB-8EF6-9CC158DB92FC}" type="parTrans" cxnId="{E171404B-622A-4216-B7DD-761DB01AF78A}">
+      <dgm:prSet/>
+      <dgm:spPr/>
+      <dgm:t>
+        <a:bodyPr/>
+        <a:lstStyle/>
+        <a:p>
+          <a:endParaRPr lang="fr-FR"/>
+        </a:p>
+      </dgm:t>
+    </dgm:pt>
+    <dgm:pt modelId="{B064974E-1F09-493C-A499-C8093DAD99C9}" type="sibTrans" cxnId="{E171404B-622A-4216-B7DD-761DB01AF78A}">
+      <dgm:prSet/>
+      <dgm:spPr/>
+      <dgm:t>
+        <a:bodyPr/>
+        <a:lstStyle/>
+        <a:p>
+          <a:endParaRPr lang="fr-FR"/>
+        </a:p>
+      </dgm:t>
+    </dgm:pt>
+    <dgm:pt modelId="{BB2ED01E-E490-4EA0-B43A-AD47157CFD19}">
+      <dgm:prSet phldrT="[Texte]" custT="1"/>
+      <dgm:spPr/>
+      <dgm:t>
+        <a:bodyPr/>
+        <a:lstStyle/>
+        <a:p>
+          <a:r>
+            <a:rPr lang="fr-FR" sz="1400" dirty="0"/>
+            <a:t>Environnement de développement (IDE)</a:t>
+          </a:r>
+        </a:p>
+      </dgm:t>
+    </dgm:pt>
+    <dgm:pt modelId="{C68C90B2-ADD1-439C-BE27-0A083AF4ADD3}" type="parTrans" cxnId="{A8675B1D-D092-47DB-8D1A-319C43469F0B}">
+      <dgm:prSet/>
+      <dgm:spPr/>
+      <dgm:t>
+        <a:bodyPr/>
+        <a:lstStyle/>
+        <a:p>
+          <a:endParaRPr lang="fr-FR"/>
+        </a:p>
+      </dgm:t>
+    </dgm:pt>
+    <dgm:pt modelId="{13417CEF-0D6E-4598-BD82-1826EE4B5D97}" type="sibTrans" cxnId="{A8675B1D-D092-47DB-8D1A-319C43469F0B}">
+      <dgm:prSet/>
+      <dgm:spPr/>
+      <dgm:t>
+        <a:bodyPr/>
+        <a:lstStyle/>
+        <a:p>
+          <a:endParaRPr lang="fr-FR"/>
+        </a:p>
+      </dgm:t>
+    </dgm:pt>
+    <dgm:pt modelId="{B544CDBC-5345-43F4-BD81-B2324D4DA4C2}">
+      <dgm:prSet phldrT="[Texte]"/>
+      <dgm:spPr>
+        <a:noFill/>
+        <a:ln>
+          <a:noFill/>
+        </a:ln>
+      </dgm:spPr>
+      <dgm:t>
+        <a:bodyPr/>
+        <a:lstStyle/>
+        <a:p>
+          <a:r>
+            <a:rPr lang="fr-FR" dirty="0"/>
+            <a:t> </a:t>
+          </a:r>
+        </a:p>
+      </dgm:t>
+    </dgm:pt>
+    <dgm:pt modelId="{B4CFBEA4-D5AB-412E-A359-243836923E3A}" type="sibTrans" cxnId="{27E6BE3B-2D45-4CCB-95BC-0CCBFE8AB969}">
+      <dgm:prSet/>
+      <dgm:spPr/>
+      <dgm:t>
+        <a:bodyPr/>
+        <a:lstStyle/>
+        <a:p>
+          <a:endParaRPr lang="fr-FR"/>
+        </a:p>
+      </dgm:t>
+    </dgm:pt>
+    <dgm:pt modelId="{99832FAA-E417-480D-993B-250010612DAD}" type="parTrans" cxnId="{27E6BE3B-2D45-4CCB-95BC-0CCBFE8AB969}">
+      <dgm:prSet/>
+      <dgm:spPr/>
+      <dgm:t>
+        <a:bodyPr/>
+        <a:lstStyle/>
+        <a:p>
+          <a:endParaRPr lang="fr-FR"/>
+        </a:p>
+      </dgm:t>
+    </dgm:pt>
+    <dgm:pt modelId="{77D0C737-22FC-496B-8231-098DA37FB790}" type="pres">
+      <dgm:prSet presAssocID="{ACF2DFCF-DD14-417F-9316-53D6C4503FE7}" presName="rootnode" presStyleCnt="0">
+        <dgm:presLayoutVars>
+          <dgm:chMax/>
+          <dgm:chPref/>
+          <dgm:dir/>
+          <dgm:animLvl val="lvl"/>
+        </dgm:presLayoutVars>
+      </dgm:prSet>
+      <dgm:spPr/>
+    </dgm:pt>
+    <dgm:pt modelId="{A4BE9356-1750-45DF-82F1-909B58CE4B42}" type="pres">
+      <dgm:prSet presAssocID="{B544CDBC-5345-43F4-BD81-B2324D4DA4C2}" presName="composite" presStyleCnt="0"/>
+      <dgm:spPr/>
+    </dgm:pt>
+    <dgm:pt modelId="{106C43D3-564A-49A1-B69B-9B09B8827174}" type="pres">
+      <dgm:prSet presAssocID="{B544CDBC-5345-43F4-BD81-B2324D4DA4C2}" presName="bentUpArrow1" presStyleLbl="alignImgPlace1" presStyleIdx="0" presStyleCnt="2" custLinFactNeighborX="36268" custLinFactNeighborY="1628"/>
+      <dgm:spPr>
+        <a:effectLst>
+          <a:outerShdw blurRad="63500" sx="102000" sy="102000" algn="ctr" rotWithShape="0">
+            <a:prstClr val="black">
+              <a:alpha val="40000"/>
+            </a:prstClr>
+          </a:outerShdw>
+        </a:effectLst>
+      </dgm:spPr>
+    </dgm:pt>
+    <dgm:pt modelId="{45A6C6CC-B3D6-42F3-ABCE-34EC728B5E4F}" type="pres">
+      <dgm:prSet presAssocID="{B544CDBC-5345-43F4-BD81-B2324D4DA4C2}" presName="ParentText" presStyleLbl="node1" presStyleIdx="0" presStyleCnt="3">
+        <dgm:presLayoutVars>
+          <dgm:chMax val="1"/>
+          <dgm:chPref val="1"/>
+          <dgm:bulletEnabled val="1"/>
+        </dgm:presLayoutVars>
+      </dgm:prSet>
+      <dgm:spPr>
+        <a:prstGeom prst="rect">
+          <a:avLst/>
+        </a:prstGeom>
+      </dgm:spPr>
+    </dgm:pt>
+    <dgm:pt modelId="{F5F30A18-E94A-4F58-BD7F-7822D2B39A74}" type="pres">
+      <dgm:prSet presAssocID="{B544CDBC-5345-43F4-BD81-B2324D4DA4C2}" presName="ChildText" presStyleLbl="revTx" presStyleIdx="0" presStyleCnt="3" custScaleX="277543" custLinFactNeighborX="88659" custLinFactNeighborY="797">
+        <dgm:presLayoutVars>
+          <dgm:chMax val="0"/>
+          <dgm:chPref val="0"/>
+          <dgm:bulletEnabled val="1"/>
+        </dgm:presLayoutVars>
+      </dgm:prSet>
+      <dgm:spPr/>
+    </dgm:pt>
+    <dgm:pt modelId="{CB643FE5-876E-4B21-A34E-E49A2B787DA9}" type="pres">
+      <dgm:prSet presAssocID="{B4CFBEA4-D5AB-412E-A359-243836923E3A}" presName="sibTrans" presStyleCnt="0"/>
+      <dgm:spPr/>
+    </dgm:pt>
+    <dgm:pt modelId="{F1458821-735B-4BB3-8976-C0FA6CBECC4E}" type="pres">
+      <dgm:prSet presAssocID="{B068D528-0452-4A6B-80A0-5DBBE0872E77}" presName="composite" presStyleCnt="0"/>
+      <dgm:spPr/>
+    </dgm:pt>
+    <dgm:pt modelId="{6004EAAE-92EA-4AE6-B097-BB61D7E016B5}" type="pres">
+      <dgm:prSet presAssocID="{B068D528-0452-4A6B-80A0-5DBBE0872E77}" presName="bentUpArrow1" presStyleLbl="alignImgPlace1" presStyleIdx="1" presStyleCnt="2" custLinFactNeighborX="28125" custLinFactNeighborY="-1464"/>
+      <dgm:spPr>
+        <a:effectLst>
+          <a:outerShdw blurRad="63500" sx="102000" sy="102000" algn="ctr" rotWithShape="0">
+            <a:prstClr val="black">
+              <a:alpha val="40000"/>
+            </a:prstClr>
+          </a:outerShdw>
+        </a:effectLst>
+      </dgm:spPr>
+    </dgm:pt>
+    <dgm:pt modelId="{38046E19-F68F-41D1-974E-2DE363F2F407}" type="pres">
+      <dgm:prSet presAssocID="{B068D528-0452-4A6B-80A0-5DBBE0872E77}" presName="ParentText" presStyleLbl="node1" presStyleIdx="1" presStyleCnt="3" custLinFactNeighborX="-7424" custLinFactNeighborY="-1933">
+        <dgm:presLayoutVars>
+          <dgm:chMax val="1"/>
+          <dgm:chPref val="1"/>
+          <dgm:bulletEnabled val="1"/>
+        </dgm:presLayoutVars>
+      </dgm:prSet>
+      <dgm:spPr>
+        <a:prstGeom prst="rect">
+          <a:avLst/>
+        </a:prstGeom>
+      </dgm:spPr>
+    </dgm:pt>
+    <dgm:pt modelId="{766F820D-22FB-46D2-A1E3-ACF3F7EAC21B}" type="pres">
+      <dgm:prSet presAssocID="{B068D528-0452-4A6B-80A0-5DBBE0872E77}" presName="ChildText" presStyleLbl="revTx" presStyleIdx="1" presStyleCnt="3" custScaleX="168978" custLinFactNeighborX="662" custLinFactNeighborY="-851">
+        <dgm:presLayoutVars>
+          <dgm:chMax val="0"/>
+          <dgm:chPref val="0"/>
+          <dgm:bulletEnabled val="1"/>
+        </dgm:presLayoutVars>
+      </dgm:prSet>
+      <dgm:spPr/>
+    </dgm:pt>
+    <dgm:pt modelId="{4BA1CD4C-065C-42C3-94DE-4D32F4BD9B54}" type="pres">
+      <dgm:prSet presAssocID="{DB4B7179-49C8-4AA1-9707-C51EACABAB2F}" presName="sibTrans" presStyleCnt="0"/>
+      <dgm:spPr/>
+    </dgm:pt>
+    <dgm:pt modelId="{09F7BD9E-AB7E-4E90-8559-68F5E685134C}" type="pres">
+      <dgm:prSet presAssocID="{C269453D-C4F7-476F-9B2F-64646BFAE15D}" presName="composite" presStyleCnt="0"/>
+      <dgm:spPr/>
+    </dgm:pt>
+    <dgm:pt modelId="{3FE1E1F5-6BA3-4156-AF8B-907B30F136FC}" type="pres">
+      <dgm:prSet presAssocID="{C269453D-C4F7-476F-9B2F-64646BFAE15D}" presName="ParentText" presStyleLbl="node1" presStyleIdx="2" presStyleCnt="3" custLinFactNeighborX="-19200" custLinFactNeighborY="-6148">
+        <dgm:presLayoutVars>
+          <dgm:chMax val="1"/>
+          <dgm:chPref val="1"/>
+          <dgm:bulletEnabled val="1"/>
+        </dgm:presLayoutVars>
+      </dgm:prSet>
+      <dgm:spPr>
+        <a:prstGeom prst="rect">
+          <a:avLst/>
+        </a:prstGeom>
+      </dgm:spPr>
+    </dgm:pt>
+    <dgm:pt modelId="{9583B91A-8549-4167-893F-5F7EAA08C1A4}" type="pres">
+      <dgm:prSet presAssocID="{C269453D-C4F7-476F-9B2F-64646BFAE15D}" presName="FinalChildText" presStyleLbl="revTx" presStyleIdx="2" presStyleCnt="3" custScaleX="154166" custLinFactNeighborX="7017" custLinFactNeighborY="801">
+        <dgm:presLayoutVars>
+          <dgm:chMax val="0"/>
+          <dgm:chPref val="0"/>
+          <dgm:bulletEnabled val="1"/>
+        </dgm:presLayoutVars>
+      </dgm:prSet>
+      <dgm:spPr/>
+    </dgm:pt>
+  </dgm:ptLst>
+  <dgm:cxnLst>
+    <dgm:cxn modelId="{A8675B1D-D092-47DB-8D1A-319C43469F0B}" srcId="{C269453D-C4F7-476F-9B2F-64646BFAE15D}" destId="{BB2ED01E-E490-4EA0-B43A-AD47157CFD19}" srcOrd="0" destOrd="0" parTransId="{C68C90B2-ADD1-439C-BE27-0A083AF4ADD3}" sibTransId="{13417CEF-0D6E-4598-BD82-1826EE4B5D97}"/>
+    <dgm:cxn modelId="{9405BA2C-E24F-43D8-B8B6-95E276233860}" type="presOf" srcId="{B068D528-0452-4A6B-80A0-5DBBE0872E77}" destId="{38046E19-F68F-41D1-974E-2DE363F2F407}" srcOrd="0" destOrd="0" presId="urn:microsoft.com/office/officeart/2005/8/layout/StepDownProcess"/>
+    <dgm:cxn modelId="{F4B0D135-1EFD-4CB0-92C7-54CEEA1C573F}" type="presOf" srcId="{B544CDBC-5345-43F4-BD81-B2324D4DA4C2}" destId="{45A6C6CC-B3D6-42F3-ABCE-34EC728B5E4F}" srcOrd="0" destOrd="0" presId="urn:microsoft.com/office/officeart/2005/8/layout/StepDownProcess"/>
+    <dgm:cxn modelId="{27E6BE3B-2D45-4CCB-95BC-0CCBFE8AB969}" srcId="{ACF2DFCF-DD14-417F-9316-53D6C4503FE7}" destId="{B544CDBC-5345-43F4-BD81-B2324D4DA4C2}" srcOrd="0" destOrd="0" parTransId="{99832FAA-E417-480D-993B-250010612DAD}" sibTransId="{B4CFBEA4-D5AB-412E-A359-243836923E3A}"/>
+    <dgm:cxn modelId="{EB87185D-53FC-49E8-96A7-3F940CB5BA2B}" type="presOf" srcId="{F231BFF2-FAB8-4B30-B213-CC8343C5299B}" destId="{F5F30A18-E94A-4F58-BD7F-7822D2B39A74}" srcOrd="0" destOrd="0" presId="urn:microsoft.com/office/officeart/2005/8/layout/StepDownProcess"/>
+    <dgm:cxn modelId="{28DA6164-0103-4F01-BFDD-9C7174E5C29C}" srcId="{B068D528-0452-4A6B-80A0-5DBBE0872E77}" destId="{3373453A-8E7A-4A7A-B141-1DA2A6EC45AA}" srcOrd="0" destOrd="0" parTransId="{C5B12C6D-8112-42EF-82D9-92E80ADD7D7F}" sibTransId="{D3AE4B5B-8ABE-4067-B8E9-4F90980811D7}"/>
+    <dgm:cxn modelId="{E171404B-622A-4216-B7DD-761DB01AF78A}" srcId="{ACF2DFCF-DD14-417F-9316-53D6C4503FE7}" destId="{C269453D-C4F7-476F-9B2F-64646BFAE15D}" srcOrd="2" destOrd="0" parTransId="{39A39B53-4D4E-47CB-8EF6-9CC158DB92FC}" sibTransId="{B064974E-1F09-493C-A499-C8093DAD99C9}"/>
+    <dgm:cxn modelId="{779A8D91-07DE-423D-A977-F32160D239B5}" type="presOf" srcId="{BB2ED01E-E490-4EA0-B43A-AD47157CFD19}" destId="{9583B91A-8549-4167-893F-5F7EAA08C1A4}" srcOrd="0" destOrd="0" presId="urn:microsoft.com/office/officeart/2005/8/layout/StepDownProcess"/>
+    <dgm:cxn modelId="{8F4BF599-0E13-4C7D-A036-3818797FA7B7}" srcId="{ACF2DFCF-DD14-417F-9316-53D6C4503FE7}" destId="{B068D528-0452-4A6B-80A0-5DBBE0872E77}" srcOrd="1" destOrd="0" parTransId="{10011C78-79D4-4A81-93D9-99C350FE3C58}" sibTransId="{DB4B7179-49C8-4AA1-9707-C51EACABAB2F}"/>
+    <dgm:cxn modelId="{DE696FBE-9316-41E9-A02F-86FA4807E321}" type="presOf" srcId="{3373453A-8E7A-4A7A-B141-1DA2A6EC45AA}" destId="{766F820D-22FB-46D2-A1E3-ACF3F7EAC21B}" srcOrd="0" destOrd="0" presId="urn:microsoft.com/office/officeart/2005/8/layout/StepDownProcess"/>
+    <dgm:cxn modelId="{78A687BE-2C81-4006-81A2-24BB83D766C2}" type="presOf" srcId="{ACF2DFCF-DD14-417F-9316-53D6C4503FE7}" destId="{77D0C737-22FC-496B-8231-098DA37FB790}" srcOrd="0" destOrd="0" presId="urn:microsoft.com/office/officeart/2005/8/layout/StepDownProcess"/>
+    <dgm:cxn modelId="{186735E9-70D0-4189-BEE3-24943649CF22}" type="presOf" srcId="{C269453D-C4F7-476F-9B2F-64646BFAE15D}" destId="{3FE1E1F5-6BA3-4156-AF8B-907B30F136FC}" srcOrd="0" destOrd="0" presId="urn:microsoft.com/office/officeart/2005/8/layout/StepDownProcess"/>
+    <dgm:cxn modelId="{647B41F1-4D94-409C-8D17-13E9697E9EAC}" srcId="{B544CDBC-5345-43F4-BD81-B2324D4DA4C2}" destId="{F231BFF2-FAB8-4B30-B213-CC8343C5299B}" srcOrd="0" destOrd="0" parTransId="{F5D602D8-0F24-403E-B204-CFDFD38C054D}" sibTransId="{424526EC-751E-41E4-96D7-C34B159C040B}"/>
+    <dgm:cxn modelId="{4281E7A3-7379-42F8-823E-0BA587E4E6A6}" type="presParOf" srcId="{77D0C737-22FC-496B-8231-098DA37FB790}" destId="{A4BE9356-1750-45DF-82F1-909B58CE4B42}" srcOrd="0" destOrd="0" presId="urn:microsoft.com/office/officeart/2005/8/layout/StepDownProcess"/>
+    <dgm:cxn modelId="{9C8010DC-D62C-47A4-A356-4CF20EFB5B31}" type="presParOf" srcId="{A4BE9356-1750-45DF-82F1-909B58CE4B42}" destId="{106C43D3-564A-49A1-B69B-9B09B8827174}" srcOrd="0" destOrd="0" presId="urn:microsoft.com/office/officeart/2005/8/layout/StepDownProcess"/>
+    <dgm:cxn modelId="{37E4447B-5827-4B50-96AE-F54FB04677D7}" type="presParOf" srcId="{A4BE9356-1750-45DF-82F1-909B58CE4B42}" destId="{45A6C6CC-B3D6-42F3-ABCE-34EC728B5E4F}" srcOrd="1" destOrd="0" presId="urn:microsoft.com/office/officeart/2005/8/layout/StepDownProcess"/>
+    <dgm:cxn modelId="{1BDF6F6D-D630-4B5C-B46F-A4C0C1AF6049}" type="presParOf" srcId="{A4BE9356-1750-45DF-82F1-909B58CE4B42}" destId="{F5F30A18-E94A-4F58-BD7F-7822D2B39A74}" srcOrd="2" destOrd="0" presId="urn:microsoft.com/office/officeart/2005/8/layout/StepDownProcess"/>
+    <dgm:cxn modelId="{D2BB904E-79B3-4181-AEF6-BA24A1FC7601}" type="presParOf" srcId="{77D0C737-22FC-496B-8231-098DA37FB790}" destId="{CB643FE5-876E-4B21-A34E-E49A2B787DA9}" srcOrd="1" destOrd="0" presId="urn:microsoft.com/office/officeart/2005/8/layout/StepDownProcess"/>
+    <dgm:cxn modelId="{D6CE6A39-C528-4426-ADD4-E4E66DBE4C93}" type="presParOf" srcId="{77D0C737-22FC-496B-8231-098DA37FB790}" destId="{F1458821-735B-4BB3-8976-C0FA6CBECC4E}" srcOrd="2" destOrd="0" presId="urn:microsoft.com/office/officeart/2005/8/layout/StepDownProcess"/>
+    <dgm:cxn modelId="{CDCEF8E7-DCFE-4DD4-8B6A-B8FE24B6C947}" type="presParOf" srcId="{F1458821-735B-4BB3-8976-C0FA6CBECC4E}" destId="{6004EAAE-92EA-4AE6-B097-BB61D7E016B5}" srcOrd="0" destOrd="0" presId="urn:microsoft.com/office/officeart/2005/8/layout/StepDownProcess"/>
+    <dgm:cxn modelId="{90090D25-F871-4F34-B2CB-32B552F5DC4C}" type="presParOf" srcId="{F1458821-735B-4BB3-8976-C0FA6CBECC4E}" destId="{38046E19-F68F-41D1-974E-2DE363F2F407}" srcOrd="1" destOrd="0" presId="urn:microsoft.com/office/officeart/2005/8/layout/StepDownProcess"/>
+    <dgm:cxn modelId="{24C58D38-9BF4-46F5-9A8E-1AC33CEB6D33}" type="presParOf" srcId="{F1458821-735B-4BB3-8976-C0FA6CBECC4E}" destId="{766F820D-22FB-46D2-A1E3-ACF3F7EAC21B}" srcOrd="2" destOrd="0" presId="urn:microsoft.com/office/officeart/2005/8/layout/StepDownProcess"/>
+    <dgm:cxn modelId="{ACA36E6A-D2A1-42EE-8D5A-5A7274AC6862}" type="presParOf" srcId="{77D0C737-22FC-496B-8231-098DA37FB790}" destId="{4BA1CD4C-065C-42C3-94DE-4D32F4BD9B54}" srcOrd="3" destOrd="0" presId="urn:microsoft.com/office/officeart/2005/8/layout/StepDownProcess"/>
+    <dgm:cxn modelId="{655C828C-8D93-4A5A-8A96-3D9BEF178E49}" type="presParOf" srcId="{77D0C737-22FC-496B-8231-098DA37FB790}" destId="{09F7BD9E-AB7E-4E90-8559-68F5E685134C}" srcOrd="4" destOrd="0" presId="urn:microsoft.com/office/officeart/2005/8/layout/StepDownProcess"/>
+    <dgm:cxn modelId="{37FE53A2-0A0E-4884-BE97-8E36EF6BC66E}" type="presParOf" srcId="{09F7BD9E-AB7E-4E90-8559-68F5E685134C}" destId="{3FE1E1F5-6BA3-4156-AF8B-907B30F136FC}" srcOrd="0" destOrd="0" presId="urn:microsoft.com/office/officeart/2005/8/layout/StepDownProcess"/>
+    <dgm:cxn modelId="{5E353227-577E-46E3-A9D4-7D81051C2103}" type="presParOf" srcId="{09F7BD9E-AB7E-4E90-8559-68F5E685134C}" destId="{9583B91A-8549-4167-893F-5F7EAA08C1A4}" srcOrd="1" destOrd="0" presId="urn:microsoft.com/office/officeart/2005/8/layout/StepDownProcess"/>
+  </dgm:cxnLst>
+  <dgm:bg>
+    <a:effectLst>
+      <a:outerShdw blurRad="63500" sx="102000" sy="102000" algn="ctr" rotWithShape="0">
+        <a:prstClr val="black">
+          <a:alpha val="40000"/>
+        </a:prstClr>
+      </a:outerShdw>
+    </a:effectLst>
+  </dgm:bg>
+  <dgm:whole/>
+  <dgm:extLst>
+    <a:ext uri="http://schemas.microsoft.com/office/drawing/2008/diagram">
+      <dsp:dataModelExt xmlns:dsp="http://schemas.microsoft.com/office/drawing/2008/diagram" relId="rId7" minVer="http://schemas.openxmlformats.org/drawingml/2006/diagram"/>
+    </a:ext>
+  </dgm:extLst>
+</dgm:dataModel>
+</file>
+
+<file path=ppt/diagrams/drawing1.xml><?xml version="1.0" encoding="utf-8"?>
+<dsp:drawing xmlns:dgm="http://schemas.openxmlformats.org/drawingml/2006/diagram" xmlns:dsp="http://schemas.microsoft.com/office/drawing/2008/diagram" xmlns:a="http://schemas.openxmlformats.org/drawingml/2006/main">
+  <dsp:spTree>
+    <dsp:nvGrpSpPr>
+      <dsp:cNvPr id="0" name=""/>
+      <dsp:cNvGrpSpPr/>
+    </dsp:nvGrpSpPr>
+    <dsp:grpSpPr/>
+    <dsp:sp modelId="{106C43D3-564A-49A1-B69B-9B09B8827174}">
+      <dsp:nvSpPr>
+        <dsp:cNvPr id="0" name=""/>
+        <dsp:cNvSpPr/>
+      </dsp:nvSpPr>
+      <dsp:spPr>
+        <a:xfrm rot="5400000">
+          <a:off x="832563" y="1749575"/>
+          <a:ext cx="1217930" cy="1386570"/>
+        </a:xfrm>
+        <a:prstGeom prst="bentUpArrow">
+          <a:avLst>
+            <a:gd name="adj1" fmla="val 32840"/>
+            <a:gd name="adj2" fmla="val 25000"/>
+            <a:gd name="adj3" fmla="val 35780"/>
+          </a:avLst>
+        </a:prstGeom>
+        <a:solidFill>
+          <a:schemeClr val="accent4">
+            <a:tint val="40000"/>
+            <a:hueOff val="0"/>
+            <a:satOff val="0"/>
+            <a:lumOff val="0"/>
+            <a:alphaOff val="0"/>
+          </a:schemeClr>
+        </a:solidFill>
+        <a:ln w="12700" cap="rnd" cmpd="sng" algn="ctr">
+          <a:solidFill>
+            <a:schemeClr val="accent4">
+              <a:shade val="80000"/>
+              <a:hueOff val="0"/>
+              <a:satOff val="0"/>
+              <a:lumOff val="0"/>
+              <a:alphaOff val="0"/>
+            </a:schemeClr>
+          </a:solidFill>
+          <a:prstDash val="solid"/>
+        </a:ln>
+        <a:effectLst>
+          <a:outerShdw blurRad="63500" sx="102000" sy="102000" algn="ctr" rotWithShape="0">
+            <a:prstClr val="black">
+              <a:alpha val="40000"/>
+            </a:prstClr>
+          </a:outerShdw>
+        </a:effectLst>
+      </dsp:spPr>
+      <dsp:style>
+        <a:lnRef idx="1">
+          <a:scrgbClr r="0" g="0" b="0"/>
+        </a:lnRef>
+        <a:fillRef idx="1">
+          <a:scrgbClr r="0" g="0" b="0"/>
+        </a:fillRef>
+        <a:effectRef idx="1">
+          <a:scrgbClr r="0" g="0" b="0"/>
+        </a:effectRef>
+        <a:fontRef idx="minor"/>
+      </dsp:style>
+    </dsp:sp>
+    <dsp:sp modelId="{45A6C6CC-B3D6-42F3-ABCE-34EC728B5E4F}">
+      <dsp:nvSpPr>
+        <dsp:cNvPr id="0" name=""/>
+        <dsp:cNvSpPr/>
+      </dsp:nvSpPr>
+      <dsp:spPr>
+        <a:xfrm>
+          <a:off x="7004" y="379647"/>
+          <a:ext cx="2050277" cy="1435127"/>
+        </a:xfrm>
+        <a:prstGeom prst="rect">
+          <a:avLst/>
+        </a:prstGeom>
+        <a:noFill/>
+        <a:ln>
+          <a:noFill/>
+        </a:ln>
+        <a:effectLst/>
+        <a:scene3d>
+          <a:camera prst="orthographicFront"/>
+          <a:lightRig rig="flat" dir="t"/>
+        </a:scene3d>
+        <a:sp3d prstMaterial="dkEdge">
+          <a:bevelT w="8200" h="38100"/>
+        </a:sp3d>
+      </dsp:spPr>
+      <dsp:style>
+        <a:lnRef idx="0">
+          <a:scrgbClr r="0" g="0" b="0"/>
+        </a:lnRef>
+        <a:fillRef idx="2">
+          <a:scrgbClr r="0" g="0" b="0"/>
+        </a:fillRef>
+        <a:effectRef idx="1">
+          <a:scrgbClr r="0" g="0" b="0"/>
+        </a:effectRef>
+        <a:fontRef idx="minor">
+          <a:schemeClr val="dk1"/>
+        </a:fontRef>
+      </dsp:style>
+      <dsp:txBody>
+        <a:bodyPr spcFirstLastPara="0" vert="horz" wrap="square" lIns="247650" tIns="247650" rIns="247650" bIns="247650" numCol="1" spcCol="1270" anchor="ctr" anchorCtr="0">
+          <a:noAutofit/>
+        </a:bodyPr>
+        <a:lstStyle/>
+        <a:p>
+          <a:pPr marL="0" lvl="0" indent="0" algn="ctr" defTabSz="2889250">
+            <a:lnSpc>
+              <a:spcPct val="90000"/>
+            </a:lnSpc>
+            <a:spcBef>
+              <a:spcPct val="0"/>
+            </a:spcBef>
+            <a:spcAft>
+              <a:spcPct val="35000"/>
+            </a:spcAft>
+            <a:buNone/>
+          </a:pPr>
+          <a:r>
+            <a:rPr lang="fr-FR" sz="6500" kern="1200" dirty="0"/>
+            <a:t> </a:t>
+          </a:r>
+        </a:p>
+      </dsp:txBody>
+      <dsp:txXfrm>
+        <a:off x="7004" y="379647"/>
+        <a:ext cx="2050277" cy="1435127"/>
+      </dsp:txXfrm>
+    </dsp:sp>
+    <dsp:sp modelId="{F5F30A18-E94A-4F58-BD7F-7822D2B39A74}">
+      <dsp:nvSpPr>
+        <dsp:cNvPr id="0" name=""/>
+        <dsp:cNvSpPr/>
+      </dsp:nvSpPr>
+      <dsp:spPr>
+        <a:xfrm>
+          <a:off x="2055604" y="525764"/>
+          <a:ext cx="4138655" cy="1159933"/>
+        </a:xfrm>
+        <a:prstGeom prst="rect">
+          <a:avLst/>
+        </a:prstGeom>
+        <a:noFill/>
+        <a:ln>
+          <a:noFill/>
+        </a:ln>
+        <a:effectLst/>
+      </dsp:spPr>
+      <dsp:style>
+        <a:lnRef idx="0">
+          <a:scrgbClr r="0" g="0" b="0"/>
+        </a:lnRef>
+        <a:fillRef idx="0">
+          <a:scrgbClr r="0" g="0" b="0"/>
+        </a:fillRef>
+        <a:effectRef idx="0">
+          <a:scrgbClr r="0" g="0" b="0"/>
+        </a:effectRef>
+        <a:fontRef idx="minor"/>
+      </dsp:style>
+      <dsp:txBody>
+        <a:bodyPr spcFirstLastPara="0" vert="horz" wrap="square" lIns="60960" tIns="60960" rIns="60960" bIns="60960" numCol="1" spcCol="1270" anchor="ctr" anchorCtr="0">
+          <a:noAutofit/>
+        </a:bodyPr>
+        <a:lstStyle/>
+        <a:p>
+          <a:pPr marL="171450" lvl="1" indent="-171450" algn="l" defTabSz="711200">
+            <a:lnSpc>
+              <a:spcPct val="90000"/>
+            </a:lnSpc>
+            <a:spcBef>
+              <a:spcPct val="0"/>
+            </a:spcBef>
+            <a:spcAft>
+              <a:spcPct val="15000"/>
+            </a:spcAft>
+            <a:buChar char="•"/>
+          </a:pPr>
+          <a:r>
+            <a:rPr lang="fr-FR" sz="1600" kern="1200" dirty="0"/>
+            <a:t>Système d’exploitation : Windows 10</a:t>
+          </a:r>
+        </a:p>
+      </dsp:txBody>
+      <dsp:txXfrm>
+        <a:off x="2055604" y="525764"/>
+        <a:ext cx="4138655" cy="1159933"/>
+      </dsp:txXfrm>
+    </dsp:sp>
+    <dsp:sp modelId="{6004EAAE-92EA-4AE6-B097-BB61D7E016B5}">
+      <dsp:nvSpPr>
+        <dsp:cNvPr id="0" name=""/>
+        <dsp:cNvSpPr/>
+      </dsp:nvSpPr>
+      <dsp:spPr>
+        <a:xfrm rot="5400000">
+          <a:off x="3054947" y="3324039"/>
+          <a:ext cx="1217930" cy="1386570"/>
+        </a:xfrm>
+        <a:prstGeom prst="bentUpArrow">
+          <a:avLst>
+            <a:gd name="adj1" fmla="val 32840"/>
+            <a:gd name="adj2" fmla="val 25000"/>
+            <a:gd name="adj3" fmla="val 35780"/>
+          </a:avLst>
+        </a:prstGeom>
+        <a:solidFill>
+          <a:schemeClr val="accent4">
+            <a:tint val="40000"/>
+            <a:hueOff val="0"/>
+            <a:satOff val="0"/>
+            <a:lumOff val="0"/>
+            <a:alphaOff val="0"/>
+          </a:schemeClr>
+        </a:solidFill>
+        <a:ln w="12700" cap="rnd" cmpd="sng" algn="ctr">
+          <a:solidFill>
+            <a:schemeClr val="accent4">
+              <a:shade val="80000"/>
+              <a:hueOff val="0"/>
+              <a:satOff val="0"/>
+              <a:lumOff val="0"/>
+              <a:alphaOff val="0"/>
+            </a:schemeClr>
+          </a:solidFill>
+          <a:prstDash val="solid"/>
+        </a:ln>
+        <a:effectLst>
+          <a:outerShdw blurRad="63500" sx="102000" sy="102000" algn="ctr" rotWithShape="0">
+            <a:prstClr val="black">
+              <a:alpha val="40000"/>
+            </a:prstClr>
+          </a:outerShdw>
+        </a:effectLst>
+      </dsp:spPr>
+      <dsp:style>
+        <a:lnRef idx="1">
+          <a:scrgbClr r="0" g="0" b="0"/>
+        </a:lnRef>
+        <a:fillRef idx="1">
+          <a:scrgbClr r="0" g="0" b="0"/>
+        </a:fillRef>
+        <a:effectRef idx="1">
+          <a:scrgbClr r="0" g="0" b="0"/>
+        </a:effectRef>
+        <a:fontRef idx="minor"/>
+      </dsp:style>
+    </dsp:sp>
+    <dsp:sp modelId="{38046E19-F68F-41D1-974E-2DE363F2F407}">
+      <dsp:nvSpPr>
+        <dsp:cNvPr id="0" name=""/>
+        <dsp:cNvSpPr/>
+      </dsp:nvSpPr>
+      <dsp:spPr>
+        <a:xfrm>
+          <a:off x="2190084" y="1964028"/>
+          <a:ext cx="2050277" cy="1435127"/>
+        </a:xfrm>
+        <a:prstGeom prst="rect">
+          <a:avLst/>
+        </a:prstGeom>
+        <a:noFill/>
+        <a:ln>
+          <a:noFill/>
+        </a:ln>
+        <a:effectLst/>
+        <a:scene3d>
+          <a:camera prst="orthographicFront"/>
+          <a:lightRig rig="flat" dir="t"/>
+        </a:scene3d>
+        <a:sp3d prstMaterial="dkEdge">
+          <a:bevelT w="8200" h="38100"/>
+        </a:sp3d>
+      </dsp:spPr>
+      <dsp:style>
+        <a:lnRef idx="0">
+          <a:scrgbClr r="0" g="0" b="0"/>
+        </a:lnRef>
+        <a:fillRef idx="2">
+          <a:scrgbClr r="0" g="0" b="0"/>
+        </a:fillRef>
+        <a:effectRef idx="1">
+          <a:scrgbClr r="0" g="0" b="0"/>
+        </a:effectRef>
+        <a:fontRef idx="minor">
+          <a:schemeClr val="dk1"/>
+        </a:fontRef>
+      </dsp:style>
+      <dsp:txBody>
+        <a:bodyPr spcFirstLastPara="0" vert="horz" wrap="square" lIns="247650" tIns="247650" rIns="247650" bIns="247650" numCol="1" spcCol="1270" anchor="ctr" anchorCtr="0">
+          <a:noAutofit/>
+        </a:bodyPr>
+        <a:lstStyle/>
+        <a:p>
+          <a:pPr marL="0" lvl="0" indent="0" algn="ctr" defTabSz="2889250">
+            <a:lnSpc>
+              <a:spcPct val="90000"/>
+            </a:lnSpc>
+            <a:spcBef>
+              <a:spcPct val="0"/>
+            </a:spcBef>
+            <a:spcAft>
+              <a:spcPct val="35000"/>
+            </a:spcAft>
+            <a:buNone/>
+          </a:pPr>
+          <a:r>
+            <a:rPr lang="fr-FR" sz="6500" kern="1200" dirty="0"/>
+            <a:t> </a:t>
+          </a:r>
+        </a:p>
+      </dsp:txBody>
+      <dsp:txXfrm>
+        <a:off x="2190084" y="1964028"/>
+        <a:ext cx="2050277" cy="1435127"/>
+      </dsp:txXfrm>
+    </dsp:sp>
+    <dsp:sp modelId="{766F820D-22FB-46D2-A1E3-ACF3F7EAC21B}">
+      <dsp:nvSpPr>
+        <dsp:cNvPr id="0" name=""/>
+        <dsp:cNvSpPr/>
+      </dsp:nvSpPr>
+      <dsp:spPr>
+        <a:xfrm>
+          <a:off x="3888154" y="2118770"/>
+          <a:ext cx="2519759" cy="1159933"/>
+        </a:xfrm>
+        <a:prstGeom prst="rect">
+          <a:avLst/>
+        </a:prstGeom>
+        <a:noFill/>
+        <a:ln>
+          <a:noFill/>
+        </a:ln>
+        <a:effectLst/>
+      </dsp:spPr>
+      <dsp:style>
+        <a:lnRef idx="0">
+          <a:scrgbClr r="0" g="0" b="0"/>
+        </a:lnRef>
+        <a:fillRef idx="0">
+          <a:scrgbClr r="0" g="0" b="0"/>
+        </a:fillRef>
+        <a:effectRef idx="0">
+          <a:scrgbClr r="0" g="0" b="0"/>
+        </a:effectRef>
+        <a:fontRef idx="minor"/>
+      </dsp:style>
+      <dsp:txBody>
+        <a:bodyPr spcFirstLastPara="0" vert="horz" wrap="square" lIns="60960" tIns="60960" rIns="60960" bIns="60960" numCol="1" spcCol="1270" anchor="ctr" anchorCtr="0">
+          <a:noAutofit/>
+        </a:bodyPr>
+        <a:lstStyle/>
+        <a:p>
+          <a:pPr marL="171450" lvl="1" indent="-171450" algn="l" defTabSz="711200">
+            <a:lnSpc>
+              <a:spcPct val="90000"/>
+            </a:lnSpc>
+            <a:spcBef>
+              <a:spcPct val="0"/>
+            </a:spcBef>
+            <a:spcAft>
+              <a:spcPct val="15000"/>
+            </a:spcAft>
+            <a:buChar char="•"/>
+          </a:pPr>
+          <a:r>
+            <a:rPr lang="fr-FR" sz="1600" kern="1200" dirty="0"/>
+            <a:t>Langage de développement : C#</a:t>
+          </a:r>
+        </a:p>
+      </dsp:txBody>
+      <dsp:txXfrm>
+        <a:off x="3888154" y="2118770"/>
+        <a:ext cx="2519759" cy="1159933"/>
+      </dsp:txXfrm>
+    </dsp:sp>
+    <dsp:sp modelId="{3FE1E1F5-6BA3-4156-AF8B-907B30F136FC}">
+      <dsp:nvSpPr>
+        <dsp:cNvPr id="0" name=""/>
+        <dsp:cNvSpPr/>
+      </dsp:nvSpPr>
+      <dsp:spPr>
+        <a:xfrm>
+          <a:off x="4283937" y="3515659"/>
+          <a:ext cx="2050277" cy="1435127"/>
+        </a:xfrm>
+        <a:prstGeom prst="rect">
+          <a:avLst/>
+        </a:prstGeom>
+        <a:noFill/>
+        <a:ln>
+          <a:noFill/>
+        </a:ln>
+        <a:effectLst/>
+        <a:scene3d>
+          <a:camera prst="orthographicFront"/>
+          <a:lightRig rig="flat" dir="t"/>
+        </a:scene3d>
+        <a:sp3d prstMaterial="dkEdge">
+          <a:bevelT w="8200" h="38100"/>
+        </a:sp3d>
+      </dsp:spPr>
+      <dsp:style>
+        <a:lnRef idx="0">
+          <a:scrgbClr r="0" g="0" b="0"/>
+        </a:lnRef>
+        <a:fillRef idx="2">
+          <a:scrgbClr r="0" g="0" b="0"/>
+        </a:fillRef>
+        <a:effectRef idx="1">
+          <a:scrgbClr r="0" g="0" b="0"/>
+        </a:effectRef>
+        <a:fontRef idx="minor">
+          <a:schemeClr val="dk1"/>
+        </a:fontRef>
+      </dsp:style>
+      <dsp:txBody>
+        <a:bodyPr spcFirstLastPara="0" vert="horz" wrap="square" lIns="247650" tIns="247650" rIns="247650" bIns="247650" numCol="1" spcCol="1270" anchor="ctr" anchorCtr="0">
+          <a:noAutofit/>
+        </a:bodyPr>
+        <a:lstStyle/>
+        <a:p>
+          <a:pPr marL="0" lvl="0" indent="0" algn="ctr" defTabSz="2889250">
+            <a:lnSpc>
+              <a:spcPct val="90000"/>
+            </a:lnSpc>
+            <a:spcBef>
+              <a:spcPct val="0"/>
+            </a:spcBef>
+            <a:spcAft>
+              <a:spcPct val="35000"/>
+            </a:spcAft>
+            <a:buNone/>
+          </a:pPr>
+          <a:r>
+            <a:rPr lang="fr-FR" sz="6500" kern="1200" dirty="0"/>
+            <a:t> </a:t>
+          </a:r>
+        </a:p>
+      </dsp:txBody>
+      <dsp:txXfrm>
+        <a:off x="4283937" y="3515659"/>
+        <a:ext cx="2050277" cy="1435127"/>
+      </dsp:txXfrm>
+    </dsp:sp>
+    <dsp:sp modelId="{9583B91A-8549-4167-893F-5F7EAA08C1A4}">
+      <dsp:nvSpPr>
+        <dsp:cNvPr id="0" name=""/>
+        <dsp:cNvSpPr/>
+      </dsp:nvSpPr>
+      <dsp:spPr>
+        <a:xfrm>
+          <a:off x="6331017" y="3750054"/>
+          <a:ext cx="2298886" cy="1159933"/>
+        </a:xfrm>
+        <a:prstGeom prst="rect">
+          <a:avLst/>
+        </a:prstGeom>
+        <a:noFill/>
+        <a:ln>
+          <a:noFill/>
+        </a:ln>
+        <a:effectLst/>
+      </dsp:spPr>
+      <dsp:style>
+        <a:lnRef idx="0">
+          <a:scrgbClr r="0" g="0" b="0"/>
+        </a:lnRef>
+        <a:fillRef idx="0">
+          <a:scrgbClr r="0" g="0" b="0"/>
+        </a:fillRef>
+        <a:effectRef idx="0">
+          <a:scrgbClr r="0" g="0" b="0"/>
+        </a:effectRef>
+        <a:fontRef idx="minor"/>
+      </dsp:style>
+      <dsp:txBody>
+        <a:bodyPr spcFirstLastPara="0" vert="horz" wrap="square" lIns="53340" tIns="53340" rIns="53340" bIns="53340" numCol="1" spcCol="1270" anchor="ctr" anchorCtr="0">
+          <a:noAutofit/>
+        </a:bodyPr>
+        <a:lstStyle/>
+        <a:p>
+          <a:pPr marL="114300" lvl="1" indent="-114300" algn="l" defTabSz="622300">
+            <a:lnSpc>
+              <a:spcPct val="90000"/>
+            </a:lnSpc>
+            <a:spcBef>
+              <a:spcPct val="0"/>
+            </a:spcBef>
+            <a:spcAft>
+              <a:spcPct val="15000"/>
+            </a:spcAft>
+            <a:buChar char="•"/>
+          </a:pPr>
+          <a:r>
+            <a:rPr lang="fr-FR" sz="1400" kern="1200" dirty="0"/>
+            <a:t>Environnement de développement (IDE)</a:t>
+          </a:r>
+        </a:p>
+      </dsp:txBody>
+      <dsp:txXfrm>
+        <a:off x="6331017" y="3750054"/>
+        <a:ext cx="2298886" cy="1159933"/>
+      </dsp:txXfrm>
+    </dsp:sp>
+  </dsp:spTree>
+</dsp:drawing>
+</file>
+
+<file path=ppt/diagrams/layout1.xml><?xml version="1.0" encoding="utf-8"?>
+<dgm:layoutDef xmlns:dgm="http://schemas.openxmlformats.org/drawingml/2006/diagram" xmlns:a="http://schemas.openxmlformats.org/drawingml/2006/main" uniqueId="urn:microsoft.com/office/officeart/2005/8/layout/StepDownProcess">
+  <dgm:title val=""/>
+  <dgm:desc val=""/>
+  <dgm:catLst>
+    <dgm:cat type="process" pri="1600"/>
+  </dgm:catLst>
+  <dgm:sampData>
+    <dgm:dataModel>
+      <dgm:ptLst>
+        <dgm:pt modelId="0" type="doc"/>
+        <dgm:pt modelId="10">
+          <dgm:prSet phldr="1"/>
+        </dgm:pt>
+        <dgm:pt modelId="11">
+          <dgm:prSet phldr="1"/>
+        </dgm:pt>
+        <dgm:pt modelId="20">
+          <dgm:prSet phldr="1"/>
+        </dgm:pt>
+        <dgm:pt modelId="21">
+          <dgm:prSet phldr="1"/>
+        </dgm:pt>
+        <dgm:pt modelId="30">
+          <dgm:prSet phldr="1"/>
+        </dgm:pt>
+        <dgm:pt modelId="31">
+          <dgm:prSet phldr="1"/>
+        </dgm:pt>
+      </dgm:ptLst>
+      <dgm:cxnLst>
+        <dgm:cxn modelId="60" srcId="0" destId="10" srcOrd="0" destOrd="0"/>
+        <dgm:cxn modelId="12" srcId="10" destId="11" srcOrd="0" destOrd="0"/>
+        <dgm:cxn modelId="70" srcId="0" destId="20" srcOrd="1" destOrd="0"/>
+        <dgm:cxn modelId="22" srcId="20" destId="21" srcOrd="0" destOrd="0"/>
+        <dgm:cxn modelId="80" srcId="0" destId="30" srcOrd="2" destOrd="0"/>
+        <dgm:cxn modelId="32" srcId="30" destId="31" srcOrd="0" destOrd="0"/>
+      </dgm:cxnLst>
+      <dgm:bg/>
+      <dgm:whole/>
+    </dgm:dataModel>
+  </dgm:sampData>
+  <dgm:styleData>
+    <dgm:dataModel>
+      <dgm:ptLst>
+        <dgm:pt modelId="0" type="doc"/>
+        <dgm:pt modelId="10">
+          <dgm:prSet phldr="1"/>
+        </dgm:pt>
+        <dgm:pt modelId="20">
+          <dgm:prSet phldr="1"/>
+        </dgm:pt>
+      </dgm:ptLst>
+      <dgm:cxnLst>
+        <dgm:cxn modelId="60" srcId="0" destId="10" srcOrd="0" destOrd="0"/>
+        <dgm:cxn modelId="70" srcId="0" destId="20" srcOrd="1" destOrd="0"/>
+      </dgm:cxnLst>
+      <dgm:bg/>
+      <dgm:whole/>
+    </dgm:dataModel>
+  </dgm:styleData>
+  <dgm:clrData>
+    <dgm:dataModel>
+      <dgm:ptLst>
+        <dgm:pt modelId="0" type="doc"/>
+        <dgm:pt modelId="10">
+          <dgm:prSet phldr="1"/>
+        </dgm:pt>
+        <dgm:pt modelId="20">
+          <dgm:prSet phldr="1"/>
+        </dgm:pt>
+        <dgm:pt modelId="30">
+          <dgm:prSet phldr="1"/>
+        </dgm:pt>
+        <dgm:pt modelId="40">
+          <dgm:prSet phldr="1"/>
+        </dgm:pt>
+      </dgm:ptLst>
+      <dgm:cxnLst>
+        <dgm:cxn modelId="60" srcId="0" destId="10" srcOrd="0" destOrd="0"/>
+        <dgm:cxn modelId="70" srcId="0" destId="20" srcOrd="1" destOrd="0"/>
+        <dgm:cxn modelId="80" srcId="0" destId="30" srcOrd="2" destOrd="0"/>
+        <dgm:cxn modelId="90" srcId="0" destId="40" srcOrd="3" destOrd="0"/>
+      </dgm:cxnLst>
+      <dgm:bg/>
+      <dgm:whole/>
+    </dgm:dataModel>
+  </dgm:clrData>
+  <dgm:layoutNode name="rootnode">
+    <dgm:varLst>
+      <dgm:chMax/>
+      <dgm:chPref/>
+      <dgm:dir/>
+      <dgm:animLvl val="lvl"/>
+    </dgm:varLst>
+    <dgm:choose name="Name0">
+      <dgm:if name="Name1" func="var" arg="dir" op="equ" val="norm">
+        <dgm:alg type="snake">
+          <dgm:param type="grDir" val="tL"/>
+          <dgm:param type="flowDir" val="row"/>
+          <dgm:param type="off" val="off"/>
+          <dgm:param type="bkpt" val="fixed"/>
+          <dgm:param type="bkPtFixedVal" val="1"/>
+        </dgm:alg>
+      </dgm:if>
+      <dgm:else name="Name2">
+        <dgm:alg type="snake">
+          <dgm:param type="grDir" val="tR"/>
+          <dgm:param type="flowDir" val="row"/>
+          <dgm:param type="off" val="off"/>
+          <dgm:param type="bkpt" val="fixed"/>
+          <dgm:param type="bkPtFixedVal" val="1"/>
+        </dgm:alg>
+      </dgm:else>
+    </dgm:choose>
+    <dgm:shape xmlns:r="http://schemas.openxmlformats.org/officeDocument/2006/relationships" r:blip="">
+      <dgm:adjLst/>
+    </dgm:shape>
+    <dgm:choose name="Name3">
+      <dgm:if name="Name4" func="var" arg="dir" op="equ" val="norm">
+        <dgm:constrLst>
+          <dgm:constr type="alignOff" forName="rootnode" val="0.48"/>
+          <dgm:constr type="primFontSz" for="des" forName="ParentText" val="65"/>
+          <dgm:constr type="primFontSz" for="des" forName="ChildText" refType="primFontSz" refFor="des" refForName="ParentText" op="lte"/>
+          <dgm:constr type="w" for="ch" forName="composite" refType="w"/>
+          <dgm:constr type="h" for="ch" forName="composite" refType="h"/>
+          <dgm:constr type="sp" refType="h" refFor="ch" refForName="composite" op="equ" fact="-0.38"/>
+        </dgm:constrLst>
+      </dgm:if>
+      <dgm:else name="Name5">
+        <dgm:constrLst>
+          <dgm:constr type="alignOff" forName="rootnode" val="0.48"/>
+          <dgm:constr type="primFontSz" for="des" forName="ParentText" val="65"/>
+          <dgm:constr type="primFontSz" for="des" forName="ChildText" refType="primFontSz" refFor="des" refForName="ParentText" op="lte"/>
+          <dgm:constr type="w" for="ch" forName="composite" refType="w"/>
+          <dgm:constr type="h" for="ch" forName="composite" refType="h"/>
+          <dgm:constr type="sp" refType="h" refFor="ch" refForName="composite" op="equ" fact="-0.38"/>
+        </dgm:constrLst>
+      </dgm:else>
+    </dgm:choose>
+    <dgm:forEach name="nodesForEach" axis="ch" ptType="node">
+      <dgm:layoutNode name="composite">
+        <dgm:alg type="composite">
+          <dgm:param type="ar" val="1.2439"/>
+        </dgm:alg>
+        <dgm:shape xmlns:r="http://schemas.openxmlformats.org/officeDocument/2006/relationships" r:blip="">
+          <dgm:adjLst/>
+        </dgm:shape>
+        <dgm:choose name="Name6">
+          <dgm:if name="Name7" func="var" arg="dir" op="equ" val="norm">
+            <dgm:constrLst>
+              <dgm:constr type="l" for="ch" forName="bentUpArrow1" refType="w" fact="0.07"/>
+              <dgm:constr type="t" for="ch" forName="bentUpArrow1" refType="h" fact="0.524"/>
+              <dgm:constr type="w" for="ch" forName="bentUpArrow1" refType="w" fact="0.3844"/>
+              <dgm:constr type="h" for="ch" forName="bentUpArrow1" refType="h" fact="0.42"/>
+              <dgm:constr type="l" for="ch" forName="ParentText" refType="w" fact="0"/>
+              <dgm:constr type="t" for="ch" forName="ParentText" refType="h" fact="0"/>
+              <dgm:constr type="w" for="ch" forName="ParentText" refType="w" fact="0.5684"/>
+              <dgm:constr type="h" for="ch" forName="ParentText" refType="h" fact="0.4949"/>
+              <dgm:constr type="l" for="ch" forName="ChildText" refType="w" refFor="ch" refForName="ParentText"/>
+              <dgm:constr type="t" for="ch" forName="ChildText" refType="h" fact="0.05"/>
+              <dgm:constr type="w" for="ch" forName="ChildText" refType="w" fact="0.4134"/>
+              <dgm:constr type="h" for="ch" forName="ChildText" refType="h" fact="0.4"/>
+              <dgm:constr type="l" for="ch" forName="FinalChildText" refType="w" refFor="ch" refForName="ParentText"/>
+              <dgm:constr type="t" for="ch" forName="FinalChildText" refType="h" fact="0.05"/>
+              <dgm:constr type="w" for="ch" forName="FinalChildText" refType="w" fact="0.4134"/>
+              <dgm:constr type="h" for="ch" forName="FinalChildText" refType="h" fact="0.4"/>
+            </dgm:constrLst>
+          </dgm:if>
+          <dgm:else name="Name8">
+            <dgm:constrLst>
+              <dgm:constr type="r" for="ch" forName="bentUpArrow1" refType="w" fact="0.97"/>
+              <dgm:constr type="t" for="ch" forName="bentUpArrow1" refType="h" fact="0.524"/>
+              <dgm:constr type="w" for="ch" forName="bentUpArrow1" refType="w" fact="0.3844"/>
+              <dgm:constr type="h" for="ch" forName="bentUpArrow1" refType="h" fact="0.42"/>
+              <dgm:constr type="l" for="ch" forName="ParentText" refType="w" fact="0.4316"/>
+              <dgm:constr type="t" for="ch" forName="ParentText" refType="h" fact="0"/>
+              <dgm:constr type="w" for="ch" forName="ParentText" refType="w" fact="0.5684"/>
+              <dgm:constr type="h" for="ch" forName="ParentText" refType="h" fact="0.4949"/>
+              <dgm:constr type="l" for="ch" forName="ChildText" refType="w" fact="0"/>
+              <dgm:constr type="t" for="ch" forName="ChildText" refType="h" fact="0.05"/>
+              <dgm:constr type="w" for="ch" forName="ChildText" refType="w" fact="0.4134"/>
+              <dgm:constr type="h" for="ch" forName="ChildText" refType="h" fact="0.4"/>
+              <dgm:constr type="l" for="ch" forName="FinalChildText" refType="w" fact="0"/>
+              <dgm:constr type="t" for="ch" forName="FinalChildText" refType="h" fact="0.05"/>
+              <dgm:constr type="w" for="ch" forName="FinalChildText" refType="w" fact="0.4134"/>
+              <dgm:constr type="h" for="ch" forName="FinalChildText" refType="h" fact="0.4"/>
+            </dgm:constrLst>
+          </dgm:else>
+        </dgm:choose>
+        <dgm:choose name="Name9">
+          <dgm:if name="Name10" axis="followSib" ptType="node" func="cnt" op="gte" val="1">
+            <dgm:layoutNode name="bentUpArrow1" styleLbl="alignImgPlace1">
+              <dgm:alg type="sp"/>
+              <dgm:choose name="Name11">
+                <dgm:if name="Name12" func="var" arg="dir" op="equ" val="norm">
+                  <dgm:shape xmlns:r="http://schemas.openxmlformats.org/officeDocument/2006/relationships" rot="90" type="bentUpArrow" r:blip="">
+                    <dgm:adjLst>
+                      <dgm:adj idx="1" val="0.3284"/>
+                      <dgm:adj idx="2" val="0.25"/>
+                      <dgm:adj idx="3" val="0.3578"/>
+                    </dgm:adjLst>
+                  </dgm:shape>
+                </dgm:if>
+                <dgm:else name="Name13">
+                  <dgm:shape xmlns:r="http://schemas.openxmlformats.org/officeDocument/2006/relationships" rot="180" type="bentArrow" r:blip="">
+                    <dgm:adjLst>
+                      <dgm:adj idx="1" val="0.3284"/>
+                      <dgm:adj idx="2" val="0.25"/>
+                      <dgm:adj idx="3" val="0.3578"/>
+                      <dgm:adj idx="4" val="0"/>
+                    </dgm:adjLst>
+                  </dgm:shape>
+                </dgm:else>
+              </dgm:choose>
+              <dgm:presOf/>
+            </dgm:layoutNode>
+          </dgm:if>
+          <dgm:else name="Name14"/>
+        </dgm:choose>
+        <dgm:layoutNode name="ParentText" styleLbl="node1">
+          <dgm:varLst>
+            <dgm:chMax val="1"/>
+            <dgm:chPref val="1"/>
+            <dgm:bulletEnabled val="1"/>
+          </dgm:varLst>
+          <dgm:alg type="tx"/>
+          <dgm:shape xmlns:r="http://schemas.openxmlformats.org/officeDocument/2006/relationships" type="roundRect" r:blip="">
+            <dgm:adjLst>
+              <dgm:adj idx="1" val="0.1667"/>
+            </dgm:adjLst>
+          </dgm:shape>
+          <dgm:presOf axis="self" ptType="node"/>
+          <dgm:constrLst>
+            <dgm:constr type="lMarg" refType="primFontSz" fact="0.3"/>
+            <dgm:constr type="rMarg" refType="primFontSz" fact="0.3"/>
+            <dgm:constr type="tMarg" refType="primFontSz" fact="0.3"/>
+            <dgm:constr type="bMarg" refType="primFontSz" fact="0.3"/>
+          </dgm:constrLst>
+          <dgm:ruleLst>
+            <dgm:rule type="primFontSz" val="5" fact="NaN" max="NaN"/>
+          </dgm:ruleLst>
+        </dgm:layoutNode>
+        <dgm:choose name="Name15">
+          <dgm:if name="Name16" axis="followSib" ptType="node" func="cnt" op="equ" val="0">
+            <dgm:choose name="Name17">
+              <dgm:if name="Name18" axis="ch" ptType="node" func="cnt" op="gte" val="1">
+                <dgm:layoutNode name="FinalChildText" styleLbl="revTx">
+                  <dgm:varLst>
+                    <dgm:chMax val="0"/>
+                    <dgm:chPref val="0"/>
+                    <dgm:bulletEnabled val="1"/>
+                  </dgm:varLst>
+                  <dgm:alg type="tx">
+                    <dgm:param type="stBulletLvl" val="1"/>
+                    <dgm:param type="txAnchorVertCh" val="mid"/>
+                    <dgm:param type="parTxLTRAlign" val="l"/>
+                  </dgm:alg>
+                  <dgm:shape xmlns:r="http://schemas.openxmlformats.org/officeDocument/2006/relationships" type="rect" r:blip="">
+                    <dgm:adjLst/>
+                  </dgm:shape>
+                  <dgm:presOf axis="des" ptType="node"/>
+                  <dgm:constrLst>
+                    <dgm:constr type="lMarg" refType="primFontSz" fact="0.3"/>
+                    <dgm:constr type="rMarg" refType="primFontSz" fact="0.3"/>
+                    <dgm:constr type="tMarg" refType="primFontSz" fact="0.3"/>
+                    <dgm:constr type="bMarg" refType="primFontSz" fact="0.3"/>
+                  </dgm:constrLst>
+                  <dgm:ruleLst>
+                    <dgm:rule type="primFontSz" val="5" fact="NaN" max="NaN"/>
+                  </dgm:ruleLst>
+                </dgm:layoutNode>
+              </dgm:if>
+              <dgm:else name="Name19"/>
+            </dgm:choose>
+          </dgm:if>
+          <dgm:else name="Name20">
+            <dgm:layoutNode name="ChildText" styleLbl="revTx">
+              <dgm:varLst>
+                <dgm:chMax val="0"/>
+                <dgm:chPref val="0"/>
+                <dgm:bulletEnabled val="1"/>
+              </dgm:varLst>
+              <dgm:alg type="tx">
+                <dgm:param type="stBulletLvl" val="1"/>
+                <dgm:param type="txAnchorVertCh" val="mid"/>
+                <dgm:param type="parTxLTRAlign" val="l"/>
+              </dgm:alg>
+              <dgm:shape xmlns:r="http://schemas.openxmlformats.org/officeDocument/2006/relationships" type="rect" r:blip="">
+                <dgm:adjLst/>
+              </dgm:shape>
+              <dgm:presOf axis="des" ptType="node"/>
+              <dgm:constrLst>
+                <dgm:constr type="lMarg" refType="primFontSz" fact="0.3"/>
+                <dgm:constr type="rMarg" refType="primFontSz" fact="0.3"/>
+                <dgm:constr type="tMarg" refType="primFontSz" fact="0.3"/>
+                <dgm:constr type="bMarg" refType="primFontSz" fact="0.3"/>
+              </dgm:constrLst>
+              <dgm:ruleLst>
+                <dgm:rule type="primFontSz" val="5" fact="NaN" max="NaN"/>
+              </dgm:ruleLst>
+            </dgm:layoutNode>
+          </dgm:else>
+        </dgm:choose>
+      </dgm:layoutNode>
+      <dgm:forEach name="sibTransForEach" axis="followSib" ptType="sibTrans" cnt="1">
+        <dgm:layoutNode name="sibTrans">
+          <dgm:alg type="sp"/>
+          <dgm:shape xmlns:r="http://schemas.openxmlformats.org/officeDocument/2006/relationships" r:blip="">
+            <dgm:adjLst/>
+          </dgm:shape>
+        </dgm:layoutNode>
+      </dgm:forEach>
+    </dgm:forEach>
+  </dgm:layoutNode>
+</dgm:layoutDef>
+</file>
+
+<file path=ppt/diagrams/quickStyle1.xml><?xml version="1.0" encoding="utf-8"?>
+<dgm:styleDef xmlns:dgm="http://schemas.openxmlformats.org/drawingml/2006/diagram" xmlns:a="http://schemas.openxmlformats.org/drawingml/2006/main" uniqueId="urn:microsoft.com/office/officeart/2005/8/quickstyle/simple3">
+  <dgm:title val=""/>
+  <dgm:desc val=""/>
+  <dgm:catLst>
+    <dgm:cat type="simple" pri="10300"/>
+  </dgm:catLst>
+  <dgm:scene3d>
+    <a:camera prst="orthographicFront"/>
+    <a:lightRig rig="threePt" dir="t"/>
+  </dgm:scene3d>
+  <dgm:styleLbl name="node0">
+    <dgm:scene3d>
+      <a:camera prst="orthographicFront"/>
+      <a:lightRig rig="flat" dir="t"/>
+    </dgm:scene3d>
+    <dgm:sp3d prstMaterial="dkEdge">
+      <a:bevelT w="8200" h="38100"/>
+    </dgm:sp3d>
+    <dgm:txPr/>
+    <dgm:style>
+      <a:lnRef idx="0">
+        <a:scrgbClr r="0" g="0" b="0"/>
+      </a:lnRef>
+      <a:fillRef idx="2">
+        <a:scrgbClr r="0" g="0" b="0"/>
+      </a:fillRef>
+      <a:effectRef idx="1">
+        <a:scrgbClr r="0" g="0" b="0"/>
+      </a:effectRef>
+      <a:fontRef idx="minor">
+        <a:schemeClr val="dk1"/>
+      </a:fontRef>
+    </dgm:style>
+  </dgm:styleLbl>
+  <dgm:styleLbl name="lnNode1">
+    <dgm:scene3d>
+      <a:camera prst="orthographicFront"/>
+      <a:lightRig rig="flat" dir="t"/>
+    </dgm:scene3d>
+    <dgm:sp3d prstMaterial="dkEdge">
+      <a:bevelT w="8200" h="38100"/>
+    </dgm:sp3d>
+    <dgm:txPr/>
+    <dgm:style>
+      <a:lnRef idx="1">
+        <a:scrgbClr r="0" g="0" b="0"/>
+      </a:lnRef>
+      <a:fillRef idx="2">
+        <a:scrgbClr r="0" g="0" b="0"/>
+      </a:fillRef>
+      <a:effectRef idx="0">
+        <a:scrgbClr r="0" g="0" b="0"/>
+      </a:effectRef>
+      <a:fontRef idx="minor">
+        <a:schemeClr val="dk1"/>
+      </a:fontRef>
+    </dgm:style>
+  </dgm:styleLbl>
+  <dgm:styleLbl name="vennNode1">
+    <dgm:scene3d>
+      <a:camera prst="orthographicFront"/>
+      <a:lightRig rig="flat" dir="t"/>
+    </dgm:scene3d>
+    <dgm:sp3d prstMaterial="dkEdge">
+      <a:bevelT w="8200" h="38100"/>
+    </dgm:sp3d>
+    <dgm:txPr/>
+    <dgm:style>
+      <a:lnRef idx="0">
+        <a:scrgbClr r="0" g="0" b="0"/>
+      </a:lnRef>
+      <a:fillRef idx="2">
+        <a:scrgbClr r="0" g="0" b="0"/>
+      </a:fillRef>
+      <a:effectRef idx="0">
+        <a:scrgbClr r="0" g="0" b="0"/>
+      </a:effectRef>
+      <a:fontRef idx="minor">
+        <a:schemeClr val="tx1"/>
+      </a:fontRef>
+    </dgm:style>
+  </dgm:styleLbl>
+  <dgm:styleLbl name="alignNode1">
+    <dgm:scene3d>
+      <a:camera prst="orthographicFront"/>
+      <a:lightRig rig="threePt" dir="t"/>
+    </dgm:scene3d>
+    <dgm:sp3d/>
+    <dgm:txPr/>
+    <dgm:style>
+      <a:lnRef idx="1">
+        <a:scrgbClr r="0" g="0" b="0"/>
+      </a:lnRef>
+      <a:fillRef idx="2">
+        <a:scrgbClr r="0" g="0" b="0"/>
+      </a:fillRef>
+      <a:effectRef idx="1">
+        <a:scrgbClr r="0" g="0" b="0"/>
+      </a:effectRef>
+      <a:fontRef idx="minor">
+        <a:schemeClr val="dk1"/>
+      </a:fontRef>
+    </dgm:style>
+  </dgm:styleLbl>
+  <dgm:styleLbl name="node1">
+    <dgm:scene3d>
+      <a:camera prst="orthographicFront"/>
+      <a:lightRig rig="flat" dir="t"/>
+    </dgm:scene3d>
+    <dgm:sp3d prstMaterial="dkEdge">
+      <a:bevelT w="8200" h="38100"/>
+    </dgm:sp3d>
+    <dgm:txPr/>
+    <dgm:style>
+      <a:lnRef idx="0">
+        <a:scrgbClr r="0" g="0" b="0"/>
+      </a:lnRef>
+      <a:fillRef idx="2">
+        <a:scrgbClr r="0" g="0" b="0"/>
+      </a:fillRef>
+      <a:effectRef idx="1">
+        <a:scrgbClr r="0" g="0" b="0"/>
+      </a:effectRef>
+      <a:fontRef idx="minor">
+        <a:schemeClr val="dk1"/>
+      </a:fontRef>
+    </dgm:style>
+  </dgm:styleLbl>
+  <dgm:styleLbl name="node2">
+    <dgm:scene3d>
+      <a:camera prst="orthographicFront"/>
+      <a:lightRig rig="flat" dir="t"/>
+    </dgm:scene3d>
+    <dgm:sp3d prstMaterial="dkEdge">
+      <a:bevelT w="8200" h="38100"/>
+    </dgm:sp3d>
+    <dgm:txPr/>
+    <dgm:style>
+      <a:lnRef idx="0">
+        <a:scrgbClr r="0" g="0" b="0"/>
+      </a:lnRef>
+      <a:fillRef idx="2">
+        <a:scrgbClr r="0" g="0" b="0"/>
+      </a:fillRef>
+      <a:effectRef idx="1">
+        <a:scrgbClr r="0" g="0" b="0"/>
+      </a:effectRef>
+      <a:fontRef idx="minor">
+        <a:schemeClr val="dk1"/>
+      </a:fontRef>
+    </dgm:style>
+  </dgm:styleLbl>
+  <dgm:styleLbl name="node3">
+    <dgm:scene3d>
+      <a:camera prst="orthographicFront"/>
+      <a:lightRig rig="flat" dir="t"/>
+    </dgm:scene3d>
+    <dgm:sp3d prstMaterial="dkEdge">
+      <a:bevelT w="8200" h="38100"/>
+    </dgm:sp3d>
+    <dgm:txPr/>
+    <dgm:style>
+      <a:lnRef idx="0">
+        <a:scrgbClr r="0" g="0" b="0"/>
+      </a:lnRef>
+      <a:fillRef idx="2">
+        <a:scrgbClr r="0" g="0" b="0"/>
+      </a:fillRef>
+      <a:effectRef idx="1">
+        <a:scrgbClr r="0" g="0" b="0"/>
+      </a:effectRef>
+      <a:fontRef idx="minor">
+        <a:schemeClr val="dk1"/>
+      </a:fontRef>
+    </dgm:style>
+  </dgm:styleLbl>
+  <dgm:styleLbl name="node4">
+    <dgm:scene3d>
+      <a:camera prst="orthographicFront"/>
+      <a:lightRig rig="flat" dir="t"/>
+    </dgm:scene3d>
+    <dgm:sp3d prstMaterial="dkEdge">
+      <a:bevelT w="8200" h="38100"/>
+    </dgm:sp3d>
+    <dgm:txPr/>
+    <dgm:style>
+      <a:lnRef idx="0">
+        <a:scrgbClr r="0" g="0" b="0"/>
+      </a:lnRef>
+      <a:fillRef idx="2">
+        <a:scrgbClr r="0" g="0" b="0"/>
+      </a:fillRef>
+      <a:effectRef idx="1">
+        <a:scrgbClr r="0" g="0" b="0"/>
+      </a:effectRef>
+      <a:fontRef idx="minor">
+        <a:schemeClr val="dk1"/>
+      </a:fontRef>
+    </dgm:style>
+  </dgm:styleLbl>
+  <dgm:styleLbl name="fgImgPlace1">
+    <dgm:scene3d>
+      <a:camera prst="orthographicFront"/>
+      <a:lightRig rig="threePt" dir="t"/>
+    </dgm:scene3d>
+    <dgm:sp3d/>
+    <dgm:txPr/>
+    <dgm:style>
+      <a:lnRef idx="1">
+        <a:scrgbClr r="0" g="0" b="0"/>
+      </a:lnRef>
+      <a:fillRef idx="1">
+        <a:scrgbClr r="0" g="0" b="0"/>
+      </a:fillRef>
+      <a:effectRef idx="1">
+        <a:scrgbClr r="0" g="0" b="0"/>
+      </a:effectRef>
+      <a:fontRef idx="minor"/>
+    </dgm:style>
+  </dgm:styleLbl>
+  <dgm:styleLbl name="alignImgPlace1">
+    <dgm:scene3d>
+      <a:camera prst="orthographicFront"/>
+      <a:lightRig rig="threePt" dir="t"/>
+    </dgm:scene3d>
+    <dgm:sp3d/>
+    <dgm:txPr/>
+    <dgm:style>
+      <a:lnRef idx="1">
+        <a:scrgbClr r="0" g="0" b="0"/>
+      </a:lnRef>
+      <a:fillRef idx="1">
+        <a:scrgbClr r="0" g="0" b="0"/>
+      </a:fillRef>
+      <a:effectRef idx="1">
+        <a:scrgbClr r="0" g="0" b="0"/>
+      </a:effectRef>
+      <a:fontRef idx="minor"/>
+    </dgm:style>
+  </dgm:styleLbl>
+  <dgm:styleLbl name="bgImgPlace1">
+    <dgm:scene3d>
+      <a:camera prst="orthographicFront"/>
+      <a:lightRig rig="threePt" dir="t"/>
+    </dgm:scene3d>
+    <dgm:sp3d/>
+    <dgm:txPr/>
+    <dgm:style>
+      <a:lnRef idx="1">
+        <a:scrgbClr r="0" g="0" b="0"/>
+      </a:lnRef>
+      <a:fillRef idx="1">
+        <a:scrgbClr r="0" g="0" b="0"/>
+      </a:fillRef>
+      <a:effectRef idx="1">
+        <a:scrgbClr r="0" g="0" b="0"/>
+      </a:effectRef>
+      <a:fontRef idx="minor"/>
+    </dgm:style>
+  </dgm:styleLbl>
+  <dgm:styleLbl name="sibTrans2D1">
+    <dgm:scene3d>
+      <a:camera prst="orthographicFront"/>
+      <a:lightRig rig="threePt" dir="t"/>
+    </dgm:scene3d>
+    <dgm:sp3d/>
+    <dgm:txPr/>
+    <dgm:style>
+      <a:lnRef idx="0">
+        <a:scrgbClr r="0" g="0" b="0"/>
+      </a:lnRef>
+      <a:fillRef idx="2">
+        <a:scrgbClr r="0" g="0" b="0"/>
+      </a:fillRef>
+      <a:effectRef idx="1">
+        <a:scrgbClr r="0" g="0" b="0"/>
+      </a:effectRef>
+      <a:fontRef idx="minor">
+        <a:schemeClr val="dk1"/>
+      </a:fontRef>
+    </dgm:style>
+  </dgm:styleLbl>
+  <dgm:styleLbl name="fgSibTrans2D1">
+    <dgm:scene3d>
+      <a:camera prst="orthographicFront"/>
+      <a:lightRig rig="threePt" dir="t"/>
+    </dgm:scene3d>
+    <dgm:sp3d/>
+    <dgm:txPr/>
+    <dgm:style>
+      <a:lnRef idx="0">
+        <a:scrgbClr r="0" g="0" b="0"/>
+      </a:lnRef>
+      <a:fillRef idx="2">
+        <a:scrgbClr r="0" g="0" b="0"/>
+      </a:fillRef>
+      <a:effectRef idx="1">
+        <a:scrgbClr r="0" g="0" b="0"/>
+      </a:effectRef>
+      <a:fontRef idx="minor">
+        <a:schemeClr val="dk1"/>
+      </a:fontRef>
+    </dgm:style>
+  </dgm:styleLbl>
+  <dgm:styleLbl name="bgSibTrans2D1">
+    <dgm:scene3d>
+      <a:camera prst="orthographicFront"/>
+      <a:lightRig rig="threePt" dir="t"/>
+    </dgm:scene3d>
+    <dgm:sp3d/>
+    <dgm:txPr/>
+    <dgm:style>
+      <a:lnRef idx="0">
+        <a:scrgbClr r="0" g="0" b="0"/>
+      </a:lnRef>
+      <a:fillRef idx="2">
+        <a:scrgbClr r="0" g="0" b="0"/>
+      </a:fillRef>
+      <a:effectRef idx="1">
+        <a:scrgbClr r="0" g="0" b="0"/>
+      </a:effectRef>
+      <a:fontRef idx="minor">
+        <a:schemeClr val="dk1"/>
+      </a:fontRef>
+    </dgm:style>
+  </dgm:styleLbl>
+  <dgm:styleLbl name="sibTrans1D1">
+    <dgm:scene3d>
+      <a:camera prst="orthographicFront"/>
+      <a:lightRig rig="threePt" dir="t"/>
+    </dgm:scene3d>
+    <dgm:sp3d/>
+    <dgm:txPr/>
+    <dgm:style>
+      <a:lnRef idx="1">
+        <a:scrgbClr r="0" g="0" b="0"/>
+      </a:lnRef>
+      <a:fillRef idx="0">
+        <a:scrgbClr r="0" g="0" b="0"/>
+      </a:fillRef>
+      <a:effectRef idx="0">
+        <a:scrgbClr r="0" g="0" b="0"/>
+      </a:effectRef>
+      <a:fontRef idx="minor"/>
+    </dgm:style>
+  </dgm:styleLbl>
+  <dgm:styleLbl name="callout">
+    <dgm:scene3d>
+      <a:camera prst="orthographicFront"/>
+      <a:lightRig rig="threePt" dir="t"/>
+    </dgm:scene3d>
+    <dgm:sp3d/>
+    <dgm:txPr/>
+    <dgm:style>
+      <a:lnRef idx="1">
+        <a:scrgbClr r="0" g="0" b="0"/>
+      </a:lnRef>
+      <a:fillRef idx="2">
+        <a:scrgbClr r="0" g="0" b="0"/>
+      </a:fillRef>
+      <a:effectRef idx="1">
+        <a:scrgbClr r="0" g="0" b="0"/>
+      </a:effectRef>
+      <a:fontRef idx="minor"/>
+    </dgm:style>
+  </dgm:styleLbl>
+  <dgm:styleLbl name="asst0">
+    <dgm:scene3d>
+      <a:camera prst="orthographicFront"/>
+      <a:lightRig rig="flat" dir="t"/>
+    </dgm:scene3d>
+    <dgm:sp3d prstMaterial="dkEdge">
+      <a:bevelT w="8200" h="38100"/>
+    </dgm:sp3d>
+    <dgm:txPr/>
+    <dgm:style>
+      <a:lnRef idx="0">
+        <a:scrgbClr r="0" g="0" b="0"/>
+      </a:lnRef>
+      <a:fillRef idx="2">
+        <a:scrgbClr r="0" g="0" b="0"/>
+      </a:fillRef>
+      <a:effectRef idx="1">
+        <a:scrgbClr r="0" g="0" b="0"/>
+      </a:effectRef>
+      <a:fontRef idx="minor">
+        <a:schemeClr val="dk1"/>
+      </a:fontRef>
+    </dgm:style>
+  </dgm:styleLbl>
+  <dgm:styleLbl name="asst1">
+    <dgm:scene3d>
+      <a:camera prst="orthographicFront"/>
+      <a:lightRig rig="flat" dir="t"/>
+    </dgm:scene3d>
+    <dgm:sp3d prstMaterial="dkEdge">
+      <a:bevelT w="8200" h="38100"/>
+    </dgm:sp3d>
+    <dgm:txPr/>
+    <dgm:style>
+      <a:lnRef idx="0">
+        <a:scrgbClr r="0" g="0" b="0"/>
+      </a:lnRef>
+      <a:fillRef idx="2">
+        <a:scrgbClr r="0" g="0" b="0"/>
+      </a:fillRef>
+      <a:effectRef idx="1">
+        <a:scrgbClr r="0" g="0" b="0"/>
+      </a:effectRef>
+      <a:fontRef idx="minor">
+        <a:schemeClr val="dk1"/>
+      </a:fontRef>
+    </dgm:style>
+  </dgm:styleLbl>
+  <dgm:styleLbl name="asst2">
+    <dgm:scene3d>
+      <a:camera prst="orthographicFront"/>
+      <a:lightRig rig="flat" dir="t"/>
+    </dgm:scene3d>
+    <dgm:sp3d prstMaterial="dkEdge">
+      <a:bevelT w="8200" h="38100"/>
+    </dgm:sp3d>
+    <dgm:txPr/>
+    <dgm:style>
+      <a:lnRef idx="0">
+        <a:scrgbClr r="0" g="0" b="0"/>
+      </a:lnRef>
+      <a:fillRef idx="2">
+        <a:scrgbClr r="0" g="0" b="0"/>
+      </a:fillRef>
+      <a:effectRef idx="1">
+        <a:scrgbClr r="0" g="0" b="0"/>
+      </a:effectRef>
+      <a:fontRef idx="minor">
+        <a:schemeClr val="dk1"/>
+      </a:fontRef>
+    </dgm:style>
+  </dgm:styleLbl>
+  <dgm:styleLbl name="asst3">
+    <dgm:scene3d>
+      <a:camera prst="orthographicFront"/>
+      <a:lightRig rig="flat" dir="t"/>
+    </dgm:scene3d>
+    <dgm:sp3d prstMaterial="dkEdge">
+      <a:bevelT w="8200" h="38100"/>
+    </dgm:sp3d>
+    <dgm:txPr/>
+    <dgm:style>
+      <a:lnRef idx="0">
+        <a:scrgbClr r="0" g="0" b="0"/>
+      </a:lnRef>
+      <a:fillRef idx="2">
+        <a:scrgbClr r="0" g="0" b="0"/>
+      </a:fillRef>
+      <a:effectRef idx="1">
+        <a:scrgbClr r="0" g="0" b="0"/>
+      </a:effectRef>
+      <a:fontRef idx="minor">
+        <a:schemeClr val="dk1"/>
+      </a:fontRef>
+    </dgm:style>
+  </dgm:styleLbl>
+  <dgm:styleLbl name="asst4">
+    <dgm:scene3d>
+      <a:camera prst="orthographicFront"/>
+      <a:lightRig rig="flat" dir="t"/>
+    </dgm:scene3d>
+    <dgm:sp3d prstMaterial="dkEdge">
+      <a:bevelT w="8200" h="38100"/>
+    </dgm:sp3d>
+    <dgm:txPr/>
+    <dgm:style>
+      <a:lnRef idx="0">
+        <a:scrgbClr r="0" g="0" b="0"/>
+      </a:lnRef>
+      <a:fillRef idx="2">
+        <a:scrgbClr r="0" g="0" b="0"/>
+      </a:fillRef>
+      <a:effectRef idx="1">
+        <a:scrgbClr r="0" g="0" b="0"/>
+      </a:effectRef>
+      <a:fontRef idx="minor">
+        <a:schemeClr val="dk1"/>
+      </a:fontRef>
+    </dgm:style>
+  </dgm:styleLbl>
+  <dgm:styleLbl name="parChTrans2D1">
+    <dgm:scene3d>
+      <a:camera prst="orthographicFront"/>
+      <a:lightRig rig="threePt" dir="t"/>
+    </dgm:scene3d>
+    <dgm:sp3d/>
+    <dgm:txPr/>
+    <dgm:style>
+      <a:lnRef idx="1">
+        <a:scrgbClr r="0" g="0" b="0"/>
+      </a:lnRef>
+      <a:fillRef idx="2">
+        <a:scrgbClr r="0" g="0" b="0"/>
+      </a:fillRef>
+      <a:effectRef idx="1">
+        <a:scrgbClr r="0" g="0" b="0"/>
+      </a:effectRef>
+      <a:fontRef idx="minor">
+        <a:schemeClr val="dk1"/>
+      </a:fontRef>
+    </dgm:style>
+  </dgm:styleLbl>
+  <dgm:styleLbl name="parChTrans2D2">
+    <dgm:scene3d>
+      <a:camera prst="orthographicFront"/>
+      <a:lightRig rig="threePt" dir="t"/>
+    </dgm:scene3d>
+    <dgm:sp3d/>
+    <dgm:txPr/>
+    <dgm:style>
+      <a:lnRef idx="1">
+        <a:scrgbClr r="0" g="0" b="0"/>
+      </a:lnRef>
+      <a:fillRef idx="2">
+        <a:scrgbClr r="0" g="0" b="0"/>
+      </a:fillRef>
+      <a:effectRef idx="1">
+        <a:scrgbClr r="0" g="0" b="0"/>
+      </a:effectRef>
+      <a:fontRef idx="minor">
+        <a:schemeClr val="dk1"/>
+      </a:fontRef>
+    </dgm:style>
+  </dgm:styleLbl>
+  <dgm:styleLbl name="parChTrans2D3">
+    <dgm:scene3d>
+      <a:camera prst="orthographicFront"/>
+      <a:lightRig rig="threePt" dir="t"/>
+    </dgm:scene3d>
+    <dgm:sp3d/>
+    <dgm:txPr/>
+    <dgm:style>
+      <a:lnRef idx="1">
+        <a:scrgbClr r="0" g="0" b="0"/>
+      </a:lnRef>
+      <a:fillRef idx="2">
+        <a:scrgbClr r="0" g="0" b="0"/>
+      </a:fillRef>
+      <a:effectRef idx="1">
+        <a:scrgbClr r="0" g="0" b="0"/>
+      </a:effectRef>
+      <a:fontRef idx="minor">
+        <a:schemeClr val="dk1"/>
+      </a:fontRef>
+    </dgm:style>
+  </dgm:styleLbl>
+  <dgm:styleLbl name="parChTrans2D4">
+    <dgm:scene3d>
+      <a:camera prst="orthographicFront"/>
+      <a:lightRig rig="threePt" dir="t"/>
+    </dgm:scene3d>
+    <dgm:sp3d/>
+    <dgm:txPr/>
+    <dgm:style>
+      <a:lnRef idx="1">
+        <a:scrgbClr r="0" g="0" b="0"/>
+      </a:lnRef>
+      <a:fillRef idx="2">
+        <a:scrgbClr r="0" g="0" b="0"/>
+      </a:fillRef>
+      <a:effectRef idx="1">
+        <a:scrgbClr r="0" g="0" b="0"/>
+      </a:effectRef>
+      <a:fontRef idx="minor">
+        <a:schemeClr val="dk1"/>
+      </a:fontRef>
+    </dgm:style>
+  </dgm:styleLbl>
+  <dgm:styleLbl name="parChTrans1D1">
+    <dgm:scene3d>
+      <a:camera prst="orthographicFront"/>
+      <a:lightRig rig="threePt" dir="t"/>
+    </dgm:scene3d>
+    <dgm:sp3d/>
+    <dgm:txPr/>
+    <dgm:style>
+      <a:lnRef idx="2">
+        <a:scrgbClr r="0" g="0" b="0"/>
+      </a:lnRef>
+      <a:fillRef idx="0">
+        <a:scrgbClr r="0" g="0" b="0"/>
+      </a:fillRef>
+      <a:effectRef idx="0">
+        <a:scrgbClr r="0" g="0" b="0"/>
+      </a:effectRef>
+      <a:fontRef idx="minor"/>
+    </dgm:style>
+  </dgm:styleLbl>
+  <dgm:styleLbl name="parChTrans1D2">
+    <dgm:scene3d>
+      <a:camera prst="orthographicFront"/>
+      <a:lightRig rig="threePt" dir="t"/>
+    </dgm:scene3d>
+    <dgm:sp3d/>
+    <dgm:txPr/>
+    <dgm:style>
+      <a:lnRef idx="2">
+        <a:scrgbClr r="0" g="0" b="0"/>
+      </a:lnRef>
+      <a:fillRef idx="0">
+        <a:scrgbClr r="0" g="0" b="0"/>
+      </a:fillRef>
+      <a:effectRef idx="0">
+        <a:scrgbClr r="0" g="0" b="0"/>
+      </a:effectRef>
+      <a:fontRef idx="minor"/>
+    </dgm:style>
+  </dgm:styleLbl>
+  <dgm:styleLbl name="parChTrans1D3">
+    <dgm:scene3d>
+      <a:camera prst="orthographicFront"/>
+      <a:lightRig rig="threePt" dir="t"/>
+    </dgm:scene3d>
+    <dgm:sp3d/>
+    <dgm:txPr/>
+    <dgm:style>
+      <a:lnRef idx="2">
+        <a:scrgbClr r="0" g="0" b="0"/>
+      </a:lnRef>
+      <a:fillRef idx="0">
+        <a:scrgbClr r="0" g="0" b="0"/>
+      </a:fillRef>
+      <a:effectRef idx="0">
+        <a:scrgbClr r="0" g="0" b="0"/>
+      </a:effectRef>
+      <a:fontRef idx="minor"/>
+    </dgm:style>
+  </dgm:styleLbl>
+  <dgm:styleLbl name="parChTrans1D4">
+    <dgm:scene3d>
+      <a:camera prst="orthographicFront"/>
+      <a:lightRig rig="threePt" dir="t"/>
+    </dgm:scene3d>
+    <dgm:sp3d/>
+    <dgm:txPr/>
+    <dgm:style>
+      <a:lnRef idx="2">
+        <a:scrgbClr r="0" g="0" b="0"/>
+      </a:lnRef>
+      <a:fillRef idx="0">
+        <a:scrgbClr r="0" g="0" b="0"/>
+      </a:fillRef>
+      <a:effectRef idx="0">
+        <a:scrgbClr r="0" g="0" b="0"/>
+      </a:effectRef>
+      <a:fontRef idx="minor"/>
+    </dgm:style>
+  </dgm:styleLbl>
+  <dgm:styleLbl name="fgAcc1">
+    <dgm:scene3d>
+      <a:camera prst="orthographicFront"/>
+      <a:lightRig rig="threePt" dir="t"/>
+    </dgm:scene3d>
+    <dgm:sp3d/>
+    <dgm:txPr/>
+    <dgm:style>
+      <a:lnRef idx="1">
+        <a:scrgbClr r="0" g="0" b="0"/>
+      </a:lnRef>
+      <a:fillRef idx="1">
+        <a:scrgbClr r="0" g="0" b="0"/>
+      </a:fillRef>
+      <a:effectRef idx="0">
+        <a:scrgbClr r="0" g="0" b="0"/>
+      </a:effectRef>
+      <a:fontRef idx="minor"/>
+    </dgm:style>
+  </dgm:styleLbl>
+  <dgm:styleLbl name="conFgAcc1">
+    <dgm:scene3d>
+      <a:camera prst="orthographicFront"/>
+      <a:lightRig rig="threePt" dir="t"/>
+    </dgm:scene3d>
+    <dgm:sp3d/>
+    <dgm:txPr/>
+    <dgm:style>
+      <a:lnRef idx="1">
+        <a:scrgbClr r="0" g="0" b="0"/>
+      </a:lnRef>
+      <a:fillRef idx="1">
+        <a:scrgbClr r="0" g="0" b="0"/>
+      </a:fillRef>
+      <a:effectRef idx="0">
+        <a:scrgbClr r="0" g="0" b="0"/>
+      </a:effectRef>
+      <a:fontRef idx="minor"/>
+    </dgm:style>
+  </dgm:styleLbl>
+  <dgm:styleLbl name="alignAcc1">
+    <dgm:scene3d>
+      <a:camera prst="orthographicFront"/>
+      <a:lightRig rig="threePt" dir="t"/>
+    </dgm:scene3d>
+    <dgm:sp3d/>
+    <dgm:txPr/>
+    <dgm:style>
+      <a:lnRef idx="1">
+        <a:scrgbClr r="0" g="0" b="0"/>
+      </a:lnRef>
+      <a:fillRef idx="1">
+        <a:scrgbClr r="0" g="0" b="0"/>
+      </a:fillRef>
+      <a:effectRef idx="0">
+        <a:scrgbClr r="0" g="0" b="0"/>
+      </a:effectRef>
+      <a:fontRef idx="minor"/>
+    </dgm:style>
+  </dgm:styleLbl>
+  <dgm:styleLbl name="trAlignAcc1">
+    <dgm:scene3d>
+      <a:camera prst="orthographicFront"/>
+      <a:lightRig rig="threePt" dir="t"/>
+    </dgm:scene3d>
+    <dgm:sp3d/>
+    <dgm:txPr/>
+    <dgm:style>
+      <a:lnRef idx="1">
+        <a:scrgbClr r="0" g="0" b="0"/>
+      </a:lnRef>
+      <a:fillRef idx="1">
+        <a:scrgbClr r="0" g="0" b="0"/>
+      </a:fillRef>
+      <a:effectRef idx="0">
+        <a:scrgbClr r="0" g="0" b="0"/>
+      </a:effectRef>
+      <a:fontRef idx="minor"/>
+    </dgm:style>
+  </dgm:styleLbl>
+  <dgm:styleLbl name="bgAcc1">
+    <dgm:scene3d>
+      <a:camera prst="orthographicFront"/>
+      <a:lightRig rig="threePt" dir="t"/>
+    </dgm:scene3d>
+    <dgm:sp3d/>
+    <dgm:txPr/>
+    <dgm:style>
+      <a:lnRef idx="1">
+        <a:scrgbClr r="0" g="0" b="0"/>
+      </a:lnRef>
+      <a:fillRef idx="1">
+        <a:scrgbClr r="0" g="0" b="0"/>
+      </a:fillRef>
+      <a:effectRef idx="0">
+        <a:scrgbClr r="0" g="0" b="0"/>
+      </a:effectRef>
+      <a:fontRef idx="minor"/>
+    </dgm:style>
+  </dgm:styleLbl>
+  <dgm:styleLbl name="solidFgAcc1">
+    <dgm:scene3d>
+      <a:camera prst="orthographicFront"/>
+      <a:lightRig rig="threePt" dir="t"/>
+    </dgm:scene3d>
+    <dgm:sp3d/>
+    <dgm:txPr/>
+    <dgm:style>
+      <a:lnRef idx="1">
+        <a:scrgbClr r="0" g="0" b="0"/>
+      </a:lnRef>
+      <a:fillRef idx="2">
+        <a:scrgbClr r="0" g="0" b="0"/>
+      </a:fillRef>
+      <a:effectRef idx="0">
+        <a:scrgbClr r="0" g="0" b="0"/>
+      </a:effectRef>
+      <a:fontRef idx="minor"/>
+    </dgm:style>
+  </dgm:styleLbl>
+  <dgm:styleLbl name="solidAlignAcc1">
+    <dgm:scene3d>
+      <a:camera prst="orthographicFront"/>
+      <a:lightRig rig="threePt" dir="t"/>
+    </dgm:scene3d>
+    <dgm:sp3d/>
+    <dgm:txPr/>
+    <dgm:style>
+      <a:lnRef idx="1">
+        <a:scrgbClr r="0" g="0" b="0"/>
+      </a:lnRef>
+      <a:fillRef idx="1">
+        <a:scrgbClr r="0" g="0" b="0"/>
+      </a:fillRef>
+      <a:effectRef idx="0">
+        <a:scrgbClr r="0" g="0" b="0"/>
+      </a:effectRef>
+      <a:fontRef idx="minor"/>
+    </dgm:style>
+  </dgm:styleLbl>
+  <dgm:styleLbl name="solidBgAcc1">
+    <dgm:scene3d>
+      <a:camera prst="orthographicFront"/>
+      <a:lightRig rig="threePt" dir="t"/>
+    </dgm:scene3d>
+    <dgm:sp3d/>
+    <dgm:txPr/>
+    <dgm:style>
+      <a:lnRef idx="1">
+        <a:scrgbClr r="0" g="0" b="0"/>
+      </a:lnRef>
+      <a:fillRef idx="1">
+        <a:scrgbClr r="0" g="0" b="0"/>
+      </a:fillRef>
+      <a:effectRef idx="0">
+        <a:scrgbClr r="0" g="0" b="0"/>
+      </a:effectRef>
+      <a:fontRef idx="minor"/>
+    </dgm:style>
+  </dgm:styleLbl>
+  <dgm:styleLbl name="fgAccFollowNode1">
+    <dgm:scene3d>
+      <a:camera prst="orthographicFront"/>
+      <a:lightRig rig="threePt" dir="t"/>
+    </dgm:scene3d>
+    <dgm:sp3d/>
+    <dgm:txPr/>
+    <dgm:style>
+      <a:lnRef idx="1">
+        <a:scrgbClr r="0" g="0" b="0"/>
+      </a:lnRef>
+      <a:fillRef idx="1">
+        <a:scrgbClr r="0" g="0" b="0"/>
+      </a:fillRef>
+      <a:effectRef idx="0">
+        <a:scrgbClr r="0" g="0" b="0"/>
+      </a:effectRef>
+      <a:fontRef idx="minor"/>
+    </dgm:style>
+  </dgm:styleLbl>
+  <dgm:styleLbl name="alignAccFollowNode1">
+    <dgm:scene3d>
+      <a:camera prst="orthographicFront"/>
+      <a:lightRig rig="threePt" dir="t"/>
+    </dgm:scene3d>
+    <dgm:sp3d/>
+    <dgm:txPr/>
+    <dgm:style>
+      <a:lnRef idx="1">
+        <a:scrgbClr r="0" g="0" b="0"/>
+      </a:lnRef>
+      <a:fillRef idx="1">
+        <a:scrgbClr r="0" g="0" b="0"/>
+      </a:fillRef>
+      <a:effectRef idx="0">
+        <a:scrgbClr r="0" g="0" b="0"/>
+      </a:effectRef>
+      <a:fontRef idx="minor"/>
+    </dgm:style>
+  </dgm:styleLbl>
+  <dgm:styleLbl name="bgAccFollowNode1">
+    <dgm:scene3d>
+      <a:camera prst="orthographicFront"/>
+      <a:lightRig rig="threePt" dir="t"/>
+    </dgm:scene3d>
+    <dgm:sp3d/>
+    <dgm:txPr/>
+    <dgm:style>
+      <a:lnRef idx="1">
+        <a:scrgbClr r="0" g="0" b="0"/>
+      </a:lnRef>
+      <a:fillRef idx="1">
+        <a:scrgbClr r="0" g="0" b="0"/>
+      </a:fillRef>
+      <a:effectRef idx="0">
+        <a:scrgbClr r="0" g="0" b="0"/>
+      </a:effectRef>
+      <a:fontRef idx="minor"/>
+    </dgm:style>
+  </dgm:styleLbl>
+  <dgm:styleLbl name="fgAcc0">
+    <dgm:scene3d>
+      <a:camera prst="orthographicFront"/>
+      <a:lightRig rig="threePt" dir="t"/>
+    </dgm:scene3d>
+    <dgm:sp3d/>
+    <dgm:txPr/>
+    <dgm:style>
+      <a:lnRef idx="1">
+        <a:scrgbClr r="0" g="0" b="0"/>
+      </a:lnRef>
+      <a:fillRef idx="1">
+        <a:scrgbClr r="0" g="0" b="0"/>
+      </a:fillRef>
+      <a:effectRef idx="0">
+        <a:scrgbClr r="0" g="0" b="0"/>
+      </a:effectRef>
+      <a:fontRef idx="minor"/>
+    </dgm:style>
+  </dgm:styleLbl>
+  <dgm:styleLbl name="fgAcc2">
+    <dgm:scene3d>
+      <a:camera prst="orthographicFront"/>
+      <a:lightRig rig="threePt" dir="t"/>
+    </dgm:scene3d>
+    <dgm:sp3d/>
+    <dgm:txPr/>
+    <dgm:style>
+      <a:lnRef idx="1">
+        <a:scrgbClr r="0" g="0" b="0"/>
+      </a:lnRef>
+      <a:fillRef idx="1">
+        <a:scrgbClr r="0" g="0" b="0"/>
+      </a:fillRef>
+      <a:effectRef idx="0">
+        <a:scrgbClr r="0" g="0" b="0"/>
+      </a:effectRef>
+      <a:fontRef idx="minor"/>
+    </dgm:style>
+  </dgm:styleLbl>
+  <dgm:styleLbl name="fgAcc3">
+    <dgm:scene3d>
+      <a:camera prst="orthographicFront"/>
+      <a:lightRig rig="threePt" dir="t"/>
+    </dgm:scene3d>
+    <dgm:sp3d/>
+    <dgm:txPr/>
+    <dgm:style>
+      <a:lnRef idx="1">
+        <a:scrgbClr r="0" g="0" b="0"/>
+      </a:lnRef>
+      <a:fillRef idx="1">
+        <a:scrgbClr r="0" g="0" b="0"/>
+      </a:fillRef>
+      <a:effectRef idx="0">
+        <a:scrgbClr r="0" g="0" b="0"/>
+      </a:effectRef>
+      <a:fontRef idx="minor"/>
+    </dgm:style>
+  </dgm:styleLbl>
+  <dgm:styleLbl name="fgAcc4">
+    <dgm:scene3d>
+      <a:camera prst="orthographicFront"/>
+      <a:lightRig rig="threePt" dir="t"/>
+    </dgm:scene3d>
+    <dgm:sp3d/>
+    <dgm:txPr/>
+    <dgm:style>
+      <a:lnRef idx="1">
+        <a:scrgbClr r="0" g="0" b="0"/>
+      </a:lnRef>
+      <a:fillRef idx="1">
+        <a:scrgbClr r="0" g="0" b="0"/>
+      </a:fillRef>
+      <a:effectRef idx="0">
+        <a:scrgbClr r="0" g="0" b="0"/>
+      </a:effectRef>
+      <a:fontRef idx="minor"/>
+    </dgm:style>
+  </dgm:styleLbl>
+  <dgm:styleLbl name="bgShp">
+    <dgm:scene3d>
+      <a:camera prst="orthographicFront"/>
+      <a:lightRig rig="threePt" dir="t"/>
+    </dgm:scene3d>
+    <dgm:sp3d/>
+    <dgm:txPr/>
+    <dgm:style>
+      <a:lnRef idx="0">
+        <a:scrgbClr r="0" g="0" b="0"/>
+      </a:lnRef>
+      <a:fillRef idx="1">
+        <a:scrgbClr r="0" g="0" b="0"/>
+      </a:fillRef>
+      <a:effectRef idx="1">
+        <a:scrgbClr r="0" g="0" b="0"/>
+      </a:effectRef>
+      <a:fontRef idx="minor"/>
+    </dgm:style>
+  </dgm:styleLbl>
+  <dgm:styleLbl name="dkBgShp">
+    <dgm:scene3d>
+      <a:camera prst="orthographicFront"/>
+      <a:lightRig rig="threePt" dir="t"/>
+    </dgm:scene3d>
+    <dgm:sp3d/>
+    <dgm:txPr/>
+    <dgm:style>
+      <a:lnRef idx="0">
+        <a:scrgbClr r="0" g="0" b="0"/>
+      </a:lnRef>
+      <a:fillRef idx="1">
+        <a:scrgbClr r="0" g="0" b="0"/>
+      </a:fillRef>
+      <a:effectRef idx="1">
+        <a:scrgbClr r="0" g="0" b="0"/>
+      </a:effectRef>
+      <a:fontRef idx="minor"/>
+    </dgm:style>
+  </dgm:styleLbl>
+  <dgm:styleLbl name="trBgShp">
+    <dgm:scene3d>
+      <a:camera prst="orthographicFront"/>
+      <a:lightRig rig="threePt" dir="t"/>
+    </dgm:scene3d>
+    <dgm:sp3d/>
+    <dgm:txPr/>
+    <dgm:style>
+      <a:lnRef idx="0">
+        <a:scrgbClr r="0" g="0" b="0"/>
+      </a:lnRef>
+      <a:fillRef idx="1">
+        <a:scrgbClr r="0" g="0" b="0"/>
+      </a:fillRef>
+      <a:effectRef idx="0">
+        <a:scrgbClr r="0" g="0" b="0"/>
+      </a:effectRef>
+      <a:fontRef idx="minor"/>
+    </dgm:style>
+  </dgm:styleLbl>
+  <dgm:styleLbl name="fgShp">
+    <dgm:scene3d>
+      <a:camera prst="orthographicFront"/>
+      <a:lightRig rig="flat" dir="t"/>
+    </dgm:scene3d>
+    <dgm:sp3d prstMaterial="dkEdge">
+      <a:bevelT w="8200" h="38100"/>
+    </dgm:sp3d>
+    <dgm:txPr/>
+    <dgm:style>
+      <a:lnRef idx="1">
+        <a:scrgbClr r="0" g="0" b="0"/>
+      </a:lnRef>
+      <a:fillRef idx="2">
+        <a:scrgbClr r="0" g="0" b="0"/>
+      </a:fillRef>
+      <a:effectRef idx="1">
+        <a:scrgbClr r="0" g="0" b="0"/>
+      </a:effectRef>
+      <a:fontRef idx="minor"/>
+    </dgm:style>
+  </dgm:styleLbl>
+  <dgm:styleLbl name="revTx">
+    <dgm:scene3d>
+      <a:camera prst="orthographicFront"/>
+      <a:lightRig rig="threePt" dir="t"/>
+    </dgm:scene3d>
+    <dgm:sp3d/>
+    <dgm:txPr/>
+    <dgm:style>
+      <a:lnRef idx="0">
+        <a:scrgbClr r="0" g="0" b="0"/>
+      </a:lnRef>
+      <a:fillRef idx="0">
+        <a:scrgbClr r="0" g="0" b="0"/>
+      </a:fillRef>
+      <a:effectRef idx="0">
+        <a:scrgbClr r="0" g="0" b="0"/>
+      </a:effectRef>
+      <a:fontRef idx="minor"/>
+    </dgm:style>
+  </dgm:styleLbl>
+</dgm:styleDef>
 </file>
 
 <file path=ppt/slideLayouts/slideLayout1.xml><?xml version="1.0" encoding="utf-8"?>
@@ -846,7 +3968,7 @@
             <a:fld id="{B61BEF0D-F0BB-DE4B-95CE-6DB70DBA9567}" type="datetimeFigureOut">
               <a:rPr lang="en-US" dirty="0"/>
               <a:pPr/>
-              <a:t>3/3/2020</a:t>
+              <a:t>3/6/2020</a:t>
             </a:fld>
             <a:endParaRPr lang="en-US" dirty="0"/>
           </a:p>
@@ -1094,7 +4216,7 @@
             <a:fld id="{B61BEF0D-F0BB-DE4B-95CE-6DB70DBA9567}" type="datetimeFigureOut">
               <a:rPr lang="en-US" dirty="0"/>
               <a:pPr/>
-              <a:t>3/3/2020</a:t>
+              <a:t>3/6/2020</a:t>
             </a:fld>
             <a:endParaRPr lang="en-US" dirty="0"/>
           </a:p>
@@ -1405,7 +4527,7 @@
             <a:fld id="{B61BEF0D-F0BB-DE4B-95CE-6DB70DBA9567}" type="datetimeFigureOut">
               <a:rPr lang="en-US" dirty="0"/>
               <a:pPr/>
-              <a:t>3/3/2020</a:t>
+              <a:t>3/6/2020</a:t>
             </a:fld>
             <a:endParaRPr lang="en-US" dirty="0"/>
           </a:p>
@@ -1743,7 +4865,7 @@
             <a:fld id="{B61BEF0D-F0BB-DE4B-95CE-6DB70DBA9567}" type="datetimeFigureOut">
               <a:rPr lang="en-US" dirty="0"/>
               <a:pPr/>
-              <a:t>3/3/2020</a:t>
+              <a:t>3/6/2020</a:t>
             </a:fld>
             <a:endParaRPr lang="en-US" dirty="0"/>
           </a:p>
@@ -2054,7 +5176,7 @@
             <a:fld id="{B61BEF0D-F0BB-DE4B-95CE-6DB70DBA9567}" type="datetimeFigureOut">
               <a:rPr lang="en-US" dirty="0"/>
               <a:pPr/>
-              <a:t>3/3/2020</a:t>
+              <a:t>3/6/2020</a:t>
             </a:fld>
             <a:endParaRPr lang="en-US" dirty="0"/>
           </a:p>
@@ -2444,7 +5566,7 @@
             <a:fld id="{B61BEF0D-F0BB-DE4B-95CE-6DB70DBA9567}" type="datetimeFigureOut">
               <a:rPr lang="en-US" dirty="0"/>
               <a:pPr/>
-              <a:t>3/3/2020</a:t>
+              <a:t>3/6/2020</a:t>
             </a:fld>
             <a:endParaRPr lang="en-US" dirty="0"/>
           </a:p>
@@ -2610,7 +5732,7 @@
           <a:p>
             <a:fld id="{55C6B4A9-1611-4792-9094-5F34BCA07E0B}" type="datetimeFigureOut">
               <a:rPr lang="en-US" dirty="0"/>
-              <a:t>3/3/2020</a:t>
+              <a:t>3/6/2020</a:t>
             </a:fld>
             <a:endParaRPr lang="en-US" dirty="0"/>
           </a:p>
@@ -2786,7 +5908,7 @@
             <a:fld id="{B61BEF0D-F0BB-DE4B-95CE-6DB70DBA9567}" type="datetimeFigureOut">
               <a:rPr lang="en-US" dirty="0"/>
               <a:pPr/>
-              <a:t>3/3/2020</a:t>
+              <a:t>3/6/2020</a:t>
             </a:fld>
             <a:endParaRPr lang="en-US" dirty="0"/>
           </a:p>
@@ -2959,7 +6081,7 @@
             <a:fld id="{B61BEF0D-F0BB-DE4B-95CE-6DB70DBA9567}" type="datetimeFigureOut">
               <a:rPr lang="en-US" dirty="0"/>
               <a:pPr/>
-              <a:t>3/3/2020</a:t>
+              <a:t>3/6/2020</a:t>
             </a:fld>
             <a:endParaRPr lang="en-US" dirty="0"/>
           </a:p>
@@ -3203,7 +6325,7 @@
             <a:fld id="{B61BEF0D-F0BB-DE4B-95CE-6DB70DBA9567}" type="datetimeFigureOut">
               <a:rPr lang="en-US" dirty="0"/>
               <a:pPr/>
-              <a:t>3/3/2020</a:t>
+              <a:t>3/6/2020</a:t>
             </a:fld>
             <a:endParaRPr lang="en-US" dirty="0"/>
           </a:p>
@@ -3431,7 +6553,7 @@
           <a:p>
             <a:fld id="{EB712588-04B1-427B-82EE-E8DB90309F08}" type="datetimeFigureOut">
               <a:rPr lang="en-US" dirty="0"/>
-              <a:t>3/3/2020</a:t>
+              <a:t>3/6/2020</a:t>
             </a:fld>
             <a:endParaRPr lang="en-US" dirty="0"/>
           </a:p>
@@ -3801,7 +6923,7 @@
             <a:fld id="{B61BEF0D-F0BB-DE4B-95CE-6DB70DBA9567}" type="datetimeFigureOut">
               <a:rPr lang="en-US" dirty="0"/>
               <a:pPr/>
-              <a:t>3/3/2020</a:t>
+              <a:t>3/6/2020</a:t>
             </a:fld>
             <a:endParaRPr lang="en-US" dirty="0"/>
           </a:p>
@@ -3921,7 +7043,7 @@
             <a:fld id="{B61BEF0D-F0BB-DE4B-95CE-6DB70DBA9567}" type="datetimeFigureOut">
               <a:rPr lang="en-US" dirty="0"/>
               <a:pPr/>
-              <a:t>3/3/2020</a:t>
+              <a:t>3/6/2020</a:t>
             </a:fld>
             <a:endParaRPr lang="en-US" dirty="0"/>
           </a:p>
@@ -4013,7 +7135,7 @@
             <a:fld id="{B61BEF0D-F0BB-DE4B-95CE-6DB70DBA9567}" type="datetimeFigureOut">
               <a:rPr lang="en-US" dirty="0"/>
               <a:pPr/>
-              <a:t>3/3/2020</a:t>
+              <a:t>3/6/2020</a:t>
             </a:fld>
             <a:endParaRPr lang="en-US" dirty="0"/>
           </a:p>
@@ -4264,7 +7386,7 @@
           <a:p>
             <a:fld id="{42A54C80-263E-416B-A8E0-580EDEADCBDC}" type="datetimeFigureOut">
               <a:rPr lang="en-US" dirty="0"/>
-              <a:t>3/3/2020</a:t>
+              <a:t>3/6/2020</a:t>
             </a:fld>
             <a:endParaRPr lang="en-US" dirty="0"/>
           </a:p>
@@ -4523,7 +7645,7 @@
             <a:fld id="{B61BEF0D-F0BB-DE4B-95CE-6DB70DBA9567}" type="datetimeFigureOut">
               <a:rPr lang="en-US" dirty="0"/>
               <a:pPr/>
-              <a:t>3/3/2020</a:t>
+              <a:t>3/6/2020</a:t>
             </a:fld>
             <a:endParaRPr lang="en-US" dirty="0"/>
           </a:p>
@@ -5263,7 +8385,7 @@
             <a:fld id="{B61BEF0D-F0BB-DE4B-95CE-6DB70DBA9567}" type="datetimeFigureOut">
               <a:rPr lang="en-US" dirty="0"/>
               <a:pPr/>
-              <a:t>3/3/2020</a:t>
+              <a:t>3/6/2020</a:t>
             </a:fld>
             <a:endParaRPr lang="en-US" dirty="0"/>
           </a:p>
@@ -5769,14 +8891,6 @@
 <file path=ppt/slides/slide1.xml><?xml version="1.0" encoding="utf-8"?>
 <p:sld xmlns:a="http://schemas.openxmlformats.org/drawingml/2006/main" xmlns:r="http://schemas.openxmlformats.org/officeDocument/2006/relationships" xmlns:p="http://schemas.openxmlformats.org/presentationml/2006/main">
   <p:cSld>
-    <p:bg>
-      <p:bgPr>
-        <a:solidFill>
-          <a:schemeClr val="bg1"/>
-        </a:solidFill>
-        <a:effectLst/>
-      </p:bgPr>
-    </p:bg>
     <p:spTree>
       <p:nvGrpSpPr>
         <p:cNvPr id="1" name=""/>
@@ -5791,703 +8905,6 @@
           <a:chExt cx="0" cy="0"/>
         </a:xfrm>
       </p:grpSpPr>
-      <p:grpSp>
-        <p:nvGrpSpPr>
-          <p:cNvPr id="37" name="Group 9">
-            <a:extLst>
-              <a:ext uri="{FF2B5EF4-FFF2-40B4-BE49-F238E27FC236}">
-                <a16:creationId xmlns:a16="http://schemas.microsoft.com/office/drawing/2014/main" id="{609316A9-990D-4EC3-A671-70EE5C1493A4}"/>
-              </a:ext>
-              <a:ext uri="{C183D7F6-B498-43B3-948B-1728B52AA6E4}">
-                <adec:decorative xmlns:adec="http://schemas.microsoft.com/office/drawing/2017/decorative" val="1"/>
-              </a:ext>
-            </a:extLst>
-          </p:cNvPr>
-          <p:cNvGrpSpPr>
-            <a:grpSpLocks noGrp="1" noUngrp="1" noRot="1" noChangeAspect="1" noMove="1" noResize="1"/>
-          </p:cNvGrpSpPr>
-          <p:nvPr>
-            <p:extLst>
-              <p:ext uri="{386F3935-93C4-4BCD-93E2-E3B085C9AB24}">
-                <p16:designElem xmlns:p16="http://schemas.microsoft.com/office/powerpoint/2015/main" val="1"/>
-              </p:ext>
-            </p:extLst>
-          </p:nvPr>
-        </p:nvGrpSpPr>
-        <p:grpSpPr>
-          <a:xfrm>
-            <a:off x="0" y="-8467"/>
-            <a:ext cx="12192000" cy="6866467"/>
-            <a:chOff x="0" y="-8467"/>
-            <a:chExt cx="12192000" cy="6866467"/>
-          </a:xfrm>
-        </p:grpSpPr>
-        <p:cxnSp>
-          <p:nvCxnSpPr>
-            <p:cNvPr id="11" name="Straight Connector 10">
-              <a:extLst>
-                <a:ext uri="{FF2B5EF4-FFF2-40B4-BE49-F238E27FC236}">
-                  <a16:creationId xmlns:a16="http://schemas.microsoft.com/office/drawing/2014/main" id="{9B0C6109-9159-49CA-AD7A-F9035539DB7F}"/>
-                </a:ext>
-                <a:ext uri="{C183D7F6-B498-43B3-948B-1728B52AA6E4}">
-                  <adec:decorative xmlns:adec="http://schemas.microsoft.com/office/drawing/2017/decorative" val="1"/>
-                </a:ext>
-              </a:extLst>
-            </p:cNvPr>
-            <p:cNvCxnSpPr/>
-            <p:nvPr>
-              <p:extLst>
-                <p:ext uri="{386F3935-93C4-4BCD-93E2-E3B085C9AB24}">
-                  <p16:designElem xmlns:p16="http://schemas.microsoft.com/office/powerpoint/2015/main" val="1"/>
-                </p:ext>
-              </p:extLst>
-            </p:nvPr>
-          </p:nvCxnSpPr>
-          <p:spPr>
-            <a:xfrm>
-              <a:off x="9371012" y="0"/>
-              <a:ext cx="1219200" cy="6858000"/>
-            </a:xfrm>
-            <a:prstGeom prst="line">
-              <a:avLst/>
-            </a:prstGeom>
-            <a:ln w="9525">
-              <a:solidFill>
-                <a:schemeClr val="bg1">
-                  <a:lumMod val="75000"/>
-                </a:schemeClr>
-              </a:solidFill>
-            </a:ln>
-          </p:spPr>
-          <p:style>
-            <a:lnRef idx="2">
-              <a:schemeClr val="accent1"/>
-            </a:lnRef>
-            <a:fillRef idx="0">
-              <a:schemeClr val="accent1"/>
-            </a:fillRef>
-            <a:effectRef idx="1">
-              <a:schemeClr val="accent1"/>
-            </a:effectRef>
-            <a:fontRef idx="minor">
-              <a:schemeClr val="tx1"/>
-            </a:fontRef>
-          </p:style>
-        </p:cxnSp>
-        <p:cxnSp>
-          <p:nvCxnSpPr>
-            <p:cNvPr id="12" name="Straight Connector 11">
-              <a:extLst>
-                <a:ext uri="{FF2B5EF4-FFF2-40B4-BE49-F238E27FC236}">
-                  <a16:creationId xmlns:a16="http://schemas.microsoft.com/office/drawing/2014/main" id="{686F14F5-308C-4EB6-87AB-05DE9501B1AA}"/>
-                </a:ext>
-                <a:ext uri="{C183D7F6-B498-43B3-948B-1728B52AA6E4}">
-                  <adec:decorative xmlns:adec="http://schemas.microsoft.com/office/drawing/2017/decorative" val="1"/>
-                </a:ext>
-              </a:extLst>
-            </p:cNvPr>
-            <p:cNvCxnSpPr/>
-            <p:nvPr>
-              <p:extLst>
-                <p:ext uri="{386F3935-93C4-4BCD-93E2-E3B085C9AB24}">
-                  <p16:designElem xmlns:p16="http://schemas.microsoft.com/office/powerpoint/2015/main" val="1"/>
-                </p:ext>
-              </p:extLst>
-            </p:nvPr>
-          </p:nvCxnSpPr>
-          <p:spPr>
-            <a:xfrm flipH="1">
-              <a:off x="7425267" y="3681413"/>
-              <a:ext cx="4763558" cy="3176587"/>
-            </a:xfrm>
-            <a:prstGeom prst="line">
-              <a:avLst/>
-            </a:prstGeom>
-            <a:ln w="9525">
-              <a:solidFill>
-                <a:schemeClr val="bg1">
-                  <a:lumMod val="85000"/>
-                </a:schemeClr>
-              </a:solidFill>
-            </a:ln>
-          </p:spPr>
-          <p:style>
-            <a:lnRef idx="2">
-              <a:schemeClr val="accent1"/>
-            </a:lnRef>
-            <a:fillRef idx="0">
-              <a:schemeClr val="accent1"/>
-            </a:fillRef>
-            <a:effectRef idx="1">
-              <a:schemeClr val="accent1"/>
-            </a:effectRef>
-            <a:fontRef idx="minor">
-              <a:schemeClr val="tx1"/>
-            </a:fontRef>
-          </p:style>
-        </p:cxnSp>
-        <p:sp>
-          <p:nvSpPr>
-            <p:cNvPr id="13" name="Rectangle 23">
-              <a:extLst>
-                <a:ext uri="{FF2B5EF4-FFF2-40B4-BE49-F238E27FC236}">
-                  <a16:creationId xmlns:a16="http://schemas.microsoft.com/office/drawing/2014/main" id="{BA032363-A188-47C5-9D59-9B788809DCD2}"/>
-                </a:ext>
-                <a:ext uri="{C183D7F6-B498-43B3-948B-1728B52AA6E4}">
-                  <adec:decorative xmlns:adec="http://schemas.microsoft.com/office/drawing/2017/decorative" val="1"/>
-                </a:ext>
-              </a:extLst>
-            </p:cNvPr>
-            <p:cNvSpPr/>
-            <p:nvPr>
-              <p:extLst>
-                <p:ext uri="{386F3935-93C4-4BCD-93E2-E3B085C9AB24}">
-                  <p16:designElem xmlns:p16="http://schemas.microsoft.com/office/powerpoint/2015/main" val="1"/>
-                </p:ext>
-              </p:extLst>
-            </p:nvPr>
-          </p:nvSpPr>
-          <p:spPr>
-            <a:xfrm>
-              <a:off x="9181476" y="-8467"/>
-              <a:ext cx="3007349" cy="6866467"/>
-            </a:xfrm>
-            <a:custGeom>
-              <a:avLst/>
-              <a:gdLst/>
-              <a:ahLst/>
-              <a:cxnLst/>
-              <a:rect l="l" t="t" r="r" b="b"/>
-              <a:pathLst>
-                <a:path w="3007349" h="6866467">
-                  <a:moveTo>
-                    <a:pt x="2045532" y="0"/>
-                  </a:moveTo>
-                  <a:lnTo>
-                    <a:pt x="3007349" y="0"/>
-                  </a:lnTo>
-                  <a:lnTo>
-                    <a:pt x="3007349" y="6866467"/>
-                  </a:lnTo>
-                  <a:lnTo>
-                    <a:pt x="0" y="6866467"/>
-                  </a:lnTo>
-                  <a:lnTo>
-                    <a:pt x="2045532" y="0"/>
-                  </a:lnTo>
-                  <a:close/>
-                </a:path>
-              </a:pathLst>
-            </a:custGeom>
-            <a:solidFill>
-              <a:schemeClr val="accent1">
-                <a:alpha val="30000"/>
-              </a:schemeClr>
-            </a:solidFill>
-            <a:ln>
-              <a:noFill/>
-            </a:ln>
-            <a:effectLst/>
-          </p:spPr>
-          <p:style>
-            <a:lnRef idx="1">
-              <a:schemeClr val="accent1"/>
-            </a:lnRef>
-            <a:fillRef idx="3">
-              <a:schemeClr val="accent1"/>
-            </a:fillRef>
-            <a:effectRef idx="2">
-              <a:schemeClr val="accent1"/>
-            </a:effectRef>
-            <a:fontRef idx="minor">
-              <a:schemeClr val="lt1"/>
-            </a:fontRef>
-          </p:style>
-        </p:sp>
-        <p:sp>
-          <p:nvSpPr>
-            <p:cNvPr id="14" name="Rectangle 25">
-              <a:extLst>
-                <a:ext uri="{FF2B5EF4-FFF2-40B4-BE49-F238E27FC236}">
-                  <a16:creationId xmlns:a16="http://schemas.microsoft.com/office/drawing/2014/main" id="{2C4077DF-6BB9-4069-AD28-6B1664EBB064}"/>
-                </a:ext>
-                <a:ext uri="{C183D7F6-B498-43B3-948B-1728B52AA6E4}">
-                  <adec:decorative xmlns:adec="http://schemas.microsoft.com/office/drawing/2017/decorative" val="1"/>
-                </a:ext>
-              </a:extLst>
-            </p:cNvPr>
-            <p:cNvSpPr/>
-            <p:nvPr>
-              <p:extLst>
-                <p:ext uri="{386F3935-93C4-4BCD-93E2-E3B085C9AB24}">
-                  <p16:designElem xmlns:p16="http://schemas.microsoft.com/office/powerpoint/2015/main" val="1"/>
-                </p:ext>
-              </p:extLst>
-            </p:nvPr>
-          </p:nvSpPr>
-          <p:spPr>
-            <a:xfrm>
-              <a:off x="9603442" y="-8467"/>
-              <a:ext cx="2588558" cy="6866467"/>
-            </a:xfrm>
-            <a:custGeom>
-              <a:avLst/>
-              <a:gdLst/>
-              <a:ahLst/>
-              <a:cxnLst/>
-              <a:rect l="l" t="t" r="r" b="b"/>
-              <a:pathLst>
-                <a:path w="2573311" h="6866467">
-                  <a:moveTo>
-                    <a:pt x="0" y="0"/>
-                  </a:moveTo>
-                  <a:lnTo>
-                    <a:pt x="2573311" y="0"/>
-                  </a:lnTo>
-                  <a:lnTo>
-                    <a:pt x="2573311" y="6866467"/>
-                  </a:lnTo>
-                  <a:lnTo>
-                    <a:pt x="1202336" y="6866467"/>
-                  </a:lnTo>
-                  <a:lnTo>
-                    <a:pt x="0" y="0"/>
-                  </a:lnTo>
-                  <a:close/>
-                </a:path>
-              </a:pathLst>
-            </a:custGeom>
-            <a:solidFill>
-              <a:schemeClr val="accent1">
-                <a:alpha val="20000"/>
-              </a:schemeClr>
-            </a:solidFill>
-            <a:ln>
-              <a:noFill/>
-            </a:ln>
-            <a:effectLst/>
-          </p:spPr>
-          <p:style>
-            <a:lnRef idx="1">
-              <a:schemeClr val="accent1"/>
-            </a:lnRef>
-            <a:fillRef idx="3">
-              <a:schemeClr val="accent1"/>
-            </a:fillRef>
-            <a:effectRef idx="2">
-              <a:schemeClr val="accent1"/>
-            </a:effectRef>
-            <a:fontRef idx="minor">
-              <a:schemeClr val="lt1"/>
-            </a:fontRef>
-          </p:style>
-        </p:sp>
-        <p:sp>
-          <p:nvSpPr>
-            <p:cNvPr id="15" name="Isosceles Triangle 14">
-              <a:extLst>
-                <a:ext uri="{FF2B5EF4-FFF2-40B4-BE49-F238E27FC236}">
-                  <a16:creationId xmlns:a16="http://schemas.microsoft.com/office/drawing/2014/main" id="{1D2B8B50-3419-41ED-9A9F-3CF9EEBBD3F2}"/>
-                </a:ext>
-                <a:ext uri="{C183D7F6-B498-43B3-948B-1728B52AA6E4}">
-                  <adec:decorative xmlns:adec="http://schemas.microsoft.com/office/drawing/2017/decorative" val="1"/>
-                </a:ext>
-              </a:extLst>
-            </p:cNvPr>
-            <p:cNvSpPr/>
-            <p:nvPr>
-              <p:extLst>
-                <p:ext uri="{386F3935-93C4-4BCD-93E2-E3B085C9AB24}">
-                  <p16:designElem xmlns:p16="http://schemas.microsoft.com/office/powerpoint/2015/main" val="1"/>
-                </p:ext>
-              </p:extLst>
-            </p:nvPr>
-          </p:nvSpPr>
-          <p:spPr>
-            <a:xfrm>
-              <a:off x="8932333" y="3048000"/>
-              <a:ext cx="3259667" cy="3810000"/>
-            </a:xfrm>
-            <a:prstGeom prst="triangle">
-              <a:avLst>
-                <a:gd name="adj" fmla="val 100000"/>
-              </a:avLst>
-            </a:prstGeom>
-            <a:solidFill>
-              <a:schemeClr val="accent2">
-                <a:alpha val="72000"/>
-              </a:schemeClr>
-            </a:solidFill>
-            <a:ln>
-              <a:noFill/>
-            </a:ln>
-            <a:effectLst/>
-          </p:spPr>
-          <p:style>
-            <a:lnRef idx="1">
-              <a:schemeClr val="accent1"/>
-            </a:lnRef>
-            <a:fillRef idx="3">
-              <a:schemeClr val="accent1"/>
-            </a:fillRef>
-            <a:effectRef idx="2">
-              <a:schemeClr val="accent1"/>
-            </a:effectRef>
-            <a:fontRef idx="minor">
-              <a:schemeClr val="lt1"/>
-            </a:fontRef>
-          </p:style>
-        </p:sp>
-        <p:sp>
-          <p:nvSpPr>
-            <p:cNvPr id="16" name="Rectangle 27">
-              <a:extLst>
-                <a:ext uri="{FF2B5EF4-FFF2-40B4-BE49-F238E27FC236}">
-                  <a16:creationId xmlns:a16="http://schemas.microsoft.com/office/drawing/2014/main" id="{5C640498-2E73-4FA2-BEB6-C3596A458C8A}"/>
-                </a:ext>
-                <a:ext uri="{C183D7F6-B498-43B3-948B-1728B52AA6E4}">
-                  <adec:decorative xmlns:adec="http://schemas.microsoft.com/office/drawing/2017/decorative" val="1"/>
-                </a:ext>
-              </a:extLst>
-            </p:cNvPr>
-            <p:cNvSpPr/>
-            <p:nvPr>
-              <p:extLst>
-                <p:ext uri="{386F3935-93C4-4BCD-93E2-E3B085C9AB24}">
-                  <p16:designElem xmlns:p16="http://schemas.microsoft.com/office/powerpoint/2015/main" val="1"/>
-                </p:ext>
-              </p:extLst>
-            </p:nvPr>
-          </p:nvSpPr>
-          <p:spPr>
-            <a:xfrm>
-              <a:off x="9334500" y="-8467"/>
-              <a:ext cx="2854326" cy="6866467"/>
-            </a:xfrm>
-            <a:custGeom>
-              <a:avLst/>
-              <a:gdLst/>
-              <a:ahLst/>
-              <a:cxnLst/>
-              <a:rect l="l" t="t" r="r" b="b"/>
-              <a:pathLst>
-                <a:path w="2858013" h="6866467">
-                  <a:moveTo>
-                    <a:pt x="0" y="0"/>
-                  </a:moveTo>
-                  <a:lnTo>
-                    <a:pt x="2858013" y="0"/>
-                  </a:lnTo>
-                  <a:lnTo>
-                    <a:pt x="2858013" y="6866467"/>
-                  </a:lnTo>
-                  <a:lnTo>
-                    <a:pt x="2473942" y="6866467"/>
-                  </a:lnTo>
-                  <a:lnTo>
-                    <a:pt x="0" y="0"/>
-                  </a:lnTo>
-                  <a:close/>
-                </a:path>
-              </a:pathLst>
-            </a:custGeom>
-            <a:solidFill>
-              <a:schemeClr val="accent2">
-                <a:lumMod val="75000"/>
-                <a:alpha val="70000"/>
-              </a:schemeClr>
-            </a:solidFill>
-            <a:ln>
-              <a:noFill/>
-            </a:ln>
-            <a:effectLst/>
-          </p:spPr>
-          <p:style>
-            <a:lnRef idx="1">
-              <a:schemeClr val="accent1"/>
-            </a:lnRef>
-            <a:fillRef idx="3">
-              <a:schemeClr val="accent1"/>
-            </a:fillRef>
-            <a:effectRef idx="2">
-              <a:schemeClr val="accent1"/>
-            </a:effectRef>
-            <a:fontRef idx="minor">
-              <a:schemeClr val="lt1"/>
-            </a:fontRef>
-          </p:style>
-        </p:sp>
-        <p:sp>
-          <p:nvSpPr>
-            <p:cNvPr id="17" name="Rectangle 28">
-              <a:extLst>
-                <a:ext uri="{FF2B5EF4-FFF2-40B4-BE49-F238E27FC236}">
-                  <a16:creationId xmlns:a16="http://schemas.microsoft.com/office/drawing/2014/main" id="{3240EEFC-4112-4C39-A816-C815774F6D69}"/>
-                </a:ext>
-                <a:ext uri="{C183D7F6-B498-43B3-948B-1728B52AA6E4}">
-                  <adec:decorative xmlns:adec="http://schemas.microsoft.com/office/drawing/2017/decorative" val="1"/>
-                </a:ext>
-              </a:extLst>
-            </p:cNvPr>
-            <p:cNvSpPr/>
-            <p:nvPr>
-              <p:extLst>
-                <p:ext uri="{386F3935-93C4-4BCD-93E2-E3B085C9AB24}">
-                  <p16:designElem xmlns:p16="http://schemas.microsoft.com/office/powerpoint/2015/main" val="1"/>
-                </p:ext>
-              </p:extLst>
-            </p:nvPr>
-          </p:nvSpPr>
-          <p:spPr>
-            <a:xfrm>
-              <a:off x="10898730" y="-8467"/>
-              <a:ext cx="1290094" cy="6866467"/>
-            </a:xfrm>
-            <a:custGeom>
-              <a:avLst/>
-              <a:gdLst/>
-              <a:ahLst/>
-              <a:cxnLst/>
-              <a:rect l="l" t="t" r="r" b="b"/>
-              <a:pathLst>
-                <a:path w="1290094" h="6858000">
-                  <a:moveTo>
-                    <a:pt x="1019735" y="0"/>
-                  </a:moveTo>
-                  <a:lnTo>
-                    <a:pt x="1290094" y="0"/>
-                  </a:lnTo>
-                  <a:lnTo>
-                    <a:pt x="1290094" y="6858000"/>
-                  </a:lnTo>
-                  <a:lnTo>
-                    <a:pt x="0" y="6858000"/>
-                  </a:lnTo>
-                  <a:lnTo>
-                    <a:pt x="1019735" y="0"/>
-                  </a:lnTo>
-                  <a:close/>
-                </a:path>
-              </a:pathLst>
-            </a:custGeom>
-            <a:solidFill>
-              <a:schemeClr val="accent1">
-                <a:lumMod val="60000"/>
-                <a:lumOff val="40000"/>
-                <a:alpha val="70000"/>
-              </a:schemeClr>
-            </a:solidFill>
-            <a:ln>
-              <a:noFill/>
-            </a:ln>
-            <a:effectLst/>
-          </p:spPr>
-          <p:style>
-            <a:lnRef idx="1">
-              <a:schemeClr val="accent1"/>
-            </a:lnRef>
-            <a:fillRef idx="3">
-              <a:schemeClr val="accent1"/>
-            </a:fillRef>
-            <a:effectRef idx="2">
-              <a:schemeClr val="accent1"/>
-            </a:effectRef>
-            <a:fontRef idx="minor">
-              <a:schemeClr val="lt1"/>
-            </a:fontRef>
-          </p:style>
-        </p:sp>
-        <p:sp>
-          <p:nvSpPr>
-            <p:cNvPr id="18" name="Rectangle 29">
-              <a:extLst>
-                <a:ext uri="{FF2B5EF4-FFF2-40B4-BE49-F238E27FC236}">
-                  <a16:creationId xmlns:a16="http://schemas.microsoft.com/office/drawing/2014/main" id="{ADF362B0-03EA-4800-9FAA-9F128587E428}"/>
-                </a:ext>
-                <a:ext uri="{C183D7F6-B498-43B3-948B-1728B52AA6E4}">
-                  <adec:decorative xmlns:adec="http://schemas.microsoft.com/office/drawing/2017/decorative" val="1"/>
-                </a:ext>
-              </a:extLst>
-            </p:cNvPr>
-            <p:cNvSpPr/>
-            <p:nvPr>
-              <p:extLst>
-                <p:ext uri="{386F3935-93C4-4BCD-93E2-E3B085C9AB24}">
-                  <p16:designElem xmlns:p16="http://schemas.microsoft.com/office/powerpoint/2015/main" val="1"/>
-                </p:ext>
-              </p:extLst>
-            </p:nvPr>
-          </p:nvSpPr>
-          <p:spPr>
-            <a:xfrm>
-              <a:off x="10938999" y="-8467"/>
-              <a:ext cx="1249825" cy="6866467"/>
-            </a:xfrm>
-            <a:custGeom>
-              <a:avLst/>
-              <a:gdLst/>
-              <a:ahLst/>
-              <a:cxnLst/>
-              <a:rect l="l" t="t" r="r" b="b"/>
-              <a:pathLst>
-                <a:path w="1249825" h="6858000">
-                  <a:moveTo>
-                    <a:pt x="0" y="0"/>
-                  </a:moveTo>
-                  <a:lnTo>
-                    <a:pt x="1249825" y="0"/>
-                  </a:lnTo>
-                  <a:lnTo>
-                    <a:pt x="1249825" y="6858000"/>
-                  </a:lnTo>
-                  <a:lnTo>
-                    <a:pt x="1109382" y="6858000"/>
-                  </a:lnTo>
-                  <a:lnTo>
-                    <a:pt x="0" y="0"/>
-                  </a:lnTo>
-                  <a:close/>
-                </a:path>
-              </a:pathLst>
-            </a:custGeom>
-            <a:solidFill>
-              <a:schemeClr val="accent1">
-                <a:alpha val="65000"/>
-              </a:schemeClr>
-            </a:solidFill>
-            <a:ln>
-              <a:noFill/>
-            </a:ln>
-            <a:effectLst/>
-          </p:spPr>
-          <p:style>
-            <a:lnRef idx="1">
-              <a:schemeClr val="accent1"/>
-            </a:lnRef>
-            <a:fillRef idx="3">
-              <a:schemeClr val="accent1"/>
-            </a:fillRef>
-            <a:effectRef idx="2">
-              <a:schemeClr val="accent1"/>
-            </a:effectRef>
-            <a:fontRef idx="minor">
-              <a:schemeClr val="lt1"/>
-            </a:fontRef>
-          </p:style>
-        </p:sp>
-        <p:sp>
-          <p:nvSpPr>
-            <p:cNvPr id="19" name="Isosceles Triangle 18">
-              <a:extLst>
-                <a:ext uri="{FF2B5EF4-FFF2-40B4-BE49-F238E27FC236}">
-                  <a16:creationId xmlns:a16="http://schemas.microsoft.com/office/drawing/2014/main" id="{0BA84559-2F4C-4795-9246-4C563F942DB9}"/>
-                </a:ext>
-                <a:ext uri="{C183D7F6-B498-43B3-948B-1728B52AA6E4}">
-                  <adec:decorative xmlns:adec="http://schemas.microsoft.com/office/drawing/2017/decorative" val="1"/>
-                </a:ext>
-              </a:extLst>
-            </p:cNvPr>
-            <p:cNvSpPr/>
-            <p:nvPr>
-              <p:extLst>
-                <p:ext uri="{386F3935-93C4-4BCD-93E2-E3B085C9AB24}">
-                  <p16:designElem xmlns:p16="http://schemas.microsoft.com/office/powerpoint/2015/main" val="1"/>
-                </p:ext>
-              </p:extLst>
-            </p:nvPr>
-          </p:nvSpPr>
-          <p:spPr>
-            <a:xfrm>
-              <a:off x="10371666" y="3589867"/>
-              <a:ext cx="1817159" cy="3268133"/>
-            </a:xfrm>
-            <a:prstGeom prst="triangle">
-              <a:avLst>
-                <a:gd name="adj" fmla="val 100000"/>
-              </a:avLst>
-            </a:prstGeom>
-            <a:solidFill>
-              <a:schemeClr val="accent1">
-                <a:alpha val="80000"/>
-              </a:schemeClr>
-            </a:solidFill>
-            <a:ln>
-              <a:noFill/>
-            </a:ln>
-            <a:effectLst/>
-          </p:spPr>
-          <p:style>
-            <a:lnRef idx="1">
-              <a:schemeClr val="accent1"/>
-            </a:lnRef>
-            <a:fillRef idx="3">
-              <a:schemeClr val="accent1"/>
-            </a:fillRef>
-            <a:effectRef idx="2">
-              <a:schemeClr val="accent1"/>
-            </a:effectRef>
-            <a:fontRef idx="minor">
-              <a:schemeClr val="lt1"/>
-            </a:fontRef>
-          </p:style>
-        </p:sp>
-        <p:sp>
-          <p:nvSpPr>
-            <p:cNvPr id="20" name="Isosceles Triangle 19">
-              <a:extLst>
-                <a:ext uri="{FF2B5EF4-FFF2-40B4-BE49-F238E27FC236}">
-                  <a16:creationId xmlns:a16="http://schemas.microsoft.com/office/drawing/2014/main" id="{FA77A1AA-CA47-4A91-A0A1-0A8CE31A985E}"/>
-                </a:ext>
-                <a:ext uri="{C183D7F6-B498-43B3-948B-1728B52AA6E4}">
-                  <adec:decorative xmlns:adec="http://schemas.microsoft.com/office/drawing/2017/decorative" val="1"/>
-                </a:ext>
-              </a:extLst>
-            </p:cNvPr>
-            <p:cNvSpPr/>
-            <p:nvPr>
-              <p:extLst>
-                <p:ext uri="{386F3935-93C4-4BCD-93E2-E3B085C9AB24}">
-                  <p16:designElem xmlns:p16="http://schemas.microsoft.com/office/powerpoint/2015/main" val="1"/>
-                </p:ext>
-              </p:extLst>
-            </p:nvPr>
-          </p:nvSpPr>
-          <p:spPr>
-            <a:xfrm>
-              <a:off x="0" y="4013200"/>
-              <a:ext cx="448733" cy="2844800"/>
-            </a:xfrm>
-            <a:prstGeom prst="triangle">
-              <a:avLst>
-                <a:gd name="adj" fmla="val 0"/>
-              </a:avLst>
-            </a:prstGeom>
-            <a:solidFill>
-              <a:schemeClr val="accent1">
-                <a:alpha val="85000"/>
-              </a:schemeClr>
-            </a:solidFill>
-            <a:ln>
-              <a:noFill/>
-            </a:ln>
-            <a:effectLst/>
-          </p:spPr>
-          <p:style>
-            <a:lnRef idx="1">
-              <a:schemeClr val="accent1"/>
-            </a:lnRef>
-            <a:fillRef idx="3">
-              <a:schemeClr val="accent1"/>
-            </a:fillRef>
-            <a:effectRef idx="2">
-              <a:schemeClr val="accent1"/>
-            </a:effectRef>
-            <a:fontRef idx="minor">
-              <a:schemeClr val="lt1"/>
-            </a:fontRef>
-          </p:style>
-        </p:sp>
-      </p:grpSp>
       <p:pic>
         <p:nvPicPr>
           <p:cNvPr id="8" name="Image 7">
@@ -6626,13 +9043,13 @@
               </a:ext>
             </a:extLst>
           </a:blip>
-          <a:srcRect l="18677" r="15441"/>
+          <a:srcRect l="18677" r="31483"/>
           <a:stretch/>
         </p:blipFill>
         <p:spPr bwMode="auto">
           <a:xfrm>
             <a:off x="569173" y="2255689"/>
-            <a:ext cx="4130844" cy="1109501"/>
+            <a:ext cx="3125003" cy="1109501"/>
           </a:xfrm>
           <a:prstGeom prst="rect">
             <a:avLst/>
@@ -6856,18 +9273,325 @@
           <a:p>
             <a:pPr algn="ctr"/>
             <a:r>
+              <a:rPr lang="fr-FR" sz="1600" b="1" dirty="0">
+                <a:solidFill>
+                  <a:srgbClr val="A31257"/>
+                </a:solidFill>
+                <a:latin typeface="Eras Medium ITC" panose="020B0602030504020804" pitchFamily="34" charset="0"/>
+              </a:rPr>
+              <a:t>GUIGAND Nathan </a:t>
+            </a:r>
+            <a:r>
               <a:rPr lang="fr-FR" sz="1600" dirty="0">
                 <a:latin typeface="Eras Medium ITC" panose="020B0602030504020804" pitchFamily="34" charset="0"/>
               </a:rPr>
-              <a:t>GUIGAND Nathan -- MONVOISIN Guillaume -- DOHIN Cyril</a:t>
+              <a:t>-- MONVOISIN Guillaume -- DOHIN Cyril</a:t>
             </a:r>
           </a:p>
         </p:txBody>
       </p:sp>
+      <p:pic>
+        <p:nvPicPr>
+          <p:cNvPr id="22" name="Image 21">
+            <a:extLst>
+              <a:ext uri="{FF2B5EF4-FFF2-40B4-BE49-F238E27FC236}">
+                <a16:creationId xmlns:a16="http://schemas.microsoft.com/office/drawing/2014/main" id="{AD2868D5-1AC2-4159-BA04-DCF98EFEA321}"/>
+              </a:ext>
+            </a:extLst>
+          </p:cNvPr>
+          <p:cNvPicPr>
+            <a:picLocks noChangeAspect="1"/>
+          </p:cNvPicPr>
+          <p:nvPr/>
+        </p:nvPicPr>
+        <p:blipFill rotWithShape="1">
+          <a:blip r:embed="rId4">
+            <a:extLst>
+              <a:ext uri="{28A0092B-C50C-407E-A947-70E740481C1C}">
+                <a14:useLocalDpi xmlns:a14="http://schemas.microsoft.com/office/drawing/2010/main" val="0"/>
+              </a:ext>
+            </a:extLst>
+          </a:blip>
+          <a:srcRect l="20640" t="31216" r="34055" b="28466"/>
+          <a:stretch/>
+        </p:blipFill>
+        <p:spPr>
+          <a:xfrm>
+            <a:off x="3805604" y="2647523"/>
+            <a:ext cx="786268" cy="717667"/>
+          </a:xfrm>
+          <a:prstGeom prst="rect">
+            <a:avLst/>
+          </a:prstGeom>
+          <a:effectLst/>
+        </p:spPr>
+      </p:pic>
+      <p:pic>
+        <p:nvPicPr>
+          <p:cNvPr id="23" name="Image 22">
+            <a:extLst>
+              <a:ext uri="{FF2B5EF4-FFF2-40B4-BE49-F238E27FC236}">
+                <a16:creationId xmlns:a16="http://schemas.microsoft.com/office/drawing/2014/main" id="{D4CEBD47-F952-46F5-B2DB-1F2B06DD1048}"/>
+              </a:ext>
+            </a:extLst>
+          </p:cNvPr>
+          <p:cNvPicPr>
+            <a:picLocks noChangeAspect="1"/>
+          </p:cNvPicPr>
+          <p:nvPr/>
+        </p:nvPicPr>
+        <p:blipFill rotWithShape="1">
+          <a:blip r:embed="rId4">
+            <a:extLst>
+              <a:ext uri="{28A0092B-C50C-407E-A947-70E740481C1C}">
+                <a14:useLocalDpi xmlns:a14="http://schemas.microsoft.com/office/drawing/2010/main" val="0"/>
+              </a:ext>
+            </a:extLst>
+          </a:blip>
+          <a:srcRect l="43383" t="6720" r="34561" b="68241"/>
+          <a:stretch/>
+        </p:blipFill>
+        <p:spPr>
+          <a:xfrm>
+            <a:off x="4210829" y="2233594"/>
+            <a:ext cx="382781" cy="445693"/>
+          </a:xfrm>
+          <a:prstGeom prst="rect">
+            <a:avLst/>
+          </a:prstGeom>
+          <a:effectLst>
+            <a:outerShdw blurRad="63500" sx="102000" sy="102000" algn="ctr" rotWithShape="0">
+              <a:prstClr val="black">
+                <a:alpha val="40000"/>
+              </a:prstClr>
+            </a:outerShdw>
+          </a:effectLst>
+        </p:spPr>
+      </p:pic>
+      <p:pic>
+        <p:nvPicPr>
+          <p:cNvPr id="24" name="Image 23">
+            <a:extLst>
+              <a:ext uri="{FF2B5EF4-FFF2-40B4-BE49-F238E27FC236}">
+                <a16:creationId xmlns:a16="http://schemas.microsoft.com/office/drawing/2014/main" id="{DE0DDA38-094E-4797-BFF3-6F6099FE5BCD}"/>
+              </a:ext>
+            </a:extLst>
+          </p:cNvPr>
+          <p:cNvPicPr>
+            <a:picLocks noChangeAspect="1"/>
+          </p:cNvPicPr>
+          <p:nvPr/>
+        </p:nvPicPr>
+        <p:blipFill rotWithShape="1">
+          <a:blip r:embed="rId4">
+            <a:extLst>
+              <a:ext uri="{28A0092B-C50C-407E-A947-70E740481C1C}">
+                <a14:useLocalDpi xmlns:a14="http://schemas.microsoft.com/office/drawing/2010/main" val="0"/>
+              </a:ext>
+            </a:extLst>
+          </a:blip>
+          <a:srcRect t="71007" r="66714"/>
+          <a:stretch/>
+        </p:blipFill>
+        <p:spPr>
+          <a:xfrm>
+            <a:off x="3449337" y="3355673"/>
+            <a:ext cx="577677" cy="516076"/>
+          </a:xfrm>
+          <a:prstGeom prst="rect">
+            <a:avLst/>
+          </a:prstGeom>
+          <a:effectLst>
+            <a:outerShdw blurRad="63500" sx="102000" sy="102000" algn="ctr" rotWithShape="0">
+              <a:prstClr val="black">
+                <a:alpha val="40000"/>
+              </a:prstClr>
+            </a:outerShdw>
+          </a:effectLst>
+        </p:spPr>
+      </p:pic>
+      <p:sp>
+        <p:nvSpPr>
+          <p:cNvPr id="25" name="Rectangle 24">
+            <a:extLst>
+              <a:ext uri="{FF2B5EF4-FFF2-40B4-BE49-F238E27FC236}">
+                <a16:creationId xmlns:a16="http://schemas.microsoft.com/office/drawing/2014/main" id="{5E8649C1-22FB-4FFB-8AF4-68C6BC767A45}"/>
+              </a:ext>
+            </a:extLst>
+          </p:cNvPr>
+          <p:cNvSpPr/>
+          <p:nvPr/>
+        </p:nvSpPr>
+        <p:spPr>
+          <a:xfrm>
+            <a:off x="3633177" y="2562598"/>
+            <a:ext cx="448576" cy="198668"/>
+          </a:xfrm>
+          <a:prstGeom prst="rect">
+            <a:avLst/>
+          </a:prstGeom>
+          <a:solidFill>
+            <a:schemeClr val="bg1"/>
+          </a:solidFill>
+          <a:ln>
+            <a:noFill/>
+          </a:ln>
+        </p:spPr>
+        <p:style>
+          <a:lnRef idx="2">
+            <a:schemeClr val="accent1">
+              <a:shade val="50000"/>
+            </a:schemeClr>
+          </a:lnRef>
+          <a:fillRef idx="1">
+            <a:schemeClr val="accent1"/>
+          </a:fillRef>
+          <a:effectRef idx="0">
+            <a:schemeClr val="accent1"/>
+          </a:effectRef>
+          <a:fontRef idx="minor">
+            <a:schemeClr val="lt1"/>
+          </a:fontRef>
+        </p:style>
+        <p:txBody>
+          <a:bodyPr rtlCol="0" anchor="ctr"/>
+          <a:lstStyle/>
+          <a:p>
+            <a:pPr algn="ctr"/>
+            <a:endParaRPr lang="fr-FR"/>
+          </a:p>
+        </p:txBody>
+      </p:sp>
+      <p:pic>
+        <p:nvPicPr>
+          <p:cNvPr id="26" name="Image 25">
+            <a:extLst>
+              <a:ext uri="{FF2B5EF4-FFF2-40B4-BE49-F238E27FC236}">
+                <a16:creationId xmlns:a16="http://schemas.microsoft.com/office/drawing/2014/main" id="{4B1E3971-9CB1-4405-BE52-882B5D29BFEE}"/>
+              </a:ext>
+            </a:extLst>
+          </p:cNvPr>
+          <p:cNvPicPr>
+            <a:picLocks noChangeAspect="1"/>
+          </p:cNvPicPr>
+          <p:nvPr/>
+        </p:nvPicPr>
+        <p:blipFill rotWithShape="1">
+          <a:blip r:embed="rId4">
+            <a:extLst>
+              <a:ext uri="{28A0092B-C50C-407E-A947-70E740481C1C}">
+                <a14:useLocalDpi xmlns:a14="http://schemas.microsoft.com/office/drawing/2010/main" val="0"/>
+              </a:ext>
+            </a:extLst>
+          </a:blip>
+          <a:srcRect r="68347" b="63322"/>
+          <a:stretch/>
+        </p:blipFill>
+        <p:spPr>
+          <a:xfrm>
+            <a:off x="3490218" y="2069291"/>
+            <a:ext cx="549335" cy="652882"/>
+          </a:xfrm>
+          <a:prstGeom prst="rect">
+            <a:avLst/>
+          </a:prstGeom>
+          <a:effectLst>
+            <a:outerShdw blurRad="63500" sx="102000" sy="102000" algn="ctr" rotWithShape="0">
+              <a:prstClr val="black">
+                <a:alpha val="40000"/>
+              </a:prstClr>
+            </a:outerShdw>
+          </a:effectLst>
+        </p:spPr>
+      </p:pic>
+      <p:pic>
+        <p:nvPicPr>
+          <p:cNvPr id="27" name="Image 26">
+            <a:extLst>
+              <a:ext uri="{FF2B5EF4-FFF2-40B4-BE49-F238E27FC236}">
+                <a16:creationId xmlns:a16="http://schemas.microsoft.com/office/drawing/2014/main" id="{747C7E8E-9ABD-45AF-9A37-D6FD26A618D7}"/>
+              </a:ext>
+            </a:extLst>
+          </p:cNvPr>
+          <p:cNvPicPr>
+            <a:picLocks noChangeAspect="1"/>
+          </p:cNvPicPr>
+          <p:nvPr/>
+        </p:nvPicPr>
+        <p:blipFill rotWithShape="1">
+          <a:blip r:embed="rId4">
+            <a:extLst>
+              <a:ext uri="{28A0092B-C50C-407E-A947-70E740481C1C}">
+                <a14:useLocalDpi xmlns:a14="http://schemas.microsoft.com/office/drawing/2010/main" val="0"/>
+              </a:ext>
+            </a:extLst>
+          </a:blip>
+          <a:srcRect l="48950" t="71007" r="29109"/>
+          <a:stretch/>
+        </p:blipFill>
+        <p:spPr>
+          <a:xfrm>
+            <a:off x="4337982" y="3365190"/>
+            <a:ext cx="380786" cy="516075"/>
+          </a:xfrm>
+          <a:prstGeom prst="rect">
+            <a:avLst/>
+          </a:prstGeom>
+          <a:effectLst>
+            <a:outerShdw blurRad="63500" sx="102000" sy="102000" algn="ctr" rotWithShape="0">
+              <a:prstClr val="black">
+                <a:alpha val="40000"/>
+              </a:prstClr>
+            </a:outerShdw>
+          </a:effectLst>
+        </p:spPr>
+      </p:pic>
+      <p:pic>
+        <p:nvPicPr>
+          <p:cNvPr id="28" name="Image 27">
+            <a:extLst>
+              <a:ext uri="{FF2B5EF4-FFF2-40B4-BE49-F238E27FC236}">
+                <a16:creationId xmlns:a16="http://schemas.microsoft.com/office/drawing/2014/main" id="{281930DF-2052-4AB8-AF88-9B70B81CC368}"/>
+              </a:ext>
+            </a:extLst>
+          </p:cNvPr>
+          <p:cNvPicPr>
+            <a:picLocks noChangeAspect="1"/>
+          </p:cNvPicPr>
+          <p:nvPr/>
+        </p:nvPicPr>
+        <p:blipFill rotWithShape="1">
+          <a:blip r:embed="rId4">
+            <a:extLst>
+              <a:ext uri="{28A0092B-C50C-407E-A947-70E740481C1C}">
+                <a14:useLocalDpi xmlns:a14="http://schemas.microsoft.com/office/drawing/2010/main" val="0"/>
+              </a:ext>
+            </a:extLst>
+          </a:blip>
+          <a:srcRect l="64897" t="30741" b="51027"/>
+          <a:stretch/>
+        </p:blipFill>
+        <p:spPr>
+          <a:xfrm>
+            <a:off x="4576917" y="2592215"/>
+            <a:ext cx="609218" cy="324533"/>
+          </a:xfrm>
+          <a:prstGeom prst="rect">
+            <a:avLst/>
+          </a:prstGeom>
+          <a:effectLst>
+            <a:outerShdw blurRad="63500" sx="102000" sy="102000" algn="ctr" rotWithShape="0">
+              <a:prstClr val="black">
+                <a:alpha val="40000"/>
+              </a:prstClr>
+            </a:outerShdw>
+          </a:effectLst>
+        </p:spPr>
+      </p:pic>
     </p:spTree>
     <p:extLst>
       <p:ext uri="{BB962C8B-B14F-4D97-AF65-F5344CB8AC3E}">
-        <p14:creationId xmlns:p14="http://schemas.microsoft.com/office/powerpoint/2010/main" val="3053322506"/>
+        <p14:creationId xmlns:p14="http://schemas.microsoft.com/office/powerpoint/2010/main" val="3553299249"/>
       </p:ext>
     </p:extLst>
   </p:cSld>
@@ -6886,10 +9610,489 @@
       </p:transition>
     </mc:Fallback>
   </mc:AlternateContent>
+  <p:timing>
+    <p:tnLst>
+      <p:par>
+        <p:cTn id="1" dur="indefinite" restart="never" nodeType="tmRoot">
+          <p:childTnLst>
+            <p:seq concurrent="1" nextAc="seek">
+              <p:cTn id="2" dur="indefinite" nodeType="mainSeq">
+                <p:childTnLst>
+                  <p:par>
+                    <p:cTn id="3" fill="hold">
+                      <p:stCondLst>
+                        <p:cond delay="indefinite"/>
+                        <p:cond evt="onBegin" delay="0">
+                          <p:tn val="2"/>
+                        </p:cond>
+                      </p:stCondLst>
+                      <p:childTnLst>
+                        <p:par>
+                          <p:cTn id="4" fill="hold">
+                            <p:stCondLst>
+                              <p:cond delay="0"/>
+                            </p:stCondLst>
+                            <p:childTnLst>
+                              <p:par>
+                                <p:cTn id="5" presetID="2" presetClass="entr" presetSubtype="9" fill="hold" nodeType="withEffect">
+                                  <p:stCondLst>
+                                    <p:cond delay="0"/>
+                                  </p:stCondLst>
+                                  <p:childTnLst>
+                                    <p:set>
+                                      <p:cBhvr>
+                                        <p:cTn id="6" dur="1" fill="hold">
+                                          <p:stCondLst>
+                                            <p:cond delay="0"/>
+                                          </p:stCondLst>
+                                        </p:cTn>
+                                        <p:tgtEl>
+                                          <p:spTgt spid="26"/>
+                                        </p:tgtEl>
+                                        <p:attrNameLst>
+                                          <p:attrName>style.visibility</p:attrName>
+                                        </p:attrNameLst>
+                                      </p:cBhvr>
+                                      <p:to>
+                                        <p:strVal val="visible"/>
+                                      </p:to>
+                                    </p:set>
+                                    <p:anim calcmode="lin" valueType="num">
+                                      <p:cBhvr additive="base">
+                                        <p:cTn id="7" dur="400" fill="hold"/>
+                                        <p:tgtEl>
+                                          <p:spTgt spid="26"/>
+                                        </p:tgtEl>
+                                        <p:attrNameLst>
+                                          <p:attrName>ppt_x</p:attrName>
+                                        </p:attrNameLst>
+                                      </p:cBhvr>
+                                      <p:tavLst>
+                                        <p:tav tm="0">
+                                          <p:val>
+                                            <p:strVal val="0-#ppt_w/2"/>
+                                          </p:val>
+                                        </p:tav>
+                                        <p:tav tm="100000">
+                                          <p:val>
+                                            <p:strVal val="#ppt_x"/>
+                                          </p:val>
+                                        </p:tav>
+                                      </p:tavLst>
+                                    </p:anim>
+                                    <p:anim calcmode="lin" valueType="num">
+                                      <p:cBhvr additive="base">
+                                        <p:cTn id="8" dur="400" fill="hold"/>
+                                        <p:tgtEl>
+                                          <p:spTgt spid="26"/>
+                                        </p:tgtEl>
+                                        <p:attrNameLst>
+                                          <p:attrName>ppt_y</p:attrName>
+                                        </p:attrNameLst>
+                                      </p:cBhvr>
+                                      <p:tavLst>
+                                        <p:tav tm="0">
+                                          <p:val>
+                                            <p:strVal val="0-#ppt_h/2"/>
+                                          </p:val>
+                                        </p:tav>
+                                        <p:tav tm="100000">
+                                          <p:val>
+                                            <p:strVal val="#ppt_y"/>
+                                          </p:val>
+                                        </p:tav>
+                                      </p:tavLst>
+                                    </p:anim>
+                                  </p:childTnLst>
+                                </p:cTn>
+                              </p:par>
+                              <p:par>
+                                <p:cTn id="9" presetID="2" presetClass="entr" presetSubtype="1" fill="hold" nodeType="withEffect">
+                                  <p:stCondLst>
+                                    <p:cond delay="0"/>
+                                  </p:stCondLst>
+                                  <p:childTnLst>
+                                    <p:set>
+                                      <p:cBhvr>
+                                        <p:cTn id="10" dur="1" fill="hold">
+                                          <p:stCondLst>
+                                            <p:cond delay="0"/>
+                                          </p:stCondLst>
+                                        </p:cTn>
+                                        <p:tgtEl>
+                                          <p:spTgt spid="23"/>
+                                        </p:tgtEl>
+                                        <p:attrNameLst>
+                                          <p:attrName>style.visibility</p:attrName>
+                                        </p:attrNameLst>
+                                      </p:cBhvr>
+                                      <p:to>
+                                        <p:strVal val="visible"/>
+                                      </p:to>
+                                    </p:set>
+                                    <p:anim calcmode="lin" valueType="num">
+                                      <p:cBhvr additive="base">
+                                        <p:cTn id="11" dur="400" fill="hold"/>
+                                        <p:tgtEl>
+                                          <p:spTgt spid="23"/>
+                                        </p:tgtEl>
+                                        <p:attrNameLst>
+                                          <p:attrName>ppt_x</p:attrName>
+                                        </p:attrNameLst>
+                                      </p:cBhvr>
+                                      <p:tavLst>
+                                        <p:tav tm="0">
+                                          <p:val>
+                                            <p:strVal val="#ppt_x"/>
+                                          </p:val>
+                                        </p:tav>
+                                        <p:tav tm="100000">
+                                          <p:val>
+                                            <p:strVal val="#ppt_x"/>
+                                          </p:val>
+                                        </p:tav>
+                                      </p:tavLst>
+                                    </p:anim>
+                                    <p:anim calcmode="lin" valueType="num">
+                                      <p:cBhvr additive="base">
+                                        <p:cTn id="12" dur="400" fill="hold"/>
+                                        <p:tgtEl>
+                                          <p:spTgt spid="23"/>
+                                        </p:tgtEl>
+                                        <p:attrNameLst>
+                                          <p:attrName>ppt_y</p:attrName>
+                                        </p:attrNameLst>
+                                      </p:cBhvr>
+                                      <p:tavLst>
+                                        <p:tav tm="0">
+                                          <p:val>
+                                            <p:strVal val="0-#ppt_h/2"/>
+                                          </p:val>
+                                        </p:tav>
+                                        <p:tav tm="100000">
+                                          <p:val>
+                                            <p:strVal val="#ppt_y"/>
+                                          </p:val>
+                                        </p:tav>
+                                      </p:tavLst>
+                                    </p:anim>
+                                  </p:childTnLst>
+                                </p:cTn>
+                              </p:par>
+                              <p:par>
+                                <p:cTn id="13" presetID="2" presetClass="entr" presetSubtype="3" fill="hold" nodeType="withEffect">
+                                  <p:stCondLst>
+                                    <p:cond delay="0"/>
+                                  </p:stCondLst>
+                                  <p:childTnLst>
+                                    <p:set>
+                                      <p:cBhvr>
+                                        <p:cTn id="14" dur="1" fill="hold">
+                                          <p:stCondLst>
+                                            <p:cond delay="0"/>
+                                          </p:stCondLst>
+                                        </p:cTn>
+                                        <p:tgtEl>
+                                          <p:spTgt spid="28"/>
+                                        </p:tgtEl>
+                                        <p:attrNameLst>
+                                          <p:attrName>style.visibility</p:attrName>
+                                        </p:attrNameLst>
+                                      </p:cBhvr>
+                                      <p:to>
+                                        <p:strVal val="visible"/>
+                                      </p:to>
+                                    </p:set>
+                                    <p:anim calcmode="lin" valueType="num">
+                                      <p:cBhvr additive="base">
+                                        <p:cTn id="15" dur="400" fill="hold"/>
+                                        <p:tgtEl>
+                                          <p:spTgt spid="28"/>
+                                        </p:tgtEl>
+                                        <p:attrNameLst>
+                                          <p:attrName>ppt_x</p:attrName>
+                                        </p:attrNameLst>
+                                      </p:cBhvr>
+                                      <p:tavLst>
+                                        <p:tav tm="0">
+                                          <p:val>
+                                            <p:strVal val="1+#ppt_w/2"/>
+                                          </p:val>
+                                        </p:tav>
+                                        <p:tav tm="100000">
+                                          <p:val>
+                                            <p:strVal val="#ppt_x"/>
+                                          </p:val>
+                                        </p:tav>
+                                      </p:tavLst>
+                                    </p:anim>
+                                    <p:anim calcmode="lin" valueType="num">
+                                      <p:cBhvr additive="base">
+                                        <p:cTn id="16" dur="400" fill="hold"/>
+                                        <p:tgtEl>
+                                          <p:spTgt spid="28"/>
+                                        </p:tgtEl>
+                                        <p:attrNameLst>
+                                          <p:attrName>ppt_y</p:attrName>
+                                        </p:attrNameLst>
+                                      </p:cBhvr>
+                                      <p:tavLst>
+                                        <p:tav tm="0">
+                                          <p:val>
+                                            <p:strVal val="0-#ppt_h/2"/>
+                                          </p:val>
+                                        </p:tav>
+                                        <p:tav tm="100000">
+                                          <p:val>
+                                            <p:strVal val="#ppt_y"/>
+                                          </p:val>
+                                        </p:tav>
+                                      </p:tavLst>
+                                    </p:anim>
+                                  </p:childTnLst>
+                                </p:cTn>
+                              </p:par>
+                              <p:par>
+                                <p:cTn id="17" presetID="2" presetClass="entr" presetSubtype="6" fill="hold" nodeType="withEffect">
+                                  <p:stCondLst>
+                                    <p:cond delay="0"/>
+                                  </p:stCondLst>
+                                  <p:childTnLst>
+                                    <p:set>
+                                      <p:cBhvr>
+                                        <p:cTn id="18" dur="1" fill="hold">
+                                          <p:stCondLst>
+                                            <p:cond delay="0"/>
+                                          </p:stCondLst>
+                                        </p:cTn>
+                                        <p:tgtEl>
+                                          <p:spTgt spid="27"/>
+                                        </p:tgtEl>
+                                        <p:attrNameLst>
+                                          <p:attrName>style.visibility</p:attrName>
+                                        </p:attrNameLst>
+                                      </p:cBhvr>
+                                      <p:to>
+                                        <p:strVal val="visible"/>
+                                      </p:to>
+                                    </p:set>
+                                    <p:anim calcmode="lin" valueType="num">
+                                      <p:cBhvr additive="base">
+                                        <p:cTn id="19" dur="400" fill="hold"/>
+                                        <p:tgtEl>
+                                          <p:spTgt spid="27"/>
+                                        </p:tgtEl>
+                                        <p:attrNameLst>
+                                          <p:attrName>ppt_x</p:attrName>
+                                        </p:attrNameLst>
+                                      </p:cBhvr>
+                                      <p:tavLst>
+                                        <p:tav tm="0">
+                                          <p:val>
+                                            <p:strVal val="1+#ppt_w/2"/>
+                                          </p:val>
+                                        </p:tav>
+                                        <p:tav tm="100000">
+                                          <p:val>
+                                            <p:strVal val="#ppt_x"/>
+                                          </p:val>
+                                        </p:tav>
+                                      </p:tavLst>
+                                    </p:anim>
+                                    <p:anim calcmode="lin" valueType="num">
+                                      <p:cBhvr additive="base">
+                                        <p:cTn id="20" dur="400" fill="hold"/>
+                                        <p:tgtEl>
+                                          <p:spTgt spid="27"/>
+                                        </p:tgtEl>
+                                        <p:attrNameLst>
+                                          <p:attrName>ppt_y</p:attrName>
+                                        </p:attrNameLst>
+                                      </p:cBhvr>
+                                      <p:tavLst>
+                                        <p:tav tm="0">
+                                          <p:val>
+                                            <p:strVal val="1+#ppt_h/2"/>
+                                          </p:val>
+                                        </p:tav>
+                                        <p:tav tm="100000">
+                                          <p:val>
+                                            <p:strVal val="#ppt_y"/>
+                                          </p:val>
+                                        </p:tav>
+                                      </p:tavLst>
+                                    </p:anim>
+                                  </p:childTnLst>
+                                </p:cTn>
+                              </p:par>
+                              <p:par>
+                                <p:cTn id="21" presetID="2" presetClass="entr" presetSubtype="12" fill="hold" nodeType="withEffect">
+                                  <p:stCondLst>
+                                    <p:cond delay="0"/>
+                                  </p:stCondLst>
+                                  <p:childTnLst>
+                                    <p:set>
+                                      <p:cBhvr>
+                                        <p:cTn id="22" dur="1" fill="hold">
+                                          <p:stCondLst>
+                                            <p:cond delay="0"/>
+                                          </p:stCondLst>
+                                        </p:cTn>
+                                        <p:tgtEl>
+                                          <p:spTgt spid="24"/>
+                                        </p:tgtEl>
+                                        <p:attrNameLst>
+                                          <p:attrName>style.visibility</p:attrName>
+                                        </p:attrNameLst>
+                                      </p:cBhvr>
+                                      <p:to>
+                                        <p:strVal val="visible"/>
+                                      </p:to>
+                                    </p:set>
+                                    <p:anim calcmode="lin" valueType="num">
+                                      <p:cBhvr additive="base">
+                                        <p:cTn id="23" dur="400" fill="hold"/>
+                                        <p:tgtEl>
+                                          <p:spTgt spid="24"/>
+                                        </p:tgtEl>
+                                        <p:attrNameLst>
+                                          <p:attrName>ppt_x</p:attrName>
+                                        </p:attrNameLst>
+                                      </p:cBhvr>
+                                      <p:tavLst>
+                                        <p:tav tm="0">
+                                          <p:val>
+                                            <p:strVal val="0-#ppt_w/2"/>
+                                          </p:val>
+                                        </p:tav>
+                                        <p:tav tm="100000">
+                                          <p:val>
+                                            <p:strVal val="#ppt_x"/>
+                                          </p:val>
+                                        </p:tav>
+                                      </p:tavLst>
+                                    </p:anim>
+                                    <p:anim calcmode="lin" valueType="num">
+                                      <p:cBhvr additive="base">
+                                        <p:cTn id="24" dur="400" fill="hold"/>
+                                        <p:tgtEl>
+                                          <p:spTgt spid="24"/>
+                                        </p:tgtEl>
+                                        <p:attrNameLst>
+                                          <p:attrName>ppt_y</p:attrName>
+                                        </p:attrNameLst>
+                                      </p:cBhvr>
+                                      <p:tavLst>
+                                        <p:tav tm="0">
+                                          <p:val>
+                                            <p:strVal val="1+#ppt_h/2"/>
+                                          </p:val>
+                                        </p:tav>
+                                        <p:tav tm="100000">
+                                          <p:val>
+                                            <p:strVal val="#ppt_y"/>
+                                          </p:val>
+                                        </p:tav>
+                                      </p:tavLst>
+                                    </p:anim>
+                                  </p:childTnLst>
+                                </p:cTn>
+                              </p:par>
+                            </p:childTnLst>
+                          </p:cTn>
+                        </p:par>
+                      </p:childTnLst>
+                    </p:cTn>
+                  </p:par>
+                </p:childTnLst>
+              </p:cTn>
+              <p:prevCondLst>
+                <p:cond evt="onPrev" delay="0">
+                  <p:tgtEl>
+                    <p:sldTgt/>
+                  </p:tgtEl>
+                </p:cond>
+              </p:prevCondLst>
+              <p:nextCondLst>
+                <p:cond evt="onNext" delay="0">
+                  <p:tgtEl>
+                    <p:sldTgt/>
+                  </p:tgtEl>
+                </p:cond>
+              </p:nextCondLst>
+            </p:seq>
+          </p:childTnLst>
+        </p:cTn>
+      </p:par>
+    </p:tnLst>
+  </p:timing>
 </p:sld>
 </file>
 
 <file path=ppt/slides/slide10.xml><?xml version="1.0" encoding="utf-8"?>
+<p:sld xmlns:a="http://schemas.openxmlformats.org/drawingml/2006/main" xmlns:r="http://schemas.openxmlformats.org/officeDocument/2006/relationships" xmlns:p="http://schemas.openxmlformats.org/presentationml/2006/main">
+  <p:cSld>
+    <p:spTree>
+      <p:nvGrpSpPr>
+        <p:cNvPr id="1" name=""/>
+        <p:cNvGrpSpPr/>
+        <p:nvPr/>
+      </p:nvGrpSpPr>
+      <p:grpSpPr>
+        <a:xfrm>
+          <a:off x="0" y="0"/>
+          <a:ext cx="0" cy="0"/>
+          <a:chOff x="0" y="0"/>
+          <a:chExt cx="0" cy="0"/>
+        </a:xfrm>
+      </p:grpSpPr>
+      <p:pic>
+        <p:nvPicPr>
+          <p:cNvPr id="4" name="Image 3">
+            <a:extLst>
+              <a:ext uri="{FF2B5EF4-FFF2-40B4-BE49-F238E27FC236}">
+                <a16:creationId xmlns:a16="http://schemas.microsoft.com/office/drawing/2014/main" id="{BE4AC4FA-FF20-4090-A93F-4F73AC65A491}"/>
+              </a:ext>
+            </a:extLst>
+          </p:cNvPr>
+          <p:cNvPicPr>
+            <a:picLocks noChangeAspect="1"/>
+          </p:cNvPicPr>
+          <p:nvPr/>
+        </p:nvPicPr>
+        <p:blipFill>
+          <a:blip r:embed="rId2"/>
+          <a:stretch>
+            <a:fillRect/>
+          </a:stretch>
+        </p:blipFill>
+        <p:spPr>
+          <a:xfrm>
+            <a:off x="288825" y="0"/>
+            <a:ext cx="8921850" cy="7038975"/>
+          </a:xfrm>
+          <a:prstGeom prst="rect">
+            <a:avLst/>
+          </a:prstGeom>
+        </p:spPr>
+      </p:pic>
+    </p:spTree>
+    <p:extLst>
+      <p:ext uri="{BB962C8B-B14F-4D97-AF65-F5344CB8AC3E}">
+        <p14:creationId xmlns:p14="http://schemas.microsoft.com/office/powerpoint/2010/main" val="2119402248"/>
+      </p:ext>
+    </p:extLst>
+  </p:cSld>
+  <p:clrMapOvr>
+    <a:masterClrMapping/>
+  </p:clrMapOvr>
+  <p:transition spd="slow">
+    <p:push dir="u"/>
+  </p:transition>
+</p:sld>
+</file>
+
+<file path=ppt/slides/slide11.xml><?xml version="1.0" encoding="utf-8"?>
 <p:sld xmlns:a="http://schemas.openxmlformats.org/drawingml/2006/main" xmlns:r="http://schemas.openxmlformats.org/officeDocument/2006/relationships" xmlns:p="http://schemas.openxmlformats.org/presentationml/2006/main">
   <p:cSld>
     <p:spTree>
@@ -7059,7 +10262,7 @@
 </p:sld>
 </file>
 
-<file path=ppt/slides/slide11.xml><?xml version="1.0" encoding="utf-8"?>
+<file path=ppt/slides/slide12.xml><?xml version="1.0" encoding="utf-8"?>
 <p:sld xmlns:a="http://schemas.openxmlformats.org/drawingml/2006/main" xmlns:r="http://schemas.openxmlformats.org/officeDocument/2006/relationships" xmlns:p="http://schemas.openxmlformats.org/presentationml/2006/main">
   <p:cSld>
     <p:spTree>
@@ -7262,7 +10465,7 @@
 </p:sld>
 </file>
 
-<file path=ppt/slides/slide12.xml><?xml version="1.0" encoding="utf-8"?>
+<file path=ppt/slides/slide13.xml><?xml version="1.0" encoding="utf-8"?>
 <p:sld xmlns:a="http://schemas.openxmlformats.org/drawingml/2006/main" xmlns:r="http://schemas.openxmlformats.org/officeDocument/2006/relationships" xmlns:p="http://schemas.openxmlformats.org/presentationml/2006/main">
   <p:cSld>
     <p:spTree>
@@ -8153,6 +11356,282 @@
           <a:chExt cx="0" cy="0"/>
         </a:xfrm>
       </p:grpSpPr>
+      <p:sp>
+        <p:nvSpPr>
+          <p:cNvPr id="4" name="ZoneTexte 3">
+            <a:extLst>
+              <a:ext uri="{FF2B5EF4-FFF2-40B4-BE49-F238E27FC236}">
+                <a16:creationId xmlns:a16="http://schemas.microsoft.com/office/drawing/2014/main" id="{FCE273CA-AE1B-438C-981B-851ECB4AAD6E}"/>
+              </a:ext>
+            </a:extLst>
+          </p:cNvPr>
+          <p:cNvSpPr txBox="1"/>
+          <p:nvPr/>
+        </p:nvSpPr>
+        <p:spPr>
+          <a:xfrm>
+            <a:off x="2497873" y="143435"/>
+            <a:ext cx="6188927" cy="1200329"/>
+          </a:xfrm>
+          <a:prstGeom prst="rect">
+            <a:avLst/>
+          </a:prstGeom>
+          <a:noFill/>
+          <a:ln>
+            <a:noFill/>
+          </a:ln>
+          <a:effectLst>
+            <a:glow rad="63500">
+              <a:schemeClr val="accent4">
+                <a:satMod val="175000"/>
+                <a:alpha val="40000"/>
+              </a:schemeClr>
+            </a:glow>
+            <a:outerShdw blurRad="50800" dist="38100" dir="5400000" algn="t" rotWithShape="0">
+              <a:prstClr val="black">
+                <a:alpha val="40000"/>
+              </a:prstClr>
+            </a:outerShdw>
+          </a:effectLst>
+          <a:scene3d>
+            <a:camera prst="orthographicFront">
+              <a:rot lat="0" lon="0" rev="0"/>
+            </a:camera>
+            <a:lightRig rig="soft" dir="t">
+              <a:rot lat="0" lon="0" rev="0"/>
+            </a:lightRig>
+          </a:scene3d>
+          <a:sp3d contourW="44450" prstMaterial="matte">
+            <a:bevelT w="63500" h="63500" prst="artDeco"/>
+            <a:contourClr>
+              <a:srgbClr val="FFFFFF"/>
+            </a:contourClr>
+          </a:sp3d>
+        </p:spPr>
+        <p:txBody>
+          <a:bodyPr wrap="square" rtlCol="0">
+            <a:spAutoFit/>
+          </a:bodyPr>
+          <a:lstStyle/>
+          <a:p>
+            <a:pPr algn="ctr"/>
+            <a:r>
+              <a:rPr lang="fr-FR" sz="3600" b="1" dirty="0">
+                <a:latin typeface="Eras Medium ITC" panose="020B0602030504020804" pitchFamily="34" charset="0"/>
+              </a:rPr>
+              <a:t>Environnement de </a:t>
+            </a:r>
+            <a:r>
+              <a:rPr lang="fr-FR" sz="3600" b="1" dirty="0">
+                <a:solidFill>
+                  <a:srgbClr val="A41258"/>
+                </a:solidFill>
+                <a:latin typeface="Eras Medium ITC" panose="020B0602030504020804" pitchFamily="34" charset="0"/>
+              </a:rPr>
+              <a:t>développement</a:t>
+            </a:r>
+            <a:r>
+              <a:rPr lang="fr-FR" sz="3200" b="1" dirty="0">
+                <a:latin typeface="Eras Medium ITC" panose="020B0602030504020804" pitchFamily="34" charset="0"/>
+              </a:rPr>
+              <a:t>:</a:t>
+            </a:r>
+          </a:p>
+        </p:txBody>
+      </p:sp>
+      <p:pic>
+        <p:nvPicPr>
+          <p:cNvPr id="5" name="Picture 2" descr="Image associée">
+            <a:extLst>
+              <a:ext uri="{FF2B5EF4-FFF2-40B4-BE49-F238E27FC236}">
+                <a16:creationId xmlns:a16="http://schemas.microsoft.com/office/drawing/2014/main" id="{507517DE-6AEC-4DB6-99D5-49FDBC52F3BA}"/>
+              </a:ext>
+            </a:extLst>
+          </p:cNvPr>
+          <p:cNvPicPr>
+            <a:picLocks noChangeAspect="1" noChangeArrowheads="1"/>
+          </p:cNvPicPr>
+          <p:nvPr/>
+        </p:nvPicPr>
+        <p:blipFill rotWithShape="1">
+          <a:blip r:embed="rId2">
+            <a:extLst>
+              <a:ext uri="{28A0092B-C50C-407E-A947-70E740481C1C}">
+                <a14:useLocalDpi xmlns:a14="http://schemas.microsoft.com/office/drawing/2010/main" val="0"/>
+              </a:ext>
+            </a:extLst>
+          </a:blip>
+          <a:srcRect l="18677" r="15441"/>
+          <a:stretch/>
+        </p:blipFill>
+        <p:spPr bwMode="auto">
+          <a:xfrm>
+            <a:off x="143436" y="143435"/>
+            <a:ext cx="2269635" cy="609600"/>
+          </a:xfrm>
+          <a:prstGeom prst="rect">
+            <a:avLst/>
+          </a:prstGeom>
+          <a:noFill/>
+          <a:extLst>
+            <a:ext uri="{909E8E84-426E-40DD-AFC4-6F175D3DCCD1}">
+              <a14:hiddenFill xmlns:a14="http://schemas.microsoft.com/office/drawing/2010/main">
+                <a:solidFill>
+                  <a:srgbClr val="FFFFFF"/>
+                </a:solidFill>
+              </a14:hiddenFill>
+            </a:ext>
+          </a:extLst>
+        </p:spPr>
+      </p:pic>
+      <p:graphicFrame>
+        <p:nvGraphicFramePr>
+          <p:cNvPr id="6" name="Diagramme 5">
+            <a:extLst>
+              <a:ext uri="{FF2B5EF4-FFF2-40B4-BE49-F238E27FC236}">
+                <a16:creationId xmlns:a16="http://schemas.microsoft.com/office/drawing/2014/main" id="{919E80AC-303C-4051-A781-74C487D29A9C}"/>
+              </a:ext>
+            </a:extLst>
+          </p:cNvPr>
+          <p:cNvGraphicFramePr/>
+          <p:nvPr>
+            <p:extLst>
+              <p:ext uri="{D42A27DB-BD31-4B8C-83A1-F6EECF244321}">
+                <p14:modId xmlns:p14="http://schemas.microsoft.com/office/powerpoint/2010/main" val="2851114942"/>
+              </p:ext>
+            </p:extLst>
+          </p:nvPr>
+        </p:nvGraphicFramePr>
+        <p:xfrm>
+          <a:off x="331216" y="1103714"/>
+          <a:ext cx="8629904" cy="5418667"/>
+        </p:xfrm>
+        <a:graphic>
+          <a:graphicData uri="http://schemas.openxmlformats.org/drawingml/2006/diagram">
+            <dgm:relIds xmlns:dgm="http://schemas.openxmlformats.org/drawingml/2006/diagram" xmlns:r="http://schemas.openxmlformats.org/officeDocument/2006/relationships" r:dm="rId3" r:lo="rId4" r:qs="rId5" r:cs="rId6"/>
+          </a:graphicData>
+        </a:graphic>
+      </p:graphicFrame>
+      <p:pic>
+        <p:nvPicPr>
+          <p:cNvPr id="8" name="Image 7">
+            <a:extLst>
+              <a:ext uri="{FF2B5EF4-FFF2-40B4-BE49-F238E27FC236}">
+                <a16:creationId xmlns:a16="http://schemas.microsoft.com/office/drawing/2014/main" id="{6FDF644C-E55F-49E4-AEBA-7292F26459D4}"/>
+              </a:ext>
+            </a:extLst>
+          </p:cNvPr>
+          <p:cNvPicPr>
+            <a:picLocks noChangeAspect="1"/>
+          </p:cNvPicPr>
+          <p:nvPr/>
+        </p:nvPicPr>
+        <p:blipFill>
+          <a:blip r:embed="rId8"/>
+          <a:stretch>
+            <a:fillRect/>
+          </a:stretch>
+        </p:blipFill>
+        <p:spPr>
+          <a:xfrm>
+            <a:off x="793446" y="1593584"/>
+            <a:ext cx="1149096" cy="1149096"/>
+          </a:xfrm>
+          <a:prstGeom prst="rect">
+            <a:avLst/>
+          </a:prstGeom>
+        </p:spPr>
+      </p:pic>
+      <p:pic>
+        <p:nvPicPr>
+          <p:cNvPr id="14" name="Image 13">
+            <a:extLst>
+              <a:ext uri="{FF2B5EF4-FFF2-40B4-BE49-F238E27FC236}">
+                <a16:creationId xmlns:a16="http://schemas.microsoft.com/office/drawing/2014/main" id="{8180AE19-6A32-44C3-805F-68D603BF9D6C}"/>
+              </a:ext>
+            </a:extLst>
+          </p:cNvPr>
+          <p:cNvPicPr>
+            <a:picLocks noChangeAspect="1"/>
+          </p:cNvPicPr>
+          <p:nvPr/>
+        </p:nvPicPr>
+        <p:blipFill>
+          <a:blip r:embed="rId9"/>
+          <a:stretch>
+            <a:fillRect/>
+          </a:stretch>
+        </p:blipFill>
+        <p:spPr>
+          <a:xfrm>
+            <a:off x="2606855" y="3085166"/>
+            <a:ext cx="1264849" cy="1264849"/>
+          </a:xfrm>
+          <a:prstGeom prst="rect">
+            <a:avLst/>
+          </a:prstGeom>
+        </p:spPr>
+      </p:pic>
+      <p:pic>
+        <p:nvPicPr>
+          <p:cNvPr id="16" name="Image 15">
+            <a:extLst>
+              <a:ext uri="{FF2B5EF4-FFF2-40B4-BE49-F238E27FC236}">
+                <a16:creationId xmlns:a16="http://schemas.microsoft.com/office/drawing/2014/main" id="{03B0E8B6-5C62-43F2-A865-8046FA7D6B43}"/>
+              </a:ext>
+            </a:extLst>
+          </p:cNvPr>
+          <p:cNvPicPr>
+            <a:picLocks noChangeAspect="1"/>
+          </p:cNvPicPr>
+          <p:nvPr/>
+        </p:nvPicPr>
+        <p:blipFill>
+          <a:blip r:embed="rId10"/>
+          <a:stretch>
+            <a:fillRect/>
+          </a:stretch>
+        </p:blipFill>
+        <p:spPr>
+          <a:xfrm>
+            <a:off x="4761570" y="4627755"/>
+            <a:ext cx="1858537" cy="1393903"/>
+          </a:xfrm>
+          <a:prstGeom prst="rect">
+            <a:avLst/>
+          </a:prstGeom>
+        </p:spPr>
+      </p:pic>
+    </p:spTree>
+    <p:extLst>
+      <p:ext uri="{BB962C8B-B14F-4D97-AF65-F5344CB8AC3E}">
+        <p14:creationId xmlns:p14="http://schemas.microsoft.com/office/powerpoint/2010/main" val="3367439973"/>
+      </p:ext>
+    </p:extLst>
+  </p:cSld>
+  <p:clrMapOvr>
+    <a:masterClrMapping/>
+  </p:clrMapOvr>
+</p:sld>
+</file>
+
+<file path=ppt/slides/slide7.xml><?xml version="1.0" encoding="utf-8"?>
+<p:sld xmlns:a="http://schemas.openxmlformats.org/drawingml/2006/main" xmlns:r="http://schemas.openxmlformats.org/officeDocument/2006/relationships" xmlns:p="http://schemas.openxmlformats.org/presentationml/2006/main">
+  <p:cSld>
+    <p:spTree>
+      <p:nvGrpSpPr>
+        <p:cNvPr id="1" name=""/>
+        <p:cNvGrpSpPr/>
+        <p:nvPr/>
+      </p:nvGrpSpPr>
+      <p:grpSpPr>
+        <a:xfrm>
+          <a:off x="0" y="0"/>
+          <a:ext cx="0" cy="0"/>
+          <a:chOff x="0" y="0"/>
+          <a:chExt cx="0" cy="0"/>
+        </a:xfrm>
+      </p:grpSpPr>
       <p:pic>
         <p:nvPicPr>
           <p:cNvPr id="1026" name="Picture 2" descr="Image associée">
@@ -8336,7 +11815,7 @@
 </p:sld>
 </file>
 
-<file path=ppt/slides/slide7.xml><?xml version="1.0" encoding="utf-8"?>
+<file path=ppt/slides/slide8.xml><?xml version="1.0" encoding="utf-8"?>
 <p:sld xmlns:a="http://schemas.openxmlformats.org/drawingml/2006/main" xmlns:r="http://schemas.openxmlformats.org/officeDocument/2006/relationships" xmlns:p="http://schemas.openxmlformats.org/presentationml/2006/main">
   <p:cSld>
     <p:spTree>
@@ -8536,7 +12015,7 @@
 </p:sld>
 </file>
 
-<file path=ppt/slides/slide8.xml><?xml version="1.0" encoding="utf-8"?>
+<file path=ppt/slides/slide9.xml><?xml version="1.0" encoding="utf-8"?>
 <p:sld xmlns:a="http://schemas.openxmlformats.org/drawingml/2006/main" xmlns:r="http://schemas.openxmlformats.org/officeDocument/2006/relationships" xmlns:p="http://schemas.openxmlformats.org/presentationml/2006/main">
   <p:cSld>
     <p:spTree>
@@ -8733,69 +12212,6 @@
       </p:transition>
     </mc:Fallback>
   </mc:AlternateContent>
-</p:sld>
-</file>
-
-<file path=ppt/slides/slide9.xml><?xml version="1.0" encoding="utf-8"?>
-<p:sld xmlns:a="http://schemas.openxmlformats.org/drawingml/2006/main" xmlns:r="http://schemas.openxmlformats.org/officeDocument/2006/relationships" xmlns:p="http://schemas.openxmlformats.org/presentationml/2006/main">
-  <p:cSld>
-    <p:spTree>
-      <p:nvGrpSpPr>
-        <p:cNvPr id="1" name=""/>
-        <p:cNvGrpSpPr/>
-        <p:nvPr/>
-      </p:nvGrpSpPr>
-      <p:grpSpPr>
-        <a:xfrm>
-          <a:off x="0" y="0"/>
-          <a:ext cx="0" cy="0"/>
-          <a:chOff x="0" y="0"/>
-          <a:chExt cx="0" cy="0"/>
-        </a:xfrm>
-      </p:grpSpPr>
-      <p:pic>
-        <p:nvPicPr>
-          <p:cNvPr id="4" name="Image 3">
-            <a:extLst>
-              <a:ext uri="{FF2B5EF4-FFF2-40B4-BE49-F238E27FC236}">
-                <a16:creationId xmlns:a16="http://schemas.microsoft.com/office/drawing/2014/main" id="{BE4AC4FA-FF20-4090-A93F-4F73AC65A491}"/>
-              </a:ext>
-            </a:extLst>
-          </p:cNvPr>
-          <p:cNvPicPr>
-            <a:picLocks noChangeAspect="1"/>
-          </p:cNvPicPr>
-          <p:nvPr/>
-        </p:nvPicPr>
-        <p:blipFill>
-          <a:blip r:embed="rId2"/>
-          <a:stretch>
-            <a:fillRect/>
-          </a:stretch>
-        </p:blipFill>
-        <p:spPr>
-          <a:xfrm>
-            <a:off x="288825" y="0"/>
-            <a:ext cx="8921850" cy="7038975"/>
-          </a:xfrm>
-          <a:prstGeom prst="rect">
-            <a:avLst/>
-          </a:prstGeom>
-        </p:spPr>
-      </p:pic>
-    </p:spTree>
-    <p:extLst>
-      <p:ext uri="{BB962C8B-B14F-4D97-AF65-F5344CB8AC3E}">
-        <p14:creationId xmlns:p14="http://schemas.microsoft.com/office/powerpoint/2010/main" val="2119402248"/>
-      </p:ext>
-    </p:extLst>
-  </p:cSld>
-  <p:clrMapOvr>
-    <a:masterClrMapping/>
-  </p:clrMapOvr>
-  <p:transition spd="slow">
-    <p:push dir="u"/>
-  </p:transition>
 </p:sld>
 </file>
 

--- a/Nathan/Compte-rendus/REVUE-R2-GUIGAND-SFL6.pptx
+++ b/Nathan/Compte-rendus/REVUE-R2-GUIGAND-SFL6.pptx
@@ -10048,10 +10048,10 @@
       </p:grpSpPr>
       <p:pic>
         <p:nvPicPr>
-          <p:cNvPr id="4" name="Image 3">
+          <p:cNvPr id="2" name="Image 1">
             <a:extLst>
               <a:ext uri="{FF2B5EF4-FFF2-40B4-BE49-F238E27FC236}">
-                <a16:creationId xmlns:a16="http://schemas.microsoft.com/office/drawing/2014/main" id="{BE4AC4FA-FF20-4090-A93F-4F73AC65A491}"/>
+                <a16:creationId xmlns:a16="http://schemas.microsoft.com/office/drawing/2014/main" id="{C59FFCD1-E399-4C08-B4EB-D9717532E202}"/>
               </a:ext>
             </a:extLst>
           </p:cNvPr>
@@ -10068,8 +10068,8 @@
         </p:blipFill>
         <p:spPr>
           <a:xfrm>
-            <a:off x="288825" y="0"/>
-            <a:ext cx="8921850" cy="7038975"/>
+            <a:off x="154247" y="0"/>
+            <a:ext cx="9631378" cy="5943600"/>
           </a:xfrm>
           <a:prstGeom prst="rect">
             <a:avLst/>
@@ -10156,10 +10156,10 @@
       </p:pic>
       <p:sp>
         <p:nvSpPr>
-          <p:cNvPr id="3" name="ZoneTexte 2">
+          <p:cNvPr id="4" name="ZoneTexte 3">
             <a:extLst>
               <a:ext uri="{FF2B5EF4-FFF2-40B4-BE49-F238E27FC236}">
-                <a16:creationId xmlns:a16="http://schemas.microsoft.com/office/drawing/2014/main" id="{16637F4C-A45D-4A64-84F7-746FFFD316BB}"/>
+                <a16:creationId xmlns:a16="http://schemas.microsoft.com/office/drawing/2014/main" id="{AFEFDC9A-F213-46F7-BBEE-B6AD1F72BF47}"/>
               </a:ext>
             </a:extLst>
           </p:cNvPr>
@@ -10168,8 +10168,8 @@
         </p:nvSpPr>
         <p:spPr>
           <a:xfrm>
-            <a:off x="2816352" y="143435"/>
-            <a:ext cx="5897880" cy="1077218"/>
+            <a:off x="0" y="2693239"/>
+            <a:ext cx="3242435" cy="646331"/>
           </a:xfrm>
           <a:prstGeom prst="rect">
             <a:avLst/>
@@ -10214,13 +10214,13 @@
           <a:p>
             <a:pPr algn="ctr"/>
             <a:r>
-              <a:rPr lang="fr-FR" sz="3600" b="1" dirty="0">
+              <a:rPr lang="fr-FR" sz="2000" b="1" dirty="0">
                 <a:latin typeface="Eras Medium ITC" panose="020B0602030504020804" pitchFamily="34" charset="0"/>
               </a:rPr>
               <a:t>Diagramme de séquence : </a:t>
             </a:r>
             <a:r>
-              <a:rPr lang="fr-FR" sz="2800" b="1" dirty="0">
+              <a:rPr lang="fr-FR" sz="1600" b="1" dirty="0">
                 <a:solidFill>
                   <a:srgbClr val="A41258"/>
                 </a:solidFill>
@@ -10228,7 +10228,7 @@
               </a:rPr>
               <a:t>Fin de la partie</a:t>
             </a:r>
-            <a:endParaRPr lang="fr-FR" sz="3200" b="1" dirty="0">
+            <a:endParaRPr lang="fr-FR" b="1" dirty="0">
               <a:solidFill>
                 <a:srgbClr val="A41258"/>
               </a:solidFill>
@@ -10237,6 +10237,36 @@
           </a:p>
         </p:txBody>
       </p:sp>
+      <p:pic>
+        <p:nvPicPr>
+          <p:cNvPr id="2" name="Image 1">
+            <a:extLst>
+              <a:ext uri="{FF2B5EF4-FFF2-40B4-BE49-F238E27FC236}">
+                <a16:creationId xmlns:a16="http://schemas.microsoft.com/office/drawing/2014/main" id="{C333449A-FDA8-4476-8BB6-3C164B35991D}"/>
+              </a:ext>
+            </a:extLst>
+          </p:cNvPr>
+          <p:cNvPicPr>
+            <a:picLocks noChangeAspect="1"/>
+          </p:cNvPicPr>
+          <p:nvPr/>
+        </p:nvPicPr>
+        <p:blipFill>
+          <a:blip r:embed="rId3"/>
+          <a:stretch>
+            <a:fillRect/>
+          </a:stretch>
+        </p:blipFill>
+        <p:spPr>
+          <a:xfrm>
+            <a:off x="2413071" y="71717"/>
+            <a:ext cx="8536272" cy="6714565"/>
+          </a:xfrm>
+          <a:prstGeom prst="rect">
+            <a:avLst/>
+          </a:prstGeom>
+        </p:spPr>
+      </p:pic>
     </p:spTree>
     <p:extLst>
       <p:ext uri="{BB962C8B-B14F-4D97-AF65-F5344CB8AC3E}">
@@ -11891,8 +11921,8 @@
         </p:nvSpPr>
         <p:spPr>
           <a:xfrm>
-            <a:off x="2556644" y="-90374"/>
-            <a:ext cx="5897880" cy="1077218"/>
+            <a:off x="-106043" y="2836021"/>
+            <a:ext cx="3242435" cy="646331"/>
           </a:xfrm>
           <a:prstGeom prst="rect">
             <a:avLst/>
@@ -11937,13 +11967,13 @@
           <a:p>
             <a:pPr algn="ctr"/>
             <a:r>
-              <a:rPr lang="fr-FR" sz="3600" b="1" dirty="0">
+              <a:rPr lang="fr-FR" sz="2000" b="1" dirty="0">
                 <a:latin typeface="Eras Medium ITC" panose="020B0602030504020804" pitchFamily="34" charset="0"/>
               </a:rPr>
               <a:t>Diagramme de séquence : </a:t>
             </a:r>
             <a:r>
-              <a:rPr lang="fr-FR" sz="2800" b="1" dirty="0">
+              <a:rPr lang="fr-FR" sz="1600" b="1" dirty="0">
                 <a:solidFill>
                   <a:srgbClr val="A41258"/>
                 </a:solidFill>
@@ -11951,7 +11981,7 @@
               </a:rPr>
               <a:t>Lancement d’une partie</a:t>
             </a:r>
-            <a:endParaRPr lang="fr-FR" sz="3200" b="1" dirty="0">
+            <a:endParaRPr lang="fr-FR" b="1" dirty="0">
               <a:solidFill>
                 <a:srgbClr val="A41258"/>
               </a:solidFill>
@@ -11962,10 +11992,10 @@
       </p:sp>
       <p:pic>
         <p:nvPicPr>
-          <p:cNvPr id="4" name="Image 3" descr="Une image contenant texte, carte, gâteau, table&#10;&#10;Description générée automatiquement">
+          <p:cNvPr id="2" name="Image 1">
             <a:extLst>
               <a:ext uri="{FF2B5EF4-FFF2-40B4-BE49-F238E27FC236}">
-                <a16:creationId xmlns:a16="http://schemas.microsoft.com/office/drawing/2014/main" id="{4EE797FD-FCAD-4A4C-8AB7-9F79822D2D4D}"/>
+                <a16:creationId xmlns:a16="http://schemas.microsoft.com/office/drawing/2014/main" id="{EB85B4BA-1247-4132-A680-7202937A7093}"/>
               </a:ext>
             </a:extLst>
           </p:cNvPr>
@@ -11982,8 +12012,8 @@
         </p:blipFill>
         <p:spPr>
           <a:xfrm>
-            <a:off x="2556644" y="905672"/>
-            <a:ext cx="5703667" cy="5952328"/>
+            <a:off x="2412013" y="-119099"/>
+            <a:ext cx="7367973" cy="6977099"/>
           </a:xfrm>
           <a:prstGeom prst="rect">
             <a:avLst/>
@@ -12079,10 +12109,10 @@
       </p:pic>
       <p:sp>
         <p:nvSpPr>
-          <p:cNvPr id="3" name="ZoneTexte 2">
+          <p:cNvPr id="5" name="ZoneTexte 4">
             <a:extLst>
               <a:ext uri="{FF2B5EF4-FFF2-40B4-BE49-F238E27FC236}">
-                <a16:creationId xmlns:a16="http://schemas.microsoft.com/office/drawing/2014/main" id="{16637F4C-A45D-4A64-84F7-746FFFD316BB}"/>
+                <a16:creationId xmlns:a16="http://schemas.microsoft.com/office/drawing/2014/main" id="{DE4D560C-9537-428C-82EA-D1E94E276955}"/>
               </a:ext>
             </a:extLst>
           </p:cNvPr>
@@ -12091,8 +12121,8 @@
         </p:nvSpPr>
         <p:spPr>
           <a:xfrm>
-            <a:off x="2816352" y="143435"/>
-            <a:ext cx="5897880" cy="1077218"/>
+            <a:off x="3560382" y="125069"/>
+            <a:ext cx="3242435" cy="646331"/>
           </a:xfrm>
           <a:prstGeom prst="rect">
             <a:avLst/>
@@ -12137,13 +12167,13 @@
           <a:p>
             <a:pPr algn="ctr"/>
             <a:r>
-              <a:rPr lang="fr-FR" sz="3600" b="1" dirty="0">
+              <a:rPr lang="fr-FR" sz="2000" b="1" dirty="0">
                 <a:latin typeface="Eras Medium ITC" panose="020B0602030504020804" pitchFamily="34" charset="0"/>
               </a:rPr>
               <a:t>Diagramme de séquence : </a:t>
             </a:r>
             <a:r>
-              <a:rPr lang="fr-FR" sz="2800" b="1" dirty="0">
+              <a:rPr lang="fr-FR" sz="1600" b="1" dirty="0">
                 <a:solidFill>
                   <a:srgbClr val="A41258"/>
                 </a:solidFill>
@@ -12151,7 +12181,7 @@
               </a:rPr>
               <a:t>Envoi d’un message</a:t>
             </a:r>
-            <a:endParaRPr lang="fr-FR" sz="3200" b="1" dirty="0">
+            <a:endParaRPr lang="fr-FR" b="1" dirty="0">
               <a:solidFill>
                 <a:srgbClr val="A41258"/>
               </a:solidFill>
@@ -12162,10 +12192,10 @@
       </p:sp>
       <p:pic>
         <p:nvPicPr>
-          <p:cNvPr id="2" name="Image 1">
+          <p:cNvPr id="4" name="Image 3">
             <a:extLst>
               <a:ext uri="{FF2B5EF4-FFF2-40B4-BE49-F238E27FC236}">
-                <a16:creationId xmlns:a16="http://schemas.microsoft.com/office/drawing/2014/main" id="{BE6E4815-E682-4D4C-8B5A-FE22800EA057}"/>
+                <a16:creationId xmlns:a16="http://schemas.microsoft.com/office/drawing/2014/main" id="{23D5BB14-85E0-47B6-9674-A8E0DB36C8AC}"/>
               </a:ext>
             </a:extLst>
           </p:cNvPr>
@@ -12174,16 +12204,15 @@
           </p:cNvPicPr>
           <p:nvPr/>
         </p:nvPicPr>
-        <p:blipFill>
+        <p:blipFill rotWithShape="1">
           <a:blip r:embed="rId3"/>
-          <a:stretch>
-            <a:fillRect/>
-          </a:stretch>
+          <a:srcRect t="4014"/>
+          <a:stretch/>
         </p:blipFill>
         <p:spPr>
           <a:xfrm>
-            <a:off x="223209" y="1142202"/>
-            <a:ext cx="9002381" cy="5715798"/>
+            <a:off x="143436" y="753035"/>
+            <a:ext cx="9576636" cy="6112494"/>
           </a:xfrm>
           <a:prstGeom prst="rect">
             <a:avLst/>

--- a/Nathan/Compte-rendus/REVUE-R2-GUIGAND-SFL6.pptx
+++ b/Nathan/Compte-rendus/REVUE-R2-GUIGAND-SFL6.pptx
@@ -7,9 +7,9 @@
   <p:sldIdLst>
     <p:sldId id="268" r:id="rId2"/>
     <p:sldId id="257" r:id="rId3"/>
-    <p:sldId id="258" r:id="rId4"/>
-    <p:sldId id="259" r:id="rId5"/>
-    <p:sldId id="260" r:id="rId6"/>
+    <p:sldId id="259" r:id="rId4"/>
+    <p:sldId id="270" r:id="rId5"/>
+    <p:sldId id="271" r:id="rId6"/>
     <p:sldId id="269" r:id="rId7"/>
     <p:sldId id="266" r:id="rId8"/>
     <p:sldId id="261" r:id="rId9"/>
@@ -10918,7 +10918,7 @@
           <p:cNvPr id="3" name="ZoneTexte 2">
             <a:extLst>
               <a:ext uri="{FF2B5EF4-FFF2-40B4-BE49-F238E27FC236}">
-                <a16:creationId xmlns:a16="http://schemas.microsoft.com/office/drawing/2014/main" id="{B96BB06C-BC51-4BDC-8D2F-B2AAB8BAEFC0}"/>
+                <a16:creationId xmlns:a16="http://schemas.microsoft.com/office/drawing/2014/main" id="{710E88E4-C59A-4F33-A331-17F09767646F}"/>
               </a:ext>
             </a:extLst>
           </p:cNvPr>
@@ -10976,32 +10976,111 @@
               <a:rPr lang="fr-FR" sz="3600" b="1" dirty="0">
                 <a:latin typeface="Eras Medium ITC" panose="020B0602030504020804" pitchFamily="34" charset="0"/>
               </a:rPr>
-              <a:t>Présentation du projet :</a:t>
+              <a:t>Présentation du </a:t>
+            </a:r>
+            <a:r>
+              <a:rPr lang="fr-FR" sz="3600" b="1" dirty="0">
+                <a:solidFill>
+                  <a:srgbClr val="A31257"/>
+                </a:solidFill>
+                <a:latin typeface="Eras Medium ITC" panose="020B0602030504020804" pitchFamily="34" charset="0"/>
+              </a:rPr>
+              <a:t>projet</a:t>
+            </a:r>
+            <a:r>
+              <a:rPr lang="fr-FR" sz="3600" b="1" dirty="0">
+                <a:latin typeface="Eras Medium ITC" panose="020B0602030504020804" pitchFamily="34" charset="0"/>
+              </a:rPr>
+              <a:t> :</a:t>
             </a:r>
             <a:endParaRPr lang="fr-FR" sz="3200" b="1" dirty="0">
               <a:latin typeface="Eras Medium ITC" panose="020B0602030504020804" pitchFamily="34" charset="0"/>
             </a:endParaRPr>
+          </a:p>
+        </p:txBody>
+      </p:sp>
+      <p:pic>
+        <p:nvPicPr>
+          <p:cNvPr id="2" name="Image 1">
+            <a:extLst>
+              <a:ext uri="{FF2B5EF4-FFF2-40B4-BE49-F238E27FC236}">
+                <a16:creationId xmlns:a16="http://schemas.microsoft.com/office/drawing/2014/main" id="{D297602B-3888-4148-A07F-260085A43925}"/>
+              </a:ext>
+            </a:extLst>
+          </p:cNvPr>
+          <p:cNvPicPr>
+            <a:picLocks noChangeAspect="1"/>
+          </p:cNvPicPr>
+          <p:nvPr/>
+        </p:nvPicPr>
+        <p:blipFill rotWithShape="1">
+          <a:blip r:embed="rId3"/>
+          <a:srcRect t="4170"/>
+          <a:stretch/>
+        </p:blipFill>
+        <p:spPr>
+          <a:xfrm>
+            <a:off x="0" y="936993"/>
+            <a:ext cx="8954429" cy="5914304"/>
+          </a:xfrm>
+          <a:prstGeom prst="rect">
+            <a:avLst/>
+          </a:prstGeom>
+        </p:spPr>
+      </p:pic>
+      <p:sp>
+        <p:nvSpPr>
+          <p:cNvPr id="10" name="ZoneTexte 9">
+            <a:extLst>
+              <a:ext uri="{FF2B5EF4-FFF2-40B4-BE49-F238E27FC236}">
+                <a16:creationId xmlns:a16="http://schemas.microsoft.com/office/drawing/2014/main" id="{A66FA68B-5F9D-451A-ABA9-7074434063CD}"/>
+              </a:ext>
+            </a:extLst>
+          </p:cNvPr>
+          <p:cNvSpPr txBox="1"/>
+          <p:nvPr/>
+        </p:nvSpPr>
+        <p:spPr>
+          <a:xfrm>
+            <a:off x="1" y="6378766"/>
+            <a:ext cx="429658" cy="461665"/>
+          </a:xfrm>
+          <a:prstGeom prst="rect">
+            <a:avLst/>
+          </a:prstGeom>
+          <a:noFill/>
+        </p:spPr>
+        <p:txBody>
+          <a:bodyPr wrap="square" rtlCol="0">
+            <a:spAutoFit/>
+          </a:bodyPr>
+          <a:lstStyle/>
+          <a:p>
+            <a:r>
+              <a:rPr lang="fr-FR" sz="2400" dirty="0"/>
+              <a:t>2</a:t>
+            </a:r>
           </a:p>
         </p:txBody>
       </p:sp>
     </p:spTree>
     <p:extLst>
       <p:ext uri="{BB962C8B-B14F-4D97-AF65-F5344CB8AC3E}">
-        <p14:creationId xmlns:p14="http://schemas.microsoft.com/office/powerpoint/2010/main" val="3396173536"/>
+        <p14:creationId xmlns:p14="http://schemas.microsoft.com/office/powerpoint/2010/main" val="3529468727"/>
       </p:ext>
     </p:extLst>
   </p:cSld>
   <p:clrMapOvr>
     <a:masterClrMapping/>
   </p:clrMapOvr>
-  <mc:AlternateContent xmlns:mc="http://schemas.openxmlformats.org/markup-compatibility/2006" xmlns:p159="http://schemas.microsoft.com/office/powerpoint/2015/09/main">
-    <mc:Choice Requires="p159">
-      <p:transition xmlns:p14="http://schemas.microsoft.com/office/powerpoint/2010/main" spd="slow" p14:dur="2000">
-        <p159:morph option="byObject"/>
+  <mc:AlternateContent xmlns:mc="http://schemas.openxmlformats.org/markup-compatibility/2006" xmlns:p14="http://schemas.microsoft.com/office/powerpoint/2010/main">
+    <mc:Choice Requires="p14">
+      <p:transition spd="med" p14:dur="700">
+        <p:fade/>
       </p:transition>
     </mc:Choice>
     <mc:Fallback xmlns="">
-      <p:transition spd="slow">
+      <p:transition spd="med">
         <p:fade/>
       </p:transition>
     </mc:Fallback>
@@ -11134,16 +11213,16 @@
               <a:rPr lang="fr-FR" sz="3600" b="1" dirty="0">
                 <a:latin typeface="Eras Medium ITC" panose="020B0602030504020804" pitchFamily="34" charset="0"/>
               </a:rPr>
-              <a:t>Schématisation </a:t>
+              <a:t>Présentation du </a:t>
             </a:r>
             <a:r>
               <a:rPr lang="fr-FR" sz="3600" b="1" dirty="0">
                 <a:solidFill>
-                  <a:srgbClr val="A41258"/>
+                  <a:srgbClr val="A31257"/>
                 </a:solidFill>
                 <a:latin typeface="Eras Medium ITC" panose="020B0602030504020804" pitchFamily="34" charset="0"/>
               </a:rPr>
-              <a:t>globale</a:t>
+              <a:t>projet</a:t>
             </a:r>
             <a:r>
               <a:rPr lang="fr-FR" sz="3600" b="1" dirty="0">
@@ -11178,7 +11257,7 @@
         </p:blipFill>
         <p:spPr>
           <a:xfrm>
-            <a:off x="0" y="943696"/>
+            <a:off x="0" y="936993"/>
             <a:ext cx="8954429" cy="5914304"/>
           </a:xfrm>
           <a:prstGeom prst="rect">
@@ -11186,10 +11265,311 @@
           </a:prstGeom>
         </p:spPr>
       </p:pic>
+      <p:sp>
+        <p:nvSpPr>
+          <p:cNvPr id="4" name="Rectangle 3">
+            <a:extLst>
+              <a:ext uri="{FF2B5EF4-FFF2-40B4-BE49-F238E27FC236}">
+                <a16:creationId xmlns:a16="http://schemas.microsoft.com/office/drawing/2014/main" id="{CF0D3E06-8CC5-4656-8208-023AB114E572}"/>
+              </a:ext>
+            </a:extLst>
+          </p:cNvPr>
+          <p:cNvSpPr/>
+          <p:nvPr/>
+        </p:nvSpPr>
+        <p:spPr>
+          <a:xfrm>
+            <a:off x="385590" y="1591056"/>
+            <a:ext cx="2540490" cy="2555494"/>
+          </a:xfrm>
+          <a:prstGeom prst="rect">
+            <a:avLst/>
+          </a:prstGeom>
+          <a:noFill/>
+          <a:ln w="44450">
+            <a:solidFill>
+              <a:srgbClr val="A31257"/>
+            </a:solidFill>
+          </a:ln>
+        </p:spPr>
+        <p:style>
+          <a:lnRef idx="2">
+            <a:schemeClr val="accent1">
+              <a:shade val="50000"/>
+            </a:schemeClr>
+          </a:lnRef>
+          <a:fillRef idx="1">
+            <a:schemeClr val="accent1"/>
+          </a:fillRef>
+          <a:effectRef idx="0">
+            <a:schemeClr val="accent1"/>
+          </a:effectRef>
+          <a:fontRef idx="minor">
+            <a:schemeClr val="lt1"/>
+          </a:fontRef>
+        </p:style>
+        <p:txBody>
+          <a:bodyPr rtlCol="0" anchor="ctr"/>
+          <a:lstStyle/>
+          <a:p>
+            <a:pPr algn="ctr"/>
+            <a:endParaRPr lang="fr-FR"/>
+          </a:p>
+        </p:txBody>
+      </p:sp>
+      <p:sp>
+        <p:nvSpPr>
+          <p:cNvPr id="6" name="Rectangle 5">
+            <a:extLst>
+              <a:ext uri="{FF2B5EF4-FFF2-40B4-BE49-F238E27FC236}">
+                <a16:creationId xmlns:a16="http://schemas.microsoft.com/office/drawing/2014/main" id="{5070C0B7-1FC1-4B91-8113-D3B6022EC77E}"/>
+              </a:ext>
+            </a:extLst>
+          </p:cNvPr>
+          <p:cNvSpPr/>
+          <p:nvPr/>
+        </p:nvSpPr>
+        <p:spPr>
+          <a:xfrm>
+            <a:off x="385590" y="4146550"/>
+            <a:ext cx="3354560" cy="2457450"/>
+          </a:xfrm>
+          <a:prstGeom prst="rect">
+            <a:avLst/>
+          </a:prstGeom>
+          <a:noFill/>
+          <a:ln w="44450">
+            <a:solidFill>
+              <a:srgbClr val="A31257"/>
+            </a:solidFill>
+          </a:ln>
+        </p:spPr>
+        <p:style>
+          <a:lnRef idx="2">
+            <a:schemeClr val="accent1">
+              <a:shade val="50000"/>
+            </a:schemeClr>
+          </a:lnRef>
+          <a:fillRef idx="1">
+            <a:schemeClr val="accent1"/>
+          </a:fillRef>
+          <a:effectRef idx="0">
+            <a:schemeClr val="accent1"/>
+          </a:effectRef>
+          <a:fontRef idx="minor">
+            <a:schemeClr val="lt1"/>
+          </a:fontRef>
+        </p:style>
+        <p:txBody>
+          <a:bodyPr rtlCol="0" anchor="ctr"/>
+          <a:lstStyle/>
+          <a:p>
+            <a:pPr algn="ctr"/>
+            <a:endParaRPr lang="fr-FR"/>
+          </a:p>
+        </p:txBody>
+      </p:sp>
+      <p:sp>
+        <p:nvSpPr>
+          <p:cNvPr id="5" name="Rectangle 4">
+            <a:extLst>
+              <a:ext uri="{FF2B5EF4-FFF2-40B4-BE49-F238E27FC236}">
+                <a16:creationId xmlns:a16="http://schemas.microsoft.com/office/drawing/2014/main" id="{D59CBE16-0BE1-4005-A092-5A806801223C}"/>
+              </a:ext>
+            </a:extLst>
+          </p:cNvPr>
+          <p:cNvSpPr/>
+          <p:nvPr/>
+        </p:nvSpPr>
+        <p:spPr>
+          <a:xfrm>
+            <a:off x="3639312" y="947451"/>
+            <a:ext cx="5218249" cy="3199099"/>
+          </a:xfrm>
+          <a:prstGeom prst="rect">
+            <a:avLst/>
+          </a:prstGeom>
+          <a:solidFill>
+            <a:schemeClr val="accent1">
+              <a:alpha val="35000"/>
+            </a:schemeClr>
+          </a:solidFill>
+          <a:ln>
+            <a:noFill/>
+          </a:ln>
+        </p:spPr>
+        <p:style>
+          <a:lnRef idx="2">
+            <a:schemeClr val="accent1">
+              <a:shade val="50000"/>
+            </a:schemeClr>
+          </a:lnRef>
+          <a:fillRef idx="1">
+            <a:schemeClr val="accent1"/>
+          </a:fillRef>
+          <a:effectRef idx="0">
+            <a:schemeClr val="accent1"/>
+          </a:effectRef>
+          <a:fontRef idx="minor">
+            <a:schemeClr val="lt1"/>
+          </a:fontRef>
+        </p:style>
+        <p:txBody>
+          <a:bodyPr rtlCol="0" anchor="ctr"/>
+          <a:lstStyle/>
+          <a:p>
+            <a:pPr algn="ctr"/>
+            <a:endParaRPr lang="fr-FR"/>
+          </a:p>
+        </p:txBody>
+      </p:sp>
+      <p:sp>
+        <p:nvSpPr>
+          <p:cNvPr id="8" name="Rectangle 7">
+            <a:extLst>
+              <a:ext uri="{FF2B5EF4-FFF2-40B4-BE49-F238E27FC236}">
+                <a16:creationId xmlns:a16="http://schemas.microsoft.com/office/drawing/2014/main" id="{4D74D9AA-8E70-4488-BC8D-E603843D946C}"/>
+              </a:ext>
+            </a:extLst>
+          </p:cNvPr>
+          <p:cNvSpPr/>
+          <p:nvPr/>
+        </p:nvSpPr>
+        <p:spPr>
+          <a:xfrm>
+            <a:off x="3740150" y="4146550"/>
+            <a:ext cx="5117411" cy="2568015"/>
+          </a:xfrm>
+          <a:prstGeom prst="rect">
+            <a:avLst/>
+          </a:prstGeom>
+          <a:solidFill>
+            <a:schemeClr val="accent1">
+              <a:alpha val="35000"/>
+            </a:schemeClr>
+          </a:solidFill>
+          <a:ln>
+            <a:noFill/>
+          </a:ln>
+        </p:spPr>
+        <p:style>
+          <a:lnRef idx="2">
+            <a:schemeClr val="accent1">
+              <a:shade val="50000"/>
+            </a:schemeClr>
+          </a:lnRef>
+          <a:fillRef idx="1">
+            <a:schemeClr val="accent1"/>
+          </a:fillRef>
+          <a:effectRef idx="0">
+            <a:schemeClr val="accent1"/>
+          </a:effectRef>
+          <a:fontRef idx="minor">
+            <a:schemeClr val="lt1"/>
+          </a:fontRef>
+        </p:style>
+        <p:txBody>
+          <a:bodyPr rtlCol="0" anchor="ctr"/>
+          <a:lstStyle/>
+          <a:p>
+            <a:pPr algn="ctr"/>
+            <a:endParaRPr lang="fr-FR"/>
+          </a:p>
+        </p:txBody>
+      </p:sp>
+      <p:sp>
+        <p:nvSpPr>
+          <p:cNvPr id="10" name="ZoneTexte 9">
+            <a:extLst>
+              <a:ext uri="{FF2B5EF4-FFF2-40B4-BE49-F238E27FC236}">
+                <a16:creationId xmlns:a16="http://schemas.microsoft.com/office/drawing/2014/main" id="{A66FA68B-5F9D-451A-ABA9-7074434063CD}"/>
+              </a:ext>
+            </a:extLst>
+          </p:cNvPr>
+          <p:cNvSpPr txBox="1"/>
+          <p:nvPr/>
+        </p:nvSpPr>
+        <p:spPr>
+          <a:xfrm>
+            <a:off x="1" y="6378766"/>
+            <a:ext cx="429658" cy="461665"/>
+          </a:xfrm>
+          <a:prstGeom prst="rect">
+            <a:avLst/>
+          </a:prstGeom>
+          <a:noFill/>
+        </p:spPr>
+        <p:txBody>
+          <a:bodyPr wrap="square" rtlCol="0">
+            <a:spAutoFit/>
+          </a:bodyPr>
+          <a:lstStyle/>
+          <a:p>
+            <a:r>
+              <a:rPr lang="fr-FR" sz="2400" dirty="0"/>
+              <a:t>2</a:t>
+            </a:r>
+          </a:p>
+        </p:txBody>
+      </p:sp>
+      <p:sp>
+        <p:nvSpPr>
+          <p:cNvPr id="25" name="Rectangle 24">
+            <a:extLst>
+              <a:ext uri="{FF2B5EF4-FFF2-40B4-BE49-F238E27FC236}">
+                <a16:creationId xmlns:a16="http://schemas.microsoft.com/office/drawing/2014/main" id="{5A59C821-7AB3-476E-B068-5F29B4D0712C}"/>
+              </a:ext>
+            </a:extLst>
+          </p:cNvPr>
+          <p:cNvSpPr/>
+          <p:nvPr/>
+        </p:nvSpPr>
+        <p:spPr>
+          <a:xfrm>
+            <a:off x="2926080" y="936993"/>
+            <a:ext cx="713229" cy="1861341"/>
+          </a:xfrm>
+          <a:prstGeom prst="rect">
+            <a:avLst/>
+          </a:prstGeom>
+          <a:solidFill>
+            <a:schemeClr val="accent1">
+              <a:alpha val="35000"/>
+            </a:schemeClr>
+          </a:solidFill>
+          <a:ln>
+            <a:noFill/>
+          </a:ln>
+        </p:spPr>
+        <p:style>
+          <a:lnRef idx="2">
+            <a:schemeClr val="accent1">
+              <a:shade val="50000"/>
+            </a:schemeClr>
+          </a:lnRef>
+          <a:fillRef idx="1">
+            <a:schemeClr val="accent1"/>
+          </a:fillRef>
+          <a:effectRef idx="0">
+            <a:schemeClr val="accent1"/>
+          </a:effectRef>
+          <a:fontRef idx="minor">
+            <a:schemeClr val="lt1"/>
+          </a:fontRef>
+        </p:style>
+        <p:txBody>
+          <a:bodyPr rtlCol="0" anchor="ctr"/>
+          <a:lstStyle/>
+          <a:p>
+            <a:pPr algn="ctr"/>
+            <a:endParaRPr lang="fr-FR"/>
+          </a:p>
+        </p:txBody>
+      </p:sp>
     </p:spTree>
     <p:extLst>
       <p:ext uri="{BB962C8B-B14F-4D97-AF65-F5344CB8AC3E}">
-        <p14:creationId xmlns:p14="http://schemas.microsoft.com/office/powerpoint/2010/main" val="3529468727"/>
+        <p14:creationId xmlns:p14="http://schemas.microsoft.com/office/powerpoint/2010/main" val="2799645979"/>
       </p:ext>
     </p:extLst>
   </p:cSld>
@@ -11344,10 +11724,1024 @@
           </a:p>
         </p:txBody>
       </p:sp>
+      <p:sp>
+        <p:nvSpPr>
+          <p:cNvPr id="2" name="Rectangle 1">
+            <a:extLst>
+              <a:ext uri="{FF2B5EF4-FFF2-40B4-BE49-F238E27FC236}">
+                <a16:creationId xmlns:a16="http://schemas.microsoft.com/office/drawing/2014/main" id="{0DCB0528-8BC6-473B-B008-71938E34FEAA}"/>
+              </a:ext>
+            </a:extLst>
+          </p:cNvPr>
+          <p:cNvSpPr/>
+          <p:nvPr/>
+        </p:nvSpPr>
+        <p:spPr>
+          <a:xfrm>
+            <a:off x="143436" y="1886284"/>
+            <a:ext cx="4245684" cy="2527541"/>
+          </a:xfrm>
+          <a:prstGeom prst="rect">
+            <a:avLst/>
+          </a:prstGeom>
+          <a:solidFill>
+            <a:schemeClr val="bg1"/>
+          </a:solidFill>
+          <a:ln>
+            <a:solidFill>
+              <a:srgbClr val="A31257"/>
+            </a:solidFill>
+          </a:ln>
+        </p:spPr>
+        <p:style>
+          <a:lnRef idx="2">
+            <a:schemeClr val="accent1">
+              <a:shade val="50000"/>
+            </a:schemeClr>
+          </a:lnRef>
+          <a:fillRef idx="1">
+            <a:schemeClr val="accent1"/>
+          </a:fillRef>
+          <a:effectRef idx="0">
+            <a:schemeClr val="accent1"/>
+          </a:effectRef>
+          <a:fontRef idx="minor">
+            <a:schemeClr val="lt1"/>
+          </a:fontRef>
+        </p:style>
+        <p:txBody>
+          <a:bodyPr rtlCol="0" anchor="ctr"/>
+          <a:lstStyle/>
+          <a:p>
+            <a:pPr marL="742950" lvl="1" indent="-285750">
+              <a:buFontTx/>
+              <a:buChar char="-"/>
+            </a:pPr>
+            <a:r>
+              <a:rPr lang="fr-FR" dirty="0">
+                <a:solidFill>
+                  <a:schemeClr val="tx1"/>
+                </a:solidFill>
+              </a:rPr>
+              <a:t>Créer partie</a:t>
+            </a:r>
+          </a:p>
+          <a:p>
+            <a:pPr marL="742950" lvl="1" indent="-285750">
+              <a:buFontTx/>
+              <a:buChar char="-"/>
+            </a:pPr>
+            <a:r>
+              <a:rPr lang="fr-FR" dirty="0">
+                <a:solidFill>
+                  <a:schemeClr val="tx1"/>
+                </a:solidFill>
+              </a:rPr>
+              <a:t>Chronométrage</a:t>
+            </a:r>
+          </a:p>
+          <a:p>
+            <a:pPr marL="742950" lvl="1" indent="-285750">
+              <a:buFontTx/>
+              <a:buChar char="-"/>
+            </a:pPr>
+            <a:r>
+              <a:rPr lang="fr-FR" dirty="0">
+                <a:solidFill>
+                  <a:schemeClr val="tx1"/>
+                </a:solidFill>
+              </a:rPr>
+              <a:t>Visualiser la salle</a:t>
+            </a:r>
+          </a:p>
+          <a:p>
+            <a:pPr marL="742950" lvl="1" indent="-285750">
+              <a:buFontTx/>
+              <a:buChar char="-"/>
+            </a:pPr>
+            <a:r>
+              <a:rPr lang="fr-FR" dirty="0">
+                <a:solidFill>
+                  <a:schemeClr val="tx1"/>
+                </a:solidFill>
+              </a:rPr>
+              <a:t>Détecter la fin de partie</a:t>
+            </a:r>
+          </a:p>
+          <a:p>
+            <a:pPr marL="742950" lvl="1" indent="-285750">
+              <a:buFontTx/>
+              <a:buChar char="-"/>
+            </a:pPr>
+            <a:r>
+              <a:rPr lang="fr-FR" dirty="0">
+                <a:solidFill>
+                  <a:schemeClr val="tx1"/>
+                </a:solidFill>
+              </a:rPr>
+              <a:t>Envoyer un indice à l’afficheur</a:t>
+            </a:r>
+          </a:p>
+          <a:p>
+            <a:pPr marL="742950" lvl="1" indent="-285750">
+              <a:buFontTx/>
+              <a:buChar char="-"/>
+            </a:pPr>
+            <a:r>
+              <a:rPr lang="fr-FR" dirty="0">
+                <a:solidFill>
+                  <a:schemeClr val="tx1"/>
+                </a:solidFill>
+              </a:rPr>
+              <a:t>Enregistrement des résultats</a:t>
+            </a:r>
+          </a:p>
+        </p:txBody>
+      </p:sp>
+      <p:pic>
+        <p:nvPicPr>
+          <p:cNvPr id="5" name="Graphique 4" descr="Ordinateur">
+            <a:extLst>
+              <a:ext uri="{FF2B5EF4-FFF2-40B4-BE49-F238E27FC236}">
+                <a16:creationId xmlns:a16="http://schemas.microsoft.com/office/drawing/2014/main" id="{D6CB67A3-A088-4406-89D6-E2D4E7D5A2E6}"/>
+              </a:ext>
+            </a:extLst>
+          </p:cNvPr>
+          <p:cNvPicPr>
+            <a:picLocks noChangeAspect="1"/>
+          </p:cNvPicPr>
+          <p:nvPr/>
+        </p:nvPicPr>
+        <p:blipFill>
+          <a:blip r:embed="rId3">
+            <a:extLst>
+              <a:ext uri="{96DAC541-7B7A-43D3-8B79-37D633B846F1}">
+                <asvg:svgBlip xmlns:asvg="http://schemas.microsoft.com/office/drawing/2016/SVG/main" r:embed="rId4"/>
+              </a:ext>
+            </a:extLst>
+          </a:blip>
+          <a:stretch>
+            <a:fillRect/>
+          </a:stretch>
+        </p:blipFill>
+        <p:spPr>
+          <a:xfrm>
+            <a:off x="143436" y="1011919"/>
+            <a:ext cx="1002318" cy="1002318"/>
+          </a:xfrm>
+          <a:prstGeom prst="rect">
+            <a:avLst/>
+          </a:prstGeom>
+        </p:spPr>
+      </p:pic>
+      <p:pic>
+        <p:nvPicPr>
+          <p:cNvPr id="7" name="Graphique 6" descr="Flux">
+            <a:extLst>
+              <a:ext uri="{FF2B5EF4-FFF2-40B4-BE49-F238E27FC236}">
+                <a16:creationId xmlns:a16="http://schemas.microsoft.com/office/drawing/2014/main" id="{EFD1057D-58CA-4743-9F7D-4E0298331CB3}"/>
+              </a:ext>
+            </a:extLst>
+          </p:cNvPr>
+          <p:cNvPicPr>
+            <a:picLocks noChangeAspect="1"/>
+          </p:cNvPicPr>
+          <p:nvPr/>
+        </p:nvPicPr>
+        <p:blipFill>
+          <a:blip r:embed="rId5">
+            <a:extLst>
+              <a:ext uri="{96DAC541-7B7A-43D3-8B79-37D633B846F1}">
+                <asvg:svgBlip xmlns:asvg="http://schemas.microsoft.com/office/drawing/2016/SVG/main" r:embed="rId6"/>
+              </a:ext>
+            </a:extLst>
+          </a:blip>
+          <a:stretch>
+            <a:fillRect/>
+          </a:stretch>
+        </p:blipFill>
+        <p:spPr>
+          <a:xfrm>
+            <a:off x="361891" y="3420089"/>
+            <a:ext cx="335083" cy="335083"/>
+          </a:xfrm>
+          <a:prstGeom prst="rect">
+            <a:avLst/>
+          </a:prstGeom>
+        </p:spPr>
+      </p:pic>
+      <p:pic>
+        <p:nvPicPr>
+          <p:cNvPr id="9" name="Graphique 8" descr="Présentation avec graphique à barres">
+            <a:extLst>
+              <a:ext uri="{FF2B5EF4-FFF2-40B4-BE49-F238E27FC236}">
+                <a16:creationId xmlns:a16="http://schemas.microsoft.com/office/drawing/2014/main" id="{D413B9F1-F871-4334-B654-6AA68CF3B65D}"/>
+              </a:ext>
+            </a:extLst>
+          </p:cNvPr>
+          <p:cNvPicPr>
+            <a:picLocks noChangeAspect="1"/>
+          </p:cNvPicPr>
+          <p:nvPr/>
+        </p:nvPicPr>
+        <p:blipFill>
+          <a:blip r:embed="rId7">
+            <a:extLst>
+              <a:ext uri="{96DAC541-7B7A-43D3-8B79-37D633B846F1}">
+                <asvg:svgBlip xmlns:asvg="http://schemas.microsoft.com/office/drawing/2016/SVG/main" r:embed="rId8"/>
+              </a:ext>
+            </a:extLst>
+          </a:blip>
+          <a:stretch>
+            <a:fillRect/>
+          </a:stretch>
+        </p:blipFill>
+        <p:spPr>
+          <a:xfrm>
+            <a:off x="388803" y="3869080"/>
+            <a:ext cx="282704" cy="282704"/>
+          </a:xfrm>
+          <a:prstGeom prst="rect">
+            <a:avLst/>
+          </a:prstGeom>
+        </p:spPr>
+      </p:pic>
+      <p:pic>
+        <p:nvPicPr>
+          <p:cNvPr id="11" name="Graphique 10" descr="Tête avec engrenages">
+            <a:extLst>
+              <a:ext uri="{FF2B5EF4-FFF2-40B4-BE49-F238E27FC236}">
+                <a16:creationId xmlns:a16="http://schemas.microsoft.com/office/drawing/2014/main" id="{C7CE5BE4-3D55-46A9-9B0D-E1202C0966E0}"/>
+              </a:ext>
+            </a:extLst>
+          </p:cNvPr>
+          <p:cNvPicPr>
+            <a:picLocks noChangeAspect="1"/>
+          </p:cNvPicPr>
+          <p:nvPr/>
+        </p:nvPicPr>
+        <p:blipFill>
+          <a:blip r:embed="rId9">
+            <a:extLst>
+              <a:ext uri="{96DAC541-7B7A-43D3-8B79-37D633B846F1}">
+                <asvg:svgBlip xmlns:asvg="http://schemas.microsoft.com/office/drawing/2016/SVG/main" r:embed="rId10"/>
+              </a:ext>
+            </a:extLst>
+          </a:blip>
+          <a:stretch>
+            <a:fillRect/>
+          </a:stretch>
+        </p:blipFill>
+        <p:spPr>
+          <a:xfrm>
+            <a:off x="453248" y="2258368"/>
+            <a:ext cx="218259" cy="218259"/>
+          </a:xfrm>
+          <a:prstGeom prst="rect">
+            <a:avLst/>
+          </a:prstGeom>
+        </p:spPr>
+      </p:pic>
+      <p:pic>
+        <p:nvPicPr>
+          <p:cNvPr id="13" name="Graphique 12" descr="Recherche">
+            <a:extLst>
+              <a:ext uri="{FF2B5EF4-FFF2-40B4-BE49-F238E27FC236}">
+                <a16:creationId xmlns:a16="http://schemas.microsoft.com/office/drawing/2014/main" id="{7B7607A7-2750-4761-9D8E-A8C86098B44A}"/>
+              </a:ext>
+            </a:extLst>
+          </p:cNvPr>
+          <p:cNvPicPr>
+            <a:picLocks noChangeAspect="1"/>
+          </p:cNvPicPr>
+          <p:nvPr/>
+        </p:nvPicPr>
+        <p:blipFill>
+          <a:blip r:embed="rId11">
+            <a:extLst>
+              <a:ext uri="{96DAC541-7B7A-43D3-8B79-37D633B846F1}">
+                <asvg:svgBlip xmlns:asvg="http://schemas.microsoft.com/office/drawing/2016/SVG/main" r:embed="rId12"/>
+              </a:ext>
+            </a:extLst>
+          </a:blip>
+          <a:stretch>
+            <a:fillRect/>
+          </a:stretch>
+        </p:blipFill>
+        <p:spPr>
+          <a:xfrm>
+            <a:off x="244158" y="1265935"/>
+            <a:ext cx="382694" cy="382694"/>
+          </a:xfrm>
+          <a:prstGeom prst="rect">
+            <a:avLst/>
+          </a:prstGeom>
+        </p:spPr>
+      </p:pic>
+      <p:pic>
+        <p:nvPicPr>
+          <p:cNvPr id="15" name="Graphique 14" descr="Livre de jeu">
+            <a:extLst>
+              <a:ext uri="{FF2B5EF4-FFF2-40B4-BE49-F238E27FC236}">
+                <a16:creationId xmlns:a16="http://schemas.microsoft.com/office/drawing/2014/main" id="{3C2CE57A-AD6C-44A3-9969-D224EB1934AE}"/>
+              </a:ext>
+            </a:extLst>
+          </p:cNvPr>
+          <p:cNvPicPr>
+            <a:picLocks noChangeAspect="1"/>
+          </p:cNvPicPr>
+          <p:nvPr/>
+        </p:nvPicPr>
+        <p:blipFill>
+          <a:blip r:embed="rId13">
+            <a:extLst>
+              <a:ext uri="{96DAC541-7B7A-43D3-8B79-37D633B846F1}">
+                <asvg:svgBlip xmlns:asvg="http://schemas.microsoft.com/office/drawing/2016/SVG/main" r:embed="rId14"/>
+              </a:ext>
+            </a:extLst>
+          </a:blip>
+          <a:stretch>
+            <a:fillRect/>
+          </a:stretch>
+        </p:blipFill>
+        <p:spPr>
+          <a:xfrm>
+            <a:off x="361891" y="3033807"/>
+            <a:ext cx="297336" cy="297336"/>
+          </a:xfrm>
+          <a:prstGeom prst="rect">
+            <a:avLst/>
+          </a:prstGeom>
+        </p:spPr>
+      </p:pic>
+      <p:pic>
+        <p:nvPicPr>
+          <p:cNvPr id="17" name="Graphique 16" descr="Sablier">
+            <a:extLst>
+              <a:ext uri="{FF2B5EF4-FFF2-40B4-BE49-F238E27FC236}">
+                <a16:creationId xmlns:a16="http://schemas.microsoft.com/office/drawing/2014/main" id="{6EE5B803-6AC3-455C-896F-46AF846F09E9}"/>
+              </a:ext>
+            </a:extLst>
+          </p:cNvPr>
+          <p:cNvPicPr>
+            <a:picLocks noChangeAspect="1"/>
+          </p:cNvPicPr>
+          <p:nvPr/>
+        </p:nvPicPr>
+        <p:blipFill>
+          <a:blip r:embed="rId15">
+            <a:extLst>
+              <a:ext uri="{96DAC541-7B7A-43D3-8B79-37D633B846F1}">
+                <asvg:svgBlip xmlns:asvg="http://schemas.microsoft.com/office/drawing/2016/SVG/main" r:embed="rId16"/>
+              </a:ext>
+            </a:extLst>
+          </a:blip>
+          <a:stretch>
+            <a:fillRect/>
+          </a:stretch>
+        </p:blipFill>
+        <p:spPr>
+          <a:xfrm>
+            <a:off x="426337" y="2512335"/>
+            <a:ext cx="218258" cy="218258"/>
+          </a:xfrm>
+          <a:prstGeom prst="rect">
+            <a:avLst/>
+          </a:prstGeom>
+        </p:spPr>
+      </p:pic>
+      <p:pic>
+        <p:nvPicPr>
+          <p:cNvPr id="19" name="Graphique 18" descr="Webcam">
+            <a:extLst>
+              <a:ext uri="{FF2B5EF4-FFF2-40B4-BE49-F238E27FC236}">
+                <a16:creationId xmlns:a16="http://schemas.microsoft.com/office/drawing/2014/main" id="{F750C885-9AEA-464E-80F8-3809F823A0AC}"/>
+              </a:ext>
+            </a:extLst>
+          </p:cNvPr>
+          <p:cNvPicPr>
+            <a:picLocks noChangeAspect="1"/>
+          </p:cNvPicPr>
+          <p:nvPr/>
+        </p:nvPicPr>
+        <p:blipFill>
+          <a:blip r:embed="rId17">
+            <a:extLst>
+              <a:ext uri="{96DAC541-7B7A-43D3-8B79-37D633B846F1}">
+                <asvg:svgBlip xmlns:asvg="http://schemas.microsoft.com/office/drawing/2016/SVG/main" r:embed="rId18"/>
+              </a:ext>
+            </a:extLst>
+          </a:blip>
+          <a:stretch>
+            <a:fillRect/>
+          </a:stretch>
+        </p:blipFill>
+        <p:spPr>
+          <a:xfrm>
+            <a:off x="387359" y="2730593"/>
+            <a:ext cx="284148" cy="284148"/>
+          </a:xfrm>
+          <a:prstGeom prst="rect">
+            <a:avLst/>
+          </a:prstGeom>
+        </p:spPr>
+      </p:pic>
+      <p:sp>
+        <p:nvSpPr>
+          <p:cNvPr id="20" name="ZoneTexte 19">
+            <a:extLst>
+              <a:ext uri="{FF2B5EF4-FFF2-40B4-BE49-F238E27FC236}">
+                <a16:creationId xmlns:a16="http://schemas.microsoft.com/office/drawing/2014/main" id="{56548998-31AB-44D1-93DC-D1FED13191C5}"/>
+              </a:ext>
+            </a:extLst>
+          </p:cNvPr>
+          <p:cNvSpPr txBox="1"/>
+          <p:nvPr/>
+        </p:nvSpPr>
+        <p:spPr>
+          <a:xfrm>
+            <a:off x="1101829" y="1279589"/>
+            <a:ext cx="3375221" cy="400110"/>
+          </a:xfrm>
+          <a:prstGeom prst="rect">
+            <a:avLst/>
+          </a:prstGeom>
+          <a:noFill/>
+        </p:spPr>
+        <p:txBody>
+          <a:bodyPr wrap="square" rtlCol="0">
+            <a:spAutoFit/>
+          </a:bodyPr>
+          <a:lstStyle/>
+          <a:p>
+            <a:r>
+              <a:rPr lang="fr-FR" sz="2000" dirty="0"/>
+              <a:t>Application de </a:t>
+            </a:r>
+            <a:r>
+              <a:rPr lang="fr-FR" sz="2000" dirty="0">
+                <a:solidFill>
+                  <a:srgbClr val="A31257"/>
+                </a:solidFill>
+              </a:rPr>
+              <a:t>supervision </a:t>
+            </a:r>
+            <a:r>
+              <a:rPr lang="fr-FR" sz="2000" dirty="0"/>
+              <a:t>:</a:t>
+            </a:r>
+          </a:p>
+        </p:txBody>
+      </p:sp>
+      <p:sp>
+        <p:nvSpPr>
+          <p:cNvPr id="22" name="Rectangle 21">
+            <a:extLst>
+              <a:ext uri="{FF2B5EF4-FFF2-40B4-BE49-F238E27FC236}">
+                <a16:creationId xmlns:a16="http://schemas.microsoft.com/office/drawing/2014/main" id="{491B8AB3-06D5-430F-8E87-1F57F5FBF777}"/>
+              </a:ext>
+            </a:extLst>
+          </p:cNvPr>
+          <p:cNvSpPr/>
+          <p:nvPr/>
+        </p:nvSpPr>
+        <p:spPr>
+          <a:xfrm>
+            <a:off x="5137921" y="1886283"/>
+            <a:ext cx="4067728" cy="2527541"/>
+          </a:xfrm>
+          <a:prstGeom prst="rect">
+            <a:avLst/>
+          </a:prstGeom>
+          <a:solidFill>
+            <a:schemeClr val="bg1"/>
+          </a:solidFill>
+          <a:ln>
+            <a:solidFill>
+              <a:srgbClr val="A31257"/>
+            </a:solidFill>
+          </a:ln>
+        </p:spPr>
+        <p:style>
+          <a:lnRef idx="2">
+            <a:schemeClr val="accent1">
+              <a:shade val="50000"/>
+            </a:schemeClr>
+          </a:lnRef>
+          <a:fillRef idx="1">
+            <a:schemeClr val="accent1"/>
+          </a:fillRef>
+          <a:effectRef idx="0">
+            <a:schemeClr val="accent1"/>
+          </a:effectRef>
+          <a:fontRef idx="minor">
+            <a:schemeClr val="lt1"/>
+          </a:fontRef>
+        </p:style>
+        <p:txBody>
+          <a:bodyPr rtlCol="0" anchor="ctr"/>
+          <a:lstStyle/>
+          <a:p>
+            <a:pPr marL="742950" lvl="1" indent="-285750">
+              <a:buFontTx/>
+              <a:buChar char="-"/>
+            </a:pPr>
+            <a:r>
+              <a:rPr lang="fr-FR" dirty="0">
+                <a:solidFill>
+                  <a:schemeClr val="tx1"/>
+                </a:solidFill>
+              </a:rPr>
+              <a:t>Indice prédéfini (liste)</a:t>
+            </a:r>
+          </a:p>
+          <a:p>
+            <a:pPr marL="742950" lvl="1" indent="-285750">
+              <a:buFontTx/>
+              <a:buChar char="-"/>
+            </a:pPr>
+            <a:r>
+              <a:rPr lang="fr-FR" dirty="0">
+                <a:solidFill>
+                  <a:schemeClr val="tx1"/>
+                </a:solidFill>
+              </a:rPr>
+              <a:t>Nouvel indice</a:t>
+            </a:r>
+          </a:p>
+          <a:p>
+            <a:pPr marL="742950" lvl="1" indent="-285750">
+              <a:buFontTx/>
+              <a:buChar char="-"/>
+            </a:pPr>
+            <a:r>
+              <a:rPr lang="fr-FR" dirty="0">
+                <a:solidFill>
+                  <a:schemeClr val="tx1"/>
+                </a:solidFill>
+              </a:rPr>
+              <a:t>(Chronomètre)</a:t>
+            </a:r>
+          </a:p>
+        </p:txBody>
+      </p:sp>
+      <p:cxnSp>
+        <p:nvCxnSpPr>
+          <p:cNvPr id="23" name="Connecteur droit avec flèche 22">
+            <a:extLst>
+              <a:ext uri="{FF2B5EF4-FFF2-40B4-BE49-F238E27FC236}">
+                <a16:creationId xmlns:a16="http://schemas.microsoft.com/office/drawing/2014/main" id="{2B62076A-081C-46DC-A624-C32810A497B9}"/>
+              </a:ext>
+            </a:extLst>
+          </p:cNvPr>
+          <p:cNvCxnSpPr>
+            <a:cxnSpLocks/>
+            <a:endCxn id="22" idx="1"/>
+          </p:cNvCxnSpPr>
+          <p:nvPr/>
+        </p:nvCxnSpPr>
+        <p:spPr>
+          <a:xfrm flipV="1">
+            <a:off x="4233221" y="3150054"/>
+            <a:ext cx="904700" cy="415138"/>
+          </a:xfrm>
+          <a:prstGeom prst="straightConnector1">
+            <a:avLst/>
+          </a:prstGeom>
+          <a:ln w="53975">
+            <a:solidFill>
+              <a:schemeClr val="tx1"/>
+            </a:solidFill>
+            <a:prstDash val="sysDot"/>
+            <a:headEnd type="stealth"/>
+            <a:tailEnd type="stealth"/>
+          </a:ln>
+        </p:spPr>
+        <p:style>
+          <a:lnRef idx="1">
+            <a:schemeClr val="accent1"/>
+          </a:lnRef>
+          <a:fillRef idx="0">
+            <a:schemeClr val="accent1"/>
+          </a:fillRef>
+          <a:effectRef idx="0">
+            <a:schemeClr val="accent1"/>
+          </a:effectRef>
+          <a:fontRef idx="minor">
+            <a:schemeClr val="tx1"/>
+          </a:fontRef>
+        </p:style>
+      </p:cxnSp>
+      <p:sp>
+        <p:nvSpPr>
+          <p:cNvPr id="28" name="ZoneTexte 27">
+            <a:extLst>
+              <a:ext uri="{FF2B5EF4-FFF2-40B4-BE49-F238E27FC236}">
+                <a16:creationId xmlns:a16="http://schemas.microsoft.com/office/drawing/2014/main" id="{70545D24-80E0-45FC-818C-458FBB81E384}"/>
+              </a:ext>
+            </a:extLst>
+          </p:cNvPr>
+          <p:cNvSpPr txBox="1"/>
+          <p:nvPr/>
+        </p:nvSpPr>
+        <p:spPr>
+          <a:xfrm>
+            <a:off x="7261797" y="1358501"/>
+            <a:ext cx="3375221" cy="400110"/>
+          </a:xfrm>
+          <a:prstGeom prst="rect">
+            <a:avLst/>
+          </a:prstGeom>
+          <a:noFill/>
+        </p:spPr>
+        <p:txBody>
+          <a:bodyPr wrap="square" rtlCol="0">
+            <a:spAutoFit/>
+          </a:bodyPr>
+          <a:lstStyle/>
+          <a:p>
+            <a:r>
+              <a:rPr lang="fr-FR" sz="2000" dirty="0">
+                <a:solidFill>
+                  <a:srgbClr val="A31257"/>
+                </a:solidFill>
+              </a:rPr>
+              <a:t>Afficheur</a:t>
+            </a:r>
+            <a:r>
+              <a:rPr lang="fr-FR" sz="2000" dirty="0"/>
+              <a:t> LCD</a:t>
+            </a:r>
+            <a:r>
+              <a:rPr lang="fr-FR" sz="2000" dirty="0">
+                <a:solidFill>
+                  <a:srgbClr val="A31257"/>
+                </a:solidFill>
+              </a:rPr>
+              <a:t> </a:t>
+            </a:r>
+            <a:r>
+              <a:rPr lang="fr-FR" sz="2000" dirty="0"/>
+              <a:t>:</a:t>
+            </a:r>
+          </a:p>
+        </p:txBody>
+      </p:sp>
+      <p:pic>
+        <p:nvPicPr>
+          <p:cNvPr id="27" name="Picture 2" descr="Résultat de recherche d'images pour &quot;afficheur mc crypt&quot;">
+            <a:extLst>
+              <a:ext uri="{FF2B5EF4-FFF2-40B4-BE49-F238E27FC236}">
+                <a16:creationId xmlns:a16="http://schemas.microsoft.com/office/drawing/2014/main" id="{19B62C81-611E-44A2-80C9-592AE12A7464}"/>
+              </a:ext>
+            </a:extLst>
+          </p:cNvPr>
+          <p:cNvPicPr>
+            <a:picLocks noChangeAspect="1" noChangeArrowheads="1"/>
+          </p:cNvPicPr>
+          <p:nvPr/>
+        </p:nvPicPr>
+        <p:blipFill>
+          <a:blip r:embed="rId19">
+            <a:extLst>
+              <a:ext uri="{28A0092B-C50C-407E-A947-70E740481C1C}">
+                <a14:useLocalDpi xmlns:a14="http://schemas.microsoft.com/office/drawing/2010/main" val="0"/>
+              </a:ext>
+            </a:extLst>
+          </a:blip>
+          <a:srcRect/>
+          <a:stretch>
+            <a:fillRect/>
+          </a:stretch>
+        </p:blipFill>
+        <p:spPr bwMode="auto">
+          <a:xfrm>
+            <a:off x="5137921" y="1412000"/>
+            <a:ext cx="2040982" cy="343902"/>
+          </a:xfrm>
+          <a:prstGeom prst="rect">
+            <a:avLst/>
+          </a:prstGeom>
+          <a:noFill/>
+          <a:extLst>
+            <a:ext uri="{909E8E84-426E-40DD-AFC4-6F175D3DCCD1}">
+              <a14:hiddenFill xmlns:a14="http://schemas.microsoft.com/office/drawing/2010/main">
+                <a:solidFill>
+                  <a:srgbClr val="FFFFFF"/>
+                </a:solidFill>
+              </a14:hiddenFill>
+            </a:ext>
+          </a:extLst>
+        </p:spPr>
+      </p:pic>
+      <p:sp>
+        <p:nvSpPr>
+          <p:cNvPr id="31" name="Rectangle 30">
+            <a:extLst>
+              <a:ext uri="{FF2B5EF4-FFF2-40B4-BE49-F238E27FC236}">
+                <a16:creationId xmlns:a16="http://schemas.microsoft.com/office/drawing/2014/main" id="{E4380386-8452-47DA-B054-03BBD25AA17C}"/>
+              </a:ext>
+            </a:extLst>
+          </p:cNvPr>
+          <p:cNvSpPr/>
+          <p:nvPr/>
+        </p:nvSpPr>
+        <p:spPr>
+          <a:xfrm>
+            <a:off x="5195962" y="1476314"/>
+            <a:ext cx="1914525" cy="203386"/>
+          </a:xfrm>
+          <a:prstGeom prst="rect">
+            <a:avLst/>
+          </a:prstGeom>
+          <a:solidFill>
+            <a:schemeClr val="tx1"/>
+          </a:solidFill>
+          <a:ln>
+            <a:noFill/>
+          </a:ln>
+        </p:spPr>
+        <p:style>
+          <a:lnRef idx="2">
+            <a:schemeClr val="accent1">
+              <a:shade val="50000"/>
+            </a:schemeClr>
+          </a:lnRef>
+          <a:fillRef idx="1">
+            <a:schemeClr val="accent1"/>
+          </a:fillRef>
+          <a:effectRef idx="0">
+            <a:schemeClr val="accent1"/>
+          </a:effectRef>
+          <a:fontRef idx="minor">
+            <a:schemeClr val="lt1"/>
+          </a:fontRef>
+        </p:style>
+        <p:txBody>
+          <a:bodyPr rtlCol="0" anchor="ctr"/>
+          <a:lstStyle/>
+          <a:p>
+            <a:pPr algn="ctr"/>
+            <a:r>
+              <a:rPr lang="fr-FR" sz="1400" dirty="0">
+                <a:latin typeface="Segoe UI Light" panose="020B0502040204020203" pitchFamily="34" charset="0"/>
+                <a:cs typeface="Segoe UI Light" panose="020B0502040204020203" pitchFamily="34" charset="0"/>
+              </a:rPr>
+              <a:t>INDICE</a:t>
+            </a:r>
+          </a:p>
+        </p:txBody>
+      </p:sp>
+      <p:sp>
+        <p:nvSpPr>
+          <p:cNvPr id="33" name="Rectangle 32">
+            <a:extLst>
+              <a:ext uri="{FF2B5EF4-FFF2-40B4-BE49-F238E27FC236}">
+                <a16:creationId xmlns:a16="http://schemas.microsoft.com/office/drawing/2014/main" id="{1ED2D3FA-227E-4589-B7A9-5F8538AB4AB5}"/>
+              </a:ext>
+            </a:extLst>
+          </p:cNvPr>
+          <p:cNvSpPr/>
+          <p:nvPr/>
+        </p:nvSpPr>
+        <p:spPr>
+          <a:xfrm>
+            <a:off x="1701832" y="5148140"/>
+            <a:ext cx="6457096" cy="1612174"/>
+          </a:xfrm>
+          <a:prstGeom prst="rect">
+            <a:avLst/>
+          </a:prstGeom>
+          <a:solidFill>
+            <a:schemeClr val="bg1"/>
+          </a:solidFill>
+          <a:ln>
+            <a:solidFill>
+              <a:srgbClr val="A31257"/>
+            </a:solidFill>
+          </a:ln>
+        </p:spPr>
+        <p:style>
+          <a:lnRef idx="2">
+            <a:schemeClr val="accent1">
+              <a:shade val="50000"/>
+            </a:schemeClr>
+          </a:lnRef>
+          <a:fillRef idx="1">
+            <a:schemeClr val="accent1"/>
+          </a:fillRef>
+          <a:effectRef idx="0">
+            <a:schemeClr val="accent1"/>
+          </a:effectRef>
+          <a:fontRef idx="minor">
+            <a:schemeClr val="lt1"/>
+          </a:fontRef>
+        </p:style>
+        <p:txBody>
+          <a:bodyPr rtlCol="0" anchor="ctr"/>
+          <a:lstStyle/>
+          <a:p>
+            <a:pPr marL="742950" lvl="1" indent="-285750">
+              <a:buFontTx/>
+              <a:buChar char="-"/>
+            </a:pPr>
+            <a:r>
+              <a:rPr lang="fr-FR" dirty="0">
+                <a:solidFill>
+                  <a:schemeClr val="tx1"/>
+                </a:solidFill>
+              </a:rPr>
+              <a:t>Paramétrage du routeur</a:t>
+            </a:r>
+          </a:p>
+          <a:p>
+            <a:pPr marL="742950" lvl="1" indent="-285750">
+              <a:buFontTx/>
+              <a:buChar char="-"/>
+            </a:pPr>
+            <a:r>
+              <a:rPr lang="fr-FR" dirty="0">
+                <a:solidFill>
+                  <a:schemeClr val="tx1"/>
+                </a:solidFill>
+              </a:rPr>
+              <a:t>Adressage des matériels</a:t>
+            </a:r>
+          </a:p>
+          <a:p>
+            <a:pPr marL="742950" lvl="1" indent="-285750">
+              <a:buFontTx/>
+              <a:buChar char="-"/>
+            </a:pPr>
+            <a:r>
+              <a:rPr lang="fr-FR" dirty="0">
+                <a:solidFill>
+                  <a:schemeClr val="tx1"/>
+                </a:solidFill>
+              </a:rPr>
+              <a:t>Intercommunication locale</a:t>
+            </a:r>
+          </a:p>
+          <a:p>
+            <a:pPr marL="742950" lvl="1" indent="-285750">
+              <a:buFontTx/>
+              <a:buChar char="-"/>
+            </a:pPr>
+            <a:r>
+              <a:rPr lang="fr-FR" dirty="0">
+                <a:solidFill>
+                  <a:schemeClr val="tx1"/>
+                </a:solidFill>
+              </a:rPr>
+              <a:t>Installation clé WIFI sur Raspberry </a:t>
+            </a:r>
+            <a:r>
+              <a:rPr lang="fr-FR" i="1" dirty="0">
+                <a:solidFill>
+                  <a:schemeClr val="tx1"/>
+                </a:solidFill>
+              </a:rPr>
+              <a:t>-&gt; TP Link WN725N</a:t>
+            </a:r>
+          </a:p>
+          <a:p>
+            <a:pPr marL="742950" lvl="1" indent="-285750">
+              <a:buFontTx/>
+              <a:buChar char="-"/>
+            </a:pPr>
+            <a:r>
+              <a:rPr lang="fr-FR" dirty="0">
+                <a:solidFill>
+                  <a:schemeClr val="tx1"/>
+                </a:solidFill>
+              </a:rPr>
+              <a:t>Paramétrage de l’adaptateur RS232/RJ45</a:t>
+            </a:r>
+          </a:p>
+        </p:txBody>
+      </p:sp>
+      <p:sp>
+        <p:nvSpPr>
+          <p:cNvPr id="34" name="ZoneTexte 33">
+            <a:extLst>
+              <a:ext uri="{FF2B5EF4-FFF2-40B4-BE49-F238E27FC236}">
+                <a16:creationId xmlns:a16="http://schemas.microsoft.com/office/drawing/2014/main" id="{D120DD93-CB76-4FC4-9B33-2406A22D46F7}"/>
+              </a:ext>
+            </a:extLst>
+          </p:cNvPr>
+          <p:cNvSpPr txBox="1"/>
+          <p:nvPr/>
+        </p:nvSpPr>
+        <p:spPr>
+          <a:xfrm>
+            <a:off x="2177300" y="4677740"/>
+            <a:ext cx="3375221" cy="400110"/>
+          </a:xfrm>
+          <a:prstGeom prst="rect">
+            <a:avLst/>
+          </a:prstGeom>
+          <a:noFill/>
+        </p:spPr>
+        <p:txBody>
+          <a:bodyPr wrap="square" rtlCol="0">
+            <a:spAutoFit/>
+          </a:bodyPr>
+          <a:lstStyle/>
+          <a:p>
+            <a:r>
+              <a:rPr lang="fr-FR" sz="2000" dirty="0"/>
+              <a:t>Configuration </a:t>
+            </a:r>
+            <a:r>
+              <a:rPr lang="fr-FR" sz="2000" dirty="0">
+                <a:solidFill>
+                  <a:srgbClr val="A31257"/>
+                </a:solidFill>
+              </a:rPr>
+              <a:t>réseau</a:t>
+            </a:r>
+            <a:r>
+              <a:rPr lang="fr-FR" sz="2000" dirty="0"/>
+              <a:t> :</a:t>
+            </a:r>
+          </a:p>
+        </p:txBody>
+      </p:sp>
+      <p:pic>
+        <p:nvPicPr>
+          <p:cNvPr id="35" name="Graphique 34" descr="Réseau de tâches">
+            <a:extLst>
+              <a:ext uri="{FF2B5EF4-FFF2-40B4-BE49-F238E27FC236}">
+                <a16:creationId xmlns:a16="http://schemas.microsoft.com/office/drawing/2014/main" id="{255A3998-9CDF-4E66-9DF4-55D09A6DFB52}"/>
+              </a:ext>
+            </a:extLst>
+          </p:cNvPr>
+          <p:cNvPicPr>
+            <a:picLocks noChangeAspect="1"/>
+          </p:cNvPicPr>
+          <p:nvPr/>
+        </p:nvPicPr>
+        <p:blipFill>
+          <a:blip r:embed="rId20">
+            <a:extLst>
+              <a:ext uri="{96DAC541-7B7A-43D3-8B79-37D633B846F1}">
+                <asvg:svgBlip xmlns:asvg="http://schemas.microsoft.com/office/drawing/2016/SVG/main" r:embed="rId21"/>
+              </a:ext>
+            </a:extLst>
+          </a:blip>
+          <a:stretch>
+            <a:fillRect/>
+          </a:stretch>
+        </p:blipFill>
+        <p:spPr>
+          <a:xfrm>
+            <a:off x="1701832" y="4586095"/>
+            <a:ext cx="575532" cy="575532"/>
+          </a:xfrm>
+          <a:prstGeom prst="rect">
+            <a:avLst/>
+          </a:prstGeom>
+        </p:spPr>
+      </p:pic>
+      <p:sp>
+        <p:nvSpPr>
+          <p:cNvPr id="39" name="ZoneTexte 38">
+            <a:extLst>
+              <a:ext uri="{FF2B5EF4-FFF2-40B4-BE49-F238E27FC236}">
+                <a16:creationId xmlns:a16="http://schemas.microsoft.com/office/drawing/2014/main" id="{147022B0-33C4-46F1-800E-AD1C4A88B978}"/>
+              </a:ext>
+            </a:extLst>
+          </p:cNvPr>
+          <p:cNvSpPr txBox="1"/>
+          <p:nvPr/>
+        </p:nvSpPr>
+        <p:spPr>
+          <a:xfrm>
+            <a:off x="1" y="6378766"/>
+            <a:ext cx="429658" cy="461665"/>
+          </a:xfrm>
+          <a:prstGeom prst="rect">
+            <a:avLst/>
+          </a:prstGeom>
+          <a:noFill/>
+        </p:spPr>
+        <p:txBody>
+          <a:bodyPr wrap="square" rtlCol="0">
+            <a:spAutoFit/>
+          </a:bodyPr>
+          <a:lstStyle/>
+          <a:p>
+            <a:r>
+              <a:rPr lang="fr-FR" sz="2400" dirty="0"/>
+              <a:t>4</a:t>
+            </a:r>
+          </a:p>
+        </p:txBody>
+      </p:sp>
     </p:spTree>
     <p:extLst>
       <p:ext uri="{BB962C8B-B14F-4D97-AF65-F5344CB8AC3E}">
-        <p14:creationId xmlns:p14="http://schemas.microsoft.com/office/powerpoint/2010/main" val="3328809043"/>
+        <p14:creationId xmlns:p14="http://schemas.microsoft.com/office/powerpoint/2010/main" val="2759675161"/>
       </p:ext>
     </p:extLst>
   </p:cSld>

--- a/Nathan/Compte-rendus/REVUE-R2-GUIGAND-SFL6.pptx
+++ b/Nathan/Compte-rendus/REVUE-R2-GUIGAND-SFL6.pptx
@@ -12,12 +12,17 @@
     <p:sldId id="271" r:id="rId6"/>
     <p:sldId id="269" r:id="rId7"/>
     <p:sldId id="266" r:id="rId8"/>
-    <p:sldId id="261" r:id="rId9"/>
-    <p:sldId id="264" r:id="rId10"/>
-    <p:sldId id="267" r:id="rId11"/>
-    <p:sldId id="265" r:id="rId12"/>
-    <p:sldId id="262" r:id="rId13"/>
-    <p:sldId id="263" r:id="rId14"/>
+    <p:sldId id="274" r:id="rId9"/>
+    <p:sldId id="275" r:id="rId10"/>
+    <p:sldId id="276" r:id="rId11"/>
+    <p:sldId id="261" r:id="rId12"/>
+    <p:sldId id="264" r:id="rId13"/>
+    <p:sldId id="267" r:id="rId14"/>
+    <p:sldId id="265" r:id="rId15"/>
+    <p:sldId id="273" r:id="rId16"/>
+    <p:sldId id="262" r:id="rId17"/>
+    <p:sldId id="263" r:id="rId18"/>
+    <p:sldId id="272" r:id="rId19"/>
   </p:sldIdLst>
   <p:sldSz cx="12192000" cy="6858000"/>
   <p:notesSz cx="6858000" cy="9144000"/>
@@ -10046,6 +10051,643 @@
           <a:chExt cx="0" cy="0"/>
         </a:xfrm>
       </p:grpSpPr>
+      <p:sp>
+        <p:nvSpPr>
+          <p:cNvPr id="4" name="ZoneTexte 3">
+            <a:extLst>
+              <a:ext uri="{FF2B5EF4-FFF2-40B4-BE49-F238E27FC236}">
+                <a16:creationId xmlns:a16="http://schemas.microsoft.com/office/drawing/2014/main" id="{B996E070-5299-461D-9259-6BD38B8072A0}"/>
+              </a:ext>
+            </a:extLst>
+          </p:cNvPr>
+          <p:cNvSpPr txBox="1"/>
+          <p:nvPr/>
+        </p:nvSpPr>
+        <p:spPr>
+          <a:xfrm>
+            <a:off x="3323065" y="103221"/>
+            <a:ext cx="5698272" cy="1138773"/>
+          </a:xfrm>
+          <a:prstGeom prst="rect">
+            <a:avLst/>
+          </a:prstGeom>
+          <a:noFill/>
+          <a:ln>
+            <a:noFill/>
+          </a:ln>
+          <a:effectLst>
+            <a:glow rad="63500">
+              <a:schemeClr val="accent4">
+                <a:satMod val="175000"/>
+                <a:alpha val="40000"/>
+              </a:schemeClr>
+            </a:glow>
+            <a:outerShdw blurRad="50800" dist="38100" dir="5400000" algn="t" rotWithShape="0">
+              <a:prstClr val="black">
+                <a:alpha val="40000"/>
+              </a:prstClr>
+            </a:outerShdw>
+          </a:effectLst>
+          <a:scene3d>
+            <a:camera prst="orthographicFront">
+              <a:rot lat="0" lon="0" rev="0"/>
+            </a:camera>
+            <a:lightRig rig="soft" dir="t">
+              <a:rot lat="0" lon="0" rev="0"/>
+            </a:lightRig>
+          </a:scene3d>
+          <a:sp3d contourW="44450" prstMaterial="matte">
+            <a:bevelT w="63500" h="63500" prst="artDeco"/>
+            <a:contourClr>
+              <a:srgbClr val="FFFFFF"/>
+            </a:contourClr>
+          </a:sp3d>
+        </p:spPr>
+        <p:txBody>
+          <a:bodyPr wrap="square" rtlCol="0">
+            <a:spAutoFit/>
+          </a:bodyPr>
+          <a:lstStyle/>
+          <a:p>
+            <a:pPr algn="ctr"/>
+            <a:r>
+              <a:rPr lang="fr-FR" sz="3600" b="1" dirty="0">
+                <a:latin typeface="Eras Medium ITC" panose="020B0602030504020804" pitchFamily="34" charset="0"/>
+              </a:rPr>
+              <a:t>Application de supervision </a:t>
+            </a:r>
+            <a:r>
+              <a:rPr lang="fr-FR" sz="2800" b="1" dirty="0">
+                <a:solidFill>
+                  <a:srgbClr val="A41258"/>
+                </a:solidFill>
+                <a:latin typeface="Eras Medium ITC" panose="020B0602030504020804" pitchFamily="34" charset="0"/>
+              </a:rPr>
+              <a:t>Envoi d’indice &amp; Fin de partie </a:t>
+            </a:r>
+            <a:r>
+              <a:rPr lang="fr-FR" sz="3200" b="1" dirty="0">
+                <a:latin typeface="Eras Medium ITC" panose="020B0602030504020804" pitchFamily="34" charset="0"/>
+              </a:rPr>
+              <a:t>:</a:t>
+            </a:r>
+          </a:p>
+        </p:txBody>
+      </p:sp>
+      <p:pic>
+        <p:nvPicPr>
+          <p:cNvPr id="5" name="Picture 2" descr="Image associée">
+            <a:extLst>
+              <a:ext uri="{FF2B5EF4-FFF2-40B4-BE49-F238E27FC236}">
+                <a16:creationId xmlns:a16="http://schemas.microsoft.com/office/drawing/2014/main" id="{42980D13-27EB-407A-A911-1179305F49FC}"/>
+              </a:ext>
+            </a:extLst>
+          </p:cNvPr>
+          <p:cNvPicPr>
+            <a:picLocks noChangeAspect="1" noChangeArrowheads="1"/>
+          </p:cNvPicPr>
+          <p:nvPr/>
+        </p:nvPicPr>
+        <p:blipFill rotWithShape="1">
+          <a:blip r:embed="rId2">
+            <a:extLst>
+              <a:ext uri="{28A0092B-C50C-407E-A947-70E740481C1C}">
+                <a14:useLocalDpi xmlns:a14="http://schemas.microsoft.com/office/drawing/2010/main" val="0"/>
+              </a:ext>
+            </a:extLst>
+          </a:blip>
+          <a:srcRect l="18677" r="15441"/>
+          <a:stretch/>
+        </p:blipFill>
+        <p:spPr bwMode="auto">
+          <a:xfrm>
+            <a:off x="143436" y="143435"/>
+            <a:ext cx="2269635" cy="609600"/>
+          </a:xfrm>
+          <a:prstGeom prst="rect">
+            <a:avLst/>
+          </a:prstGeom>
+          <a:noFill/>
+          <a:extLst>
+            <a:ext uri="{909E8E84-426E-40DD-AFC4-6F175D3DCCD1}">
+              <a14:hiddenFill xmlns:a14="http://schemas.microsoft.com/office/drawing/2010/main">
+                <a:solidFill>
+                  <a:srgbClr val="FFFFFF"/>
+                </a:solidFill>
+              </a14:hiddenFill>
+            </a:ext>
+          </a:extLst>
+        </p:spPr>
+      </p:pic>
+      <p:pic>
+        <p:nvPicPr>
+          <p:cNvPr id="3" name="Image 2">
+            <a:extLst>
+              <a:ext uri="{FF2B5EF4-FFF2-40B4-BE49-F238E27FC236}">
+                <a16:creationId xmlns:a16="http://schemas.microsoft.com/office/drawing/2014/main" id="{B737A292-C500-4F9E-B374-C549D6966BDC}"/>
+              </a:ext>
+            </a:extLst>
+          </p:cNvPr>
+          <p:cNvPicPr>
+            <a:picLocks noChangeAspect="1"/>
+          </p:cNvPicPr>
+          <p:nvPr/>
+        </p:nvPicPr>
+        <p:blipFill>
+          <a:blip r:embed="rId3"/>
+          <a:stretch>
+            <a:fillRect/>
+          </a:stretch>
+        </p:blipFill>
+        <p:spPr>
+          <a:xfrm>
+            <a:off x="1037026" y="1817649"/>
+            <a:ext cx="3834770" cy="3958683"/>
+          </a:xfrm>
+          <a:prstGeom prst="rect">
+            <a:avLst/>
+          </a:prstGeom>
+          <a:ln>
+            <a:noFill/>
+          </a:ln>
+          <a:effectLst>
+            <a:outerShdw blurRad="292100" dist="139700" dir="2700000" algn="tl" rotWithShape="0">
+              <a:srgbClr val="333333">
+                <a:alpha val="65000"/>
+              </a:srgbClr>
+            </a:outerShdw>
+          </a:effectLst>
+        </p:spPr>
+      </p:pic>
+      <p:pic>
+        <p:nvPicPr>
+          <p:cNvPr id="7" name="Image 6">
+            <a:extLst>
+              <a:ext uri="{FF2B5EF4-FFF2-40B4-BE49-F238E27FC236}">
+                <a16:creationId xmlns:a16="http://schemas.microsoft.com/office/drawing/2014/main" id="{63D11CDC-1242-4135-8684-B6ABFEBB6BC8}"/>
+              </a:ext>
+            </a:extLst>
+          </p:cNvPr>
+          <p:cNvPicPr>
+            <a:picLocks noChangeAspect="1"/>
+          </p:cNvPicPr>
+          <p:nvPr/>
+        </p:nvPicPr>
+        <p:blipFill>
+          <a:blip r:embed="rId4"/>
+          <a:stretch>
+            <a:fillRect/>
+          </a:stretch>
+        </p:blipFill>
+        <p:spPr>
+          <a:xfrm>
+            <a:off x="5260140" y="1279530"/>
+            <a:ext cx="3761197" cy="5475249"/>
+          </a:xfrm>
+          <a:prstGeom prst="rect">
+            <a:avLst/>
+          </a:prstGeom>
+          <a:ln>
+            <a:noFill/>
+          </a:ln>
+          <a:effectLst>
+            <a:outerShdw blurRad="292100" dist="139700" dir="2700000" algn="tl" rotWithShape="0">
+              <a:srgbClr val="333333">
+                <a:alpha val="65000"/>
+              </a:srgbClr>
+            </a:outerShdw>
+          </a:effectLst>
+        </p:spPr>
+      </p:pic>
+    </p:spTree>
+    <p:extLst>
+      <p:ext uri="{BB962C8B-B14F-4D97-AF65-F5344CB8AC3E}">
+        <p14:creationId xmlns:p14="http://schemas.microsoft.com/office/powerpoint/2010/main" val="2716515491"/>
+      </p:ext>
+    </p:extLst>
+  </p:cSld>
+  <p:clrMapOvr>
+    <a:masterClrMapping/>
+  </p:clrMapOvr>
+</p:sld>
+</file>
+
+<file path=ppt/slides/slide11.xml><?xml version="1.0" encoding="utf-8"?>
+<p:sld xmlns:a="http://schemas.openxmlformats.org/drawingml/2006/main" xmlns:r="http://schemas.openxmlformats.org/officeDocument/2006/relationships" xmlns:p="http://schemas.openxmlformats.org/presentationml/2006/main">
+  <p:cSld>
+    <p:spTree>
+      <p:nvGrpSpPr>
+        <p:cNvPr id="1" name=""/>
+        <p:cNvGrpSpPr/>
+        <p:nvPr/>
+      </p:nvGrpSpPr>
+      <p:grpSpPr>
+        <a:xfrm>
+          <a:off x="0" y="0"/>
+          <a:ext cx="0" cy="0"/>
+          <a:chOff x="0" y="0"/>
+          <a:chExt cx="0" cy="0"/>
+        </a:xfrm>
+      </p:grpSpPr>
+      <p:pic>
+        <p:nvPicPr>
+          <p:cNvPr id="1026" name="Picture 2" descr="Image associée">
+            <a:extLst>
+              <a:ext uri="{FF2B5EF4-FFF2-40B4-BE49-F238E27FC236}">
+                <a16:creationId xmlns:a16="http://schemas.microsoft.com/office/drawing/2014/main" id="{C816F3D8-CC4C-46B3-A21E-58AE9AD30454}"/>
+              </a:ext>
+            </a:extLst>
+          </p:cNvPr>
+          <p:cNvPicPr>
+            <a:picLocks noChangeAspect="1" noChangeArrowheads="1"/>
+          </p:cNvPicPr>
+          <p:nvPr/>
+        </p:nvPicPr>
+        <p:blipFill rotWithShape="1">
+          <a:blip r:embed="rId2">
+            <a:extLst>
+              <a:ext uri="{28A0092B-C50C-407E-A947-70E740481C1C}">
+                <a14:useLocalDpi xmlns:a14="http://schemas.microsoft.com/office/drawing/2010/main" val="0"/>
+              </a:ext>
+            </a:extLst>
+          </a:blip>
+          <a:srcRect l="18677" r="15441"/>
+          <a:stretch/>
+        </p:blipFill>
+        <p:spPr bwMode="auto">
+          <a:xfrm>
+            <a:off x="143436" y="143435"/>
+            <a:ext cx="2269635" cy="609600"/>
+          </a:xfrm>
+          <a:prstGeom prst="rect">
+            <a:avLst/>
+          </a:prstGeom>
+          <a:noFill/>
+          <a:extLst>
+            <a:ext uri="{909E8E84-426E-40DD-AFC4-6F175D3DCCD1}">
+              <a14:hiddenFill xmlns:a14="http://schemas.microsoft.com/office/drawing/2010/main">
+                <a:solidFill>
+                  <a:srgbClr val="FFFFFF"/>
+                </a:solidFill>
+              </a14:hiddenFill>
+            </a:ext>
+          </a:extLst>
+        </p:spPr>
+      </p:pic>
+      <p:sp>
+        <p:nvSpPr>
+          <p:cNvPr id="3" name="ZoneTexte 2">
+            <a:extLst>
+              <a:ext uri="{FF2B5EF4-FFF2-40B4-BE49-F238E27FC236}">
+                <a16:creationId xmlns:a16="http://schemas.microsoft.com/office/drawing/2014/main" id="{16637F4C-A45D-4A64-84F7-746FFFD316BB}"/>
+              </a:ext>
+            </a:extLst>
+          </p:cNvPr>
+          <p:cNvSpPr txBox="1"/>
+          <p:nvPr/>
+        </p:nvSpPr>
+        <p:spPr>
+          <a:xfrm>
+            <a:off x="-106043" y="2836021"/>
+            <a:ext cx="3242435" cy="646331"/>
+          </a:xfrm>
+          <a:prstGeom prst="rect">
+            <a:avLst/>
+          </a:prstGeom>
+          <a:noFill/>
+          <a:ln>
+            <a:noFill/>
+          </a:ln>
+          <a:effectLst>
+            <a:glow rad="63500">
+              <a:schemeClr val="accent4">
+                <a:satMod val="175000"/>
+                <a:alpha val="40000"/>
+              </a:schemeClr>
+            </a:glow>
+            <a:outerShdw blurRad="50800" dist="38100" dir="5400000" algn="t" rotWithShape="0">
+              <a:prstClr val="black">
+                <a:alpha val="40000"/>
+              </a:prstClr>
+            </a:outerShdw>
+          </a:effectLst>
+          <a:scene3d>
+            <a:camera prst="orthographicFront">
+              <a:rot lat="0" lon="0" rev="0"/>
+            </a:camera>
+            <a:lightRig rig="soft" dir="t">
+              <a:rot lat="0" lon="0" rev="0"/>
+            </a:lightRig>
+          </a:scene3d>
+          <a:sp3d contourW="44450" prstMaterial="matte">
+            <a:bevelT w="63500" h="63500" prst="artDeco"/>
+            <a:contourClr>
+              <a:srgbClr val="FFFFFF"/>
+            </a:contourClr>
+          </a:sp3d>
+        </p:spPr>
+        <p:txBody>
+          <a:bodyPr wrap="square" rtlCol="0">
+            <a:spAutoFit/>
+          </a:bodyPr>
+          <a:lstStyle/>
+          <a:p>
+            <a:pPr algn="ctr"/>
+            <a:r>
+              <a:rPr lang="fr-FR" sz="2000" b="1" dirty="0">
+                <a:latin typeface="Eras Medium ITC" panose="020B0602030504020804" pitchFamily="34" charset="0"/>
+              </a:rPr>
+              <a:t>Diagramme de séquence : </a:t>
+            </a:r>
+            <a:r>
+              <a:rPr lang="fr-FR" sz="1600" b="1" dirty="0">
+                <a:solidFill>
+                  <a:srgbClr val="A41258"/>
+                </a:solidFill>
+                <a:latin typeface="Eras Medium ITC" panose="020B0602030504020804" pitchFamily="34" charset="0"/>
+              </a:rPr>
+              <a:t>Lancement d’une partie</a:t>
+            </a:r>
+            <a:endParaRPr lang="fr-FR" b="1" dirty="0">
+              <a:solidFill>
+                <a:srgbClr val="A41258"/>
+              </a:solidFill>
+              <a:latin typeface="Eras Medium ITC" panose="020B0602030504020804" pitchFamily="34" charset="0"/>
+            </a:endParaRPr>
+          </a:p>
+        </p:txBody>
+      </p:sp>
+      <p:pic>
+        <p:nvPicPr>
+          <p:cNvPr id="2" name="Image 1">
+            <a:extLst>
+              <a:ext uri="{FF2B5EF4-FFF2-40B4-BE49-F238E27FC236}">
+                <a16:creationId xmlns:a16="http://schemas.microsoft.com/office/drawing/2014/main" id="{EB85B4BA-1247-4132-A680-7202937A7093}"/>
+              </a:ext>
+            </a:extLst>
+          </p:cNvPr>
+          <p:cNvPicPr>
+            <a:picLocks noChangeAspect="1"/>
+          </p:cNvPicPr>
+          <p:nvPr/>
+        </p:nvPicPr>
+        <p:blipFill>
+          <a:blip r:embed="rId3"/>
+          <a:stretch>
+            <a:fillRect/>
+          </a:stretch>
+        </p:blipFill>
+        <p:spPr>
+          <a:xfrm>
+            <a:off x="2412013" y="-119099"/>
+            <a:ext cx="7367973" cy="6977099"/>
+          </a:xfrm>
+          <a:prstGeom prst="rect">
+            <a:avLst/>
+          </a:prstGeom>
+        </p:spPr>
+      </p:pic>
+    </p:spTree>
+    <p:extLst>
+      <p:ext uri="{BB962C8B-B14F-4D97-AF65-F5344CB8AC3E}">
+        <p14:creationId xmlns:p14="http://schemas.microsoft.com/office/powerpoint/2010/main" val="1236978261"/>
+      </p:ext>
+    </p:extLst>
+  </p:cSld>
+  <p:clrMapOvr>
+    <a:masterClrMapping/>
+  </p:clrMapOvr>
+  <mc:AlternateContent xmlns:mc="http://schemas.openxmlformats.org/markup-compatibility/2006" xmlns:p159="http://schemas.microsoft.com/office/powerpoint/2015/09/main">
+    <mc:Choice Requires="p159">
+      <p:transition xmlns:p14="http://schemas.microsoft.com/office/powerpoint/2010/main" spd="slow" p14:dur="2000">
+        <p159:morph option="byObject"/>
+      </p:transition>
+    </mc:Choice>
+    <mc:Fallback xmlns="">
+      <p:transition spd="slow">
+        <p:fade/>
+      </p:transition>
+    </mc:Fallback>
+  </mc:AlternateContent>
+</p:sld>
+</file>
+
+<file path=ppt/slides/slide12.xml><?xml version="1.0" encoding="utf-8"?>
+<p:sld xmlns:a="http://schemas.openxmlformats.org/drawingml/2006/main" xmlns:r="http://schemas.openxmlformats.org/officeDocument/2006/relationships" xmlns:p="http://schemas.openxmlformats.org/presentationml/2006/main">
+  <p:cSld>
+    <p:spTree>
+      <p:nvGrpSpPr>
+        <p:cNvPr id="1" name=""/>
+        <p:cNvGrpSpPr/>
+        <p:nvPr/>
+      </p:nvGrpSpPr>
+      <p:grpSpPr>
+        <a:xfrm>
+          <a:off x="0" y="0"/>
+          <a:ext cx="0" cy="0"/>
+          <a:chOff x="0" y="0"/>
+          <a:chExt cx="0" cy="0"/>
+        </a:xfrm>
+      </p:grpSpPr>
+      <p:pic>
+        <p:nvPicPr>
+          <p:cNvPr id="1026" name="Picture 2" descr="Image associée">
+            <a:extLst>
+              <a:ext uri="{FF2B5EF4-FFF2-40B4-BE49-F238E27FC236}">
+                <a16:creationId xmlns:a16="http://schemas.microsoft.com/office/drawing/2014/main" id="{C816F3D8-CC4C-46B3-A21E-58AE9AD30454}"/>
+              </a:ext>
+            </a:extLst>
+          </p:cNvPr>
+          <p:cNvPicPr>
+            <a:picLocks noChangeAspect="1" noChangeArrowheads="1"/>
+          </p:cNvPicPr>
+          <p:nvPr/>
+        </p:nvPicPr>
+        <p:blipFill rotWithShape="1">
+          <a:blip r:embed="rId2">
+            <a:extLst>
+              <a:ext uri="{28A0092B-C50C-407E-A947-70E740481C1C}">
+                <a14:useLocalDpi xmlns:a14="http://schemas.microsoft.com/office/drawing/2010/main" val="0"/>
+              </a:ext>
+            </a:extLst>
+          </a:blip>
+          <a:srcRect l="18677" r="15441"/>
+          <a:stretch/>
+        </p:blipFill>
+        <p:spPr bwMode="auto">
+          <a:xfrm>
+            <a:off x="143436" y="143435"/>
+            <a:ext cx="2269635" cy="609600"/>
+          </a:xfrm>
+          <a:prstGeom prst="rect">
+            <a:avLst/>
+          </a:prstGeom>
+          <a:noFill/>
+          <a:extLst>
+            <a:ext uri="{909E8E84-426E-40DD-AFC4-6F175D3DCCD1}">
+              <a14:hiddenFill xmlns:a14="http://schemas.microsoft.com/office/drawing/2010/main">
+                <a:solidFill>
+                  <a:srgbClr val="FFFFFF"/>
+                </a:solidFill>
+              </a14:hiddenFill>
+            </a:ext>
+          </a:extLst>
+        </p:spPr>
+      </p:pic>
+      <p:sp>
+        <p:nvSpPr>
+          <p:cNvPr id="5" name="ZoneTexte 4">
+            <a:extLst>
+              <a:ext uri="{FF2B5EF4-FFF2-40B4-BE49-F238E27FC236}">
+                <a16:creationId xmlns:a16="http://schemas.microsoft.com/office/drawing/2014/main" id="{DE4D560C-9537-428C-82EA-D1E94E276955}"/>
+              </a:ext>
+            </a:extLst>
+          </p:cNvPr>
+          <p:cNvSpPr txBox="1"/>
+          <p:nvPr/>
+        </p:nvSpPr>
+        <p:spPr>
+          <a:xfrm>
+            <a:off x="3560382" y="125069"/>
+            <a:ext cx="3242435" cy="646331"/>
+          </a:xfrm>
+          <a:prstGeom prst="rect">
+            <a:avLst/>
+          </a:prstGeom>
+          <a:noFill/>
+          <a:ln>
+            <a:noFill/>
+          </a:ln>
+          <a:effectLst>
+            <a:glow rad="63500">
+              <a:schemeClr val="accent4">
+                <a:satMod val="175000"/>
+                <a:alpha val="40000"/>
+              </a:schemeClr>
+            </a:glow>
+            <a:outerShdw blurRad="50800" dist="38100" dir="5400000" algn="t" rotWithShape="0">
+              <a:prstClr val="black">
+                <a:alpha val="40000"/>
+              </a:prstClr>
+            </a:outerShdw>
+          </a:effectLst>
+          <a:scene3d>
+            <a:camera prst="orthographicFront">
+              <a:rot lat="0" lon="0" rev="0"/>
+            </a:camera>
+            <a:lightRig rig="soft" dir="t">
+              <a:rot lat="0" lon="0" rev="0"/>
+            </a:lightRig>
+          </a:scene3d>
+          <a:sp3d contourW="44450" prstMaterial="matte">
+            <a:bevelT w="63500" h="63500" prst="artDeco"/>
+            <a:contourClr>
+              <a:srgbClr val="FFFFFF"/>
+            </a:contourClr>
+          </a:sp3d>
+        </p:spPr>
+        <p:txBody>
+          <a:bodyPr wrap="square" rtlCol="0">
+            <a:spAutoFit/>
+          </a:bodyPr>
+          <a:lstStyle/>
+          <a:p>
+            <a:pPr algn="ctr"/>
+            <a:r>
+              <a:rPr lang="fr-FR" sz="2000" b="1" dirty="0">
+                <a:latin typeface="Eras Medium ITC" panose="020B0602030504020804" pitchFamily="34" charset="0"/>
+              </a:rPr>
+              <a:t>Diagramme de séquence : </a:t>
+            </a:r>
+            <a:r>
+              <a:rPr lang="fr-FR" sz="1600" b="1" dirty="0">
+                <a:solidFill>
+                  <a:srgbClr val="A41258"/>
+                </a:solidFill>
+                <a:latin typeface="Eras Medium ITC" panose="020B0602030504020804" pitchFamily="34" charset="0"/>
+              </a:rPr>
+              <a:t>Envoi d’un message</a:t>
+            </a:r>
+            <a:endParaRPr lang="fr-FR" b="1" dirty="0">
+              <a:solidFill>
+                <a:srgbClr val="A41258"/>
+              </a:solidFill>
+              <a:latin typeface="Eras Medium ITC" panose="020B0602030504020804" pitchFamily="34" charset="0"/>
+            </a:endParaRPr>
+          </a:p>
+        </p:txBody>
+      </p:sp>
+      <p:pic>
+        <p:nvPicPr>
+          <p:cNvPr id="4" name="Image 3">
+            <a:extLst>
+              <a:ext uri="{FF2B5EF4-FFF2-40B4-BE49-F238E27FC236}">
+                <a16:creationId xmlns:a16="http://schemas.microsoft.com/office/drawing/2014/main" id="{23D5BB14-85E0-47B6-9674-A8E0DB36C8AC}"/>
+              </a:ext>
+            </a:extLst>
+          </p:cNvPr>
+          <p:cNvPicPr>
+            <a:picLocks noChangeAspect="1"/>
+          </p:cNvPicPr>
+          <p:nvPr/>
+        </p:nvPicPr>
+        <p:blipFill rotWithShape="1">
+          <a:blip r:embed="rId3"/>
+          <a:srcRect t="4014"/>
+          <a:stretch/>
+        </p:blipFill>
+        <p:spPr>
+          <a:xfrm>
+            <a:off x="143436" y="753035"/>
+            <a:ext cx="9576636" cy="6112494"/>
+          </a:xfrm>
+          <a:prstGeom prst="rect">
+            <a:avLst/>
+          </a:prstGeom>
+        </p:spPr>
+      </p:pic>
+    </p:spTree>
+    <p:extLst>
+      <p:ext uri="{BB962C8B-B14F-4D97-AF65-F5344CB8AC3E}">
+        <p14:creationId xmlns:p14="http://schemas.microsoft.com/office/powerpoint/2010/main" val="2695738063"/>
+      </p:ext>
+    </p:extLst>
+  </p:cSld>
+  <p:clrMapOvr>
+    <a:masterClrMapping/>
+  </p:clrMapOvr>
+  <mc:AlternateContent xmlns:mc="http://schemas.openxmlformats.org/markup-compatibility/2006" xmlns:p159="http://schemas.microsoft.com/office/powerpoint/2015/09/main">
+    <mc:Choice Requires="p159">
+      <p:transition xmlns:p14="http://schemas.microsoft.com/office/powerpoint/2010/main" spd="slow" p14:dur="2000">
+        <p159:morph option="byObject"/>
+      </p:transition>
+    </mc:Choice>
+    <mc:Fallback xmlns="">
+      <p:transition spd="slow">
+        <p:fade/>
+      </p:transition>
+    </mc:Fallback>
+  </mc:AlternateContent>
+</p:sld>
+</file>
+
+<file path=ppt/slides/slide13.xml><?xml version="1.0" encoding="utf-8"?>
+<p:sld xmlns:a="http://schemas.openxmlformats.org/drawingml/2006/main" xmlns:r="http://schemas.openxmlformats.org/officeDocument/2006/relationships" xmlns:p="http://schemas.openxmlformats.org/presentationml/2006/main">
+  <p:cSld>
+    <p:spTree>
+      <p:nvGrpSpPr>
+        <p:cNvPr id="1" name=""/>
+        <p:cNvGrpSpPr/>
+        <p:nvPr/>
+      </p:nvGrpSpPr>
+      <p:grpSpPr>
+        <a:xfrm>
+          <a:off x="0" y="0"/>
+          <a:ext cx="0" cy="0"/>
+          <a:chOff x="0" y="0"/>
+          <a:chExt cx="0" cy="0"/>
+        </a:xfrm>
+      </p:grpSpPr>
       <p:pic>
         <p:nvPicPr>
           <p:cNvPr id="2" name="Image 1">
@@ -10092,7 +10734,7 @@
 </p:sld>
 </file>
 
-<file path=ppt/slides/slide11.xml><?xml version="1.0" encoding="utf-8"?>
+<file path=ppt/slides/slide14.xml><?xml version="1.0" encoding="utf-8"?>
 <p:sld xmlns:a="http://schemas.openxmlformats.org/drawingml/2006/main" xmlns:r="http://schemas.openxmlformats.org/officeDocument/2006/relationships" xmlns:p="http://schemas.openxmlformats.org/presentationml/2006/main">
   <p:cSld>
     <p:spTree>
@@ -10292,7 +10934,195 @@
 </p:sld>
 </file>
 
-<file path=ppt/slides/slide12.xml><?xml version="1.0" encoding="utf-8"?>
+<file path=ppt/slides/slide15.xml><?xml version="1.0" encoding="utf-8"?>
+<p:sld xmlns:a="http://schemas.openxmlformats.org/drawingml/2006/main" xmlns:r="http://schemas.openxmlformats.org/officeDocument/2006/relationships" xmlns:p="http://schemas.openxmlformats.org/presentationml/2006/main">
+  <p:cSld>
+    <p:spTree>
+      <p:nvGrpSpPr>
+        <p:cNvPr id="1" name=""/>
+        <p:cNvGrpSpPr/>
+        <p:nvPr/>
+      </p:nvGrpSpPr>
+      <p:grpSpPr>
+        <a:xfrm>
+          <a:off x="0" y="0"/>
+          <a:ext cx="0" cy="0"/>
+          <a:chOff x="0" y="0"/>
+          <a:chExt cx="0" cy="0"/>
+        </a:xfrm>
+      </p:grpSpPr>
+      <p:pic>
+        <p:nvPicPr>
+          <p:cNvPr id="4" name="Picture 2" descr="Image associée">
+            <a:extLst>
+              <a:ext uri="{FF2B5EF4-FFF2-40B4-BE49-F238E27FC236}">
+                <a16:creationId xmlns:a16="http://schemas.microsoft.com/office/drawing/2014/main" id="{A70E6249-9E28-4317-9272-AA9A2BCD50B5}"/>
+              </a:ext>
+            </a:extLst>
+          </p:cNvPr>
+          <p:cNvPicPr>
+            <a:picLocks noChangeAspect="1" noChangeArrowheads="1"/>
+          </p:cNvPicPr>
+          <p:nvPr/>
+        </p:nvPicPr>
+        <p:blipFill rotWithShape="1">
+          <a:blip r:embed="rId2">
+            <a:extLst>
+              <a:ext uri="{28A0092B-C50C-407E-A947-70E740481C1C}">
+                <a14:useLocalDpi xmlns:a14="http://schemas.microsoft.com/office/drawing/2010/main" val="0"/>
+              </a:ext>
+            </a:extLst>
+          </a:blip>
+          <a:srcRect l="18677" r="15441"/>
+          <a:stretch/>
+        </p:blipFill>
+        <p:spPr bwMode="auto">
+          <a:xfrm>
+            <a:off x="143436" y="143435"/>
+            <a:ext cx="2269635" cy="609600"/>
+          </a:xfrm>
+          <a:prstGeom prst="rect">
+            <a:avLst/>
+          </a:prstGeom>
+          <a:noFill/>
+          <a:extLst>
+            <a:ext uri="{909E8E84-426E-40DD-AFC4-6F175D3DCCD1}">
+              <a14:hiddenFill xmlns:a14="http://schemas.microsoft.com/office/drawing/2010/main">
+                <a:solidFill>
+                  <a:srgbClr val="FFFFFF"/>
+                </a:solidFill>
+              </a14:hiddenFill>
+            </a:ext>
+          </a:extLst>
+        </p:spPr>
+      </p:pic>
+      <p:sp>
+        <p:nvSpPr>
+          <p:cNvPr id="5" name="ZoneTexte 4">
+            <a:extLst>
+              <a:ext uri="{FF2B5EF4-FFF2-40B4-BE49-F238E27FC236}">
+                <a16:creationId xmlns:a16="http://schemas.microsoft.com/office/drawing/2014/main" id="{D0691E71-6B55-487E-9C91-F2C906CE33A4}"/>
+              </a:ext>
+            </a:extLst>
+          </p:cNvPr>
+          <p:cNvSpPr txBox="1"/>
+          <p:nvPr/>
+        </p:nvSpPr>
+        <p:spPr>
+          <a:xfrm>
+            <a:off x="3323065" y="103221"/>
+            <a:ext cx="4627756" cy="1138773"/>
+          </a:xfrm>
+          <a:prstGeom prst="rect">
+            <a:avLst/>
+          </a:prstGeom>
+          <a:noFill/>
+          <a:ln>
+            <a:noFill/>
+          </a:ln>
+          <a:effectLst>
+            <a:glow rad="63500">
+              <a:schemeClr val="accent4">
+                <a:satMod val="175000"/>
+                <a:alpha val="40000"/>
+              </a:schemeClr>
+            </a:glow>
+            <a:outerShdw blurRad="50800" dist="38100" dir="5400000" algn="t" rotWithShape="0">
+              <a:prstClr val="black">
+                <a:alpha val="40000"/>
+              </a:prstClr>
+            </a:outerShdw>
+          </a:effectLst>
+          <a:scene3d>
+            <a:camera prst="orthographicFront">
+              <a:rot lat="0" lon="0" rev="0"/>
+            </a:camera>
+            <a:lightRig rig="soft" dir="t">
+              <a:rot lat="0" lon="0" rev="0"/>
+            </a:lightRig>
+          </a:scene3d>
+          <a:sp3d contourW="44450" prstMaterial="matte">
+            <a:bevelT w="63500" h="63500" prst="artDeco"/>
+            <a:contourClr>
+              <a:srgbClr val="FFFFFF"/>
+            </a:contourClr>
+          </a:sp3d>
+        </p:spPr>
+        <p:txBody>
+          <a:bodyPr wrap="square" rtlCol="0">
+            <a:spAutoFit/>
+          </a:bodyPr>
+          <a:lstStyle/>
+          <a:p>
+            <a:pPr algn="ctr"/>
+            <a:r>
+              <a:rPr lang="fr-FR" sz="3600" b="1" dirty="0">
+                <a:latin typeface="Eras Medium ITC" panose="020B0602030504020804" pitchFamily="34" charset="0"/>
+              </a:rPr>
+              <a:t>Base de données </a:t>
+            </a:r>
+            <a:r>
+              <a:rPr lang="fr-FR" sz="2800" b="1" dirty="0">
+                <a:solidFill>
+                  <a:srgbClr val="A41258"/>
+                </a:solidFill>
+                <a:latin typeface="Eras Medium ITC" panose="020B0602030504020804" pitchFamily="34" charset="0"/>
+              </a:rPr>
+              <a:t>Modèle relationnel </a:t>
+            </a:r>
+            <a:r>
+              <a:rPr lang="fr-FR" sz="3200" b="1" dirty="0">
+                <a:latin typeface="Eras Medium ITC" panose="020B0602030504020804" pitchFamily="34" charset="0"/>
+              </a:rPr>
+              <a:t>:</a:t>
+            </a:r>
+          </a:p>
+        </p:txBody>
+      </p:sp>
+      <p:pic>
+        <p:nvPicPr>
+          <p:cNvPr id="7" name="Image 6" descr="Une image contenant capture d’écran&#10;&#10;Description générée automatiquement">
+            <a:extLst>
+              <a:ext uri="{FF2B5EF4-FFF2-40B4-BE49-F238E27FC236}">
+                <a16:creationId xmlns:a16="http://schemas.microsoft.com/office/drawing/2014/main" id="{9350F9C8-9CA6-402F-9C47-C6CF7F7570DB}"/>
+              </a:ext>
+            </a:extLst>
+          </p:cNvPr>
+          <p:cNvPicPr>
+            <a:picLocks noChangeAspect="1"/>
+          </p:cNvPicPr>
+          <p:nvPr/>
+        </p:nvPicPr>
+        <p:blipFill>
+          <a:blip r:embed="rId3"/>
+          <a:stretch>
+            <a:fillRect/>
+          </a:stretch>
+        </p:blipFill>
+        <p:spPr>
+          <a:xfrm>
+            <a:off x="1601639" y="2097783"/>
+            <a:ext cx="6916065" cy="2886812"/>
+          </a:xfrm>
+          <a:prstGeom prst="rect">
+            <a:avLst/>
+          </a:prstGeom>
+        </p:spPr>
+      </p:pic>
+    </p:spTree>
+    <p:extLst>
+      <p:ext uri="{BB962C8B-B14F-4D97-AF65-F5344CB8AC3E}">
+        <p14:creationId xmlns:p14="http://schemas.microsoft.com/office/powerpoint/2010/main" val="726819232"/>
+      </p:ext>
+    </p:extLst>
+  </p:cSld>
+  <p:clrMapOvr>
+    <a:masterClrMapping/>
+  </p:clrMapOvr>
+</p:sld>
+</file>
+
+<file path=ppt/slides/slide16.xml><?xml version="1.0" encoding="utf-8"?>
 <p:sld xmlns:a="http://schemas.openxmlformats.org/drawingml/2006/main" xmlns:r="http://schemas.openxmlformats.org/officeDocument/2006/relationships" xmlns:p="http://schemas.openxmlformats.org/presentationml/2006/main">
   <p:cSld>
     <p:spTree>
@@ -10495,7 +11325,7 @@
 </p:sld>
 </file>
 
-<file path=ppt/slides/slide13.xml><?xml version="1.0" encoding="utf-8"?>
+<file path=ppt/slides/slide17.xml><?xml version="1.0" encoding="utf-8"?>
 <p:sld xmlns:a="http://schemas.openxmlformats.org/drawingml/2006/main" xmlns:r="http://schemas.openxmlformats.org/officeDocument/2006/relationships" xmlns:p="http://schemas.openxmlformats.org/presentationml/2006/main">
   <p:cSld>
     <p:spTree>
@@ -10557,10 +11387,383 @@
           </a:extLst>
         </p:spPr>
       </p:pic>
+      <p:sp>
+        <p:nvSpPr>
+          <p:cNvPr id="3" name="ZoneTexte 2">
+            <a:extLst>
+              <a:ext uri="{FF2B5EF4-FFF2-40B4-BE49-F238E27FC236}">
+                <a16:creationId xmlns:a16="http://schemas.microsoft.com/office/drawing/2014/main" id="{1582123C-25BF-42F1-97F8-35FFB48DFFAA}"/>
+              </a:ext>
+            </a:extLst>
+          </p:cNvPr>
+          <p:cNvSpPr txBox="1"/>
+          <p:nvPr/>
+        </p:nvSpPr>
+        <p:spPr>
+          <a:xfrm>
+            <a:off x="2497873" y="143435"/>
+            <a:ext cx="6188927" cy="1138773"/>
+          </a:xfrm>
+          <a:prstGeom prst="rect">
+            <a:avLst/>
+          </a:prstGeom>
+          <a:noFill/>
+          <a:ln>
+            <a:noFill/>
+          </a:ln>
+          <a:effectLst>
+            <a:glow rad="63500">
+              <a:schemeClr val="accent4">
+                <a:satMod val="175000"/>
+                <a:alpha val="40000"/>
+              </a:schemeClr>
+            </a:glow>
+            <a:outerShdw blurRad="50800" dist="38100" dir="5400000" algn="t" rotWithShape="0">
+              <a:prstClr val="black">
+                <a:alpha val="40000"/>
+              </a:prstClr>
+            </a:outerShdw>
+          </a:effectLst>
+          <a:scene3d>
+            <a:camera prst="orthographicFront">
+              <a:rot lat="0" lon="0" rev="0"/>
+            </a:camera>
+            <a:lightRig rig="soft" dir="t">
+              <a:rot lat="0" lon="0" rev="0"/>
+            </a:lightRig>
+          </a:scene3d>
+          <a:sp3d contourW="44450" prstMaterial="matte">
+            <a:bevelT w="63500" h="63500" prst="artDeco"/>
+            <a:contourClr>
+              <a:srgbClr val="FFFFFF"/>
+            </a:contourClr>
+          </a:sp3d>
+        </p:spPr>
+        <p:txBody>
+          <a:bodyPr wrap="square" rtlCol="0">
+            <a:spAutoFit/>
+          </a:bodyPr>
+          <a:lstStyle/>
+          <a:p>
+            <a:pPr algn="ctr"/>
+            <a:r>
+              <a:rPr lang="fr-FR" sz="3600" b="1" dirty="0">
+                <a:latin typeface="Eras Medium ITC" panose="020B0602030504020804" pitchFamily="34" charset="0"/>
+              </a:rPr>
+              <a:t>Planification Gantt           </a:t>
+            </a:r>
+            <a:r>
+              <a:rPr lang="fr-FR" sz="3200" b="1" dirty="0">
+                <a:solidFill>
+                  <a:srgbClr val="A41258"/>
+                </a:solidFill>
+                <a:latin typeface="Eras Medium ITC" panose="020B0602030504020804" pitchFamily="34" charset="0"/>
+              </a:rPr>
+              <a:t>Partie commune </a:t>
+            </a:r>
+            <a:r>
+              <a:rPr lang="fr-FR" sz="3200" b="1" dirty="0">
+                <a:latin typeface="Eras Medium ITC" panose="020B0602030504020804" pitchFamily="34" charset="0"/>
+              </a:rPr>
+              <a:t>:</a:t>
+            </a:r>
+          </a:p>
+        </p:txBody>
+      </p:sp>
+      <p:pic>
+        <p:nvPicPr>
+          <p:cNvPr id="6" name="Image 5" descr="Une image contenant capture d’écran&#10;&#10;Description générée automatiquement">
+            <a:extLst>
+              <a:ext uri="{FF2B5EF4-FFF2-40B4-BE49-F238E27FC236}">
+                <a16:creationId xmlns:a16="http://schemas.microsoft.com/office/drawing/2014/main" id="{612B15C4-79FA-4966-8D88-BD60FB5BE23E}"/>
+              </a:ext>
+            </a:extLst>
+          </p:cNvPr>
+          <p:cNvPicPr>
+            <a:picLocks noChangeAspect="1"/>
+          </p:cNvPicPr>
+          <p:nvPr/>
+        </p:nvPicPr>
+        <p:blipFill>
+          <a:blip r:embed="rId3"/>
+          <a:stretch>
+            <a:fillRect/>
+          </a:stretch>
+        </p:blipFill>
+        <p:spPr>
+          <a:xfrm>
+            <a:off x="0" y="4248029"/>
+            <a:ext cx="10426390" cy="2013259"/>
+          </a:xfrm>
+          <a:prstGeom prst="rect">
+            <a:avLst/>
+          </a:prstGeom>
+          <a:ln>
+            <a:noFill/>
+          </a:ln>
+          <a:effectLst>
+            <a:outerShdw blurRad="292100" dist="139700" dir="2700000" algn="tl" rotWithShape="0">
+              <a:srgbClr val="333333">
+                <a:alpha val="65000"/>
+              </a:srgbClr>
+            </a:outerShdw>
+          </a:effectLst>
+        </p:spPr>
+      </p:pic>
+      <p:pic>
+        <p:nvPicPr>
+          <p:cNvPr id="9" name="Image 8" descr="Une image contenant capture d’écran, ordinateur&#10;&#10;Description générée automatiquement">
+            <a:extLst>
+              <a:ext uri="{FF2B5EF4-FFF2-40B4-BE49-F238E27FC236}">
+                <a16:creationId xmlns:a16="http://schemas.microsoft.com/office/drawing/2014/main" id="{FA1C4999-4C72-456A-BFF1-A458813D70F4}"/>
+              </a:ext>
+            </a:extLst>
+          </p:cNvPr>
+          <p:cNvPicPr>
+            <a:picLocks noChangeAspect="1"/>
+          </p:cNvPicPr>
+          <p:nvPr/>
+        </p:nvPicPr>
+        <p:blipFill>
+          <a:blip r:embed="rId4"/>
+          <a:stretch>
+            <a:fillRect/>
+          </a:stretch>
+        </p:blipFill>
+        <p:spPr>
+          <a:xfrm>
+            <a:off x="0" y="1442053"/>
+            <a:ext cx="10426390" cy="2335835"/>
+          </a:xfrm>
+          <a:prstGeom prst="rect">
+            <a:avLst/>
+          </a:prstGeom>
+          <a:ln>
+            <a:noFill/>
+          </a:ln>
+          <a:effectLst>
+            <a:outerShdw blurRad="292100" dist="139700" dir="2700000" algn="tl" rotWithShape="0">
+              <a:srgbClr val="333333">
+                <a:alpha val="65000"/>
+              </a:srgbClr>
+            </a:outerShdw>
+          </a:effectLst>
+        </p:spPr>
+      </p:pic>
     </p:spTree>
     <p:extLst>
       <p:ext uri="{BB962C8B-B14F-4D97-AF65-F5344CB8AC3E}">
         <p14:creationId xmlns:p14="http://schemas.microsoft.com/office/powerpoint/2010/main" val="779748466"/>
+      </p:ext>
+    </p:extLst>
+  </p:cSld>
+  <p:clrMapOvr>
+    <a:masterClrMapping/>
+  </p:clrMapOvr>
+  <mc:AlternateContent xmlns:mc="http://schemas.openxmlformats.org/markup-compatibility/2006" xmlns:p159="http://schemas.microsoft.com/office/powerpoint/2015/09/main">
+    <mc:Choice Requires="p159">
+      <p:transition xmlns:p14="http://schemas.microsoft.com/office/powerpoint/2010/main" spd="slow" p14:dur="2000">
+        <p159:morph option="byObject"/>
+      </p:transition>
+    </mc:Choice>
+    <mc:Fallback xmlns="">
+      <p:transition spd="slow">
+        <p:fade/>
+      </p:transition>
+    </mc:Fallback>
+  </mc:AlternateContent>
+</p:sld>
+</file>
+
+<file path=ppt/slides/slide18.xml><?xml version="1.0" encoding="utf-8"?>
+<p:sld xmlns:a="http://schemas.openxmlformats.org/drawingml/2006/main" xmlns:r="http://schemas.openxmlformats.org/officeDocument/2006/relationships" xmlns:p="http://schemas.openxmlformats.org/presentationml/2006/main">
+  <p:cSld>
+    <p:spTree>
+      <p:nvGrpSpPr>
+        <p:cNvPr id="1" name=""/>
+        <p:cNvGrpSpPr/>
+        <p:nvPr/>
+      </p:nvGrpSpPr>
+      <p:grpSpPr>
+        <a:xfrm>
+          <a:off x="0" y="0"/>
+          <a:ext cx="0" cy="0"/>
+          <a:chOff x="0" y="0"/>
+          <a:chExt cx="0" cy="0"/>
+        </a:xfrm>
+      </p:grpSpPr>
+      <p:pic>
+        <p:nvPicPr>
+          <p:cNvPr id="1026" name="Picture 2" descr="Image associée">
+            <a:extLst>
+              <a:ext uri="{FF2B5EF4-FFF2-40B4-BE49-F238E27FC236}">
+                <a16:creationId xmlns:a16="http://schemas.microsoft.com/office/drawing/2014/main" id="{C816F3D8-CC4C-46B3-A21E-58AE9AD30454}"/>
+              </a:ext>
+            </a:extLst>
+          </p:cNvPr>
+          <p:cNvPicPr>
+            <a:picLocks noChangeAspect="1" noChangeArrowheads="1"/>
+          </p:cNvPicPr>
+          <p:nvPr/>
+        </p:nvPicPr>
+        <p:blipFill rotWithShape="1">
+          <a:blip r:embed="rId2">
+            <a:extLst>
+              <a:ext uri="{28A0092B-C50C-407E-A947-70E740481C1C}">
+                <a14:useLocalDpi xmlns:a14="http://schemas.microsoft.com/office/drawing/2010/main" val="0"/>
+              </a:ext>
+            </a:extLst>
+          </a:blip>
+          <a:srcRect l="18677" r="15441"/>
+          <a:stretch/>
+        </p:blipFill>
+        <p:spPr bwMode="auto">
+          <a:xfrm>
+            <a:off x="143436" y="143435"/>
+            <a:ext cx="2269635" cy="609600"/>
+          </a:xfrm>
+          <a:prstGeom prst="rect">
+            <a:avLst/>
+          </a:prstGeom>
+          <a:noFill/>
+          <a:extLst>
+            <a:ext uri="{909E8E84-426E-40DD-AFC4-6F175D3DCCD1}">
+              <a14:hiddenFill xmlns:a14="http://schemas.microsoft.com/office/drawing/2010/main">
+                <a:solidFill>
+                  <a:srgbClr val="FFFFFF"/>
+                </a:solidFill>
+              </a14:hiddenFill>
+            </a:ext>
+          </a:extLst>
+        </p:spPr>
+      </p:pic>
+      <p:sp>
+        <p:nvSpPr>
+          <p:cNvPr id="3" name="ZoneTexte 2">
+            <a:extLst>
+              <a:ext uri="{FF2B5EF4-FFF2-40B4-BE49-F238E27FC236}">
+                <a16:creationId xmlns:a16="http://schemas.microsoft.com/office/drawing/2014/main" id="{1582123C-25BF-42F1-97F8-35FFB48DFFAA}"/>
+              </a:ext>
+            </a:extLst>
+          </p:cNvPr>
+          <p:cNvSpPr txBox="1"/>
+          <p:nvPr/>
+        </p:nvSpPr>
+        <p:spPr>
+          <a:xfrm>
+            <a:off x="2477079" y="168260"/>
+            <a:ext cx="6848856" cy="584775"/>
+          </a:xfrm>
+          <a:prstGeom prst="rect">
+            <a:avLst/>
+          </a:prstGeom>
+          <a:noFill/>
+          <a:ln>
+            <a:noFill/>
+          </a:ln>
+          <a:effectLst>
+            <a:glow rad="63500">
+              <a:schemeClr val="accent4">
+                <a:satMod val="175000"/>
+                <a:alpha val="40000"/>
+              </a:schemeClr>
+            </a:glow>
+            <a:outerShdw blurRad="50800" dist="38100" dir="5400000" algn="t" rotWithShape="0">
+              <a:prstClr val="black">
+                <a:alpha val="40000"/>
+              </a:prstClr>
+            </a:outerShdw>
+          </a:effectLst>
+          <a:scene3d>
+            <a:camera prst="orthographicFront">
+              <a:rot lat="0" lon="0" rev="0"/>
+            </a:camera>
+            <a:lightRig rig="soft" dir="t">
+              <a:rot lat="0" lon="0" rev="0"/>
+            </a:lightRig>
+          </a:scene3d>
+          <a:sp3d contourW="44450" prstMaterial="matte">
+            <a:bevelT w="63500" h="63500" prst="artDeco"/>
+            <a:contourClr>
+              <a:srgbClr val="FFFFFF"/>
+            </a:contourClr>
+          </a:sp3d>
+        </p:spPr>
+        <p:txBody>
+          <a:bodyPr wrap="square" rtlCol="0">
+            <a:spAutoFit/>
+          </a:bodyPr>
+          <a:lstStyle/>
+          <a:p>
+            <a:pPr algn="ctr"/>
+            <a:r>
+              <a:rPr lang="fr-FR" sz="3200" b="1" dirty="0">
+                <a:latin typeface="Eras Medium ITC" panose="020B0602030504020804" pitchFamily="34" charset="0"/>
+              </a:rPr>
+              <a:t>Planification Gantt - </a:t>
+            </a:r>
+            <a:r>
+              <a:rPr lang="fr-FR" sz="2800" b="1" dirty="0">
+                <a:solidFill>
+                  <a:srgbClr val="A41258"/>
+                </a:solidFill>
+                <a:latin typeface="Eras Medium ITC" panose="020B0602030504020804" pitchFamily="34" charset="0"/>
+              </a:rPr>
+              <a:t>Partie personnelle </a:t>
+            </a:r>
+            <a:r>
+              <a:rPr lang="fr-FR" sz="2800" b="1" dirty="0">
+                <a:latin typeface="Eras Medium ITC" panose="020B0602030504020804" pitchFamily="34" charset="0"/>
+              </a:rPr>
+              <a:t>:</a:t>
+            </a:r>
+          </a:p>
+        </p:txBody>
+      </p:sp>
+      <p:pic>
+        <p:nvPicPr>
+          <p:cNvPr id="4" name="Image 3">
+            <a:extLst>
+              <a:ext uri="{FF2B5EF4-FFF2-40B4-BE49-F238E27FC236}">
+                <a16:creationId xmlns:a16="http://schemas.microsoft.com/office/drawing/2014/main" id="{62B69717-E633-4EC8-B3A1-6EC9DF2156A9}"/>
+              </a:ext>
+            </a:extLst>
+          </p:cNvPr>
+          <p:cNvPicPr>
+            <a:picLocks noChangeAspect="1"/>
+          </p:cNvPicPr>
+          <p:nvPr/>
+        </p:nvPicPr>
+        <p:blipFill>
+          <a:blip r:embed="rId3"/>
+          <a:stretch>
+            <a:fillRect/>
+          </a:stretch>
+        </p:blipFill>
+        <p:spPr>
+          <a:xfrm>
+            <a:off x="107048" y="802102"/>
+            <a:ext cx="9539303" cy="5912463"/>
+          </a:xfrm>
+          <a:prstGeom prst="rect">
+            <a:avLst/>
+          </a:prstGeom>
+          <a:ln>
+            <a:noFill/>
+          </a:ln>
+          <a:effectLst>
+            <a:outerShdw blurRad="292100" dist="139700" dir="2700000" algn="tl" rotWithShape="0">
+              <a:srgbClr val="333333">
+                <a:alpha val="65000"/>
+              </a:srgbClr>
+            </a:outerShdw>
+          </a:effectLst>
+        </p:spPr>
+      </p:pic>
+    </p:spTree>
+    <p:extLst>
+      <p:ext uri="{BB962C8B-B14F-4D97-AF65-F5344CB8AC3E}">
+        <p14:creationId xmlns:p14="http://schemas.microsoft.com/office/powerpoint/2010/main" val="1042172690"/>
       </p:ext>
     </p:extLst>
   </p:cSld>
@@ -13256,57 +14459,12 @@
           <a:chExt cx="0" cy="0"/>
         </a:xfrm>
       </p:grpSpPr>
-      <p:pic>
-        <p:nvPicPr>
-          <p:cNvPr id="1026" name="Picture 2" descr="Image associée">
+      <p:sp>
+        <p:nvSpPr>
+          <p:cNvPr id="4" name="ZoneTexte 3">
             <a:extLst>
               <a:ext uri="{FF2B5EF4-FFF2-40B4-BE49-F238E27FC236}">
-                <a16:creationId xmlns:a16="http://schemas.microsoft.com/office/drawing/2014/main" id="{C816F3D8-CC4C-46B3-A21E-58AE9AD30454}"/>
-              </a:ext>
-            </a:extLst>
-          </p:cNvPr>
-          <p:cNvPicPr>
-            <a:picLocks noChangeAspect="1" noChangeArrowheads="1"/>
-          </p:cNvPicPr>
-          <p:nvPr/>
-        </p:nvPicPr>
-        <p:blipFill rotWithShape="1">
-          <a:blip r:embed="rId2">
-            <a:extLst>
-              <a:ext uri="{28A0092B-C50C-407E-A947-70E740481C1C}">
-                <a14:useLocalDpi xmlns:a14="http://schemas.microsoft.com/office/drawing/2010/main" val="0"/>
-              </a:ext>
-            </a:extLst>
-          </a:blip>
-          <a:srcRect l="18677" r="15441"/>
-          <a:stretch/>
-        </p:blipFill>
-        <p:spPr bwMode="auto">
-          <a:xfrm>
-            <a:off x="143436" y="143435"/>
-            <a:ext cx="2269635" cy="609600"/>
-          </a:xfrm>
-          <a:prstGeom prst="rect">
-            <a:avLst/>
-          </a:prstGeom>
-          <a:noFill/>
-          <a:extLst>
-            <a:ext uri="{909E8E84-426E-40DD-AFC4-6F175D3DCCD1}">
-              <a14:hiddenFill xmlns:a14="http://schemas.microsoft.com/office/drawing/2010/main">
-                <a:solidFill>
-                  <a:srgbClr val="FFFFFF"/>
-                </a:solidFill>
-              </a14:hiddenFill>
-            </a:ext>
-          </a:extLst>
-        </p:spPr>
-      </p:pic>
-      <p:sp>
-        <p:nvSpPr>
-          <p:cNvPr id="3" name="ZoneTexte 2">
-            <a:extLst>
-              <a:ext uri="{FF2B5EF4-FFF2-40B4-BE49-F238E27FC236}">
-                <a16:creationId xmlns:a16="http://schemas.microsoft.com/office/drawing/2014/main" id="{16637F4C-A45D-4A64-84F7-746FFFD316BB}"/>
+                <a16:creationId xmlns:a16="http://schemas.microsoft.com/office/drawing/2014/main" id="{B996E070-5299-461D-9259-6BD38B8072A0}"/>
               </a:ext>
             </a:extLst>
           </p:cNvPr>
@@ -13315,8 +14473,8 @@
         </p:nvSpPr>
         <p:spPr>
           <a:xfrm>
-            <a:off x="-106043" y="2836021"/>
-            <a:ext cx="3242435" cy="646331"/>
+            <a:off x="3323065" y="103221"/>
+            <a:ext cx="5698272" cy="1138773"/>
           </a:xfrm>
           <a:prstGeom prst="rect">
             <a:avLst/>
@@ -13361,107 +14519,35 @@
           <a:p>
             <a:pPr algn="ctr"/>
             <a:r>
-              <a:rPr lang="fr-FR" sz="2000" b="1" dirty="0">
+              <a:rPr lang="fr-FR" sz="3600" b="1" dirty="0">
                 <a:latin typeface="Eras Medium ITC" panose="020B0602030504020804" pitchFamily="34" charset="0"/>
               </a:rPr>
-              <a:t>Diagramme de séquence : </a:t>
-            </a:r>
-            <a:r>
-              <a:rPr lang="fr-FR" sz="1600" b="1" dirty="0">
+              <a:t>Application de supervision </a:t>
+            </a:r>
+            <a:r>
+              <a:rPr lang="fr-FR" sz="2800" b="1" dirty="0">
                 <a:solidFill>
                   <a:srgbClr val="A41258"/>
                 </a:solidFill>
                 <a:latin typeface="Eras Medium ITC" panose="020B0602030504020804" pitchFamily="34" charset="0"/>
               </a:rPr>
-              <a:t>Lancement d’une partie</a:t>
-            </a:r>
-            <a:endParaRPr lang="fr-FR" b="1" dirty="0">
-              <a:solidFill>
-                <a:srgbClr val="A41258"/>
-              </a:solidFill>
-              <a:latin typeface="Eras Medium ITC" panose="020B0602030504020804" pitchFamily="34" charset="0"/>
-            </a:endParaRPr>
+              <a:t>Lancer une partie </a:t>
+            </a:r>
+            <a:r>
+              <a:rPr lang="fr-FR" sz="3200" b="1" dirty="0">
+                <a:latin typeface="Eras Medium ITC" panose="020B0602030504020804" pitchFamily="34" charset="0"/>
+              </a:rPr>
+              <a:t>:</a:t>
+            </a:r>
           </a:p>
         </p:txBody>
       </p:sp>
       <p:pic>
         <p:nvPicPr>
-          <p:cNvPr id="2" name="Image 1">
+          <p:cNvPr id="5" name="Picture 2" descr="Image associée">
             <a:extLst>
               <a:ext uri="{FF2B5EF4-FFF2-40B4-BE49-F238E27FC236}">
-                <a16:creationId xmlns:a16="http://schemas.microsoft.com/office/drawing/2014/main" id="{EB85B4BA-1247-4132-A680-7202937A7093}"/>
-              </a:ext>
-            </a:extLst>
-          </p:cNvPr>
-          <p:cNvPicPr>
-            <a:picLocks noChangeAspect="1"/>
-          </p:cNvPicPr>
-          <p:nvPr/>
-        </p:nvPicPr>
-        <p:blipFill>
-          <a:blip r:embed="rId3"/>
-          <a:stretch>
-            <a:fillRect/>
-          </a:stretch>
-        </p:blipFill>
-        <p:spPr>
-          <a:xfrm>
-            <a:off x="2412013" y="-119099"/>
-            <a:ext cx="7367973" cy="6977099"/>
-          </a:xfrm>
-          <a:prstGeom prst="rect">
-            <a:avLst/>
-          </a:prstGeom>
-        </p:spPr>
-      </p:pic>
-    </p:spTree>
-    <p:extLst>
-      <p:ext uri="{BB962C8B-B14F-4D97-AF65-F5344CB8AC3E}">
-        <p14:creationId xmlns:p14="http://schemas.microsoft.com/office/powerpoint/2010/main" val="1236978261"/>
-      </p:ext>
-    </p:extLst>
-  </p:cSld>
-  <p:clrMapOvr>
-    <a:masterClrMapping/>
-  </p:clrMapOvr>
-  <mc:AlternateContent xmlns:mc="http://schemas.openxmlformats.org/markup-compatibility/2006" xmlns:p159="http://schemas.microsoft.com/office/powerpoint/2015/09/main">
-    <mc:Choice Requires="p159">
-      <p:transition xmlns:p14="http://schemas.microsoft.com/office/powerpoint/2010/main" spd="slow" p14:dur="2000">
-        <p159:morph option="byObject"/>
-      </p:transition>
-    </mc:Choice>
-    <mc:Fallback xmlns="">
-      <p:transition spd="slow">
-        <p:fade/>
-      </p:transition>
-    </mc:Fallback>
-  </mc:AlternateContent>
-</p:sld>
-</file>
-
-<file path=ppt/slides/slide9.xml><?xml version="1.0" encoding="utf-8"?>
-<p:sld xmlns:a="http://schemas.openxmlformats.org/drawingml/2006/main" xmlns:r="http://schemas.openxmlformats.org/officeDocument/2006/relationships" xmlns:p="http://schemas.openxmlformats.org/presentationml/2006/main">
-  <p:cSld>
-    <p:spTree>
-      <p:nvGrpSpPr>
-        <p:cNvPr id="1" name=""/>
-        <p:cNvGrpSpPr/>
-        <p:nvPr/>
-      </p:nvGrpSpPr>
-      <p:grpSpPr>
-        <a:xfrm>
-          <a:off x="0" y="0"/>
-          <a:ext cx="0" cy="0"/>
-          <a:chOff x="0" y="0"/>
-          <a:chExt cx="0" cy="0"/>
-        </a:xfrm>
-      </p:grpSpPr>
-      <p:pic>
-        <p:nvPicPr>
-          <p:cNvPr id="1026" name="Picture 2" descr="Image associée">
-            <a:extLst>
-              <a:ext uri="{FF2B5EF4-FFF2-40B4-BE49-F238E27FC236}">
-                <a16:creationId xmlns:a16="http://schemas.microsoft.com/office/drawing/2014/main" id="{C816F3D8-CC4C-46B3-A21E-58AE9AD30454}"/>
+                <a16:creationId xmlns:a16="http://schemas.microsoft.com/office/drawing/2014/main" id="{42980D13-27EB-407A-A911-1179305F49FC}"/>
               </a:ext>
             </a:extLst>
           </p:cNvPr>
@@ -13501,12 +14587,81 @@
           </a:extLst>
         </p:spPr>
       </p:pic>
+      <p:pic>
+        <p:nvPicPr>
+          <p:cNvPr id="6" name="Image 5">
+            <a:extLst>
+              <a:ext uri="{FF2B5EF4-FFF2-40B4-BE49-F238E27FC236}">
+                <a16:creationId xmlns:a16="http://schemas.microsoft.com/office/drawing/2014/main" id="{2DF70B55-D409-4D06-BEFE-77DF00988E09}"/>
+              </a:ext>
+            </a:extLst>
+          </p:cNvPr>
+          <p:cNvPicPr>
+            <a:picLocks noChangeAspect="1"/>
+          </p:cNvPicPr>
+          <p:nvPr/>
+        </p:nvPicPr>
+        <p:blipFill rotWithShape="1">
+          <a:blip r:embed="rId3"/>
+          <a:srcRect r="549" b="931"/>
+          <a:stretch/>
+        </p:blipFill>
+        <p:spPr>
+          <a:xfrm>
+            <a:off x="2413071" y="1416204"/>
+            <a:ext cx="4837835" cy="5015552"/>
+          </a:xfrm>
+          <a:prstGeom prst="rect">
+            <a:avLst/>
+          </a:prstGeom>
+          <a:ln>
+            <a:noFill/>
+          </a:ln>
+          <a:effectLst>
+            <a:outerShdw blurRad="292100" dist="139700" dir="2700000" algn="tl" rotWithShape="0">
+              <a:srgbClr val="333333">
+                <a:alpha val="65000"/>
+              </a:srgbClr>
+            </a:outerShdw>
+          </a:effectLst>
+        </p:spPr>
+      </p:pic>
+    </p:spTree>
+    <p:extLst>
+      <p:ext uri="{BB962C8B-B14F-4D97-AF65-F5344CB8AC3E}">
+        <p14:creationId xmlns:p14="http://schemas.microsoft.com/office/powerpoint/2010/main" val="2860333650"/>
+      </p:ext>
+    </p:extLst>
+  </p:cSld>
+  <p:clrMapOvr>
+    <a:masterClrMapping/>
+  </p:clrMapOvr>
+</p:sld>
+</file>
+
+<file path=ppt/slides/slide9.xml><?xml version="1.0" encoding="utf-8"?>
+<p:sld xmlns:a="http://schemas.openxmlformats.org/drawingml/2006/main" xmlns:r="http://schemas.openxmlformats.org/officeDocument/2006/relationships" xmlns:p="http://schemas.openxmlformats.org/presentationml/2006/main">
+  <p:cSld>
+    <p:spTree>
+      <p:nvGrpSpPr>
+        <p:cNvPr id="1" name=""/>
+        <p:cNvGrpSpPr/>
+        <p:nvPr/>
+      </p:nvGrpSpPr>
+      <p:grpSpPr>
+        <a:xfrm>
+          <a:off x="0" y="0"/>
+          <a:ext cx="0" cy="0"/>
+          <a:chOff x="0" y="0"/>
+          <a:chExt cx="0" cy="0"/>
+        </a:xfrm>
+      </p:grpSpPr>
       <p:sp>
         <p:nvSpPr>
-          <p:cNvPr id="5" name="ZoneTexte 4">
+          <p:cNvPr id="4" name="ZoneTexte 3">
             <a:extLst>
               <a:ext uri="{FF2B5EF4-FFF2-40B4-BE49-F238E27FC236}">
-                <a16:creationId xmlns:a16="http://schemas.microsoft.com/office/drawing/2014/main" id="{DE4D560C-9537-428C-82EA-D1E94E276955}"/>
+                <a16:creationId xmlns:a16="http://schemas.microsoft.com/office/drawing/2014/main" id="{B996E070-5299-461D-9259-6BD38B8072A0}"/>
               </a:ext>
             </a:extLst>
           </p:cNvPr>
@@ -13515,8 +14670,8 @@
         </p:nvSpPr>
         <p:spPr>
           <a:xfrm>
-            <a:off x="3560382" y="125069"/>
-            <a:ext cx="3242435" cy="646331"/>
+            <a:off x="3323065" y="103221"/>
+            <a:ext cx="5698272" cy="1138773"/>
           </a:xfrm>
           <a:prstGeom prst="rect">
             <a:avLst/>
@@ -13561,35 +14716,89 @@
           <a:p>
             <a:pPr algn="ctr"/>
             <a:r>
-              <a:rPr lang="fr-FR" sz="2000" b="1" dirty="0">
+              <a:rPr lang="fr-FR" sz="3600" b="1" dirty="0">
                 <a:latin typeface="Eras Medium ITC" panose="020B0602030504020804" pitchFamily="34" charset="0"/>
               </a:rPr>
-              <a:t>Diagramme de séquence : </a:t>
-            </a:r>
-            <a:r>
-              <a:rPr lang="fr-FR" sz="1600" b="1" dirty="0">
+              <a:t>Application de supervision </a:t>
+            </a:r>
+            <a:r>
+              <a:rPr lang="fr-FR" sz="2800" b="1" dirty="0" err="1">
                 <a:solidFill>
                   <a:srgbClr val="A41258"/>
                 </a:solidFill>
                 <a:latin typeface="Eras Medium ITC" panose="020B0602030504020804" pitchFamily="34" charset="0"/>
               </a:rPr>
-              <a:t>Envoi d’un message</a:t>
-            </a:r>
-            <a:endParaRPr lang="fr-FR" b="1" dirty="0">
-              <a:solidFill>
-                <a:srgbClr val="A41258"/>
-              </a:solidFill>
-              <a:latin typeface="Eras Medium ITC" panose="020B0602030504020804" pitchFamily="34" charset="0"/>
-            </a:endParaRPr>
+              <a:t>Supervision</a:t>
+            </a:r>
+            <a:r>
+              <a:rPr lang="fr-FR" sz="2800" b="1" dirty="0">
+                <a:solidFill>
+                  <a:srgbClr val="A41258"/>
+                </a:solidFill>
+                <a:latin typeface="Eras Medium ITC" panose="020B0602030504020804" pitchFamily="34" charset="0"/>
+              </a:rPr>
+              <a:t> </a:t>
+            </a:r>
+            <a:r>
+              <a:rPr lang="fr-FR" sz="3200" b="1" dirty="0">
+                <a:latin typeface="Eras Medium ITC" panose="020B0602030504020804" pitchFamily="34" charset="0"/>
+              </a:rPr>
+              <a:t>:</a:t>
+            </a:r>
           </a:p>
         </p:txBody>
       </p:sp>
       <p:pic>
         <p:nvPicPr>
-          <p:cNvPr id="4" name="Image 3">
+          <p:cNvPr id="5" name="Picture 2" descr="Image associée">
             <a:extLst>
               <a:ext uri="{FF2B5EF4-FFF2-40B4-BE49-F238E27FC236}">
-                <a16:creationId xmlns:a16="http://schemas.microsoft.com/office/drawing/2014/main" id="{23D5BB14-85E0-47B6-9674-A8E0DB36C8AC}"/>
+                <a16:creationId xmlns:a16="http://schemas.microsoft.com/office/drawing/2014/main" id="{42980D13-27EB-407A-A911-1179305F49FC}"/>
+              </a:ext>
+            </a:extLst>
+          </p:cNvPr>
+          <p:cNvPicPr>
+            <a:picLocks noChangeAspect="1" noChangeArrowheads="1"/>
+          </p:cNvPicPr>
+          <p:nvPr/>
+        </p:nvPicPr>
+        <p:blipFill rotWithShape="1">
+          <a:blip r:embed="rId2">
+            <a:extLst>
+              <a:ext uri="{28A0092B-C50C-407E-A947-70E740481C1C}">
+                <a14:useLocalDpi xmlns:a14="http://schemas.microsoft.com/office/drawing/2010/main" val="0"/>
+              </a:ext>
+            </a:extLst>
+          </a:blip>
+          <a:srcRect l="18677" r="15441"/>
+          <a:stretch/>
+        </p:blipFill>
+        <p:spPr bwMode="auto">
+          <a:xfrm>
+            <a:off x="143436" y="143435"/>
+            <a:ext cx="2269635" cy="609600"/>
+          </a:xfrm>
+          <a:prstGeom prst="rect">
+            <a:avLst/>
+          </a:prstGeom>
+          <a:noFill/>
+          <a:extLst>
+            <a:ext uri="{909E8E84-426E-40DD-AFC4-6F175D3DCCD1}">
+              <a14:hiddenFill xmlns:a14="http://schemas.microsoft.com/office/drawing/2010/main">
+                <a:solidFill>
+                  <a:srgbClr val="FFFFFF"/>
+                </a:solidFill>
+              </a14:hiddenFill>
+            </a:ext>
+          </a:extLst>
+        </p:spPr>
+      </p:pic>
+      <p:pic>
+        <p:nvPicPr>
+          <p:cNvPr id="2" name="Image 1">
+            <a:extLst>
+              <a:ext uri="{FF2B5EF4-FFF2-40B4-BE49-F238E27FC236}">
+                <a16:creationId xmlns:a16="http://schemas.microsoft.com/office/drawing/2014/main" id="{66C1DE2A-C142-4ED2-9E13-DCFA37058D76}"/>
               </a:ext>
             </a:extLst>
           </p:cNvPr>
@@ -13598,43 +14807,42 @@
           </p:cNvPicPr>
           <p:nvPr/>
         </p:nvPicPr>
-        <p:blipFill rotWithShape="1">
+        <p:blipFill>
           <a:blip r:embed="rId3"/>
-          <a:srcRect t="4014"/>
-          <a:stretch/>
+          <a:stretch>
+            <a:fillRect/>
+          </a:stretch>
         </p:blipFill>
         <p:spPr>
           <a:xfrm>
-            <a:off x="143436" y="753035"/>
-            <a:ext cx="9576636" cy="6112494"/>
+            <a:off x="813034" y="1241994"/>
+            <a:ext cx="7722875" cy="5111496"/>
           </a:xfrm>
           <a:prstGeom prst="rect">
             <a:avLst/>
           </a:prstGeom>
+          <a:ln>
+            <a:noFill/>
+          </a:ln>
+          <a:effectLst>
+            <a:outerShdw blurRad="292100" dist="139700" dir="2700000" algn="tl" rotWithShape="0">
+              <a:srgbClr val="333333">
+                <a:alpha val="65000"/>
+              </a:srgbClr>
+            </a:outerShdw>
+          </a:effectLst>
         </p:spPr>
       </p:pic>
     </p:spTree>
     <p:extLst>
       <p:ext uri="{BB962C8B-B14F-4D97-AF65-F5344CB8AC3E}">
-        <p14:creationId xmlns:p14="http://schemas.microsoft.com/office/powerpoint/2010/main" val="2695738063"/>
+        <p14:creationId xmlns:p14="http://schemas.microsoft.com/office/powerpoint/2010/main" val="428774615"/>
       </p:ext>
     </p:extLst>
   </p:cSld>
   <p:clrMapOvr>
     <a:masterClrMapping/>
   </p:clrMapOvr>
-  <mc:AlternateContent xmlns:mc="http://schemas.openxmlformats.org/markup-compatibility/2006" xmlns:p159="http://schemas.microsoft.com/office/powerpoint/2015/09/main">
-    <mc:Choice Requires="p159">
-      <p:transition xmlns:p14="http://schemas.microsoft.com/office/powerpoint/2010/main" spd="slow" p14:dur="2000">
-        <p159:morph option="byObject"/>
-      </p:transition>
-    </mc:Choice>
-    <mc:Fallback xmlns="">
-      <p:transition spd="slow">
-        <p:fade/>
-      </p:transition>
-    </mc:Fallback>
-  </mc:AlternateContent>
 </p:sld>
 </file>
 

--- a/Nathan/Compte-rendus/REVUE-R2-GUIGAND-SFL6.pptx
+++ b/Nathan/Compte-rendus/REVUE-R2-GUIGAND-SFL6.pptx
@@ -10,17 +10,17 @@
     <p:sldId id="259" r:id="rId4"/>
     <p:sldId id="270" r:id="rId5"/>
     <p:sldId id="271" r:id="rId6"/>
-    <p:sldId id="269" r:id="rId7"/>
-    <p:sldId id="266" r:id="rId8"/>
-    <p:sldId id="274" r:id="rId9"/>
-    <p:sldId id="275" r:id="rId10"/>
-    <p:sldId id="276" r:id="rId11"/>
-    <p:sldId id="261" r:id="rId12"/>
-    <p:sldId id="264" r:id="rId13"/>
-    <p:sldId id="267" r:id="rId14"/>
-    <p:sldId id="265" r:id="rId15"/>
-    <p:sldId id="273" r:id="rId16"/>
-    <p:sldId id="262" r:id="rId17"/>
+    <p:sldId id="262" r:id="rId7"/>
+    <p:sldId id="269" r:id="rId8"/>
+    <p:sldId id="266" r:id="rId9"/>
+    <p:sldId id="274" r:id="rId10"/>
+    <p:sldId id="275" r:id="rId11"/>
+    <p:sldId id="276" r:id="rId12"/>
+    <p:sldId id="261" r:id="rId13"/>
+    <p:sldId id="264" r:id="rId14"/>
+    <p:sldId id="267" r:id="rId15"/>
+    <p:sldId id="265" r:id="rId16"/>
+    <p:sldId id="273" r:id="rId17"/>
     <p:sldId id="263" r:id="rId18"/>
     <p:sldId id="272" r:id="rId19"/>
   </p:sldIdLst>
@@ -10117,6 +10117,213 @@
               <a:t>Application de supervision </a:t>
             </a:r>
             <a:r>
+              <a:rPr lang="fr-FR" sz="2800" b="1" dirty="0" err="1">
+                <a:solidFill>
+                  <a:srgbClr val="A41258"/>
+                </a:solidFill>
+                <a:latin typeface="Eras Medium ITC" panose="020B0602030504020804" pitchFamily="34" charset="0"/>
+              </a:rPr>
+              <a:t>Supervision</a:t>
+            </a:r>
+            <a:r>
+              <a:rPr lang="fr-FR" sz="2800" b="1" dirty="0">
+                <a:solidFill>
+                  <a:srgbClr val="A41258"/>
+                </a:solidFill>
+                <a:latin typeface="Eras Medium ITC" panose="020B0602030504020804" pitchFamily="34" charset="0"/>
+              </a:rPr>
+              <a:t> </a:t>
+            </a:r>
+            <a:r>
+              <a:rPr lang="fr-FR" sz="3200" b="1" dirty="0">
+                <a:latin typeface="Eras Medium ITC" panose="020B0602030504020804" pitchFamily="34" charset="0"/>
+              </a:rPr>
+              <a:t>:</a:t>
+            </a:r>
+          </a:p>
+        </p:txBody>
+      </p:sp>
+      <p:pic>
+        <p:nvPicPr>
+          <p:cNvPr id="5" name="Picture 2" descr="Image associée">
+            <a:extLst>
+              <a:ext uri="{FF2B5EF4-FFF2-40B4-BE49-F238E27FC236}">
+                <a16:creationId xmlns:a16="http://schemas.microsoft.com/office/drawing/2014/main" id="{42980D13-27EB-407A-A911-1179305F49FC}"/>
+              </a:ext>
+            </a:extLst>
+          </p:cNvPr>
+          <p:cNvPicPr>
+            <a:picLocks noChangeAspect="1" noChangeArrowheads="1"/>
+          </p:cNvPicPr>
+          <p:nvPr/>
+        </p:nvPicPr>
+        <p:blipFill rotWithShape="1">
+          <a:blip r:embed="rId2">
+            <a:extLst>
+              <a:ext uri="{28A0092B-C50C-407E-A947-70E740481C1C}">
+                <a14:useLocalDpi xmlns:a14="http://schemas.microsoft.com/office/drawing/2010/main" val="0"/>
+              </a:ext>
+            </a:extLst>
+          </a:blip>
+          <a:srcRect l="18677" r="15441"/>
+          <a:stretch/>
+        </p:blipFill>
+        <p:spPr bwMode="auto">
+          <a:xfrm>
+            <a:off x="143436" y="143435"/>
+            <a:ext cx="2269635" cy="609600"/>
+          </a:xfrm>
+          <a:prstGeom prst="rect">
+            <a:avLst/>
+          </a:prstGeom>
+          <a:noFill/>
+          <a:extLst>
+            <a:ext uri="{909E8E84-426E-40DD-AFC4-6F175D3DCCD1}">
+              <a14:hiddenFill xmlns:a14="http://schemas.microsoft.com/office/drawing/2010/main">
+                <a:solidFill>
+                  <a:srgbClr val="FFFFFF"/>
+                </a:solidFill>
+              </a14:hiddenFill>
+            </a:ext>
+          </a:extLst>
+        </p:spPr>
+      </p:pic>
+      <p:pic>
+        <p:nvPicPr>
+          <p:cNvPr id="2" name="Image 1">
+            <a:extLst>
+              <a:ext uri="{FF2B5EF4-FFF2-40B4-BE49-F238E27FC236}">
+                <a16:creationId xmlns:a16="http://schemas.microsoft.com/office/drawing/2014/main" id="{66C1DE2A-C142-4ED2-9E13-DCFA37058D76}"/>
+              </a:ext>
+            </a:extLst>
+          </p:cNvPr>
+          <p:cNvPicPr>
+            <a:picLocks noChangeAspect="1"/>
+          </p:cNvPicPr>
+          <p:nvPr/>
+        </p:nvPicPr>
+        <p:blipFill>
+          <a:blip r:embed="rId3"/>
+          <a:stretch>
+            <a:fillRect/>
+          </a:stretch>
+        </p:blipFill>
+        <p:spPr>
+          <a:xfrm>
+            <a:off x="813034" y="1241994"/>
+            <a:ext cx="7722875" cy="5111496"/>
+          </a:xfrm>
+          <a:prstGeom prst="rect">
+            <a:avLst/>
+          </a:prstGeom>
+          <a:ln>
+            <a:noFill/>
+          </a:ln>
+          <a:effectLst>
+            <a:outerShdw blurRad="292100" dist="139700" dir="2700000" algn="tl" rotWithShape="0">
+              <a:srgbClr val="333333">
+                <a:alpha val="65000"/>
+              </a:srgbClr>
+            </a:outerShdw>
+          </a:effectLst>
+        </p:spPr>
+      </p:pic>
+    </p:spTree>
+    <p:extLst>
+      <p:ext uri="{BB962C8B-B14F-4D97-AF65-F5344CB8AC3E}">
+        <p14:creationId xmlns:p14="http://schemas.microsoft.com/office/powerpoint/2010/main" val="428774615"/>
+      </p:ext>
+    </p:extLst>
+  </p:cSld>
+  <p:clrMapOvr>
+    <a:masterClrMapping/>
+  </p:clrMapOvr>
+</p:sld>
+</file>
+
+<file path=ppt/slides/slide11.xml><?xml version="1.0" encoding="utf-8"?>
+<p:sld xmlns:a="http://schemas.openxmlformats.org/drawingml/2006/main" xmlns:r="http://schemas.openxmlformats.org/officeDocument/2006/relationships" xmlns:p="http://schemas.openxmlformats.org/presentationml/2006/main">
+  <p:cSld>
+    <p:spTree>
+      <p:nvGrpSpPr>
+        <p:cNvPr id="1" name=""/>
+        <p:cNvGrpSpPr/>
+        <p:nvPr/>
+      </p:nvGrpSpPr>
+      <p:grpSpPr>
+        <a:xfrm>
+          <a:off x="0" y="0"/>
+          <a:ext cx="0" cy="0"/>
+          <a:chOff x="0" y="0"/>
+          <a:chExt cx="0" cy="0"/>
+        </a:xfrm>
+      </p:grpSpPr>
+      <p:sp>
+        <p:nvSpPr>
+          <p:cNvPr id="4" name="ZoneTexte 3">
+            <a:extLst>
+              <a:ext uri="{FF2B5EF4-FFF2-40B4-BE49-F238E27FC236}">
+                <a16:creationId xmlns:a16="http://schemas.microsoft.com/office/drawing/2014/main" id="{B996E070-5299-461D-9259-6BD38B8072A0}"/>
+              </a:ext>
+            </a:extLst>
+          </p:cNvPr>
+          <p:cNvSpPr txBox="1"/>
+          <p:nvPr/>
+        </p:nvSpPr>
+        <p:spPr>
+          <a:xfrm>
+            <a:off x="3323065" y="103221"/>
+            <a:ext cx="5698272" cy="1138773"/>
+          </a:xfrm>
+          <a:prstGeom prst="rect">
+            <a:avLst/>
+          </a:prstGeom>
+          <a:noFill/>
+          <a:ln>
+            <a:noFill/>
+          </a:ln>
+          <a:effectLst>
+            <a:glow rad="63500">
+              <a:schemeClr val="accent4">
+                <a:satMod val="175000"/>
+                <a:alpha val="40000"/>
+              </a:schemeClr>
+            </a:glow>
+            <a:outerShdw blurRad="50800" dist="38100" dir="5400000" algn="t" rotWithShape="0">
+              <a:prstClr val="black">
+                <a:alpha val="40000"/>
+              </a:prstClr>
+            </a:outerShdw>
+          </a:effectLst>
+          <a:scene3d>
+            <a:camera prst="orthographicFront">
+              <a:rot lat="0" lon="0" rev="0"/>
+            </a:camera>
+            <a:lightRig rig="soft" dir="t">
+              <a:rot lat="0" lon="0" rev="0"/>
+            </a:lightRig>
+          </a:scene3d>
+          <a:sp3d contourW="44450" prstMaterial="matte">
+            <a:bevelT w="63500" h="63500" prst="artDeco"/>
+            <a:contourClr>
+              <a:srgbClr val="FFFFFF"/>
+            </a:contourClr>
+          </a:sp3d>
+        </p:spPr>
+        <p:txBody>
+          <a:bodyPr wrap="square" rtlCol="0">
+            <a:spAutoFit/>
+          </a:bodyPr>
+          <a:lstStyle/>
+          <a:p>
+            <a:pPr algn="ctr"/>
+            <a:r>
+              <a:rPr lang="fr-FR" sz="3600" b="1" dirty="0">
+                <a:latin typeface="Eras Medium ITC" panose="020B0602030504020804" pitchFamily="34" charset="0"/>
+              </a:rPr>
+              <a:t>Application de supervision </a:t>
+            </a:r>
+            <a:r>
               <a:rPr lang="fr-FR" sz="2800" b="1" dirty="0">
                 <a:solidFill>
                   <a:srgbClr val="A41258"/>
@@ -10272,7 +10479,7 @@
 </p:sld>
 </file>
 
-<file path=ppt/slides/slide11.xml><?xml version="1.0" encoding="utf-8"?>
+<file path=ppt/slides/slide12.xml><?xml version="1.0" encoding="utf-8"?>
 <p:sld xmlns:a="http://schemas.openxmlformats.org/drawingml/2006/main" xmlns:r="http://schemas.openxmlformats.org/officeDocument/2006/relationships" xmlns:p="http://schemas.openxmlformats.org/presentationml/2006/main">
   <p:cSld>
     <p:spTree>
@@ -10472,7 +10679,7 @@
 </p:sld>
 </file>
 
-<file path=ppt/slides/slide12.xml><?xml version="1.0" encoding="utf-8"?>
+<file path=ppt/slides/slide13.xml><?xml version="1.0" encoding="utf-8"?>
 <p:sld xmlns:a="http://schemas.openxmlformats.org/drawingml/2006/main" xmlns:r="http://schemas.openxmlformats.org/officeDocument/2006/relationships" xmlns:p="http://schemas.openxmlformats.org/presentationml/2006/main">
   <p:cSld>
     <p:spTree>
@@ -10671,7 +10878,7 @@
 </p:sld>
 </file>
 
-<file path=ppt/slides/slide13.xml><?xml version="1.0" encoding="utf-8"?>
+<file path=ppt/slides/slide14.xml><?xml version="1.0" encoding="utf-8"?>
 <p:sld xmlns:a="http://schemas.openxmlformats.org/drawingml/2006/main" xmlns:r="http://schemas.openxmlformats.org/officeDocument/2006/relationships" xmlns:p="http://schemas.openxmlformats.org/presentationml/2006/main">
   <p:cSld>
     <p:spTree>
@@ -10734,7 +10941,7 @@
 </p:sld>
 </file>
 
-<file path=ppt/slides/slide14.xml><?xml version="1.0" encoding="utf-8"?>
+<file path=ppt/slides/slide15.xml><?xml version="1.0" encoding="utf-8"?>
 <p:sld xmlns:a="http://schemas.openxmlformats.org/drawingml/2006/main" xmlns:r="http://schemas.openxmlformats.org/officeDocument/2006/relationships" xmlns:p="http://schemas.openxmlformats.org/presentationml/2006/main">
   <p:cSld>
     <p:spTree>
@@ -10934,7 +11141,7 @@
 </p:sld>
 </file>
 
-<file path=ppt/slides/slide15.xml><?xml version="1.0" encoding="utf-8"?>
+<file path=ppt/slides/slide16.xml><?xml version="1.0" encoding="utf-8"?>
 <p:sld xmlns:a="http://schemas.openxmlformats.org/drawingml/2006/main" xmlns:r="http://schemas.openxmlformats.org/officeDocument/2006/relationships" xmlns:p="http://schemas.openxmlformats.org/presentationml/2006/main">
   <p:cSld>
     <p:spTree>
@@ -11119,209 +11326,6 @@
   <p:clrMapOvr>
     <a:masterClrMapping/>
   </p:clrMapOvr>
-</p:sld>
-</file>
-
-<file path=ppt/slides/slide16.xml><?xml version="1.0" encoding="utf-8"?>
-<p:sld xmlns:a="http://schemas.openxmlformats.org/drawingml/2006/main" xmlns:r="http://schemas.openxmlformats.org/officeDocument/2006/relationships" xmlns:p="http://schemas.openxmlformats.org/presentationml/2006/main">
-  <p:cSld>
-    <p:spTree>
-      <p:nvGrpSpPr>
-        <p:cNvPr id="1" name=""/>
-        <p:cNvGrpSpPr/>
-        <p:nvPr/>
-      </p:nvGrpSpPr>
-      <p:grpSpPr>
-        <a:xfrm>
-          <a:off x="0" y="0"/>
-          <a:ext cx="0" cy="0"/>
-          <a:chOff x="0" y="0"/>
-          <a:chExt cx="0" cy="0"/>
-        </a:xfrm>
-      </p:grpSpPr>
-      <p:pic>
-        <p:nvPicPr>
-          <p:cNvPr id="1026" name="Picture 2" descr="Image associée">
-            <a:extLst>
-              <a:ext uri="{FF2B5EF4-FFF2-40B4-BE49-F238E27FC236}">
-                <a16:creationId xmlns:a16="http://schemas.microsoft.com/office/drawing/2014/main" id="{C816F3D8-CC4C-46B3-A21E-58AE9AD30454}"/>
-              </a:ext>
-            </a:extLst>
-          </p:cNvPr>
-          <p:cNvPicPr>
-            <a:picLocks noChangeAspect="1" noChangeArrowheads="1"/>
-          </p:cNvPicPr>
-          <p:nvPr/>
-        </p:nvPicPr>
-        <p:blipFill rotWithShape="1">
-          <a:blip r:embed="rId2">
-            <a:extLst>
-              <a:ext uri="{28A0092B-C50C-407E-A947-70E740481C1C}">
-                <a14:useLocalDpi xmlns:a14="http://schemas.microsoft.com/office/drawing/2010/main" val="0"/>
-              </a:ext>
-            </a:extLst>
-          </a:blip>
-          <a:srcRect l="18677" r="15441"/>
-          <a:stretch/>
-        </p:blipFill>
-        <p:spPr bwMode="auto">
-          <a:xfrm>
-            <a:off x="143436" y="143435"/>
-            <a:ext cx="2269635" cy="609600"/>
-          </a:xfrm>
-          <a:prstGeom prst="rect">
-            <a:avLst/>
-          </a:prstGeom>
-          <a:noFill/>
-          <a:extLst>
-            <a:ext uri="{909E8E84-426E-40DD-AFC4-6F175D3DCCD1}">
-              <a14:hiddenFill xmlns:a14="http://schemas.microsoft.com/office/drawing/2010/main">
-                <a:solidFill>
-                  <a:srgbClr val="FFFFFF"/>
-                </a:solidFill>
-              </a14:hiddenFill>
-            </a:ext>
-          </a:extLst>
-        </p:spPr>
-      </p:pic>
-      <p:sp>
-        <p:nvSpPr>
-          <p:cNvPr id="3" name="ZoneTexte 2">
-            <a:extLst>
-              <a:ext uri="{FF2B5EF4-FFF2-40B4-BE49-F238E27FC236}">
-                <a16:creationId xmlns:a16="http://schemas.microsoft.com/office/drawing/2014/main" id="{B5DA24B5-6993-45AE-B83E-5BA1E69FACD0}"/>
-              </a:ext>
-            </a:extLst>
-          </p:cNvPr>
-          <p:cNvSpPr txBox="1"/>
-          <p:nvPr/>
-        </p:nvSpPr>
-        <p:spPr>
-          <a:xfrm>
-            <a:off x="2816352" y="143435"/>
-            <a:ext cx="5342576" cy="646331"/>
-          </a:xfrm>
-          <a:prstGeom prst="rect">
-            <a:avLst/>
-          </a:prstGeom>
-          <a:noFill/>
-          <a:ln>
-            <a:noFill/>
-          </a:ln>
-          <a:effectLst>
-            <a:glow rad="63500">
-              <a:schemeClr val="accent4">
-                <a:satMod val="175000"/>
-                <a:alpha val="40000"/>
-              </a:schemeClr>
-            </a:glow>
-            <a:outerShdw blurRad="50800" dist="38100" dir="5400000" algn="t" rotWithShape="0">
-              <a:prstClr val="black">
-                <a:alpha val="40000"/>
-              </a:prstClr>
-            </a:outerShdw>
-          </a:effectLst>
-          <a:scene3d>
-            <a:camera prst="orthographicFront">
-              <a:rot lat="0" lon="0" rev="0"/>
-            </a:camera>
-            <a:lightRig rig="soft" dir="t">
-              <a:rot lat="0" lon="0" rev="0"/>
-            </a:lightRig>
-          </a:scene3d>
-          <a:sp3d contourW="44450" prstMaterial="matte">
-            <a:bevelT w="63500" h="63500" prst="artDeco"/>
-            <a:contourClr>
-              <a:srgbClr val="FFFFFF"/>
-            </a:contourClr>
-          </a:sp3d>
-        </p:spPr>
-        <p:txBody>
-          <a:bodyPr wrap="square" rtlCol="0">
-            <a:spAutoFit/>
-          </a:bodyPr>
-          <a:lstStyle/>
-          <a:p>
-            <a:pPr algn="ctr"/>
-            <a:r>
-              <a:rPr lang="fr-FR" sz="3600" b="1" dirty="0">
-                <a:latin typeface="Eras Medium ITC" panose="020B0602030504020804" pitchFamily="34" charset="0"/>
-              </a:rPr>
-              <a:t>Schéma du </a:t>
-            </a:r>
-            <a:r>
-              <a:rPr lang="fr-FR" sz="3600" b="1" dirty="0">
-                <a:solidFill>
-                  <a:srgbClr val="A41258"/>
-                </a:solidFill>
-                <a:latin typeface="Eras Medium ITC" panose="020B0602030504020804" pitchFamily="34" charset="0"/>
-              </a:rPr>
-              <a:t>réseau</a:t>
-            </a:r>
-            <a:r>
-              <a:rPr lang="fr-FR" sz="3600" b="1" dirty="0">
-                <a:latin typeface="Eras Medium ITC" panose="020B0602030504020804" pitchFamily="34" charset="0"/>
-              </a:rPr>
-              <a:t> :</a:t>
-            </a:r>
-            <a:endParaRPr lang="fr-FR" sz="3200" b="1" dirty="0">
-              <a:latin typeface="Eras Medium ITC" panose="020B0602030504020804" pitchFamily="34" charset="0"/>
-            </a:endParaRPr>
-          </a:p>
-        </p:txBody>
-      </p:sp>
-      <p:pic>
-        <p:nvPicPr>
-          <p:cNvPr id="2" name="Image 1">
-            <a:extLst>
-              <a:ext uri="{FF2B5EF4-FFF2-40B4-BE49-F238E27FC236}">
-                <a16:creationId xmlns:a16="http://schemas.microsoft.com/office/drawing/2014/main" id="{10D031A8-0679-4012-BA3F-648C05FE51E2}"/>
-              </a:ext>
-            </a:extLst>
-          </p:cNvPr>
-          <p:cNvPicPr>
-            <a:picLocks noChangeAspect="1"/>
-          </p:cNvPicPr>
-          <p:nvPr/>
-        </p:nvPicPr>
-        <p:blipFill>
-          <a:blip r:embed="rId3"/>
-          <a:stretch>
-            <a:fillRect/>
-          </a:stretch>
-        </p:blipFill>
-        <p:spPr>
-          <a:xfrm>
-            <a:off x="439776" y="1285754"/>
-            <a:ext cx="8697087" cy="5105173"/>
-          </a:xfrm>
-          <a:prstGeom prst="rect">
-            <a:avLst/>
-          </a:prstGeom>
-        </p:spPr>
-      </p:pic>
-    </p:spTree>
-    <p:extLst>
-      <p:ext uri="{BB962C8B-B14F-4D97-AF65-F5344CB8AC3E}">
-        <p14:creationId xmlns:p14="http://schemas.microsoft.com/office/powerpoint/2010/main" val="4044395586"/>
-      </p:ext>
-    </p:extLst>
-  </p:cSld>
-  <p:clrMapOvr>
-    <a:masterClrMapping/>
-  </p:clrMapOvr>
-  <mc:AlternateContent xmlns:mc="http://schemas.openxmlformats.org/markup-compatibility/2006" xmlns:p159="http://schemas.microsoft.com/office/powerpoint/2015/09/main">
-    <mc:Choice Requires="p159">
-      <p:transition xmlns:p14="http://schemas.microsoft.com/office/powerpoint/2010/main" spd="slow" p14:dur="2000">
-        <p159:morph option="byObject"/>
-      </p:transition>
-    </mc:Choice>
-    <mc:Fallback xmlns="">
-      <p:transition spd="slow">
-        <p:fade/>
-      </p:transition>
-    </mc:Fallback>
-  </mc:AlternateContent>
 </p:sld>
 </file>
 
@@ -13983,6 +13987,209 @@
           <a:chExt cx="0" cy="0"/>
         </a:xfrm>
       </p:grpSpPr>
+      <p:pic>
+        <p:nvPicPr>
+          <p:cNvPr id="1026" name="Picture 2" descr="Image associée">
+            <a:extLst>
+              <a:ext uri="{FF2B5EF4-FFF2-40B4-BE49-F238E27FC236}">
+                <a16:creationId xmlns:a16="http://schemas.microsoft.com/office/drawing/2014/main" id="{C816F3D8-CC4C-46B3-A21E-58AE9AD30454}"/>
+              </a:ext>
+            </a:extLst>
+          </p:cNvPr>
+          <p:cNvPicPr>
+            <a:picLocks noChangeAspect="1" noChangeArrowheads="1"/>
+          </p:cNvPicPr>
+          <p:nvPr/>
+        </p:nvPicPr>
+        <p:blipFill rotWithShape="1">
+          <a:blip r:embed="rId2">
+            <a:extLst>
+              <a:ext uri="{28A0092B-C50C-407E-A947-70E740481C1C}">
+                <a14:useLocalDpi xmlns:a14="http://schemas.microsoft.com/office/drawing/2010/main" val="0"/>
+              </a:ext>
+            </a:extLst>
+          </a:blip>
+          <a:srcRect l="18677" r="15441"/>
+          <a:stretch/>
+        </p:blipFill>
+        <p:spPr bwMode="auto">
+          <a:xfrm>
+            <a:off x="143436" y="143435"/>
+            <a:ext cx="2269635" cy="609600"/>
+          </a:xfrm>
+          <a:prstGeom prst="rect">
+            <a:avLst/>
+          </a:prstGeom>
+          <a:noFill/>
+          <a:extLst>
+            <a:ext uri="{909E8E84-426E-40DD-AFC4-6F175D3DCCD1}">
+              <a14:hiddenFill xmlns:a14="http://schemas.microsoft.com/office/drawing/2010/main">
+                <a:solidFill>
+                  <a:srgbClr val="FFFFFF"/>
+                </a:solidFill>
+              </a14:hiddenFill>
+            </a:ext>
+          </a:extLst>
+        </p:spPr>
+      </p:pic>
+      <p:sp>
+        <p:nvSpPr>
+          <p:cNvPr id="3" name="ZoneTexte 2">
+            <a:extLst>
+              <a:ext uri="{FF2B5EF4-FFF2-40B4-BE49-F238E27FC236}">
+                <a16:creationId xmlns:a16="http://schemas.microsoft.com/office/drawing/2014/main" id="{B5DA24B5-6993-45AE-B83E-5BA1E69FACD0}"/>
+              </a:ext>
+            </a:extLst>
+          </p:cNvPr>
+          <p:cNvSpPr txBox="1"/>
+          <p:nvPr/>
+        </p:nvSpPr>
+        <p:spPr>
+          <a:xfrm>
+            <a:off x="2816352" y="143435"/>
+            <a:ext cx="5342576" cy="646331"/>
+          </a:xfrm>
+          <a:prstGeom prst="rect">
+            <a:avLst/>
+          </a:prstGeom>
+          <a:noFill/>
+          <a:ln>
+            <a:noFill/>
+          </a:ln>
+          <a:effectLst>
+            <a:glow rad="63500">
+              <a:schemeClr val="accent4">
+                <a:satMod val="175000"/>
+                <a:alpha val="40000"/>
+              </a:schemeClr>
+            </a:glow>
+            <a:outerShdw blurRad="50800" dist="38100" dir="5400000" algn="t" rotWithShape="0">
+              <a:prstClr val="black">
+                <a:alpha val="40000"/>
+              </a:prstClr>
+            </a:outerShdw>
+          </a:effectLst>
+          <a:scene3d>
+            <a:camera prst="orthographicFront">
+              <a:rot lat="0" lon="0" rev="0"/>
+            </a:camera>
+            <a:lightRig rig="soft" dir="t">
+              <a:rot lat="0" lon="0" rev="0"/>
+            </a:lightRig>
+          </a:scene3d>
+          <a:sp3d contourW="44450" prstMaterial="matte">
+            <a:bevelT w="63500" h="63500" prst="artDeco"/>
+            <a:contourClr>
+              <a:srgbClr val="FFFFFF"/>
+            </a:contourClr>
+          </a:sp3d>
+        </p:spPr>
+        <p:txBody>
+          <a:bodyPr wrap="square" rtlCol="0">
+            <a:spAutoFit/>
+          </a:bodyPr>
+          <a:lstStyle/>
+          <a:p>
+            <a:pPr algn="ctr"/>
+            <a:r>
+              <a:rPr lang="fr-FR" sz="3600" b="1" dirty="0">
+                <a:latin typeface="Eras Medium ITC" panose="020B0602030504020804" pitchFamily="34" charset="0"/>
+              </a:rPr>
+              <a:t>Schéma du </a:t>
+            </a:r>
+            <a:r>
+              <a:rPr lang="fr-FR" sz="3600" b="1" dirty="0">
+                <a:solidFill>
+                  <a:srgbClr val="A41258"/>
+                </a:solidFill>
+                <a:latin typeface="Eras Medium ITC" panose="020B0602030504020804" pitchFamily="34" charset="0"/>
+              </a:rPr>
+              <a:t>réseau</a:t>
+            </a:r>
+            <a:r>
+              <a:rPr lang="fr-FR" sz="3600" b="1" dirty="0">
+                <a:latin typeface="Eras Medium ITC" panose="020B0602030504020804" pitchFamily="34" charset="0"/>
+              </a:rPr>
+              <a:t> :</a:t>
+            </a:r>
+            <a:endParaRPr lang="fr-FR" sz="3200" b="1" dirty="0">
+              <a:latin typeface="Eras Medium ITC" panose="020B0602030504020804" pitchFamily="34" charset="0"/>
+            </a:endParaRPr>
+          </a:p>
+        </p:txBody>
+      </p:sp>
+      <p:pic>
+        <p:nvPicPr>
+          <p:cNvPr id="2" name="Image 1">
+            <a:extLst>
+              <a:ext uri="{FF2B5EF4-FFF2-40B4-BE49-F238E27FC236}">
+                <a16:creationId xmlns:a16="http://schemas.microsoft.com/office/drawing/2014/main" id="{10D031A8-0679-4012-BA3F-648C05FE51E2}"/>
+              </a:ext>
+            </a:extLst>
+          </p:cNvPr>
+          <p:cNvPicPr>
+            <a:picLocks noChangeAspect="1"/>
+          </p:cNvPicPr>
+          <p:nvPr/>
+        </p:nvPicPr>
+        <p:blipFill>
+          <a:blip r:embed="rId3"/>
+          <a:stretch>
+            <a:fillRect/>
+          </a:stretch>
+        </p:blipFill>
+        <p:spPr>
+          <a:xfrm>
+            <a:off x="439776" y="1285754"/>
+            <a:ext cx="8697087" cy="5105173"/>
+          </a:xfrm>
+          <a:prstGeom prst="rect">
+            <a:avLst/>
+          </a:prstGeom>
+        </p:spPr>
+      </p:pic>
+    </p:spTree>
+    <p:extLst>
+      <p:ext uri="{BB962C8B-B14F-4D97-AF65-F5344CB8AC3E}">
+        <p14:creationId xmlns:p14="http://schemas.microsoft.com/office/powerpoint/2010/main" val="4044395586"/>
+      </p:ext>
+    </p:extLst>
+  </p:cSld>
+  <p:clrMapOvr>
+    <a:masterClrMapping/>
+  </p:clrMapOvr>
+  <mc:AlternateContent xmlns:mc="http://schemas.openxmlformats.org/markup-compatibility/2006" xmlns:p159="http://schemas.microsoft.com/office/powerpoint/2015/09/main">
+    <mc:Choice Requires="p159">
+      <p:transition xmlns:p14="http://schemas.microsoft.com/office/powerpoint/2010/main" spd="slow" p14:dur="2000">
+        <p159:morph option="byObject"/>
+      </p:transition>
+    </mc:Choice>
+    <mc:Fallback xmlns="">
+      <p:transition spd="slow">
+        <p:fade/>
+      </p:transition>
+    </mc:Fallback>
+  </mc:AlternateContent>
+</p:sld>
+</file>
+
+<file path=ppt/slides/slide7.xml><?xml version="1.0" encoding="utf-8"?>
+<p:sld xmlns:a="http://schemas.openxmlformats.org/drawingml/2006/main" xmlns:r="http://schemas.openxmlformats.org/officeDocument/2006/relationships" xmlns:p="http://schemas.openxmlformats.org/presentationml/2006/main">
+  <p:cSld>
+    <p:spTree>
+      <p:nvGrpSpPr>
+        <p:cNvPr id="1" name=""/>
+        <p:cNvGrpSpPr/>
+        <p:nvPr/>
+      </p:nvGrpSpPr>
+      <p:grpSpPr>
+        <a:xfrm>
+          <a:off x="0" y="0"/>
+          <a:ext cx="0" cy="0"/>
+          <a:chOff x="0" y="0"/>
+          <a:chExt cx="0" cy="0"/>
+        </a:xfrm>
+      </p:grpSpPr>
       <p:sp>
         <p:nvSpPr>
           <p:cNvPr id="4" name="ZoneTexte 3">
@@ -14242,7 +14449,7 @@
 </p:sld>
 </file>
 
-<file path=ppt/slides/slide7.xml><?xml version="1.0" encoding="utf-8"?>
+<file path=ppt/slides/slide8.xml><?xml version="1.0" encoding="utf-8"?>
 <p:sld xmlns:a="http://schemas.openxmlformats.org/drawingml/2006/main" xmlns:r="http://schemas.openxmlformats.org/officeDocument/2006/relationships" xmlns:p="http://schemas.openxmlformats.org/presentationml/2006/main">
   <p:cSld>
     <p:spTree>
@@ -14442,7 +14649,7 @@
 </p:sld>
 </file>
 
-<file path=ppt/slides/slide8.xml><?xml version="1.0" encoding="utf-8"?>
+<file path=ppt/slides/slide9.xml><?xml version="1.0" encoding="utf-8"?>
 <p:sld xmlns:a="http://schemas.openxmlformats.org/drawingml/2006/main" xmlns:r="http://schemas.openxmlformats.org/officeDocument/2006/relationships" xmlns:p="http://schemas.openxmlformats.org/presentationml/2006/main">
   <p:cSld>
     <p:spTree>
@@ -14630,213 +14837,6 @@
     <p:extLst>
       <p:ext uri="{BB962C8B-B14F-4D97-AF65-F5344CB8AC3E}">
         <p14:creationId xmlns:p14="http://schemas.microsoft.com/office/powerpoint/2010/main" val="2860333650"/>
-      </p:ext>
-    </p:extLst>
-  </p:cSld>
-  <p:clrMapOvr>
-    <a:masterClrMapping/>
-  </p:clrMapOvr>
-</p:sld>
-</file>
-
-<file path=ppt/slides/slide9.xml><?xml version="1.0" encoding="utf-8"?>
-<p:sld xmlns:a="http://schemas.openxmlformats.org/drawingml/2006/main" xmlns:r="http://schemas.openxmlformats.org/officeDocument/2006/relationships" xmlns:p="http://schemas.openxmlformats.org/presentationml/2006/main">
-  <p:cSld>
-    <p:spTree>
-      <p:nvGrpSpPr>
-        <p:cNvPr id="1" name=""/>
-        <p:cNvGrpSpPr/>
-        <p:nvPr/>
-      </p:nvGrpSpPr>
-      <p:grpSpPr>
-        <a:xfrm>
-          <a:off x="0" y="0"/>
-          <a:ext cx="0" cy="0"/>
-          <a:chOff x="0" y="0"/>
-          <a:chExt cx="0" cy="0"/>
-        </a:xfrm>
-      </p:grpSpPr>
-      <p:sp>
-        <p:nvSpPr>
-          <p:cNvPr id="4" name="ZoneTexte 3">
-            <a:extLst>
-              <a:ext uri="{FF2B5EF4-FFF2-40B4-BE49-F238E27FC236}">
-                <a16:creationId xmlns:a16="http://schemas.microsoft.com/office/drawing/2014/main" id="{B996E070-5299-461D-9259-6BD38B8072A0}"/>
-              </a:ext>
-            </a:extLst>
-          </p:cNvPr>
-          <p:cNvSpPr txBox="1"/>
-          <p:nvPr/>
-        </p:nvSpPr>
-        <p:spPr>
-          <a:xfrm>
-            <a:off x="3323065" y="103221"/>
-            <a:ext cx="5698272" cy="1138773"/>
-          </a:xfrm>
-          <a:prstGeom prst="rect">
-            <a:avLst/>
-          </a:prstGeom>
-          <a:noFill/>
-          <a:ln>
-            <a:noFill/>
-          </a:ln>
-          <a:effectLst>
-            <a:glow rad="63500">
-              <a:schemeClr val="accent4">
-                <a:satMod val="175000"/>
-                <a:alpha val="40000"/>
-              </a:schemeClr>
-            </a:glow>
-            <a:outerShdw blurRad="50800" dist="38100" dir="5400000" algn="t" rotWithShape="0">
-              <a:prstClr val="black">
-                <a:alpha val="40000"/>
-              </a:prstClr>
-            </a:outerShdw>
-          </a:effectLst>
-          <a:scene3d>
-            <a:camera prst="orthographicFront">
-              <a:rot lat="0" lon="0" rev="0"/>
-            </a:camera>
-            <a:lightRig rig="soft" dir="t">
-              <a:rot lat="0" lon="0" rev="0"/>
-            </a:lightRig>
-          </a:scene3d>
-          <a:sp3d contourW="44450" prstMaterial="matte">
-            <a:bevelT w="63500" h="63500" prst="artDeco"/>
-            <a:contourClr>
-              <a:srgbClr val="FFFFFF"/>
-            </a:contourClr>
-          </a:sp3d>
-        </p:spPr>
-        <p:txBody>
-          <a:bodyPr wrap="square" rtlCol="0">
-            <a:spAutoFit/>
-          </a:bodyPr>
-          <a:lstStyle/>
-          <a:p>
-            <a:pPr algn="ctr"/>
-            <a:r>
-              <a:rPr lang="fr-FR" sz="3600" b="1" dirty="0">
-                <a:latin typeface="Eras Medium ITC" panose="020B0602030504020804" pitchFamily="34" charset="0"/>
-              </a:rPr>
-              <a:t>Application de supervision </a:t>
-            </a:r>
-            <a:r>
-              <a:rPr lang="fr-FR" sz="2800" b="1" dirty="0" err="1">
-                <a:solidFill>
-                  <a:srgbClr val="A41258"/>
-                </a:solidFill>
-                <a:latin typeface="Eras Medium ITC" panose="020B0602030504020804" pitchFamily="34" charset="0"/>
-              </a:rPr>
-              <a:t>Supervision</a:t>
-            </a:r>
-            <a:r>
-              <a:rPr lang="fr-FR" sz="2800" b="1" dirty="0">
-                <a:solidFill>
-                  <a:srgbClr val="A41258"/>
-                </a:solidFill>
-                <a:latin typeface="Eras Medium ITC" panose="020B0602030504020804" pitchFamily="34" charset="0"/>
-              </a:rPr>
-              <a:t> </a:t>
-            </a:r>
-            <a:r>
-              <a:rPr lang="fr-FR" sz="3200" b="1" dirty="0">
-                <a:latin typeface="Eras Medium ITC" panose="020B0602030504020804" pitchFamily="34" charset="0"/>
-              </a:rPr>
-              <a:t>:</a:t>
-            </a:r>
-          </a:p>
-        </p:txBody>
-      </p:sp>
-      <p:pic>
-        <p:nvPicPr>
-          <p:cNvPr id="5" name="Picture 2" descr="Image associée">
-            <a:extLst>
-              <a:ext uri="{FF2B5EF4-FFF2-40B4-BE49-F238E27FC236}">
-                <a16:creationId xmlns:a16="http://schemas.microsoft.com/office/drawing/2014/main" id="{42980D13-27EB-407A-A911-1179305F49FC}"/>
-              </a:ext>
-            </a:extLst>
-          </p:cNvPr>
-          <p:cNvPicPr>
-            <a:picLocks noChangeAspect="1" noChangeArrowheads="1"/>
-          </p:cNvPicPr>
-          <p:nvPr/>
-        </p:nvPicPr>
-        <p:blipFill rotWithShape="1">
-          <a:blip r:embed="rId2">
-            <a:extLst>
-              <a:ext uri="{28A0092B-C50C-407E-A947-70E740481C1C}">
-                <a14:useLocalDpi xmlns:a14="http://schemas.microsoft.com/office/drawing/2010/main" val="0"/>
-              </a:ext>
-            </a:extLst>
-          </a:blip>
-          <a:srcRect l="18677" r="15441"/>
-          <a:stretch/>
-        </p:blipFill>
-        <p:spPr bwMode="auto">
-          <a:xfrm>
-            <a:off x="143436" y="143435"/>
-            <a:ext cx="2269635" cy="609600"/>
-          </a:xfrm>
-          <a:prstGeom prst="rect">
-            <a:avLst/>
-          </a:prstGeom>
-          <a:noFill/>
-          <a:extLst>
-            <a:ext uri="{909E8E84-426E-40DD-AFC4-6F175D3DCCD1}">
-              <a14:hiddenFill xmlns:a14="http://schemas.microsoft.com/office/drawing/2010/main">
-                <a:solidFill>
-                  <a:srgbClr val="FFFFFF"/>
-                </a:solidFill>
-              </a14:hiddenFill>
-            </a:ext>
-          </a:extLst>
-        </p:spPr>
-      </p:pic>
-      <p:pic>
-        <p:nvPicPr>
-          <p:cNvPr id="2" name="Image 1">
-            <a:extLst>
-              <a:ext uri="{FF2B5EF4-FFF2-40B4-BE49-F238E27FC236}">
-                <a16:creationId xmlns:a16="http://schemas.microsoft.com/office/drawing/2014/main" id="{66C1DE2A-C142-4ED2-9E13-DCFA37058D76}"/>
-              </a:ext>
-            </a:extLst>
-          </p:cNvPr>
-          <p:cNvPicPr>
-            <a:picLocks noChangeAspect="1"/>
-          </p:cNvPicPr>
-          <p:nvPr/>
-        </p:nvPicPr>
-        <p:blipFill>
-          <a:blip r:embed="rId3"/>
-          <a:stretch>
-            <a:fillRect/>
-          </a:stretch>
-        </p:blipFill>
-        <p:spPr>
-          <a:xfrm>
-            <a:off x="813034" y="1241994"/>
-            <a:ext cx="7722875" cy="5111496"/>
-          </a:xfrm>
-          <a:prstGeom prst="rect">
-            <a:avLst/>
-          </a:prstGeom>
-          <a:ln>
-            <a:noFill/>
-          </a:ln>
-          <a:effectLst>
-            <a:outerShdw blurRad="292100" dist="139700" dir="2700000" algn="tl" rotWithShape="0">
-              <a:srgbClr val="333333">
-                <a:alpha val="65000"/>
-              </a:srgbClr>
-            </a:outerShdw>
-          </a:effectLst>
-        </p:spPr>
-      </p:pic>
-    </p:spTree>
-    <p:extLst>
-      <p:ext uri="{BB962C8B-B14F-4D97-AF65-F5344CB8AC3E}">
-        <p14:creationId xmlns:p14="http://schemas.microsoft.com/office/powerpoint/2010/main" val="428774615"/>
       </p:ext>
     </p:extLst>
   </p:cSld>

--- a/Nathan/Compte-rendus/REVUE-R2-GUIGAND-SFL6.pptx
+++ b/Nathan/Compte-rendus/REVUE-R2-GUIGAND-SFL6.pptx
@@ -9053,7 +9053,7 @@
         </p:blipFill>
         <p:spPr bwMode="auto">
           <a:xfrm>
-            <a:off x="569173" y="2255689"/>
+            <a:off x="568655" y="2225742"/>
             <a:ext cx="3125003" cy="1109501"/>
           </a:xfrm>
           <a:prstGeom prst="rect">

--- a/Nathan/Compte-rendus/REVUE-R2-GUIGAND-SFL6.pptx
+++ b/Nathan/Compte-rendus/REVUE-R2-GUIGAND-SFL6.pptx
@@ -3973,7 +3973,7 @@
             <a:fld id="{B61BEF0D-F0BB-DE4B-95CE-6DB70DBA9567}" type="datetimeFigureOut">
               <a:rPr lang="en-US" dirty="0"/>
               <a:pPr/>
-              <a:t>3/6/2020</a:t>
+              <a:t>3/10/2020</a:t>
             </a:fld>
             <a:endParaRPr lang="en-US" dirty="0"/>
           </a:p>
@@ -4221,7 +4221,7 @@
             <a:fld id="{B61BEF0D-F0BB-DE4B-95CE-6DB70DBA9567}" type="datetimeFigureOut">
               <a:rPr lang="en-US" dirty="0"/>
               <a:pPr/>
-              <a:t>3/6/2020</a:t>
+              <a:t>3/10/2020</a:t>
             </a:fld>
             <a:endParaRPr lang="en-US" dirty="0"/>
           </a:p>
@@ -4532,7 +4532,7 @@
             <a:fld id="{B61BEF0D-F0BB-DE4B-95CE-6DB70DBA9567}" type="datetimeFigureOut">
               <a:rPr lang="en-US" dirty="0"/>
               <a:pPr/>
-              <a:t>3/6/2020</a:t>
+              <a:t>3/10/2020</a:t>
             </a:fld>
             <a:endParaRPr lang="en-US" dirty="0"/>
           </a:p>
@@ -4870,7 +4870,7 @@
             <a:fld id="{B61BEF0D-F0BB-DE4B-95CE-6DB70DBA9567}" type="datetimeFigureOut">
               <a:rPr lang="en-US" dirty="0"/>
               <a:pPr/>
-              <a:t>3/6/2020</a:t>
+              <a:t>3/10/2020</a:t>
             </a:fld>
             <a:endParaRPr lang="en-US" dirty="0"/>
           </a:p>
@@ -5181,7 +5181,7 @@
             <a:fld id="{B61BEF0D-F0BB-DE4B-95CE-6DB70DBA9567}" type="datetimeFigureOut">
               <a:rPr lang="en-US" dirty="0"/>
               <a:pPr/>
-              <a:t>3/6/2020</a:t>
+              <a:t>3/10/2020</a:t>
             </a:fld>
             <a:endParaRPr lang="en-US" dirty="0"/>
           </a:p>
@@ -5571,7 +5571,7 @@
             <a:fld id="{B61BEF0D-F0BB-DE4B-95CE-6DB70DBA9567}" type="datetimeFigureOut">
               <a:rPr lang="en-US" dirty="0"/>
               <a:pPr/>
-              <a:t>3/6/2020</a:t>
+              <a:t>3/10/2020</a:t>
             </a:fld>
             <a:endParaRPr lang="en-US" dirty="0"/>
           </a:p>
@@ -5737,7 +5737,7 @@
           <a:p>
             <a:fld id="{55C6B4A9-1611-4792-9094-5F34BCA07E0B}" type="datetimeFigureOut">
               <a:rPr lang="en-US" dirty="0"/>
-              <a:t>3/6/2020</a:t>
+              <a:t>3/10/2020</a:t>
             </a:fld>
             <a:endParaRPr lang="en-US" dirty="0"/>
           </a:p>
@@ -5913,7 +5913,7 @@
             <a:fld id="{B61BEF0D-F0BB-DE4B-95CE-6DB70DBA9567}" type="datetimeFigureOut">
               <a:rPr lang="en-US" dirty="0"/>
               <a:pPr/>
-              <a:t>3/6/2020</a:t>
+              <a:t>3/10/2020</a:t>
             </a:fld>
             <a:endParaRPr lang="en-US" dirty="0"/>
           </a:p>
@@ -6086,7 +6086,7 @@
             <a:fld id="{B61BEF0D-F0BB-DE4B-95CE-6DB70DBA9567}" type="datetimeFigureOut">
               <a:rPr lang="en-US" dirty="0"/>
               <a:pPr/>
-              <a:t>3/6/2020</a:t>
+              <a:t>3/10/2020</a:t>
             </a:fld>
             <a:endParaRPr lang="en-US" dirty="0"/>
           </a:p>
@@ -6330,7 +6330,7 @@
             <a:fld id="{B61BEF0D-F0BB-DE4B-95CE-6DB70DBA9567}" type="datetimeFigureOut">
               <a:rPr lang="en-US" dirty="0"/>
               <a:pPr/>
-              <a:t>3/6/2020</a:t>
+              <a:t>3/10/2020</a:t>
             </a:fld>
             <a:endParaRPr lang="en-US" dirty="0"/>
           </a:p>
@@ -6558,7 +6558,7 @@
           <a:p>
             <a:fld id="{EB712588-04B1-427B-82EE-E8DB90309F08}" type="datetimeFigureOut">
               <a:rPr lang="en-US" dirty="0"/>
-              <a:t>3/6/2020</a:t>
+              <a:t>3/10/2020</a:t>
             </a:fld>
             <a:endParaRPr lang="en-US" dirty="0"/>
           </a:p>
@@ -6928,7 +6928,7 @@
             <a:fld id="{B61BEF0D-F0BB-DE4B-95CE-6DB70DBA9567}" type="datetimeFigureOut">
               <a:rPr lang="en-US" dirty="0"/>
               <a:pPr/>
-              <a:t>3/6/2020</a:t>
+              <a:t>3/10/2020</a:t>
             </a:fld>
             <a:endParaRPr lang="en-US" dirty="0"/>
           </a:p>
@@ -7048,7 +7048,7 @@
             <a:fld id="{B61BEF0D-F0BB-DE4B-95CE-6DB70DBA9567}" type="datetimeFigureOut">
               <a:rPr lang="en-US" dirty="0"/>
               <a:pPr/>
-              <a:t>3/6/2020</a:t>
+              <a:t>3/10/2020</a:t>
             </a:fld>
             <a:endParaRPr lang="en-US" dirty="0"/>
           </a:p>
@@ -7140,7 +7140,7 @@
             <a:fld id="{B61BEF0D-F0BB-DE4B-95CE-6DB70DBA9567}" type="datetimeFigureOut">
               <a:rPr lang="en-US" dirty="0"/>
               <a:pPr/>
-              <a:t>3/6/2020</a:t>
+              <a:t>3/10/2020</a:t>
             </a:fld>
             <a:endParaRPr lang="en-US" dirty="0"/>
           </a:p>
@@ -7391,7 +7391,7 @@
           <a:p>
             <a:fld id="{42A54C80-263E-416B-A8E0-580EDEADCBDC}" type="datetimeFigureOut">
               <a:rPr lang="en-US" dirty="0"/>
-              <a:t>3/6/2020</a:t>
+              <a:t>3/10/2020</a:t>
             </a:fld>
             <a:endParaRPr lang="en-US" dirty="0"/>
           </a:p>
@@ -7650,7 +7650,7 @@
             <a:fld id="{B61BEF0D-F0BB-DE4B-95CE-6DB70DBA9567}" type="datetimeFigureOut">
               <a:rPr lang="en-US" dirty="0"/>
               <a:pPr/>
-              <a:t>3/6/2020</a:t>
+              <a:t>3/10/2020</a:t>
             </a:fld>
             <a:endParaRPr lang="en-US" dirty="0"/>
           </a:p>
@@ -8390,7 +8390,7 @@
             <a:fld id="{B61BEF0D-F0BB-DE4B-95CE-6DB70DBA9567}" type="datetimeFigureOut">
               <a:rPr lang="en-US" dirty="0"/>
               <a:pPr/>
-              <a:t>3/6/2020</a:t>
+              <a:t>3/10/2020</a:t>
             </a:fld>
             <a:endParaRPr lang="en-US" dirty="0"/>
           </a:p>
@@ -10117,22 +10117,13 @@
               <a:t>Application de supervision </a:t>
             </a:r>
             <a:r>
-              <a:rPr lang="fr-FR" sz="2800" b="1" dirty="0" err="1">
-                <a:solidFill>
-                  <a:srgbClr val="A41258"/>
-                </a:solidFill>
-                <a:latin typeface="Eras Medium ITC" panose="020B0602030504020804" pitchFamily="34" charset="0"/>
-              </a:rPr>
-              <a:t>Supervision</a:t>
-            </a:r>
-            <a:r>
               <a:rPr lang="fr-FR" sz="2800" b="1" dirty="0">
                 <a:solidFill>
                   <a:srgbClr val="A41258"/>
                 </a:solidFill>
                 <a:latin typeface="Eras Medium ITC" panose="020B0602030504020804" pitchFamily="34" charset="0"/>
               </a:rPr>
-              <a:t> </a:t>
+              <a:t>Supervision </a:t>
             </a:r>
             <a:r>
               <a:rPr lang="fr-FR" sz="3200" b="1" dirty="0">

--- a/Nathan/Compte-rendus/REVUE-R2-GUIGAND-SFL6.pptx
+++ b/Nathan/Compte-rendus/REVUE-R2-GUIGAND-SFL6.pptx
@@ -10976,8 +10976,8 @@
         </p:blipFill>
         <p:spPr bwMode="auto">
           <a:xfrm>
-            <a:off x="143436" y="143435"/>
-            <a:ext cx="2269635" cy="609600"/>
+            <a:off x="64008" y="0"/>
+            <a:ext cx="2019309" cy="542365"/>
           </a:xfrm>
           <a:prstGeom prst="rect">
             <a:avLst/>
@@ -11008,8 +11008,8 @@
         </p:nvSpPr>
         <p:spPr>
           <a:xfrm>
-            <a:off x="0" y="2693239"/>
-            <a:ext cx="3242435" cy="646331"/>
+            <a:off x="0" y="2474893"/>
+            <a:ext cx="1810512" cy="954107"/>
           </a:xfrm>
           <a:prstGeom prst="rect">
             <a:avLst/>
@@ -11099,7 +11099,7 @@
         </p:blipFill>
         <p:spPr>
           <a:xfrm>
-            <a:off x="2413071" y="71717"/>
+            <a:off x="2019309" y="143435"/>
             <a:ext cx="8536272" cy="6714565"/>
           </a:xfrm>
           <a:prstGeom prst="rect">
@@ -11717,10 +11717,10 @@
       </p:sp>
       <p:pic>
         <p:nvPicPr>
-          <p:cNvPr id="4" name="Image 3">
+          <p:cNvPr id="2" name="Image 1">
             <a:extLst>
               <a:ext uri="{FF2B5EF4-FFF2-40B4-BE49-F238E27FC236}">
-                <a16:creationId xmlns:a16="http://schemas.microsoft.com/office/drawing/2014/main" id="{62B69717-E633-4EC8-B3A1-6EC9DF2156A9}"/>
+                <a16:creationId xmlns:a16="http://schemas.microsoft.com/office/drawing/2014/main" id="{C6C9B6DA-3D2F-44E1-8F81-AEBD94181678}"/>
               </a:ext>
             </a:extLst>
           </p:cNvPr>
@@ -11737,8 +11737,8 @@
         </p:blipFill>
         <p:spPr>
           <a:xfrm>
-            <a:off x="107048" y="802102"/>
-            <a:ext cx="9539303" cy="5912463"/>
+            <a:off x="111708" y="780109"/>
+            <a:ext cx="9214227" cy="5934456"/>
           </a:xfrm>
           <a:prstGeom prst="rect">
             <a:avLst/>
@@ -12529,8 +12529,8 @@
         </p:nvSpPr>
         <p:spPr>
           <a:xfrm>
-            <a:off x="385590" y="4146550"/>
-            <a:ext cx="3354560" cy="2457450"/>
+            <a:off x="383939" y="4135684"/>
+            <a:ext cx="3354560" cy="2523598"/>
           </a:xfrm>
           <a:prstGeom prst="rect">
             <a:avLst/>

--- a/Nathan/Compte-rendus/REVUE-R2-GUIGAND-SFL6.pptx
+++ b/Nathan/Compte-rendus/REVUE-R2-GUIGAND-SFL6.pptx
@@ -11317,6 +11317,18 @@
   <p:clrMapOvr>
     <a:masterClrMapping/>
   </p:clrMapOvr>
+  <mc:AlternateContent xmlns:mc="http://schemas.openxmlformats.org/markup-compatibility/2006">
+    <mc:Choice xmlns:p159="http://schemas.microsoft.com/office/powerpoint/2015/09/main" Requires="p159">
+      <p:transition xmlns:p14="http://schemas.microsoft.com/office/powerpoint/2010/main" spd="slow" p14:dur="2000">
+        <p159:morph option="byObject"/>
+      </p:transition>
+    </mc:Choice>
+    <mc:Fallback>
+      <p:transition spd="slow">
+        <p:fade/>
+      </p:transition>
+    </mc:Fallback>
+  </mc:AlternateContent>
 </p:sld>
 </file>
 

--- a/Nathan/Compte-rendus/REVUE-R2-GUIGAND-SFL6.pptx
+++ b/Nathan/Compte-rendus/REVUE-R2-GUIGAND-SFL6.pptx
@@ -20,9 +20,10 @@
     <p:sldId id="264" r:id="rId14"/>
     <p:sldId id="267" r:id="rId15"/>
     <p:sldId id="265" r:id="rId16"/>
-    <p:sldId id="273" r:id="rId17"/>
-    <p:sldId id="263" r:id="rId18"/>
-    <p:sldId id="272" r:id="rId19"/>
+    <p:sldId id="277" r:id="rId17"/>
+    <p:sldId id="273" r:id="rId18"/>
+    <p:sldId id="263" r:id="rId19"/>
+    <p:sldId id="272" r:id="rId20"/>
   </p:sldIdLst>
   <p:sldSz cx="12192000" cy="6858000"/>
   <p:notesSz cx="6858000" cy="9144000"/>
@@ -3973,7 +3974,7 @@
             <a:fld id="{B61BEF0D-F0BB-DE4B-95CE-6DB70DBA9567}" type="datetimeFigureOut">
               <a:rPr lang="en-US" dirty="0"/>
               <a:pPr/>
-              <a:t>3/10/2020</a:t>
+              <a:t>3/11/2020</a:t>
             </a:fld>
             <a:endParaRPr lang="en-US" dirty="0"/>
           </a:p>
@@ -4221,7 +4222,7 @@
             <a:fld id="{B61BEF0D-F0BB-DE4B-95CE-6DB70DBA9567}" type="datetimeFigureOut">
               <a:rPr lang="en-US" dirty="0"/>
               <a:pPr/>
-              <a:t>3/10/2020</a:t>
+              <a:t>3/11/2020</a:t>
             </a:fld>
             <a:endParaRPr lang="en-US" dirty="0"/>
           </a:p>
@@ -4532,7 +4533,7 @@
             <a:fld id="{B61BEF0D-F0BB-DE4B-95CE-6DB70DBA9567}" type="datetimeFigureOut">
               <a:rPr lang="en-US" dirty="0"/>
               <a:pPr/>
-              <a:t>3/10/2020</a:t>
+              <a:t>3/11/2020</a:t>
             </a:fld>
             <a:endParaRPr lang="en-US" dirty="0"/>
           </a:p>
@@ -4870,7 +4871,7 @@
             <a:fld id="{B61BEF0D-F0BB-DE4B-95CE-6DB70DBA9567}" type="datetimeFigureOut">
               <a:rPr lang="en-US" dirty="0"/>
               <a:pPr/>
-              <a:t>3/10/2020</a:t>
+              <a:t>3/11/2020</a:t>
             </a:fld>
             <a:endParaRPr lang="en-US" dirty="0"/>
           </a:p>
@@ -5181,7 +5182,7 @@
             <a:fld id="{B61BEF0D-F0BB-DE4B-95CE-6DB70DBA9567}" type="datetimeFigureOut">
               <a:rPr lang="en-US" dirty="0"/>
               <a:pPr/>
-              <a:t>3/10/2020</a:t>
+              <a:t>3/11/2020</a:t>
             </a:fld>
             <a:endParaRPr lang="en-US" dirty="0"/>
           </a:p>
@@ -5571,7 +5572,7 @@
             <a:fld id="{B61BEF0D-F0BB-DE4B-95CE-6DB70DBA9567}" type="datetimeFigureOut">
               <a:rPr lang="en-US" dirty="0"/>
               <a:pPr/>
-              <a:t>3/10/2020</a:t>
+              <a:t>3/11/2020</a:t>
             </a:fld>
             <a:endParaRPr lang="en-US" dirty="0"/>
           </a:p>
@@ -5737,7 +5738,7 @@
           <a:p>
             <a:fld id="{55C6B4A9-1611-4792-9094-5F34BCA07E0B}" type="datetimeFigureOut">
               <a:rPr lang="en-US" dirty="0"/>
-              <a:t>3/10/2020</a:t>
+              <a:t>3/11/2020</a:t>
             </a:fld>
             <a:endParaRPr lang="en-US" dirty="0"/>
           </a:p>
@@ -5913,7 +5914,7 @@
             <a:fld id="{B61BEF0D-F0BB-DE4B-95CE-6DB70DBA9567}" type="datetimeFigureOut">
               <a:rPr lang="en-US" dirty="0"/>
               <a:pPr/>
-              <a:t>3/10/2020</a:t>
+              <a:t>3/11/2020</a:t>
             </a:fld>
             <a:endParaRPr lang="en-US" dirty="0"/>
           </a:p>
@@ -6086,7 +6087,7 @@
             <a:fld id="{B61BEF0D-F0BB-DE4B-95CE-6DB70DBA9567}" type="datetimeFigureOut">
               <a:rPr lang="en-US" dirty="0"/>
               <a:pPr/>
-              <a:t>3/10/2020</a:t>
+              <a:t>3/11/2020</a:t>
             </a:fld>
             <a:endParaRPr lang="en-US" dirty="0"/>
           </a:p>
@@ -6330,7 +6331,7 @@
             <a:fld id="{B61BEF0D-F0BB-DE4B-95CE-6DB70DBA9567}" type="datetimeFigureOut">
               <a:rPr lang="en-US" dirty="0"/>
               <a:pPr/>
-              <a:t>3/10/2020</a:t>
+              <a:t>3/11/2020</a:t>
             </a:fld>
             <a:endParaRPr lang="en-US" dirty="0"/>
           </a:p>
@@ -6558,7 +6559,7 @@
           <a:p>
             <a:fld id="{EB712588-04B1-427B-82EE-E8DB90309F08}" type="datetimeFigureOut">
               <a:rPr lang="en-US" dirty="0"/>
-              <a:t>3/10/2020</a:t>
+              <a:t>3/11/2020</a:t>
             </a:fld>
             <a:endParaRPr lang="en-US" dirty="0"/>
           </a:p>
@@ -6928,7 +6929,7 @@
             <a:fld id="{B61BEF0D-F0BB-DE4B-95CE-6DB70DBA9567}" type="datetimeFigureOut">
               <a:rPr lang="en-US" dirty="0"/>
               <a:pPr/>
-              <a:t>3/10/2020</a:t>
+              <a:t>3/11/2020</a:t>
             </a:fld>
             <a:endParaRPr lang="en-US" dirty="0"/>
           </a:p>
@@ -7048,7 +7049,7 @@
             <a:fld id="{B61BEF0D-F0BB-DE4B-95CE-6DB70DBA9567}" type="datetimeFigureOut">
               <a:rPr lang="en-US" dirty="0"/>
               <a:pPr/>
-              <a:t>3/10/2020</a:t>
+              <a:t>3/11/2020</a:t>
             </a:fld>
             <a:endParaRPr lang="en-US" dirty="0"/>
           </a:p>
@@ -7140,7 +7141,7 @@
             <a:fld id="{B61BEF0D-F0BB-DE4B-95CE-6DB70DBA9567}" type="datetimeFigureOut">
               <a:rPr lang="en-US" dirty="0"/>
               <a:pPr/>
-              <a:t>3/10/2020</a:t>
+              <a:t>3/11/2020</a:t>
             </a:fld>
             <a:endParaRPr lang="en-US" dirty="0"/>
           </a:p>
@@ -7391,7 +7392,7 @@
           <a:p>
             <a:fld id="{42A54C80-263E-416B-A8E0-580EDEADCBDC}" type="datetimeFigureOut">
               <a:rPr lang="en-US" dirty="0"/>
-              <a:t>3/10/2020</a:t>
+              <a:t>3/11/2020</a:t>
             </a:fld>
             <a:endParaRPr lang="en-US" dirty="0"/>
           </a:p>
@@ -7650,7 +7651,7 @@
             <a:fld id="{B61BEF0D-F0BB-DE4B-95CE-6DB70DBA9567}" type="datetimeFigureOut">
               <a:rPr lang="en-US" dirty="0"/>
               <a:pPr/>
-              <a:t>3/10/2020</a:t>
+              <a:t>3/11/2020</a:t>
             </a:fld>
             <a:endParaRPr lang="en-US" dirty="0"/>
           </a:p>
@@ -8390,7 +8391,7 @@
             <a:fld id="{B61BEF0D-F0BB-DE4B-95CE-6DB70DBA9567}" type="datetimeFigureOut">
               <a:rPr lang="en-US" dirty="0"/>
               <a:pPr/>
-              <a:t>3/10/2020</a:t>
+              <a:t>3/11/2020</a:t>
             </a:fld>
             <a:endParaRPr lang="en-US" dirty="0"/>
           </a:p>
@@ -10123,7 +10124,7 @@
                 </a:solidFill>
                 <a:latin typeface="Eras Medium ITC" panose="020B0602030504020804" pitchFamily="34" charset="0"/>
               </a:rPr>
-              <a:t>Supervision </a:t>
+              <a:t>Superviser </a:t>
             </a:r>
             <a:r>
               <a:rPr lang="fr-FR" sz="3200" b="1" dirty="0">
@@ -11154,7 +11155,7 @@
           <p:cNvPr id="4" name="Picture 2" descr="Image associée">
             <a:extLst>
               <a:ext uri="{FF2B5EF4-FFF2-40B4-BE49-F238E27FC236}">
-                <a16:creationId xmlns:a16="http://schemas.microsoft.com/office/drawing/2014/main" id="{A70E6249-9E28-4317-9272-AA9A2BCD50B5}"/>
+                <a16:creationId xmlns:a16="http://schemas.microsoft.com/office/drawing/2014/main" id="{95126ADC-26EA-4F2A-B6E4-15795E0B99D6}"/>
               </a:ext>
             </a:extLst>
           </p:cNvPr>
@@ -11199,7 +11200,7 @@
           <p:cNvPr id="5" name="ZoneTexte 4">
             <a:extLst>
               <a:ext uri="{FF2B5EF4-FFF2-40B4-BE49-F238E27FC236}">
-                <a16:creationId xmlns:a16="http://schemas.microsoft.com/office/drawing/2014/main" id="{D0691E71-6B55-487E-9C91-F2C906CE33A4}"/>
+                <a16:creationId xmlns:a16="http://schemas.microsoft.com/office/drawing/2014/main" id="{F42EBA89-E492-4F54-950B-EB61B6EC7836}"/>
               </a:ext>
             </a:extLst>
           </p:cNvPr>
@@ -11208,8 +11209,8 @@
         </p:nvSpPr>
         <p:spPr>
           <a:xfrm>
-            <a:off x="3323065" y="103221"/>
-            <a:ext cx="4627756" cy="1138773"/>
+            <a:off x="3560382" y="125069"/>
+            <a:ext cx="3498340" cy="461665"/>
           </a:xfrm>
           <a:prstGeom prst="rect">
             <a:avLst/>
@@ -11254,35 +11255,26 @@
           <a:p>
             <a:pPr algn="ctr"/>
             <a:r>
-              <a:rPr lang="fr-FR" sz="3600" b="1" dirty="0">
+              <a:rPr lang="fr-FR" sz="2400" b="1">
                 <a:latin typeface="Eras Medium ITC" panose="020B0602030504020804" pitchFamily="34" charset="0"/>
               </a:rPr>
-              <a:t>Base de données </a:t>
-            </a:r>
-            <a:r>
-              <a:rPr lang="fr-FR" sz="2800" b="1" dirty="0">
-                <a:solidFill>
-                  <a:srgbClr val="A41258"/>
-                </a:solidFill>
-                <a:latin typeface="Eras Medium ITC" panose="020B0602030504020804" pitchFamily="34" charset="0"/>
-              </a:rPr>
-              <a:t>Modèle relationnel </a:t>
-            </a:r>
-            <a:r>
-              <a:rPr lang="fr-FR" sz="3200" b="1" dirty="0">
-                <a:latin typeface="Eras Medium ITC" panose="020B0602030504020804" pitchFamily="34" charset="0"/>
-              </a:rPr>
-              <a:t>:</a:t>
-            </a:r>
+              <a:t>Diagramme de classes :</a:t>
+            </a:r>
+            <a:endParaRPr lang="fr-FR" sz="2000" b="1" dirty="0">
+              <a:solidFill>
+                <a:srgbClr val="A41258"/>
+              </a:solidFill>
+              <a:latin typeface="Eras Medium ITC" panose="020B0602030504020804" pitchFamily="34" charset="0"/>
+            </a:endParaRPr>
           </a:p>
         </p:txBody>
       </p:sp>
       <p:pic>
         <p:nvPicPr>
-          <p:cNvPr id="7" name="Image 6" descr="Une image contenant capture d’écran&#10;&#10;Description générée automatiquement">
-            <a:extLst>
-              <a:ext uri="{FF2B5EF4-FFF2-40B4-BE49-F238E27FC236}">
-                <a16:creationId xmlns:a16="http://schemas.microsoft.com/office/drawing/2014/main" id="{9350F9C8-9CA6-402F-9C47-C6CF7F7570DB}"/>
+          <p:cNvPr id="6" name="Image 5">
+            <a:extLst>
+              <a:ext uri="{FF2B5EF4-FFF2-40B4-BE49-F238E27FC236}">
+                <a16:creationId xmlns:a16="http://schemas.microsoft.com/office/drawing/2014/main" id="{3D4BD27D-BFB7-4F2A-A9D5-1419F9CD53FC}"/>
               </a:ext>
             </a:extLst>
           </p:cNvPr>
@@ -11299,8 +11291,8 @@
         </p:blipFill>
         <p:spPr>
           <a:xfrm>
-            <a:off x="1601639" y="2097783"/>
-            <a:ext cx="6916065" cy="2886812"/>
+            <a:off x="143436" y="945942"/>
+            <a:ext cx="10153376" cy="5786989"/>
           </a:xfrm>
           <a:prstGeom prst="rect">
             <a:avLst/>
@@ -11310,7 +11302,7 @@
     </p:spTree>
     <p:extLst>
       <p:ext uri="{BB962C8B-B14F-4D97-AF65-F5344CB8AC3E}">
-        <p14:creationId xmlns:p14="http://schemas.microsoft.com/office/powerpoint/2010/main" val="726819232"/>
+        <p14:creationId xmlns:p14="http://schemas.microsoft.com/office/powerpoint/2010/main" val="3940112005"/>
       </p:ext>
     </p:extLst>
   </p:cSld>
@@ -11351,10 +11343,10 @@
       </p:grpSpPr>
       <p:pic>
         <p:nvPicPr>
-          <p:cNvPr id="1026" name="Picture 2" descr="Image associée">
-            <a:extLst>
-              <a:ext uri="{FF2B5EF4-FFF2-40B4-BE49-F238E27FC236}">
-                <a16:creationId xmlns:a16="http://schemas.microsoft.com/office/drawing/2014/main" id="{C816F3D8-CC4C-46B3-A21E-58AE9AD30454}"/>
+          <p:cNvPr id="4" name="Picture 2" descr="Image associée">
+            <a:extLst>
+              <a:ext uri="{FF2B5EF4-FFF2-40B4-BE49-F238E27FC236}">
+                <a16:creationId xmlns:a16="http://schemas.microsoft.com/office/drawing/2014/main" id="{A70E6249-9E28-4317-9272-AA9A2BCD50B5}"/>
               </a:ext>
             </a:extLst>
           </p:cNvPr>
@@ -11396,10 +11388,10 @@
       </p:pic>
       <p:sp>
         <p:nvSpPr>
-          <p:cNvPr id="3" name="ZoneTexte 2">
-            <a:extLst>
-              <a:ext uri="{FF2B5EF4-FFF2-40B4-BE49-F238E27FC236}">
-                <a16:creationId xmlns:a16="http://schemas.microsoft.com/office/drawing/2014/main" id="{1582123C-25BF-42F1-97F8-35FFB48DFFAA}"/>
+          <p:cNvPr id="5" name="ZoneTexte 4">
+            <a:extLst>
+              <a:ext uri="{FF2B5EF4-FFF2-40B4-BE49-F238E27FC236}">
+                <a16:creationId xmlns:a16="http://schemas.microsoft.com/office/drawing/2014/main" id="{D0691E71-6B55-487E-9C91-F2C906CE33A4}"/>
               </a:ext>
             </a:extLst>
           </p:cNvPr>
@@ -11408,8 +11400,8 @@
         </p:nvSpPr>
         <p:spPr>
           <a:xfrm>
-            <a:off x="2497873" y="143435"/>
-            <a:ext cx="6188927" cy="1138773"/>
+            <a:off x="3323065" y="103221"/>
+            <a:ext cx="4627756" cy="1138773"/>
           </a:xfrm>
           <a:prstGeom prst="rect">
             <a:avLst/>
@@ -11457,6 +11449,206 @@
               <a:rPr lang="fr-FR" sz="3600" b="1" dirty="0">
                 <a:latin typeface="Eras Medium ITC" panose="020B0602030504020804" pitchFamily="34" charset="0"/>
               </a:rPr>
+              <a:t>Base de données </a:t>
+            </a:r>
+            <a:r>
+              <a:rPr lang="fr-FR" sz="2800" b="1" dirty="0">
+                <a:solidFill>
+                  <a:srgbClr val="A41258"/>
+                </a:solidFill>
+                <a:latin typeface="Eras Medium ITC" panose="020B0602030504020804" pitchFamily="34" charset="0"/>
+              </a:rPr>
+              <a:t>Modèle relationnel </a:t>
+            </a:r>
+            <a:r>
+              <a:rPr lang="fr-FR" sz="3200" b="1" dirty="0">
+                <a:latin typeface="Eras Medium ITC" panose="020B0602030504020804" pitchFamily="34" charset="0"/>
+              </a:rPr>
+              <a:t>:</a:t>
+            </a:r>
+          </a:p>
+        </p:txBody>
+      </p:sp>
+      <p:pic>
+        <p:nvPicPr>
+          <p:cNvPr id="7" name="Image 6" descr="Une image contenant capture d’écran&#10;&#10;Description générée automatiquement">
+            <a:extLst>
+              <a:ext uri="{FF2B5EF4-FFF2-40B4-BE49-F238E27FC236}">
+                <a16:creationId xmlns:a16="http://schemas.microsoft.com/office/drawing/2014/main" id="{9350F9C8-9CA6-402F-9C47-C6CF7F7570DB}"/>
+              </a:ext>
+            </a:extLst>
+          </p:cNvPr>
+          <p:cNvPicPr>
+            <a:picLocks noChangeAspect="1"/>
+          </p:cNvPicPr>
+          <p:nvPr/>
+        </p:nvPicPr>
+        <p:blipFill>
+          <a:blip r:embed="rId3"/>
+          <a:stretch>
+            <a:fillRect/>
+          </a:stretch>
+        </p:blipFill>
+        <p:spPr>
+          <a:xfrm>
+            <a:off x="1601639" y="2097783"/>
+            <a:ext cx="6916065" cy="2886812"/>
+          </a:xfrm>
+          <a:prstGeom prst="rect">
+            <a:avLst/>
+          </a:prstGeom>
+        </p:spPr>
+      </p:pic>
+    </p:spTree>
+    <p:extLst>
+      <p:ext uri="{BB962C8B-B14F-4D97-AF65-F5344CB8AC3E}">
+        <p14:creationId xmlns:p14="http://schemas.microsoft.com/office/powerpoint/2010/main" val="726819232"/>
+      </p:ext>
+    </p:extLst>
+  </p:cSld>
+  <p:clrMapOvr>
+    <a:masterClrMapping/>
+  </p:clrMapOvr>
+  <mc:AlternateContent xmlns:mc="http://schemas.openxmlformats.org/markup-compatibility/2006" xmlns:p159="http://schemas.microsoft.com/office/powerpoint/2015/09/main">
+    <mc:Choice Requires="p159">
+      <p:transition xmlns:p14="http://schemas.microsoft.com/office/powerpoint/2010/main" spd="slow" p14:dur="2000">
+        <p159:morph option="byObject"/>
+      </p:transition>
+    </mc:Choice>
+    <mc:Fallback xmlns="">
+      <p:transition spd="slow">
+        <p:fade/>
+      </p:transition>
+    </mc:Fallback>
+  </mc:AlternateContent>
+</p:sld>
+</file>
+
+<file path=ppt/slides/slide18.xml><?xml version="1.0" encoding="utf-8"?>
+<p:sld xmlns:a="http://schemas.openxmlformats.org/drawingml/2006/main" xmlns:r="http://schemas.openxmlformats.org/officeDocument/2006/relationships" xmlns:p="http://schemas.openxmlformats.org/presentationml/2006/main">
+  <p:cSld>
+    <p:spTree>
+      <p:nvGrpSpPr>
+        <p:cNvPr id="1" name=""/>
+        <p:cNvGrpSpPr/>
+        <p:nvPr/>
+      </p:nvGrpSpPr>
+      <p:grpSpPr>
+        <a:xfrm>
+          <a:off x="0" y="0"/>
+          <a:ext cx="0" cy="0"/>
+          <a:chOff x="0" y="0"/>
+          <a:chExt cx="0" cy="0"/>
+        </a:xfrm>
+      </p:grpSpPr>
+      <p:pic>
+        <p:nvPicPr>
+          <p:cNvPr id="1026" name="Picture 2" descr="Image associée">
+            <a:extLst>
+              <a:ext uri="{FF2B5EF4-FFF2-40B4-BE49-F238E27FC236}">
+                <a16:creationId xmlns:a16="http://schemas.microsoft.com/office/drawing/2014/main" id="{C816F3D8-CC4C-46B3-A21E-58AE9AD30454}"/>
+              </a:ext>
+            </a:extLst>
+          </p:cNvPr>
+          <p:cNvPicPr>
+            <a:picLocks noChangeAspect="1" noChangeArrowheads="1"/>
+          </p:cNvPicPr>
+          <p:nvPr/>
+        </p:nvPicPr>
+        <p:blipFill rotWithShape="1">
+          <a:blip r:embed="rId2">
+            <a:extLst>
+              <a:ext uri="{28A0092B-C50C-407E-A947-70E740481C1C}">
+                <a14:useLocalDpi xmlns:a14="http://schemas.microsoft.com/office/drawing/2010/main" val="0"/>
+              </a:ext>
+            </a:extLst>
+          </a:blip>
+          <a:srcRect l="18677" r="15441"/>
+          <a:stretch/>
+        </p:blipFill>
+        <p:spPr bwMode="auto">
+          <a:xfrm>
+            <a:off x="143436" y="143435"/>
+            <a:ext cx="2269635" cy="609600"/>
+          </a:xfrm>
+          <a:prstGeom prst="rect">
+            <a:avLst/>
+          </a:prstGeom>
+          <a:noFill/>
+          <a:extLst>
+            <a:ext uri="{909E8E84-426E-40DD-AFC4-6F175D3DCCD1}">
+              <a14:hiddenFill xmlns:a14="http://schemas.microsoft.com/office/drawing/2010/main">
+                <a:solidFill>
+                  <a:srgbClr val="FFFFFF"/>
+                </a:solidFill>
+              </a14:hiddenFill>
+            </a:ext>
+          </a:extLst>
+        </p:spPr>
+      </p:pic>
+      <p:sp>
+        <p:nvSpPr>
+          <p:cNvPr id="3" name="ZoneTexte 2">
+            <a:extLst>
+              <a:ext uri="{FF2B5EF4-FFF2-40B4-BE49-F238E27FC236}">
+                <a16:creationId xmlns:a16="http://schemas.microsoft.com/office/drawing/2014/main" id="{1582123C-25BF-42F1-97F8-35FFB48DFFAA}"/>
+              </a:ext>
+            </a:extLst>
+          </p:cNvPr>
+          <p:cNvSpPr txBox="1"/>
+          <p:nvPr/>
+        </p:nvSpPr>
+        <p:spPr>
+          <a:xfrm>
+            <a:off x="2497873" y="143435"/>
+            <a:ext cx="6188927" cy="1138773"/>
+          </a:xfrm>
+          <a:prstGeom prst="rect">
+            <a:avLst/>
+          </a:prstGeom>
+          <a:noFill/>
+          <a:ln>
+            <a:noFill/>
+          </a:ln>
+          <a:effectLst>
+            <a:glow rad="63500">
+              <a:schemeClr val="accent4">
+                <a:satMod val="175000"/>
+                <a:alpha val="40000"/>
+              </a:schemeClr>
+            </a:glow>
+            <a:outerShdw blurRad="50800" dist="38100" dir="5400000" algn="t" rotWithShape="0">
+              <a:prstClr val="black">
+                <a:alpha val="40000"/>
+              </a:prstClr>
+            </a:outerShdw>
+          </a:effectLst>
+          <a:scene3d>
+            <a:camera prst="orthographicFront">
+              <a:rot lat="0" lon="0" rev="0"/>
+            </a:camera>
+            <a:lightRig rig="soft" dir="t">
+              <a:rot lat="0" lon="0" rev="0"/>
+            </a:lightRig>
+          </a:scene3d>
+          <a:sp3d contourW="44450" prstMaterial="matte">
+            <a:bevelT w="63500" h="63500" prst="artDeco"/>
+            <a:contourClr>
+              <a:srgbClr val="FFFFFF"/>
+            </a:contourClr>
+          </a:sp3d>
+        </p:spPr>
+        <p:txBody>
+          <a:bodyPr wrap="square" rtlCol="0">
+            <a:spAutoFit/>
+          </a:bodyPr>
+          <a:lstStyle/>
+          <a:p>
+            <a:pPr algn="ctr"/>
+            <a:r>
+              <a:rPr lang="fr-FR" sz="3600" b="1" dirty="0">
+                <a:latin typeface="Eras Medium ITC" panose="020B0602030504020804" pitchFamily="34" charset="0"/>
+              </a:rPr>
               <a:t>Planification Gantt           </a:t>
             </a:r>
             <a:r>
@@ -11582,7 +11774,7 @@
 </p:sld>
 </file>
 
-<file path=ppt/slides/slide18.xml><?xml version="1.0" encoding="utf-8"?>
+<file path=ppt/slides/slide19.xml><?xml version="1.0" encoding="utf-8"?>
 <p:sld xmlns:a="http://schemas.openxmlformats.org/drawingml/2006/main" xmlns:r="http://schemas.openxmlformats.org/officeDocument/2006/relationships" xmlns:p="http://schemas.openxmlformats.org/presentationml/2006/main">
   <p:cSld>
     <p:spTree>
@@ -12078,6 +12270,492 @@
           <a:chExt cx="0" cy="0"/>
         </a:xfrm>
       </p:grpSpPr>
+      <p:sp>
+        <p:nvSpPr>
+          <p:cNvPr id="33" name="Organigramme : Terminateur 32">
+            <a:extLst>
+              <a:ext uri="{FF2B5EF4-FFF2-40B4-BE49-F238E27FC236}">
+                <a16:creationId xmlns:a16="http://schemas.microsoft.com/office/drawing/2014/main" id="{D2BDC4FA-1741-488E-A637-45368CD17A8E}"/>
+              </a:ext>
+            </a:extLst>
+          </p:cNvPr>
+          <p:cNvSpPr/>
+          <p:nvPr/>
+        </p:nvSpPr>
+        <p:spPr>
+          <a:xfrm>
+            <a:off x="11782953" y="4838752"/>
+            <a:ext cx="137445" cy="71437"/>
+          </a:xfrm>
+          <a:prstGeom prst="flowChartTerminator">
+            <a:avLst/>
+          </a:prstGeom>
+          <a:solidFill>
+            <a:schemeClr val="bg1"/>
+          </a:solidFill>
+          <a:ln>
+            <a:solidFill>
+              <a:schemeClr val="bg1"/>
+            </a:solidFill>
+          </a:ln>
+        </p:spPr>
+        <p:style>
+          <a:lnRef idx="2">
+            <a:schemeClr val="accent1">
+              <a:shade val="50000"/>
+            </a:schemeClr>
+          </a:lnRef>
+          <a:fillRef idx="1">
+            <a:schemeClr val="accent1"/>
+          </a:fillRef>
+          <a:effectRef idx="0">
+            <a:schemeClr val="accent1"/>
+          </a:effectRef>
+          <a:fontRef idx="minor">
+            <a:schemeClr val="lt1"/>
+          </a:fontRef>
+        </p:style>
+        <p:txBody>
+          <a:bodyPr rtlCol="0" anchor="ctr"/>
+          <a:lstStyle/>
+          <a:p>
+            <a:pPr algn="ctr"/>
+            <a:endParaRPr lang="fr-FR" dirty="0"/>
+          </a:p>
+        </p:txBody>
+      </p:sp>
+      <p:sp>
+        <p:nvSpPr>
+          <p:cNvPr id="34" name="Organigramme : Terminateur 33">
+            <a:extLst>
+              <a:ext uri="{FF2B5EF4-FFF2-40B4-BE49-F238E27FC236}">
+                <a16:creationId xmlns:a16="http://schemas.microsoft.com/office/drawing/2014/main" id="{15F57145-CF17-424E-9C53-F71710060AA6}"/>
+              </a:ext>
+            </a:extLst>
+          </p:cNvPr>
+          <p:cNvSpPr/>
+          <p:nvPr/>
+        </p:nvSpPr>
+        <p:spPr>
+          <a:xfrm>
+            <a:off x="11782954" y="4625096"/>
+            <a:ext cx="137445" cy="71437"/>
+          </a:xfrm>
+          <a:prstGeom prst="flowChartTerminator">
+            <a:avLst/>
+          </a:prstGeom>
+          <a:solidFill>
+            <a:schemeClr val="bg1"/>
+          </a:solidFill>
+          <a:ln>
+            <a:solidFill>
+              <a:schemeClr val="bg1"/>
+            </a:solidFill>
+          </a:ln>
+        </p:spPr>
+        <p:style>
+          <a:lnRef idx="2">
+            <a:schemeClr val="accent1">
+              <a:shade val="50000"/>
+            </a:schemeClr>
+          </a:lnRef>
+          <a:fillRef idx="1">
+            <a:schemeClr val="accent1"/>
+          </a:fillRef>
+          <a:effectRef idx="0">
+            <a:schemeClr val="accent1"/>
+          </a:effectRef>
+          <a:fontRef idx="minor">
+            <a:schemeClr val="lt1"/>
+          </a:fontRef>
+        </p:style>
+        <p:txBody>
+          <a:bodyPr rtlCol="0" anchor="ctr"/>
+          <a:lstStyle/>
+          <a:p>
+            <a:pPr algn="ctr"/>
+            <a:endParaRPr lang="fr-FR" dirty="0"/>
+          </a:p>
+        </p:txBody>
+      </p:sp>
+      <p:sp>
+        <p:nvSpPr>
+          <p:cNvPr id="35" name="Organigramme : Terminateur 34">
+            <a:extLst>
+              <a:ext uri="{FF2B5EF4-FFF2-40B4-BE49-F238E27FC236}">
+                <a16:creationId xmlns:a16="http://schemas.microsoft.com/office/drawing/2014/main" id="{8EC31AA7-587F-44B9-8F46-100CA0789874}"/>
+              </a:ext>
+            </a:extLst>
+          </p:cNvPr>
+          <p:cNvSpPr/>
+          <p:nvPr/>
+        </p:nvSpPr>
+        <p:spPr>
+          <a:xfrm>
+            <a:off x="11780105" y="4406798"/>
+            <a:ext cx="137445" cy="71437"/>
+          </a:xfrm>
+          <a:prstGeom prst="flowChartTerminator">
+            <a:avLst/>
+          </a:prstGeom>
+          <a:solidFill>
+            <a:schemeClr val="bg1"/>
+          </a:solidFill>
+          <a:ln>
+            <a:solidFill>
+              <a:schemeClr val="bg1"/>
+            </a:solidFill>
+          </a:ln>
+        </p:spPr>
+        <p:style>
+          <a:lnRef idx="2">
+            <a:schemeClr val="accent1">
+              <a:shade val="50000"/>
+            </a:schemeClr>
+          </a:lnRef>
+          <a:fillRef idx="1">
+            <a:schemeClr val="accent1"/>
+          </a:fillRef>
+          <a:effectRef idx="0">
+            <a:schemeClr val="accent1"/>
+          </a:effectRef>
+          <a:fontRef idx="minor">
+            <a:schemeClr val="lt1"/>
+          </a:fontRef>
+        </p:style>
+        <p:txBody>
+          <a:bodyPr rtlCol="0" anchor="ctr"/>
+          <a:lstStyle/>
+          <a:p>
+            <a:pPr algn="ctr"/>
+            <a:endParaRPr lang="fr-FR" dirty="0"/>
+          </a:p>
+        </p:txBody>
+      </p:sp>
+      <p:sp>
+        <p:nvSpPr>
+          <p:cNvPr id="30" name="Organigramme : Terminateur 29">
+            <a:extLst>
+              <a:ext uri="{FF2B5EF4-FFF2-40B4-BE49-F238E27FC236}">
+                <a16:creationId xmlns:a16="http://schemas.microsoft.com/office/drawing/2014/main" id="{38EAA4C7-17E4-4269-AD88-380D93A0D465}"/>
+              </a:ext>
+            </a:extLst>
+          </p:cNvPr>
+          <p:cNvSpPr/>
+          <p:nvPr/>
+        </p:nvSpPr>
+        <p:spPr>
+          <a:xfrm>
+            <a:off x="11782953" y="3678638"/>
+            <a:ext cx="137445" cy="71437"/>
+          </a:xfrm>
+          <a:prstGeom prst="flowChartTerminator">
+            <a:avLst/>
+          </a:prstGeom>
+          <a:solidFill>
+            <a:schemeClr val="bg1"/>
+          </a:solidFill>
+          <a:ln>
+            <a:solidFill>
+              <a:schemeClr val="bg1"/>
+            </a:solidFill>
+          </a:ln>
+        </p:spPr>
+        <p:style>
+          <a:lnRef idx="2">
+            <a:schemeClr val="accent1">
+              <a:shade val="50000"/>
+            </a:schemeClr>
+          </a:lnRef>
+          <a:fillRef idx="1">
+            <a:schemeClr val="accent1"/>
+          </a:fillRef>
+          <a:effectRef idx="0">
+            <a:schemeClr val="accent1"/>
+          </a:effectRef>
+          <a:fontRef idx="minor">
+            <a:schemeClr val="lt1"/>
+          </a:fontRef>
+        </p:style>
+        <p:txBody>
+          <a:bodyPr rtlCol="0" anchor="ctr"/>
+          <a:lstStyle/>
+          <a:p>
+            <a:pPr algn="ctr"/>
+            <a:endParaRPr lang="fr-FR" dirty="0"/>
+          </a:p>
+        </p:txBody>
+      </p:sp>
+      <p:sp>
+        <p:nvSpPr>
+          <p:cNvPr id="31" name="Organigramme : Terminateur 30">
+            <a:extLst>
+              <a:ext uri="{FF2B5EF4-FFF2-40B4-BE49-F238E27FC236}">
+                <a16:creationId xmlns:a16="http://schemas.microsoft.com/office/drawing/2014/main" id="{BDD756DD-F2ED-49EE-BF72-D956647E4371}"/>
+              </a:ext>
+            </a:extLst>
+          </p:cNvPr>
+          <p:cNvSpPr/>
+          <p:nvPr/>
+        </p:nvSpPr>
+        <p:spPr>
+          <a:xfrm>
+            <a:off x="11782954" y="3464982"/>
+            <a:ext cx="137445" cy="71437"/>
+          </a:xfrm>
+          <a:prstGeom prst="flowChartTerminator">
+            <a:avLst/>
+          </a:prstGeom>
+          <a:solidFill>
+            <a:schemeClr val="bg1"/>
+          </a:solidFill>
+          <a:ln>
+            <a:solidFill>
+              <a:schemeClr val="bg1"/>
+            </a:solidFill>
+          </a:ln>
+        </p:spPr>
+        <p:style>
+          <a:lnRef idx="2">
+            <a:schemeClr val="accent1">
+              <a:shade val="50000"/>
+            </a:schemeClr>
+          </a:lnRef>
+          <a:fillRef idx="1">
+            <a:schemeClr val="accent1"/>
+          </a:fillRef>
+          <a:effectRef idx="0">
+            <a:schemeClr val="accent1"/>
+          </a:effectRef>
+          <a:fontRef idx="minor">
+            <a:schemeClr val="lt1"/>
+          </a:fontRef>
+        </p:style>
+        <p:txBody>
+          <a:bodyPr rtlCol="0" anchor="ctr"/>
+          <a:lstStyle/>
+          <a:p>
+            <a:pPr algn="ctr"/>
+            <a:endParaRPr lang="fr-FR" dirty="0"/>
+          </a:p>
+        </p:txBody>
+      </p:sp>
+      <p:sp>
+        <p:nvSpPr>
+          <p:cNvPr id="32" name="Organigramme : Terminateur 31">
+            <a:extLst>
+              <a:ext uri="{FF2B5EF4-FFF2-40B4-BE49-F238E27FC236}">
+                <a16:creationId xmlns:a16="http://schemas.microsoft.com/office/drawing/2014/main" id="{2F127B38-AAAA-4DBD-B24D-B938CFEE48F7}"/>
+              </a:ext>
+            </a:extLst>
+          </p:cNvPr>
+          <p:cNvSpPr/>
+          <p:nvPr/>
+        </p:nvSpPr>
+        <p:spPr>
+          <a:xfrm>
+            <a:off x="11787913" y="3246684"/>
+            <a:ext cx="137445" cy="71437"/>
+          </a:xfrm>
+          <a:prstGeom prst="flowChartTerminator">
+            <a:avLst/>
+          </a:prstGeom>
+          <a:solidFill>
+            <a:schemeClr val="bg1"/>
+          </a:solidFill>
+          <a:ln>
+            <a:solidFill>
+              <a:schemeClr val="bg1"/>
+            </a:solidFill>
+          </a:ln>
+        </p:spPr>
+        <p:style>
+          <a:lnRef idx="2">
+            <a:schemeClr val="accent1">
+              <a:shade val="50000"/>
+            </a:schemeClr>
+          </a:lnRef>
+          <a:fillRef idx="1">
+            <a:schemeClr val="accent1"/>
+          </a:fillRef>
+          <a:effectRef idx="0">
+            <a:schemeClr val="accent1"/>
+          </a:effectRef>
+          <a:fontRef idx="minor">
+            <a:schemeClr val="lt1"/>
+          </a:fontRef>
+        </p:style>
+        <p:txBody>
+          <a:bodyPr rtlCol="0" anchor="ctr"/>
+          <a:lstStyle/>
+          <a:p>
+            <a:pPr algn="ctr"/>
+            <a:endParaRPr lang="fr-FR" dirty="0"/>
+          </a:p>
+        </p:txBody>
+      </p:sp>
+      <p:sp>
+        <p:nvSpPr>
+          <p:cNvPr id="29" name="Organigramme : Terminateur 28">
+            <a:extLst>
+              <a:ext uri="{FF2B5EF4-FFF2-40B4-BE49-F238E27FC236}">
+                <a16:creationId xmlns:a16="http://schemas.microsoft.com/office/drawing/2014/main" id="{8680FA50-09CB-4762-840F-59359D314EE6}"/>
+              </a:ext>
+            </a:extLst>
+          </p:cNvPr>
+          <p:cNvSpPr/>
+          <p:nvPr/>
+        </p:nvSpPr>
+        <p:spPr>
+          <a:xfrm>
+            <a:off x="11782810" y="1022638"/>
+            <a:ext cx="137445" cy="71437"/>
+          </a:xfrm>
+          <a:prstGeom prst="flowChartTerminator">
+            <a:avLst/>
+          </a:prstGeom>
+          <a:solidFill>
+            <a:schemeClr val="bg1"/>
+          </a:solidFill>
+          <a:ln>
+            <a:solidFill>
+              <a:schemeClr val="bg1"/>
+            </a:solidFill>
+          </a:ln>
+        </p:spPr>
+        <p:style>
+          <a:lnRef idx="2">
+            <a:schemeClr val="accent1">
+              <a:shade val="50000"/>
+            </a:schemeClr>
+          </a:lnRef>
+          <a:fillRef idx="1">
+            <a:schemeClr val="accent1"/>
+          </a:fillRef>
+          <a:effectRef idx="0">
+            <a:schemeClr val="accent1"/>
+          </a:effectRef>
+          <a:fontRef idx="minor">
+            <a:schemeClr val="lt1"/>
+          </a:fontRef>
+        </p:style>
+        <p:txBody>
+          <a:bodyPr rtlCol="0" anchor="ctr"/>
+          <a:lstStyle/>
+          <a:p>
+            <a:pPr algn="ctr"/>
+            <a:endParaRPr lang="fr-FR" dirty="0"/>
+          </a:p>
+        </p:txBody>
+      </p:sp>
+      <p:sp>
+        <p:nvSpPr>
+          <p:cNvPr id="28" name="Organigramme : Terminateur 27">
+            <a:extLst>
+              <a:ext uri="{FF2B5EF4-FFF2-40B4-BE49-F238E27FC236}">
+                <a16:creationId xmlns:a16="http://schemas.microsoft.com/office/drawing/2014/main" id="{DB05532A-1E62-4869-B0CD-457C8C100E8D}"/>
+              </a:ext>
+            </a:extLst>
+          </p:cNvPr>
+          <p:cNvSpPr/>
+          <p:nvPr/>
+        </p:nvSpPr>
+        <p:spPr>
+          <a:xfrm>
+            <a:off x="11782811" y="808982"/>
+            <a:ext cx="137445" cy="71437"/>
+          </a:xfrm>
+          <a:prstGeom prst="flowChartTerminator">
+            <a:avLst/>
+          </a:prstGeom>
+          <a:solidFill>
+            <a:schemeClr val="bg1"/>
+          </a:solidFill>
+          <a:ln>
+            <a:solidFill>
+              <a:schemeClr val="bg1"/>
+            </a:solidFill>
+          </a:ln>
+        </p:spPr>
+        <p:style>
+          <a:lnRef idx="2">
+            <a:schemeClr val="accent1">
+              <a:shade val="50000"/>
+            </a:schemeClr>
+          </a:lnRef>
+          <a:fillRef idx="1">
+            <a:schemeClr val="accent1"/>
+          </a:fillRef>
+          <a:effectRef idx="0">
+            <a:schemeClr val="accent1"/>
+          </a:effectRef>
+          <a:fontRef idx="minor">
+            <a:schemeClr val="lt1"/>
+          </a:fontRef>
+        </p:style>
+        <p:txBody>
+          <a:bodyPr rtlCol="0" anchor="ctr"/>
+          <a:lstStyle/>
+          <a:p>
+            <a:pPr algn="ctr"/>
+            <a:endParaRPr lang="fr-FR" dirty="0"/>
+          </a:p>
+        </p:txBody>
+      </p:sp>
+      <p:sp>
+        <p:nvSpPr>
+          <p:cNvPr id="27" name="Organigramme : Terminateur 26">
+            <a:extLst>
+              <a:ext uri="{FF2B5EF4-FFF2-40B4-BE49-F238E27FC236}">
+                <a16:creationId xmlns:a16="http://schemas.microsoft.com/office/drawing/2014/main" id="{82C3BEEF-E4AB-439D-AB25-3F975A1A8383}"/>
+              </a:ext>
+            </a:extLst>
+          </p:cNvPr>
+          <p:cNvSpPr/>
+          <p:nvPr/>
+        </p:nvSpPr>
+        <p:spPr>
+          <a:xfrm>
+            <a:off x="11780105" y="596427"/>
+            <a:ext cx="137445" cy="71437"/>
+          </a:xfrm>
+          <a:prstGeom prst="flowChartTerminator">
+            <a:avLst/>
+          </a:prstGeom>
+          <a:solidFill>
+            <a:srgbClr val="A31257"/>
+          </a:solidFill>
+          <a:ln>
+            <a:solidFill>
+              <a:schemeClr val="bg1"/>
+            </a:solidFill>
+          </a:ln>
+        </p:spPr>
+        <p:style>
+          <a:lnRef idx="2">
+            <a:schemeClr val="accent1">
+              <a:shade val="50000"/>
+            </a:schemeClr>
+          </a:lnRef>
+          <a:fillRef idx="1">
+            <a:schemeClr val="accent1"/>
+          </a:fillRef>
+          <a:effectRef idx="0">
+            <a:schemeClr val="accent1"/>
+          </a:effectRef>
+          <a:fontRef idx="minor">
+            <a:schemeClr val="lt1"/>
+          </a:fontRef>
+        </p:style>
+        <p:txBody>
+          <a:bodyPr rtlCol="0" anchor="ctr"/>
+          <a:lstStyle/>
+          <a:p>
+            <a:pPr algn="ctr"/>
+            <a:endParaRPr lang="fr-FR" dirty="0"/>
+          </a:p>
+        </p:txBody>
+      </p:sp>
       <p:pic>
         <p:nvPicPr>
           <p:cNvPr id="1026" name="Picture 2" descr="Image associée">
@@ -12270,6 +12948,1388 @@
               <a:rPr lang="fr-FR" sz="2400" dirty="0"/>
               <a:t>2</a:t>
             </a:r>
+          </a:p>
+        </p:txBody>
+      </p:sp>
+      <p:sp>
+        <p:nvSpPr>
+          <p:cNvPr id="6" name="Ellipse 5">
+            <a:extLst>
+              <a:ext uri="{FF2B5EF4-FFF2-40B4-BE49-F238E27FC236}">
+                <a16:creationId xmlns:a16="http://schemas.microsoft.com/office/drawing/2014/main" id="{B4D120A1-E8E3-4251-AF0E-3375AFF9ACF8}"/>
+              </a:ext>
+            </a:extLst>
+          </p:cNvPr>
+          <p:cNvSpPr/>
+          <p:nvPr/>
+        </p:nvSpPr>
+        <p:spPr>
+          <a:xfrm>
+            <a:off x="11740896" y="143435"/>
+            <a:ext cx="307668" cy="317709"/>
+          </a:xfrm>
+          <a:prstGeom prst="ellipse">
+            <a:avLst/>
+          </a:prstGeom>
+          <a:solidFill>
+            <a:srgbClr val="A31257"/>
+          </a:solidFill>
+          <a:ln>
+            <a:solidFill>
+              <a:schemeClr val="bg1"/>
+            </a:solidFill>
+          </a:ln>
+        </p:spPr>
+        <p:style>
+          <a:lnRef idx="2">
+            <a:schemeClr val="accent1">
+              <a:shade val="50000"/>
+            </a:schemeClr>
+          </a:lnRef>
+          <a:fillRef idx="1">
+            <a:schemeClr val="accent1"/>
+          </a:fillRef>
+          <a:effectRef idx="0">
+            <a:schemeClr val="accent1"/>
+          </a:effectRef>
+          <a:fontRef idx="minor">
+            <a:schemeClr val="lt1"/>
+          </a:fontRef>
+        </p:style>
+        <p:txBody>
+          <a:bodyPr rtlCol="0" anchor="ctr"/>
+          <a:lstStyle/>
+          <a:p>
+            <a:pPr algn="ctr"/>
+            <a:endParaRPr lang="fr-FR" dirty="0"/>
+          </a:p>
+        </p:txBody>
+      </p:sp>
+      <p:sp>
+        <p:nvSpPr>
+          <p:cNvPr id="16" name="Rectangle 15">
+            <a:extLst>
+              <a:ext uri="{FF2B5EF4-FFF2-40B4-BE49-F238E27FC236}">
+                <a16:creationId xmlns:a16="http://schemas.microsoft.com/office/drawing/2014/main" id="{F8FAD2E6-F58B-444D-83A0-C89C3228905D}"/>
+              </a:ext>
+            </a:extLst>
+          </p:cNvPr>
+          <p:cNvSpPr/>
+          <p:nvPr/>
+        </p:nvSpPr>
+        <p:spPr>
+          <a:xfrm>
+            <a:off x="11861348" y="325214"/>
+            <a:ext cx="55883" cy="6446174"/>
+          </a:xfrm>
+          <a:prstGeom prst="rect">
+            <a:avLst/>
+          </a:prstGeom>
+          <a:solidFill>
+            <a:srgbClr val="A31257"/>
+          </a:solidFill>
+          <a:ln>
+            <a:noFill/>
+          </a:ln>
+        </p:spPr>
+        <p:style>
+          <a:lnRef idx="2">
+            <a:schemeClr val="accent1">
+              <a:shade val="50000"/>
+            </a:schemeClr>
+          </a:lnRef>
+          <a:fillRef idx="1">
+            <a:schemeClr val="accent1"/>
+          </a:fillRef>
+          <a:effectRef idx="0">
+            <a:schemeClr val="accent1"/>
+          </a:effectRef>
+          <a:fontRef idx="minor">
+            <a:schemeClr val="lt1"/>
+          </a:fontRef>
+        </p:style>
+        <p:txBody>
+          <a:bodyPr rtlCol="0" anchor="ctr"/>
+          <a:lstStyle/>
+          <a:p>
+            <a:pPr algn="ctr"/>
+            <a:endParaRPr lang="fr-FR"/>
+          </a:p>
+        </p:txBody>
+      </p:sp>
+      <p:sp>
+        <p:nvSpPr>
+          <p:cNvPr id="36" name="ZoneTexte 35">
+            <a:extLst>
+              <a:ext uri="{FF2B5EF4-FFF2-40B4-BE49-F238E27FC236}">
+                <a16:creationId xmlns:a16="http://schemas.microsoft.com/office/drawing/2014/main" id="{D58482BA-511E-42F0-9AB3-8B528F37FD0C}"/>
+              </a:ext>
+            </a:extLst>
+          </p:cNvPr>
+          <p:cNvSpPr txBox="1"/>
+          <p:nvPr/>
+        </p:nvSpPr>
+        <p:spPr>
+          <a:xfrm>
+            <a:off x="9865580" y="164391"/>
+            <a:ext cx="1874223" cy="261610"/>
+          </a:xfrm>
+          <a:prstGeom prst="rect">
+            <a:avLst/>
+          </a:prstGeom>
+          <a:noFill/>
+        </p:spPr>
+        <p:txBody>
+          <a:bodyPr wrap="square" rtlCol="0">
+            <a:spAutoFit/>
+          </a:bodyPr>
+          <a:lstStyle/>
+          <a:p>
+            <a:pPr algn="r"/>
+            <a:r>
+              <a:rPr lang="fr-FR" sz="1100" i="1" dirty="0">
+                <a:effectLst>
+                  <a:outerShdw blurRad="38100" dist="38100" dir="2700000" algn="tl">
+                    <a:srgbClr val="000000">
+                      <a:alpha val="43137"/>
+                    </a:srgbClr>
+                  </a:outerShdw>
+                </a:effectLst>
+              </a:rPr>
+              <a:t>Présentation du projet</a:t>
+            </a:r>
+          </a:p>
+        </p:txBody>
+      </p:sp>
+      <p:sp>
+        <p:nvSpPr>
+          <p:cNvPr id="37" name="ZoneTexte 36">
+            <a:extLst>
+              <a:ext uri="{FF2B5EF4-FFF2-40B4-BE49-F238E27FC236}">
+                <a16:creationId xmlns:a16="http://schemas.microsoft.com/office/drawing/2014/main" id="{02856E73-C177-4EF7-8F16-6760CDE6F2E2}"/>
+              </a:ext>
+            </a:extLst>
+          </p:cNvPr>
+          <p:cNvSpPr txBox="1"/>
+          <p:nvPr/>
+        </p:nvSpPr>
+        <p:spPr>
+          <a:xfrm>
+            <a:off x="9926211" y="507693"/>
+            <a:ext cx="1874223" cy="261610"/>
+          </a:xfrm>
+          <a:prstGeom prst="rect">
+            <a:avLst/>
+          </a:prstGeom>
+          <a:noFill/>
+        </p:spPr>
+        <p:txBody>
+          <a:bodyPr wrap="square" rtlCol="0">
+            <a:spAutoFit/>
+          </a:bodyPr>
+          <a:lstStyle/>
+          <a:p>
+            <a:pPr algn="r"/>
+            <a:r>
+              <a:rPr lang="fr-FR" sz="1100" i="1" dirty="0">
+                <a:effectLst>
+                  <a:outerShdw blurRad="38100" dist="38100" dir="2700000" algn="tl">
+                    <a:srgbClr val="000000">
+                      <a:alpha val="43137"/>
+                    </a:srgbClr>
+                  </a:outerShdw>
+                </a:effectLst>
+              </a:rPr>
+              <a:t>Schéma global</a:t>
+            </a:r>
+          </a:p>
+        </p:txBody>
+      </p:sp>
+      <p:sp>
+        <p:nvSpPr>
+          <p:cNvPr id="38" name="ZoneTexte 37">
+            <a:extLst>
+              <a:ext uri="{FF2B5EF4-FFF2-40B4-BE49-F238E27FC236}">
+                <a16:creationId xmlns:a16="http://schemas.microsoft.com/office/drawing/2014/main" id="{BD88F773-82B7-4917-B730-EBA464D49944}"/>
+              </a:ext>
+            </a:extLst>
+          </p:cNvPr>
+          <p:cNvSpPr txBox="1"/>
+          <p:nvPr/>
+        </p:nvSpPr>
+        <p:spPr>
+          <a:xfrm>
+            <a:off x="9946504" y="727130"/>
+            <a:ext cx="1874223" cy="261610"/>
+          </a:xfrm>
+          <a:prstGeom prst="rect">
+            <a:avLst/>
+          </a:prstGeom>
+          <a:noFill/>
+        </p:spPr>
+        <p:txBody>
+          <a:bodyPr wrap="square" rtlCol="0">
+            <a:spAutoFit/>
+          </a:bodyPr>
+          <a:lstStyle/>
+          <a:p>
+            <a:pPr algn="r"/>
+            <a:r>
+              <a:rPr lang="fr-FR" sz="1100" i="1" dirty="0">
+                <a:effectLst>
+                  <a:outerShdw blurRad="38100" dist="38100" dir="2700000" algn="tl">
+                    <a:srgbClr val="000000">
+                      <a:alpha val="43137"/>
+                    </a:srgbClr>
+                  </a:outerShdw>
+                </a:effectLst>
+              </a:rPr>
+              <a:t>Schéma personnalisé</a:t>
+            </a:r>
+          </a:p>
+        </p:txBody>
+      </p:sp>
+      <p:sp>
+        <p:nvSpPr>
+          <p:cNvPr id="39" name="ZoneTexte 38">
+            <a:extLst>
+              <a:ext uri="{FF2B5EF4-FFF2-40B4-BE49-F238E27FC236}">
+                <a16:creationId xmlns:a16="http://schemas.microsoft.com/office/drawing/2014/main" id="{64834D40-3413-469B-98D4-3E042CA2E26D}"/>
+              </a:ext>
+            </a:extLst>
+          </p:cNvPr>
+          <p:cNvSpPr txBox="1"/>
+          <p:nvPr/>
+        </p:nvSpPr>
+        <p:spPr>
+          <a:xfrm>
+            <a:off x="9941401" y="918998"/>
+            <a:ext cx="1874223" cy="261610"/>
+          </a:xfrm>
+          <a:prstGeom prst="rect">
+            <a:avLst/>
+          </a:prstGeom>
+          <a:noFill/>
+        </p:spPr>
+        <p:txBody>
+          <a:bodyPr wrap="square" rtlCol="0">
+            <a:spAutoFit/>
+          </a:bodyPr>
+          <a:lstStyle/>
+          <a:p>
+            <a:pPr algn="r"/>
+            <a:r>
+              <a:rPr lang="fr-FR" sz="1100" i="1" dirty="0">
+                <a:effectLst>
+                  <a:outerShdw blurRad="38100" dist="38100" dir="2700000" algn="tl">
+                    <a:srgbClr val="000000">
+                      <a:alpha val="43137"/>
+                    </a:srgbClr>
+                  </a:outerShdw>
+                </a:effectLst>
+              </a:rPr>
+              <a:t>Tâches personnelles</a:t>
+            </a:r>
+          </a:p>
+        </p:txBody>
+      </p:sp>
+      <p:sp>
+        <p:nvSpPr>
+          <p:cNvPr id="40" name="ZoneTexte 39">
+            <a:extLst>
+              <a:ext uri="{FF2B5EF4-FFF2-40B4-BE49-F238E27FC236}">
+                <a16:creationId xmlns:a16="http://schemas.microsoft.com/office/drawing/2014/main" id="{8A3F0733-4849-4B28-933A-F126DB3D735F}"/>
+              </a:ext>
+            </a:extLst>
+          </p:cNvPr>
+          <p:cNvSpPr txBox="1"/>
+          <p:nvPr/>
+        </p:nvSpPr>
+        <p:spPr>
+          <a:xfrm>
+            <a:off x="9865580" y="1281294"/>
+            <a:ext cx="1874223" cy="261610"/>
+          </a:xfrm>
+          <a:prstGeom prst="rect">
+            <a:avLst/>
+          </a:prstGeom>
+          <a:noFill/>
+        </p:spPr>
+        <p:txBody>
+          <a:bodyPr wrap="square" rtlCol="0">
+            <a:spAutoFit/>
+          </a:bodyPr>
+          <a:lstStyle/>
+          <a:p>
+            <a:pPr algn="r"/>
+            <a:r>
+              <a:rPr lang="fr-FR" sz="1100" i="1" dirty="0">
+                <a:effectLst>
+                  <a:outerShdw blurRad="38100" dist="38100" dir="2700000" algn="tl">
+                    <a:srgbClr val="000000">
+                      <a:alpha val="43137"/>
+                    </a:srgbClr>
+                  </a:outerShdw>
+                </a:effectLst>
+              </a:rPr>
+              <a:t>Schématisation réseau</a:t>
+            </a:r>
+          </a:p>
+        </p:txBody>
+      </p:sp>
+      <p:sp>
+        <p:nvSpPr>
+          <p:cNvPr id="41" name="ZoneTexte 40">
+            <a:extLst>
+              <a:ext uri="{FF2B5EF4-FFF2-40B4-BE49-F238E27FC236}">
+                <a16:creationId xmlns:a16="http://schemas.microsoft.com/office/drawing/2014/main" id="{F324FD21-6FE2-457F-BEF2-7C65EF078B9C}"/>
+              </a:ext>
+            </a:extLst>
+          </p:cNvPr>
+          <p:cNvSpPr txBox="1"/>
+          <p:nvPr/>
+        </p:nvSpPr>
+        <p:spPr>
+          <a:xfrm>
+            <a:off x="9863775" y="1787278"/>
+            <a:ext cx="1874223" cy="261610"/>
+          </a:xfrm>
+          <a:prstGeom prst="rect">
+            <a:avLst/>
+          </a:prstGeom>
+          <a:noFill/>
+        </p:spPr>
+        <p:txBody>
+          <a:bodyPr wrap="square" rtlCol="0">
+            <a:spAutoFit/>
+          </a:bodyPr>
+          <a:lstStyle/>
+          <a:p>
+            <a:pPr algn="r"/>
+            <a:r>
+              <a:rPr lang="fr-FR" sz="1100" i="1" dirty="0">
+                <a:effectLst>
+                  <a:outerShdw blurRad="38100" dist="38100" dir="2700000" algn="tl">
+                    <a:srgbClr val="000000">
+                      <a:alpha val="43137"/>
+                    </a:srgbClr>
+                  </a:outerShdw>
+                </a:effectLst>
+              </a:rPr>
+              <a:t>Développement</a:t>
+            </a:r>
+          </a:p>
+        </p:txBody>
+      </p:sp>
+      <p:sp>
+        <p:nvSpPr>
+          <p:cNvPr id="42" name="ZoneTexte 41">
+            <a:extLst>
+              <a:ext uri="{FF2B5EF4-FFF2-40B4-BE49-F238E27FC236}">
+                <a16:creationId xmlns:a16="http://schemas.microsoft.com/office/drawing/2014/main" id="{82DE8002-7AE1-486B-A9DA-C00699F34CED}"/>
+              </a:ext>
+            </a:extLst>
+          </p:cNvPr>
+          <p:cNvSpPr txBox="1"/>
+          <p:nvPr/>
+        </p:nvSpPr>
+        <p:spPr>
+          <a:xfrm>
+            <a:off x="9842434" y="2222827"/>
+            <a:ext cx="1874223" cy="430887"/>
+          </a:xfrm>
+          <a:prstGeom prst="rect">
+            <a:avLst/>
+          </a:prstGeom>
+          <a:noFill/>
+        </p:spPr>
+        <p:txBody>
+          <a:bodyPr wrap="square" rtlCol="0">
+            <a:spAutoFit/>
+          </a:bodyPr>
+          <a:lstStyle/>
+          <a:p>
+            <a:pPr algn="r"/>
+            <a:r>
+              <a:rPr lang="fr-FR" sz="1100" i="1" dirty="0">
+                <a:effectLst>
+                  <a:outerShdw blurRad="38100" dist="38100" dir="2700000" algn="tl">
+                    <a:srgbClr val="000000">
+                      <a:alpha val="43137"/>
+                    </a:srgbClr>
+                  </a:outerShdw>
+                </a:effectLst>
+              </a:rPr>
+              <a:t>Diagramme de cas d’utilisation</a:t>
+            </a:r>
+          </a:p>
+        </p:txBody>
+      </p:sp>
+      <p:sp>
+        <p:nvSpPr>
+          <p:cNvPr id="43" name="ZoneTexte 42">
+            <a:extLst>
+              <a:ext uri="{FF2B5EF4-FFF2-40B4-BE49-F238E27FC236}">
+                <a16:creationId xmlns:a16="http://schemas.microsoft.com/office/drawing/2014/main" id="{C938B8C6-EF6C-4A39-BBBD-E8664A0EE70C}"/>
+              </a:ext>
+            </a:extLst>
+          </p:cNvPr>
+          <p:cNvSpPr txBox="1"/>
+          <p:nvPr/>
+        </p:nvSpPr>
+        <p:spPr>
+          <a:xfrm>
+            <a:off x="9926210" y="2861382"/>
+            <a:ext cx="1874223" cy="261610"/>
+          </a:xfrm>
+          <a:prstGeom prst="rect">
+            <a:avLst/>
+          </a:prstGeom>
+          <a:noFill/>
+        </p:spPr>
+        <p:txBody>
+          <a:bodyPr wrap="square" rtlCol="0">
+            <a:spAutoFit/>
+          </a:bodyPr>
+          <a:lstStyle/>
+          <a:p>
+            <a:pPr algn="r"/>
+            <a:r>
+              <a:rPr lang="fr-FR" sz="1100" i="1" dirty="0">
+                <a:effectLst>
+                  <a:outerShdw blurRad="38100" dist="38100" dir="2700000" algn="tl">
+                    <a:srgbClr val="000000">
+                      <a:alpha val="43137"/>
+                    </a:srgbClr>
+                  </a:outerShdw>
+                </a:effectLst>
+              </a:rPr>
+              <a:t>Application de supervision</a:t>
+            </a:r>
+          </a:p>
+        </p:txBody>
+      </p:sp>
+      <p:sp>
+        <p:nvSpPr>
+          <p:cNvPr id="44" name="ZoneTexte 43">
+            <a:extLst>
+              <a:ext uri="{FF2B5EF4-FFF2-40B4-BE49-F238E27FC236}">
+                <a16:creationId xmlns:a16="http://schemas.microsoft.com/office/drawing/2014/main" id="{1B11148E-B2B6-448E-A99A-576204DCE23B}"/>
+              </a:ext>
+            </a:extLst>
+          </p:cNvPr>
+          <p:cNvSpPr txBox="1"/>
+          <p:nvPr/>
+        </p:nvSpPr>
+        <p:spPr>
+          <a:xfrm>
+            <a:off x="9956668" y="3157513"/>
+            <a:ext cx="1874223" cy="261610"/>
+          </a:xfrm>
+          <a:prstGeom prst="rect">
+            <a:avLst/>
+          </a:prstGeom>
+          <a:noFill/>
+        </p:spPr>
+        <p:txBody>
+          <a:bodyPr wrap="square" rtlCol="0">
+            <a:spAutoFit/>
+          </a:bodyPr>
+          <a:lstStyle/>
+          <a:p>
+            <a:pPr algn="r"/>
+            <a:r>
+              <a:rPr lang="fr-FR" sz="1100" i="1" dirty="0">
+                <a:effectLst>
+                  <a:outerShdw blurRad="38100" dist="38100" dir="2700000" algn="tl">
+                    <a:srgbClr val="000000">
+                      <a:alpha val="43137"/>
+                    </a:srgbClr>
+                  </a:outerShdw>
+                </a:effectLst>
+              </a:rPr>
+              <a:t>Lancer une partie</a:t>
+            </a:r>
+          </a:p>
+        </p:txBody>
+      </p:sp>
+      <p:sp>
+        <p:nvSpPr>
+          <p:cNvPr id="45" name="ZoneTexte 44">
+            <a:extLst>
+              <a:ext uri="{FF2B5EF4-FFF2-40B4-BE49-F238E27FC236}">
+                <a16:creationId xmlns:a16="http://schemas.microsoft.com/office/drawing/2014/main" id="{645616B6-0487-4964-8C30-072E5E108C1E}"/>
+              </a:ext>
+            </a:extLst>
+          </p:cNvPr>
+          <p:cNvSpPr txBox="1"/>
+          <p:nvPr/>
+        </p:nvSpPr>
+        <p:spPr>
+          <a:xfrm>
+            <a:off x="9947928" y="3386750"/>
+            <a:ext cx="1874223" cy="261610"/>
+          </a:xfrm>
+          <a:prstGeom prst="rect">
+            <a:avLst/>
+          </a:prstGeom>
+          <a:noFill/>
+        </p:spPr>
+        <p:txBody>
+          <a:bodyPr wrap="square" rtlCol="0">
+            <a:spAutoFit/>
+          </a:bodyPr>
+          <a:lstStyle/>
+          <a:p>
+            <a:pPr algn="r"/>
+            <a:r>
+              <a:rPr lang="fr-FR" sz="1100" i="1" dirty="0">
+                <a:effectLst>
+                  <a:outerShdw blurRad="38100" dist="38100" dir="2700000" algn="tl">
+                    <a:srgbClr val="000000">
+                      <a:alpha val="43137"/>
+                    </a:srgbClr>
+                  </a:outerShdw>
+                </a:effectLst>
+              </a:rPr>
+              <a:t>Superviser</a:t>
+            </a:r>
+          </a:p>
+        </p:txBody>
+      </p:sp>
+      <p:sp>
+        <p:nvSpPr>
+          <p:cNvPr id="46" name="ZoneTexte 45">
+            <a:extLst>
+              <a:ext uri="{FF2B5EF4-FFF2-40B4-BE49-F238E27FC236}">
+                <a16:creationId xmlns:a16="http://schemas.microsoft.com/office/drawing/2014/main" id="{DE01A5A9-8571-49D8-B475-E9E8E348A1A7}"/>
+              </a:ext>
+            </a:extLst>
+          </p:cNvPr>
+          <p:cNvSpPr txBox="1"/>
+          <p:nvPr/>
+        </p:nvSpPr>
+        <p:spPr>
+          <a:xfrm>
+            <a:off x="9941400" y="3596455"/>
+            <a:ext cx="1874223" cy="261610"/>
+          </a:xfrm>
+          <a:prstGeom prst="rect">
+            <a:avLst/>
+          </a:prstGeom>
+          <a:noFill/>
+        </p:spPr>
+        <p:txBody>
+          <a:bodyPr wrap="square" rtlCol="0">
+            <a:spAutoFit/>
+          </a:bodyPr>
+          <a:lstStyle/>
+          <a:p>
+            <a:pPr algn="r"/>
+            <a:r>
+              <a:rPr lang="fr-FR" sz="1100" i="1" dirty="0">
+                <a:effectLst>
+                  <a:outerShdw blurRad="38100" dist="38100" dir="2700000" algn="tl">
+                    <a:srgbClr val="000000">
+                      <a:alpha val="43137"/>
+                    </a:srgbClr>
+                  </a:outerShdw>
+                </a:effectLst>
+              </a:rPr>
+              <a:t>Envoi d’indice / Fin</a:t>
+            </a:r>
+          </a:p>
+        </p:txBody>
+      </p:sp>
+      <p:sp>
+        <p:nvSpPr>
+          <p:cNvPr id="47" name="ZoneTexte 46">
+            <a:extLst>
+              <a:ext uri="{FF2B5EF4-FFF2-40B4-BE49-F238E27FC236}">
+                <a16:creationId xmlns:a16="http://schemas.microsoft.com/office/drawing/2014/main" id="{C51FBC08-5E66-409E-A8B8-3E032D994688}"/>
+              </a:ext>
+            </a:extLst>
+          </p:cNvPr>
+          <p:cNvSpPr txBox="1"/>
+          <p:nvPr/>
+        </p:nvSpPr>
+        <p:spPr>
+          <a:xfrm>
+            <a:off x="9905882" y="3995785"/>
+            <a:ext cx="1874223" cy="261610"/>
+          </a:xfrm>
+          <a:prstGeom prst="rect">
+            <a:avLst/>
+          </a:prstGeom>
+          <a:noFill/>
+        </p:spPr>
+        <p:txBody>
+          <a:bodyPr wrap="square" rtlCol="0">
+            <a:spAutoFit/>
+          </a:bodyPr>
+          <a:lstStyle/>
+          <a:p>
+            <a:pPr algn="r"/>
+            <a:r>
+              <a:rPr lang="fr-FR" sz="1100" i="1" dirty="0">
+                <a:effectLst>
+                  <a:outerShdw blurRad="38100" dist="38100" dir="2700000" algn="tl">
+                    <a:srgbClr val="000000">
+                      <a:alpha val="43137"/>
+                    </a:srgbClr>
+                  </a:outerShdw>
+                </a:effectLst>
+              </a:rPr>
+              <a:t>Diagrammes de séquence</a:t>
+            </a:r>
+          </a:p>
+        </p:txBody>
+      </p:sp>
+      <p:sp>
+        <p:nvSpPr>
+          <p:cNvPr id="48" name="ZoneTexte 47">
+            <a:extLst>
+              <a:ext uri="{FF2B5EF4-FFF2-40B4-BE49-F238E27FC236}">
+                <a16:creationId xmlns:a16="http://schemas.microsoft.com/office/drawing/2014/main" id="{0D2F99C4-9843-4D17-AE96-01EF2084A2CE}"/>
+              </a:ext>
+            </a:extLst>
+          </p:cNvPr>
+          <p:cNvSpPr txBox="1"/>
+          <p:nvPr/>
+        </p:nvSpPr>
+        <p:spPr>
+          <a:xfrm>
+            <a:off x="9964263" y="4310665"/>
+            <a:ext cx="1874223" cy="261610"/>
+          </a:xfrm>
+          <a:prstGeom prst="rect">
+            <a:avLst/>
+          </a:prstGeom>
+          <a:noFill/>
+        </p:spPr>
+        <p:txBody>
+          <a:bodyPr wrap="square" rtlCol="0">
+            <a:spAutoFit/>
+          </a:bodyPr>
+          <a:lstStyle/>
+          <a:p>
+            <a:pPr algn="r"/>
+            <a:r>
+              <a:rPr lang="fr-FR" sz="1100" i="1" dirty="0">
+                <a:effectLst>
+                  <a:outerShdw blurRad="38100" dist="38100" dir="2700000" algn="tl">
+                    <a:srgbClr val="000000">
+                      <a:alpha val="43137"/>
+                    </a:srgbClr>
+                  </a:outerShdw>
+                </a:effectLst>
+              </a:rPr>
+              <a:t>Lancement d’une partie</a:t>
+            </a:r>
+          </a:p>
+        </p:txBody>
+      </p:sp>
+      <p:sp>
+        <p:nvSpPr>
+          <p:cNvPr id="49" name="ZoneTexte 48">
+            <a:extLst>
+              <a:ext uri="{FF2B5EF4-FFF2-40B4-BE49-F238E27FC236}">
+                <a16:creationId xmlns:a16="http://schemas.microsoft.com/office/drawing/2014/main" id="{31FF25AC-42B6-4B7B-BA95-F752E1332D47}"/>
+              </a:ext>
+            </a:extLst>
+          </p:cNvPr>
+          <p:cNvSpPr txBox="1"/>
+          <p:nvPr/>
+        </p:nvSpPr>
+        <p:spPr>
+          <a:xfrm>
+            <a:off x="9956667" y="4540093"/>
+            <a:ext cx="1874223" cy="261610"/>
+          </a:xfrm>
+          <a:prstGeom prst="rect">
+            <a:avLst/>
+          </a:prstGeom>
+          <a:noFill/>
+        </p:spPr>
+        <p:txBody>
+          <a:bodyPr wrap="square" rtlCol="0">
+            <a:spAutoFit/>
+          </a:bodyPr>
+          <a:lstStyle/>
+          <a:p>
+            <a:pPr algn="r"/>
+            <a:r>
+              <a:rPr lang="fr-FR" sz="1100" i="1" dirty="0">
+                <a:effectLst>
+                  <a:outerShdw blurRad="38100" dist="38100" dir="2700000" algn="tl">
+                    <a:srgbClr val="000000">
+                      <a:alpha val="43137"/>
+                    </a:srgbClr>
+                  </a:outerShdw>
+                </a:effectLst>
+              </a:rPr>
+              <a:t>Envoi d’un message</a:t>
+            </a:r>
+          </a:p>
+        </p:txBody>
+      </p:sp>
+      <p:sp>
+        <p:nvSpPr>
+          <p:cNvPr id="50" name="ZoneTexte 49">
+            <a:extLst>
+              <a:ext uri="{FF2B5EF4-FFF2-40B4-BE49-F238E27FC236}">
+                <a16:creationId xmlns:a16="http://schemas.microsoft.com/office/drawing/2014/main" id="{DB2FC691-99DB-43B0-AB69-B21080B6A345}"/>
+              </a:ext>
+            </a:extLst>
+          </p:cNvPr>
+          <p:cNvSpPr txBox="1"/>
+          <p:nvPr/>
+        </p:nvSpPr>
+        <p:spPr>
+          <a:xfrm>
+            <a:off x="9941399" y="4760933"/>
+            <a:ext cx="1874223" cy="261610"/>
+          </a:xfrm>
+          <a:prstGeom prst="rect">
+            <a:avLst/>
+          </a:prstGeom>
+          <a:noFill/>
+        </p:spPr>
+        <p:txBody>
+          <a:bodyPr wrap="square" rtlCol="0">
+            <a:spAutoFit/>
+          </a:bodyPr>
+          <a:lstStyle/>
+          <a:p>
+            <a:pPr algn="r"/>
+            <a:r>
+              <a:rPr lang="fr-FR" sz="1100" i="1" dirty="0">
+                <a:effectLst>
+                  <a:outerShdw blurRad="38100" dist="38100" dir="2700000" algn="tl">
+                    <a:srgbClr val="000000">
+                      <a:alpha val="43137"/>
+                    </a:srgbClr>
+                  </a:outerShdw>
+                </a:effectLst>
+              </a:rPr>
+              <a:t>Fin de la partie</a:t>
+            </a:r>
+          </a:p>
+        </p:txBody>
+      </p:sp>
+      <p:sp>
+        <p:nvSpPr>
+          <p:cNvPr id="51" name="ZoneTexte 50">
+            <a:extLst>
+              <a:ext uri="{FF2B5EF4-FFF2-40B4-BE49-F238E27FC236}">
+                <a16:creationId xmlns:a16="http://schemas.microsoft.com/office/drawing/2014/main" id="{9406FB6B-8B8A-47F1-BFB4-610191489A9C}"/>
+              </a:ext>
+            </a:extLst>
+          </p:cNvPr>
+          <p:cNvSpPr txBox="1"/>
+          <p:nvPr/>
+        </p:nvSpPr>
+        <p:spPr>
+          <a:xfrm>
+            <a:off x="9863775" y="5123280"/>
+            <a:ext cx="1874223" cy="261610"/>
+          </a:xfrm>
+          <a:prstGeom prst="rect">
+            <a:avLst/>
+          </a:prstGeom>
+          <a:noFill/>
+        </p:spPr>
+        <p:txBody>
+          <a:bodyPr wrap="square" rtlCol="0">
+            <a:spAutoFit/>
+          </a:bodyPr>
+          <a:lstStyle/>
+          <a:p>
+            <a:pPr algn="r"/>
+            <a:r>
+              <a:rPr lang="fr-FR" sz="1100" i="1" dirty="0">
+                <a:effectLst>
+                  <a:outerShdw blurRad="38100" dist="38100" dir="2700000" algn="tl">
+                    <a:srgbClr val="000000">
+                      <a:alpha val="43137"/>
+                    </a:srgbClr>
+                  </a:outerShdw>
+                </a:effectLst>
+              </a:rPr>
+              <a:t>Diagramme de classes</a:t>
+            </a:r>
+          </a:p>
+        </p:txBody>
+      </p:sp>
+      <p:sp>
+        <p:nvSpPr>
+          <p:cNvPr id="52" name="ZoneTexte 51">
+            <a:extLst>
+              <a:ext uri="{FF2B5EF4-FFF2-40B4-BE49-F238E27FC236}">
+                <a16:creationId xmlns:a16="http://schemas.microsoft.com/office/drawing/2014/main" id="{261B014A-E74A-4DD1-BEE7-6A572145B1DB}"/>
+              </a:ext>
+            </a:extLst>
+          </p:cNvPr>
+          <p:cNvSpPr txBox="1"/>
+          <p:nvPr/>
+        </p:nvSpPr>
+        <p:spPr>
+          <a:xfrm>
+            <a:off x="9842434" y="5824598"/>
+            <a:ext cx="1874223" cy="261610"/>
+          </a:xfrm>
+          <a:prstGeom prst="rect">
+            <a:avLst/>
+          </a:prstGeom>
+          <a:noFill/>
+        </p:spPr>
+        <p:txBody>
+          <a:bodyPr wrap="square" rtlCol="0">
+            <a:spAutoFit/>
+          </a:bodyPr>
+          <a:lstStyle/>
+          <a:p>
+            <a:pPr algn="r"/>
+            <a:r>
+              <a:rPr lang="fr-FR" sz="1100" i="1" dirty="0">
+                <a:effectLst>
+                  <a:outerShdw blurRad="38100" dist="38100" dir="2700000" algn="tl">
+                    <a:srgbClr val="000000">
+                      <a:alpha val="43137"/>
+                    </a:srgbClr>
+                  </a:outerShdw>
+                </a:effectLst>
+              </a:rPr>
+              <a:t>Base de Données</a:t>
+            </a:r>
+          </a:p>
+        </p:txBody>
+      </p:sp>
+      <p:sp>
+        <p:nvSpPr>
+          <p:cNvPr id="53" name="ZoneTexte 52">
+            <a:extLst>
+              <a:ext uri="{FF2B5EF4-FFF2-40B4-BE49-F238E27FC236}">
+                <a16:creationId xmlns:a16="http://schemas.microsoft.com/office/drawing/2014/main" id="{822D78F8-F8BF-4199-8451-67A20574AD21}"/>
+              </a:ext>
+            </a:extLst>
+          </p:cNvPr>
+          <p:cNvSpPr txBox="1"/>
+          <p:nvPr/>
+        </p:nvSpPr>
+        <p:spPr>
+          <a:xfrm>
+            <a:off x="9826051" y="6486853"/>
+            <a:ext cx="1874223" cy="261610"/>
+          </a:xfrm>
+          <a:prstGeom prst="rect">
+            <a:avLst/>
+          </a:prstGeom>
+          <a:noFill/>
+        </p:spPr>
+        <p:txBody>
+          <a:bodyPr wrap="square" rtlCol="0">
+            <a:spAutoFit/>
+          </a:bodyPr>
+          <a:lstStyle/>
+          <a:p>
+            <a:pPr algn="r"/>
+            <a:r>
+              <a:rPr lang="fr-FR" sz="1100" i="1" dirty="0">
+                <a:effectLst>
+                  <a:outerShdw blurRad="38100" dist="38100" dir="2700000" algn="tl">
+                    <a:srgbClr val="000000">
+                      <a:alpha val="43137"/>
+                    </a:srgbClr>
+                  </a:outerShdw>
+                </a:effectLst>
+              </a:rPr>
+              <a:t>Planification</a:t>
+            </a:r>
+          </a:p>
+        </p:txBody>
+      </p:sp>
+      <p:sp>
+        <p:nvSpPr>
+          <p:cNvPr id="54" name="Rectangle 53">
+            <a:extLst>
+              <a:ext uri="{FF2B5EF4-FFF2-40B4-BE49-F238E27FC236}">
+                <a16:creationId xmlns:a16="http://schemas.microsoft.com/office/drawing/2014/main" id="{848386F5-3619-4FD9-9EC5-4FB94406467D}"/>
+              </a:ext>
+            </a:extLst>
+          </p:cNvPr>
+          <p:cNvSpPr/>
+          <p:nvPr/>
+        </p:nvSpPr>
+        <p:spPr>
+          <a:xfrm>
+            <a:off x="11853752" y="667864"/>
+            <a:ext cx="63479" cy="6103524"/>
+          </a:xfrm>
+          <a:prstGeom prst="rect">
+            <a:avLst/>
+          </a:prstGeom>
+          <a:solidFill>
+            <a:schemeClr val="bg1"/>
+          </a:solidFill>
+          <a:ln>
+            <a:noFill/>
+          </a:ln>
+        </p:spPr>
+        <p:style>
+          <a:lnRef idx="2">
+            <a:schemeClr val="accent1">
+              <a:shade val="50000"/>
+            </a:schemeClr>
+          </a:lnRef>
+          <a:fillRef idx="1">
+            <a:schemeClr val="accent1"/>
+          </a:fillRef>
+          <a:effectRef idx="0">
+            <a:schemeClr val="accent1"/>
+          </a:effectRef>
+          <a:fontRef idx="minor">
+            <a:schemeClr val="lt1"/>
+          </a:fontRef>
+        </p:style>
+        <p:txBody>
+          <a:bodyPr rtlCol="0" anchor="ctr"/>
+          <a:lstStyle/>
+          <a:p>
+            <a:pPr algn="ctr"/>
+            <a:endParaRPr lang="fr-FR"/>
+          </a:p>
+        </p:txBody>
+      </p:sp>
+      <p:sp>
+        <p:nvSpPr>
+          <p:cNvPr id="7" name="Ellipse 6">
+            <a:extLst>
+              <a:ext uri="{FF2B5EF4-FFF2-40B4-BE49-F238E27FC236}">
+                <a16:creationId xmlns:a16="http://schemas.microsoft.com/office/drawing/2014/main" id="{0F6777D0-3C6D-4516-8AF3-1D2B146FDFB9}"/>
+              </a:ext>
+            </a:extLst>
+          </p:cNvPr>
+          <p:cNvSpPr/>
+          <p:nvPr/>
+        </p:nvSpPr>
+        <p:spPr>
+          <a:xfrm>
+            <a:off x="11740896" y="1266423"/>
+            <a:ext cx="307668" cy="317709"/>
+          </a:xfrm>
+          <a:prstGeom prst="ellipse">
+            <a:avLst/>
+          </a:prstGeom>
+          <a:solidFill>
+            <a:schemeClr val="bg1"/>
+          </a:solidFill>
+          <a:ln>
+            <a:solidFill>
+              <a:schemeClr val="bg1"/>
+            </a:solidFill>
+          </a:ln>
+        </p:spPr>
+        <p:style>
+          <a:lnRef idx="2">
+            <a:schemeClr val="accent1">
+              <a:shade val="50000"/>
+            </a:schemeClr>
+          </a:lnRef>
+          <a:fillRef idx="1">
+            <a:schemeClr val="accent1"/>
+          </a:fillRef>
+          <a:effectRef idx="0">
+            <a:schemeClr val="accent1"/>
+          </a:effectRef>
+          <a:fontRef idx="minor">
+            <a:schemeClr val="lt1"/>
+          </a:fontRef>
+        </p:style>
+        <p:txBody>
+          <a:bodyPr rtlCol="0" anchor="ctr"/>
+          <a:lstStyle/>
+          <a:p>
+            <a:pPr algn="ctr"/>
+            <a:endParaRPr lang="fr-FR" dirty="0"/>
+          </a:p>
+        </p:txBody>
+      </p:sp>
+      <p:sp>
+        <p:nvSpPr>
+          <p:cNvPr id="8" name="Ellipse 7">
+            <a:extLst>
+              <a:ext uri="{FF2B5EF4-FFF2-40B4-BE49-F238E27FC236}">
+                <a16:creationId xmlns:a16="http://schemas.microsoft.com/office/drawing/2014/main" id="{3F66C0BC-0AD1-47D9-AA60-15EE7576E084}"/>
+              </a:ext>
+            </a:extLst>
+          </p:cNvPr>
+          <p:cNvSpPr/>
+          <p:nvPr/>
+        </p:nvSpPr>
+        <p:spPr>
+          <a:xfrm>
+            <a:off x="11739665" y="5113681"/>
+            <a:ext cx="307668" cy="317709"/>
+          </a:xfrm>
+          <a:prstGeom prst="ellipse">
+            <a:avLst/>
+          </a:prstGeom>
+          <a:solidFill>
+            <a:schemeClr val="bg1"/>
+          </a:solidFill>
+          <a:ln>
+            <a:solidFill>
+              <a:schemeClr val="bg1"/>
+            </a:solidFill>
+          </a:ln>
+        </p:spPr>
+        <p:style>
+          <a:lnRef idx="2">
+            <a:schemeClr val="accent1">
+              <a:shade val="50000"/>
+            </a:schemeClr>
+          </a:lnRef>
+          <a:fillRef idx="1">
+            <a:schemeClr val="accent1"/>
+          </a:fillRef>
+          <a:effectRef idx="0">
+            <a:schemeClr val="accent1"/>
+          </a:effectRef>
+          <a:fontRef idx="minor">
+            <a:schemeClr val="lt1"/>
+          </a:fontRef>
+        </p:style>
+        <p:txBody>
+          <a:bodyPr rtlCol="0" anchor="ctr"/>
+          <a:lstStyle/>
+          <a:p>
+            <a:pPr algn="ctr"/>
+            <a:endParaRPr lang="fr-FR" dirty="0"/>
+          </a:p>
+        </p:txBody>
+      </p:sp>
+      <p:sp>
+        <p:nvSpPr>
+          <p:cNvPr id="9" name="Ellipse 8">
+            <a:extLst>
+              <a:ext uri="{FF2B5EF4-FFF2-40B4-BE49-F238E27FC236}">
+                <a16:creationId xmlns:a16="http://schemas.microsoft.com/office/drawing/2014/main" id="{86551707-AF4D-49DA-B7E5-AA2C57481BB6}"/>
+              </a:ext>
+            </a:extLst>
+          </p:cNvPr>
+          <p:cNvSpPr/>
+          <p:nvPr/>
+        </p:nvSpPr>
+        <p:spPr>
+          <a:xfrm>
+            <a:off x="11741041" y="3959962"/>
+            <a:ext cx="307668" cy="317709"/>
+          </a:xfrm>
+          <a:prstGeom prst="ellipse">
+            <a:avLst/>
+          </a:prstGeom>
+          <a:solidFill>
+            <a:schemeClr val="bg1"/>
+          </a:solidFill>
+          <a:ln>
+            <a:solidFill>
+              <a:schemeClr val="bg1"/>
+            </a:solidFill>
+          </a:ln>
+        </p:spPr>
+        <p:style>
+          <a:lnRef idx="2">
+            <a:schemeClr val="accent1">
+              <a:shade val="50000"/>
+            </a:schemeClr>
+          </a:lnRef>
+          <a:fillRef idx="1">
+            <a:schemeClr val="accent1"/>
+          </a:fillRef>
+          <a:effectRef idx="0">
+            <a:schemeClr val="accent1"/>
+          </a:effectRef>
+          <a:fontRef idx="minor">
+            <a:schemeClr val="lt1"/>
+          </a:fontRef>
+        </p:style>
+        <p:txBody>
+          <a:bodyPr rtlCol="0" anchor="ctr"/>
+          <a:lstStyle/>
+          <a:p>
+            <a:pPr algn="ctr"/>
+            <a:endParaRPr lang="fr-FR" dirty="0"/>
+          </a:p>
+        </p:txBody>
+      </p:sp>
+      <p:sp>
+        <p:nvSpPr>
+          <p:cNvPr id="11" name="Ellipse 10">
+            <a:extLst>
+              <a:ext uri="{FF2B5EF4-FFF2-40B4-BE49-F238E27FC236}">
+                <a16:creationId xmlns:a16="http://schemas.microsoft.com/office/drawing/2014/main" id="{EB9023AD-1547-40F0-A6EC-582A1913BE1E}"/>
+              </a:ext>
+            </a:extLst>
+          </p:cNvPr>
+          <p:cNvSpPr/>
+          <p:nvPr/>
+        </p:nvSpPr>
+        <p:spPr>
+          <a:xfrm>
+            <a:off x="11741041" y="2833333"/>
+            <a:ext cx="307668" cy="317709"/>
+          </a:xfrm>
+          <a:prstGeom prst="ellipse">
+            <a:avLst/>
+          </a:prstGeom>
+          <a:solidFill>
+            <a:schemeClr val="bg1"/>
+          </a:solidFill>
+          <a:ln>
+            <a:solidFill>
+              <a:schemeClr val="bg1"/>
+            </a:solidFill>
+          </a:ln>
+        </p:spPr>
+        <p:style>
+          <a:lnRef idx="2">
+            <a:schemeClr val="accent1">
+              <a:shade val="50000"/>
+            </a:schemeClr>
+          </a:lnRef>
+          <a:fillRef idx="1">
+            <a:schemeClr val="accent1"/>
+          </a:fillRef>
+          <a:effectRef idx="0">
+            <a:schemeClr val="accent1"/>
+          </a:effectRef>
+          <a:fontRef idx="minor">
+            <a:schemeClr val="lt1"/>
+          </a:fontRef>
+        </p:style>
+        <p:txBody>
+          <a:bodyPr rtlCol="0" anchor="ctr"/>
+          <a:lstStyle/>
+          <a:p>
+            <a:pPr algn="ctr"/>
+            <a:endParaRPr lang="fr-FR" dirty="0"/>
+          </a:p>
+        </p:txBody>
+      </p:sp>
+      <p:sp>
+        <p:nvSpPr>
+          <p:cNvPr id="12" name="Ellipse 11">
+            <a:extLst>
+              <a:ext uri="{FF2B5EF4-FFF2-40B4-BE49-F238E27FC236}">
+                <a16:creationId xmlns:a16="http://schemas.microsoft.com/office/drawing/2014/main" id="{2D726ED6-0839-4E51-9EFF-5D414E7A0FE3}"/>
+              </a:ext>
+            </a:extLst>
+          </p:cNvPr>
+          <p:cNvSpPr/>
+          <p:nvPr/>
+        </p:nvSpPr>
+        <p:spPr>
+          <a:xfrm>
+            <a:off x="11739520" y="1775455"/>
+            <a:ext cx="307668" cy="317709"/>
+          </a:xfrm>
+          <a:prstGeom prst="ellipse">
+            <a:avLst/>
+          </a:prstGeom>
+          <a:solidFill>
+            <a:schemeClr val="bg1"/>
+          </a:solidFill>
+          <a:ln>
+            <a:solidFill>
+              <a:schemeClr val="bg1"/>
+            </a:solidFill>
+          </a:ln>
+        </p:spPr>
+        <p:style>
+          <a:lnRef idx="2">
+            <a:schemeClr val="accent1">
+              <a:shade val="50000"/>
+            </a:schemeClr>
+          </a:lnRef>
+          <a:fillRef idx="1">
+            <a:schemeClr val="accent1"/>
+          </a:fillRef>
+          <a:effectRef idx="0">
+            <a:schemeClr val="accent1"/>
+          </a:effectRef>
+          <a:fontRef idx="minor">
+            <a:schemeClr val="lt1"/>
+          </a:fontRef>
+        </p:style>
+        <p:txBody>
+          <a:bodyPr rtlCol="0" anchor="ctr"/>
+          <a:lstStyle/>
+          <a:p>
+            <a:pPr algn="ctr"/>
+            <a:endParaRPr lang="fr-FR" dirty="0"/>
+          </a:p>
+        </p:txBody>
+      </p:sp>
+      <p:sp>
+        <p:nvSpPr>
+          <p:cNvPr id="13" name="Ellipse 12">
+            <a:extLst>
+              <a:ext uri="{FF2B5EF4-FFF2-40B4-BE49-F238E27FC236}">
+                <a16:creationId xmlns:a16="http://schemas.microsoft.com/office/drawing/2014/main" id="{07418C3A-2F1A-4B36-87EC-30BB455B05DF}"/>
+              </a:ext>
+            </a:extLst>
+          </p:cNvPr>
+          <p:cNvSpPr/>
+          <p:nvPr/>
+        </p:nvSpPr>
+        <p:spPr>
+          <a:xfrm>
+            <a:off x="11739520" y="2298845"/>
+            <a:ext cx="307668" cy="317709"/>
+          </a:xfrm>
+          <a:prstGeom prst="ellipse">
+            <a:avLst/>
+          </a:prstGeom>
+          <a:solidFill>
+            <a:schemeClr val="bg1"/>
+          </a:solidFill>
+          <a:ln>
+            <a:solidFill>
+              <a:schemeClr val="bg1"/>
+            </a:solidFill>
+          </a:ln>
+        </p:spPr>
+        <p:style>
+          <a:lnRef idx="2">
+            <a:schemeClr val="accent1">
+              <a:shade val="50000"/>
+            </a:schemeClr>
+          </a:lnRef>
+          <a:fillRef idx="1">
+            <a:schemeClr val="accent1"/>
+          </a:fillRef>
+          <a:effectRef idx="0">
+            <a:schemeClr val="accent1"/>
+          </a:effectRef>
+          <a:fontRef idx="minor">
+            <a:schemeClr val="lt1"/>
+          </a:fontRef>
+        </p:style>
+        <p:txBody>
+          <a:bodyPr rtlCol="0" anchor="ctr"/>
+          <a:lstStyle/>
+          <a:p>
+            <a:pPr algn="ctr"/>
+            <a:endParaRPr lang="fr-FR" dirty="0"/>
+          </a:p>
+        </p:txBody>
+      </p:sp>
+      <p:sp>
+        <p:nvSpPr>
+          <p:cNvPr id="14" name="Ellipse 13">
+            <a:extLst>
+              <a:ext uri="{FF2B5EF4-FFF2-40B4-BE49-F238E27FC236}">
+                <a16:creationId xmlns:a16="http://schemas.microsoft.com/office/drawing/2014/main" id="{756836C2-CD4F-4DFA-A300-D890A433D132}"/>
+              </a:ext>
+            </a:extLst>
+          </p:cNvPr>
+          <p:cNvSpPr/>
+          <p:nvPr/>
+        </p:nvSpPr>
+        <p:spPr>
+          <a:xfrm>
+            <a:off x="11740896" y="6476605"/>
+            <a:ext cx="307668" cy="317709"/>
+          </a:xfrm>
+          <a:prstGeom prst="ellipse">
+            <a:avLst/>
+          </a:prstGeom>
+          <a:solidFill>
+            <a:schemeClr val="bg1"/>
+          </a:solidFill>
+          <a:ln>
+            <a:solidFill>
+              <a:schemeClr val="bg1"/>
+            </a:solidFill>
+          </a:ln>
+        </p:spPr>
+        <p:style>
+          <a:lnRef idx="2">
+            <a:schemeClr val="accent1">
+              <a:shade val="50000"/>
+            </a:schemeClr>
+          </a:lnRef>
+          <a:fillRef idx="1">
+            <a:schemeClr val="accent1"/>
+          </a:fillRef>
+          <a:effectRef idx="0">
+            <a:schemeClr val="accent1"/>
+          </a:effectRef>
+          <a:fontRef idx="minor">
+            <a:schemeClr val="lt1"/>
+          </a:fontRef>
+        </p:style>
+        <p:txBody>
+          <a:bodyPr rtlCol="0" anchor="ctr"/>
+          <a:lstStyle/>
+          <a:p>
+            <a:pPr algn="ctr"/>
+            <a:endParaRPr lang="fr-FR" dirty="0"/>
+          </a:p>
+        </p:txBody>
+      </p:sp>
+      <p:sp>
+        <p:nvSpPr>
+          <p:cNvPr id="15" name="Ellipse 14">
+            <a:extLst>
+              <a:ext uri="{FF2B5EF4-FFF2-40B4-BE49-F238E27FC236}">
+                <a16:creationId xmlns:a16="http://schemas.microsoft.com/office/drawing/2014/main" id="{3741EA72-910F-4ED8-9950-2CEE6EAFC5AE}"/>
+              </a:ext>
+            </a:extLst>
+          </p:cNvPr>
+          <p:cNvSpPr/>
+          <p:nvPr/>
+        </p:nvSpPr>
+        <p:spPr>
+          <a:xfrm>
+            <a:off x="11739519" y="5796549"/>
+            <a:ext cx="307668" cy="317709"/>
+          </a:xfrm>
+          <a:prstGeom prst="ellipse">
+            <a:avLst/>
+          </a:prstGeom>
+          <a:solidFill>
+            <a:schemeClr val="bg1"/>
+          </a:solidFill>
+          <a:ln>
+            <a:solidFill>
+              <a:schemeClr val="bg1"/>
+            </a:solidFill>
+          </a:ln>
+        </p:spPr>
+        <p:style>
+          <a:lnRef idx="2">
+            <a:schemeClr val="accent1">
+              <a:shade val="50000"/>
+            </a:schemeClr>
+          </a:lnRef>
+          <a:fillRef idx="1">
+            <a:schemeClr val="accent1"/>
+          </a:fillRef>
+          <a:effectRef idx="0">
+            <a:schemeClr val="accent1"/>
+          </a:effectRef>
+          <a:fontRef idx="minor">
+            <a:schemeClr val="lt1"/>
+          </a:fontRef>
+        </p:style>
+        <p:txBody>
+          <a:bodyPr rtlCol="0" anchor="ctr"/>
+          <a:lstStyle/>
+          <a:p>
+            <a:pPr algn="ctr"/>
+            <a:endParaRPr lang="fr-FR" dirty="0"/>
           </a:p>
         </p:txBody>
       </p:sp>
@@ -12776,6 +14836,1874 @@
           </a:p>
         </p:txBody>
       </p:sp>
+      <p:sp>
+        <p:nvSpPr>
+          <p:cNvPr id="11" name="Organigramme : Terminateur 10">
+            <a:extLst>
+              <a:ext uri="{FF2B5EF4-FFF2-40B4-BE49-F238E27FC236}">
+                <a16:creationId xmlns:a16="http://schemas.microsoft.com/office/drawing/2014/main" id="{FF7E1461-2F52-4054-90D9-BA5D20F6E601}"/>
+              </a:ext>
+            </a:extLst>
+          </p:cNvPr>
+          <p:cNvSpPr/>
+          <p:nvPr/>
+        </p:nvSpPr>
+        <p:spPr>
+          <a:xfrm>
+            <a:off x="11782953" y="4838752"/>
+            <a:ext cx="137445" cy="71437"/>
+          </a:xfrm>
+          <a:prstGeom prst="flowChartTerminator">
+            <a:avLst/>
+          </a:prstGeom>
+          <a:solidFill>
+            <a:schemeClr val="bg1"/>
+          </a:solidFill>
+          <a:ln>
+            <a:solidFill>
+              <a:schemeClr val="bg1"/>
+            </a:solidFill>
+          </a:ln>
+        </p:spPr>
+        <p:style>
+          <a:lnRef idx="2">
+            <a:schemeClr val="accent1">
+              <a:shade val="50000"/>
+            </a:schemeClr>
+          </a:lnRef>
+          <a:fillRef idx="1">
+            <a:schemeClr val="accent1"/>
+          </a:fillRef>
+          <a:effectRef idx="0">
+            <a:schemeClr val="accent1"/>
+          </a:effectRef>
+          <a:fontRef idx="minor">
+            <a:schemeClr val="lt1"/>
+          </a:fontRef>
+        </p:style>
+        <p:txBody>
+          <a:bodyPr rtlCol="0" anchor="ctr"/>
+          <a:lstStyle/>
+          <a:p>
+            <a:pPr algn="ctr"/>
+            <a:endParaRPr lang="fr-FR" dirty="0"/>
+          </a:p>
+        </p:txBody>
+      </p:sp>
+      <p:sp>
+        <p:nvSpPr>
+          <p:cNvPr id="12" name="Organigramme : Terminateur 11">
+            <a:extLst>
+              <a:ext uri="{FF2B5EF4-FFF2-40B4-BE49-F238E27FC236}">
+                <a16:creationId xmlns:a16="http://schemas.microsoft.com/office/drawing/2014/main" id="{4B9EADB9-D018-4FF4-A47D-49F52EE158C8}"/>
+              </a:ext>
+            </a:extLst>
+          </p:cNvPr>
+          <p:cNvSpPr/>
+          <p:nvPr/>
+        </p:nvSpPr>
+        <p:spPr>
+          <a:xfrm>
+            <a:off x="11782954" y="4625096"/>
+            <a:ext cx="137445" cy="71437"/>
+          </a:xfrm>
+          <a:prstGeom prst="flowChartTerminator">
+            <a:avLst/>
+          </a:prstGeom>
+          <a:solidFill>
+            <a:schemeClr val="bg1"/>
+          </a:solidFill>
+          <a:ln>
+            <a:solidFill>
+              <a:schemeClr val="bg1"/>
+            </a:solidFill>
+          </a:ln>
+        </p:spPr>
+        <p:style>
+          <a:lnRef idx="2">
+            <a:schemeClr val="accent1">
+              <a:shade val="50000"/>
+            </a:schemeClr>
+          </a:lnRef>
+          <a:fillRef idx="1">
+            <a:schemeClr val="accent1"/>
+          </a:fillRef>
+          <a:effectRef idx="0">
+            <a:schemeClr val="accent1"/>
+          </a:effectRef>
+          <a:fontRef idx="minor">
+            <a:schemeClr val="lt1"/>
+          </a:fontRef>
+        </p:style>
+        <p:txBody>
+          <a:bodyPr rtlCol="0" anchor="ctr"/>
+          <a:lstStyle/>
+          <a:p>
+            <a:pPr algn="ctr"/>
+            <a:endParaRPr lang="fr-FR" dirty="0"/>
+          </a:p>
+        </p:txBody>
+      </p:sp>
+      <p:sp>
+        <p:nvSpPr>
+          <p:cNvPr id="13" name="Organigramme : Terminateur 12">
+            <a:extLst>
+              <a:ext uri="{FF2B5EF4-FFF2-40B4-BE49-F238E27FC236}">
+                <a16:creationId xmlns:a16="http://schemas.microsoft.com/office/drawing/2014/main" id="{C2D9AE60-BED4-4BE4-AEBA-0000311A79AF}"/>
+              </a:ext>
+            </a:extLst>
+          </p:cNvPr>
+          <p:cNvSpPr/>
+          <p:nvPr/>
+        </p:nvSpPr>
+        <p:spPr>
+          <a:xfrm>
+            <a:off x="11780105" y="4406798"/>
+            <a:ext cx="137445" cy="71437"/>
+          </a:xfrm>
+          <a:prstGeom prst="flowChartTerminator">
+            <a:avLst/>
+          </a:prstGeom>
+          <a:solidFill>
+            <a:schemeClr val="bg1"/>
+          </a:solidFill>
+          <a:ln>
+            <a:solidFill>
+              <a:schemeClr val="bg1"/>
+            </a:solidFill>
+          </a:ln>
+        </p:spPr>
+        <p:style>
+          <a:lnRef idx="2">
+            <a:schemeClr val="accent1">
+              <a:shade val="50000"/>
+            </a:schemeClr>
+          </a:lnRef>
+          <a:fillRef idx="1">
+            <a:schemeClr val="accent1"/>
+          </a:fillRef>
+          <a:effectRef idx="0">
+            <a:schemeClr val="accent1"/>
+          </a:effectRef>
+          <a:fontRef idx="minor">
+            <a:schemeClr val="lt1"/>
+          </a:fontRef>
+        </p:style>
+        <p:txBody>
+          <a:bodyPr rtlCol="0" anchor="ctr"/>
+          <a:lstStyle/>
+          <a:p>
+            <a:pPr algn="ctr"/>
+            <a:endParaRPr lang="fr-FR" dirty="0"/>
+          </a:p>
+        </p:txBody>
+      </p:sp>
+      <p:sp>
+        <p:nvSpPr>
+          <p:cNvPr id="14" name="Organigramme : Terminateur 13">
+            <a:extLst>
+              <a:ext uri="{FF2B5EF4-FFF2-40B4-BE49-F238E27FC236}">
+                <a16:creationId xmlns:a16="http://schemas.microsoft.com/office/drawing/2014/main" id="{1BBAA8B4-62D5-4080-948D-5C5C9133A51D}"/>
+              </a:ext>
+            </a:extLst>
+          </p:cNvPr>
+          <p:cNvSpPr/>
+          <p:nvPr/>
+        </p:nvSpPr>
+        <p:spPr>
+          <a:xfrm>
+            <a:off x="11782953" y="3678638"/>
+            <a:ext cx="137445" cy="71437"/>
+          </a:xfrm>
+          <a:prstGeom prst="flowChartTerminator">
+            <a:avLst/>
+          </a:prstGeom>
+          <a:solidFill>
+            <a:schemeClr val="bg1"/>
+          </a:solidFill>
+          <a:ln>
+            <a:solidFill>
+              <a:schemeClr val="bg1"/>
+            </a:solidFill>
+          </a:ln>
+        </p:spPr>
+        <p:style>
+          <a:lnRef idx="2">
+            <a:schemeClr val="accent1">
+              <a:shade val="50000"/>
+            </a:schemeClr>
+          </a:lnRef>
+          <a:fillRef idx="1">
+            <a:schemeClr val="accent1"/>
+          </a:fillRef>
+          <a:effectRef idx="0">
+            <a:schemeClr val="accent1"/>
+          </a:effectRef>
+          <a:fontRef idx="minor">
+            <a:schemeClr val="lt1"/>
+          </a:fontRef>
+        </p:style>
+        <p:txBody>
+          <a:bodyPr rtlCol="0" anchor="ctr"/>
+          <a:lstStyle/>
+          <a:p>
+            <a:pPr algn="ctr"/>
+            <a:endParaRPr lang="fr-FR" dirty="0"/>
+          </a:p>
+        </p:txBody>
+      </p:sp>
+      <p:sp>
+        <p:nvSpPr>
+          <p:cNvPr id="15" name="Organigramme : Terminateur 14">
+            <a:extLst>
+              <a:ext uri="{FF2B5EF4-FFF2-40B4-BE49-F238E27FC236}">
+                <a16:creationId xmlns:a16="http://schemas.microsoft.com/office/drawing/2014/main" id="{86727E18-5BF9-4E72-BC15-49690C4BA264}"/>
+              </a:ext>
+            </a:extLst>
+          </p:cNvPr>
+          <p:cNvSpPr/>
+          <p:nvPr/>
+        </p:nvSpPr>
+        <p:spPr>
+          <a:xfrm>
+            <a:off x="11782954" y="3464982"/>
+            <a:ext cx="137445" cy="71437"/>
+          </a:xfrm>
+          <a:prstGeom prst="flowChartTerminator">
+            <a:avLst/>
+          </a:prstGeom>
+          <a:solidFill>
+            <a:schemeClr val="bg1"/>
+          </a:solidFill>
+          <a:ln>
+            <a:solidFill>
+              <a:schemeClr val="bg1"/>
+            </a:solidFill>
+          </a:ln>
+        </p:spPr>
+        <p:style>
+          <a:lnRef idx="2">
+            <a:schemeClr val="accent1">
+              <a:shade val="50000"/>
+            </a:schemeClr>
+          </a:lnRef>
+          <a:fillRef idx="1">
+            <a:schemeClr val="accent1"/>
+          </a:fillRef>
+          <a:effectRef idx="0">
+            <a:schemeClr val="accent1"/>
+          </a:effectRef>
+          <a:fontRef idx="minor">
+            <a:schemeClr val="lt1"/>
+          </a:fontRef>
+        </p:style>
+        <p:txBody>
+          <a:bodyPr rtlCol="0" anchor="ctr"/>
+          <a:lstStyle/>
+          <a:p>
+            <a:pPr algn="ctr"/>
+            <a:endParaRPr lang="fr-FR" dirty="0"/>
+          </a:p>
+        </p:txBody>
+      </p:sp>
+      <p:sp>
+        <p:nvSpPr>
+          <p:cNvPr id="16" name="Organigramme : Terminateur 15">
+            <a:extLst>
+              <a:ext uri="{FF2B5EF4-FFF2-40B4-BE49-F238E27FC236}">
+                <a16:creationId xmlns:a16="http://schemas.microsoft.com/office/drawing/2014/main" id="{E51301D9-58E4-41E5-B923-30C63128303D}"/>
+              </a:ext>
+            </a:extLst>
+          </p:cNvPr>
+          <p:cNvSpPr/>
+          <p:nvPr/>
+        </p:nvSpPr>
+        <p:spPr>
+          <a:xfrm>
+            <a:off x="11787913" y="3246684"/>
+            <a:ext cx="137445" cy="71437"/>
+          </a:xfrm>
+          <a:prstGeom prst="flowChartTerminator">
+            <a:avLst/>
+          </a:prstGeom>
+          <a:solidFill>
+            <a:schemeClr val="bg1"/>
+          </a:solidFill>
+          <a:ln>
+            <a:solidFill>
+              <a:schemeClr val="bg1"/>
+            </a:solidFill>
+          </a:ln>
+        </p:spPr>
+        <p:style>
+          <a:lnRef idx="2">
+            <a:schemeClr val="accent1">
+              <a:shade val="50000"/>
+            </a:schemeClr>
+          </a:lnRef>
+          <a:fillRef idx="1">
+            <a:schemeClr val="accent1"/>
+          </a:fillRef>
+          <a:effectRef idx="0">
+            <a:schemeClr val="accent1"/>
+          </a:effectRef>
+          <a:fontRef idx="minor">
+            <a:schemeClr val="lt1"/>
+          </a:fontRef>
+        </p:style>
+        <p:txBody>
+          <a:bodyPr rtlCol="0" anchor="ctr"/>
+          <a:lstStyle/>
+          <a:p>
+            <a:pPr algn="ctr"/>
+            <a:endParaRPr lang="fr-FR" dirty="0"/>
+          </a:p>
+        </p:txBody>
+      </p:sp>
+      <p:sp>
+        <p:nvSpPr>
+          <p:cNvPr id="17" name="Organigramme : Terminateur 16">
+            <a:extLst>
+              <a:ext uri="{FF2B5EF4-FFF2-40B4-BE49-F238E27FC236}">
+                <a16:creationId xmlns:a16="http://schemas.microsoft.com/office/drawing/2014/main" id="{F59A3ABC-C077-4A1B-B4E4-4BDC96040D19}"/>
+              </a:ext>
+            </a:extLst>
+          </p:cNvPr>
+          <p:cNvSpPr/>
+          <p:nvPr/>
+        </p:nvSpPr>
+        <p:spPr>
+          <a:xfrm>
+            <a:off x="11782810" y="1022638"/>
+            <a:ext cx="137445" cy="71437"/>
+          </a:xfrm>
+          <a:prstGeom prst="flowChartTerminator">
+            <a:avLst/>
+          </a:prstGeom>
+          <a:solidFill>
+            <a:schemeClr val="bg1"/>
+          </a:solidFill>
+          <a:ln>
+            <a:solidFill>
+              <a:schemeClr val="bg1"/>
+            </a:solidFill>
+          </a:ln>
+        </p:spPr>
+        <p:style>
+          <a:lnRef idx="2">
+            <a:schemeClr val="accent1">
+              <a:shade val="50000"/>
+            </a:schemeClr>
+          </a:lnRef>
+          <a:fillRef idx="1">
+            <a:schemeClr val="accent1"/>
+          </a:fillRef>
+          <a:effectRef idx="0">
+            <a:schemeClr val="accent1"/>
+          </a:effectRef>
+          <a:fontRef idx="minor">
+            <a:schemeClr val="lt1"/>
+          </a:fontRef>
+        </p:style>
+        <p:txBody>
+          <a:bodyPr rtlCol="0" anchor="ctr"/>
+          <a:lstStyle/>
+          <a:p>
+            <a:pPr algn="ctr"/>
+            <a:endParaRPr lang="fr-FR" dirty="0"/>
+          </a:p>
+        </p:txBody>
+      </p:sp>
+      <p:sp>
+        <p:nvSpPr>
+          <p:cNvPr id="18" name="Organigramme : Terminateur 17">
+            <a:extLst>
+              <a:ext uri="{FF2B5EF4-FFF2-40B4-BE49-F238E27FC236}">
+                <a16:creationId xmlns:a16="http://schemas.microsoft.com/office/drawing/2014/main" id="{EB98B216-6C90-48A6-A100-78BED333F9A7}"/>
+              </a:ext>
+            </a:extLst>
+          </p:cNvPr>
+          <p:cNvSpPr/>
+          <p:nvPr/>
+        </p:nvSpPr>
+        <p:spPr>
+          <a:xfrm>
+            <a:off x="11782811" y="808982"/>
+            <a:ext cx="137445" cy="71437"/>
+          </a:xfrm>
+          <a:prstGeom prst="flowChartTerminator">
+            <a:avLst/>
+          </a:prstGeom>
+          <a:solidFill>
+            <a:srgbClr val="A31257"/>
+          </a:solidFill>
+          <a:ln>
+            <a:solidFill>
+              <a:schemeClr val="bg1"/>
+            </a:solidFill>
+          </a:ln>
+        </p:spPr>
+        <p:style>
+          <a:lnRef idx="2">
+            <a:schemeClr val="accent1">
+              <a:shade val="50000"/>
+            </a:schemeClr>
+          </a:lnRef>
+          <a:fillRef idx="1">
+            <a:schemeClr val="accent1"/>
+          </a:fillRef>
+          <a:effectRef idx="0">
+            <a:schemeClr val="accent1"/>
+          </a:effectRef>
+          <a:fontRef idx="minor">
+            <a:schemeClr val="lt1"/>
+          </a:fontRef>
+        </p:style>
+        <p:txBody>
+          <a:bodyPr rtlCol="0" anchor="ctr"/>
+          <a:lstStyle/>
+          <a:p>
+            <a:pPr algn="ctr"/>
+            <a:endParaRPr lang="fr-FR" dirty="0"/>
+          </a:p>
+        </p:txBody>
+      </p:sp>
+      <p:sp>
+        <p:nvSpPr>
+          <p:cNvPr id="19" name="Organigramme : Terminateur 18">
+            <a:extLst>
+              <a:ext uri="{FF2B5EF4-FFF2-40B4-BE49-F238E27FC236}">
+                <a16:creationId xmlns:a16="http://schemas.microsoft.com/office/drawing/2014/main" id="{D1E8E0C4-29A6-4DC8-BA5E-5C87F797FCFA}"/>
+              </a:ext>
+            </a:extLst>
+          </p:cNvPr>
+          <p:cNvSpPr/>
+          <p:nvPr/>
+        </p:nvSpPr>
+        <p:spPr>
+          <a:xfrm>
+            <a:off x="11780105" y="596427"/>
+            <a:ext cx="137445" cy="71437"/>
+          </a:xfrm>
+          <a:prstGeom prst="flowChartTerminator">
+            <a:avLst/>
+          </a:prstGeom>
+          <a:solidFill>
+            <a:srgbClr val="A31257"/>
+          </a:solidFill>
+          <a:ln>
+            <a:solidFill>
+              <a:schemeClr val="bg1"/>
+            </a:solidFill>
+          </a:ln>
+        </p:spPr>
+        <p:style>
+          <a:lnRef idx="2">
+            <a:schemeClr val="accent1">
+              <a:shade val="50000"/>
+            </a:schemeClr>
+          </a:lnRef>
+          <a:fillRef idx="1">
+            <a:schemeClr val="accent1"/>
+          </a:fillRef>
+          <a:effectRef idx="0">
+            <a:schemeClr val="accent1"/>
+          </a:effectRef>
+          <a:fontRef idx="minor">
+            <a:schemeClr val="lt1"/>
+          </a:fontRef>
+        </p:style>
+        <p:txBody>
+          <a:bodyPr rtlCol="0" anchor="ctr"/>
+          <a:lstStyle/>
+          <a:p>
+            <a:pPr algn="ctr"/>
+            <a:endParaRPr lang="fr-FR" dirty="0"/>
+          </a:p>
+        </p:txBody>
+      </p:sp>
+      <p:sp>
+        <p:nvSpPr>
+          <p:cNvPr id="20" name="Ellipse 19">
+            <a:extLst>
+              <a:ext uri="{FF2B5EF4-FFF2-40B4-BE49-F238E27FC236}">
+                <a16:creationId xmlns:a16="http://schemas.microsoft.com/office/drawing/2014/main" id="{E869564A-D800-4617-A743-F37F300AAD57}"/>
+              </a:ext>
+            </a:extLst>
+          </p:cNvPr>
+          <p:cNvSpPr/>
+          <p:nvPr/>
+        </p:nvSpPr>
+        <p:spPr>
+          <a:xfrm>
+            <a:off x="11740896" y="143435"/>
+            <a:ext cx="307668" cy="317709"/>
+          </a:xfrm>
+          <a:prstGeom prst="ellipse">
+            <a:avLst/>
+          </a:prstGeom>
+          <a:solidFill>
+            <a:srgbClr val="A31257"/>
+          </a:solidFill>
+          <a:ln>
+            <a:solidFill>
+              <a:schemeClr val="bg1"/>
+            </a:solidFill>
+          </a:ln>
+        </p:spPr>
+        <p:style>
+          <a:lnRef idx="2">
+            <a:schemeClr val="accent1">
+              <a:shade val="50000"/>
+            </a:schemeClr>
+          </a:lnRef>
+          <a:fillRef idx="1">
+            <a:schemeClr val="accent1"/>
+          </a:fillRef>
+          <a:effectRef idx="0">
+            <a:schemeClr val="accent1"/>
+          </a:effectRef>
+          <a:fontRef idx="minor">
+            <a:schemeClr val="lt1"/>
+          </a:fontRef>
+        </p:style>
+        <p:txBody>
+          <a:bodyPr rtlCol="0" anchor="ctr"/>
+          <a:lstStyle/>
+          <a:p>
+            <a:pPr algn="ctr"/>
+            <a:endParaRPr lang="fr-FR" dirty="0"/>
+          </a:p>
+        </p:txBody>
+      </p:sp>
+      <p:sp>
+        <p:nvSpPr>
+          <p:cNvPr id="21" name="Rectangle 20">
+            <a:extLst>
+              <a:ext uri="{FF2B5EF4-FFF2-40B4-BE49-F238E27FC236}">
+                <a16:creationId xmlns:a16="http://schemas.microsoft.com/office/drawing/2014/main" id="{6FA91CA5-6052-42E7-BA4E-42669691841B}"/>
+              </a:ext>
+            </a:extLst>
+          </p:cNvPr>
+          <p:cNvSpPr/>
+          <p:nvPr/>
+        </p:nvSpPr>
+        <p:spPr>
+          <a:xfrm>
+            <a:off x="11861348" y="325214"/>
+            <a:ext cx="55883" cy="6446174"/>
+          </a:xfrm>
+          <a:prstGeom prst="rect">
+            <a:avLst/>
+          </a:prstGeom>
+          <a:solidFill>
+            <a:srgbClr val="A31257"/>
+          </a:solidFill>
+          <a:ln>
+            <a:noFill/>
+          </a:ln>
+        </p:spPr>
+        <p:style>
+          <a:lnRef idx="2">
+            <a:schemeClr val="accent1">
+              <a:shade val="50000"/>
+            </a:schemeClr>
+          </a:lnRef>
+          <a:fillRef idx="1">
+            <a:schemeClr val="accent1"/>
+          </a:fillRef>
+          <a:effectRef idx="0">
+            <a:schemeClr val="accent1"/>
+          </a:effectRef>
+          <a:fontRef idx="minor">
+            <a:schemeClr val="lt1"/>
+          </a:fontRef>
+        </p:style>
+        <p:txBody>
+          <a:bodyPr rtlCol="0" anchor="ctr"/>
+          <a:lstStyle/>
+          <a:p>
+            <a:pPr algn="ctr"/>
+            <a:endParaRPr lang="fr-FR"/>
+          </a:p>
+        </p:txBody>
+      </p:sp>
+      <p:sp>
+        <p:nvSpPr>
+          <p:cNvPr id="22" name="ZoneTexte 21">
+            <a:extLst>
+              <a:ext uri="{FF2B5EF4-FFF2-40B4-BE49-F238E27FC236}">
+                <a16:creationId xmlns:a16="http://schemas.microsoft.com/office/drawing/2014/main" id="{FDC1B754-3A2F-49E9-8210-4D2D517FA784}"/>
+              </a:ext>
+            </a:extLst>
+          </p:cNvPr>
+          <p:cNvSpPr txBox="1"/>
+          <p:nvPr/>
+        </p:nvSpPr>
+        <p:spPr>
+          <a:xfrm>
+            <a:off x="9865580" y="164391"/>
+            <a:ext cx="1874223" cy="261610"/>
+          </a:xfrm>
+          <a:prstGeom prst="rect">
+            <a:avLst/>
+          </a:prstGeom>
+          <a:noFill/>
+        </p:spPr>
+        <p:txBody>
+          <a:bodyPr wrap="square" rtlCol="0">
+            <a:spAutoFit/>
+          </a:bodyPr>
+          <a:lstStyle/>
+          <a:p>
+            <a:pPr algn="r"/>
+            <a:r>
+              <a:rPr lang="fr-FR" sz="1100" i="1" dirty="0">
+                <a:effectLst>
+                  <a:outerShdw blurRad="38100" dist="38100" dir="2700000" algn="tl">
+                    <a:srgbClr val="000000">
+                      <a:alpha val="43137"/>
+                    </a:srgbClr>
+                  </a:outerShdw>
+                </a:effectLst>
+              </a:rPr>
+              <a:t>Présentation du projet</a:t>
+            </a:r>
+          </a:p>
+        </p:txBody>
+      </p:sp>
+      <p:sp>
+        <p:nvSpPr>
+          <p:cNvPr id="23" name="ZoneTexte 22">
+            <a:extLst>
+              <a:ext uri="{FF2B5EF4-FFF2-40B4-BE49-F238E27FC236}">
+                <a16:creationId xmlns:a16="http://schemas.microsoft.com/office/drawing/2014/main" id="{5DC00AC8-8766-4CDC-A70D-D2C87BFBFAFC}"/>
+              </a:ext>
+            </a:extLst>
+          </p:cNvPr>
+          <p:cNvSpPr txBox="1"/>
+          <p:nvPr/>
+        </p:nvSpPr>
+        <p:spPr>
+          <a:xfrm>
+            <a:off x="9926211" y="507693"/>
+            <a:ext cx="1874223" cy="261610"/>
+          </a:xfrm>
+          <a:prstGeom prst="rect">
+            <a:avLst/>
+          </a:prstGeom>
+          <a:noFill/>
+        </p:spPr>
+        <p:txBody>
+          <a:bodyPr wrap="square" rtlCol="0">
+            <a:spAutoFit/>
+          </a:bodyPr>
+          <a:lstStyle/>
+          <a:p>
+            <a:pPr algn="r"/>
+            <a:r>
+              <a:rPr lang="fr-FR" sz="1100" i="1" dirty="0">
+                <a:effectLst>
+                  <a:outerShdw blurRad="38100" dist="38100" dir="2700000" algn="tl">
+                    <a:srgbClr val="000000">
+                      <a:alpha val="43137"/>
+                    </a:srgbClr>
+                  </a:outerShdw>
+                </a:effectLst>
+              </a:rPr>
+              <a:t>Schéma global</a:t>
+            </a:r>
+          </a:p>
+        </p:txBody>
+      </p:sp>
+      <p:sp>
+        <p:nvSpPr>
+          <p:cNvPr id="24" name="ZoneTexte 23">
+            <a:extLst>
+              <a:ext uri="{FF2B5EF4-FFF2-40B4-BE49-F238E27FC236}">
+                <a16:creationId xmlns:a16="http://schemas.microsoft.com/office/drawing/2014/main" id="{86637D7A-61E9-47F9-A94C-A2A3CBE7D114}"/>
+              </a:ext>
+            </a:extLst>
+          </p:cNvPr>
+          <p:cNvSpPr txBox="1"/>
+          <p:nvPr/>
+        </p:nvSpPr>
+        <p:spPr>
+          <a:xfrm>
+            <a:off x="9946504" y="727130"/>
+            <a:ext cx="1874223" cy="261610"/>
+          </a:xfrm>
+          <a:prstGeom prst="rect">
+            <a:avLst/>
+          </a:prstGeom>
+          <a:noFill/>
+        </p:spPr>
+        <p:txBody>
+          <a:bodyPr wrap="square" rtlCol="0">
+            <a:spAutoFit/>
+          </a:bodyPr>
+          <a:lstStyle/>
+          <a:p>
+            <a:pPr algn="r"/>
+            <a:r>
+              <a:rPr lang="fr-FR" sz="1100" i="1" dirty="0">
+                <a:effectLst>
+                  <a:outerShdw blurRad="38100" dist="38100" dir="2700000" algn="tl">
+                    <a:srgbClr val="000000">
+                      <a:alpha val="43137"/>
+                    </a:srgbClr>
+                  </a:outerShdw>
+                </a:effectLst>
+              </a:rPr>
+              <a:t>Schéma personnalisé</a:t>
+            </a:r>
+          </a:p>
+        </p:txBody>
+      </p:sp>
+      <p:sp>
+        <p:nvSpPr>
+          <p:cNvPr id="26" name="ZoneTexte 25">
+            <a:extLst>
+              <a:ext uri="{FF2B5EF4-FFF2-40B4-BE49-F238E27FC236}">
+                <a16:creationId xmlns:a16="http://schemas.microsoft.com/office/drawing/2014/main" id="{424D3813-44A0-4695-BE62-D8CAE82CA04D}"/>
+              </a:ext>
+            </a:extLst>
+          </p:cNvPr>
+          <p:cNvSpPr txBox="1"/>
+          <p:nvPr/>
+        </p:nvSpPr>
+        <p:spPr>
+          <a:xfrm>
+            <a:off x="9941401" y="918998"/>
+            <a:ext cx="1874223" cy="261610"/>
+          </a:xfrm>
+          <a:prstGeom prst="rect">
+            <a:avLst/>
+          </a:prstGeom>
+          <a:noFill/>
+        </p:spPr>
+        <p:txBody>
+          <a:bodyPr wrap="square" rtlCol="0">
+            <a:spAutoFit/>
+          </a:bodyPr>
+          <a:lstStyle/>
+          <a:p>
+            <a:pPr algn="r"/>
+            <a:r>
+              <a:rPr lang="fr-FR" sz="1100" i="1" dirty="0">
+                <a:effectLst>
+                  <a:outerShdw blurRad="38100" dist="38100" dir="2700000" algn="tl">
+                    <a:srgbClr val="000000">
+                      <a:alpha val="43137"/>
+                    </a:srgbClr>
+                  </a:outerShdw>
+                </a:effectLst>
+              </a:rPr>
+              <a:t>Tâches personnelles</a:t>
+            </a:r>
+          </a:p>
+        </p:txBody>
+      </p:sp>
+      <p:sp>
+        <p:nvSpPr>
+          <p:cNvPr id="27" name="ZoneTexte 26">
+            <a:extLst>
+              <a:ext uri="{FF2B5EF4-FFF2-40B4-BE49-F238E27FC236}">
+                <a16:creationId xmlns:a16="http://schemas.microsoft.com/office/drawing/2014/main" id="{60274F62-D217-437E-BEE6-F344C772C42C}"/>
+              </a:ext>
+            </a:extLst>
+          </p:cNvPr>
+          <p:cNvSpPr txBox="1"/>
+          <p:nvPr/>
+        </p:nvSpPr>
+        <p:spPr>
+          <a:xfrm>
+            <a:off x="9865580" y="1281294"/>
+            <a:ext cx="1874223" cy="261610"/>
+          </a:xfrm>
+          <a:prstGeom prst="rect">
+            <a:avLst/>
+          </a:prstGeom>
+          <a:noFill/>
+        </p:spPr>
+        <p:txBody>
+          <a:bodyPr wrap="square" rtlCol="0">
+            <a:spAutoFit/>
+          </a:bodyPr>
+          <a:lstStyle/>
+          <a:p>
+            <a:pPr algn="r"/>
+            <a:r>
+              <a:rPr lang="fr-FR" sz="1100" i="1" dirty="0">
+                <a:effectLst>
+                  <a:outerShdw blurRad="38100" dist="38100" dir="2700000" algn="tl">
+                    <a:srgbClr val="000000">
+                      <a:alpha val="43137"/>
+                    </a:srgbClr>
+                  </a:outerShdw>
+                </a:effectLst>
+              </a:rPr>
+              <a:t>Schématisation réseau</a:t>
+            </a:r>
+          </a:p>
+        </p:txBody>
+      </p:sp>
+      <p:sp>
+        <p:nvSpPr>
+          <p:cNvPr id="28" name="ZoneTexte 27">
+            <a:extLst>
+              <a:ext uri="{FF2B5EF4-FFF2-40B4-BE49-F238E27FC236}">
+                <a16:creationId xmlns:a16="http://schemas.microsoft.com/office/drawing/2014/main" id="{70FB8CC8-A2B7-4F98-8E42-11BEBE9AE41F}"/>
+              </a:ext>
+            </a:extLst>
+          </p:cNvPr>
+          <p:cNvSpPr txBox="1"/>
+          <p:nvPr/>
+        </p:nvSpPr>
+        <p:spPr>
+          <a:xfrm>
+            <a:off x="9863775" y="1787278"/>
+            <a:ext cx="1874223" cy="261610"/>
+          </a:xfrm>
+          <a:prstGeom prst="rect">
+            <a:avLst/>
+          </a:prstGeom>
+          <a:noFill/>
+        </p:spPr>
+        <p:txBody>
+          <a:bodyPr wrap="square" rtlCol="0">
+            <a:spAutoFit/>
+          </a:bodyPr>
+          <a:lstStyle/>
+          <a:p>
+            <a:pPr algn="r"/>
+            <a:r>
+              <a:rPr lang="fr-FR" sz="1100" i="1" dirty="0">
+                <a:effectLst>
+                  <a:outerShdw blurRad="38100" dist="38100" dir="2700000" algn="tl">
+                    <a:srgbClr val="000000">
+                      <a:alpha val="43137"/>
+                    </a:srgbClr>
+                  </a:outerShdw>
+                </a:effectLst>
+              </a:rPr>
+              <a:t>Développement</a:t>
+            </a:r>
+          </a:p>
+        </p:txBody>
+      </p:sp>
+      <p:sp>
+        <p:nvSpPr>
+          <p:cNvPr id="29" name="ZoneTexte 28">
+            <a:extLst>
+              <a:ext uri="{FF2B5EF4-FFF2-40B4-BE49-F238E27FC236}">
+                <a16:creationId xmlns:a16="http://schemas.microsoft.com/office/drawing/2014/main" id="{433F821F-C8BA-4FE9-A7B8-D61E0E9B29EF}"/>
+              </a:ext>
+            </a:extLst>
+          </p:cNvPr>
+          <p:cNvSpPr txBox="1"/>
+          <p:nvPr/>
+        </p:nvSpPr>
+        <p:spPr>
+          <a:xfrm>
+            <a:off x="9842434" y="2222827"/>
+            <a:ext cx="1874223" cy="430887"/>
+          </a:xfrm>
+          <a:prstGeom prst="rect">
+            <a:avLst/>
+          </a:prstGeom>
+          <a:noFill/>
+        </p:spPr>
+        <p:txBody>
+          <a:bodyPr wrap="square" rtlCol="0">
+            <a:spAutoFit/>
+          </a:bodyPr>
+          <a:lstStyle/>
+          <a:p>
+            <a:pPr algn="r"/>
+            <a:r>
+              <a:rPr lang="fr-FR" sz="1100" i="1" dirty="0">
+                <a:effectLst>
+                  <a:outerShdw blurRad="38100" dist="38100" dir="2700000" algn="tl">
+                    <a:srgbClr val="000000">
+                      <a:alpha val="43137"/>
+                    </a:srgbClr>
+                  </a:outerShdw>
+                </a:effectLst>
+              </a:rPr>
+              <a:t>Diagramme de cas d’utilisation</a:t>
+            </a:r>
+          </a:p>
+        </p:txBody>
+      </p:sp>
+      <p:sp>
+        <p:nvSpPr>
+          <p:cNvPr id="30" name="ZoneTexte 29">
+            <a:extLst>
+              <a:ext uri="{FF2B5EF4-FFF2-40B4-BE49-F238E27FC236}">
+                <a16:creationId xmlns:a16="http://schemas.microsoft.com/office/drawing/2014/main" id="{64FFCB68-1737-4E81-A694-4F5DD996904C}"/>
+              </a:ext>
+            </a:extLst>
+          </p:cNvPr>
+          <p:cNvSpPr txBox="1"/>
+          <p:nvPr/>
+        </p:nvSpPr>
+        <p:spPr>
+          <a:xfrm>
+            <a:off x="9926210" y="2861382"/>
+            <a:ext cx="1874223" cy="261610"/>
+          </a:xfrm>
+          <a:prstGeom prst="rect">
+            <a:avLst/>
+          </a:prstGeom>
+          <a:noFill/>
+        </p:spPr>
+        <p:txBody>
+          <a:bodyPr wrap="square" rtlCol="0">
+            <a:spAutoFit/>
+          </a:bodyPr>
+          <a:lstStyle/>
+          <a:p>
+            <a:pPr algn="r"/>
+            <a:r>
+              <a:rPr lang="fr-FR" sz="1100" i="1" dirty="0">
+                <a:effectLst>
+                  <a:outerShdw blurRad="38100" dist="38100" dir="2700000" algn="tl">
+                    <a:srgbClr val="000000">
+                      <a:alpha val="43137"/>
+                    </a:srgbClr>
+                  </a:outerShdw>
+                </a:effectLst>
+              </a:rPr>
+              <a:t>Application de supervision</a:t>
+            </a:r>
+          </a:p>
+        </p:txBody>
+      </p:sp>
+      <p:sp>
+        <p:nvSpPr>
+          <p:cNvPr id="31" name="ZoneTexte 30">
+            <a:extLst>
+              <a:ext uri="{FF2B5EF4-FFF2-40B4-BE49-F238E27FC236}">
+                <a16:creationId xmlns:a16="http://schemas.microsoft.com/office/drawing/2014/main" id="{D65B590C-7637-4F49-A05C-2F48F9DCBA15}"/>
+              </a:ext>
+            </a:extLst>
+          </p:cNvPr>
+          <p:cNvSpPr txBox="1"/>
+          <p:nvPr/>
+        </p:nvSpPr>
+        <p:spPr>
+          <a:xfrm>
+            <a:off x="9956668" y="3157513"/>
+            <a:ext cx="1874223" cy="261610"/>
+          </a:xfrm>
+          <a:prstGeom prst="rect">
+            <a:avLst/>
+          </a:prstGeom>
+          <a:noFill/>
+        </p:spPr>
+        <p:txBody>
+          <a:bodyPr wrap="square" rtlCol="0">
+            <a:spAutoFit/>
+          </a:bodyPr>
+          <a:lstStyle/>
+          <a:p>
+            <a:pPr algn="r"/>
+            <a:r>
+              <a:rPr lang="fr-FR" sz="1100" i="1" dirty="0">
+                <a:effectLst>
+                  <a:outerShdw blurRad="38100" dist="38100" dir="2700000" algn="tl">
+                    <a:srgbClr val="000000">
+                      <a:alpha val="43137"/>
+                    </a:srgbClr>
+                  </a:outerShdw>
+                </a:effectLst>
+              </a:rPr>
+              <a:t>Lancer une partie</a:t>
+            </a:r>
+          </a:p>
+        </p:txBody>
+      </p:sp>
+      <p:sp>
+        <p:nvSpPr>
+          <p:cNvPr id="32" name="ZoneTexte 31">
+            <a:extLst>
+              <a:ext uri="{FF2B5EF4-FFF2-40B4-BE49-F238E27FC236}">
+                <a16:creationId xmlns:a16="http://schemas.microsoft.com/office/drawing/2014/main" id="{F95FEFDD-29D2-48E7-A64D-D234284E16DA}"/>
+              </a:ext>
+            </a:extLst>
+          </p:cNvPr>
+          <p:cNvSpPr txBox="1"/>
+          <p:nvPr/>
+        </p:nvSpPr>
+        <p:spPr>
+          <a:xfrm>
+            <a:off x="9947928" y="3386750"/>
+            <a:ext cx="1874223" cy="261610"/>
+          </a:xfrm>
+          <a:prstGeom prst="rect">
+            <a:avLst/>
+          </a:prstGeom>
+          <a:noFill/>
+        </p:spPr>
+        <p:txBody>
+          <a:bodyPr wrap="square" rtlCol="0">
+            <a:spAutoFit/>
+          </a:bodyPr>
+          <a:lstStyle/>
+          <a:p>
+            <a:pPr algn="r"/>
+            <a:r>
+              <a:rPr lang="fr-FR" sz="1100" i="1" dirty="0">
+                <a:effectLst>
+                  <a:outerShdw blurRad="38100" dist="38100" dir="2700000" algn="tl">
+                    <a:srgbClr val="000000">
+                      <a:alpha val="43137"/>
+                    </a:srgbClr>
+                  </a:outerShdw>
+                </a:effectLst>
+              </a:rPr>
+              <a:t>Superviser</a:t>
+            </a:r>
+          </a:p>
+        </p:txBody>
+      </p:sp>
+      <p:sp>
+        <p:nvSpPr>
+          <p:cNvPr id="33" name="ZoneTexte 32">
+            <a:extLst>
+              <a:ext uri="{FF2B5EF4-FFF2-40B4-BE49-F238E27FC236}">
+                <a16:creationId xmlns:a16="http://schemas.microsoft.com/office/drawing/2014/main" id="{23B4181B-A49D-480C-AA2B-42DE056FA61C}"/>
+              </a:ext>
+            </a:extLst>
+          </p:cNvPr>
+          <p:cNvSpPr txBox="1"/>
+          <p:nvPr/>
+        </p:nvSpPr>
+        <p:spPr>
+          <a:xfrm>
+            <a:off x="9941400" y="3596455"/>
+            <a:ext cx="1874223" cy="261610"/>
+          </a:xfrm>
+          <a:prstGeom prst="rect">
+            <a:avLst/>
+          </a:prstGeom>
+          <a:noFill/>
+        </p:spPr>
+        <p:txBody>
+          <a:bodyPr wrap="square" rtlCol="0">
+            <a:spAutoFit/>
+          </a:bodyPr>
+          <a:lstStyle/>
+          <a:p>
+            <a:pPr algn="r"/>
+            <a:r>
+              <a:rPr lang="fr-FR" sz="1100" i="1" dirty="0">
+                <a:effectLst>
+                  <a:outerShdw blurRad="38100" dist="38100" dir="2700000" algn="tl">
+                    <a:srgbClr val="000000">
+                      <a:alpha val="43137"/>
+                    </a:srgbClr>
+                  </a:outerShdw>
+                </a:effectLst>
+              </a:rPr>
+              <a:t>Envoi d’indice / Fin</a:t>
+            </a:r>
+          </a:p>
+        </p:txBody>
+      </p:sp>
+      <p:sp>
+        <p:nvSpPr>
+          <p:cNvPr id="34" name="ZoneTexte 33">
+            <a:extLst>
+              <a:ext uri="{FF2B5EF4-FFF2-40B4-BE49-F238E27FC236}">
+                <a16:creationId xmlns:a16="http://schemas.microsoft.com/office/drawing/2014/main" id="{1A6BA23E-06A8-4127-8A77-9F7325149FAE}"/>
+              </a:ext>
+            </a:extLst>
+          </p:cNvPr>
+          <p:cNvSpPr txBox="1"/>
+          <p:nvPr/>
+        </p:nvSpPr>
+        <p:spPr>
+          <a:xfrm>
+            <a:off x="9905882" y="3995785"/>
+            <a:ext cx="1874223" cy="261610"/>
+          </a:xfrm>
+          <a:prstGeom prst="rect">
+            <a:avLst/>
+          </a:prstGeom>
+          <a:noFill/>
+        </p:spPr>
+        <p:txBody>
+          <a:bodyPr wrap="square" rtlCol="0">
+            <a:spAutoFit/>
+          </a:bodyPr>
+          <a:lstStyle/>
+          <a:p>
+            <a:pPr algn="r"/>
+            <a:r>
+              <a:rPr lang="fr-FR" sz="1100" i="1" dirty="0">
+                <a:effectLst>
+                  <a:outerShdw blurRad="38100" dist="38100" dir="2700000" algn="tl">
+                    <a:srgbClr val="000000">
+                      <a:alpha val="43137"/>
+                    </a:srgbClr>
+                  </a:outerShdw>
+                </a:effectLst>
+              </a:rPr>
+              <a:t>Diagrammes de séquence</a:t>
+            </a:r>
+          </a:p>
+        </p:txBody>
+      </p:sp>
+      <p:sp>
+        <p:nvSpPr>
+          <p:cNvPr id="35" name="ZoneTexte 34">
+            <a:extLst>
+              <a:ext uri="{FF2B5EF4-FFF2-40B4-BE49-F238E27FC236}">
+                <a16:creationId xmlns:a16="http://schemas.microsoft.com/office/drawing/2014/main" id="{F94FF793-308D-4E41-B2B0-4ABE2AF92BED}"/>
+              </a:ext>
+            </a:extLst>
+          </p:cNvPr>
+          <p:cNvSpPr txBox="1"/>
+          <p:nvPr/>
+        </p:nvSpPr>
+        <p:spPr>
+          <a:xfrm>
+            <a:off x="9964263" y="4310665"/>
+            <a:ext cx="1874223" cy="261610"/>
+          </a:xfrm>
+          <a:prstGeom prst="rect">
+            <a:avLst/>
+          </a:prstGeom>
+          <a:noFill/>
+        </p:spPr>
+        <p:txBody>
+          <a:bodyPr wrap="square" rtlCol="0">
+            <a:spAutoFit/>
+          </a:bodyPr>
+          <a:lstStyle/>
+          <a:p>
+            <a:pPr algn="r"/>
+            <a:r>
+              <a:rPr lang="fr-FR" sz="1100" i="1" dirty="0">
+                <a:effectLst>
+                  <a:outerShdw blurRad="38100" dist="38100" dir="2700000" algn="tl">
+                    <a:srgbClr val="000000">
+                      <a:alpha val="43137"/>
+                    </a:srgbClr>
+                  </a:outerShdw>
+                </a:effectLst>
+              </a:rPr>
+              <a:t>Lancement d’une partie</a:t>
+            </a:r>
+          </a:p>
+        </p:txBody>
+      </p:sp>
+      <p:sp>
+        <p:nvSpPr>
+          <p:cNvPr id="36" name="ZoneTexte 35">
+            <a:extLst>
+              <a:ext uri="{FF2B5EF4-FFF2-40B4-BE49-F238E27FC236}">
+                <a16:creationId xmlns:a16="http://schemas.microsoft.com/office/drawing/2014/main" id="{F20B1F6B-5AC9-4035-A87D-EEF54159345C}"/>
+              </a:ext>
+            </a:extLst>
+          </p:cNvPr>
+          <p:cNvSpPr txBox="1"/>
+          <p:nvPr/>
+        </p:nvSpPr>
+        <p:spPr>
+          <a:xfrm>
+            <a:off x="9956667" y="4540093"/>
+            <a:ext cx="1874223" cy="261610"/>
+          </a:xfrm>
+          <a:prstGeom prst="rect">
+            <a:avLst/>
+          </a:prstGeom>
+          <a:noFill/>
+        </p:spPr>
+        <p:txBody>
+          <a:bodyPr wrap="square" rtlCol="0">
+            <a:spAutoFit/>
+          </a:bodyPr>
+          <a:lstStyle/>
+          <a:p>
+            <a:pPr algn="r"/>
+            <a:r>
+              <a:rPr lang="fr-FR" sz="1100" i="1" dirty="0">
+                <a:effectLst>
+                  <a:outerShdw blurRad="38100" dist="38100" dir="2700000" algn="tl">
+                    <a:srgbClr val="000000">
+                      <a:alpha val="43137"/>
+                    </a:srgbClr>
+                  </a:outerShdw>
+                </a:effectLst>
+              </a:rPr>
+              <a:t>Envoi d’un message</a:t>
+            </a:r>
+          </a:p>
+        </p:txBody>
+      </p:sp>
+      <p:sp>
+        <p:nvSpPr>
+          <p:cNvPr id="37" name="ZoneTexte 36">
+            <a:extLst>
+              <a:ext uri="{FF2B5EF4-FFF2-40B4-BE49-F238E27FC236}">
+                <a16:creationId xmlns:a16="http://schemas.microsoft.com/office/drawing/2014/main" id="{B5D9928E-E547-401F-B162-A932B766AEFD}"/>
+              </a:ext>
+            </a:extLst>
+          </p:cNvPr>
+          <p:cNvSpPr txBox="1"/>
+          <p:nvPr/>
+        </p:nvSpPr>
+        <p:spPr>
+          <a:xfrm>
+            <a:off x="9941399" y="4760933"/>
+            <a:ext cx="1874223" cy="261610"/>
+          </a:xfrm>
+          <a:prstGeom prst="rect">
+            <a:avLst/>
+          </a:prstGeom>
+          <a:noFill/>
+        </p:spPr>
+        <p:txBody>
+          <a:bodyPr wrap="square" rtlCol="0">
+            <a:spAutoFit/>
+          </a:bodyPr>
+          <a:lstStyle/>
+          <a:p>
+            <a:pPr algn="r"/>
+            <a:r>
+              <a:rPr lang="fr-FR" sz="1100" i="1" dirty="0">
+                <a:effectLst>
+                  <a:outerShdw blurRad="38100" dist="38100" dir="2700000" algn="tl">
+                    <a:srgbClr val="000000">
+                      <a:alpha val="43137"/>
+                    </a:srgbClr>
+                  </a:outerShdw>
+                </a:effectLst>
+              </a:rPr>
+              <a:t>Fin de la partie</a:t>
+            </a:r>
+          </a:p>
+        </p:txBody>
+      </p:sp>
+      <p:sp>
+        <p:nvSpPr>
+          <p:cNvPr id="38" name="ZoneTexte 37">
+            <a:extLst>
+              <a:ext uri="{FF2B5EF4-FFF2-40B4-BE49-F238E27FC236}">
+                <a16:creationId xmlns:a16="http://schemas.microsoft.com/office/drawing/2014/main" id="{138E09B7-EE5E-4075-ADA5-FB018E587852}"/>
+              </a:ext>
+            </a:extLst>
+          </p:cNvPr>
+          <p:cNvSpPr txBox="1"/>
+          <p:nvPr/>
+        </p:nvSpPr>
+        <p:spPr>
+          <a:xfrm>
+            <a:off x="9863775" y="5123280"/>
+            <a:ext cx="1874223" cy="261610"/>
+          </a:xfrm>
+          <a:prstGeom prst="rect">
+            <a:avLst/>
+          </a:prstGeom>
+          <a:noFill/>
+        </p:spPr>
+        <p:txBody>
+          <a:bodyPr wrap="square" rtlCol="0">
+            <a:spAutoFit/>
+          </a:bodyPr>
+          <a:lstStyle/>
+          <a:p>
+            <a:pPr algn="r"/>
+            <a:r>
+              <a:rPr lang="fr-FR" sz="1100" i="1" dirty="0">
+                <a:effectLst>
+                  <a:outerShdw blurRad="38100" dist="38100" dir="2700000" algn="tl">
+                    <a:srgbClr val="000000">
+                      <a:alpha val="43137"/>
+                    </a:srgbClr>
+                  </a:outerShdw>
+                </a:effectLst>
+              </a:rPr>
+              <a:t>Diagramme de classes</a:t>
+            </a:r>
+          </a:p>
+        </p:txBody>
+      </p:sp>
+      <p:sp>
+        <p:nvSpPr>
+          <p:cNvPr id="39" name="ZoneTexte 38">
+            <a:extLst>
+              <a:ext uri="{FF2B5EF4-FFF2-40B4-BE49-F238E27FC236}">
+                <a16:creationId xmlns:a16="http://schemas.microsoft.com/office/drawing/2014/main" id="{FD9ADB67-CBDA-405A-9F5A-22D0423F9974}"/>
+              </a:ext>
+            </a:extLst>
+          </p:cNvPr>
+          <p:cNvSpPr txBox="1"/>
+          <p:nvPr/>
+        </p:nvSpPr>
+        <p:spPr>
+          <a:xfrm>
+            <a:off x="9842434" y="5824598"/>
+            <a:ext cx="1874223" cy="261610"/>
+          </a:xfrm>
+          <a:prstGeom prst="rect">
+            <a:avLst/>
+          </a:prstGeom>
+          <a:noFill/>
+        </p:spPr>
+        <p:txBody>
+          <a:bodyPr wrap="square" rtlCol="0">
+            <a:spAutoFit/>
+          </a:bodyPr>
+          <a:lstStyle/>
+          <a:p>
+            <a:pPr algn="r"/>
+            <a:r>
+              <a:rPr lang="fr-FR" sz="1100" i="1" dirty="0">
+                <a:effectLst>
+                  <a:outerShdw blurRad="38100" dist="38100" dir="2700000" algn="tl">
+                    <a:srgbClr val="000000">
+                      <a:alpha val="43137"/>
+                    </a:srgbClr>
+                  </a:outerShdw>
+                </a:effectLst>
+              </a:rPr>
+              <a:t>Base de Données</a:t>
+            </a:r>
+          </a:p>
+        </p:txBody>
+      </p:sp>
+      <p:sp>
+        <p:nvSpPr>
+          <p:cNvPr id="40" name="ZoneTexte 39">
+            <a:extLst>
+              <a:ext uri="{FF2B5EF4-FFF2-40B4-BE49-F238E27FC236}">
+                <a16:creationId xmlns:a16="http://schemas.microsoft.com/office/drawing/2014/main" id="{0D1906F0-94B5-4408-9D18-A3B6DA8425A3}"/>
+              </a:ext>
+            </a:extLst>
+          </p:cNvPr>
+          <p:cNvSpPr txBox="1"/>
+          <p:nvPr/>
+        </p:nvSpPr>
+        <p:spPr>
+          <a:xfrm>
+            <a:off x="9826051" y="6486853"/>
+            <a:ext cx="1874223" cy="261610"/>
+          </a:xfrm>
+          <a:prstGeom prst="rect">
+            <a:avLst/>
+          </a:prstGeom>
+          <a:noFill/>
+        </p:spPr>
+        <p:txBody>
+          <a:bodyPr wrap="square" rtlCol="0">
+            <a:spAutoFit/>
+          </a:bodyPr>
+          <a:lstStyle/>
+          <a:p>
+            <a:pPr algn="r"/>
+            <a:r>
+              <a:rPr lang="fr-FR" sz="1100" i="1" dirty="0">
+                <a:effectLst>
+                  <a:outerShdw blurRad="38100" dist="38100" dir="2700000" algn="tl">
+                    <a:srgbClr val="000000">
+                      <a:alpha val="43137"/>
+                    </a:srgbClr>
+                  </a:outerShdw>
+                </a:effectLst>
+              </a:rPr>
+              <a:t>Planification</a:t>
+            </a:r>
+          </a:p>
+        </p:txBody>
+      </p:sp>
+      <p:sp>
+        <p:nvSpPr>
+          <p:cNvPr id="41" name="Rectangle 40">
+            <a:extLst>
+              <a:ext uri="{FF2B5EF4-FFF2-40B4-BE49-F238E27FC236}">
+                <a16:creationId xmlns:a16="http://schemas.microsoft.com/office/drawing/2014/main" id="{02D362F5-8298-48B1-9D17-6B36C5FD42EC}"/>
+              </a:ext>
+            </a:extLst>
+          </p:cNvPr>
+          <p:cNvSpPr/>
+          <p:nvPr/>
+        </p:nvSpPr>
+        <p:spPr>
+          <a:xfrm>
+            <a:off x="11853752" y="880418"/>
+            <a:ext cx="63479" cy="5890969"/>
+          </a:xfrm>
+          <a:prstGeom prst="rect">
+            <a:avLst/>
+          </a:prstGeom>
+          <a:solidFill>
+            <a:schemeClr val="bg1"/>
+          </a:solidFill>
+          <a:ln>
+            <a:noFill/>
+          </a:ln>
+        </p:spPr>
+        <p:style>
+          <a:lnRef idx="2">
+            <a:schemeClr val="accent1">
+              <a:shade val="50000"/>
+            </a:schemeClr>
+          </a:lnRef>
+          <a:fillRef idx="1">
+            <a:schemeClr val="accent1"/>
+          </a:fillRef>
+          <a:effectRef idx="0">
+            <a:schemeClr val="accent1"/>
+          </a:effectRef>
+          <a:fontRef idx="minor">
+            <a:schemeClr val="lt1"/>
+          </a:fontRef>
+        </p:style>
+        <p:txBody>
+          <a:bodyPr rtlCol="0" anchor="ctr"/>
+          <a:lstStyle/>
+          <a:p>
+            <a:pPr algn="ctr"/>
+            <a:endParaRPr lang="fr-FR"/>
+          </a:p>
+        </p:txBody>
+      </p:sp>
+      <p:sp>
+        <p:nvSpPr>
+          <p:cNvPr id="42" name="Ellipse 41">
+            <a:extLst>
+              <a:ext uri="{FF2B5EF4-FFF2-40B4-BE49-F238E27FC236}">
+                <a16:creationId xmlns:a16="http://schemas.microsoft.com/office/drawing/2014/main" id="{8FC05E90-B001-44EA-829D-F1807CF6B161}"/>
+              </a:ext>
+            </a:extLst>
+          </p:cNvPr>
+          <p:cNvSpPr/>
+          <p:nvPr/>
+        </p:nvSpPr>
+        <p:spPr>
+          <a:xfrm>
+            <a:off x="11740896" y="1266423"/>
+            <a:ext cx="307668" cy="317709"/>
+          </a:xfrm>
+          <a:prstGeom prst="ellipse">
+            <a:avLst/>
+          </a:prstGeom>
+          <a:solidFill>
+            <a:schemeClr val="bg1"/>
+          </a:solidFill>
+          <a:ln>
+            <a:solidFill>
+              <a:schemeClr val="bg1"/>
+            </a:solidFill>
+          </a:ln>
+        </p:spPr>
+        <p:style>
+          <a:lnRef idx="2">
+            <a:schemeClr val="accent1">
+              <a:shade val="50000"/>
+            </a:schemeClr>
+          </a:lnRef>
+          <a:fillRef idx="1">
+            <a:schemeClr val="accent1"/>
+          </a:fillRef>
+          <a:effectRef idx="0">
+            <a:schemeClr val="accent1"/>
+          </a:effectRef>
+          <a:fontRef idx="minor">
+            <a:schemeClr val="lt1"/>
+          </a:fontRef>
+        </p:style>
+        <p:txBody>
+          <a:bodyPr rtlCol="0" anchor="ctr"/>
+          <a:lstStyle/>
+          <a:p>
+            <a:pPr algn="ctr"/>
+            <a:endParaRPr lang="fr-FR" dirty="0"/>
+          </a:p>
+        </p:txBody>
+      </p:sp>
+      <p:sp>
+        <p:nvSpPr>
+          <p:cNvPr id="43" name="Ellipse 42">
+            <a:extLst>
+              <a:ext uri="{FF2B5EF4-FFF2-40B4-BE49-F238E27FC236}">
+                <a16:creationId xmlns:a16="http://schemas.microsoft.com/office/drawing/2014/main" id="{EF93476C-3AEC-4888-BBFD-7F3A19F26753}"/>
+              </a:ext>
+            </a:extLst>
+          </p:cNvPr>
+          <p:cNvSpPr/>
+          <p:nvPr/>
+        </p:nvSpPr>
+        <p:spPr>
+          <a:xfrm>
+            <a:off x="11739665" y="5113681"/>
+            <a:ext cx="307668" cy="317709"/>
+          </a:xfrm>
+          <a:prstGeom prst="ellipse">
+            <a:avLst/>
+          </a:prstGeom>
+          <a:solidFill>
+            <a:schemeClr val="bg1"/>
+          </a:solidFill>
+          <a:ln>
+            <a:solidFill>
+              <a:schemeClr val="bg1"/>
+            </a:solidFill>
+          </a:ln>
+        </p:spPr>
+        <p:style>
+          <a:lnRef idx="2">
+            <a:schemeClr val="accent1">
+              <a:shade val="50000"/>
+            </a:schemeClr>
+          </a:lnRef>
+          <a:fillRef idx="1">
+            <a:schemeClr val="accent1"/>
+          </a:fillRef>
+          <a:effectRef idx="0">
+            <a:schemeClr val="accent1"/>
+          </a:effectRef>
+          <a:fontRef idx="minor">
+            <a:schemeClr val="lt1"/>
+          </a:fontRef>
+        </p:style>
+        <p:txBody>
+          <a:bodyPr rtlCol="0" anchor="ctr"/>
+          <a:lstStyle/>
+          <a:p>
+            <a:pPr algn="ctr"/>
+            <a:endParaRPr lang="fr-FR" dirty="0"/>
+          </a:p>
+        </p:txBody>
+      </p:sp>
+      <p:sp>
+        <p:nvSpPr>
+          <p:cNvPr id="44" name="Ellipse 43">
+            <a:extLst>
+              <a:ext uri="{FF2B5EF4-FFF2-40B4-BE49-F238E27FC236}">
+                <a16:creationId xmlns:a16="http://schemas.microsoft.com/office/drawing/2014/main" id="{D66D50FF-4B04-460A-8EFC-875C0A63C023}"/>
+              </a:ext>
+            </a:extLst>
+          </p:cNvPr>
+          <p:cNvSpPr/>
+          <p:nvPr/>
+        </p:nvSpPr>
+        <p:spPr>
+          <a:xfrm>
+            <a:off x="11741041" y="3959962"/>
+            <a:ext cx="307668" cy="317709"/>
+          </a:xfrm>
+          <a:prstGeom prst="ellipse">
+            <a:avLst/>
+          </a:prstGeom>
+          <a:solidFill>
+            <a:schemeClr val="bg1"/>
+          </a:solidFill>
+          <a:ln>
+            <a:solidFill>
+              <a:schemeClr val="bg1"/>
+            </a:solidFill>
+          </a:ln>
+        </p:spPr>
+        <p:style>
+          <a:lnRef idx="2">
+            <a:schemeClr val="accent1">
+              <a:shade val="50000"/>
+            </a:schemeClr>
+          </a:lnRef>
+          <a:fillRef idx="1">
+            <a:schemeClr val="accent1"/>
+          </a:fillRef>
+          <a:effectRef idx="0">
+            <a:schemeClr val="accent1"/>
+          </a:effectRef>
+          <a:fontRef idx="minor">
+            <a:schemeClr val="lt1"/>
+          </a:fontRef>
+        </p:style>
+        <p:txBody>
+          <a:bodyPr rtlCol="0" anchor="ctr"/>
+          <a:lstStyle/>
+          <a:p>
+            <a:pPr algn="ctr"/>
+            <a:endParaRPr lang="fr-FR" dirty="0"/>
+          </a:p>
+        </p:txBody>
+      </p:sp>
+      <p:sp>
+        <p:nvSpPr>
+          <p:cNvPr id="45" name="Ellipse 44">
+            <a:extLst>
+              <a:ext uri="{FF2B5EF4-FFF2-40B4-BE49-F238E27FC236}">
+                <a16:creationId xmlns:a16="http://schemas.microsoft.com/office/drawing/2014/main" id="{A03862E6-C5D4-4E22-83DA-9BBB9BE10E63}"/>
+              </a:ext>
+            </a:extLst>
+          </p:cNvPr>
+          <p:cNvSpPr/>
+          <p:nvPr/>
+        </p:nvSpPr>
+        <p:spPr>
+          <a:xfrm>
+            <a:off x="11741041" y="2833333"/>
+            <a:ext cx="307668" cy="317709"/>
+          </a:xfrm>
+          <a:prstGeom prst="ellipse">
+            <a:avLst/>
+          </a:prstGeom>
+          <a:solidFill>
+            <a:schemeClr val="bg1"/>
+          </a:solidFill>
+          <a:ln>
+            <a:solidFill>
+              <a:schemeClr val="bg1"/>
+            </a:solidFill>
+          </a:ln>
+        </p:spPr>
+        <p:style>
+          <a:lnRef idx="2">
+            <a:schemeClr val="accent1">
+              <a:shade val="50000"/>
+            </a:schemeClr>
+          </a:lnRef>
+          <a:fillRef idx="1">
+            <a:schemeClr val="accent1"/>
+          </a:fillRef>
+          <a:effectRef idx="0">
+            <a:schemeClr val="accent1"/>
+          </a:effectRef>
+          <a:fontRef idx="minor">
+            <a:schemeClr val="lt1"/>
+          </a:fontRef>
+        </p:style>
+        <p:txBody>
+          <a:bodyPr rtlCol="0" anchor="ctr"/>
+          <a:lstStyle/>
+          <a:p>
+            <a:pPr algn="ctr"/>
+            <a:endParaRPr lang="fr-FR" dirty="0"/>
+          </a:p>
+        </p:txBody>
+      </p:sp>
+      <p:sp>
+        <p:nvSpPr>
+          <p:cNvPr id="46" name="Ellipse 45">
+            <a:extLst>
+              <a:ext uri="{FF2B5EF4-FFF2-40B4-BE49-F238E27FC236}">
+                <a16:creationId xmlns:a16="http://schemas.microsoft.com/office/drawing/2014/main" id="{8C808762-0775-48F1-A5BD-F5350B556F5C}"/>
+              </a:ext>
+            </a:extLst>
+          </p:cNvPr>
+          <p:cNvSpPr/>
+          <p:nvPr/>
+        </p:nvSpPr>
+        <p:spPr>
+          <a:xfrm>
+            <a:off x="11739520" y="1775455"/>
+            <a:ext cx="307668" cy="317709"/>
+          </a:xfrm>
+          <a:prstGeom prst="ellipse">
+            <a:avLst/>
+          </a:prstGeom>
+          <a:solidFill>
+            <a:schemeClr val="bg1"/>
+          </a:solidFill>
+          <a:ln>
+            <a:solidFill>
+              <a:schemeClr val="bg1"/>
+            </a:solidFill>
+          </a:ln>
+        </p:spPr>
+        <p:style>
+          <a:lnRef idx="2">
+            <a:schemeClr val="accent1">
+              <a:shade val="50000"/>
+            </a:schemeClr>
+          </a:lnRef>
+          <a:fillRef idx="1">
+            <a:schemeClr val="accent1"/>
+          </a:fillRef>
+          <a:effectRef idx="0">
+            <a:schemeClr val="accent1"/>
+          </a:effectRef>
+          <a:fontRef idx="minor">
+            <a:schemeClr val="lt1"/>
+          </a:fontRef>
+        </p:style>
+        <p:txBody>
+          <a:bodyPr rtlCol="0" anchor="ctr"/>
+          <a:lstStyle/>
+          <a:p>
+            <a:pPr algn="ctr"/>
+            <a:endParaRPr lang="fr-FR" dirty="0"/>
+          </a:p>
+        </p:txBody>
+      </p:sp>
+      <p:sp>
+        <p:nvSpPr>
+          <p:cNvPr id="47" name="Ellipse 46">
+            <a:extLst>
+              <a:ext uri="{FF2B5EF4-FFF2-40B4-BE49-F238E27FC236}">
+                <a16:creationId xmlns:a16="http://schemas.microsoft.com/office/drawing/2014/main" id="{5B621559-3A68-49A5-A745-E62B86792BC5}"/>
+              </a:ext>
+            </a:extLst>
+          </p:cNvPr>
+          <p:cNvSpPr/>
+          <p:nvPr/>
+        </p:nvSpPr>
+        <p:spPr>
+          <a:xfrm>
+            <a:off x="11739520" y="2298845"/>
+            <a:ext cx="307668" cy="317709"/>
+          </a:xfrm>
+          <a:prstGeom prst="ellipse">
+            <a:avLst/>
+          </a:prstGeom>
+          <a:solidFill>
+            <a:schemeClr val="bg1"/>
+          </a:solidFill>
+          <a:ln>
+            <a:solidFill>
+              <a:schemeClr val="bg1"/>
+            </a:solidFill>
+          </a:ln>
+        </p:spPr>
+        <p:style>
+          <a:lnRef idx="2">
+            <a:schemeClr val="accent1">
+              <a:shade val="50000"/>
+            </a:schemeClr>
+          </a:lnRef>
+          <a:fillRef idx="1">
+            <a:schemeClr val="accent1"/>
+          </a:fillRef>
+          <a:effectRef idx="0">
+            <a:schemeClr val="accent1"/>
+          </a:effectRef>
+          <a:fontRef idx="minor">
+            <a:schemeClr val="lt1"/>
+          </a:fontRef>
+        </p:style>
+        <p:txBody>
+          <a:bodyPr rtlCol="0" anchor="ctr"/>
+          <a:lstStyle/>
+          <a:p>
+            <a:pPr algn="ctr"/>
+            <a:endParaRPr lang="fr-FR" dirty="0"/>
+          </a:p>
+        </p:txBody>
+      </p:sp>
+      <p:sp>
+        <p:nvSpPr>
+          <p:cNvPr id="48" name="Ellipse 47">
+            <a:extLst>
+              <a:ext uri="{FF2B5EF4-FFF2-40B4-BE49-F238E27FC236}">
+                <a16:creationId xmlns:a16="http://schemas.microsoft.com/office/drawing/2014/main" id="{E8059D7D-AE2F-4197-9DBE-6F0D816B54ED}"/>
+              </a:ext>
+            </a:extLst>
+          </p:cNvPr>
+          <p:cNvSpPr/>
+          <p:nvPr/>
+        </p:nvSpPr>
+        <p:spPr>
+          <a:xfrm>
+            <a:off x="11740896" y="6476605"/>
+            <a:ext cx="307668" cy="317709"/>
+          </a:xfrm>
+          <a:prstGeom prst="ellipse">
+            <a:avLst/>
+          </a:prstGeom>
+          <a:solidFill>
+            <a:schemeClr val="bg1"/>
+          </a:solidFill>
+          <a:ln>
+            <a:solidFill>
+              <a:schemeClr val="bg1"/>
+            </a:solidFill>
+          </a:ln>
+        </p:spPr>
+        <p:style>
+          <a:lnRef idx="2">
+            <a:schemeClr val="accent1">
+              <a:shade val="50000"/>
+            </a:schemeClr>
+          </a:lnRef>
+          <a:fillRef idx="1">
+            <a:schemeClr val="accent1"/>
+          </a:fillRef>
+          <a:effectRef idx="0">
+            <a:schemeClr val="accent1"/>
+          </a:effectRef>
+          <a:fontRef idx="minor">
+            <a:schemeClr val="lt1"/>
+          </a:fontRef>
+        </p:style>
+        <p:txBody>
+          <a:bodyPr rtlCol="0" anchor="ctr"/>
+          <a:lstStyle/>
+          <a:p>
+            <a:pPr algn="ctr"/>
+            <a:endParaRPr lang="fr-FR" dirty="0"/>
+          </a:p>
+        </p:txBody>
+      </p:sp>
+      <p:sp>
+        <p:nvSpPr>
+          <p:cNvPr id="49" name="Ellipse 48">
+            <a:extLst>
+              <a:ext uri="{FF2B5EF4-FFF2-40B4-BE49-F238E27FC236}">
+                <a16:creationId xmlns:a16="http://schemas.microsoft.com/office/drawing/2014/main" id="{CBD1A221-4EF8-4E30-A675-706AEFCE2D28}"/>
+              </a:ext>
+            </a:extLst>
+          </p:cNvPr>
+          <p:cNvSpPr/>
+          <p:nvPr/>
+        </p:nvSpPr>
+        <p:spPr>
+          <a:xfrm>
+            <a:off x="11739519" y="5796549"/>
+            <a:ext cx="307668" cy="317709"/>
+          </a:xfrm>
+          <a:prstGeom prst="ellipse">
+            <a:avLst/>
+          </a:prstGeom>
+          <a:solidFill>
+            <a:schemeClr val="bg1"/>
+          </a:solidFill>
+          <a:ln>
+            <a:solidFill>
+              <a:schemeClr val="bg1"/>
+            </a:solidFill>
+          </a:ln>
+        </p:spPr>
+        <p:style>
+          <a:lnRef idx="2">
+            <a:schemeClr val="accent1">
+              <a:shade val="50000"/>
+            </a:schemeClr>
+          </a:lnRef>
+          <a:fillRef idx="1">
+            <a:schemeClr val="accent1"/>
+          </a:fillRef>
+          <a:effectRef idx="0">
+            <a:schemeClr val="accent1"/>
+          </a:effectRef>
+          <a:fontRef idx="minor">
+            <a:schemeClr val="lt1"/>
+          </a:fontRef>
+        </p:style>
+        <p:txBody>
+          <a:bodyPr rtlCol="0" anchor="ctr"/>
+          <a:lstStyle/>
+          <a:p>
+            <a:pPr algn="ctr"/>
+            <a:endParaRPr lang="fr-FR" dirty="0"/>
+          </a:p>
+        </p:txBody>
+      </p:sp>
     </p:spTree>
     <p:extLst>
       <p:ext uri="{BB962C8B-B14F-4D97-AF65-F5344CB8AC3E}">
@@ -13132,7 +17060,7 @@
         </p:blipFill>
         <p:spPr>
           <a:xfrm>
-            <a:off x="361891" y="3420089"/>
+            <a:off x="301389" y="3418594"/>
             <a:ext cx="335083" cy="335083"/>
           </a:xfrm>
           <a:prstGeom prst="rect">
@@ -13142,10 +17070,10 @@
       </p:pic>
       <p:pic>
         <p:nvPicPr>
-          <p:cNvPr id="9" name="Graphique 8" descr="Présentation avec graphique à barres">
-            <a:extLst>
-              <a:ext uri="{FF2B5EF4-FFF2-40B4-BE49-F238E27FC236}">
-                <a16:creationId xmlns:a16="http://schemas.microsoft.com/office/drawing/2014/main" id="{D413B9F1-F871-4334-B654-6AA68CF3B65D}"/>
+          <p:cNvPr id="11" name="Graphique 10" descr="Tête avec engrenages">
+            <a:extLst>
+              <a:ext uri="{FF2B5EF4-FFF2-40B4-BE49-F238E27FC236}">
+                <a16:creationId xmlns:a16="http://schemas.microsoft.com/office/drawing/2014/main" id="{C7CE5BE4-3D55-46A9-9B0D-E1202C0966E0}"/>
               </a:ext>
             </a:extLst>
           </p:cNvPr>
@@ -13168,8 +17096,8 @@
         </p:blipFill>
         <p:spPr>
           <a:xfrm>
-            <a:off x="388803" y="3869080"/>
-            <a:ext cx="282704" cy="282704"/>
+            <a:off x="356215" y="2283674"/>
+            <a:ext cx="284148" cy="284148"/>
           </a:xfrm>
           <a:prstGeom prst="rect">
             <a:avLst/>
@@ -13178,10 +17106,10 @@
       </p:pic>
       <p:pic>
         <p:nvPicPr>
-          <p:cNvPr id="11" name="Graphique 10" descr="Tête avec engrenages">
-            <a:extLst>
-              <a:ext uri="{FF2B5EF4-FFF2-40B4-BE49-F238E27FC236}">
-                <a16:creationId xmlns:a16="http://schemas.microsoft.com/office/drawing/2014/main" id="{C7CE5BE4-3D55-46A9-9B0D-E1202C0966E0}"/>
+          <p:cNvPr id="13" name="Graphique 12" descr="Recherche">
+            <a:extLst>
+              <a:ext uri="{FF2B5EF4-FFF2-40B4-BE49-F238E27FC236}">
+                <a16:creationId xmlns:a16="http://schemas.microsoft.com/office/drawing/2014/main" id="{7B7607A7-2750-4761-9D8E-A8C86098B44A}"/>
               </a:ext>
             </a:extLst>
           </p:cNvPr>
@@ -13204,8 +17132,8 @@
         </p:blipFill>
         <p:spPr>
           <a:xfrm>
-            <a:off x="453248" y="2258368"/>
-            <a:ext cx="218259" cy="218259"/>
+            <a:off x="244158" y="1265935"/>
+            <a:ext cx="382694" cy="382694"/>
           </a:xfrm>
           <a:prstGeom prst="rect">
             <a:avLst/>
@@ -13214,10 +17142,10 @@
       </p:pic>
       <p:pic>
         <p:nvPicPr>
-          <p:cNvPr id="13" name="Graphique 12" descr="Recherche">
-            <a:extLst>
-              <a:ext uri="{FF2B5EF4-FFF2-40B4-BE49-F238E27FC236}">
-                <a16:creationId xmlns:a16="http://schemas.microsoft.com/office/drawing/2014/main" id="{7B7607A7-2750-4761-9D8E-A8C86098B44A}"/>
+          <p:cNvPr id="15" name="Graphique 14" descr="Livre de jeu">
+            <a:extLst>
+              <a:ext uri="{FF2B5EF4-FFF2-40B4-BE49-F238E27FC236}">
+                <a16:creationId xmlns:a16="http://schemas.microsoft.com/office/drawing/2014/main" id="{3C2CE57A-AD6C-44A3-9969-D224EB1934AE}"/>
               </a:ext>
             </a:extLst>
           </p:cNvPr>
@@ -13240,8 +17168,8 @@
         </p:blipFill>
         <p:spPr>
           <a:xfrm>
-            <a:off x="244158" y="1265935"/>
-            <a:ext cx="382694" cy="382694"/>
+            <a:off x="310642" y="3156842"/>
+            <a:ext cx="297336" cy="297336"/>
           </a:xfrm>
           <a:prstGeom prst="rect">
             <a:avLst/>
@@ -13250,10 +17178,10 @@
       </p:pic>
       <p:pic>
         <p:nvPicPr>
-          <p:cNvPr id="15" name="Graphique 14" descr="Livre de jeu">
-            <a:extLst>
-              <a:ext uri="{FF2B5EF4-FFF2-40B4-BE49-F238E27FC236}">
-                <a16:creationId xmlns:a16="http://schemas.microsoft.com/office/drawing/2014/main" id="{3C2CE57A-AD6C-44A3-9969-D224EB1934AE}"/>
+          <p:cNvPr id="17" name="Graphique 16" descr="Sablier">
+            <a:extLst>
+              <a:ext uri="{FF2B5EF4-FFF2-40B4-BE49-F238E27FC236}">
+                <a16:creationId xmlns:a16="http://schemas.microsoft.com/office/drawing/2014/main" id="{6EE5B803-6AC3-455C-896F-46AF846F09E9}"/>
               </a:ext>
             </a:extLst>
           </p:cNvPr>
@@ -13276,7 +17204,7 @@
         </p:blipFill>
         <p:spPr>
           <a:xfrm>
-            <a:off x="361891" y="3033807"/>
+            <a:off x="328236" y="2603257"/>
             <a:ext cx="297336" cy="297336"/>
           </a:xfrm>
           <a:prstGeom prst="rect">
@@ -13286,10 +17214,10 @@
       </p:pic>
       <p:pic>
         <p:nvPicPr>
-          <p:cNvPr id="17" name="Graphique 16" descr="Sablier">
-            <a:extLst>
-              <a:ext uri="{FF2B5EF4-FFF2-40B4-BE49-F238E27FC236}">
-                <a16:creationId xmlns:a16="http://schemas.microsoft.com/office/drawing/2014/main" id="{6EE5B803-6AC3-455C-896F-46AF846F09E9}"/>
+          <p:cNvPr id="19" name="Graphique 18" descr="Webcam">
+            <a:extLst>
+              <a:ext uri="{FF2B5EF4-FFF2-40B4-BE49-F238E27FC236}">
+                <a16:creationId xmlns:a16="http://schemas.microsoft.com/office/drawing/2014/main" id="{F750C885-9AEA-464E-80F8-3809F823A0AC}"/>
               </a:ext>
             </a:extLst>
           </p:cNvPr>
@@ -13312,43 +17240,7 @@
         </p:blipFill>
         <p:spPr>
           <a:xfrm>
-            <a:off x="426337" y="2512335"/>
-            <a:ext cx="218258" cy="218258"/>
-          </a:xfrm>
-          <a:prstGeom prst="rect">
-            <a:avLst/>
-          </a:prstGeom>
-        </p:spPr>
-      </p:pic>
-      <p:pic>
-        <p:nvPicPr>
-          <p:cNvPr id="19" name="Graphique 18" descr="Webcam">
-            <a:extLst>
-              <a:ext uri="{FF2B5EF4-FFF2-40B4-BE49-F238E27FC236}">
-                <a16:creationId xmlns:a16="http://schemas.microsoft.com/office/drawing/2014/main" id="{F750C885-9AEA-464E-80F8-3809F823A0AC}"/>
-              </a:ext>
-            </a:extLst>
-          </p:cNvPr>
-          <p:cNvPicPr>
-            <a:picLocks noChangeAspect="1"/>
-          </p:cNvPicPr>
-          <p:nvPr/>
-        </p:nvPicPr>
-        <p:blipFill>
-          <a:blip r:embed="rId17">
-            <a:extLst>
-              <a:ext uri="{96DAC541-7B7A-43D3-8B79-37D633B846F1}">
-                <asvg:svgBlip xmlns:asvg="http://schemas.microsoft.com/office/drawing/2016/SVG/main" r:embed="rId18"/>
-              </a:ext>
-            </a:extLst>
-          </a:blip>
-          <a:stretch>
-            <a:fillRect/>
-          </a:stretch>
-        </p:blipFill>
-        <p:spPr>
-          <a:xfrm>
-            <a:off x="387359" y="2730593"/>
+            <a:off x="328236" y="2900593"/>
             <a:ext cx="284148" cy="284148"/>
           </a:xfrm>
           <a:prstGeom prst="rect">
@@ -13612,7 +17504,7 @@
           <p:nvPr/>
         </p:nvPicPr>
         <p:blipFill>
-          <a:blip r:embed="rId19">
+          <a:blip r:embed="rId17">
             <a:extLst>
               <a:ext uri="{28A0092B-C50C-407E-A947-70E740481C1C}">
                 <a14:useLocalDpi xmlns:a14="http://schemas.microsoft.com/office/drawing/2010/main" val="0"/>
@@ -13825,7 +17717,7 @@
                   <a:schemeClr val="tx1"/>
                 </a:solidFill>
               </a:rPr>
-              <a:t>Paramétrage de l’adaptateur RS232/RJ45</a:t>
+              <a:t>Paramétrage de l’adaptateur RS232/Wi-Fi</a:t>
             </a:r>
           </a:p>
         </p:txBody>
@@ -13892,10 +17784,10 @@
           <p:nvPr/>
         </p:nvPicPr>
         <p:blipFill>
-          <a:blip r:embed="rId20">
+          <a:blip r:embed="rId18">
             <a:extLst>
               <a:ext uri="{96DAC541-7B7A-43D3-8B79-37D633B846F1}">
-                <asvg:svgBlip xmlns:asvg="http://schemas.microsoft.com/office/drawing/2016/SVG/main" r:embed="rId21"/>
+                <asvg:svgBlip xmlns:asvg="http://schemas.microsoft.com/office/drawing/2016/SVG/main" r:embed="rId19"/>
               </a:ext>
             </a:extLst>
           </a:blip>
@@ -13945,6 +17837,1917 @@
               <a:rPr lang="fr-FR" sz="2400" dirty="0"/>
               <a:t>4</a:t>
             </a:r>
+          </a:p>
+        </p:txBody>
+      </p:sp>
+      <p:pic>
+        <p:nvPicPr>
+          <p:cNvPr id="10" name="Graphique 9" descr="Disque">
+            <a:extLst>
+              <a:ext uri="{FF2B5EF4-FFF2-40B4-BE49-F238E27FC236}">
+                <a16:creationId xmlns:a16="http://schemas.microsoft.com/office/drawing/2014/main" id="{7AABBF6D-D2DB-4105-87DF-A8ECC2073BAB}"/>
+              </a:ext>
+            </a:extLst>
+          </p:cNvPr>
+          <p:cNvPicPr>
+            <a:picLocks noChangeAspect="1"/>
+          </p:cNvPicPr>
+          <p:nvPr/>
+        </p:nvPicPr>
+        <p:blipFill>
+          <a:blip r:embed="rId20">
+            <a:extLst>
+              <a:ext uri="{96DAC541-7B7A-43D3-8B79-37D633B846F1}">
+                <asvg:svgBlip xmlns:asvg="http://schemas.microsoft.com/office/drawing/2016/SVG/main" r:embed="rId21"/>
+              </a:ext>
+            </a:extLst>
+          </a:blip>
+          <a:stretch>
+            <a:fillRect/>
+          </a:stretch>
+        </p:blipFill>
+        <p:spPr>
+          <a:xfrm>
+            <a:off x="332485" y="3702742"/>
+            <a:ext cx="288837" cy="288837"/>
+          </a:xfrm>
+          <a:prstGeom prst="rect">
+            <a:avLst/>
+          </a:prstGeom>
+          <a:effectLst>
+            <a:outerShdw blurRad="63500" sx="102000" sy="102000" algn="ctr" rotWithShape="0">
+              <a:prstClr val="black">
+                <a:alpha val="40000"/>
+              </a:prstClr>
+            </a:outerShdw>
+          </a:effectLst>
+        </p:spPr>
+      </p:pic>
+      <p:sp>
+        <p:nvSpPr>
+          <p:cNvPr id="29" name="Organigramme : Terminateur 28">
+            <a:extLst>
+              <a:ext uri="{FF2B5EF4-FFF2-40B4-BE49-F238E27FC236}">
+                <a16:creationId xmlns:a16="http://schemas.microsoft.com/office/drawing/2014/main" id="{E9F50236-549C-41C6-8A26-750F0C337C0B}"/>
+              </a:ext>
+            </a:extLst>
+          </p:cNvPr>
+          <p:cNvSpPr/>
+          <p:nvPr/>
+        </p:nvSpPr>
+        <p:spPr>
+          <a:xfrm>
+            <a:off x="11782953" y="4838752"/>
+            <a:ext cx="137445" cy="71437"/>
+          </a:xfrm>
+          <a:prstGeom prst="flowChartTerminator">
+            <a:avLst/>
+          </a:prstGeom>
+          <a:solidFill>
+            <a:schemeClr val="bg1"/>
+          </a:solidFill>
+          <a:ln>
+            <a:solidFill>
+              <a:schemeClr val="bg1"/>
+            </a:solidFill>
+          </a:ln>
+        </p:spPr>
+        <p:style>
+          <a:lnRef idx="2">
+            <a:schemeClr val="accent1">
+              <a:shade val="50000"/>
+            </a:schemeClr>
+          </a:lnRef>
+          <a:fillRef idx="1">
+            <a:schemeClr val="accent1"/>
+          </a:fillRef>
+          <a:effectRef idx="0">
+            <a:schemeClr val="accent1"/>
+          </a:effectRef>
+          <a:fontRef idx="minor">
+            <a:schemeClr val="lt1"/>
+          </a:fontRef>
+        </p:style>
+        <p:txBody>
+          <a:bodyPr rtlCol="0" anchor="ctr"/>
+          <a:lstStyle/>
+          <a:p>
+            <a:pPr algn="ctr"/>
+            <a:endParaRPr lang="fr-FR" dirty="0"/>
+          </a:p>
+        </p:txBody>
+      </p:sp>
+      <p:sp>
+        <p:nvSpPr>
+          <p:cNvPr id="30" name="Organigramme : Terminateur 29">
+            <a:extLst>
+              <a:ext uri="{FF2B5EF4-FFF2-40B4-BE49-F238E27FC236}">
+                <a16:creationId xmlns:a16="http://schemas.microsoft.com/office/drawing/2014/main" id="{423024EE-0BC7-49D5-ABA5-3A0FE7F618FE}"/>
+              </a:ext>
+            </a:extLst>
+          </p:cNvPr>
+          <p:cNvSpPr/>
+          <p:nvPr/>
+        </p:nvSpPr>
+        <p:spPr>
+          <a:xfrm>
+            <a:off x="11782954" y="4625096"/>
+            <a:ext cx="137445" cy="71437"/>
+          </a:xfrm>
+          <a:prstGeom prst="flowChartTerminator">
+            <a:avLst/>
+          </a:prstGeom>
+          <a:solidFill>
+            <a:schemeClr val="bg1"/>
+          </a:solidFill>
+          <a:ln>
+            <a:solidFill>
+              <a:schemeClr val="bg1"/>
+            </a:solidFill>
+          </a:ln>
+        </p:spPr>
+        <p:style>
+          <a:lnRef idx="2">
+            <a:schemeClr val="accent1">
+              <a:shade val="50000"/>
+            </a:schemeClr>
+          </a:lnRef>
+          <a:fillRef idx="1">
+            <a:schemeClr val="accent1"/>
+          </a:fillRef>
+          <a:effectRef idx="0">
+            <a:schemeClr val="accent1"/>
+          </a:effectRef>
+          <a:fontRef idx="minor">
+            <a:schemeClr val="lt1"/>
+          </a:fontRef>
+        </p:style>
+        <p:txBody>
+          <a:bodyPr rtlCol="0" anchor="ctr"/>
+          <a:lstStyle/>
+          <a:p>
+            <a:pPr algn="ctr"/>
+            <a:endParaRPr lang="fr-FR" dirty="0"/>
+          </a:p>
+        </p:txBody>
+      </p:sp>
+      <p:sp>
+        <p:nvSpPr>
+          <p:cNvPr id="32" name="Organigramme : Terminateur 31">
+            <a:extLst>
+              <a:ext uri="{FF2B5EF4-FFF2-40B4-BE49-F238E27FC236}">
+                <a16:creationId xmlns:a16="http://schemas.microsoft.com/office/drawing/2014/main" id="{5591C733-874D-4D8A-B8D9-5100A7B1D4B4}"/>
+              </a:ext>
+            </a:extLst>
+          </p:cNvPr>
+          <p:cNvSpPr/>
+          <p:nvPr/>
+        </p:nvSpPr>
+        <p:spPr>
+          <a:xfrm>
+            <a:off x="11780105" y="4406798"/>
+            <a:ext cx="137445" cy="71437"/>
+          </a:xfrm>
+          <a:prstGeom prst="flowChartTerminator">
+            <a:avLst/>
+          </a:prstGeom>
+          <a:solidFill>
+            <a:schemeClr val="bg1"/>
+          </a:solidFill>
+          <a:ln>
+            <a:solidFill>
+              <a:schemeClr val="bg1"/>
+            </a:solidFill>
+          </a:ln>
+        </p:spPr>
+        <p:style>
+          <a:lnRef idx="2">
+            <a:schemeClr val="accent1">
+              <a:shade val="50000"/>
+            </a:schemeClr>
+          </a:lnRef>
+          <a:fillRef idx="1">
+            <a:schemeClr val="accent1"/>
+          </a:fillRef>
+          <a:effectRef idx="0">
+            <a:schemeClr val="accent1"/>
+          </a:effectRef>
+          <a:fontRef idx="minor">
+            <a:schemeClr val="lt1"/>
+          </a:fontRef>
+        </p:style>
+        <p:txBody>
+          <a:bodyPr rtlCol="0" anchor="ctr"/>
+          <a:lstStyle/>
+          <a:p>
+            <a:pPr algn="ctr"/>
+            <a:endParaRPr lang="fr-FR" dirty="0"/>
+          </a:p>
+        </p:txBody>
+      </p:sp>
+      <p:sp>
+        <p:nvSpPr>
+          <p:cNvPr id="36" name="Organigramme : Terminateur 35">
+            <a:extLst>
+              <a:ext uri="{FF2B5EF4-FFF2-40B4-BE49-F238E27FC236}">
+                <a16:creationId xmlns:a16="http://schemas.microsoft.com/office/drawing/2014/main" id="{D2A740C6-B900-4822-B798-A06CE582AB29}"/>
+              </a:ext>
+            </a:extLst>
+          </p:cNvPr>
+          <p:cNvSpPr/>
+          <p:nvPr/>
+        </p:nvSpPr>
+        <p:spPr>
+          <a:xfrm>
+            <a:off x="11782953" y="3678638"/>
+            <a:ext cx="137445" cy="71437"/>
+          </a:xfrm>
+          <a:prstGeom prst="flowChartTerminator">
+            <a:avLst/>
+          </a:prstGeom>
+          <a:solidFill>
+            <a:schemeClr val="bg1"/>
+          </a:solidFill>
+          <a:ln>
+            <a:solidFill>
+              <a:schemeClr val="bg1"/>
+            </a:solidFill>
+          </a:ln>
+        </p:spPr>
+        <p:style>
+          <a:lnRef idx="2">
+            <a:schemeClr val="accent1">
+              <a:shade val="50000"/>
+            </a:schemeClr>
+          </a:lnRef>
+          <a:fillRef idx="1">
+            <a:schemeClr val="accent1"/>
+          </a:fillRef>
+          <a:effectRef idx="0">
+            <a:schemeClr val="accent1"/>
+          </a:effectRef>
+          <a:fontRef idx="minor">
+            <a:schemeClr val="lt1"/>
+          </a:fontRef>
+        </p:style>
+        <p:txBody>
+          <a:bodyPr rtlCol="0" anchor="ctr"/>
+          <a:lstStyle/>
+          <a:p>
+            <a:pPr algn="ctr"/>
+            <a:endParaRPr lang="fr-FR" dirty="0"/>
+          </a:p>
+        </p:txBody>
+      </p:sp>
+      <p:sp>
+        <p:nvSpPr>
+          <p:cNvPr id="37" name="Organigramme : Terminateur 36">
+            <a:extLst>
+              <a:ext uri="{FF2B5EF4-FFF2-40B4-BE49-F238E27FC236}">
+                <a16:creationId xmlns:a16="http://schemas.microsoft.com/office/drawing/2014/main" id="{7A966672-367A-44F9-9526-456D4D7FB47B}"/>
+              </a:ext>
+            </a:extLst>
+          </p:cNvPr>
+          <p:cNvSpPr/>
+          <p:nvPr/>
+        </p:nvSpPr>
+        <p:spPr>
+          <a:xfrm>
+            <a:off x="11782954" y="3464982"/>
+            <a:ext cx="137445" cy="71437"/>
+          </a:xfrm>
+          <a:prstGeom prst="flowChartTerminator">
+            <a:avLst/>
+          </a:prstGeom>
+          <a:solidFill>
+            <a:schemeClr val="bg1"/>
+          </a:solidFill>
+          <a:ln>
+            <a:solidFill>
+              <a:schemeClr val="bg1"/>
+            </a:solidFill>
+          </a:ln>
+        </p:spPr>
+        <p:style>
+          <a:lnRef idx="2">
+            <a:schemeClr val="accent1">
+              <a:shade val="50000"/>
+            </a:schemeClr>
+          </a:lnRef>
+          <a:fillRef idx="1">
+            <a:schemeClr val="accent1"/>
+          </a:fillRef>
+          <a:effectRef idx="0">
+            <a:schemeClr val="accent1"/>
+          </a:effectRef>
+          <a:fontRef idx="minor">
+            <a:schemeClr val="lt1"/>
+          </a:fontRef>
+        </p:style>
+        <p:txBody>
+          <a:bodyPr rtlCol="0" anchor="ctr"/>
+          <a:lstStyle/>
+          <a:p>
+            <a:pPr algn="ctr"/>
+            <a:endParaRPr lang="fr-FR" dirty="0"/>
+          </a:p>
+        </p:txBody>
+      </p:sp>
+      <p:sp>
+        <p:nvSpPr>
+          <p:cNvPr id="38" name="Organigramme : Terminateur 37">
+            <a:extLst>
+              <a:ext uri="{FF2B5EF4-FFF2-40B4-BE49-F238E27FC236}">
+                <a16:creationId xmlns:a16="http://schemas.microsoft.com/office/drawing/2014/main" id="{DC7630D9-1EB6-4886-B428-8E0F88DBB34F}"/>
+              </a:ext>
+            </a:extLst>
+          </p:cNvPr>
+          <p:cNvSpPr/>
+          <p:nvPr/>
+        </p:nvSpPr>
+        <p:spPr>
+          <a:xfrm>
+            <a:off x="11787913" y="3246684"/>
+            <a:ext cx="137445" cy="71437"/>
+          </a:xfrm>
+          <a:prstGeom prst="flowChartTerminator">
+            <a:avLst/>
+          </a:prstGeom>
+          <a:solidFill>
+            <a:schemeClr val="bg1"/>
+          </a:solidFill>
+          <a:ln>
+            <a:solidFill>
+              <a:schemeClr val="bg1"/>
+            </a:solidFill>
+          </a:ln>
+        </p:spPr>
+        <p:style>
+          <a:lnRef idx="2">
+            <a:schemeClr val="accent1">
+              <a:shade val="50000"/>
+            </a:schemeClr>
+          </a:lnRef>
+          <a:fillRef idx="1">
+            <a:schemeClr val="accent1"/>
+          </a:fillRef>
+          <a:effectRef idx="0">
+            <a:schemeClr val="accent1"/>
+          </a:effectRef>
+          <a:fontRef idx="minor">
+            <a:schemeClr val="lt1"/>
+          </a:fontRef>
+        </p:style>
+        <p:txBody>
+          <a:bodyPr rtlCol="0" anchor="ctr"/>
+          <a:lstStyle/>
+          <a:p>
+            <a:pPr algn="ctr"/>
+            <a:endParaRPr lang="fr-FR" dirty="0"/>
+          </a:p>
+        </p:txBody>
+      </p:sp>
+      <p:sp>
+        <p:nvSpPr>
+          <p:cNvPr id="40" name="Organigramme : Terminateur 39">
+            <a:extLst>
+              <a:ext uri="{FF2B5EF4-FFF2-40B4-BE49-F238E27FC236}">
+                <a16:creationId xmlns:a16="http://schemas.microsoft.com/office/drawing/2014/main" id="{16932635-28F9-4222-8FE5-765BC7BFBC9B}"/>
+              </a:ext>
+            </a:extLst>
+          </p:cNvPr>
+          <p:cNvSpPr/>
+          <p:nvPr/>
+        </p:nvSpPr>
+        <p:spPr>
+          <a:xfrm>
+            <a:off x="11782810" y="1022638"/>
+            <a:ext cx="137445" cy="71437"/>
+          </a:xfrm>
+          <a:prstGeom prst="flowChartTerminator">
+            <a:avLst/>
+          </a:prstGeom>
+          <a:solidFill>
+            <a:srgbClr val="A31257"/>
+          </a:solidFill>
+          <a:ln>
+            <a:solidFill>
+              <a:schemeClr val="bg1"/>
+            </a:solidFill>
+          </a:ln>
+        </p:spPr>
+        <p:style>
+          <a:lnRef idx="2">
+            <a:schemeClr val="accent1">
+              <a:shade val="50000"/>
+            </a:schemeClr>
+          </a:lnRef>
+          <a:fillRef idx="1">
+            <a:schemeClr val="accent1"/>
+          </a:fillRef>
+          <a:effectRef idx="0">
+            <a:schemeClr val="accent1"/>
+          </a:effectRef>
+          <a:fontRef idx="minor">
+            <a:schemeClr val="lt1"/>
+          </a:fontRef>
+        </p:style>
+        <p:txBody>
+          <a:bodyPr rtlCol="0" anchor="ctr"/>
+          <a:lstStyle/>
+          <a:p>
+            <a:pPr algn="ctr"/>
+            <a:endParaRPr lang="fr-FR" dirty="0"/>
+          </a:p>
+        </p:txBody>
+      </p:sp>
+      <p:sp>
+        <p:nvSpPr>
+          <p:cNvPr id="41" name="Organigramme : Terminateur 40">
+            <a:extLst>
+              <a:ext uri="{FF2B5EF4-FFF2-40B4-BE49-F238E27FC236}">
+                <a16:creationId xmlns:a16="http://schemas.microsoft.com/office/drawing/2014/main" id="{7B4A5CE8-14C5-4FD0-99D3-BBAD212912C0}"/>
+              </a:ext>
+            </a:extLst>
+          </p:cNvPr>
+          <p:cNvSpPr/>
+          <p:nvPr/>
+        </p:nvSpPr>
+        <p:spPr>
+          <a:xfrm>
+            <a:off x="11782811" y="808982"/>
+            <a:ext cx="137445" cy="71437"/>
+          </a:xfrm>
+          <a:prstGeom prst="flowChartTerminator">
+            <a:avLst/>
+          </a:prstGeom>
+          <a:solidFill>
+            <a:srgbClr val="A31257"/>
+          </a:solidFill>
+          <a:ln>
+            <a:solidFill>
+              <a:schemeClr val="bg1"/>
+            </a:solidFill>
+          </a:ln>
+        </p:spPr>
+        <p:style>
+          <a:lnRef idx="2">
+            <a:schemeClr val="accent1">
+              <a:shade val="50000"/>
+            </a:schemeClr>
+          </a:lnRef>
+          <a:fillRef idx="1">
+            <a:schemeClr val="accent1"/>
+          </a:fillRef>
+          <a:effectRef idx="0">
+            <a:schemeClr val="accent1"/>
+          </a:effectRef>
+          <a:fontRef idx="minor">
+            <a:schemeClr val="lt1"/>
+          </a:fontRef>
+        </p:style>
+        <p:txBody>
+          <a:bodyPr rtlCol="0" anchor="ctr"/>
+          <a:lstStyle/>
+          <a:p>
+            <a:pPr algn="ctr"/>
+            <a:endParaRPr lang="fr-FR" dirty="0"/>
+          </a:p>
+        </p:txBody>
+      </p:sp>
+      <p:sp>
+        <p:nvSpPr>
+          <p:cNvPr id="42" name="Organigramme : Terminateur 41">
+            <a:extLst>
+              <a:ext uri="{FF2B5EF4-FFF2-40B4-BE49-F238E27FC236}">
+                <a16:creationId xmlns:a16="http://schemas.microsoft.com/office/drawing/2014/main" id="{A3502B48-6BDD-479B-B391-FA40359E26B4}"/>
+              </a:ext>
+            </a:extLst>
+          </p:cNvPr>
+          <p:cNvSpPr/>
+          <p:nvPr/>
+        </p:nvSpPr>
+        <p:spPr>
+          <a:xfrm>
+            <a:off x="11780105" y="596427"/>
+            <a:ext cx="137445" cy="71437"/>
+          </a:xfrm>
+          <a:prstGeom prst="flowChartTerminator">
+            <a:avLst/>
+          </a:prstGeom>
+          <a:solidFill>
+            <a:srgbClr val="A31257"/>
+          </a:solidFill>
+          <a:ln>
+            <a:solidFill>
+              <a:schemeClr val="bg1"/>
+            </a:solidFill>
+          </a:ln>
+        </p:spPr>
+        <p:style>
+          <a:lnRef idx="2">
+            <a:schemeClr val="accent1">
+              <a:shade val="50000"/>
+            </a:schemeClr>
+          </a:lnRef>
+          <a:fillRef idx="1">
+            <a:schemeClr val="accent1"/>
+          </a:fillRef>
+          <a:effectRef idx="0">
+            <a:schemeClr val="accent1"/>
+          </a:effectRef>
+          <a:fontRef idx="minor">
+            <a:schemeClr val="lt1"/>
+          </a:fontRef>
+        </p:style>
+        <p:txBody>
+          <a:bodyPr rtlCol="0" anchor="ctr"/>
+          <a:lstStyle/>
+          <a:p>
+            <a:pPr algn="ctr"/>
+            <a:endParaRPr lang="fr-FR" dirty="0"/>
+          </a:p>
+        </p:txBody>
+      </p:sp>
+      <p:sp>
+        <p:nvSpPr>
+          <p:cNvPr id="43" name="Ellipse 42">
+            <a:extLst>
+              <a:ext uri="{FF2B5EF4-FFF2-40B4-BE49-F238E27FC236}">
+                <a16:creationId xmlns:a16="http://schemas.microsoft.com/office/drawing/2014/main" id="{63ADC5C5-4A19-493F-97D8-22041624AF79}"/>
+              </a:ext>
+            </a:extLst>
+          </p:cNvPr>
+          <p:cNvSpPr/>
+          <p:nvPr/>
+        </p:nvSpPr>
+        <p:spPr>
+          <a:xfrm>
+            <a:off x="11740896" y="143435"/>
+            <a:ext cx="307668" cy="317709"/>
+          </a:xfrm>
+          <a:prstGeom prst="ellipse">
+            <a:avLst/>
+          </a:prstGeom>
+          <a:solidFill>
+            <a:srgbClr val="A31257"/>
+          </a:solidFill>
+          <a:ln>
+            <a:solidFill>
+              <a:schemeClr val="bg1"/>
+            </a:solidFill>
+          </a:ln>
+        </p:spPr>
+        <p:style>
+          <a:lnRef idx="2">
+            <a:schemeClr val="accent1">
+              <a:shade val="50000"/>
+            </a:schemeClr>
+          </a:lnRef>
+          <a:fillRef idx="1">
+            <a:schemeClr val="accent1"/>
+          </a:fillRef>
+          <a:effectRef idx="0">
+            <a:schemeClr val="accent1"/>
+          </a:effectRef>
+          <a:fontRef idx="minor">
+            <a:schemeClr val="lt1"/>
+          </a:fontRef>
+        </p:style>
+        <p:txBody>
+          <a:bodyPr rtlCol="0" anchor="ctr"/>
+          <a:lstStyle/>
+          <a:p>
+            <a:pPr algn="ctr"/>
+            <a:endParaRPr lang="fr-FR" dirty="0"/>
+          </a:p>
+        </p:txBody>
+      </p:sp>
+      <p:sp>
+        <p:nvSpPr>
+          <p:cNvPr id="44" name="Rectangle 43">
+            <a:extLst>
+              <a:ext uri="{FF2B5EF4-FFF2-40B4-BE49-F238E27FC236}">
+                <a16:creationId xmlns:a16="http://schemas.microsoft.com/office/drawing/2014/main" id="{C393C66C-30DE-48CD-A58B-EA092B2A3DB3}"/>
+              </a:ext>
+            </a:extLst>
+          </p:cNvPr>
+          <p:cNvSpPr/>
+          <p:nvPr/>
+        </p:nvSpPr>
+        <p:spPr>
+          <a:xfrm>
+            <a:off x="11861348" y="325214"/>
+            <a:ext cx="55883" cy="6446174"/>
+          </a:xfrm>
+          <a:prstGeom prst="rect">
+            <a:avLst/>
+          </a:prstGeom>
+          <a:solidFill>
+            <a:srgbClr val="A31257"/>
+          </a:solidFill>
+          <a:ln>
+            <a:noFill/>
+          </a:ln>
+        </p:spPr>
+        <p:style>
+          <a:lnRef idx="2">
+            <a:schemeClr val="accent1">
+              <a:shade val="50000"/>
+            </a:schemeClr>
+          </a:lnRef>
+          <a:fillRef idx="1">
+            <a:schemeClr val="accent1"/>
+          </a:fillRef>
+          <a:effectRef idx="0">
+            <a:schemeClr val="accent1"/>
+          </a:effectRef>
+          <a:fontRef idx="minor">
+            <a:schemeClr val="lt1"/>
+          </a:fontRef>
+        </p:style>
+        <p:txBody>
+          <a:bodyPr rtlCol="0" anchor="ctr"/>
+          <a:lstStyle/>
+          <a:p>
+            <a:pPr algn="ctr"/>
+            <a:endParaRPr lang="fr-FR"/>
+          </a:p>
+        </p:txBody>
+      </p:sp>
+      <p:sp>
+        <p:nvSpPr>
+          <p:cNvPr id="45" name="ZoneTexte 44">
+            <a:extLst>
+              <a:ext uri="{FF2B5EF4-FFF2-40B4-BE49-F238E27FC236}">
+                <a16:creationId xmlns:a16="http://schemas.microsoft.com/office/drawing/2014/main" id="{DEDFD9D7-90C7-4BB2-BFAF-F48C2D602DB0}"/>
+              </a:ext>
+            </a:extLst>
+          </p:cNvPr>
+          <p:cNvSpPr txBox="1"/>
+          <p:nvPr/>
+        </p:nvSpPr>
+        <p:spPr>
+          <a:xfrm>
+            <a:off x="9865580" y="164391"/>
+            <a:ext cx="1874223" cy="261610"/>
+          </a:xfrm>
+          <a:prstGeom prst="rect">
+            <a:avLst/>
+          </a:prstGeom>
+          <a:noFill/>
+        </p:spPr>
+        <p:txBody>
+          <a:bodyPr wrap="square" rtlCol="0">
+            <a:spAutoFit/>
+          </a:bodyPr>
+          <a:lstStyle/>
+          <a:p>
+            <a:pPr algn="r"/>
+            <a:r>
+              <a:rPr lang="fr-FR" sz="1100" i="1" dirty="0">
+                <a:effectLst>
+                  <a:outerShdw blurRad="38100" dist="38100" dir="2700000" algn="tl">
+                    <a:srgbClr val="000000">
+                      <a:alpha val="43137"/>
+                    </a:srgbClr>
+                  </a:outerShdw>
+                </a:effectLst>
+              </a:rPr>
+              <a:t>Présentation du projet</a:t>
+            </a:r>
+          </a:p>
+        </p:txBody>
+      </p:sp>
+      <p:sp>
+        <p:nvSpPr>
+          <p:cNvPr id="46" name="ZoneTexte 45">
+            <a:extLst>
+              <a:ext uri="{FF2B5EF4-FFF2-40B4-BE49-F238E27FC236}">
+                <a16:creationId xmlns:a16="http://schemas.microsoft.com/office/drawing/2014/main" id="{E09A5B7B-5897-4C4E-8965-CDAFC2A3EB66}"/>
+              </a:ext>
+            </a:extLst>
+          </p:cNvPr>
+          <p:cNvSpPr txBox="1"/>
+          <p:nvPr/>
+        </p:nvSpPr>
+        <p:spPr>
+          <a:xfrm>
+            <a:off x="9926211" y="507693"/>
+            <a:ext cx="1874223" cy="261610"/>
+          </a:xfrm>
+          <a:prstGeom prst="rect">
+            <a:avLst/>
+          </a:prstGeom>
+          <a:noFill/>
+        </p:spPr>
+        <p:txBody>
+          <a:bodyPr wrap="square" rtlCol="0">
+            <a:spAutoFit/>
+          </a:bodyPr>
+          <a:lstStyle/>
+          <a:p>
+            <a:pPr algn="r"/>
+            <a:r>
+              <a:rPr lang="fr-FR" sz="1100" i="1" dirty="0">
+                <a:effectLst>
+                  <a:outerShdw blurRad="38100" dist="38100" dir="2700000" algn="tl">
+                    <a:srgbClr val="000000">
+                      <a:alpha val="43137"/>
+                    </a:srgbClr>
+                  </a:outerShdw>
+                </a:effectLst>
+              </a:rPr>
+              <a:t>Schéma global</a:t>
+            </a:r>
+          </a:p>
+        </p:txBody>
+      </p:sp>
+      <p:sp>
+        <p:nvSpPr>
+          <p:cNvPr id="47" name="ZoneTexte 46">
+            <a:extLst>
+              <a:ext uri="{FF2B5EF4-FFF2-40B4-BE49-F238E27FC236}">
+                <a16:creationId xmlns:a16="http://schemas.microsoft.com/office/drawing/2014/main" id="{CF918CC2-38E7-425B-A3ED-72D8A974CCB3}"/>
+              </a:ext>
+            </a:extLst>
+          </p:cNvPr>
+          <p:cNvSpPr txBox="1"/>
+          <p:nvPr/>
+        </p:nvSpPr>
+        <p:spPr>
+          <a:xfrm>
+            <a:off x="9946504" y="727130"/>
+            <a:ext cx="1874223" cy="261610"/>
+          </a:xfrm>
+          <a:prstGeom prst="rect">
+            <a:avLst/>
+          </a:prstGeom>
+          <a:noFill/>
+        </p:spPr>
+        <p:txBody>
+          <a:bodyPr wrap="square" rtlCol="0">
+            <a:spAutoFit/>
+          </a:bodyPr>
+          <a:lstStyle/>
+          <a:p>
+            <a:pPr algn="r"/>
+            <a:r>
+              <a:rPr lang="fr-FR" sz="1100" i="1" dirty="0">
+                <a:effectLst>
+                  <a:outerShdw blurRad="38100" dist="38100" dir="2700000" algn="tl">
+                    <a:srgbClr val="000000">
+                      <a:alpha val="43137"/>
+                    </a:srgbClr>
+                  </a:outerShdw>
+                </a:effectLst>
+              </a:rPr>
+              <a:t>Schéma personnalisé</a:t>
+            </a:r>
+          </a:p>
+        </p:txBody>
+      </p:sp>
+      <p:sp>
+        <p:nvSpPr>
+          <p:cNvPr id="48" name="ZoneTexte 47">
+            <a:extLst>
+              <a:ext uri="{FF2B5EF4-FFF2-40B4-BE49-F238E27FC236}">
+                <a16:creationId xmlns:a16="http://schemas.microsoft.com/office/drawing/2014/main" id="{FCEC24EB-F5FC-4ECE-9595-5A7094E88713}"/>
+              </a:ext>
+            </a:extLst>
+          </p:cNvPr>
+          <p:cNvSpPr txBox="1"/>
+          <p:nvPr/>
+        </p:nvSpPr>
+        <p:spPr>
+          <a:xfrm>
+            <a:off x="9941401" y="918998"/>
+            <a:ext cx="1874223" cy="261610"/>
+          </a:xfrm>
+          <a:prstGeom prst="rect">
+            <a:avLst/>
+          </a:prstGeom>
+          <a:noFill/>
+        </p:spPr>
+        <p:txBody>
+          <a:bodyPr wrap="square" rtlCol="0">
+            <a:spAutoFit/>
+          </a:bodyPr>
+          <a:lstStyle/>
+          <a:p>
+            <a:pPr algn="r"/>
+            <a:r>
+              <a:rPr lang="fr-FR" sz="1100" i="1" dirty="0">
+                <a:effectLst>
+                  <a:outerShdw blurRad="38100" dist="38100" dir="2700000" algn="tl">
+                    <a:srgbClr val="000000">
+                      <a:alpha val="43137"/>
+                    </a:srgbClr>
+                  </a:outerShdw>
+                </a:effectLst>
+              </a:rPr>
+              <a:t>Tâches personnelles</a:t>
+            </a:r>
+          </a:p>
+        </p:txBody>
+      </p:sp>
+      <p:sp>
+        <p:nvSpPr>
+          <p:cNvPr id="49" name="ZoneTexte 48">
+            <a:extLst>
+              <a:ext uri="{FF2B5EF4-FFF2-40B4-BE49-F238E27FC236}">
+                <a16:creationId xmlns:a16="http://schemas.microsoft.com/office/drawing/2014/main" id="{B5547E55-FC13-4F42-B9A3-D1146081776B}"/>
+              </a:ext>
+            </a:extLst>
+          </p:cNvPr>
+          <p:cNvSpPr txBox="1"/>
+          <p:nvPr/>
+        </p:nvSpPr>
+        <p:spPr>
+          <a:xfrm>
+            <a:off x="9865580" y="1281294"/>
+            <a:ext cx="1874223" cy="261610"/>
+          </a:xfrm>
+          <a:prstGeom prst="rect">
+            <a:avLst/>
+          </a:prstGeom>
+          <a:noFill/>
+        </p:spPr>
+        <p:txBody>
+          <a:bodyPr wrap="square" rtlCol="0">
+            <a:spAutoFit/>
+          </a:bodyPr>
+          <a:lstStyle/>
+          <a:p>
+            <a:pPr algn="r"/>
+            <a:r>
+              <a:rPr lang="fr-FR" sz="1100" i="1" dirty="0">
+                <a:effectLst>
+                  <a:outerShdw blurRad="38100" dist="38100" dir="2700000" algn="tl">
+                    <a:srgbClr val="000000">
+                      <a:alpha val="43137"/>
+                    </a:srgbClr>
+                  </a:outerShdw>
+                </a:effectLst>
+              </a:rPr>
+              <a:t>Schématisation réseau</a:t>
+            </a:r>
+          </a:p>
+        </p:txBody>
+      </p:sp>
+      <p:sp>
+        <p:nvSpPr>
+          <p:cNvPr id="50" name="ZoneTexte 49">
+            <a:extLst>
+              <a:ext uri="{FF2B5EF4-FFF2-40B4-BE49-F238E27FC236}">
+                <a16:creationId xmlns:a16="http://schemas.microsoft.com/office/drawing/2014/main" id="{8BEE5087-2E5E-4C20-BBCF-A206E5111285}"/>
+              </a:ext>
+            </a:extLst>
+          </p:cNvPr>
+          <p:cNvSpPr txBox="1"/>
+          <p:nvPr/>
+        </p:nvSpPr>
+        <p:spPr>
+          <a:xfrm>
+            <a:off x="9863775" y="1787278"/>
+            <a:ext cx="1874223" cy="261610"/>
+          </a:xfrm>
+          <a:prstGeom prst="rect">
+            <a:avLst/>
+          </a:prstGeom>
+          <a:noFill/>
+        </p:spPr>
+        <p:txBody>
+          <a:bodyPr wrap="square" rtlCol="0">
+            <a:spAutoFit/>
+          </a:bodyPr>
+          <a:lstStyle/>
+          <a:p>
+            <a:pPr algn="r"/>
+            <a:r>
+              <a:rPr lang="fr-FR" sz="1100" i="1" dirty="0">
+                <a:effectLst>
+                  <a:outerShdw blurRad="38100" dist="38100" dir="2700000" algn="tl">
+                    <a:srgbClr val="000000">
+                      <a:alpha val="43137"/>
+                    </a:srgbClr>
+                  </a:outerShdw>
+                </a:effectLst>
+              </a:rPr>
+              <a:t>Développement</a:t>
+            </a:r>
+          </a:p>
+        </p:txBody>
+      </p:sp>
+      <p:sp>
+        <p:nvSpPr>
+          <p:cNvPr id="51" name="ZoneTexte 50">
+            <a:extLst>
+              <a:ext uri="{FF2B5EF4-FFF2-40B4-BE49-F238E27FC236}">
+                <a16:creationId xmlns:a16="http://schemas.microsoft.com/office/drawing/2014/main" id="{58E28613-1072-4307-B4A9-016E8E11022E}"/>
+              </a:ext>
+            </a:extLst>
+          </p:cNvPr>
+          <p:cNvSpPr txBox="1"/>
+          <p:nvPr/>
+        </p:nvSpPr>
+        <p:spPr>
+          <a:xfrm>
+            <a:off x="9842434" y="2222827"/>
+            <a:ext cx="1874223" cy="430887"/>
+          </a:xfrm>
+          <a:prstGeom prst="rect">
+            <a:avLst/>
+          </a:prstGeom>
+          <a:noFill/>
+        </p:spPr>
+        <p:txBody>
+          <a:bodyPr wrap="square" rtlCol="0">
+            <a:spAutoFit/>
+          </a:bodyPr>
+          <a:lstStyle/>
+          <a:p>
+            <a:pPr algn="r"/>
+            <a:r>
+              <a:rPr lang="fr-FR" sz="1100" i="1" dirty="0">
+                <a:effectLst>
+                  <a:outerShdw blurRad="38100" dist="38100" dir="2700000" algn="tl">
+                    <a:srgbClr val="000000">
+                      <a:alpha val="43137"/>
+                    </a:srgbClr>
+                  </a:outerShdw>
+                </a:effectLst>
+              </a:rPr>
+              <a:t>Diagramme de cas d’utilisation</a:t>
+            </a:r>
+          </a:p>
+        </p:txBody>
+      </p:sp>
+      <p:sp>
+        <p:nvSpPr>
+          <p:cNvPr id="52" name="ZoneTexte 51">
+            <a:extLst>
+              <a:ext uri="{FF2B5EF4-FFF2-40B4-BE49-F238E27FC236}">
+                <a16:creationId xmlns:a16="http://schemas.microsoft.com/office/drawing/2014/main" id="{C16CEBC1-F620-4E56-AFB7-5191DD5E96A1}"/>
+              </a:ext>
+            </a:extLst>
+          </p:cNvPr>
+          <p:cNvSpPr txBox="1"/>
+          <p:nvPr/>
+        </p:nvSpPr>
+        <p:spPr>
+          <a:xfrm>
+            <a:off x="9926210" y="2861382"/>
+            <a:ext cx="1874223" cy="261610"/>
+          </a:xfrm>
+          <a:prstGeom prst="rect">
+            <a:avLst/>
+          </a:prstGeom>
+          <a:noFill/>
+        </p:spPr>
+        <p:txBody>
+          <a:bodyPr wrap="square" rtlCol="0">
+            <a:spAutoFit/>
+          </a:bodyPr>
+          <a:lstStyle/>
+          <a:p>
+            <a:pPr algn="r"/>
+            <a:r>
+              <a:rPr lang="fr-FR" sz="1100" i="1" dirty="0">
+                <a:effectLst>
+                  <a:outerShdw blurRad="38100" dist="38100" dir="2700000" algn="tl">
+                    <a:srgbClr val="000000">
+                      <a:alpha val="43137"/>
+                    </a:srgbClr>
+                  </a:outerShdw>
+                </a:effectLst>
+              </a:rPr>
+              <a:t>Application de supervision</a:t>
+            </a:r>
+          </a:p>
+        </p:txBody>
+      </p:sp>
+      <p:sp>
+        <p:nvSpPr>
+          <p:cNvPr id="53" name="ZoneTexte 52">
+            <a:extLst>
+              <a:ext uri="{FF2B5EF4-FFF2-40B4-BE49-F238E27FC236}">
+                <a16:creationId xmlns:a16="http://schemas.microsoft.com/office/drawing/2014/main" id="{2B7F6A37-C9FD-4519-9131-8C0DFEED5307}"/>
+              </a:ext>
+            </a:extLst>
+          </p:cNvPr>
+          <p:cNvSpPr txBox="1"/>
+          <p:nvPr/>
+        </p:nvSpPr>
+        <p:spPr>
+          <a:xfrm>
+            <a:off x="9956668" y="3157513"/>
+            <a:ext cx="1874223" cy="261610"/>
+          </a:xfrm>
+          <a:prstGeom prst="rect">
+            <a:avLst/>
+          </a:prstGeom>
+          <a:noFill/>
+        </p:spPr>
+        <p:txBody>
+          <a:bodyPr wrap="square" rtlCol="0">
+            <a:spAutoFit/>
+          </a:bodyPr>
+          <a:lstStyle/>
+          <a:p>
+            <a:pPr algn="r"/>
+            <a:r>
+              <a:rPr lang="fr-FR" sz="1100" i="1" dirty="0">
+                <a:effectLst>
+                  <a:outerShdw blurRad="38100" dist="38100" dir="2700000" algn="tl">
+                    <a:srgbClr val="000000">
+                      <a:alpha val="43137"/>
+                    </a:srgbClr>
+                  </a:outerShdw>
+                </a:effectLst>
+              </a:rPr>
+              <a:t>Lancer une partie</a:t>
+            </a:r>
+          </a:p>
+        </p:txBody>
+      </p:sp>
+      <p:sp>
+        <p:nvSpPr>
+          <p:cNvPr id="54" name="ZoneTexte 53">
+            <a:extLst>
+              <a:ext uri="{FF2B5EF4-FFF2-40B4-BE49-F238E27FC236}">
+                <a16:creationId xmlns:a16="http://schemas.microsoft.com/office/drawing/2014/main" id="{0BFA06D4-4214-4143-87CA-400BAFC27083}"/>
+              </a:ext>
+            </a:extLst>
+          </p:cNvPr>
+          <p:cNvSpPr txBox="1"/>
+          <p:nvPr/>
+        </p:nvSpPr>
+        <p:spPr>
+          <a:xfrm>
+            <a:off x="9947928" y="3386750"/>
+            <a:ext cx="1874223" cy="261610"/>
+          </a:xfrm>
+          <a:prstGeom prst="rect">
+            <a:avLst/>
+          </a:prstGeom>
+          <a:noFill/>
+        </p:spPr>
+        <p:txBody>
+          <a:bodyPr wrap="square" rtlCol="0">
+            <a:spAutoFit/>
+          </a:bodyPr>
+          <a:lstStyle/>
+          <a:p>
+            <a:pPr algn="r"/>
+            <a:r>
+              <a:rPr lang="fr-FR" sz="1100" i="1" dirty="0">
+                <a:effectLst>
+                  <a:outerShdw blurRad="38100" dist="38100" dir="2700000" algn="tl">
+                    <a:srgbClr val="000000">
+                      <a:alpha val="43137"/>
+                    </a:srgbClr>
+                  </a:outerShdw>
+                </a:effectLst>
+              </a:rPr>
+              <a:t>Superviser</a:t>
+            </a:r>
+          </a:p>
+        </p:txBody>
+      </p:sp>
+      <p:sp>
+        <p:nvSpPr>
+          <p:cNvPr id="55" name="ZoneTexte 54">
+            <a:extLst>
+              <a:ext uri="{FF2B5EF4-FFF2-40B4-BE49-F238E27FC236}">
+                <a16:creationId xmlns:a16="http://schemas.microsoft.com/office/drawing/2014/main" id="{5BB94B7D-E27F-4BA0-927D-F0D3270410B6}"/>
+              </a:ext>
+            </a:extLst>
+          </p:cNvPr>
+          <p:cNvSpPr txBox="1"/>
+          <p:nvPr/>
+        </p:nvSpPr>
+        <p:spPr>
+          <a:xfrm>
+            <a:off x="9941400" y="3596455"/>
+            <a:ext cx="1874223" cy="261610"/>
+          </a:xfrm>
+          <a:prstGeom prst="rect">
+            <a:avLst/>
+          </a:prstGeom>
+          <a:noFill/>
+        </p:spPr>
+        <p:txBody>
+          <a:bodyPr wrap="square" rtlCol="0">
+            <a:spAutoFit/>
+          </a:bodyPr>
+          <a:lstStyle/>
+          <a:p>
+            <a:pPr algn="r"/>
+            <a:r>
+              <a:rPr lang="fr-FR" sz="1100" i="1" dirty="0">
+                <a:effectLst>
+                  <a:outerShdw blurRad="38100" dist="38100" dir="2700000" algn="tl">
+                    <a:srgbClr val="000000">
+                      <a:alpha val="43137"/>
+                    </a:srgbClr>
+                  </a:outerShdw>
+                </a:effectLst>
+              </a:rPr>
+              <a:t>Envoi d’indice / Fin</a:t>
+            </a:r>
+          </a:p>
+        </p:txBody>
+      </p:sp>
+      <p:sp>
+        <p:nvSpPr>
+          <p:cNvPr id="56" name="ZoneTexte 55">
+            <a:extLst>
+              <a:ext uri="{FF2B5EF4-FFF2-40B4-BE49-F238E27FC236}">
+                <a16:creationId xmlns:a16="http://schemas.microsoft.com/office/drawing/2014/main" id="{995A9065-84BD-4ECA-934C-166260389C2B}"/>
+              </a:ext>
+            </a:extLst>
+          </p:cNvPr>
+          <p:cNvSpPr txBox="1"/>
+          <p:nvPr/>
+        </p:nvSpPr>
+        <p:spPr>
+          <a:xfrm>
+            <a:off x="9905882" y="3995785"/>
+            <a:ext cx="1874223" cy="261610"/>
+          </a:xfrm>
+          <a:prstGeom prst="rect">
+            <a:avLst/>
+          </a:prstGeom>
+          <a:noFill/>
+        </p:spPr>
+        <p:txBody>
+          <a:bodyPr wrap="square" rtlCol="0">
+            <a:spAutoFit/>
+          </a:bodyPr>
+          <a:lstStyle/>
+          <a:p>
+            <a:pPr algn="r"/>
+            <a:r>
+              <a:rPr lang="fr-FR" sz="1100" i="1" dirty="0">
+                <a:effectLst>
+                  <a:outerShdw blurRad="38100" dist="38100" dir="2700000" algn="tl">
+                    <a:srgbClr val="000000">
+                      <a:alpha val="43137"/>
+                    </a:srgbClr>
+                  </a:outerShdw>
+                </a:effectLst>
+              </a:rPr>
+              <a:t>Diagrammes de séquence</a:t>
+            </a:r>
+          </a:p>
+        </p:txBody>
+      </p:sp>
+      <p:sp>
+        <p:nvSpPr>
+          <p:cNvPr id="57" name="ZoneTexte 56">
+            <a:extLst>
+              <a:ext uri="{FF2B5EF4-FFF2-40B4-BE49-F238E27FC236}">
+                <a16:creationId xmlns:a16="http://schemas.microsoft.com/office/drawing/2014/main" id="{184B58D4-E8C2-441E-AA5F-74DEFE2F71D4}"/>
+              </a:ext>
+            </a:extLst>
+          </p:cNvPr>
+          <p:cNvSpPr txBox="1"/>
+          <p:nvPr/>
+        </p:nvSpPr>
+        <p:spPr>
+          <a:xfrm>
+            <a:off x="9964263" y="4310665"/>
+            <a:ext cx="1874223" cy="261610"/>
+          </a:xfrm>
+          <a:prstGeom prst="rect">
+            <a:avLst/>
+          </a:prstGeom>
+          <a:noFill/>
+        </p:spPr>
+        <p:txBody>
+          <a:bodyPr wrap="square" rtlCol="0">
+            <a:spAutoFit/>
+          </a:bodyPr>
+          <a:lstStyle/>
+          <a:p>
+            <a:pPr algn="r"/>
+            <a:r>
+              <a:rPr lang="fr-FR" sz="1100" i="1" dirty="0">
+                <a:effectLst>
+                  <a:outerShdw blurRad="38100" dist="38100" dir="2700000" algn="tl">
+                    <a:srgbClr val="000000">
+                      <a:alpha val="43137"/>
+                    </a:srgbClr>
+                  </a:outerShdw>
+                </a:effectLst>
+              </a:rPr>
+              <a:t>Lancement d’une partie</a:t>
+            </a:r>
+          </a:p>
+        </p:txBody>
+      </p:sp>
+      <p:sp>
+        <p:nvSpPr>
+          <p:cNvPr id="58" name="ZoneTexte 57">
+            <a:extLst>
+              <a:ext uri="{FF2B5EF4-FFF2-40B4-BE49-F238E27FC236}">
+                <a16:creationId xmlns:a16="http://schemas.microsoft.com/office/drawing/2014/main" id="{3022215A-E9BD-475F-AB2C-14949797C3BA}"/>
+              </a:ext>
+            </a:extLst>
+          </p:cNvPr>
+          <p:cNvSpPr txBox="1"/>
+          <p:nvPr/>
+        </p:nvSpPr>
+        <p:spPr>
+          <a:xfrm>
+            <a:off x="9956667" y="4540093"/>
+            <a:ext cx="1874223" cy="261610"/>
+          </a:xfrm>
+          <a:prstGeom prst="rect">
+            <a:avLst/>
+          </a:prstGeom>
+          <a:noFill/>
+        </p:spPr>
+        <p:txBody>
+          <a:bodyPr wrap="square" rtlCol="0">
+            <a:spAutoFit/>
+          </a:bodyPr>
+          <a:lstStyle/>
+          <a:p>
+            <a:pPr algn="r"/>
+            <a:r>
+              <a:rPr lang="fr-FR" sz="1100" i="1" dirty="0">
+                <a:effectLst>
+                  <a:outerShdw blurRad="38100" dist="38100" dir="2700000" algn="tl">
+                    <a:srgbClr val="000000">
+                      <a:alpha val="43137"/>
+                    </a:srgbClr>
+                  </a:outerShdw>
+                </a:effectLst>
+              </a:rPr>
+              <a:t>Envoi d’un message</a:t>
+            </a:r>
+          </a:p>
+        </p:txBody>
+      </p:sp>
+      <p:sp>
+        <p:nvSpPr>
+          <p:cNvPr id="59" name="ZoneTexte 58">
+            <a:extLst>
+              <a:ext uri="{FF2B5EF4-FFF2-40B4-BE49-F238E27FC236}">
+                <a16:creationId xmlns:a16="http://schemas.microsoft.com/office/drawing/2014/main" id="{8A619F6E-B1D6-45BD-B53B-A1DD1DD8E455}"/>
+              </a:ext>
+            </a:extLst>
+          </p:cNvPr>
+          <p:cNvSpPr txBox="1"/>
+          <p:nvPr/>
+        </p:nvSpPr>
+        <p:spPr>
+          <a:xfrm>
+            <a:off x="9941399" y="4760933"/>
+            <a:ext cx="1874223" cy="261610"/>
+          </a:xfrm>
+          <a:prstGeom prst="rect">
+            <a:avLst/>
+          </a:prstGeom>
+          <a:noFill/>
+        </p:spPr>
+        <p:txBody>
+          <a:bodyPr wrap="square" rtlCol="0">
+            <a:spAutoFit/>
+          </a:bodyPr>
+          <a:lstStyle/>
+          <a:p>
+            <a:pPr algn="r"/>
+            <a:r>
+              <a:rPr lang="fr-FR" sz="1100" i="1" dirty="0">
+                <a:effectLst>
+                  <a:outerShdw blurRad="38100" dist="38100" dir="2700000" algn="tl">
+                    <a:srgbClr val="000000">
+                      <a:alpha val="43137"/>
+                    </a:srgbClr>
+                  </a:outerShdw>
+                </a:effectLst>
+              </a:rPr>
+              <a:t>Fin de la partie</a:t>
+            </a:r>
+          </a:p>
+        </p:txBody>
+      </p:sp>
+      <p:sp>
+        <p:nvSpPr>
+          <p:cNvPr id="60" name="ZoneTexte 59">
+            <a:extLst>
+              <a:ext uri="{FF2B5EF4-FFF2-40B4-BE49-F238E27FC236}">
+                <a16:creationId xmlns:a16="http://schemas.microsoft.com/office/drawing/2014/main" id="{FFB7B494-9945-46D8-B23E-93A65BB083F2}"/>
+              </a:ext>
+            </a:extLst>
+          </p:cNvPr>
+          <p:cNvSpPr txBox="1"/>
+          <p:nvPr/>
+        </p:nvSpPr>
+        <p:spPr>
+          <a:xfrm>
+            <a:off x="9863775" y="5123280"/>
+            <a:ext cx="1874223" cy="261610"/>
+          </a:xfrm>
+          <a:prstGeom prst="rect">
+            <a:avLst/>
+          </a:prstGeom>
+          <a:noFill/>
+        </p:spPr>
+        <p:txBody>
+          <a:bodyPr wrap="square" rtlCol="0">
+            <a:spAutoFit/>
+          </a:bodyPr>
+          <a:lstStyle/>
+          <a:p>
+            <a:pPr algn="r"/>
+            <a:r>
+              <a:rPr lang="fr-FR" sz="1100" i="1" dirty="0">
+                <a:effectLst>
+                  <a:outerShdw blurRad="38100" dist="38100" dir="2700000" algn="tl">
+                    <a:srgbClr val="000000">
+                      <a:alpha val="43137"/>
+                    </a:srgbClr>
+                  </a:outerShdw>
+                </a:effectLst>
+              </a:rPr>
+              <a:t>Diagramme de classes</a:t>
+            </a:r>
+          </a:p>
+        </p:txBody>
+      </p:sp>
+      <p:sp>
+        <p:nvSpPr>
+          <p:cNvPr id="61" name="ZoneTexte 60">
+            <a:extLst>
+              <a:ext uri="{FF2B5EF4-FFF2-40B4-BE49-F238E27FC236}">
+                <a16:creationId xmlns:a16="http://schemas.microsoft.com/office/drawing/2014/main" id="{7C36B491-95DC-423E-BD41-CBBA8293C72C}"/>
+              </a:ext>
+            </a:extLst>
+          </p:cNvPr>
+          <p:cNvSpPr txBox="1"/>
+          <p:nvPr/>
+        </p:nvSpPr>
+        <p:spPr>
+          <a:xfrm>
+            <a:off x="9842434" y="5824598"/>
+            <a:ext cx="1874223" cy="261610"/>
+          </a:xfrm>
+          <a:prstGeom prst="rect">
+            <a:avLst/>
+          </a:prstGeom>
+          <a:noFill/>
+        </p:spPr>
+        <p:txBody>
+          <a:bodyPr wrap="square" rtlCol="0">
+            <a:spAutoFit/>
+          </a:bodyPr>
+          <a:lstStyle/>
+          <a:p>
+            <a:pPr algn="r"/>
+            <a:r>
+              <a:rPr lang="fr-FR" sz="1100" i="1" dirty="0">
+                <a:effectLst>
+                  <a:outerShdw blurRad="38100" dist="38100" dir="2700000" algn="tl">
+                    <a:srgbClr val="000000">
+                      <a:alpha val="43137"/>
+                    </a:srgbClr>
+                  </a:outerShdw>
+                </a:effectLst>
+              </a:rPr>
+              <a:t>Base de Données</a:t>
+            </a:r>
+          </a:p>
+        </p:txBody>
+      </p:sp>
+      <p:sp>
+        <p:nvSpPr>
+          <p:cNvPr id="62" name="ZoneTexte 61">
+            <a:extLst>
+              <a:ext uri="{FF2B5EF4-FFF2-40B4-BE49-F238E27FC236}">
+                <a16:creationId xmlns:a16="http://schemas.microsoft.com/office/drawing/2014/main" id="{1D67CF11-4556-4708-A752-A75EC523892F}"/>
+              </a:ext>
+            </a:extLst>
+          </p:cNvPr>
+          <p:cNvSpPr txBox="1"/>
+          <p:nvPr/>
+        </p:nvSpPr>
+        <p:spPr>
+          <a:xfrm>
+            <a:off x="9826051" y="6486853"/>
+            <a:ext cx="1874223" cy="261610"/>
+          </a:xfrm>
+          <a:prstGeom prst="rect">
+            <a:avLst/>
+          </a:prstGeom>
+          <a:noFill/>
+        </p:spPr>
+        <p:txBody>
+          <a:bodyPr wrap="square" rtlCol="0">
+            <a:spAutoFit/>
+          </a:bodyPr>
+          <a:lstStyle/>
+          <a:p>
+            <a:pPr algn="r"/>
+            <a:r>
+              <a:rPr lang="fr-FR" sz="1100" i="1" dirty="0">
+                <a:effectLst>
+                  <a:outerShdw blurRad="38100" dist="38100" dir="2700000" algn="tl">
+                    <a:srgbClr val="000000">
+                      <a:alpha val="43137"/>
+                    </a:srgbClr>
+                  </a:outerShdw>
+                </a:effectLst>
+              </a:rPr>
+              <a:t>Planification</a:t>
+            </a:r>
+          </a:p>
+        </p:txBody>
+      </p:sp>
+      <p:sp>
+        <p:nvSpPr>
+          <p:cNvPr id="63" name="Rectangle 62">
+            <a:extLst>
+              <a:ext uri="{FF2B5EF4-FFF2-40B4-BE49-F238E27FC236}">
+                <a16:creationId xmlns:a16="http://schemas.microsoft.com/office/drawing/2014/main" id="{07E85CCF-2CF7-425F-A8BB-D7ABF2B8D17F}"/>
+              </a:ext>
+            </a:extLst>
+          </p:cNvPr>
+          <p:cNvSpPr/>
+          <p:nvPr/>
+        </p:nvSpPr>
+        <p:spPr>
+          <a:xfrm>
+            <a:off x="11853752" y="1094075"/>
+            <a:ext cx="63479" cy="5677312"/>
+          </a:xfrm>
+          <a:prstGeom prst="rect">
+            <a:avLst/>
+          </a:prstGeom>
+          <a:solidFill>
+            <a:schemeClr val="bg1"/>
+          </a:solidFill>
+          <a:ln>
+            <a:noFill/>
+          </a:ln>
+        </p:spPr>
+        <p:style>
+          <a:lnRef idx="2">
+            <a:schemeClr val="accent1">
+              <a:shade val="50000"/>
+            </a:schemeClr>
+          </a:lnRef>
+          <a:fillRef idx="1">
+            <a:schemeClr val="accent1"/>
+          </a:fillRef>
+          <a:effectRef idx="0">
+            <a:schemeClr val="accent1"/>
+          </a:effectRef>
+          <a:fontRef idx="minor">
+            <a:schemeClr val="lt1"/>
+          </a:fontRef>
+        </p:style>
+        <p:txBody>
+          <a:bodyPr rtlCol="0" anchor="ctr"/>
+          <a:lstStyle/>
+          <a:p>
+            <a:pPr algn="ctr"/>
+            <a:endParaRPr lang="fr-FR"/>
+          </a:p>
+        </p:txBody>
+      </p:sp>
+      <p:sp>
+        <p:nvSpPr>
+          <p:cNvPr id="64" name="Ellipse 63">
+            <a:extLst>
+              <a:ext uri="{FF2B5EF4-FFF2-40B4-BE49-F238E27FC236}">
+                <a16:creationId xmlns:a16="http://schemas.microsoft.com/office/drawing/2014/main" id="{768F547A-70A1-4C1B-88A2-50EFE0C49056}"/>
+              </a:ext>
+            </a:extLst>
+          </p:cNvPr>
+          <p:cNvSpPr/>
+          <p:nvPr/>
+        </p:nvSpPr>
+        <p:spPr>
+          <a:xfrm>
+            <a:off x="11740896" y="1266423"/>
+            <a:ext cx="307668" cy="317709"/>
+          </a:xfrm>
+          <a:prstGeom prst="ellipse">
+            <a:avLst/>
+          </a:prstGeom>
+          <a:solidFill>
+            <a:schemeClr val="bg1"/>
+          </a:solidFill>
+          <a:ln>
+            <a:solidFill>
+              <a:schemeClr val="bg1"/>
+            </a:solidFill>
+          </a:ln>
+        </p:spPr>
+        <p:style>
+          <a:lnRef idx="2">
+            <a:schemeClr val="accent1">
+              <a:shade val="50000"/>
+            </a:schemeClr>
+          </a:lnRef>
+          <a:fillRef idx="1">
+            <a:schemeClr val="accent1"/>
+          </a:fillRef>
+          <a:effectRef idx="0">
+            <a:schemeClr val="accent1"/>
+          </a:effectRef>
+          <a:fontRef idx="minor">
+            <a:schemeClr val="lt1"/>
+          </a:fontRef>
+        </p:style>
+        <p:txBody>
+          <a:bodyPr rtlCol="0" anchor="ctr"/>
+          <a:lstStyle/>
+          <a:p>
+            <a:pPr algn="ctr"/>
+            <a:endParaRPr lang="fr-FR" dirty="0"/>
+          </a:p>
+        </p:txBody>
+      </p:sp>
+      <p:sp>
+        <p:nvSpPr>
+          <p:cNvPr id="65" name="Ellipse 64">
+            <a:extLst>
+              <a:ext uri="{FF2B5EF4-FFF2-40B4-BE49-F238E27FC236}">
+                <a16:creationId xmlns:a16="http://schemas.microsoft.com/office/drawing/2014/main" id="{22322B2A-23CE-4206-BB2F-315B5C2286A9}"/>
+              </a:ext>
+            </a:extLst>
+          </p:cNvPr>
+          <p:cNvSpPr/>
+          <p:nvPr/>
+        </p:nvSpPr>
+        <p:spPr>
+          <a:xfrm>
+            <a:off x="11739665" y="5113681"/>
+            <a:ext cx="307668" cy="317709"/>
+          </a:xfrm>
+          <a:prstGeom prst="ellipse">
+            <a:avLst/>
+          </a:prstGeom>
+          <a:solidFill>
+            <a:schemeClr val="bg1"/>
+          </a:solidFill>
+          <a:ln>
+            <a:solidFill>
+              <a:schemeClr val="bg1"/>
+            </a:solidFill>
+          </a:ln>
+        </p:spPr>
+        <p:style>
+          <a:lnRef idx="2">
+            <a:schemeClr val="accent1">
+              <a:shade val="50000"/>
+            </a:schemeClr>
+          </a:lnRef>
+          <a:fillRef idx="1">
+            <a:schemeClr val="accent1"/>
+          </a:fillRef>
+          <a:effectRef idx="0">
+            <a:schemeClr val="accent1"/>
+          </a:effectRef>
+          <a:fontRef idx="minor">
+            <a:schemeClr val="lt1"/>
+          </a:fontRef>
+        </p:style>
+        <p:txBody>
+          <a:bodyPr rtlCol="0" anchor="ctr"/>
+          <a:lstStyle/>
+          <a:p>
+            <a:pPr algn="ctr"/>
+            <a:endParaRPr lang="fr-FR" dirty="0"/>
+          </a:p>
+        </p:txBody>
+      </p:sp>
+      <p:sp>
+        <p:nvSpPr>
+          <p:cNvPr id="66" name="Ellipse 65">
+            <a:extLst>
+              <a:ext uri="{FF2B5EF4-FFF2-40B4-BE49-F238E27FC236}">
+                <a16:creationId xmlns:a16="http://schemas.microsoft.com/office/drawing/2014/main" id="{8A8FD3F3-B2E4-46B8-A44F-2A464B4C3CD3}"/>
+              </a:ext>
+            </a:extLst>
+          </p:cNvPr>
+          <p:cNvSpPr/>
+          <p:nvPr/>
+        </p:nvSpPr>
+        <p:spPr>
+          <a:xfrm>
+            <a:off x="11741041" y="3959962"/>
+            <a:ext cx="307668" cy="317709"/>
+          </a:xfrm>
+          <a:prstGeom prst="ellipse">
+            <a:avLst/>
+          </a:prstGeom>
+          <a:solidFill>
+            <a:schemeClr val="bg1"/>
+          </a:solidFill>
+          <a:ln>
+            <a:solidFill>
+              <a:schemeClr val="bg1"/>
+            </a:solidFill>
+          </a:ln>
+        </p:spPr>
+        <p:style>
+          <a:lnRef idx="2">
+            <a:schemeClr val="accent1">
+              <a:shade val="50000"/>
+            </a:schemeClr>
+          </a:lnRef>
+          <a:fillRef idx="1">
+            <a:schemeClr val="accent1"/>
+          </a:fillRef>
+          <a:effectRef idx="0">
+            <a:schemeClr val="accent1"/>
+          </a:effectRef>
+          <a:fontRef idx="minor">
+            <a:schemeClr val="lt1"/>
+          </a:fontRef>
+        </p:style>
+        <p:txBody>
+          <a:bodyPr rtlCol="0" anchor="ctr"/>
+          <a:lstStyle/>
+          <a:p>
+            <a:pPr algn="ctr"/>
+            <a:endParaRPr lang="fr-FR" dirty="0"/>
+          </a:p>
+        </p:txBody>
+      </p:sp>
+      <p:sp>
+        <p:nvSpPr>
+          <p:cNvPr id="67" name="Ellipse 66">
+            <a:extLst>
+              <a:ext uri="{FF2B5EF4-FFF2-40B4-BE49-F238E27FC236}">
+                <a16:creationId xmlns:a16="http://schemas.microsoft.com/office/drawing/2014/main" id="{2B95D5E7-85A1-46E8-808E-4B5063A8066E}"/>
+              </a:ext>
+            </a:extLst>
+          </p:cNvPr>
+          <p:cNvSpPr/>
+          <p:nvPr/>
+        </p:nvSpPr>
+        <p:spPr>
+          <a:xfrm>
+            <a:off x="11741041" y="2833333"/>
+            <a:ext cx="307668" cy="317709"/>
+          </a:xfrm>
+          <a:prstGeom prst="ellipse">
+            <a:avLst/>
+          </a:prstGeom>
+          <a:solidFill>
+            <a:schemeClr val="bg1"/>
+          </a:solidFill>
+          <a:ln>
+            <a:solidFill>
+              <a:schemeClr val="bg1"/>
+            </a:solidFill>
+          </a:ln>
+        </p:spPr>
+        <p:style>
+          <a:lnRef idx="2">
+            <a:schemeClr val="accent1">
+              <a:shade val="50000"/>
+            </a:schemeClr>
+          </a:lnRef>
+          <a:fillRef idx="1">
+            <a:schemeClr val="accent1"/>
+          </a:fillRef>
+          <a:effectRef idx="0">
+            <a:schemeClr val="accent1"/>
+          </a:effectRef>
+          <a:fontRef idx="minor">
+            <a:schemeClr val="lt1"/>
+          </a:fontRef>
+        </p:style>
+        <p:txBody>
+          <a:bodyPr rtlCol="0" anchor="ctr"/>
+          <a:lstStyle/>
+          <a:p>
+            <a:pPr algn="ctr"/>
+            <a:endParaRPr lang="fr-FR" dirty="0"/>
+          </a:p>
+        </p:txBody>
+      </p:sp>
+      <p:sp>
+        <p:nvSpPr>
+          <p:cNvPr id="68" name="Ellipse 67">
+            <a:extLst>
+              <a:ext uri="{FF2B5EF4-FFF2-40B4-BE49-F238E27FC236}">
+                <a16:creationId xmlns:a16="http://schemas.microsoft.com/office/drawing/2014/main" id="{0DFE2C66-94BD-4437-A9C5-FEED758A9D04}"/>
+              </a:ext>
+            </a:extLst>
+          </p:cNvPr>
+          <p:cNvSpPr/>
+          <p:nvPr/>
+        </p:nvSpPr>
+        <p:spPr>
+          <a:xfrm>
+            <a:off x="11739520" y="1775455"/>
+            <a:ext cx="307668" cy="317709"/>
+          </a:xfrm>
+          <a:prstGeom prst="ellipse">
+            <a:avLst/>
+          </a:prstGeom>
+          <a:solidFill>
+            <a:schemeClr val="bg1"/>
+          </a:solidFill>
+          <a:ln>
+            <a:solidFill>
+              <a:schemeClr val="bg1"/>
+            </a:solidFill>
+          </a:ln>
+        </p:spPr>
+        <p:style>
+          <a:lnRef idx="2">
+            <a:schemeClr val="accent1">
+              <a:shade val="50000"/>
+            </a:schemeClr>
+          </a:lnRef>
+          <a:fillRef idx="1">
+            <a:schemeClr val="accent1"/>
+          </a:fillRef>
+          <a:effectRef idx="0">
+            <a:schemeClr val="accent1"/>
+          </a:effectRef>
+          <a:fontRef idx="minor">
+            <a:schemeClr val="lt1"/>
+          </a:fontRef>
+        </p:style>
+        <p:txBody>
+          <a:bodyPr rtlCol="0" anchor="ctr"/>
+          <a:lstStyle/>
+          <a:p>
+            <a:pPr algn="ctr"/>
+            <a:endParaRPr lang="fr-FR" dirty="0"/>
+          </a:p>
+        </p:txBody>
+      </p:sp>
+      <p:sp>
+        <p:nvSpPr>
+          <p:cNvPr id="69" name="Ellipse 68">
+            <a:extLst>
+              <a:ext uri="{FF2B5EF4-FFF2-40B4-BE49-F238E27FC236}">
+                <a16:creationId xmlns:a16="http://schemas.microsoft.com/office/drawing/2014/main" id="{FE0FC1C9-919F-4C78-863D-2B23FDC5A459}"/>
+              </a:ext>
+            </a:extLst>
+          </p:cNvPr>
+          <p:cNvSpPr/>
+          <p:nvPr/>
+        </p:nvSpPr>
+        <p:spPr>
+          <a:xfrm>
+            <a:off x="11739520" y="2298845"/>
+            <a:ext cx="307668" cy="317709"/>
+          </a:xfrm>
+          <a:prstGeom prst="ellipse">
+            <a:avLst/>
+          </a:prstGeom>
+          <a:solidFill>
+            <a:schemeClr val="bg1"/>
+          </a:solidFill>
+          <a:ln>
+            <a:solidFill>
+              <a:schemeClr val="bg1"/>
+            </a:solidFill>
+          </a:ln>
+        </p:spPr>
+        <p:style>
+          <a:lnRef idx="2">
+            <a:schemeClr val="accent1">
+              <a:shade val="50000"/>
+            </a:schemeClr>
+          </a:lnRef>
+          <a:fillRef idx="1">
+            <a:schemeClr val="accent1"/>
+          </a:fillRef>
+          <a:effectRef idx="0">
+            <a:schemeClr val="accent1"/>
+          </a:effectRef>
+          <a:fontRef idx="minor">
+            <a:schemeClr val="lt1"/>
+          </a:fontRef>
+        </p:style>
+        <p:txBody>
+          <a:bodyPr rtlCol="0" anchor="ctr"/>
+          <a:lstStyle/>
+          <a:p>
+            <a:pPr algn="ctr"/>
+            <a:endParaRPr lang="fr-FR" dirty="0"/>
+          </a:p>
+        </p:txBody>
+      </p:sp>
+      <p:sp>
+        <p:nvSpPr>
+          <p:cNvPr id="70" name="Ellipse 69">
+            <a:extLst>
+              <a:ext uri="{FF2B5EF4-FFF2-40B4-BE49-F238E27FC236}">
+                <a16:creationId xmlns:a16="http://schemas.microsoft.com/office/drawing/2014/main" id="{5ACE9142-19D8-46AA-A688-75850E640670}"/>
+              </a:ext>
+            </a:extLst>
+          </p:cNvPr>
+          <p:cNvSpPr/>
+          <p:nvPr/>
+        </p:nvSpPr>
+        <p:spPr>
+          <a:xfrm>
+            <a:off x="11740896" y="6476605"/>
+            <a:ext cx="307668" cy="317709"/>
+          </a:xfrm>
+          <a:prstGeom prst="ellipse">
+            <a:avLst/>
+          </a:prstGeom>
+          <a:solidFill>
+            <a:schemeClr val="bg1"/>
+          </a:solidFill>
+          <a:ln>
+            <a:solidFill>
+              <a:schemeClr val="bg1"/>
+            </a:solidFill>
+          </a:ln>
+        </p:spPr>
+        <p:style>
+          <a:lnRef idx="2">
+            <a:schemeClr val="accent1">
+              <a:shade val="50000"/>
+            </a:schemeClr>
+          </a:lnRef>
+          <a:fillRef idx="1">
+            <a:schemeClr val="accent1"/>
+          </a:fillRef>
+          <a:effectRef idx="0">
+            <a:schemeClr val="accent1"/>
+          </a:effectRef>
+          <a:fontRef idx="minor">
+            <a:schemeClr val="lt1"/>
+          </a:fontRef>
+        </p:style>
+        <p:txBody>
+          <a:bodyPr rtlCol="0" anchor="ctr"/>
+          <a:lstStyle/>
+          <a:p>
+            <a:pPr algn="ctr"/>
+            <a:endParaRPr lang="fr-FR" dirty="0"/>
+          </a:p>
+        </p:txBody>
+      </p:sp>
+      <p:sp>
+        <p:nvSpPr>
+          <p:cNvPr id="71" name="Ellipse 70">
+            <a:extLst>
+              <a:ext uri="{FF2B5EF4-FFF2-40B4-BE49-F238E27FC236}">
+                <a16:creationId xmlns:a16="http://schemas.microsoft.com/office/drawing/2014/main" id="{3C135EC5-67F6-4B8B-872B-B74534103893}"/>
+              </a:ext>
+            </a:extLst>
+          </p:cNvPr>
+          <p:cNvSpPr/>
+          <p:nvPr/>
+        </p:nvSpPr>
+        <p:spPr>
+          <a:xfrm>
+            <a:off x="11739519" y="5796549"/>
+            <a:ext cx="307668" cy="317709"/>
+          </a:xfrm>
+          <a:prstGeom prst="ellipse">
+            <a:avLst/>
+          </a:prstGeom>
+          <a:solidFill>
+            <a:schemeClr val="bg1"/>
+          </a:solidFill>
+          <a:ln>
+            <a:solidFill>
+              <a:schemeClr val="bg1"/>
+            </a:solidFill>
+          </a:ln>
+        </p:spPr>
+        <p:style>
+          <a:lnRef idx="2">
+            <a:schemeClr val="accent1">
+              <a:shade val="50000"/>
+            </a:schemeClr>
+          </a:lnRef>
+          <a:fillRef idx="1">
+            <a:schemeClr val="accent1"/>
+          </a:fillRef>
+          <a:effectRef idx="0">
+            <a:schemeClr val="accent1"/>
+          </a:effectRef>
+          <a:fontRef idx="minor">
+            <a:schemeClr val="lt1"/>
+          </a:fontRef>
+        </p:style>
+        <p:txBody>
+          <a:bodyPr rtlCol="0" anchor="ctr"/>
+          <a:lstStyle/>
+          <a:p>
+            <a:pPr algn="ctr"/>
+            <a:endParaRPr lang="fr-FR" dirty="0"/>
           </a:p>
         </p:txBody>
       </p:sp>
@@ -14151,6 +19954,1874 @@
           </a:prstGeom>
         </p:spPr>
       </p:pic>
+      <p:sp>
+        <p:nvSpPr>
+          <p:cNvPr id="5" name="Organigramme : Terminateur 4">
+            <a:extLst>
+              <a:ext uri="{FF2B5EF4-FFF2-40B4-BE49-F238E27FC236}">
+                <a16:creationId xmlns:a16="http://schemas.microsoft.com/office/drawing/2014/main" id="{F39D93C4-7D5B-4463-9276-77A429C7DDA2}"/>
+              </a:ext>
+            </a:extLst>
+          </p:cNvPr>
+          <p:cNvSpPr/>
+          <p:nvPr/>
+        </p:nvSpPr>
+        <p:spPr>
+          <a:xfrm>
+            <a:off x="11782953" y="4838752"/>
+            <a:ext cx="137445" cy="71437"/>
+          </a:xfrm>
+          <a:prstGeom prst="flowChartTerminator">
+            <a:avLst/>
+          </a:prstGeom>
+          <a:solidFill>
+            <a:schemeClr val="bg1"/>
+          </a:solidFill>
+          <a:ln>
+            <a:solidFill>
+              <a:schemeClr val="bg1"/>
+            </a:solidFill>
+          </a:ln>
+        </p:spPr>
+        <p:style>
+          <a:lnRef idx="2">
+            <a:schemeClr val="accent1">
+              <a:shade val="50000"/>
+            </a:schemeClr>
+          </a:lnRef>
+          <a:fillRef idx="1">
+            <a:schemeClr val="accent1"/>
+          </a:fillRef>
+          <a:effectRef idx="0">
+            <a:schemeClr val="accent1"/>
+          </a:effectRef>
+          <a:fontRef idx="minor">
+            <a:schemeClr val="lt1"/>
+          </a:fontRef>
+        </p:style>
+        <p:txBody>
+          <a:bodyPr rtlCol="0" anchor="ctr"/>
+          <a:lstStyle/>
+          <a:p>
+            <a:pPr algn="ctr"/>
+            <a:endParaRPr lang="fr-FR" dirty="0"/>
+          </a:p>
+        </p:txBody>
+      </p:sp>
+      <p:sp>
+        <p:nvSpPr>
+          <p:cNvPr id="6" name="Organigramme : Terminateur 5">
+            <a:extLst>
+              <a:ext uri="{FF2B5EF4-FFF2-40B4-BE49-F238E27FC236}">
+                <a16:creationId xmlns:a16="http://schemas.microsoft.com/office/drawing/2014/main" id="{0347A798-5DF2-4304-9EEB-1DA4A5DFFE91}"/>
+              </a:ext>
+            </a:extLst>
+          </p:cNvPr>
+          <p:cNvSpPr/>
+          <p:nvPr/>
+        </p:nvSpPr>
+        <p:spPr>
+          <a:xfrm>
+            <a:off x="11782954" y="4625096"/>
+            <a:ext cx="137445" cy="71437"/>
+          </a:xfrm>
+          <a:prstGeom prst="flowChartTerminator">
+            <a:avLst/>
+          </a:prstGeom>
+          <a:solidFill>
+            <a:schemeClr val="bg1"/>
+          </a:solidFill>
+          <a:ln>
+            <a:solidFill>
+              <a:schemeClr val="bg1"/>
+            </a:solidFill>
+          </a:ln>
+        </p:spPr>
+        <p:style>
+          <a:lnRef idx="2">
+            <a:schemeClr val="accent1">
+              <a:shade val="50000"/>
+            </a:schemeClr>
+          </a:lnRef>
+          <a:fillRef idx="1">
+            <a:schemeClr val="accent1"/>
+          </a:fillRef>
+          <a:effectRef idx="0">
+            <a:schemeClr val="accent1"/>
+          </a:effectRef>
+          <a:fontRef idx="minor">
+            <a:schemeClr val="lt1"/>
+          </a:fontRef>
+        </p:style>
+        <p:txBody>
+          <a:bodyPr rtlCol="0" anchor="ctr"/>
+          <a:lstStyle/>
+          <a:p>
+            <a:pPr algn="ctr"/>
+            <a:endParaRPr lang="fr-FR" dirty="0"/>
+          </a:p>
+        </p:txBody>
+      </p:sp>
+      <p:sp>
+        <p:nvSpPr>
+          <p:cNvPr id="7" name="Organigramme : Terminateur 6">
+            <a:extLst>
+              <a:ext uri="{FF2B5EF4-FFF2-40B4-BE49-F238E27FC236}">
+                <a16:creationId xmlns:a16="http://schemas.microsoft.com/office/drawing/2014/main" id="{2D77E0E3-D7A3-40B1-9BF2-68DF9F02D561}"/>
+              </a:ext>
+            </a:extLst>
+          </p:cNvPr>
+          <p:cNvSpPr/>
+          <p:nvPr/>
+        </p:nvSpPr>
+        <p:spPr>
+          <a:xfrm>
+            <a:off x="11780105" y="4406798"/>
+            <a:ext cx="137445" cy="71437"/>
+          </a:xfrm>
+          <a:prstGeom prst="flowChartTerminator">
+            <a:avLst/>
+          </a:prstGeom>
+          <a:solidFill>
+            <a:schemeClr val="bg1"/>
+          </a:solidFill>
+          <a:ln>
+            <a:solidFill>
+              <a:schemeClr val="bg1"/>
+            </a:solidFill>
+          </a:ln>
+        </p:spPr>
+        <p:style>
+          <a:lnRef idx="2">
+            <a:schemeClr val="accent1">
+              <a:shade val="50000"/>
+            </a:schemeClr>
+          </a:lnRef>
+          <a:fillRef idx="1">
+            <a:schemeClr val="accent1"/>
+          </a:fillRef>
+          <a:effectRef idx="0">
+            <a:schemeClr val="accent1"/>
+          </a:effectRef>
+          <a:fontRef idx="minor">
+            <a:schemeClr val="lt1"/>
+          </a:fontRef>
+        </p:style>
+        <p:txBody>
+          <a:bodyPr rtlCol="0" anchor="ctr"/>
+          <a:lstStyle/>
+          <a:p>
+            <a:pPr algn="ctr"/>
+            <a:endParaRPr lang="fr-FR" dirty="0"/>
+          </a:p>
+        </p:txBody>
+      </p:sp>
+      <p:sp>
+        <p:nvSpPr>
+          <p:cNvPr id="8" name="Organigramme : Terminateur 7">
+            <a:extLst>
+              <a:ext uri="{FF2B5EF4-FFF2-40B4-BE49-F238E27FC236}">
+                <a16:creationId xmlns:a16="http://schemas.microsoft.com/office/drawing/2014/main" id="{E6A71141-2249-40B8-8BED-D04D86F75E04}"/>
+              </a:ext>
+            </a:extLst>
+          </p:cNvPr>
+          <p:cNvSpPr/>
+          <p:nvPr/>
+        </p:nvSpPr>
+        <p:spPr>
+          <a:xfrm>
+            <a:off x="11782953" y="3678638"/>
+            <a:ext cx="137445" cy="71437"/>
+          </a:xfrm>
+          <a:prstGeom prst="flowChartTerminator">
+            <a:avLst/>
+          </a:prstGeom>
+          <a:solidFill>
+            <a:schemeClr val="bg1"/>
+          </a:solidFill>
+          <a:ln>
+            <a:solidFill>
+              <a:schemeClr val="bg1"/>
+            </a:solidFill>
+          </a:ln>
+        </p:spPr>
+        <p:style>
+          <a:lnRef idx="2">
+            <a:schemeClr val="accent1">
+              <a:shade val="50000"/>
+            </a:schemeClr>
+          </a:lnRef>
+          <a:fillRef idx="1">
+            <a:schemeClr val="accent1"/>
+          </a:fillRef>
+          <a:effectRef idx="0">
+            <a:schemeClr val="accent1"/>
+          </a:effectRef>
+          <a:fontRef idx="minor">
+            <a:schemeClr val="lt1"/>
+          </a:fontRef>
+        </p:style>
+        <p:txBody>
+          <a:bodyPr rtlCol="0" anchor="ctr"/>
+          <a:lstStyle/>
+          <a:p>
+            <a:pPr algn="ctr"/>
+            <a:endParaRPr lang="fr-FR" dirty="0"/>
+          </a:p>
+        </p:txBody>
+      </p:sp>
+      <p:sp>
+        <p:nvSpPr>
+          <p:cNvPr id="9" name="Organigramme : Terminateur 8">
+            <a:extLst>
+              <a:ext uri="{FF2B5EF4-FFF2-40B4-BE49-F238E27FC236}">
+                <a16:creationId xmlns:a16="http://schemas.microsoft.com/office/drawing/2014/main" id="{A72C4B7F-D677-4D09-BD37-5142DE383076}"/>
+              </a:ext>
+            </a:extLst>
+          </p:cNvPr>
+          <p:cNvSpPr/>
+          <p:nvPr/>
+        </p:nvSpPr>
+        <p:spPr>
+          <a:xfrm>
+            <a:off x="11782954" y="3464982"/>
+            <a:ext cx="137445" cy="71437"/>
+          </a:xfrm>
+          <a:prstGeom prst="flowChartTerminator">
+            <a:avLst/>
+          </a:prstGeom>
+          <a:solidFill>
+            <a:schemeClr val="bg1"/>
+          </a:solidFill>
+          <a:ln>
+            <a:solidFill>
+              <a:schemeClr val="bg1"/>
+            </a:solidFill>
+          </a:ln>
+        </p:spPr>
+        <p:style>
+          <a:lnRef idx="2">
+            <a:schemeClr val="accent1">
+              <a:shade val="50000"/>
+            </a:schemeClr>
+          </a:lnRef>
+          <a:fillRef idx="1">
+            <a:schemeClr val="accent1"/>
+          </a:fillRef>
+          <a:effectRef idx="0">
+            <a:schemeClr val="accent1"/>
+          </a:effectRef>
+          <a:fontRef idx="minor">
+            <a:schemeClr val="lt1"/>
+          </a:fontRef>
+        </p:style>
+        <p:txBody>
+          <a:bodyPr rtlCol="0" anchor="ctr"/>
+          <a:lstStyle/>
+          <a:p>
+            <a:pPr algn="ctr"/>
+            <a:endParaRPr lang="fr-FR" dirty="0"/>
+          </a:p>
+        </p:txBody>
+      </p:sp>
+      <p:sp>
+        <p:nvSpPr>
+          <p:cNvPr id="10" name="Organigramme : Terminateur 9">
+            <a:extLst>
+              <a:ext uri="{FF2B5EF4-FFF2-40B4-BE49-F238E27FC236}">
+                <a16:creationId xmlns:a16="http://schemas.microsoft.com/office/drawing/2014/main" id="{BD2EB6CB-1D53-4449-AB15-801F43C48C6B}"/>
+              </a:ext>
+            </a:extLst>
+          </p:cNvPr>
+          <p:cNvSpPr/>
+          <p:nvPr/>
+        </p:nvSpPr>
+        <p:spPr>
+          <a:xfrm>
+            <a:off x="11787913" y="3246684"/>
+            <a:ext cx="137445" cy="71437"/>
+          </a:xfrm>
+          <a:prstGeom prst="flowChartTerminator">
+            <a:avLst/>
+          </a:prstGeom>
+          <a:solidFill>
+            <a:schemeClr val="bg1"/>
+          </a:solidFill>
+          <a:ln>
+            <a:solidFill>
+              <a:schemeClr val="bg1"/>
+            </a:solidFill>
+          </a:ln>
+        </p:spPr>
+        <p:style>
+          <a:lnRef idx="2">
+            <a:schemeClr val="accent1">
+              <a:shade val="50000"/>
+            </a:schemeClr>
+          </a:lnRef>
+          <a:fillRef idx="1">
+            <a:schemeClr val="accent1"/>
+          </a:fillRef>
+          <a:effectRef idx="0">
+            <a:schemeClr val="accent1"/>
+          </a:effectRef>
+          <a:fontRef idx="minor">
+            <a:schemeClr val="lt1"/>
+          </a:fontRef>
+        </p:style>
+        <p:txBody>
+          <a:bodyPr rtlCol="0" anchor="ctr"/>
+          <a:lstStyle/>
+          <a:p>
+            <a:pPr algn="ctr"/>
+            <a:endParaRPr lang="fr-FR" dirty="0"/>
+          </a:p>
+        </p:txBody>
+      </p:sp>
+      <p:sp>
+        <p:nvSpPr>
+          <p:cNvPr id="11" name="Organigramme : Terminateur 10">
+            <a:extLst>
+              <a:ext uri="{FF2B5EF4-FFF2-40B4-BE49-F238E27FC236}">
+                <a16:creationId xmlns:a16="http://schemas.microsoft.com/office/drawing/2014/main" id="{B34DB4D1-D3DF-4FFD-8F4D-0957F0FEB634}"/>
+              </a:ext>
+            </a:extLst>
+          </p:cNvPr>
+          <p:cNvSpPr/>
+          <p:nvPr/>
+        </p:nvSpPr>
+        <p:spPr>
+          <a:xfrm>
+            <a:off x="11782810" y="1022638"/>
+            <a:ext cx="137445" cy="71437"/>
+          </a:xfrm>
+          <a:prstGeom prst="flowChartTerminator">
+            <a:avLst/>
+          </a:prstGeom>
+          <a:solidFill>
+            <a:srgbClr val="A31257"/>
+          </a:solidFill>
+          <a:ln>
+            <a:solidFill>
+              <a:schemeClr val="bg1"/>
+            </a:solidFill>
+          </a:ln>
+        </p:spPr>
+        <p:style>
+          <a:lnRef idx="2">
+            <a:schemeClr val="accent1">
+              <a:shade val="50000"/>
+            </a:schemeClr>
+          </a:lnRef>
+          <a:fillRef idx="1">
+            <a:schemeClr val="accent1"/>
+          </a:fillRef>
+          <a:effectRef idx="0">
+            <a:schemeClr val="accent1"/>
+          </a:effectRef>
+          <a:fontRef idx="minor">
+            <a:schemeClr val="lt1"/>
+          </a:fontRef>
+        </p:style>
+        <p:txBody>
+          <a:bodyPr rtlCol="0" anchor="ctr"/>
+          <a:lstStyle/>
+          <a:p>
+            <a:pPr algn="ctr"/>
+            <a:endParaRPr lang="fr-FR" dirty="0"/>
+          </a:p>
+        </p:txBody>
+      </p:sp>
+      <p:sp>
+        <p:nvSpPr>
+          <p:cNvPr id="12" name="Organigramme : Terminateur 11">
+            <a:extLst>
+              <a:ext uri="{FF2B5EF4-FFF2-40B4-BE49-F238E27FC236}">
+                <a16:creationId xmlns:a16="http://schemas.microsoft.com/office/drawing/2014/main" id="{FE1F3CAC-ECB2-437B-90C1-59D2E047A879}"/>
+              </a:ext>
+            </a:extLst>
+          </p:cNvPr>
+          <p:cNvSpPr/>
+          <p:nvPr/>
+        </p:nvSpPr>
+        <p:spPr>
+          <a:xfrm>
+            <a:off x="11782811" y="808982"/>
+            <a:ext cx="137445" cy="71437"/>
+          </a:xfrm>
+          <a:prstGeom prst="flowChartTerminator">
+            <a:avLst/>
+          </a:prstGeom>
+          <a:solidFill>
+            <a:srgbClr val="A31257"/>
+          </a:solidFill>
+          <a:ln>
+            <a:solidFill>
+              <a:schemeClr val="bg1"/>
+            </a:solidFill>
+          </a:ln>
+        </p:spPr>
+        <p:style>
+          <a:lnRef idx="2">
+            <a:schemeClr val="accent1">
+              <a:shade val="50000"/>
+            </a:schemeClr>
+          </a:lnRef>
+          <a:fillRef idx="1">
+            <a:schemeClr val="accent1"/>
+          </a:fillRef>
+          <a:effectRef idx="0">
+            <a:schemeClr val="accent1"/>
+          </a:effectRef>
+          <a:fontRef idx="minor">
+            <a:schemeClr val="lt1"/>
+          </a:fontRef>
+        </p:style>
+        <p:txBody>
+          <a:bodyPr rtlCol="0" anchor="ctr"/>
+          <a:lstStyle/>
+          <a:p>
+            <a:pPr algn="ctr"/>
+            <a:endParaRPr lang="fr-FR" dirty="0"/>
+          </a:p>
+        </p:txBody>
+      </p:sp>
+      <p:sp>
+        <p:nvSpPr>
+          <p:cNvPr id="13" name="Organigramme : Terminateur 12">
+            <a:extLst>
+              <a:ext uri="{FF2B5EF4-FFF2-40B4-BE49-F238E27FC236}">
+                <a16:creationId xmlns:a16="http://schemas.microsoft.com/office/drawing/2014/main" id="{0282BEE3-6399-474C-BB1E-9482AF5A4F4F}"/>
+              </a:ext>
+            </a:extLst>
+          </p:cNvPr>
+          <p:cNvSpPr/>
+          <p:nvPr/>
+        </p:nvSpPr>
+        <p:spPr>
+          <a:xfrm>
+            <a:off x="11780105" y="596427"/>
+            <a:ext cx="137445" cy="71437"/>
+          </a:xfrm>
+          <a:prstGeom prst="flowChartTerminator">
+            <a:avLst/>
+          </a:prstGeom>
+          <a:solidFill>
+            <a:srgbClr val="A31257"/>
+          </a:solidFill>
+          <a:ln>
+            <a:solidFill>
+              <a:schemeClr val="bg1"/>
+            </a:solidFill>
+          </a:ln>
+        </p:spPr>
+        <p:style>
+          <a:lnRef idx="2">
+            <a:schemeClr val="accent1">
+              <a:shade val="50000"/>
+            </a:schemeClr>
+          </a:lnRef>
+          <a:fillRef idx="1">
+            <a:schemeClr val="accent1"/>
+          </a:fillRef>
+          <a:effectRef idx="0">
+            <a:schemeClr val="accent1"/>
+          </a:effectRef>
+          <a:fontRef idx="minor">
+            <a:schemeClr val="lt1"/>
+          </a:fontRef>
+        </p:style>
+        <p:txBody>
+          <a:bodyPr rtlCol="0" anchor="ctr"/>
+          <a:lstStyle/>
+          <a:p>
+            <a:pPr algn="ctr"/>
+            <a:endParaRPr lang="fr-FR" dirty="0"/>
+          </a:p>
+        </p:txBody>
+      </p:sp>
+      <p:sp>
+        <p:nvSpPr>
+          <p:cNvPr id="14" name="Ellipse 13">
+            <a:extLst>
+              <a:ext uri="{FF2B5EF4-FFF2-40B4-BE49-F238E27FC236}">
+                <a16:creationId xmlns:a16="http://schemas.microsoft.com/office/drawing/2014/main" id="{732A184F-B594-4838-A587-4F9D4E4987D4}"/>
+              </a:ext>
+            </a:extLst>
+          </p:cNvPr>
+          <p:cNvSpPr/>
+          <p:nvPr/>
+        </p:nvSpPr>
+        <p:spPr>
+          <a:xfrm>
+            <a:off x="11740896" y="143435"/>
+            <a:ext cx="307668" cy="317709"/>
+          </a:xfrm>
+          <a:prstGeom prst="ellipse">
+            <a:avLst/>
+          </a:prstGeom>
+          <a:solidFill>
+            <a:srgbClr val="A31257"/>
+          </a:solidFill>
+          <a:ln>
+            <a:solidFill>
+              <a:schemeClr val="bg1"/>
+            </a:solidFill>
+          </a:ln>
+        </p:spPr>
+        <p:style>
+          <a:lnRef idx="2">
+            <a:schemeClr val="accent1">
+              <a:shade val="50000"/>
+            </a:schemeClr>
+          </a:lnRef>
+          <a:fillRef idx="1">
+            <a:schemeClr val="accent1"/>
+          </a:fillRef>
+          <a:effectRef idx="0">
+            <a:schemeClr val="accent1"/>
+          </a:effectRef>
+          <a:fontRef idx="minor">
+            <a:schemeClr val="lt1"/>
+          </a:fontRef>
+        </p:style>
+        <p:txBody>
+          <a:bodyPr rtlCol="0" anchor="ctr"/>
+          <a:lstStyle/>
+          <a:p>
+            <a:pPr algn="ctr"/>
+            <a:endParaRPr lang="fr-FR" dirty="0"/>
+          </a:p>
+        </p:txBody>
+      </p:sp>
+      <p:sp>
+        <p:nvSpPr>
+          <p:cNvPr id="15" name="Rectangle 14">
+            <a:extLst>
+              <a:ext uri="{FF2B5EF4-FFF2-40B4-BE49-F238E27FC236}">
+                <a16:creationId xmlns:a16="http://schemas.microsoft.com/office/drawing/2014/main" id="{E002BC0A-DBB3-46A1-B7A7-F6AF730D010B}"/>
+              </a:ext>
+            </a:extLst>
+          </p:cNvPr>
+          <p:cNvSpPr/>
+          <p:nvPr/>
+        </p:nvSpPr>
+        <p:spPr>
+          <a:xfrm>
+            <a:off x="11861348" y="325214"/>
+            <a:ext cx="55883" cy="6446174"/>
+          </a:xfrm>
+          <a:prstGeom prst="rect">
+            <a:avLst/>
+          </a:prstGeom>
+          <a:solidFill>
+            <a:srgbClr val="A31257"/>
+          </a:solidFill>
+          <a:ln>
+            <a:noFill/>
+          </a:ln>
+        </p:spPr>
+        <p:style>
+          <a:lnRef idx="2">
+            <a:schemeClr val="accent1">
+              <a:shade val="50000"/>
+            </a:schemeClr>
+          </a:lnRef>
+          <a:fillRef idx="1">
+            <a:schemeClr val="accent1"/>
+          </a:fillRef>
+          <a:effectRef idx="0">
+            <a:schemeClr val="accent1"/>
+          </a:effectRef>
+          <a:fontRef idx="minor">
+            <a:schemeClr val="lt1"/>
+          </a:fontRef>
+        </p:style>
+        <p:txBody>
+          <a:bodyPr rtlCol="0" anchor="ctr"/>
+          <a:lstStyle/>
+          <a:p>
+            <a:pPr algn="ctr"/>
+            <a:endParaRPr lang="fr-FR"/>
+          </a:p>
+        </p:txBody>
+      </p:sp>
+      <p:sp>
+        <p:nvSpPr>
+          <p:cNvPr id="16" name="ZoneTexte 15">
+            <a:extLst>
+              <a:ext uri="{FF2B5EF4-FFF2-40B4-BE49-F238E27FC236}">
+                <a16:creationId xmlns:a16="http://schemas.microsoft.com/office/drawing/2014/main" id="{390AB086-A78F-4DD3-B7DB-9B1ED3240CE9}"/>
+              </a:ext>
+            </a:extLst>
+          </p:cNvPr>
+          <p:cNvSpPr txBox="1"/>
+          <p:nvPr/>
+        </p:nvSpPr>
+        <p:spPr>
+          <a:xfrm>
+            <a:off x="9865580" y="164391"/>
+            <a:ext cx="1874223" cy="261610"/>
+          </a:xfrm>
+          <a:prstGeom prst="rect">
+            <a:avLst/>
+          </a:prstGeom>
+          <a:noFill/>
+        </p:spPr>
+        <p:txBody>
+          <a:bodyPr wrap="square" rtlCol="0">
+            <a:spAutoFit/>
+          </a:bodyPr>
+          <a:lstStyle/>
+          <a:p>
+            <a:pPr algn="r"/>
+            <a:r>
+              <a:rPr lang="fr-FR" sz="1100" i="1" dirty="0">
+                <a:effectLst>
+                  <a:outerShdw blurRad="38100" dist="38100" dir="2700000" algn="tl">
+                    <a:srgbClr val="000000">
+                      <a:alpha val="43137"/>
+                    </a:srgbClr>
+                  </a:outerShdw>
+                </a:effectLst>
+              </a:rPr>
+              <a:t>Présentation du projet</a:t>
+            </a:r>
+          </a:p>
+        </p:txBody>
+      </p:sp>
+      <p:sp>
+        <p:nvSpPr>
+          <p:cNvPr id="17" name="ZoneTexte 16">
+            <a:extLst>
+              <a:ext uri="{FF2B5EF4-FFF2-40B4-BE49-F238E27FC236}">
+                <a16:creationId xmlns:a16="http://schemas.microsoft.com/office/drawing/2014/main" id="{7539EBC9-E069-4B50-BF7C-71D0FB5A2F12}"/>
+              </a:ext>
+            </a:extLst>
+          </p:cNvPr>
+          <p:cNvSpPr txBox="1"/>
+          <p:nvPr/>
+        </p:nvSpPr>
+        <p:spPr>
+          <a:xfrm>
+            <a:off x="9926211" y="507693"/>
+            <a:ext cx="1874223" cy="261610"/>
+          </a:xfrm>
+          <a:prstGeom prst="rect">
+            <a:avLst/>
+          </a:prstGeom>
+          <a:noFill/>
+        </p:spPr>
+        <p:txBody>
+          <a:bodyPr wrap="square" rtlCol="0">
+            <a:spAutoFit/>
+          </a:bodyPr>
+          <a:lstStyle/>
+          <a:p>
+            <a:pPr algn="r"/>
+            <a:r>
+              <a:rPr lang="fr-FR" sz="1100" i="1" dirty="0">
+                <a:effectLst>
+                  <a:outerShdw blurRad="38100" dist="38100" dir="2700000" algn="tl">
+                    <a:srgbClr val="000000">
+                      <a:alpha val="43137"/>
+                    </a:srgbClr>
+                  </a:outerShdw>
+                </a:effectLst>
+              </a:rPr>
+              <a:t>Schéma global</a:t>
+            </a:r>
+          </a:p>
+        </p:txBody>
+      </p:sp>
+      <p:sp>
+        <p:nvSpPr>
+          <p:cNvPr id="18" name="ZoneTexte 17">
+            <a:extLst>
+              <a:ext uri="{FF2B5EF4-FFF2-40B4-BE49-F238E27FC236}">
+                <a16:creationId xmlns:a16="http://schemas.microsoft.com/office/drawing/2014/main" id="{F5718425-CAF9-4176-8943-A637703F2688}"/>
+              </a:ext>
+            </a:extLst>
+          </p:cNvPr>
+          <p:cNvSpPr txBox="1"/>
+          <p:nvPr/>
+        </p:nvSpPr>
+        <p:spPr>
+          <a:xfrm>
+            <a:off x="9946504" y="727130"/>
+            <a:ext cx="1874223" cy="261610"/>
+          </a:xfrm>
+          <a:prstGeom prst="rect">
+            <a:avLst/>
+          </a:prstGeom>
+          <a:noFill/>
+        </p:spPr>
+        <p:txBody>
+          <a:bodyPr wrap="square" rtlCol="0">
+            <a:spAutoFit/>
+          </a:bodyPr>
+          <a:lstStyle/>
+          <a:p>
+            <a:pPr algn="r"/>
+            <a:r>
+              <a:rPr lang="fr-FR" sz="1100" i="1" dirty="0">
+                <a:effectLst>
+                  <a:outerShdw blurRad="38100" dist="38100" dir="2700000" algn="tl">
+                    <a:srgbClr val="000000">
+                      <a:alpha val="43137"/>
+                    </a:srgbClr>
+                  </a:outerShdw>
+                </a:effectLst>
+              </a:rPr>
+              <a:t>Schéma personnalisé</a:t>
+            </a:r>
+          </a:p>
+        </p:txBody>
+      </p:sp>
+      <p:sp>
+        <p:nvSpPr>
+          <p:cNvPr id="19" name="ZoneTexte 18">
+            <a:extLst>
+              <a:ext uri="{FF2B5EF4-FFF2-40B4-BE49-F238E27FC236}">
+                <a16:creationId xmlns:a16="http://schemas.microsoft.com/office/drawing/2014/main" id="{5CAAD411-028A-47D9-AB23-DD7477980E61}"/>
+              </a:ext>
+            </a:extLst>
+          </p:cNvPr>
+          <p:cNvSpPr txBox="1"/>
+          <p:nvPr/>
+        </p:nvSpPr>
+        <p:spPr>
+          <a:xfrm>
+            <a:off x="9941401" y="918998"/>
+            <a:ext cx="1874223" cy="261610"/>
+          </a:xfrm>
+          <a:prstGeom prst="rect">
+            <a:avLst/>
+          </a:prstGeom>
+          <a:noFill/>
+        </p:spPr>
+        <p:txBody>
+          <a:bodyPr wrap="square" rtlCol="0">
+            <a:spAutoFit/>
+          </a:bodyPr>
+          <a:lstStyle/>
+          <a:p>
+            <a:pPr algn="r"/>
+            <a:r>
+              <a:rPr lang="fr-FR" sz="1100" i="1" dirty="0">
+                <a:effectLst>
+                  <a:outerShdw blurRad="38100" dist="38100" dir="2700000" algn="tl">
+                    <a:srgbClr val="000000">
+                      <a:alpha val="43137"/>
+                    </a:srgbClr>
+                  </a:outerShdw>
+                </a:effectLst>
+              </a:rPr>
+              <a:t>Tâches personnelles</a:t>
+            </a:r>
+          </a:p>
+        </p:txBody>
+      </p:sp>
+      <p:sp>
+        <p:nvSpPr>
+          <p:cNvPr id="20" name="ZoneTexte 19">
+            <a:extLst>
+              <a:ext uri="{FF2B5EF4-FFF2-40B4-BE49-F238E27FC236}">
+                <a16:creationId xmlns:a16="http://schemas.microsoft.com/office/drawing/2014/main" id="{005E2DAB-E499-4879-AF5E-F17FE2E1C945}"/>
+              </a:ext>
+            </a:extLst>
+          </p:cNvPr>
+          <p:cNvSpPr txBox="1"/>
+          <p:nvPr/>
+        </p:nvSpPr>
+        <p:spPr>
+          <a:xfrm>
+            <a:off x="9865580" y="1281294"/>
+            <a:ext cx="1874223" cy="261610"/>
+          </a:xfrm>
+          <a:prstGeom prst="rect">
+            <a:avLst/>
+          </a:prstGeom>
+          <a:noFill/>
+        </p:spPr>
+        <p:txBody>
+          <a:bodyPr wrap="square" rtlCol="0">
+            <a:spAutoFit/>
+          </a:bodyPr>
+          <a:lstStyle/>
+          <a:p>
+            <a:pPr algn="r"/>
+            <a:r>
+              <a:rPr lang="fr-FR" sz="1100" i="1" dirty="0">
+                <a:effectLst>
+                  <a:outerShdw blurRad="38100" dist="38100" dir="2700000" algn="tl">
+                    <a:srgbClr val="000000">
+                      <a:alpha val="43137"/>
+                    </a:srgbClr>
+                  </a:outerShdw>
+                </a:effectLst>
+              </a:rPr>
+              <a:t>Schématisation réseau</a:t>
+            </a:r>
+          </a:p>
+        </p:txBody>
+      </p:sp>
+      <p:sp>
+        <p:nvSpPr>
+          <p:cNvPr id="21" name="ZoneTexte 20">
+            <a:extLst>
+              <a:ext uri="{FF2B5EF4-FFF2-40B4-BE49-F238E27FC236}">
+                <a16:creationId xmlns:a16="http://schemas.microsoft.com/office/drawing/2014/main" id="{0B4314FF-3494-4C3C-BE92-A551AC49B84C}"/>
+              </a:ext>
+            </a:extLst>
+          </p:cNvPr>
+          <p:cNvSpPr txBox="1"/>
+          <p:nvPr/>
+        </p:nvSpPr>
+        <p:spPr>
+          <a:xfrm>
+            <a:off x="9863775" y="1787278"/>
+            <a:ext cx="1874223" cy="261610"/>
+          </a:xfrm>
+          <a:prstGeom prst="rect">
+            <a:avLst/>
+          </a:prstGeom>
+          <a:noFill/>
+        </p:spPr>
+        <p:txBody>
+          <a:bodyPr wrap="square" rtlCol="0">
+            <a:spAutoFit/>
+          </a:bodyPr>
+          <a:lstStyle/>
+          <a:p>
+            <a:pPr algn="r"/>
+            <a:r>
+              <a:rPr lang="fr-FR" sz="1100" i="1" dirty="0">
+                <a:effectLst>
+                  <a:outerShdw blurRad="38100" dist="38100" dir="2700000" algn="tl">
+                    <a:srgbClr val="000000">
+                      <a:alpha val="43137"/>
+                    </a:srgbClr>
+                  </a:outerShdw>
+                </a:effectLst>
+              </a:rPr>
+              <a:t>Développement</a:t>
+            </a:r>
+          </a:p>
+        </p:txBody>
+      </p:sp>
+      <p:sp>
+        <p:nvSpPr>
+          <p:cNvPr id="22" name="ZoneTexte 21">
+            <a:extLst>
+              <a:ext uri="{FF2B5EF4-FFF2-40B4-BE49-F238E27FC236}">
+                <a16:creationId xmlns:a16="http://schemas.microsoft.com/office/drawing/2014/main" id="{7B85BE22-40C1-4389-BD62-D0C84EF628A9}"/>
+              </a:ext>
+            </a:extLst>
+          </p:cNvPr>
+          <p:cNvSpPr txBox="1"/>
+          <p:nvPr/>
+        </p:nvSpPr>
+        <p:spPr>
+          <a:xfrm>
+            <a:off x="9842434" y="2222827"/>
+            <a:ext cx="1874223" cy="430887"/>
+          </a:xfrm>
+          <a:prstGeom prst="rect">
+            <a:avLst/>
+          </a:prstGeom>
+          <a:noFill/>
+        </p:spPr>
+        <p:txBody>
+          <a:bodyPr wrap="square" rtlCol="0">
+            <a:spAutoFit/>
+          </a:bodyPr>
+          <a:lstStyle/>
+          <a:p>
+            <a:pPr algn="r"/>
+            <a:r>
+              <a:rPr lang="fr-FR" sz="1100" i="1" dirty="0">
+                <a:effectLst>
+                  <a:outerShdw blurRad="38100" dist="38100" dir="2700000" algn="tl">
+                    <a:srgbClr val="000000">
+                      <a:alpha val="43137"/>
+                    </a:srgbClr>
+                  </a:outerShdw>
+                </a:effectLst>
+              </a:rPr>
+              <a:t>Diagramme de cas d’utilisation</a:t>
+            </a:r>
+          </a:p>
+        </p:txBody>
+      </p:sp>
+      <p:sp>
+        <p:nvSpPr>
+          <p:cNvPr id="23" name="ZoneTexte 22">
+            <a:extLst>
+              <a:ext uri="{FF2B5EF4-FFF2-40B4-BE49-F238E27FC236}">
+                <a16:creationId xmlns:a16="http://schemas.microsoft.com/office/drawing/2014/main" id="{268DB267-F79F-40FA-BEA1-F74A46BB5089}"/>
+              </a:ext>
+            </a:extLst>
+          </p:cNvPr>
+          <p:cNvSpPr txBox="1"/>
+          <p:nvPr/>
+        </p:nvSpPr>
+        <p:spPr>
+          <a:xfrm>
+            <a:off x="9926210" y="2861382"/>
+            <a:ext cx="1874223" cy="261610"/>
+          </a:xfrm>
+          <a:prstGeom prst="rect">
+            <a:avLst/>
+          </a:prstGeom>
+          <a:noFill/>
+        </p:spPr>
+        <p:txBody>
+          <a:bodyPr wrap="square" rtlCol="0">
+            <a:spAutoFit/>
+          </a:bodyPr>
+          <a:lstStyle/>
+          <a:p>
+            <a:pPr algn="r"/>
+            <a:r>
+              <a:rPr lang="fr-FR" sz="1100" i="1" dirty="0">
+                <a:effectLst>
+                  <a:outerShdw blurRad="38100" dist="38100" dir="2700000" algn="tl">
+                    <a:srgbClr val="000000">
+                      <a:alpha val="43137"/>
+                    </a:srgbClr>
+                  </a:outerShdw>
+                </a:effectLst>
+              </a:rPr>
+              <a:t>Application de supervision</a:t>
+            </a:r>
+          </a:p>
+        </p:txBody>
+      </p:sp>
+      <p:sp>
+        <p:nvSpPr>
+          <p:cNvPr id="24" name="ZoneTexte 23">
+            <a:extLst>
+              <a:ext uri="{FF2B5EF4-FFF2-40B4-BE49-F238E27FC236}">
+                <a16:creationId xmlns:a16="http://schemas.microsoft.com/office/drawing/2014/main" id="{6E0D5426-3317-4C08-93AA-0036901E02D9}"/>
+              </a:ext>
+            </a:extLst>
+          </p:cNvPr>
+          <p:cNvSpPr txBox="1"/>
+          <p:nvPr/>
+        </p:nvSpPr>
+        <p:spPr>
+          <a:xfrm>
+            <a:off x="9956668" y="3157513"/>
+            <a:ext cx="1874223" cy="261610"/>
+          </a:xfrm>
+          <a:prstGeom prst="rect">
+            <a:avLst/>
+          </a:prstGeom>
+          <a:noFill/>
+        </p:spPr>
+        <p:txBody>
+          <a:bodyPr wrap="square" rtlCol="0">
+            <a:spAutoFit/>
+          </a:bodyPr>
+          <a:lstStyle/>
+          <a:p>
+            <a:pPr algn="r"/>
+            <a:r>
+              <a:rPr lang="fr-FR" sz="1100" i="1" dirty="0">
+                <a:effectLst>
+                  <a:outerShdw blurRad="38100" dist="38100" dir="2700000" algn="tl">
+                    <a:srgbClr val="000000">
+                      <a:alpha val="43137"/>
+                    </a:srgbClr>
+                  </a:outerShdw>
+                </a:effectLst>
+              </a:rPr>
+              <a:t>Lancer une partie</a:t>
+            </a:r>
+          </a:p>
+        </p:txBody>
+      </p:sp>
+      <p:sp>
+        <p:nvSpPr>
+          <p:cNvPr id="25" name="ZoneTexte 24">
+            <a:extLst>
+              <a:ext uri="{FF2B5EF4-FFF2-40B4-BE49-F238E27FC236}">
+                <a16:creationId xmlns:a16="http://schemas.microsoft.com/office/drawing/2014/main" id="{0BA3F1C6-624B-44F4-9F75-5C7DAC60F620}"/>
+              </a:ext>
+            </a:extLst>
+          </p:cNvPr>
+          <p:cNvSpPr txBox="1"/>
+          <p:nvPr/>
+        </p:nvSpPr>
+        <p:spPr>
+          <a:xfrm>
+            <a:off x="9947928" y="3386750"/>
+            <a:ext cx="1874223" cy="261610"/>
+          </a:xfrm>
+          <a:prstGeom prst="rect">
+            <a:avLst/>
+          </a:prstGeom>
+          <a:noFill/>
+        </p:spPr>
+        <p:txBody>
+          <a:bodyPr wrap="square" rtlCol="0">
+            <a:spAutoFit/>
+          </a:bodyPr>
+          <a:lstStyle/>
+          <a:p>
+            <a:pPr algn="r"/>
+            <a:r>
+              <a:rPr lang="fr-FR" sz="1100" i="1" dirty="0">
+                <a:effectLst>
+                  <a:outerShdw blurRad="38100" dist="38100" dir="2700000" algn="tl">
+                    <a:srgbClr val="000000">
+                      <a:alpha val="43137"/>
+                    </a:srgbClr>
+                  </a:outerShdw>
+                </a:effectLst>
+              </a:rPr>
+              <a:t>Superviser</a:t>
+            </a:r>
+          </a:p>
+        </p:txBody>
+      </p:sp>
+      <p:sp>
+        <p:nvSpPr>
+          <p:cNvPr id="26" name="ZoneTexte 25">
+            <a:extLst>
+              <a:ext uri="{FF2B5EF4-FFF2-40B4-BE49-F238E27FC236}">
+                <a16:creationId xmlns:a16="http://schemas.microsoft.com/office/drawing/2014/main" id="{848CE9C6-22ED-4AAC-8BE4-0606FB3B75BA}"/>
+              </a:ext>
+            </a:extLst>
+          </p:cNvPr>
+          <p:cNvSpPr txBox="1"/>
+          <p:nvPr/>
+        </p:nvSpPr>
+        <p:spPr>
+          <a:xfrm>
+            <a:off x="9941400" y="3596455"/>
+            <a:ext cx="1874223" cy="261610"/>
+          </a:xfrm>
+          <a:prstGeom prst="rect">
+            <a:avLst/>
+          </a:prstGeom>
+          <a:noFill/>
+        </p:spPr>
+        <p:txBody>
+          <a:bodyPr wrap="square" rtlCol="0">
+            <a:spAutoFit/>
+          </a:bodyPr>
+          <a:lstStyle/>
+          <a:p>
+            <a:pPr algn="r"/>
+            <a:r>
+              <a:rPr lang="fr-FR" sz="1100" i="1" dirty="0">
+                <a:effectLst>
+                  <a:outerShdw blurRad="38100" dist="38100" dir="2700000" algn="tl">
+                    <a:srgbClr val="000000">
+                      <a:alpha val="43137"/>
+                    </a:srgbClr>
+                  </a:outerShdw>
+                </a:effectLst>
+              </a:rPr>
+              <a:t>Envoi d’indice / Fin</a:t>
+            </a:r>
+          </a:p>
+        </p:txBody>
+      </p:sp>
+      <p:sp>
+        <p:nvSpPr>
+          <p:cNvPr id="27" name="ZoneTexte 26">
+            <a:extLst>
+              <a:ext uri="{FF2B5EF4-FFF2-40B4-BE49-F238E27FC236}">
+                <a16:creationId xmlns:a16="http://schemas.microsoft.com/office/drawing/2014/main" id="{C8730BB4-D227-4773-8103-28F85066FE4E}"/>
+              </a:ext>
+            </a:extLst>
+          </p:cNvPr>
+          <p:cNvSpPr txBox="1"/>
+          <p:nvPr/>
+        </p:nvSpPr>
+        <p:spPr>
+          <a:xfrm>
+            <a:off x="9905882" y="3995785"/>
+            <a:ext cx="1874223" cy="261610"/>
+          </a:xfrm>
+          <a:prstGeom prst="rect">
+            <a:avLst/>
+          </a:prstGeom>
+          <a:noFill/>
+        </p:spPr>
+        <p:txBody>
+          <a:bodyPr wrap="square" rtlCol="0">
+            <a:spAutoFit/>
+          </a:bodyPr>
+          <a:lstStyle/>
+          <a:p>
+            <a:pPr algn="r"/>
+            <a:r>
+              <a:rPr lang="fr-FR" sz="1100" i="1" dirty="0">
+                <a:effectLst>
+                  <a:outerShdw blurRad="38100" dist="38100" dir="2700000" algn="tl">
+                    <a:srgbClr val="000000">
+                      <a:alpha val="43137"/>
+                    </a:srgbClr>
+                  </a:outerShdw>
+                </a:effectLst>
+              </a:rPr>
+              <a:t>Diagrammes de séquence</a:t>
+            </a:r>
+          </a:p>
+        </p:txBody>
+      </p:sp>
+      <p:sp>
+        <p:nvSpPr>
+          <p:cNvPr id="28" name="ZoneTexte 27">
+            <a:extLst>
+              <a:ext uri="{FF2B5EF4-FFF2-40B4-BE49-F238E27FC236}">
+                <a16:creationId xmlns:a16="http://schemas.microsoft.com/office/drawing/2014/main" id="{96131DE3-2D24-4022-A253-B00E1E17CE07}"/>
+              </a:ext>
+            </a:extLst>
+          </p:cNvPr>
+          <p:cNvSpPr txBox="1"/>
+          <p:nvPr/>
+        </p:nvSpPr>
+        <p:spPr>
+          <a:xfrm>
+            <a:off x="9964263" y="4310665"/>
+            <a:ext cx="1874223" cy="261610"/>
+          </a:xfrm>
+          <a:prstGeom prst="rect">
+            <a:avLst/>
+          </a:prstGeom>
+          <a:noFill/>
+        </p:spPr>
+        <p:txBody>
+          <a:bodyPr wrap="square" rtlCol="0">
+            <a:spAutoFit/>
+          </a:bodyPr>
+          <a:lstStyle/>
+          <a:p>
+            <a:pPr algn="r"/>
+            <a:r>
+              <a:rPr lang="fr-FR" sz="1100" i="1" dirty="0">
+                <a:effectLst>
+                  <a:outerShdw blurRad="38100" dist="38100" dir="2700000" algn="tl">
+                    <a:srgbClr val="000000">
+                      <a:alpha val="43137"/>
+                    </a:srgbClr>
+                  </a:outerShdw>
+                </a:effectLst>
+              </a:rPr>
+              <a:t>Lancement d’une partie</a:t>
+            </a:r>
+          </a:p>
+        </p:txBody>
+      </p:sp>
+      <p:sp>
+        <p:nvSpPr>
+          <p:cNvPr id="29" name="ZoneTexte 28">
+            <a:extLst>
+              <a:ext uri="{FF2B5EF4-FFF2-40B4-BE49-F238E27FC236}">
+                <a16:creationId xmlns:a16="http://schemas.microsoft.com/office/drawing/2014/main" id="{FB1A0BAF-DBA5-4EC4-A9AF-35ED5E5CA277}"/>
+              </a:ext>
+            </a:extLst>
+          </p:cNvPr>
+          <p:cNvSpPr txBox="1"/>
+          <p:nvPr/>
+        </p:nvSpPr>
+        <p:spPr>
+          <a:xfrm>
+            <a:off x="9956667" y="4540093"/>
+            <a:ext cx="1874223" cy="261610"/>
+          </a:xfrm>
+          <a:prstGeom prst="rect">
+            <a:avLst/>
+          </a:prstGeom>
+          <a:noFill/>
+        </p:spPr>
+        <p:txBody>
+          <a:bodyPr wrap="square" rtlCol="0">
+            <a:spAutoFit/>
+          </a:bodyPr>
+          <a:lstStyle/>
+          <a:p>
+            <a:pPr algn="r"/>
+            <a:r>
+              <a:rPr lang="fr-FR" sz="1100" i="1" dirty="0">
+                <a:effectLst>
+                  <a:outerShdw blurRad="38100" dist="38100" dir="2700000" algn="tl">
+                    <a:srgbClr val="000000">
+                      <a:alpha val="43137"/>
+                    </a:srgbClr>
+                  </a:outerShdw>
+                </a:effectLst>
+              </a:rPr>
+              <a:t>Envoi d’un message</a:t>
+            </a:r>
+          </a:p>
+        </p:txBody>
+      </p:sp>
+      <p:sp>
+        <p:nvSpPr>
+          <p:cNvPr id="30" name="ZoneTexte 29">
+            <a:extLst>
+              <a:ext uri="{FF2B5EF4-FFF2-40B4-BE49-F238E27FC236}">
+                <a16:creationId xmlns:a16="http://schemas.microsoft.com/office/drawing/2014/main" id="{C0998738-CB0E-4FAA-824B-8B27E006292D}"/>
+              </a:ext>
+            </a:extLst>
+          </p:cNvPr>
+          <p:cNvSpPr txBox="1"/>
+          <p:nvPr/>
+        </p:nvSpPr>
+        <p:spPr>
+          <a:xfrm>
+            <a:off x="9941399" y="4760933"/>
+            <a:ext cx="1874223" cy="261610"/>
+          </a:xfrm>
+          <a:prstGeom prst="rect">
+            <a:avLst/>
+          </a:prstGeom>
+          <a:noFill/>
+        </p:spPr>
+        <p:txBody>
+          <a:bodyPr wrap="square" rtlCol="0">
+            <a:spAutoFit/>
+          </a:bodyPr>
+          <a:lstStyle/>
+          <a:p>
+            <a:pPr algn="r"/>
+            <a:r>
+              <a:rPr lang="fr-FR" sz="1100" i="1" dirty="0">
+                <a:effectLst>
+                  <a:outerShdw blurRad="38100" dist="38100" dir="2700000" algn="tl">
+                    <a:srgbClr val="000000">
+                      <a:alpha val="43137"/>
+                    </a:srgbClr>
+                  </a:outerShdw>
+                </a:effectLst>
+              </a:rPr>
+              <a:t>Fin de la partie</a:t>
+            </a:r>
+          </a:p>
+        </p:txBody>
+      </p:sp>
+      <p:sp>
+        <p:nvSpPr>
+          <p:cNvPr id="31" name="ZoneTexte 30">
+            <a:extLst>
+              <a:ext uri="{FF2B5EF4-FFF2-40B4-BE49-F238E27FC236}">
+                <a16:creationId xmlns:a16="http://schemas.microsoft.com/office/drawing/2014/main" id="{187CC0B6-CBFB-44F4-BB18-9BA86171B1DC}"/>
+              </a:ext>
+            </a:extLst>
+          </p:cNvPr>
+          <p:cNvSpPr txBox="1"/>
+          <p:nvPr/>
+        </p:nvSpPr>
+        <p:spPr>
+          <a:xfrm>
+            <a:off x="9863775" y="5123280"/>
+            <a:ext cx="1874223" cy="261610"/>
+          </a:xfrm>
+          <a:prstGeom prst="rect">
+            <a:avLst/>
+          </a:prstGeom>
+          <a:noFill/>
+        </p:spPr>
+        <p:txBody>
+          <a:bodyPr wrap="square" rtlCol="0">
+            <a:spAutoFit/>
+          </a:bodyPr>
+          <a:lstStyle/>
+          <a:p>
+            <a:pPr algn="r"/>
+            <a:r>
+              <a:rPr lang="fr-FR" sz="1100" i="1" dirty="0">
+                <a:effectLst>
+                  <a:outerShdw blurRad="38100" dist="38100" dir="2700000" algn="tl">
+                    <a:srgbClr val="000000">
+                      <a:alpha val="43137"/>
+                    </a:srgbClr>
+                  </a:outerShdw>
+                </a:effectLst>
+              </a:rPr>
+              <a:t>Diagramme de classes</a:t>
+            </a:r>
+          </a:p>
+        </p:txBody>
+      </p:sp>
+      <p:sp>
+        <p:nvSpPr>
+          <p:cNvPr id="32" name="ZoneTexte 31">
+            <a:extLst>
+              <a:ext uri="{FF2B5EF4-FFF2-40B4-BE49-F238E27FC236}">
+                <a16:creationId xmlns:a16="http://schemas.microsoft.com/office/drawing/2014/main" id="{A8CB0754-E212-44C0-BC43-2824531C9141}"/>
+              </a:ext>
+            </a:extLst>
+          </p:cNvPr>
+          <p:cNvSpPr txBox="1"/>
+          <p:nvPr/>
+        </p:nvSpPr>
+        <p:spPr>
+          <a:xfrm>
+            <a:off x="9842434" y="5824598"/>
+            <a:ext cx="1874223" cy="261610"/>
+          </a:xfrm>
+          <a:prstGeom prst="rect">
+            <a:avLst/>
+          </a:prstGeom>
+          <a:noFill/>
+        </p:spPr>
+        <p:txBody>
+          <a:bodyPr wrap="square" rtlCol="0">
+            <a:spAutoFit/>
+          </a:bodyPr>
+          <a:lstStyle/>
+          <a:p>
+            <a:pPr algn="r"/>
+            <a:r>
+              <a:rPr lang="fr-FR" sz="1100" i="1" dirty="0">
+                <a:effectLst>
+                  <a:outerShdw blurRad="38100" dist="38100" dir="2700000" algn="tl">
+                    <a:srgbClr val="000000">
+                      <a:alpha val="43137"/>
+                    </a:srgbClr>
+                  </a:outerShdw>
+                </a:effectLst>
+              </a:rPr>
+              <a:t>Base de Données</a:t>
+            </a:r>
+          </a:p>
+        </p:txBody>
+      </p:sp>
+      <p:sp>
+        <p:nvSpPr>
+          <p:cNvPr id="33" name="ZoneTexte 32">
+            <a:extLst>
+              <a:ext uri="{FF2B5EF4-FFF2-40B4-BE49-F238E27FC236}">
+                <a16:creationId xmlns:a16="http://schemas.microsoft.com/office/drawing/2014/main" id="{841B474F-37D5-4E33-A54B-9160C0BAA167}"/>
+              </a:ext>
+            </a:extLst>
+          </p:cNvPr>
+          <p:cNvSpPr txBox="1"/>
+          <p:nvPr/>
+        </p:nvSpPr>
+        <p:spPr>
+          <a:xfrm>
+            <a:off x="9826051" y="6486853"/>
+            <a:ext cx="1874223" cy="261610"/>
+          </a:xfrm>
+          <a:prstGeom prst="rect">
+            <a:avLst/>
+          </a:prstGeom>
+          <a:noFill/>
+        </p:spPr>
+        <p:txBody>
+          <a:bodyPr wrap="square" rtlCol="0">
+            <a:spAutoFit/>
+          </a:bodyPr>
+          <a:lstStyle/>
+          <a:p>
+            <a:pPr algn="r"/>
+            <a:r>
+              <a:rPr lang="fr-FR" sz="1100" i="1" dirty="0">
+                <a:effectLst>
+                  <a:outerShdw blurRad="38100" dist="38100" dir="2700000" algn="tl">
+                    <a:srgbClr val="000000">
+                      <a:alpha val="43137"/>
+                    </a:srgbClr>
+                  </a:outerShdw>
+                </a:effectLst>
+              </a:rPr>
+              <a:t>Planification</a:t>
+            </a:r>
+          </a:p>
+        </p:txBody>
+      </p:sp>
+      <p:sp>
+        <p:nvSpPr>
+          <p:cNvPr id="34" name="Rectangle 33">
+            <a:extLst>
+              <a:ext uri="{FF2B5EF4-FFF2-40B4-BE49-F238E27FC236}">
+                <a16:creationId xmlns:a16="http://schemas.microsoft.com/office/drawing/2014/main" id="{D7CA03B5-981B-461E-8962-9C155829DDE1}"/>
+              </a:ext>
+            </a:extLst>
+          </p:cNvPr>
+          <p:cNvSpPr/>
+          <p:nvPr/>
+        </p:nvSpPr>
+        <p:spPr>
+          <a:xfrm>
+            <a:off x="11853752" y="1473143"/>
+            <a:ext cx="71606" cy="5298244"/>
+          </a:xfrm>
+          <a:prstGeom prst="rect">
+            <a:avLst/>
+          </a:prstGeom>
+          <a:solidFill>
+            <a:schemeClr val="bg1"/>
+          </a:solidFill>
+          <a:ln>
+            <a:noFill/>
+          </a:ln>
+        </p:spPr>
+        <p:style>
+          <a:lnRef idx="2">
+            <a:schemeClr val="accent1">
+              <a:shade val="50000"/>
+            </a:schemeClr>
+          </a:lnRef>
+          <a:fillRef idx="1">
+            <a:schemeClr val="accent1"/>
+          </a:fillRef>
+          <a:effectRef idx="0">
+            <a:schemeClr val="accent1"/>
+          </a:effectRef>
+          <a:fontRef idx="minor">
+            <a:schemeClr val="lt1"/>
+          </a:fontRef>
+        </p:style>
+        <p:txBody>
+          <a:bodyPr rtlCol="0" anchor="ctr"/>
+          <a:lstStyle/>
+          <a:p>
+            <a:pPr algn="ctr"/>
+            <a:endParaRPr lang="fr-FR"/>
+          </a:p>
+        </p:txBody>
+      </p:sp>
+      <p:sp>
+        <p:nvSpPr>
+          <p:cNvPr id="35" name="Ellipse 34">
+            <a:extLst>
+              <a:ext uri="{FF2B5EF4-FFF2-40B4-BE49-F238E27FC236}">
+                <a16:creationId xmlns:a16="http://schemas.microsoft.com/office/drawing/2014/main" id="{D1FBE3CE-C55D-4806-B344-2D3E757B55ED}"/>
+              </a:ext>
+            </a:extLst>
+          </p:cNvPr>
+          <p:cNvSpPr/>
+          <p:nvPr/>
+        </p:nvSpPr>
+        <p:spPr>
+          <a:xfrm>
+            <a:off x="11740896" y="1266423"/>
+            <a:ext cx="307668" cy="317709"/>
+          </a:xfrm>
+          <a:prstGeom prst="ellipse">
+            <a:avLst/>
+          </a:prstGeom>
+          <a:solidFill>
+            <a:srgbClr val="A31257"/>
+          </a:solidFill>
+          <a:ln>
+            <a:solidFill>
+              <a:schemeClr val="bg1"/>
+            </a:solidFill>
+          </a:ln>
+        </p:spPr>
+        <p:style>
+          <a:lnRef idx="2">
+            <a:schemeClr val="accent1">
+              <a:shade val="50000"/>
+            </a:schemeClr>
+          </a:lnRef>
+          <a:fillRef idx="1">
+            <a:schemeClr val="accent1"/>
+          </a:fillRef>
+          <a:effectRef idx="0">
+            <a:schemeClr val="accent1"/>
+          </a:effectRef>
+          <a:fontRef idx="minor">
+            <a:schemeClr val="lt1"/>
+          </a:fontRef>
+        </p:style>
+        <p:txBody>
+          <a:bodyPr rtlCol="0" anchor="ctr"/>
+          <a:lstStyle/>
+          <a:p>
+            <a:pPr algn="ctr"/>
+            <a:endParaRPr lang="fr-FR" dirty="0"/>
+          </a:p>
+        </p:txBody>
+      </p:sp>
+      <p:sp>
+        <p:nvSpPr>
+          <p:cNvPr id="36" name="Ellipse 35">
+            <a:extLst>
+              <a:ext uri="{FF2B5EF4-FFF2-40B4-BE49-F238E27FC236}">
+                <a16:creationId xmlns:a16="http://schemas.microsoft.com/office/drawing/2014/main" id="{E676F13A-1E24-4AD7-BAEF-4A2D22B8BDF2}"/>
+              </a:ext>
+            </a:extLst>
+          </p:cNvPr>
+          <p:cNvSpPr/>
+          <p:nvPr/>
+        </p:nvSpPr>
+        <p:spPr>
+          <a:xfrm>
+            <a:off x="11739665" y="5113681"/>
+            <a:ext cx="307668" cy="317709"/>
+          </a:xfrm>
+          <a:prstGeom prst="ellipse">
+            <a:avLst/>
+          </a:prstGeom>
+          <a:solidFill>
+            <a:schemeClr val="bg1"/>
+          </a:solidFill>
+          <a:ln>
+            <a:solidFill>
+              <a:schemeClr val="bg1"/>
+            </a:solidFill>
+          </a:ln>
+        </p:spPr>
+        <p:style>
+          <a:lnRef idx="2">
+            <a:schemeClr val="accent1">
+              <a:shade val="50000"/>
+            </a:schemeClr>
+          </a:lnRef>
+          <a:fillRef idx="1">
+            <a:schemeClr val="accent1"/>
+          </a:fillRef>
+          <a:effectRef idx="0">
+            <a:schemeClr val="accent1"/>
+          </a:effectRef>
+          <a:fontRef idx="minor">
+            <a:schemeClr val="lt1"/>
+          </a:fontRef>
+        </p:style>
+        <p:txBody>
+          <a:bodyPr rtlCol="0" anchor="ctr"/>
+          <a:lstStyle/>
+          <a:p>
+            <a:pPr algn="ctr"/>
+            <a:endParaRPr lang="fr-FR" dirty="0"/>
+          </a:p>
+        </p:txBody>
+      </p:sp>
+      <p:sp>
+        <p:nvSpPr>
+          <p:cNvPr id="37" name="Ellipse 36">
+            <a:extLst>
+              <a:ext uri="{FF2B5EF4-FFF2-40B4-BE49-F238E27FC236}">
+                <a16:creationId xmlns:a16="http://schemas.microsoft.com/office/drawing/2014/main" id="{E87678E2-B658-41D3-84CE-8BE80B0F9085}"/>
+              </a:ext>
+            </a:extLst>
+          </p:cNvPr>
+          <p:cNvSpPr/>
+          <p:nvPr/>
+        </p:nvSpPr>
+        <p:spPr>
+          <a:xfrm>
+            <a:off x="11741041" y="3959962"/>
+            <a:ext cx="307668" cy="317709"/>
+          </a:xfrm>
+          <a:prstGeom prst="ellipse">
+            <a:avLst/>
+          </a:prstGeom>
+          <a:solidFill>
+            <a:schemeClr val="bg1"/>
+          </a:solidFill>
+          <a:ln>
+            <a:solidFill>
+              <a:schemeClr val="bg1"/>
+            </a:solidFill>
+          </a:ln>
+        </p:spPr>
+        <p:style>
+          <a:lnRef idx="2">
+            <a:schemeClr val="accent1">
+              <a:shade val="50000"/>
+            </a:schemeClr>
+          </a:lnRef>
+          <a:fillRef idx="1">
+            <a:schemeClr val="accent1"/>
+          </a:fillRef>
+          <a:effectRef idx="0">
+            <a:schemeClr val="accent1"/>
+          </a:effectRef>
+          <a:fontRef idx="minor">
+            <a:schemeClr val="lt1"/>
+          </a:fontRef>
+        </p:style>
+        <p:txBody>
+          <a:bodyPr rtlCol="0" anchor="ctr"/>
+          <a:lstStyle/>
+          <a:p>
+            <a:pPr algn="ctr"/>
+            <a:endParaRPr lang="fr-FR" dirty="0"/>
+          </a:p>
+        </p:txBody>
+      </p:sp>
+      <p:sp>
+        <p:nvSpPr>
+          <p:cNvPr id="38" name="Ellipse 37">
+            <a:extLst>
+              <a:ext uri="{FF2B5EF4-FFF2-40B4-BE49-F238E27FC236}">
+                <a16:creationId xmlns:a16="http://schemas.microsoft.com/office/drawing/2014/main" id="{E26FABA6-C424-4139-A6BC-D8F1F1F5E909}"/>
+              </a:ext>
+            </a:extLst>
+          </p:cNvPr>
+          <p:cNvSpPr/>
+          <p:nvPr/>
+        </p:nvSpPr>
+        <p:spPr>
+          <a:xfrm>
+            <a:off x="11741041" y="2833333"/>
+            <a:ext cx="307668" cy="317709"/>
+          </a:xfrm>
+          <a:prstGeom prst="ellipse">
+            <a:avLst/>
+          </a:prstGeom>
+          <a:solidFill>
+            <a:schemeClr val="bg1"/>
+          </a:solidFill>
+          <a:ln>
+            <a:solidFill>
+              <a:schemeClr val="bg1"/>
+            </a:solidFill>
+          </a:ln>
+        </p:spPr>
+        <p:style>
+          <a:lnRef idx="2">
+            <a:schemeClr val="accent1">
+              <a:shade val="50000"/>
+            </a:schemeClr>
+          </a:lnRef>
+          <a:fillRef idx="1">
+            <a:schemeClr val="accent1"/>
+          </a:fillRef>
+          <a:effectRef idx="0">
+            <a:schemeClr val="accent1"/>
+          </a:effectRef>
+          <a:fontRef idx="minor">
+            <a:schemeClr val="lt1"/>
+          </a:fontRef>
+        </p:style>
+        <p:txBody>
+          <a:bodyPr rtlCol="0" anchor="ctr"/>
+          <a:lstStyle/>
+          <a:p>
+            <a:pPr algn="ctr"/>
+            <a:endParaRPr lang="fr-FR" dirty="0"/>
+          </a:p>
+        </p:txBody>
+      </p:sp>
+      <p:sp>
+        <p:nvSpPr>
+          <p:cNvPr id="39" name="Ellipse 38">
+            <a:extLst>
+              <a:ext uri="{FF2B5EF4-FFF2-40B4-BE49-F238E27FC236}">
+                <a16:creationId xmlns:a16="http://schemas.microsoft.com/office/drawing/2014/main" id="{DCF93CE2-7064-43DB-8271-2A998D478CC4}"/>
+              </a:ext>
+            </a:extLst>
+          </p:cNvPr>
+          <p:cNvSpPr/>
+          <p:nvPr/>
+        </p:nvSpPr>
+        <p:spPr>
+          <a:xfrm>
+            <a:off x="11739520" y="1775455"/>
+            <a:ext cx="307668" cy="317709"/>
+          </a:xfrm>
+          <a:prstGeom prst="ellipse">
+            <a:avLst/>
+          </a:prstGeom>
+          <a:solidFill>
+            <a:schemeClr val="bg1"/>
+          </a:solidFill>
+          <a:ln>
+            <a:solidFill>
+              <a:schemeClr val="bg1"/>
+            </a:solidFill>
+          </a:ln>
+        </p:spPr>
+        <p:style>
+          <a:lnRef idx="2">
+            <a:schemeClr val="accent1">
+              <a:shade val="50000"/>
+            </a:schemeClr>
+          </a:lnRef>
+          <a:fillRef idx="1">
+            <a:schemeClr val="accent1"/>
+          </a:fillRef>
+          <a:effectRef idx="0">
+            <a:schemeClr val="accent1"/>
+          </a:effectRef>
+          <a:fontRef idx="minor">
+            <a:schemeClr val="lt1"/>
+          </a:fontRef>
+        </p:style>
+        <p:txBody>
+          <a:bodyPr rtlCol="0" anchor="ctr"/>
+          <a:lstStyle/>
+          <a:p>
+            <a:pPr algn="ctr"/>
+            <a:endParaRPr lang="fr-FR" dirty="0"/>
+          </a:p>
+        </p:txBody>
+      </p:sp>
+      <p:sp>
+        <p:nvSpPr>
+          <p:cNvPr id="40" name="Ellipse 39">
+            <a:extLst>
+              <a:ext uri="{FF2B5EF4-FFF2-40B4-BE49-F238E27FC236}">
+                <a16:creationId xmlns:a16="http://schemas.microsoft.com/office/drawing/2014/main" id="{A45BA84F-630F-4FDF-A101-0756180ACC49}"/>
+              </a:ext>
+            </a:extLst>
+          </p:cNvPr>
+          <p:cNvSpPr/>
+          <p:nvPr/>
+        </p:nvSpPr>
+        <p:spPr>
+          <a:xfrm>
+            <a:off x="11739520" y="2298845"/>
+            <a:ext cx="307668" cy="317709"/>
+          </a:xfrm>
+          <a:prstGeom prst="ellipse">
+            <a:avLst/>
+          </a:prstGeom>
+          <a:solidFill>
+            <a:schemeClr val="bg1"/>
+          </a:solidFill>
+          <a:ln>
+            <a:solidFill>
+              <a:schemeClr val="bg1"/>
+            </a:solidFill>
+          </a:ln>
+        </p:spPr>
+        <p:style>
+          <a:lnRef idx="2">
+            <a:schemeClr val="accent1">
+              <a:shade val="50000"/>
+            </a:schemeClr>
+          </a:lnRef>
+          <a:fillRef idx="1">
+            <a:schemeClr val="accent1"/>
+          </a:fillRef>
+          <a:effectRef idx="0">
+            <a:schemeClr val="accent1"/>
+          </a:effectRef>
+          <a:fontRef idx="minor">
+            <a:schemeClr val="lt1"/>
+          </a:fontRef>
+        </p:style>
+        <p:txBody>
+          <a:bodyPr rtlCol="0" anchor="ctr"/>
+          <a:lstStyle/>
+          <a:p>
+            <a:pPr algn="ctr"/>
+            <a:endParaRPr lang="fr-FR" dirty="0"/>
+          </a:p>
+        </p:txBody>
+      </p:sp>
+      <p:sp>
+        <p:nvSpPr>
+          <p:cNvPr id="41" name="Ellipse 40">
+            <a:extLst>
+              <a:ext uri="{FF2B5EF4-FFF2-40B4-BE49-F238E27FC236}">
+                <a16:creationId xmlns:a16="http://schemas.microsoft.com/office/drawing/2014/main" id="{77523AA6-D3BF-464A-A0CC-608E9D44EF4C}"/>
+              </a:ext>
+            </a:extLst>
+          </p:cNvPr>
+          <p:cNvSpPr/>
+          <p:nvPr/>
+        </p:nvSpPr>
+        <p:spPr>
+          <a:xfrm>
+            <a:off x="11740896" y="6476605"/>
+            <a:ext cx="307668" cy="317709"/>
+          </a:xfrm>
+          <a:prstGeom prst="ellipse">
+            <a:avLst/>
+          </a:prstGeom>
+          <a:solidFill>
+            <a:schemeClr val="bg1"/>
+          </a:solidFill>
+          <a:ln>
+            <a:solidFill>
+              <a:schemeClr val="bg1"/>
+            </a:solidFill>
+          </a:ln>
+        </p:spPr>
+        <p:style>
+          <a:lnRef idx="2">
+            <a:schemeClr val="accent1">
+              <a:shade val="50000"/>
+            </a:schemeClr>
+          </a:lnRef>
+          <a:fillRef idx="1">
+            <a:schemeClr val="accent1"/>
+          </a:fillRef>
+          <a:effectRef idx="0">
+            <a:schemeClr val="accent1"/>
+          </a:effectRef>
+          <a:fontRef idx="minor">
+            <a:schemeClr val="lt1"/>
+          </a:fontRef>
+        </p:style>
+        <p:txBody>
+          <a:bodyPr rtlCol="0" anchor="ctr"/>
+          <a:lstStyle/>
+          <a:p>
+            <a:pPr algn="ctr"/>
+            <a:endParaRPr lang="fr-FR" dirty="0"/>
+          </a:p>
+        </p:txBody>
+      </p:sp>
+      <p:sp>
+        <p:nvSpPr>
+          <p:cNvPr id="42" name="Ellipse 41">
+            <a:extLst>
+              <a:ext uri="{FF2B5EF4-FFF2-40B4-BE49-F238E27FC236}">
+                <a16:creationId xmlns:a16="http://schemas.microsoft.com/office/drawing/2014/main" id="{F780620B-837E-4EDA-AF56-C56F5C392DA8}"/>
+              </a:ext>
+            </a:extLst>
+          </p:cNvPr>
+          <p:cNvSpPr/>
+          <p:nvPr/>
+        </p:nvSpPr>
+        <p:spPr>
+          <a:xfrm>
+            <a:off x="11739519" y="5796549"/>
+            <a:ext cx="307668" cy="317709"/>
+          </a:xfrm>
+          <a:prstGeom prst="ellipse">
+            <a:avLst/>
+          </a:prstGeom>
+          <a:solidFill>
+            <a:schemeClr val="bg1"/>
+          </a:solidFill>
+          <a:ln>
+            <a:solidFill>
+              <a:schemeClr val="bg1"/>
+            </a:solidFill>
+          </a:ln>
+        </p:spPr>
+        <p:style>
+          <a:lnRef idx="2">
+            <a:schemeClr val="accent1">
+              <a:shade val="50000"/>
+            </a:schemeClr>
+          </a:lnRef>
+          <a:fillRef idx="1">
+            <a:schemeClr val="accent1"/>
+          </a:fillRef>
+          <a:effectRef idx="0">
+            <a:schemeClr val="accent1"/>
+          </a:effectRef>
+          <a:fontRef idx="minor">
+            <a:schemeClr val="lt1"/>
+          </a:fontRef>
+        </p:style>
+        <p:txBody>
+          <a:bodyPr rtlCol="0" anchor="ctr"/>
+          <a:lstStyle/>
+          <a:p>
+            <a:pPr algn="ctr"/>
+            <a:endParaRPr lang="fr-FR" dirty="0"/>
+          </a:p>
+        </p:txBody>
+      </p:sp>
     </p:spTree>
     <p:extLst>
       <p:ext uri="{BB962C8B-B14F-4D97-AF65-F5344CB8AC3E}">

--- a/Nathan/Compte-rendus/REVUE-R2-GUIGAND-SFL6.pptx
+++ b/Nathan/Compte-rendus/REVUE-R2-GUIGAND-SFL6.pptx
@@ -12098,13 +12098,13 @@
   <p:clrMapOvr>
     <a:masterClrMapping/>
   </p:clrMapOvr>
-  <mc:AlternateContent xmlns:mc="http://schemas.openxmlformats.org/markup-compatibility/2006">
-    <mc:Choice xmlns:p159="http://schemas.microsoft.com/office/powerpoint/2015/09/main" Requires="p159">
+  <mc:AlternateContent xmlns:mc="http://schemas.openxmlformats.org/markup-compatibility/2006" xmlns:p159="http://schemas.microsoft.com/office/powerpoint/2015/09/main">
+    <mc:Choice Requires="p159">
       <p:transition xmlns:p14="http://schemas.microsoft.com/office/powerpoint/2010/main" spd="slow" p14:dur="2000">
         <p159:morph option="byObject"/>
       </p:transition>
     </mc:Choice>
-    <mc:Fallback>
+    <mc:Fallback xmlns="">
       <p:transition spd="slow">
         <p:fade/>
       </p:transition>
@@ -14216,13 +14216,13 @@
   <p:clrMapOvr>
     <a:masterClrMapping/>
   </p:clrMapOvr>
-  <mc:AlternateContent xmlns:mc="http://schemas.openxmlformats.org/markup-compatibility/2006">
-    <mc:Choice xmlns:p159="http://schemas.microsoft.com/office/powerpoint/2015/09/main" Requires="p159">
+  <mc:AlternateContent xmlns:mc="http://schemas.openxmlformats.org/markup-compatibility/2006" xmlns:p159="http://schemas.microsoft.com/office/powerpoint/2015/09/main">
+    <mc:Choice Requires="p159">
       <p:transition xmlns:p14="http://schemas.microsoft.com/office/powerpoint/2010/main" spd="slow" p14:dur="2000">
         <p159:morph option="byObject"/>
       </p:transition>
     </mc:Choice>
-    <mc:Fallback>
+    <mc:Fallback xmlns="">
       <p:transition spd="slow">
         <p:fade/>
       </p:transition>
@@ -30823,10 +30823,552 @@
       </p:sp>
       <p:sp>
         <p:nvSpPr>
-          <p:cNvPr id="2" name="ZoneTexte 1">
-            <a:extLst>
-              <a:ext uri="{FF2B5EF4-FFF2-40B4-BE49-F238E27FC236}">
-                <a16:creationId xmlns:a16="http://schemas.microsoft.com/office/drawing/2014/main" id="{FB1E84CE-9DB5-4FA0-BDF7-9F51DDB210EA}"/>
+          <p:cNvPr id="5" name="Rectangle : coins arrondis 4">
+            <a:extLst>
+              <a:ext uri="{FF2B5EF4-FFF2-40B4-BE49-F238E27FC236}">
+                <a16:creationId xmlns:a16="http://schemas.microsoft.com/office/drawing/2014/main" id="{7712986F-15D9-48D1-A16C-E324A49A43D4}"/>
+              </a:ext>
+            </a:extLst>
+          </p:cNvPr>
+          <p:cNvSpPr/>
+          <p:nvPr/>
+        </p:nvSpPr>
+        <p:spPr>
+          <a:xfrm>
+            <a:off x="504125" y="3049465"/>
+            <a:ext cx="9135542" cy="60374"/>
+          </a:xfrm>
+          <a:prstGeom prst="roundRect">
+            <a:avLst>
+              <a:gd name="adj" fmla="val 50000"/>
+            </a:avLst>
+          </a:prstGeom>
+          <a:solidFill>
+            <a:srgbClr val="A31257"/>
+          </a:solidFill>
+          <a:ln>
+            <a:solidFill>
+              <a:srgbClr val="A41258"/>
+            </a:solidFill>
+          </a:ln>
+        </p:spPr>
+        <p:style>
+          <a:lnRef idx="2">
+            <a:schemeClr val="accent1">
+              <a:shade val="50000"/>
+            </a:schemeClr>
+          </a:lnRef>
+          <a:fillRef idx="1">
+            <a:schemeClr val="accent1"/>
+          </a:fillRef>
+          <a:effectRef idx="0">
+            <a:schemeClr val="accent1"/>
+          </a:effectRef>
+          <a:fontRef idx="minor">
+            <a:schemeClr val="lt1"/>
+          </a:fontRef>
+        </p:style>
+        <p:txBody>
+          <a:bodyPr rtlCol="0" anchor="ctr"/>
+          <a:lstStyle/>
+          <a:p>
+            <a:pPr algn="ctr"/>
+            <a:endParaRPr lang="fr-FR"/>
+          </a:p>
+        </p:txBody>
+      </p:sp>
+      <p:sp>
+        <p:nvSpPr>
+          <p:cNvPr id="7" name="Ellipse 6">
+            <a:extLst>
+              <a:ext uri="{FF2B5EF4-FFF2-40B4-BE49-F238E27FC236}">
+                <a16:creationId xmlns:a16="http://schemas.microsoft.com/office/drawing/2014/main" id="{5371ADA4-FD5B-451E-A914-DB5BD5EAFA4F}"/>
+              </a:ext>
+            </a:extLst>
+          </p:cNvPr>
+          <p:cNvSpPr/>
+          <p:nvPr/>
+        </p:nvSpPr>
+        <p:spPr>
+          <a:xfrm>
+            <a:off x="215109" y="2861453"/>
+            <a:ext cx="426729" cy="436398"/>
+          </a:xfrm>
+          <a:prstGeom prst="ellipse">
+            <a:avLst/>
+          </a:prstGeom>
+          <a:solidFill>
+            <a:srgbClr val="A31257"/>
+          </a:solidFill>
+          <a:ln>
+            <a:solidFill>
+              <a:schemeClr val="bg1"/>
+            </a:solidFill>
+          </a:ln>
+        </p:spPr>
+        <p:style>
+          <a:lnRef idx="2">
+            <a:schemeClr val="accent1">
+              <a:shade val="50000"/>
+            </a:schemeClr>
+          </a:lnRef>
+          <a:fillRef idx="1">
+            <a:schemeClr val="accent1"/>
+          </a:fillRef>
+          <a:effectRef idx="0">
+            <a:schemeClr val="accent1"/>
+          </a:effectRef>
+          <a:fontRef idx="minor">
+            <a:schemeClr val="lt1"/>
+          </a:fontRef>
+        </p:style>
+        <p:txBody>
+          <a:bodyPr rtlCol="0" anchor="ctr"/>
+          <a:lstStyle/>
+          <a:p>
+            <a:pPr algn="ctr"/>
+            <a:endParaRPr lang="fr-FR" dirty="0"/>
+          </a:p>
+        </p:txBody>
+      </p:sp>
+      <p:sp>
+        <p:nvSpPr>
+          <p:cNvPr id="8" name="Ellipse 7">
+            <a:extLst>
+              <a:ext uri="{FF2B5EF4-FFF2-40B4-BE49-F238E27FC236}">
+                <a16:creationId xmlns:a16="http://schemas.microsoft.com/office/drawing/2014/main" id="{74923205-BBFF-4D38-A95E-AD9114BA1F9F}"/>
+              </a:ext>
+            </a:extLst>
+          </p:cNvPr>
+          <p:cNvSpPr/>
+          <p:nvPr/>
+        </p:nvSpPr>
+        <p:spPr>
+          <a:xfrm>
+            <a:off x="1835825" y="2861453"/>
+            <a:ext cx="426729" cy="436398"/>
+          </a:xfrm>
+          <a:prstGeom prst="ellipse">
+            <a:avLst/>
+          </a:prstGeom>
+          <a:solidFill>
+            <a:srgbClr val="A31257"/>
+          </a:solidFill>
+          <a:ln>
+            <a:solidFill>
+              <a:schemeClr val="bg1"/>
+            </a:solidFill>
+          </a:ln>
+        </p:spPr>
+        <p:style>
+          <a:lnRef idx="2">
+            <a:schemeClr val="accent1">
+              <a:shade val="50000"/>
+            </a:schemeClr>
+          </a:lnRef>
+          <a:fillRef idx="1">
+            <a:schemeClr val="accent1"/>
+          </a:fillRef>
+          <a:effectRef idx="0">
+            <a:schemeClr val="accent1"/>
+          </a:effectRef>
+          <a:fontRef idx="minor">
+            <a:schemeClr val="lt1"/>
+          </a:fontRef>
+        </p:style>
+        <p:txBody>
+          <a:bodyPr rtlCol="0" anchor="ctr"/>
+          <a:lstStyle/>
+          <a:p>
+            <a:pPr algn="ctr"/>
+            <a:endParaRPr lang="fr-FR" dirty="0"/>
+          </a:p>
+        </p:txBody>
+      </p:sp>
+      <p:sp>
+        <p:nvSpPr>
+          <p:cNvPr id="9" name="Ellipse 8">
+            <a:extLst>
+              <a:ext uri="{FF2B5EF4-FFF2-40B4-BE49-F238E27FC236}">
+                <a16:creationId xmlns:a16="http://schemas.microsoft.com/office/drawing/2014/main" id="{7A522763-6A1C-4991-AB37-E2E4CE81E2BA}"/>
+              </a:ext>
+            </a:extLst>
+          </p:cNvPr>
+          <p:cNvSpPr/>
+          <p:nvPr/>
+        </p:nvSpPr>
+        <p:spPr>
+          <a:xfrm>
+            <a:off x="2529734" y="2858815"/>
+            <a:ext cx="426729" cy="436398"/>
+          </a:xfrm>
+          <a:prstGeom prst="ellipse">
+            <a:avLst/>
+          </a:prstGeom>
+          <a:solidFill>
+            <a:srgbClr val="A31257"/>
+          </a:solidFill>
+          <a:ln>
+            <a:solidFill>
+              <a:schemeClr val="bg1"/>
+            </a:solidFill>
+          </a:ln>
+        </p:spPr>
+        <p:style>
+          <a:lnRef idx="2">
+            <a:schemeClr val="accent1">
+              <a:shade val="50000"/>
+            </a:schemeClr>
+          </a:lnRef>
+          <a:fillRef idx="1">
+            <a:schemeClr val="accent1"/>
+          </a:fillRef>
+          <a:effectRef idx="0">
+            <a:schemeClr val="accent1"/>
+          </a:effectRef>
+          <a:fontRef idx="minor">
+            <a:schemeClr val="lt1"/>
+          </a:fontRef>
+        </p:style>
+        <p:txBody>
+          <a:bodyPr rtlCol="0" anchor="ctr"/>
+          <a:lstStyle/>
+          <a:p>
+            <a:pPr algn="ctr"/>
+            <a:endParaRPr lang="fr-FR" dirty="0"/>
+          </a:p>
+        </p:txBody>
+      </p:sp>
+      <p:sp>
+        <p:nvSpPr>
+          <p:cNvPr id="10" name="Ellipse 9">
+            <a:extLst>
+              <a:ext uri="{FF2B5EF4-FFF2-40B4-BE49-F238E27FC236}">
+                <a16:creationId xmlns:a16="http://schemas.microsoft.com/office/drawing/2014/main" id="{1330B624-F568-461E-AC74-64E614A717EC}"/>
+              </a:ext>
+            </a:extLst>
+          </p:cNvPr>
+          <p:cNvSpPr/>
+          <p:nvPr/>
+        </p:nvSpPr>
+        <p:spPr>
+          <a:xfrm>
+            <a:off x="3284878" y="2858815"/>
+            <a:ext cx="426729" cy="436398"/>
+          </a:xfrm>
+          <a:prstGeom prst="ellipse">
+            <a:avLst/>
+          </a:prstGeom>
+          <a:solidFill>
+            <a:srgbClr val="A31257"/>
+          </a:solidFill>
+          <a:ln>
+            <a:solidFill>
+              <a:schemeClr val="bg1"/>
+            </a:solidFill>
+          </a:ln>
+        </p:spPr>
+        <p:style>
+          <a:lnRef idx="2">
+            <a:schemeClr val="accent1">
+              <a:shade val="50000"/>
+            </a:schemeClr>
+          </a:lnRef>
+          <a:fillRef idx="1">
+            <a:schemeClr val="accent1"/>
+          </a:fillRef>
+          <a:effectRef idx="0">
+            <a:schemeClr val="accent1"/>
+          </a:effectRef>
+          <a:fontRef idx="minor">
+            <a:schemeClr val="lt1"/>
+          </a:fontRef>
+        </p:style>
+        <p:txBody>
+          <a:bodyPr rtlCol="0" anchor="ctr"/>
+          <a:lstStyle/>
+          <a:p>
+            <a:pPr algn="ctr"/>
+            <a:endParaRPr lang="fr-FR" dirty="0"/>
+          </a:p>
+        </p:txBody>
+      </p:sp>
+      <p:sp>
+        <p:nvSpPr>
+          <p:cNvPr id="11" name="Ellipse 10">
+            <a:extLst>
+              <a:ext uri="{FF2B5EF4-FFF2-40B4-BE49-F238E27FC236}">
+                <a16:creationId xmlns:a16="http://schemas.microsoft.com/office/drawing/2014/main" id="{0F74EA79-A629-4904-901B-C20817FF4890}"/>
+              </a:ext>
+            </a:extLst>
+          </p:cNvPr>
+          <p:cNvSpPr/>
+          <p:nvPr/>
+        </p:nvSpPr>
+        <p:spPr>
+          <a:xfrm>
+            <a:off x="4077102" y="2858815"/>
+            <a:ext cx="426729" cy="436398"/>
+          </a:xfrm>
+          <a:prstGeom prst="ellipse">
+            <a:avLst/>
+          </a:prstGeom>
+          <a:solidFill>
+            <a:srgbClr val="A31257"/>
+          </a:solidFill>
+          <a:ln>
+            <a:solidFill>
+              <a:schemeClr val="bg1"/>
+            </a:solidFill>
+          </a:ln>
+        </p:spPr>
+        <p:style>
+          <a:lnRef idx="2">
+            <a:schemeClr val="accent1">
+              <a:shade val="50000"/>
+            </a:schemeClr>
+          </a:lnRef>
+          <a:fillRef idx="1">
+            <a:schemeClr val="accent1"/>
+          </a:fillRef>
+          <a:effectRef idx="0">
+            <a:schemeClr val="accent1"/>
+          </a:effectRef>
+          <a:fontRef idx="minor">
+            <a:schemeClr val="lt1"/>
+          </a:fontRef>
+        </p:style>
+        <p:txBody>
+          <a:bodyPr rtlCol="0" anchor="ctr"/>
+          <a:lstStyle/>
+          <a:p>
+            <a:pPr algn="ctr"/>
+            <a:endParaRPr lang="fr-FR" dirty="0"/>
+          </a:p>
+        </p:txBody>
+      </p:sp>
+      <p:sp>
+        <p:nvSpPr>
+          <p:cNvPr id="12" name="Ellipse 11">
+            <a:extLst>
+              <a:ext uri="{FF2B5EF4-FFF2-40B4-BE49-F238E27FC236}">
+                <a16:creationId xmlns:a16="http://schemas.microsoft.com/office/drawing/2014/main" id="{6FA8551F-83AA-48AD-922D-C0DBD31C3219}"/>
+              </a:ext>
+            </a:extLst>
+          </p:cNvPr>
+          <p:cNvSpPr/>
+          <p:nvPr/>
+        </p:nvSpPr>
+        <p:spPr>
+          <a:xfrm>
+            <a:off x="5969389" y="2858815"/>
+            <a:ext cx="426729" cy="436398"/>
+          </a:xfrm>
+          <a:prstGeom prst="ellipse">
+            <a:avLst/>
+          </a:prstGeom>
+          <a:solidFill>
+            <a:srgbClr val="A31257"/>
+          </a:solidFill>
+          <a:ln>
+            <a:solidFill>
+              <a:schemeClr val="bg1"/>
+            </a:solidFill>
+          </a:ln>
+        </p:spPr>
+        <p:style>
+          <a:lnRef idx="2">
+            <a:schemeClr val="accent1">
+              <a:shade val="50000"/>
+            </a:schemeClr>
+          </a:lnRef>
+          <a:fillRef idx="1">
+            <a:schemeClr val="accent1"/>
+          </a:fillRef>
+          <a:effectRef idx="0">
+            <a:schemeClr val="accent1"/>
+          </a:effectRef>
+          <a:fontRef idx="minor">
+            <a:schemeClr val="lt1"/>
+          </a:fontRef>
+        </p:style>
+        <p:txBody>
+          <a:bodyPr rtlCol="0" anchor="ctr"/>
+          <a:lstStyle/>
+          <a:p>
+            <a:pPr algn="ctr"/>
+            <a:endParaRPr lang="fr-FR" dirty="0"/>
+          </a:p>
+        </p:txBody>
+      </p:sp>
+      <p:sp>
+        <p:nvSpPr>
+          <p:cNvPr id="13" name="Ellipse 12">
+            <a:extLst>
+              <a:ext uri="{FF2B5EF4-FFF2-40B4-BE49-F238E27FC236}">
+                <a16:creationId xmlns:a16="http://schemas.microsoft.com/office/drawing/2014/main" id="{AE036F23-3776-4D3B-8152-9E5CD806C8D4}"/>
+              </a:ext>
+            </a:extLst>
+          </p:cNvPr>
+          <p:cNvSpPr/>
+          <p:nvPr/>
+        </p:nvSpPr>
+        <p:spPr>
+          <a:xfrm>
+            <a:off x="7803470" y="2844168"/>
+            <a:ext cx="426729" cy="436398"/>
+          </a:xfrm>
+          <a:prstGeom prst="ellipse">
+            <a:avLst/>
+          </a:prstGeom>
+          <a:solidFill>
+            <a:srgbClr val="A31257"/>
+          </a:solidFill>
+          <a:ln>
+            <a:solidFill>
+              <a:schemeClr val="bg1"/>
+            </a:solidFill>
+          </a:ln>
+        </p:spPr>
+        <p:style>
+          <a:lnRef idx="2">
+            <a:schemeClr val="accent1">
+              <a:shade val="50000"/>
+            </a:schemeClr>
+          </a:lnRef>
+          <a:fillRef idx="1">
+            <a:schemeClr val="accent1"/>
+          </a:fillRef>
+          <a:effectRef idx="0">
+            <a:schemeClr val="accent1"/>
+          </a:effectRef>
+          <a:fontRef idx="minor">
+            <a:schemeClr val="lt1"/>
+          </a:fontRef>
+        </p:style>
+        <p:txBody>
+          <a:bodyPr rtlCol="0" anchor="ctr"/>
+          <a:lstStyle/>
+          <a:p>
+            <a:pPr algn="ctr"/>
+            <a:endParaRPr lang="fr-FR" dirty="0"/>
+          </a:p>
+        </p:txBody>
+      </p:sp>
+      <p:sp>
+        <p:nvSpPr>
+          <p:cNvPr id="14" name="Ellipse 13">
+            <a:extLst>
+              <a:ext uri="{FF2B5EF4-FFF2-40B4-BE49-F238E27FC236}">
+                <a16:creationId xmlns:a16="http://schemas.microsoft.com/office/drawing/2014/main" id="{DCE9DC7A-F89B-4C7B-9D4D-56E401CDD4CC}"/>
+              </a:ext>
+            </a:extLst>
+          </p:cNvPr>
+          <p:cNvSpPr/>
+          <p:nvPr/>
+        </p:nvSpPr>
+        <p:spPr>
+          <a:xfrm>
+            <a:off x="8513386" y="2840814"/>
+            <a:ext cx="426729" cy="436398"/>
+          </a:xfrm>
+          <a:prstGeom prst="ellipse">
+            <a:avLst/>
+          </a:prstGeom>
+          <a:solidFill>
+            <a:srgbClr val="A31257"/>
+          </a:solidFill>
+          <a:ln>
+            <a:solidFill>
+              <a:schemeClr val="bg1"/>
+            </a:solidFill>
+          </a:ln>
+        </p:spPr>
+        <p:style>
+          <a:lnRef idx="2">
+            <a:schemeClr val="accent1">
+              <a:shade val="50000"/>
+            </a:schemeClr>
+          </a:lnRef>
+          <a:fillRef idx="1">
+            <a:schemeClr val="accent1"/>
+          </a:fillRef>
+          <a:effectRef idx="0">
+            <a:schemeClr val="accent1"/>
+          </a:effectRef>
+          <a:fontRef idx="minor">
+            <a:schemeClr val="lt1"/>
+          </a:fontRef>
+        </p:style>
+        <p:txBody>
+          <a:bodyPr rtlCol="0" anchor="ctr"/>
+          <a:lstStyle/>
+          <a:p>
+            <a:pPr algn="ctr"/>
+            <a:endParaRPr lang="fr-FR" dirty="0"/>
+          </a:p>
+        </p:txBody>
+      </p:sp>
+      <p:sp>
+        <p:nvSpPr>
+          <p:cNvPr id="15" name="Ellipse 14">
+            <a:extLst>
+              <a:ext uri="{FF2B5EF4-FFF2-40B4-BE49-F238E27FC236}">
+                <a16:creationId xmlns:a16="http://schemas.microsoft.com/office/drawing/2014/main" id="{7DF9CBBE-D07C-4797-ABEE-99057D7DD677}"/>
+              </a:ext>
+            </a:extLst>
+          </p:cNvPr>
+          <p:cNvSpPr/>
+          <p:nvPr/>
+        </p:nvSpPr>
+        <p:spPr>
+          <a:xfrm>
+            <a:off x="9223302" y="2840814"/>
+            <a:ext cx="426729" cy="436398"/>
+          </a:xfrm>
+          <a:prstGeom prst="ellipse">
+            <a:avLst/>
+          </a:prstGeom>
+          <a:solidFill>
+            <a:srgbClr val="A31257"/>
+          </a:solidFill>
+          <a:ln>
+            <a:solidFill>
+              <a:schemeClr val="bg1"/>
+            </a:solidFill>
+          </a:ln>
+        </p:spPr>
+        <p:style>
+          <a:lnRef idx="2">
+            <a:schemeClr val="accent1">
+              <a:shade val="50000"/>
+            </a:schemeClr>
+          </a:lnRef>
+          <a:fillRef idx="1">
+            <a:schemeClr val="accent1"/>
+          </a:fillRef>
+          <a:effectRef idx="0">
+            <a:schemeClr val="accent1"/>
+          </a:effectRef>
+          <a:fontRef idx="minor">
+            <a:schemeClr val="lt1"/>
+          </a:fontRef>
+        </p:style>
+        <p:txBody>
+          <a:bodyPr rtlCol="0" anchor="ctr"/>
+          <a:lstStyle/>
+          <a:p>
+            <a:pPr algn="ctr"/>
+            <a:endParaRPr lang="fr-FR" dirty="0"/>
+          </a:p>
+        </p:txBody>
+      </p:sp>
+      <p:sp>
+        <p:nvSpPr>
+          <p:cNvPr id="16" name="ZoneTexte 15">
+            <a:extLst>
+              <a:ext uri="{FF2B5EF4-FFF2-40B4-BE49-F238E27FC236}">
+                <a16:creationId xmlns:a16="http://schemas.microsoft.com/office/drawing/2014/main" id="{DAAA17D3-89D1-4A6A-8FD9-6176FA4A5D71}"/>
               </a:ext>
             </a:extLst>
           </p:cNvPr>
@@ -30834,9 +31376,9 @@
           <p:nvPr/>
         </p:nvSpPr>
         <p:spPr>
-          <a:xfrm>
-            <a:off x="1051560" y="1307592"/>
-            <a:ext cx="4754880" cy="2585323"/>
+          <a:xfrm rot="18644952">
+            <a:off x="-657" y="2110629"/>
+            <a:ext cx="1874223" cy="276999"/>
           </a:xfrm>
           <a:prstGeom prst="rect">
             <a:avLst/>
@@ -30849,86 +31391,1271 @@
           </a:bodyPr>
           <a:lstStyle/>
           <a:p>
-            <a:pPr marL="285750" indent="-285750">
-              <a:buFontTx/>
-              <a:buChar char="-"/>
-            </a:pPr>
-            <a:r>
-              <a:rPr lang="fr-FR" dirty="0"/>
+            <a:pPr algn="r"/>
+            <a:r>
+              <a:rPr lang="fr-FR" sz="1200" i="1" dirty="0">
+                <a:effectLst>
+                  <a:outerShdw blurRad="38100" dist="38100" dir="2700000" algn="tl">
+                    <a:srgbClr val="000000">
+                      <a:alpha val="43137"/>
+                    </a:srgbClr>
+                  </a:outerShdw>
+                </a:effectLst>
+              </a:rPr>
               <a:t>Présentation du projet</a:t>
             </a:r>
           </a:p>
-          <a:p>
-            <a:pPr marL="285750" indent="-285750">
-              <a:buFontTx/>
-              <a:buChar char="-"/>
-            </a:pPr>
-            <a:r>
-              <a:rPr lang="fr-FR" dirty="0"/>
-              <a:t>Schématisation globale du projet</a:t>
-            </a:r>
-          </a:p>
-          <a:p>
-            <a:pPr marL="285750" indent="-285750">
-              <a:buFontTx/>
-              <a:buChar char="-"/>
-            </a:pPr>
-            <a:r>
-              <a:rPr lang="fr-FR" dirty="0"/>
+        </p:txBody>
+      </p:sp>
+      <p:sp>
+        <p:nvSpPr>
+          <p:cNvPr id="17" name="ZoneTexte 16">
+            <a:extLst>
+              <a:ext uri="{FF2B5EF4-FFF2-40B4-BE49-F238E27FC236}">
+                <a16:creationId xmlns:a16="http://schemas.microsoft.com/office/drawing/2014/main" id="{22C27595-2BAE-4F9B-86F1-44E90695D8A7}"/>
+              </a:ext>
+            </a:extLst>
+          </p:cNvPr>
+          <p:cNvSpPr txBox="1"/>
+          <p:nvPr/>
+        </p:nvSpPr>
+        <p:spPr>
+          <a:xfrm rot="18644952">
+            <a:off x="1653857" y="2096588"/>
+            <a:ext cx="1874223" cy="276999"/>
+          </a:xfrm>
+          <a:prstGeom prst="rect">
+            <a:avLst/>
+          </a:prstGeom>
+          <a:noFill/>
+        </p:spPr>
+        <p:txBody>
+          <a:bodyPr wrap="square" rtlCol="0">
+            <a:spAutoFit/>
+          </a:bodyPr>
+          <a:lstStyle/>
+          <a:p>
+            <a:pPr algn="r"/>
+            <a:r>
+              <a:rPr lang="fr-FR" sz="1200" i="1" dirty="0">
+                <a:effectLst>
+                  <a:outerShdw blurRad="38100" dist="38100" dir="2700000" algn="tl">
+                    <a:srgbClr val="000000">
+                      <a:alpha val="43137"/>
+                    </a:srgbClr>
+                  </a:outerShdw>
+                </a:effectLst>
+              </a:rPr>
+              <a:t>Schématisation réseau</a:t>
+            </a:r>
+          </a:p>
+        </p:txBody>
+      </p:sp>
+      <p:sp>
+        <p:nvSpPr>
+          <p:cNvPr id="18" name="ZoneTexte 17">
+            <a:extLst>
+              <a:ext uri="{FF2B5EF4-FFF2-40B4-BE49-F238E27FC236}">
+                <a16:creationId xmlns:a16="http://schemas.microsoft.com/office/drawing/2014/main" id="{36201143-B55A-40F5-A5B3-89777491DF7C}"/>
+              </a:ext>
+            </a:extLst>
+          </p:cNvPr>
+          <p:cNvSpPr txBox="1"/>
+          <p:nvPr/>
+        </p:nvSpPr>
+        <p:spPr>
+          <a:xfrm rot="18644952">
+            <a:off x="2073319" y="2356376"/>
+            <a:ext cx="1874223" cy="276999"/>
+          </a:xfrm>
+          <a:prstGeom prst="rect">
+            <a:avLst/>
+          </a:prstGeom>
+          <a:noFill/>
+        </p:spPr>
+        <p:txBody>
+          <a:bodyPr wrap="square" rtlCol="0">
+            <a:spAutoFit/>
+          </a:bodyPr>
+          <a:lstStyle/>
+          <a:p>
+            <a:pPr algn="r"/>
+            <a:r>
+              <a:rPr lang="fr-FR" sz="1200" i="1" dirty="0">
+                <a:effectLst>
+                  <a:outerShdw blurRad="38100" dist="38100" dir="2700000" algn="tl">
+                    <a:srgbClr val="000000">
+                      <a:alpha val="43137"/>
+                    </a:srgbClr>
+                  </a:outerShdw>
+                </a:effectLst>
+              </a:rPr>
+              <a:t>Développement</a:t>
+            </a:r>
+          </a:p>
+        </p:txBody>
+      </p:sp>
+      <p:sp>
+        <p:nvSpPr>
+          <p:cNvPr id="19" name="ZoneTexte 18">
+            <a:extLst>
+              <a:ext uri="{FF2B5EF4-FFF2-40B4-BE49-F238E27FC236}">
+                <a16:creationId xmlns:a16="http://schemas.microsoft.com/office/drawing/2014/main" id="{FEBB1535-1A3C-4365-9AE4-B8962F7FF42B}"/>
+              </a:ext>
+            </a:extLst>
+          </p:cNvPr>
+          <p:cNvSpPr txBox="1"/>
+          <p:nvPr/>
+        </p:nvSpPr>
+        <p:spPr>
+          <a:xfrm rot="18644952">
+            <a:off x="2867136" y="1864292"/>
+            <a:ext cx="2517595" cy="276999"/>
+          </a:xfrm>
+          <a:prstGeom prst="rect">
+            <a:avLst/>
+          </a:prstGeom>
+          <a:noFill/>
+        </p:spPr>
+        <p:txBody>
+          <a:bodyPr wrap="square" rtlCol="0">
+            <a:spAutoFit/>
+          </a:bodyPr>
+          <a:lstStyle/>
+          <a:p>
+            <a:pPr algn="r"/>
+            <a:r>
+              <a:rPr lang="fr-FR" sz="1200" i="1" dirty="0">
+                <a:effectLst>
+                  <a:outerShdw blurRad="38100" dist="38100" dir="2700000" algn="tl">
+                    <a:srgbClr val="000000">
+                      <a:alpha val="43137"/>
+                    </a:srgbClr>
+                  </a:outerShdw>
+                </a:effectLst>
+              </a:rPr>
+              <a:t>Diagramme de cas d’utilisation</a:t>
+            </a:r>
+          </a:p>
+        </p:txBody>
+      </p:sp>
+      <p:sp>
+        <p:nvSpPr>
+          <p:cNvPr id="20" name="ZoneTexte 19">
+            <a:extLst>
+              <a:ext uri="{FF2B5EF4-FFF2-40B4-BE49-F238E27FC236}">
+                <a16:creationId xmlns:a16="http://schemas.microsoft.com/office/drawing/2014/main" id="{90436888-4622-4D17-BDDC-5F7FDF384214}"/>
+              </a:ext>
+            </a:extLst>
+          </p:cNvPr>
+          <p:cNvSpPr txBox="1"/>
+          <p:nvPr/>
+        </p:nvSpPr>
+        <p:spPr>
+          <a:xfrm rot="18644952">
+            <a:off x="3424260" y="2094674"/>
+            <a:ext cx="2517595" cy="276999"/>
+          </a:xfrm>
+          <a:prstGeom prst="rect">
+            <a:avLst/>
+          </a:prstGeom>
+          <a:noFill/>
+        </p:spPr>
+        <p:txBody>
+          <a:bodyPr wrap="square" rtlCol="0">
+            <a:spAutoFit/>
+          </a:bodyPr>
+          <a:lstStyle/>
+          <a:p>
+            <a:pPr algn="r"/>
+            <a:r>
+              <a:rPr lang="fr-FR" sz="1200" i="1" dirty="0">
+                <a:effectLst>
+                  <a:outerShdw blurRad="38100" dist="38100" dir="2700000" algn="tl">
+                    <a:srgbClr val="000000">
+                      <a:alpha val="43137"/>
+                    </a:srgbClr>
+                  </a:outerShdw>
+                </a:effectLst>
+              </a:rPr>
+              <a:t>Application de supervision</a:t>
+            </a:r>
+          </a:p>
+        </p:txBody>
+      </p:sp>
+      <p:sp>
+        <p:nvSpPr>
+          <p:cNvPr id="21" name="ZoneTexte 20">
+            <a:extLst>
+              <a:ext uri="{FF2B5EF4-FFF2-40B4-BE49-F238E27FC236}">
+                <a16:creationId xmlns:a16="http://schemas.microsoft.com/office/drawing/2014/main" id="{46FB00AC-62B1-4E2D-926A-103C15AB1375}"/>
+              </a:ext>
+            </a:extLst>
+          </p:cNvPr>
+          <p:cNvSpPr txBox="1"/>
+          <p:nvPr/>
+        </p:nvSpPr>
+        <p:spPr>
+          <a:xfrm rot="18644952">
+            <a:off x="5337813" y="2246463"/>
+            <a:ext cx="2517595" cy="276999"/>
+          </a:xfrm>
+          <a:prstGeom prst="rect">
+            <a:avLst/>
+          </a:prstGeom>
+          <a:noFill/>
+        </p:spPr>
+        <p:txBody>
+          <a:bodyPr wrap="square" rtlCol="0">
+            <a:spAutoFit/>
+          </a:bodyPr>
+          <a:lstStyle/>
+          <a:p>
+            <a:pPr algn="r"/>
+            <a:r>
+              <a:rPr lang="fr-FR" sz="1200" i="1" dirty="0">
+                <a:effectLst>
+                  <a:outerShdw blurRad="38100" dist="38100" dir="2700000" algn="tl">
+                    <a:srgbClr val="000000">
+                      <a:alpha val="43137"/>
+                    </a:srgbClr>
+                  </a:outerShdw>
+                </a:effectLst>
+              </a:rPr>
+              <a:t>Diagrammes de séquence</a:t>
+            </a:r>
+          </a:p>
+        </p:txBody>
+      </p:sp>
+      <p:sp>
+        <p:nvSpPr>
+          <p:cNvPr id="22" name="ZoneTexte 21">
+            <a:extLst>
+              <a:ext uri="{FF2B5EF4-FFF2-40B4-BE49-F238E27FC236}">
+                <a16:creationId xmlns:a16="http://schemas.microsoft.com/office/drawing/2014/main" id="{421C534E-9398-4F6C-95A5-6FBC5CD180A6}"/>
+              </a:ext>
+            </a:extLst>
+          </p:cNvPr>
+          <p:cNvSpPr txBox="1"/>
+          <p:nvPr/>
+        </p:nvSpPr>
+        <p:spPr>
+          <a:xfrm rot="18644952">
+            <a:off x="6971401" y="2391188"/>
+            <a:ext cx="2517595" cy="276999"/>
+          </a:xfrm>
+          <a:prstGeom prst="rect">
+            <a:avLst/>
+          </a:prstGeom>
+          <a:noFill/>
+        </p:spPr>
+        <p:txBody>
+          <a:bodyPr wrap="square" rtlCol="0">
+            <a:spAutoFit/>
+          </a:bodyPr>
+          <a:lstStyle/>
+          <a:p>
+            <a:pPr algn="r"/>
+            <a:r>
+              <a:rPr lang="fr-FR" sz="1200" i="1" dirty="0">
+                <a:effectLst>
+                  <a:outerShdw blurRad="38100" dist="38100" dir="2700000" algn="tl">
+                    <a:srgbClr val="000000">
+                      <a:alpha val="43137"/>
+                    </a:srgbClr>
+                  </a:outerShdw>
+                </a:effectLst>
+              </a:rPr>
+              <a:t>Diagramme de classe</a:t>
+            </a:r>
+          </a:p>
+        </p:txBody>
+      </p:sp>
+      <p:sp>
+        <p:nvSpPr>
+          <p:cNvPr id="23" name="ZoneTexte 22">
+            <a:extLst>
+              <a:ext uri="{FF2B5EF4-FFF2-40B4-BE49-F238E27FC236}">
+                <a16:creationId xmlns:a16="http://schemas.microsoft.com/office/drawing/2014/main" id="{46FBF72E-7CE7-433C-81CC-7AF5D1310CBF}"/>
+              </a:ext>
+            </a:extLst>
+          </p:cNvPr>
+          <p:cNvSpPr txBox="1"/>
+          <p:nvPr/>
+        </p:nvSpPr>
+        <p:spPr>
+          <a:xfrm rot="18644952">
+            <a:off x="7506982" y="2600077"/>
+            <a:ext cx="2517595" cy="276999"/>
+          </a:xfrm>
+          <a:prstGeom prst="rect">
+            <a:avLst/>
+          </a:prstGeom>
+          <a:noFill/>
+        </p:spPr>
+        <p:txBody>
+          <a:bodyPr wrap="square" rtlCol="0">
+            <a:spAutoFit/>
+          </a:bodyPr>
+          <a:lstStyle/>
+          <a:p>
+            <a:pPr algn="r"/>
+            <a:r>
+              <a:rPr lang="fr-FR" sz="1200" i="1" dirty="0">
+                <a:effectLst>
+                  <a:outerShdw blurRad="38100" dist="38100" dir="2700000" algn="tl">
+                    <a:srgbClr val="000000">
+                      <a:alpha val="43137"/>
+                    </a:srgbClr>
+                  </a:outerShdw>
+                </a:effectLst>
+              </a:rPr>
+              <a:t>Base de données</a:t>
+            </a:r>
+          </a:p>
+        </p:txBody>
+      </p:sp>
+      <p:sp>
+        <p:nvSpPr>
+          <p:cNvPr id="24" name="ZoneTexte 23">
+            <a:extLst>
+              <a:ext uri="{FF2B5EF4-FFF2-40B4-BE49-F238E27FC236}">
+                <a16:creationId xmlns:a16="http://schemas.microsoft.com/office/drawing/2014/main" id="{15638C6A-2D8D-43F1-B432-3494A6AF6A9F}"/>
+              </a:ext>
+            </a:extLst>
+          </p:cNvPr>
+          <p:cNvSpPr txBox="1"/>
+          <p:nvPr/>
+        </p:nvSpPr>
+        <p:spPr>
+          <a:xfrm rot="18644952">
+            <a:off x="8051358" y="2808967"/>
+            <a:ext cx="2517595" cy="276999"/>
+          </a:xfrm>
+          <a:prstGeom prst="rect">
+            <a:avLst/>
+          </a:prstGeom>
+          <a:noFill/>
+        </p:spPr>
+        <p:txBody>
+          <a:bodyPr wrap="square" rtlCol="0">
+            <a:spAutoFit/>
+          </a:bodyPr>
+          <a:lstStyle/>
+          <a:p>
+            <a:pPr algn="r"/>
+            <a:r>
+              <a:rPr lang="fr-FR" sz="1200" i="1" dirty="0">
+                <a:effectLst>
+                  <a:outerShdw blurRad="38100" dist="38100" dir="2700000" algn="tl">
+                    <a:srgbClr val="000000">
+                      <a:alpha val="43137"/>
+                    </a:srgbClr>
+                  </a:outerShdw>
+                </a:effectLst>
+              </a:rPr>
+              <a:t>Planification</a:t>
+            </a:r>
+          </a:p>
+        </p:txBody>
+      </p:sp>
+      <p:sp>
+        <p:nvSpPr>
+          <p:cNvPr id="25" name="Rectangle : coins arrondis 24">
+            <a:extLst>
+              <a:ext uri="{FF2B5EF4-FFF2-40B4-BE49-F238E27FC236}">
+                <a16:creationId xmlns:a16="http://schemas.microsoft.com/office/drawing/2014/main" id="{E40A7B39-1DFE-4909-A257-7BF66176AFCF}"/>
+              </a:ext>
+            </a:extLst>
+          </p:cNvPr>
+          <p:cNvSpPr/>
+          <p:nvPr/>
+        </p:nvSpPr>
+        <p:spPr>
+          <a:xfrm rot="5400000">
+            <a:off x="803635" y="3138666"/>
+            <a:ext cx="225112" cy="60374"/>
+          </a:xfrm>
+          <a:prstGeom prst="roundRect">
+            <a:avLst>
+              <a:gd name="adj" fmla="val 50000"/>
+            </a:avLst>
+          </a:prstGeom>
+          <a:solidFill>
+            <a:srgbClr val="A31257"/>
+          </a:solidFill>
+          <a:ln>
+            <a:solidFill>
+              <a:srgbClr val="A41258"/>
+            </a:solidFill>
+          </a:ln>
+        </p:spPr>
+        <p:style>
+          <a:lnRef idx="2">
+            <a:schemeClr val="accent1">
+              <a:shade val="50000"/>
+            </a:schemeClr>
+          </a:lnRef>
+          <a:fillRef idx="1">
+            <a:schemeClr val="accent1"/>
+          </a:fillRef>
+          <a:effectRef idx="0">
+            <a:schemeClr val="accent1"/>
+          </a:effectRef>
+          <a:fontRef idx="minor">
+            <a:schemeClr val="lt1"/>
+          </a:fontRef>
+        </p:style>
+        <p:txBody>
+          <a:bodyPr rtlCol="0" anchor="ctr"/>
+          <a:lstStyle/>
+          <a:p>
+            <a:pPr algn="ctr"/>
+            <a:endParaRPr lang="fr-FR"/>
+          </a:p>
+        </p:txBody>
+      </p:sp>
+      <p:sp>
+        <p:nvSpPr>
+          <p:cNvPr id="26" name="Rectangle : coins arrondis 25">
+            <a:extLst>
+              <a:ext uri="{FF2B5EF4-FFF2-40B4-BE49-F238E27FC236}">
+                <a16:creationId xmlns:a16="http://schemas.microsoft.com/office/drawing/2014/main" id="{988A0DE9-C1D4-4F62-95D3-4E56B5CB1BA7}"/>
+              </a:ext>
+            </a:extLst>
+          </p:cNvPr>
+          <p:cNvSpPr/>
+          <p:nvPr/>
+        </p:nvSpPr>
+        <p:spPr>
+          <a:xfrm rot="5400000">
+            <a:off x="1126275" y="3145875"/>
+            <a:ext cx="225112" cy="60374"/>
+          </a:xfrm>
+          <a:prstGeom prst="roundRect">
+            <a:avLst>
+              <a:gd name="adj" fmla="val 50000"/>
+            </a:avLst>
+          </a:prstGeom>
+          <a:solidFill>
+            <a:srgbClr val="A31257"/>
+          </a:solidFill>
+          <a:ln>
+            <a:solidFill>
+              <a:srgbClr val="A41258"/>
+            </a:solidFill>
+          </a:ln>
+        </p:spPr>
+        <p:style>
+          <a:lnRef idx="2">
+            <a:schemeClr val="accent1">
+              <a:shade val="50000"/>
+            </a:schemeClr>
+          </a:lnRef>
+          <a:fillRef idx="1">
+            <a:schemeClr val="accent1"/>
+          </a:fillRef>
+          <a:effectRef idx="0">
+            <a:schemeClr val="accent1"/>
+          </a:effectRef>
+          <a:fontRef idx="minor">
+            <a:schemeClr val="lt1"/>
+          </a:fontRef>
+        </p:style>
+        <p:txBody>
+          <a:bodyPr rtlCol="0" anchor="ctr"/>
+          <a:lstStyle/>
+          <a:p>
+            <a:pPr algn="ctr"/>
+            <a:endParaRPr lang="fr-FR"/>
+          </a:p>
+        </p:txBody>
+      </p:sp>
+      <p:sp>
+        <p:nvSpPr>
+          <p:cNvPr id="27" name="Rectangle : coins arrondis 26">
+            <a:extLst>
+              <a:ext uri="{FF2B5EF4-FFF2-40B4-BE49-F238E27FC236}">
+                <a16:creationId xmlns:a16="http://schemas.microsoft.com/office/drawing/2014/main" id="{008445F2-B9BE-4329-B9E4-3003A41ED0DB}"/>
+              </a:ext>
+            </a:extLst>
+          </p:cNvPr>
+          <p:cNvSpPr/>
+          <p:nvPr/>
+        </p:nvSpPr>
+        <p:spPr>
+          <a:xfrm rot="5400000">
+            <a:off x="1430815" y="3138666"/>
+            <a:ext cx="225112" cy="60374"/>
+          </a:xfrm>
+          <a:prstGeom prst="roundRect">
+            <a:avLst>
+              <a:gd name="adj" fmla="val 50000"/>
+            </a:avLst>
+          </a:prstGeom>
+          <a:solidFill>
+            <a:srgbClr val="A31257"/>
+          </a:solidFill>
+          <a:ln>
+            <a:solidFill>
+              <a:srgbClr val="A41258"/>
+            </a:solidFill>
+          </a:ln>
+        </p:spPr>
+        <p:style>
+          <a:lnRef idx="2">
+            <a:schemeClr val="accent1">
+              <a:shade val="50000"/>
+            </a:schemeClr>
+          </a:lnRef>
+          <a:fillRef idx="1">
+            <a:schemeClr val="accent1"/>
+          </a:fillRef>
+          <a:effectRef idx="0">
+            <a:schemeClr val="accent1"/>
+          </a:effectRef>
+          <a:fontRef idx="minor">
+            <a:schemeClr val="lt1"/>
+          </a:fontRef>
+        </p:style>
+        <p:txBody>
+          <a:bodyPr rtlCol="0" anchor="ctr"/>
+          <a:lstStyle/>
+          <a:p>
+            <a:pPr algn="ctr"/>
+            <a:endParaRPr lang="fr-FR"/>
+          </a:p>
+        </p:txBody>
+      </p:sp>
+      <p:sp>
+        <p:nvSpPr>
+          <p:cNvPr id="28" name="Rectangle : coins arrondis 27">
+            <a:extLst>
+              <a:ext uri="{FF2B5EF4-FFF2-40B4-BE49-F238E27FC236}">
+                <a16:creationId xmlns:a16="http://schemas.microsoft.com/office/drawing/2014/main" id="{8F4768E7-B68F-4CB1-8269-694759F832F0}"/>
+              </a:ext>
+            </a:extLst>
+          </p:cNvPr>
+          <p:cNvSpPr/>
+          <p:nvPr/>
+        </p:nvSpPr>
+        <p:spPr>
+          <a:xfrm rot="5400000">
+            <a:off x="4822439" y="3138666"/>
+            <a:ext cx="225112" cy="60374"/>
+          </a:xfrm>
+          <a:prstGeom prst="roundRect">
+            <a:avLst>
+              <a:gd name="adj" fmla="val 50000"/>
+            </a:avLst>
+          </a:prstGeom>
+          <a:solidFill>
+            <a:srgbClr val="A31257"/>
+          </a:solidFill>
+          <a:ln>
+            <a:solidFill>
+              <a:srgbClr val="A41258"/>
+            </a:solidFill>
+          </a:ln>
+        </p:spPr>
+        <p:style>
+          <a:lnRef idx="2">
+            <a:schemeClr val="accent1">
+              <a:shade val="50000"/>
+            </a:schemeClr>
+          </a:lnRef>
+          <a:fillRef idx="1">
+            <a:schemeClr val="accent1"/>
+          </a:fillRef>
+          <a:effectRef idx="0">
+            <a:schemeClr val="accent1"/>
+          </a:effectRef>
+          <a:fontRef idx="minor">
+            <a:schemeClr val="lt1"/>
+          </a:fontRef>
+        </p:style>
+        <p:txBody>
+          <a:bodyPr rtlCol="0" anchor="ctr"/>
+          <a:lstStyle/>
+          <a:p>
+            <a:pPr algn="ctr"/>
+            <a:endParaRPr lang="fr-FR"/>
+          </a:p>
+        </p:txBody>
+      </p:sp>
+      <p:sp>
+        <p:nvSpPr>
+          <p:cNvPr id="29" name="Rectangle : coins arrondis 28">
+            <a:extLst>
+              <a:ext uri="{FF2B5EF4-FFF2-40B4-BE49-F238E27FC236}">
+                <a16:creationId xmlns:a16="http://schemas.microsoft.com/office/drawing/2014/main" id="{7FDF38AB-C3CC-4D89-AB86-2DE47B769B25}"/>
+              </a:ext>
+            </a:extLst>
+          </p:cNvPr>
+          <p:cNvSpPr/>
+          <p:nvPr/>
+        </p:nvSpPr>
+        <p:spPr>
+          <a:xfrm rot="5400000">
+            <a:off x="5145079" y="3145875"/>
+            <a:ext cx="225112" cy="60374"/>
+          </a:xfrm>
+          <a:prstGeom prst="roundRect">
+            <a:avLst>
+              <a:gd name="adj" fmla="val 50000"/>
+            </a:avLst>
+          </a:prstGeom>
+          <a:solidFill>
+            <a:srgbClr val="A31257"/>
+          </a:solidFill>
+          <a:ln>
+            <a:solidFill>
+              <a:srgbClr val="A41258"/>
+            </a:solidFill>
+          </a:ln>
+        </p:spPr>
+        <p:style>
+          <a:lnRef idx="2">
+            <a:schemeClr val="accent1">
+              <a:shade val="50000"/>
+            </a:schemeClr>
+          </a:lnRef>
+          <a:fillRef idx="1">
+            <a:schemeClr val="accent1"/>
+          </a:fillRef>
+          <a:effectRef idx="0">
+            <a:schemeClr val="accent1"/>
+          </a:effectRef>
+          <a:fontRef idx="minor">
+            <a:schemeClr val="lt1"/>
+          </a:fontRef>
+        </p:style>
+        <p:txBody>
+          <a:bodyPr rtlCol="0" anchor="ctr"/>
+          <a:lstStyle/>
+          <a:p>
+            <a:pPr algn="ctr"/>
+            <a:endParaRPr lang="fr-FR"/>
+          </a:p>
+        </p:txBody>
+      </p:sp>
+      <p:sp>
+        <p:nvSpPr>
+          <p:cNvPr id="30" name="Rectangle : coins arrondis 29">
+            <a:extLst>
+              <a:ext uri="{FF2B5EF4-FFF2-40B4-BE49-F238E27FC236}">
+                <a16:creationId xmlns:a16="http://schemas.microsoft.com/office/drawing/2014/main" id="{43D8F1FC-B261-477C-ADF1-6B4F891A4293}"/>
+              </a:ext>
+            </a:extLst>
+          </p:cNvPr>
+          <p:cNvSpPr/>
+          <p:nvPr/>
+        </p:nvSpPr>
+        <p:spPr>
+          <a:xfrm rot="5400000">
+            <a:off x="5449619" y="3138666"/>
+            <a:ext cx="225112" cy="60374"/>
+          </a:xfrm>
+          <a:prstGeom prst="roundRect">
+            <a:avLst>
+              <a:gd name="adj" fmla="val 50000"/>
+            </a:avLst>
+          </a:prstGeom>
+          <a:solidFill>
+            <a:srgbClr val="A31257"/>
+          </a:solidFill>
+          <a:ln>
+            <a:solidFill>
+              <a:srgbClr val="A41258"/>
+            </a:solidFill>
+          </a:ln>
+        </p:spPr>
+        <p:style>
+          <a:lnRef idx="2">
+            <a:schemeClr val="accent1">
+              <a:shade val="50000"/>
+            </a:schemeClr>
+          </a:lnRef>
+          <a:fillRef idx="1">
+            <a:schemeClr val="accent1"/>
+          </a:fillRef>
+          <a:effectRef idx="0">
+            <a:schemeClr val="accent1"/>
+          </a:effectRef>
+          <a:fontRef idx="minor">
+            <a:schemeClr val="lt1"/>
+          </a:fontRef>
+        </p:style>
+        <p:txBody>
+          <a:bodyPr rtlCol="0" anchor="ctr"/>
+          <a:lstStyle/>
+          <a:p>
+            <a:pPr algn="ctr"/>
+            <a:endParaRPr lang="fr-FR"/>
+          </a:p>
+        </p:txBody>
+      </p:sp>
+      <p:sp>
+        <p:nvSpPr>
+          <p:cNvPr id="31" name="Rectangle : coins arrondis 30">
+            <a:extLst>
+              <a:ext uri="{FF2B5EF4-FFF2-40B4-BE49-F238E27FC236}">
+                <a16:creationId xmlns:a16="http://schemas.microsoft.com/office/drawing/2014/main" id="{BFB4C96A-CAE8-4A17-9261-15A69EF5A0EF}"/>
+              </a:ext>
+            </a:extLst>
+          </p:cNvPr>
+          <p:cNvSpPr/>
+          <p:nvPr/>
+        </p:nvSpPr>
+        <p:spPr>
+          <a:xfrm rot="5400000">
+            <a:off x="6732291" y="3134469"/>
+            <a:ext cx="225112" cy="60374"/>
+          </a:xfrm>
+          <a:prstGeom prst="roundRect">
+            <a:avLst>
+              <a:gd name="adj" fmla="val 50000"/>
+            </a:avLst>
+          </a:prstGeom>
+          <a:solidFill>
+            <a:srgbClr val="A31257"/>
+          </a:solidFill>
+          <a:ln>
+            <a:solidFill>
+              <a:srgbClr val="A41258"/>
+            </a:solidFill>
+          </a:ln>
+        </p:spPr>
+        <p:style>
+          <a:lnRef idx="2">
+            <a:schemeClr val="accent1">
+              <a:shade val="50000"/>
+            </a:schemeClr>
+          </a:lnRef>
+          <a:fillRef idx="1">
+            <a:schemeClr val="accent1"/>
+          </a:fillRef>
+          <a:effectRef idx="0">
+            <a:schemeClr val="accent1"/>
+          </a:effectRef>
+          <a:fontRef idx="minor">
+            <a:schemeClr val="lt1"/>
+          </a:fontRef>
+        </p:style>
+        <p:txBody>
+          <a:bodyPr rtlCol="0" anchor="ctr"/>
+          <a:lstStyle/>
+          <a:p>
+            <a:pPr algn="ctr"/>
+            <a:endParaRPr lang="fr-FR"/>
+          </a:p>
+        </p:txBody>
+      </p:sp>
+      <p:sp>
+        <p:nvSpPr>
+          <p:cNvPr id="32" name="Rectangle : coins arrondis 31">
+            <a:extLst>
+              <a:ext uri="{FF2B5EF4-FFF2-40B4-BE49-F238E27FC236}">
+                <a16:creationId xmlns:a16="http://schemas.microsoft.com/office/drawing/2014/main" id="{F18BA096-590B-471B-9E40-DC3BE480D47A}"/>
+              </a:ext>
+            </a:extLst>
+          </p:cNvPr>
+          <p:cNvSpPr/>
+          <p:nvPr/>
+        </p:nvSpPr>
+        <p:spPr>
+          <a:xfrm rot="5400000">
+            <a:off x="7054931" y="3141678"/>
+            <a:ext cx="225112" cy="60374"/>
+          </a:xfrm>
+          <a:prstGeom prst="roundRect">
+            <a:avLst>
+              <a:gd name="adj" fmla="val 50000"/>
+            </a:avLst>
+          </a:prstGeom>
+          <a:solidFill>
+            <a:srgbClr val="A31257"/>
+          </a:solidFill>
+          <a:ln>
+            <a:solidFill>
+              <a:srgbClr val="A41258"/>
+            </a:solidFill>
+          </a:ln>
+        </p:spPr>
+        <p:style>
+          <a:lnRef idx="2">
+            <a:schemeClr val="accent1">
+              <a:shade val="50000"/>
+            </a:schemeClr>
+          </a:lnRef>
+          <a:fillRef idx="1">
+            <a:schemeClr val="accent1"/>
+          </a:fillRef>
+          <a:effectRef idx="0">
+            <a:schemeClr val="accent1"/>
+          </a:effectRef>
+          <a:fontRef idx="minor">
+            <a:schemeClr val="lt1"/>
+          </a:fontRef>
+        </p:style>
+        <p:txBody>
+          <a:bodyPr rtlCol="0" anchor="ctr"/>
+          <a:lstStyle/>
+          <a:p>
+            <a:pPr algn="ctr"/>
+            <a:endParaRPr lang="fr-FR"/>
+          </a:p>
+        </p:txBody>
+      </p:sp>
+      <p:sp>
+        <p:nvSpPr>
+          <p:cNvPr id="33" name="Rectangle : coins arrondis 32">
+            <a:extLst>
+              <a:ext uri="{FF2B5EF4-FFF2-40B4-BE49-F238E27FC236}">
+                <a16:creationId xmlns:a16="http://schemas.microsoft.com/office/drawing/2014/main" id="{69225A1E-68A1-423E-87FC-ECB494C9AC47}"/>
+              </a:ext>
+            </a:extLst>
+          </p:cNvPr>
+          <p:cNvSpPr/>
+          <p:nvPr/>
+        </p:nvSpPr>
+        <p:spPr>
+          <a:xfrm rot="5400000">
+            <a:off x="7359471" y="3134469"/>
+            <a:ext cx="225112" cy="60374"/>
+          </a:xfrm>
+          <a:prstGeom prst="roundRect">
+            <a:avLst>
+              <a:gd name="adj" fmla="val 50000"/>
+            </a:avLst>
+          </a:prstGeom>
+          <a:solidFill>
+            <a:srgbClr val="A31257"/>
+          </a:solidFill>
+          <a:ln>
+            <a:solidFill>
+              <a:srgbClr val="A41258"/>
+            </a:solidFill>
+          </a:ln>
+        </p:spPr>
+        <p:style>
+          <a:lnRef idx="2">
+            <a:schemeClr val="accent1">
+              <a:shade val="50000"/>
+            </a:schemeClr>
+          </a:lnRef>
+          <a:fillRef idx="1">
+            <a:schemeClr val="accent1"/>
+          </a:fillRef>
+          <a:effectRef idx="0">
+            <a:schemeClr val="accent1"/>
+          </a:effectRef>
+          <a:fontRef idx="minor">
+            <a:schemeClr val="lt1"/>
+          </a:fontRef>
+        </p:style>
+        <p:txBody>
+          <a:bodyPr rtlCol="0" anchor="ctr"/>
+          <a:lstStyle/>
+          <a:p>
+            <a:pPr algn="ctr"/>
+            <a:endParaRPr lang="fr-FR"/>
+          </a:p>
+        </p:txBody>
+      </p:sp>
+      <p:sp>
+        <p:nvSpPr>
+          <p:cNvPr id="34" name="ZoneTexte 33">
+            <a:extLst>
+              <a:ext uri="{FF2B5EF4-FFF2-40B4-BE49-F238E27FC236}">
+                <a16:creationId xmlns:a16="http://schemas.microsoft.com/office/drawing/2014/main" id="{405B3035-371C-4E70-9A0C-FFF664E12156}"/>
+              </a:ext>
+            </a:extLst>
+          </p:cNvPr>
+          <p:cNvSpPr txBox="1"/>
+          <p:nvPr/>
+        </p:nvSpPr>
+        <p:spPr>
+          <a:xfrm rot="18665530">
+            <a:off x="-183780" y="3648926"/>
+            <a:ext cx="1259752" cy="276999"/>
+          </a:xfrm>
+          <a:prstGeom prst="rect">
+            <a:avLst/>
+          </a:prstGeom>
+          <a:noFill/>
+        </p:spPr>
+        <p:txBody>
+          <a:bodyPr wrap="square" rtlCol="0">
+            <a:spAutoFit/>
+          </a:bodyPr>
+          <a:lstStyle/>
+          <a:p>
+            <a:pPr algn="r"/>
+            <a:r>
+              <a:rPr lang="fr-FR" sz="1200" i="1" dirty="0">
+                <a:effectLst>
+                  <a:outerShdw blurRad="38100" dist="38100" dir="2700000" algn="tl">
+                    <a:srgbClr val="000000">
+                      <a:alpha val="43137"/>
+                    </a:srgbClr>
+                  </a:outerShdw>
+                </a:effectLst>
+              </a:rPr>
+              <a:t>Schéma global</a:t>
+            </a:r>
+          </a:p>
+        </p:txBody>
+      </p:sp>
+      <p:sp>
+        <p:nvSpPr>
+          <p:cNvPr id="35" name="ZoneTexte 34">
+            <a:extLst>
+              <a:ext uri="{FF2B5EF4-FFF2-40B4-BE49-F238E27FC236}">
+                <a16:creationId xmlns:a16="http://schemas.microsoft.com/office/drawing/2014/main" id="{1DC01E82-8C40-44D5-9F47-5BC6F6FA2D3C}"/>
+              </a:ext>
+            </a:extLst>
+          </p:cNvPr>
+          <p:cNvSpPr txBox="1"/>
+          <p:nvPr/>
+        </p:nvSpPr>
+        <p:spPr>
+          <a:xfrm rot="18665530">
+            <a:off x="-176770" y="3822382"/>
+            <a:ext cx="1732827" cy="276999"/>
+          </a:xfrm>
+          <a:prstGeom prst="rect">
+            <a:avLst/>
+          </a:prstGeom>
+          <a:noFill/>
+        </p:spPr>
+        <p:txBody>
+          <a:bodyPr wrap="square" rtlCol="0">
+            <a:spAutoFit/>
+          </a:bodyPr>
+          <a:lstStyle/>
+          <a:p>
+            <a:pPr algn="r"/>
+            <a:r>
+              <a:rPr lang="fr-FR" sz="1200" i="1" dirty="0">
+                <a:effectLst>
+                  <a:outerShdw blurRad="38100" dist="38100" dir="2700000" algn="tl">
+                    <a:srgbClr val="000000">
+                      <a:alpha val="43137"/>
+                    </a:srgbClr>
+                  </a:outerShdw>
+                </a:effectLst>
+              </a:rPr>
+              <a:t>Schéma personnalisé</a:t>
+            </a:r>
+          </a:p>
+        </p:txBody>
+      </p:sp>
+      <p:sp>
+        <p:nvSpPr>
+          <p:cNvPr id="36" name="ZoneTexte 35">
+            <a:extLst>
+              <a:ext uri="{FF2B5EF4-FFF2-40B4-BE49-F238E27FC236}">
+                <a16:creationId xmlns:a16="http://schemas.microsoft.com/office/drawing/2014/main" id="{7B3A7607-4394-4760-842D-452207886078}"/>
+              </a:ext>
+            </a:extLst>
+          </p:cNvPr>
+          <p:cNvSpPr txBox="1"/>
+          <p:nvPr/>
+        </p:nvSpPr>
+        <p:spPr>
+          <a:xfrm rot="18665530">
+            <a:off x="182030" y="3842762"/>
+            <a:ext cx="1732827" cy="276999"/>
+          </a:xfrm>
+          <a:prstGeom prst="rect">
+            <a:avLst/>
+          </a:prstGeom>
+          <a:noFill/>
+        </p:spPr>
+        <p:txBody>
+          <a:bodyPr wrap="square" rtlCol="0">
+            <a:spAutoFit/>
+          </a:bodyPr>
+          <a:lstStyle/>
+          <a:p>
+            <a:pPr algn="r"/>
+            <a:r>
+              <a:rPr lang="fr-FR" sz="1200" i="1" dirty="0">
+                <a:effectLst>
+                  <a:outerShdw blurRad="38100" dist="38100" dir="2700000" algn="tl">
+                    <a:srgbClr val="000000">
+                      <a:alpha val="43137"/>
+                    </a:srgbClr>
+                  </a:outerShdw>
+                </a:effectLst>
+              </a:rPr>
               <a:t>Tâches personnelles</a:t>
             </a:r>
           </a:p>
-          <a:p>
-            <a:pPr marL="285750" indent="-285750">
-              <a:buFontTx/>
-              <a:buChar char="-"/>
-            </a:pPr>
-            <a:r>
-              <a:rPr lang="fr-FR" dirty="0"/>
-              <a:t>Diagramme de cas d’utilisation</a:t>
-            </a:r>
-          </a:p>
-          <a:p>
-            <a:pPr marL="285750" indent="-285750">
-              <a:buFontTx/>
-              <a:buChar char="-"/>
-            </a:pPr>
-            <a:r>
-              <a:rPr lang="fr-FR" dirty="0"/>
-              <a:t>Diagrammes de séquences : </a:t>
-            </a:r>
-            <a:r>
-              <a:rPr lang="fr-FR" dirty="0" err="1"/>
-              <a:t>a</a:t>
-            </a:r>
-            <a:r>
-              <a:rPr lang="fr-FR" dirty="0"/>
-              <a:t> compléter…</a:t>
-            </a:r>
-          </a:p>
-          <a:p>
-            <a:pPr marL="285750" indent="-285750">
-              <a:buFontTx/>
-              <a:buChar char="-"/>
-            </a:pPr>
-            <a:r>
-              <a:rPr lang="fr-FR" dirty="0"/>
-              <a:t>Schéma du réseau</a:t>
-            </a:r>
-          </a:p>
-          <a:p>
-            <a:pPr marL="285750" indent="-285750">
-              <a:buFontTx/>
-              <a:buChar char="-"/>
-            </a:pPr>
-            <a:endParaRPr lang="fr-FR" dirty="0"/>
-          </a:p>
-          <a:p>
-            <a:pPr marL="285750" indent="-285750">
-              <a:buFontTx/>
-              <a:buChar char="-"/>
-            </a:pPr>
-            <a:endParaRPr lang="fr-FR" dirty="0"/>
+        </p:txBody>
+      </p:sp>
+      <p:sp>
+        <p:nvSpPr>
+          <p:cNvPr id="37" name="ZoneTexte 36">
+            <a:extLst>
+              <a:ext uri="{FF2B5EF4-FFF2-40B4-BE49-F238E27FC236}">
+                <a16:creationId xmlns:a16="http://schemas.microsoft.com/office/drawing/2014/main" id="{60C2F241-55B0-454A-BFA8-04D0CC07A8F8}"/>
+              </a:ext>
+            </a:extLst>
+          </p:cNvPr>
+          <p:cNvSpPr txBox="1"/>
+          <p:nvPr/>
+        </p:nvSpPr>
+        <p:spPr>
+          <a:xfrm rot="18665530">
+            <a:off x="3548758" y="3807116"/>
+            <a:ext cx="1732827" cy="276999"/>
+          </a:xfrm>
+          <a:prstGeom prst="rect">
+            <a:avLst/>
+          </a:prstGeom>
+          <a:noFill/>
+        </p:spPr>
+        <p:txBody>
+          <a:bodyPr wrap="square" rtlCol="0">
+            <a:spAutoFit/>
+          </a:bodyPr>
+          <a:lstStyle/>
+          <a:p>
+            <a:pPr algn="r"/>
+            <a:r>
+              <a:rPr lang="fr-FR" sz="1200" i="1" dirty="0">
+                <a:effectLst>
+                  <a:outerShdw blurRad="38100" dist="38100" dir="2700000" algn="tl">
+                    <a:srgbClr val="000000">
+                      <a:alpha val="43137"/>
+                    </a:srgbClr>
+                  </a:outerShdw>
+                </a:effectLst>
+              </a:rPr>
+              <a:t>Lancer une partie</a:t>
+            </a:r>
+          </a:p>
+        </p:txBody>
+      </p:sp>
+      <p:sp>
+        <p:nvSpPr>
+          <p:cNvPr id="38" name="ZoneTexte 37">
+            <a:extLst>
+              <a:ext uri="{FF2B5EF4-FFF2-40B4-BE49-F238E27FC236}">
+                <a16:creationId xmlns:a16="http://schemas.microsoft.com/office/drawing/2014/main" id="{006FF268-7134-4DEF-8BFB-B9B089526AF3}"/>
+              </a:ext>
+            </a:extLst>
+          </p:cNvPr>
+          <p:cNvSpPr txBox="1"/>
+          <p:nvPr/>
+        </p:nvSpPr>
+        <p:spPr>
+          <a:xfrm rot="18665530">
+            <a:off x="3896116" y="3842762"/>
+            <a:ext cx="1732827" cy="276999"/>
+          </a:xfrm>
+          <a:prstGeom prst="rect">
+            <a:avLst/>
+          </a:prstGeom>
+          <a:noFill/>
+        </p:spPr>
+        <p:txBody>
+          <a:bodyPr wrap="square" rtlCol="0">
+            <a:spAutoFit/>
+          </a:bodyPr>
+          <a:lstStyle/>
+          <a:p>
+            <a:pPr algn="r"/>
+            <a:r>
+              <a:rPr lang="fr-FR" sz="1200" i="1" dirty="0">
+                <a:effectLst>
+                  <a:outerShdw blurRad="38100" dist="38100" dir="2700000" algn="tl">
+                    <a:srgbClr val="000000">
+                      <a:alpha val="43137"/>
+                    </a:srgbClr>
+                  </a:outerShdw>
+                </a:effectLst>
+              </a:rPr>
+              <a:t>Superviser</a:t>
+            </a:r>
+          </a:p>
+        </p:txBody>
+      </p:sp>
+      <p:sp>
+        <p:nvSpPr>
+          <p:cNvPr id="39" name="ZoneTexte 38">
+            <a:extLst>
+              <a:ext uri="{FF2B5EF4-FFF2-40B4-BE49-F238E27FC236}">
+                <a16:creationId xmlns:a16="http://schemas.microsoft.com/office/drawing/2014/main" id="{4B2A3D48-8C46-4A1E-8C3B-722A1DAB5F92}"/>
+              </a:ext>
+            </a:extLst>
+          </p:cNvPr>
+          <p:cNvSpPr txBox="1"/>
+          <p:nvPr/>
+        </p:nvSpPr>
+        <p:spPr>
+          <a:xfrm rot="18665530">
+            <a:off x="4260226" y="3822382"/>
+            <a:ext cx="1732827" cy="276999"/>
+          </a:xfrm>
+          <a:prstGeom prst="rect">
+            <a:avLst/>
+          </a:prstGeom>
+          <a:noFill/>
+        </p:spPr>
+        <p:txBody>
+          <a:bodyPr wrap="square" rtlCol="0">
+            <a:spAutoFit/>
+          </a:bodyPr>
+          <a:lstStyle/>
+          <a:p>
+            <a:pPr algn="r"/>
+            <a:r>
+              <a:rPr lang="fr-FR" sz="1200" i="1" dirty="0">
+                <a:effectLst>
+                  <a:outerShdw blurRad="38100" dist="38100" dir="2700000" algn="tl">
+                    <a:srgbClr val="000000">
+                      <a:alpha val="43137"/>
+                    </a:srgbClr>
+                  </a:outerShdw>
+                </a:effectLst>
+              </a:rPr>
+              <a:t>Envoi d’indice / Fin</a:t>
+            </a:r>
+          </a:p>
+        </p:txBody>
+      </p:sp>
+      <p:sp>
+        <p:nvSpPr>
+          <p:cNvPr id="40" name="ZoneTexte 39">
+            <a:extLst>
+              <a:ext uri="{FF2B5EF4-FFF2-40B4-BE49-F238E27FC236}">
+                <a16:creationId xmlns:a16="http://schemas.microsoft.com/office/drawing/2014/main" id="{640E99BC-DFE5-44DD-9E5F-242734587379}"/>
+              </a:ext>
+            </a:extLst>
+          </p:cNvPr>
+          <p:cNvSpPr txBox="1"/>
+          <p:nvPr/>
+        </p:nvSpPr>
+        <p:spPr>
+          <a:xfrm rot="18665530">
+            <a:off x="5277727" y="3865859"/>
+            <a:ext cx="1919933" cy="276999"/>
+          </a:xfrm>
+          <a:prstGeom prst="rect">
+            <a:avLst/>
+          </a:prstGeom>
+          <a:noFill/>
+        </p:spPr>
+        <p:txBody>
+          <a:bodyPr wrap="square" rtlCol="0">
+            <a:spAutoFit/>
+          </a:bodyPr>
+          <a:lstStyle/>
+          <a:p>
+            <a:pPr algn="r"/>
+            <a:r>
+              <a:rPr lang="fr-FR" sz="1200" i="1" dirty="0">
+                <a:effectLst>
+                  <a:outerShdw blurRad="38100" dist="38100" dir="2700000" algn="tl">
+                    <a:srgbClr val="000000">
+                      <a:alpha val="43137"/>
+                    </a:srgbClr>
+                  </a:outerShdw>
+                </a:effectLst>
+              </a:rPr>
+              <a:t>Lancement d’une partie</a:t>
+            </a:r>
+          </a:p>
+        </p:txBody>
+      </p:sp>
+      <p:sp>
+        <p:nvSpPr>
+          <p:cNvPr id="41" name="ZoneTexte 40">
+            <a:extLst>
+              <a:ext uri="{FF2B5EF4-FFF2-40B4-BE49-F238E27FC236}">
+                <a16:creationId xmlns:a16="http://schemas.microsoft.com/office/drawing/2014/main" id="{D8CF9CA7-E62E-4EFA-819F-996CF6066C45}"/>
+              </a:ext>
+            </a:extLst>
+          </p:cNvPr>
+          <p:cNvSpPr txBox="1"/>
+          <p:nvPr/>
+        </p:nvSpPr>
+        <p:spPr>
+          <a:xfrm rot="18665530">
+            <a:off x="5632931" y="3865858"/>
+            <a:ext cx="1919933" cy="276999"/>
+          </a:xfrm>
+          <a:prstGeom prst="rect">
+            <a:avLst/>
+          </a:prstGeom>
+          <a:noFill/>
+        </p:spPr>
+        <p:txBody>
+          <a:bodyPr wrap="square" rtlCol="0">
+            <a:spAutoFit/>
+          </a:bodyPr>
+          <a:lstStyle/>
+          <a:p>
+            <a:pPr algn="r"/>
+            <a:r>
+              <a:rPr lang="fr-FR" sz="1200" i="1" dirty="0">
+                <a:effectLst>
+                  <a:outerShdw blurRad="38100" dist="38100" dir="2700000" algn="tl">
+                    <a:srgbClr val="000000">
+                      <a:alpha val="43137"/>
+                    </a:srgbClr>
+                  </a:outerShdw>
+                </a:effectLst>
+              </a:rPr>
+              <a:t>Envoi d’un message</a:t>
+            </a:r>
+          </a:p>
+        </p:txBody>
+      </p:sp>
+      <p:sp>
+        <p:nvSpPr>
+          <p:cNvPr id="42" name="ZoneTexte 41">
+            <a:extLst>
+              <a:ext uri="{FF2B5EF4-FFF2-40B4-BE49-F238E27FC236}">
+                <a16:creationId xmlns:a16="http://schemas.microsoft.com/office/drawing/2014/main" id="{7EBF6F4B-B2EB-43C3-AE70-1E2CE6137BF7}"/>
+              </a:ext>
+            </a:extLst>
+          </p:cNvPr>
+          <p:cNvSpPr txBox="1"/>
+          <p:nvPr/>
+        </p:nvSpPr>
+        <p:spPr>
+          <a:xfrm rot="18665530">
+            <a:off x="5943379" y="3877623"/>
+            <a:ext cx="1919933" cy="276999"/>
+          </a:xfrm>
+          <a:prstGeom prst="rect">
+            <a:avLst/>
+          </a:prstGeom>
+          <a:noFill/>
+        </p:spPr>
+        <p:txBody>
+          <a:bodyPr wrap="square" rtlCol="0">
+            <a:spAutoFit/>
+          </a:bodyPr>
+          <a:lstStyle/>
+          <a:p>
+            <a:pPr algn="r"/>
+            <a:r>
+              <a:rPr lang="fr-FR" sz="1200" i="1" dirty="0">
+                <a:effectLst>
+                  <a:outerShdw blurRad="38100" dist="38100" dir="2700000" algn="tl">
+                    <a:srgbClr val="000000">
+                      <a:alpha val="43137"/>
+                    </a:srgbClr>
+                  </a:outerShdw>
+                </a:effectLst>
+              </a:rPr>
+              <a:t>Fin de la partie</a:t>
+            </a:r>
           </a:p>
         </p:txBody>
       </p:sp>
@@ -31775,7 +33502,7 @@
         </p:nvSpPr>
         <p:spPr>
           <a:xfrm>
-            <a:off x="9865580" y="164391"/>
+            <a:off x="9863775" y="181652"/>
             <a:ext cx="1874223" cy="261610"/>
           </a:xfrm>
           <a:prstGeom prst="rect">
@@ -33048,9 +34775,9 @@
     <a:masterClrMapping/>
   </p:clrMapOvr>
   <mc:AlternateContent xmlns:mc="http://schemas.openxmlformats.org/markup-compatibility/2006">
-    <mc:Choice xmlns:p159="http://schemas.microsoft.com/office/powerpoint/2015/09/main" Requires="p159">
-      <p:transition xmlns:p14="http://schemas.microsoft.com/office/powerpoint/2010/main" spd="slow" p14:dur="2000">
-        <p159:morph option="byObject"/>
+    <mc:Choice xmlns:p14="http://schemas.microsoft.com/office/powerpoint/2010/main" Requires="p14">
+      <p:transition spd="slow" p14:dur="2250">
+        <p14:reveal/>
       </p:transition>
     </mc:Choice>
     <mc:Fallback>
@@ -42692,13 +44419,13 @@
   <p:clrMapOvr>
     <a:masterClrMapping/>
   </p:clrMapOvr>
-  <mc:AlternateContent xmlns:mc="http://schemas.openxmlformats.org/markup-compatibility/2006">
-    <mc:Choice xmlns:p159="http://schemas.microsoft.com/office/powerpoint/2015/09/main" Requires="p159">
+  <mc:AlternateContent xmlns:mc="http://schemas.openxmlformats.org/markup-compatibility/2006" xmlns:p159="http://schemas.microsoft.com/office/powerpoint/2015/09/main">
+    <mc:Choice Requires="p159">
       <p:transition xmlns:p14="http://schemas.microsoft.com/office/powerpoint/2010/main" spd="slow" p14:dur="2000">
         <p159:morph option="byObject"/>
       </p:transition>
     </mc:Choice>
-    <mc:Fallback>
+    <mc:Fallback xmlns="">
       <p:transition spd="slow">
         <p:fade/>
       </p:transition>
@@ -46837,13 +48564,13 @@
   <p:clrMapOvr>
     <a:masterClrMapping/>
   </p:clrMapOvr>
-  <mc:AlternateContent xmlns:mc="http://schemas.openxmlformats.org/markup-compatibility/2006">
-    <mc:Choice xmlns:p159="http://schemas.microsoft.com/office/powerpoint/2015/09/main" Requires="p159">
+  <mc:AlternateContent xmlns:mc="http://schemas.openxmlformats.org/markup-compatibility/2006" xmlns:p159="http://schemas.microsoft.com/office/powerpoint/2015/09/main">
+    <mc:Choice Requires="p159">
       <p:transition xmlns:p14="http://schemas.microsoft.com/office/powerpoint/2010/main" spd="slow" p14:dur="2000">
         <p159:morph option="byObject"/>
       </p:transition>
     </mc:Choice>
-    <mc:Fallback>
+    <mc:Fallback xmlns="">
       <p:transition spd="slow">
         <p:fade/>
       </p:transition>

--- a/Nathan/Compte-rendus/REVUE-R2-GUIGAND-SFL6.pptx
+++ b/Nathan/Compte-rendus/REVUE-R2-GUIGAND-SFL6.pptx
@@ -3974,7 +3974,7 @@
             <a:fld id="{B61BEF0D-F0BB-DE4B-95CE-6DB70DBA9567}" type="datetimeFigureOut">
               <a:rPr lang="en-US" dirty="0"/>
               <a:pPr/>
-              <a:t>3/11/2020</a:t>
+              <a:t>3/12/2020</a:t>
             </a:fld>
             <a:endParaRPr lang="en-US" dirty="0"/>
           </a:p>
@@ -4222,7 +4222,7 @@
             <a:fld id="{B61BEF0D-F0BB-DE4B-95CE-6DB70DBA9567}" type="datetimeFigureOut">
               <a:rPr lang="en-US" dirty="0"/>
               <a:pPr/>
-              <a:t>3/11/2020</a:t>
+              <a:t>3/12/2020</a:t>
             </a:fld>
             <a:endParaRPr lang="en-US" dirty="0"/>
           </a:p>
@@ -4533,7 +4533,7 @@
             <a:fld id="{B61BEF0D-F0BB-DE4B-95CE-6DB70DBA9567}" type="datetimeFigureOut">
               <a:rPr lang="en-US" dirty="0"/>
               <a:pPr/>
-              <a:t>3/11/2020</a:t>
+              <a:t>3/12/2020</a:t>
             </a:fld>
             <a:endParaRPr lang="en-US" dirty="0"/>
           </a:p>
@@ -4871,7 +4871,7 @@
             <a:fld id="{B61BEF0D-F0BB-DE4B-95CE-6DB70DBA9567}" type="datetimeFigureOut">
               <a:rPr lang="en-US" dirty="0"/>
               <a:pPr/>
-              <a:t>3/11/2020</a:t>
+              <a:t>3/12/2020</a:t>
             </a:fld>
             <a:endParaRPr lang="en-US" dirty="0"/>
           </a:p>
@@ -5182,7 +5182,7 @@
             <a:fld id="{B61BEF0D-F0BB-DE4B-95CE-6DB70DBA9567}" type="datetimeFigureOut">
               <a:rPr lang="en-US" dirty="0"/>
               <a:pPr/>
-              <a:t>3/11/2020</a:t>
+              <a:t>3/12/2020</a:t>
             </a:fld>
             <a:endParaRPr lang="en-US" dirty="0"/>
           </a:p>
@@ -5572,7 +5572,7 @@
             <a:fld id="{B61BEF0D-F0BB-DE4B-95CE-6DB70DBA9567}" type="datetimeFigureOut">
               <a:rPr lang="en-US" dirty="0"/>
               <a:pPr/>
-              <a:t>3/11/2020</a:t>
+              <a:t>3/12/2020</a:t>
             </a:fld>
             <a:endParaRPr lang="en-US" dirty="0"/>
           </a:p>
@@ -5738,7 +5738,7 @@
           <a:p>
             <a:fld id="{55C6B4A9-1611-4792-9094-5F34BCA07E0B}" type="datetimeFigureOut">
               <a:rPr lang="en-US" dirty="0"/>
-              <a:t>3/11/2020</a:t>
+              <a:t>3/12/2020</a:t>
             </a:fld>
             <a:endParaRPr lang="en-US" dirty="0"/>
           </a:p>
@@ -5914,7 +5914,7 @@
             <a:fld id="{B61BEF0D-F0BB-DE4B-95CE-6DB70DBA9567}" type="datetimeFigureOut">
               <a:rPr lang="en-US" dirty="0"/>
               <a:pPr/>
-              <a:t>3/11/2020</a:t>
+              <a:t>3/12/2020</a:t>
             </a:fld>
             <a:endParaRPr lang="en-US" dirty="0"/>
           </a:p>
@@ -6087,7 +6087,7 @@
             <a:fld id="{B61BEF0D-F0BB-DE4B-95CE-6DB70DBA9567}" type="datetimeFigureOut">
               <a:rPr lang="en-US" dirty="0"/>
               <a:pPr/>
-              <a:t>3/11/2020</a:t>
+              <a:t>3/12/2020</a:t>
             </a:fld>
             <a:endParaRPr lang="en-US" dirty="0"/>
           </a:p>
@@ -6331,7 +6331,7 @@
             <a:fld id="{B61BEF0D-F0BB-DE4B-95CE-6DB70DBA9567}" type="datetimeFigureOut">
               <a:rPr lang="en-US" dirty="0"/>
               <a:pPr/>
-              <a:t>3/11/2020</a:t>
+              <a:t>3/12/2020</a:t>
             </a:fld>
             <a:endParaRPr lang="en-US" dirty="0"/>
           </a:p>
@@ -6559,7 +6559,7 @@
           <a:p>
             <a:fld id="{EB712588-04B1-427B-82EE-E8DB90309F08}" type="datetimeFigureOut">
               <a:rPr lang="en-US" dirty="0"/>
-              <a:t>3/11/2020</a:t>
+              <a:t>3/12/2020</a:t>
             </a:fld>
             <a:endParaRPr lang="en-US" dirty="0"/>
           </a:p>
@@ -6929,7 +6929,7 @@
             <a:fld id="{B61BEF0D-F0BB-DE4B-95CE-6DB70DBA9567}" type="datetimeFigureOut">
               <a:rPr lang="en-US" dirty="0"/>
               <a:pPr/>
-              <a:t>3/11/2020</a:t>
+              <a:t>3/12/2020</a:t>
             </a:fld>
             <a:endParaRPr lang="en-US" dirty="0"/>
           </a:p>
@@ -7049,7 +7049,7 @@
             <a:fld id="{B61BEF0D-F0BB-DE4B-95CE-6DB70DBA9567}" type="datetimeFigureOut">
               <a:rPr lang="en-US" dirty="0"/>
               <a:pPr/>
-              <a:t>3/11/2020</a:t>
+              <a:t>3/12/2020</a:t>
             </a:fld>
             <a:endParaRPr lang="en-US" dirty="0"/>
           </a:p>
@@ -7141,7 +7141,7 @@
             <a:fld id="{B61BEF0D-F0BB-DE4B-95CE-6DB70DBA9567}" type="datetimeFigureOut">
               <a:rPr lang="en-US" dirty="0"/>
               <a:pPr/>
-              <a:t>3/11/2020</a:t>
+              <a:t>3/12/2020</a:t>
             </a:fld>
             <a:endParaRPr lang="en-US" dirty="0"/>
           </a:p>
@@ -7392,7 +7392,7 @@
           <a:p>
             <a:fld id="{42A54C80-263E-416B-A8E0-580EDEADCBDC}" type="datetimeFigureOut">
               <a:rPr lang="en-US" dirty="0"/>
-              <a:t>3/11/2020</a:t>
+              <a:t>3/12/2020</a:t>
             </a:fld>
             <a:endParaRPr lang="en-US" dirty="0"/>
           </a:p>
@@ -7651,7 +7651,7 @@
             <a:fld id="{B61BEF0D-F0BB-DE4B-95CE-6DB70DBA9567}" type="datetimeFigureOut">
               <a:rPr lang="en-US" dirty="0"/>
               <a:pPr/>
-              <a:t>3/11/2020</a:t>
+              <a:t>3/12/2020</a:t>
             </a:fld>
             <a:endParaRPr lang="en-US" dirty="0"/>
           </a:p>
@@ -8391,7 +8391,7 @@
             <a:fld id="{B61BEF0D-F0BB-DE4B-95CE-6DB70DBA9567}" type="datetimeFigureOut">
               <a:rPr lang="en-US" dirty="0"/>
               <a:pPr/>
-              <a:t>3/11/2020</a:t>
+              <a:t>3/12/2020</a:t>
             </a:fld>
             <a:endParaRPr lang="en-US" dirty="0"/>
           </a:p>
@@ -12088,6 +12088,49 @@
           </a:p>
         </p:txBody>
       </p:sp>
+      <p:sp>
+        <p:nvSpPr>
+          <p:cNvPr id="44" name="ZoneTexte 43">
+            <a:extLst>
+              <a:ext uri="{FF2B5EF4-FFF2-40B4-BE49-F238E27FC236}">
+                <a16:creationId xmlns:a16="http://schemas.microsoft.com/office/drawing/2014/main" id="{46A14747-565A-4189-8050-2B8192696D9B}"/>
+              </a:ext>
+            </a:extLst>
+          </p:cNvPr>
+          <p:cNvSpPr txBox="1"/>
+          <p:nvPr/>
+        </p:nvSpPr>
+        <p:spPr>
+          <a:xfrm>
+            <a:off x="10008111" y="6539577"/>
+            <a:ext cx="481111" cy="369332"/>
+          </a:xfrm>
+          <a:prstGeom prst="rect">
+            <a:avLst/>
+          </a:prstGeom>
+          <a:noFill/>
+        </p:spPr>
+        <p:txBody>
+          <a:bodyPr wrap="square" rtlCol="0">
+            <a:spAutoFit/>
+          </a:bodyPr>
+          <a:lstStyle/>
+          <a:p>
+            <a:r>
+              <a:rPr lang="fr-FR" i="1" dirty="0">
+                <a:effectLst>
+                  <a:outerShdw blurRad="38100" dist="38100" dir="2700000" algn="tl">
+                    <a:srgbClr val="000000">
+                      <a:alpha val="43137"/>
+                    </a:srgbClr>
+                  </a:outerShdw>
+                </a:effectLst>
+              </a:rPr>
+              <a:t>10</a:t>
+            </a:r>
+          </a:p>
+        </p:txBody>
+      </p:sp>
     </p:spTree>
     <p:extLst>
       <p:ext uri="{BB962C8B-B14F-4D97-AF65-F5344CB8AC3E}">
@@ -14203,6 +14246,49 @@
           <a:p>
             <a:pPr algn="ctr"/>
             <a:endParaRPr lang="fr-FR" dirty="0"/>
+          </a:p>
+        </p:txBody>
+      </p:sp>
+      <p:sp>
+        <p:nvSpPr>
+          <p:cNvPr id="45" name="ZoneTexte 44">
+            <a:extLst>
+              <a:ext uri="{FF2B5EF4-FFF2-40B4-BE49-F238E27FC236}">
+                <a16:creationId xmlns:a16="http://schemas.microsoft.com/office/drawing/2014/main" id="{C91571F8-2CB9-4BE2-A945-5F73EED5013D}"/>
+              </a:ext>
+            </a:extLst>
+          </p:cNvPr>
+          <p:cNvSpPr txBox="1"/>
+          <p:nvPr/>
+        </p:nvSpPr>
+        <p:spPr>
+          <a:xfrm>
+            <a:off x="10008111" y="6539577"/>
+            <a:ext cx="481111" cy="369332"/>
+          </a:xfrm>
+          <a:prstGeom prst="rect">
+            <a:avLst/>
+          </a:prstGeom>
+          <a:noFill/>
+        </p:spPr>
+        <p:txBody>
+          <a:bodyPr wrap="square" rtlCol="0">
+            <a:spAutoFit/>
+          </a:bodyPr>
+          <a:lstStyle/>
+          <a:p>
+            <a:r>
+              <a:rPr lang="fr-FR" i="1" dirty="0">
+                <a:effectLst>
+                  <a:outerShdw blurRad="38100" dist="38100" dir="2700000" algn="tl">
+                    <a:srgbClr val="000000">
+                      <a:alpha val="43137"/>
+                    </a:srgbClr>
+                  </a:outerShdw>
+                </a:effectLst>
+              </a:rPr>
+              <a:t>11</a:t>
+            </a:r>
           </a:p>
         </p:txBody>
       </p:sp>
@@ -16274,6 +16360,49 @@
           </a:p>
         </p:txBody>
       </p:sp>
+      <p:sp>
+        <p:nvSpPr>
+          <p:cNvPr id="43" name="ZoneTexte 42">
+            <a:extLst>
+              <a:ext uri="{FF2B5EF4-FFF2-40B4-BE49-F238E27FC236}">
+                <a16:creationId xmlns:a16="http://schemas.microsoft.com/office/drawing/2014/main" id="{9E739289-D0DD-459F-BBAE-4B5FC8A278FD}"/>
+              </a:ext>
+            </a:extLst>
+          </p:cNvPr>
+          <p:cNvSpPr txBox="1"/>
+          <p:nvPr/>
+        </p:nvSpPr>
+        <p:spPr>
+          <a:xfrm>
+            <a:off x="10008111" y="6539577"/>
+            <a:ext cx="481111" cy="369332"/>
+          </a:xfrm>
+          <a:prstGeom prst="rect">
+            <a:avLst/>
+          </a:prstGeom>
+          <a:noFill/>
+        </p:spPr>
+        <p:txBody>
+          <a:bodyPr wrap="square" rtlCol="0">
+            <a:spAutoFit/>
+          </a:bodyPr>
+          <a:lstStyle/>
+          <a:p>
+            <a:r>
+              <a:rPr lang="fr-FR" i="1" dirty="0">
+                <a:effectLst>
+                  <a:outerShdw blurRad="38100" dist="38100" dir="2700000" algn="tl">
+                    <a:srgbClr val="000000">
+                      <a:alpha val="43137"/>
+                    </a:srgbClr>
+                  </a:outerShdw>
+                </a:effectLst>
+              </a:rPr>
+              <a:t>12</a:t>
+            </a:r>
+          </a:p>
+        </p:txBody>
+      </p:sp>
     </p:spTree>
     <p:extLst>
       <p:ext uri="{BB962C8B-B14F-4D97-AF65-F5344CB8AC3E}">
@@ -18341,6 +18470,49 @@
           </a:p>
         </p:txBody>
       </p:sp>
+      <p:sp>
+        <p:nvSpPr>
+          <p:cNvPr id="44" name="ZoneTexte 43">
+            <a:extLst>
+              <a:ext uri="{FF2B5EF4-FFF2-40B4-BE49-F238E27FC236}">
+                <a16:creationId xmlns:a16="http://schemas.microsoft.com/office/drawing/2014/main" id="{8CA6553D-5D78-47C1-A6DF-437DC71DD419}"/>
+              </a:ext>
+            </a:extLst>
+          </p:cNvPr>
+          <p:cNvSpPr txBox="1"/>
+          <p:nvPr/>
+        </p:nvSpPr>
+        <p:spPr>
+          <a:xfrm>
+            <a:off x="10008111" y="6539577"/>
+            <a:ext cx="481111" cy="369332"/>
+          </a:xfrm>
+          <a:prstGeom prst="rect">
+            <a:avLst/>
+          </a:prstGeom>
+          <a:noFill/>
+        </p:spPr>
+        <p:txBody>
+          <a:bodyPr wrap="square" rtlCol="0">
+            <a:spAutoFit/>
+          </a:bodyPr>
+          <a:lstStyle/>
+          <a:p>
+            <a:r>
+              <a:rPr lang="fr-FR" i="1" dirty="0">
+                <a:effectLst>
+                  <a:outerShdw blurRad="38100" dist="38100" dir="2700000" algn="tl">
+                    <a:srgbClr val="000000">
+                      <a:alpha val="43137"/>
+                    </a:srgbClr>
+                  </a:outerShdw>
+                </a:effectLst>
+              </a:rPr>
+              <a:t>13</a:t>
+            </a:r>
+          </a:p>
+        </p:txBody>
+      </p:sp>
     </p:spTree>
     <p:extLst>
       <p:ext uri="{BB962C8B-B14F-4D97-AF65-F5344CB8AC3E}">
@@ -20281,6 +20453,49 @@
           </a:p>
         </p:txBody>
       </p:sp>
+      <p:sp>
+        <p:nvSpPr>
+          <p:cNvPr id="41" name="ZoneTexte 40">
+            <a:extLst>
+              <a:ext uri="{FF2B5EF4-FFF2-40B4-BE49-F238E27FC236}">
+                <a16:creationId xmlns:a16="http://schemas.microsoft.com/office/drawing/2014/main" id="{3A93F50E-5C50-4400-B84D-0DB8D4CEC126}"/>
+              </a:ext>
+            </a:extLst>
+          </p:cNvPr>
+          <p:cNvSpPr txBox="1"/>
+          <p:nvPr/>
+        </p:nvSpPr>
+        <p:spPr>
+          <a:xfrm>
+            <a:off x="10008111" y="6539577"/>
+            <a:ext cx="481111" cy="369332"/>
+          </a:xfrm>
+          <a:prstGeom prst="rect">
+            <a:avLst/>
+          </a:prstGeom>
+          <a:noFill/>
+        </p:spPr>
+        <p:txBody>
+          <a:bodyPr wrap="square" rtlCol="0">
+            <a:spAutoFit/>
+          </a:bodyPr>
+          <a:lstStyle/>
+          <a:p>
+            <a:r>
+              <a:rPr lang="fr-FR" i="1" dirty="0">
+                <a:effectLst>
+                  <a:outerShdw blurRad="38100" dist="38100" dir="2700000" algn="tl">
+                    <a:srgbClr val="000000">
+                      <a:alpha val="43137"/>
+                    </a:srgbClr>
+                  </a:outerShdw>
+                </a:effectLst>
+              </a:rPr>
+              <a:t>14</a:t>
+            </a:r>
+          </a:p>
+        </p:txBody>
+      </p:sp>
     </p:spTree>
     <p:extLst>
       <p:ext uri="{BB962C8B-B14F-4D97-AF65-F5344CB8AC3E}">
@@ -22337,6 +22552,49 @@
           <a:p>
             <a:pPr algn="ctr"/>
             <a:endParaRPr lang="fr-FR" dirty="0"/>
+          </a:p>
+        </p:txBody>
+      </p:sp>
+      <p:sp>
+        <p:nvSpPr>
+          <p:cNvPr id="43" name="ZoneTexte 42">
+            <a:extLst>
+              <a:ext uri="{FF2B5EF4-FFF2-40B4-BE49-F238E27FC236}">
+                <a16:creationId xmlns:a16="http://schemas.microsoft.com/office/drawing/2014/main" id="{96B8A5BF-18F9-4648-B76F-BD1D124ABD54}"/>
+              </a:ext>
+            </a:extLst>
+          </p:cNvPr>
+          <p:cNvSpPr txBox="1"/>
+          <p:nvPr/>
+        </p:nvSpPr>
+        <p:spPr>
+          <a:xfrm>
+            <a:off x="10008111" y="6539577"/>
+            <a:ext cx="481111" cy="369332"/>
+          </a:xfrm>
+          <a:prstGeom prst="rect">
+            <a:avLst/>
+          </a:prstGeom>
+          <a:noFill/>
+        </p:spPr>
+        <p:txBody>
+          <a:bodyPr wrap="square" rtlCol="0">
+            <a:spAutoFit/>
+          </a:bodyPr>
+          <a:lstStyle/>
+          <a:p>
+            <a:r>
+              <a:rPr lang="fr-FR" i="1" dirty="0">
+                <a:effectLst>
+                  <a:outerShdw blurRad="38100" dist="38100" dir="2700000" algn="tl">
+                    <a:srgbClr val="000000">
+                      <a:alpha val="43137"/>
+                    </a:srgbClr>
+                  </a:outerShdw>
+                </a:effectLst>
+              </a:rPr>
+              <a:t>15</a:t>
+            </a:r>
           </a:p>
         </p:txBody>
       </p:sp>
@@ -24399,6 +24657,49 @@
           </a:p>
         </p:txBody>
       </p:sp>
+      <p:sp>
+        <p:nvSpPr>
+          <p:cNvPr id="45" name="ZoneTexte 44">
+            <a:extLst>
+              <a:ext uri="{FF2B5EF4-FFF2-40B4-BE49-F238E27FC236}">
+                <a16:creationId xmlns:a16="http://schemas.microsoft.com/office/drawing/2014/main" id="{CE47BF98-8266-422E-8408-41B39FB6BED9}"/>
+              </a:ext>
+            </a:extLst>
+          </p:cNvPr>
+          <p:cNvSpPr txBox="1"/>
+          <p:nvPr/>
+        </p:nvSpPr>
+        <p:spPr>
+          <a:xfrm>
+            <a:off x="10008111" y="6539577"/>
+            <a:ext cx="481111" cy="369332"/>
+          </a:xfrm>
+          <a:prstGeom prst="rect">
+            <a:avLst/>
+          </a:prstGeom>
+          <a:noFill/>
+        </p:spPr>
+        <p:txBody>
+          <a:bodyPr wrap="square" rtlCol="0">
+            <a:spAutoFit/>
+          </a:bodyPr>
+          <a:lstStyle/>
+          <a:p>
+            <a:r>
+              <a:rPr lang="fr-FR" i="1" dirty="0">
+                <a:effectLst>
+                  <a:outerShdw blurRad="38100" dist="38100" dir="2700000" algn="tl">
+                    <a:srgbClr val="000000">
+                      <a:alpha val="43137"/>
+                    </a:srgbClr>
+                  </a:outerShdw>
+                </a:effectLst>
+              </a:rPr>
+              <a:t>16</a:t>
+            </a:r>
+          </a:p>
+        </p:txBody>
+      </p:sp>
     </p:spTree>
     <p:extLst>
       <p:ext uri="{BB962C8B-B14F-4D97-AF65-F5344CB8AC3E}">
@@ -26467,6 +26768,49 @@
           </a:p>
         </p:txBody>
       </p:sp>
+      <p:sp>
+        <p:nvSpPr>
+          <p:cNvPr id="45" name="ZoneTexte 44">
+            <a:extLst>
+              <a:ext uri="{FF2B5EF4-FFF2-40B4-BE49-F238E27FC236}">
+                <a16:creationId xmlns:a16="http://schemas.microsoft.com/office/drawing/2014/main" id="{FA6586D0-A8E1-452F-A45B-75E80C1B34C3}"/>
+              </a:ext>
+            </a:extLst>
+          </p:cNvPr>
+          <p:cNvSpPr txBox="1"/>
+          <p:nvPr/>
+        </p:nvSpPr>
+        <p:spPr>
+          <a:xfrm>
+            <a:off x="10008111" y="6539577"/>
+            <a:ext cx="481111" cy="369332"/>
+          </a:xfrm>
+          <a:prstGeom prst="rect">
+            <a:avLst/>
+          </a:prstGeom>
+          <a:noFill/>
+        </p:spPr>
+        <p:txBody>
+          <a:bodyPr wrap="square" rtlCol="0">
+            <a:spAutoFit/>
+          </a:bodyPr>
+          <a:lstStyle/>
+          <a:p>
+            <a:r>
+              <a:rPr lang="fr-FR" i="1" dirty="0">
+                <a:effectLst>
+                  <a:outerShdw blurRad="38100" dist="38100" dir="2700000" algn="tl">
+                    <a:srgbClr val="000000">
+                      <a:alpha val="43137"/>
+                    </a:srgbClr>
+                  </a:outerShdw>
+                </a:effectLst>
+              </a:rPr>
+              <a:t>17</a:t>
+            </a:r>
+          </a:p>
+        </p:txBody>
+      </p:sp>
     </p:spTree>
     <p:extLst>
       <p:ext uri="{BB962C8B-B14F-4D97-AF65-F5344CB8AC3E}">
@@ -28585,6 +28929,49 @@
           </a:p>
         </p:txBody>
       </p:sp>
+      <p:sp>
+        <p:nvSpPr>
+          <p:cNvPr id="46" name="ZoneTexte 45">
+            <a:extLst>
+              <a:ext uri="{FF2B5EF4-FFF2-40B4-BE49-F238E27FC236}">
+                <a16:creationId xmlns:a16="http://schemas.microsoft.com/office/drawing/2014/main" id="{13287238-2796-498D-8A8F-08DEC3929B52}"/>
+              </a:ext>
+            </a:extLst>
+          </p:cNvPr>
+          <p:cNvSpPr txBox="1"/>
+          <p:nvPr/>
+        </p:nvSpPr>
+        <p:spPr>
+          <a:xfrm>
+            <a:off x="10008111" y="6539577"/>
+            <a:ext cx="481111" cy="369332"/>
+          </a:xfrm>
+          <a:prstGeom prst="rect">
+            <a:avLst/>
+          </a:prstGeom>
+          <a:noFill/>
+        </p:spPr>
+        <p:txBody>
+          <a:bodyPr wrap="square" rtlCol="0">
+            <a:spAutoFit/>
+          </a:bodyPr>
+          <a:lstStyle/>
+          <a:p>
+            <a:r>
+              <a:rPr lang="fr-FR" i="1" dirty="0">
+                <a:effectLst>
+                  <a:outerShdw blurRad="38100" dist="38100" dir="2700000" algn="tl">
+                    <a:srgbClr val="000000">
+                      <a:alpha val="43137"/>
+                    </a:srgbClr>
+                  </a:outerShdw>
+                </a:effectLst>
+              </a:rPr>
+              <a:t>18</a:t>
+            </a:r>
+          </a:p>
+        </p:txBody>
+      </p:sp>
     </p:spTree>
     <p:extLst>
       <p:ext uri="{BB962C8B-B14F-4D97-AF65-F5344CB8AC3E}">
@@ -30663,6 +31050,49 @@
           </a:p>
         </p:txBody>
       </p:sp>
+      <p:sp>
+        <p:nvSpPr>
+          <p:cNvPr id="43" name="ZoneTexte 42">
+            <a:extLst>
+              <a:ext uri="{FF2B5EF4-FFF2-40B4-BE49-F238E27FC236}">
+                <a16:creationId xmlns:a16="http://schemas.microsoft.com/office/drawing/2014/main" id="{59538CA6-34CF-4D78-B829-B11BEF8E0498}"/>
+              </a:ext>
+            </a:extLst>
+          </p:cNvPr>
+          <p:cNvSpPr txBox="1"/>
+          <p:nvPr/>
+        </p:nvSpPr>
+        <p:spPr>
+          <a:xfrm>
+            <a:off x="10008111" y="6539577"/>
+            <a:ext cx="481111" cy="369332"/>
+          </a:xfrm>
+          <a:prstGeom prst="rect">
+            <a:avLst/>
+          </a:prstGeom>
+          <a:noFill/>
+        </p:spPr>
+        <p:txBody>
+          <a:bodyPr wrap="square" rtlCol="0">
+            <a:spAutoFit/>
+          </a:bodyPr>
+          <a:lstStyle/>
+          <a:p>
+            <a:r>
+              <a:rPr lang="fr-FR" i="1" dirty="0">
+                <a:effectLst>
+                  <a:outerShdw blurRad="38100" dist="38100" dir="2700000" algn="tl">
+                    <a:srgbClr val="000000">
+                      <a:alpha val="43137"/>
+                    </a:srgbClr>
+                  </a:outerShdw>
+                </a:effectLst>
+              </a:rPr>
+              <a:t>19</a:t>
+            </a:r>
+          </a:p>
+        </p:txBody>
+      </p:sp>
     </p:spTree>
     <p:extLst>
       <p:ext uri="{BB962C8B-B14F-4D97-AF65-F5344CB8AC3E}">
@@ -32659,6 +33089,49 @@
           </a:p>
         </p:txBody>
       </p:sp>
+      <p:sp>
+        <p:nvSpPr>
+          <p:cNvPr id="43" name="ZoneTexte 42">
+            <a:extLst>
+              <a:ext uri="{FF2B5EF4-FFF2-40B4-BE49-F238E27FC236}">
+                <a16:creationId xmlns:a16="http://schemas.microsoft.com/office/drawing/2014/main" id="{C3C8B581-FAC8-415B-8069-B2A5192EE081}"/>
+              </a:ext>
+            </a:extLst>
+          </p:cNvPr>
+          <p:cNvSpPr txBox="1"/>
+          <p:nvPr/>
+        </p:nvSpPr>
+        <p:spPr>
+          <a:xfrm>
+            <a:off x="10008112" y="6539577"/>
+            <a:ext cx="395978" cy="369332"/>
+          </a:xfrm>
+          <a:prstGeom prst="rect">
+            <a:avLst/>
+          </a:prstGeom>
+          <a:noFill/>
+        </p:spPr>
+        <p:txBody>
+          <a:bodyPr wrap="square" rtlCol="0">
+            <a:spAutoFit/>
+          </a:bodyPr>
+          <a:lstStyle/>
+          <a:p>
+            <a:r>
+              <a:rPr lang="fr-FR" i="1" dirty="0">
+                <a:effectLst>
+                  <a:outerShdw blurRad="38100" dist="38100" dir="2700000" algn="tl">
+                    <a:srgbClr val="000000">
+                      <a:alpha val="43137"/>
+                    </a:srgbClr>
+                  </a:outerShdw>
+                </a:effectLst>
+              </a:rPr>
+              <a:t>2</a:t>
+            </a:r>
+          </a:p>
+        </p:txBody>
+      </p:sp>
     </p:spTree>
     <p:extLst>
       <p:ext uri="{BB962C8B-B14F-4D97-AF65-F5344CB8AC3E}">
@@ -34764,6 +35237,49 @@
           </a:p>
         </p:txBody>
       </p:sp>
+      <p:sp>
+        <p:nvSpPr>
+          <p:cNvPr id="4" name="ZoneTexte 3">
+            <a:extLst>
+              <a:ext uri="{FF2B5EF4-FFF2-40B4-BE49-F238E27FC236}">
+                <a16:creationId xmlns:a16="http://schemas.microsoft.com/office/drawing/2014/main" id="{F3AB0BB8-ABAF-496B-B8A9-521662CA9502}"/>
+              </a:ext>
+            </a:extLst>
+          </p:cNvPr>
+          <p:cNvSpPr txBox="1"/>
+          <p:nvPr/>
+        </p:nvSpPr>
+        <p:spPr>
+          <a:xfrm>
+            <a:off x="10008112" y="6539577"/>
+            <a:ext cx="395978" cy="369332"/>
+          </a:xfrm>
+          <a:prstGeom prst="rect">
+            <a:avLst/>
+          </a:prstGeom>
+          <a:noFill/>
+        </p:spPr>
+        <p:txBody>
+          <a:bodyPr wrap="square" rtlCol="0">
+            <a:spAutoFit/>
+          </a:bodyPr>
+          <a:lstStyle/>
+          <a:p>
+            <a:r>
+              <a:rPr lang="fr-FR" i="1" dirty="0">
+                <a:effectLst>
+                  <a:outerShdw blurRad="38100" dist="38100" dir="2700000" algn="tl">
+                    <a:srgbClr val="000000">
+                      <a:alpha val="43137"/>
+                    </a:srgbClr>
+                  </a:outerShdw>
+                </a:effectLst>
+              </a:rPr>
+              <a:t>3</a:t>
+            </a:r>
+          </a:p>
+        </p:txBody>
+      </p:sp>
     </p:spTree>
     <p:extLst>
       <p:ext uri="{BB962C8B-B14F-4D97-AF65-F5344CB8AC3E}">
@@ -34774,13 +35290,13 @@
   <p:clrMapOvr>
     <a:masterClrMapping/>
   </p:clrMapOvr>
-  <mc:AlternateContent xmlns:mc="http://schemas.openxmlformats.org/markup-compatibility/2006">
-    <mc:Choice xmlns:p14="http://schemas.microsoft.com/office/powerpoint/2010/main" Requires="p14">
+  <mc:AlternateContent xmlns:mc="http://schemas.openxmlformats.org/markup-compatibility/2006" xmlns:p14="http://schemas.microsoft.com/office/powerpoint/2010/main">
+    <mc:Choice Requires="p14">
       <p:transition spd="slow" p14:dur="2250">
         <p14:reveal/>
       </p:transition>
     </mc:Choice>
-    <mc:Fallback>
+    <mc:Fallback xmlns="">
       <p:transition spd="slow">
         <p:fade/>
       </p:transition>
@@ -37132,6 +37648,49 @@
           <a:p>
             <a:pPr algn="ctr"/>
             <a:endParaRPr lang="fr-FR" dirty="0"/>
+          </a:p>
+        </p:txBody>
+      </p:sp>
+      <p:sp>
+        <p:nvSpPr>
+          <p:cNvPr id="50" name="ZoneTexte 49">
+            <a:extLst>
+              <a:ext uri="{FF2B5EF4-FFF2-40B4-BE49-F238E27FC236}">
+                <a16:creationId xmlns:a16="http://schemas.microsoft.com/office/drawing/2014/main" id="{104ACBC5-E403-4961-B1DD-00E21EF15396}"/>
+              </a:ext>
+            </a:extLst>
+          </p:cNvPr>
+          <p:cNvSpPr txBox="1"/>
+          <p:nvPr/>
+        </p:nvSpPr>
+        <p:spPr>
+          <a:xfrm>
+            <a:off x="10008112" y="6539577"/>
+            <a:ext cx="395978" cy="369332"/>
+          </a:xfrm>
+          <a:prstGeom prst="rect">
+            <a:avLst/>
+          </a:prstGeom>
+          <a:noFill/>
+        </p:spPr>
+        <p:txBody>
+          <a:bodyPr wrap="square" rtlCol="0">
+            <a:spAutoFit/>
+          </a:bodyPr>
+          <a:lstStyle/>
+          <a:p>
+            <a:r>
+              <a:rPr lang="fr-FR" i="1" dirty="0">
+                <a:effectLst>
+                  <a:outerShdw blurRad="38100" dist="38100" dir="2700000" algn="tl">
+                    <a:srgbClr val="000000">
+                      <a:alpha val="43137"/>
+                    </a:srgbClr>
+                  </a:outerShdw>
+                </a:effectLst>
+              </a:rPr>
+              <a:t>4</a:t>
+            </a:r>
           </a:p>
         </p:txBody>
       </p:sp>
@@ -40182,6 +40741,49 @@
           </a:p>
         </p:txBody>
       </p:sp>
+      <p:sp>
+        <p:nvSpPr>
+          <p:cNvPr id="72" name="ZoneTexte 71">
+            <a:extLst>
+              <a:ext uri="{FF2B5EF4-FFF2-40B4-BE49-F238E27FC236}">
+                <a16:creationId xmlns:a16="http://schemas.microsoft.com/office/drawing/2014/main" id="{6F8E6BEB-12B8-4135-906D-E58E26391500}"/>
+              </a:ext>
+            </a:extLst>
+          </p:cNvPr>
+          <p:cNvSpPr txBox="1"/>
+          <p:nvPr/>
+        </p:nvSpPr>
+        <p:spPr>
+          <a:xfrm>
+            <a:off x="10008112" y="6539577"/>
+            <a:ext cx="395978" cy="369332"/>
+          </a:xfrm>
+          <a:prstGeom prst="rect">
+            <a:avLst/>
+          </a:prstGeom>
+          <a:noFill/>
+        </p:spPr>
+        <p:txBody>
+          <a:bodyPr wrap="square" rtlCol="0">
+            <a:spAutoFit/>
+          </a:bodyPr>
+          <a:lstStyle/>
+          <a:p>
+            <a:r>
+              <a:rPr lang="fr-FR" i="1" dirty="0">
+                <a:effectLst>
+                  <a:outerShdw blurRad="38100" dist="38100" dir="2700000" algn="tl">
+                    <a:srgbClr val="000000">
+                      <a:alpha val="43137"/>
+                    </a:srgbClr>
+                  </a:outerShdw>
+                </a:effectLst>
+              </a:rPr>
+              <a:t>5</a:t>
+            </a:r>
+          </a:p>
+        </p:txBody>
+      </p:sp>
     </p:spTree>
     <p:extLst>
       <p:ext uri="{BB962C8B-B14F-4D97-AF65-F5344CB8AC3E}">
@@ -42253,6 +42855,49 @@
           </a:p>
         </p:txBody>
       </p:sp>
+      <p:sp>
+        <p:nvSpPr>
+          <p:cNvPr id="43" name="ZoneTexte 42">
+            <a:extLst>
+              <a:ext uri="{FF2B5EF4-FFF2-40B4-BE49-F238E27FC236}">
+                <a16:creationId xmlns:a16="http://schemas.microsoft.com/office/drawing/2014/main" id="{60467AE8-43E4-4505-A7A3-F060899AFF5F}"/>
+              </a:ext>
+            </a:extLst>
+          </p:cNvPr>
+          <p:cNvSpPr txBox="1"/>
+          <p:nvPr/>
+        </p:nvSpPr>
+        <p:spPr>
+          <a:xfrm>
+            <a:off x="10008112" y="6539577"/>
+            <a:ext cx="395978" cy="369332"/>
+          </a:xfrm>
+          <a:prstGeom prst="rect">
+            <a:avLst/>
+          </a:prstGeom>
+          <a:noFill/>
+        </p:spPr>
+        <p:txBody>
+          <a:bodyPr wrap="square" rtlCol="0">
+            <a:spAutoFit/>
+          </a:bodyPr>
+          <a:lstStyle/>
+          <a:p>
+            <a:r>
+              <a:rPr lang="fr-FR" i="1" dirty="0">
+                <a:effectLst>
+                  <a:outerShdw blurRad="38100" dist="38100" dir="2700000" algn="tl">
+                    <a:srgbClr val="000000">
+                      <a:alpha val="43137"/>
+                    </a:srgbClr>
+                  </a:outerShdw>
+                </a:effectLst>
+              </a:rPr>
+              <a:t>6</a:t>
+            </a:r>
+          </a:p>
+        </p:txBody>
+      </p:sp>
     </p:spTree>
     <p:extLst>
       <p:ext uri="{BB962C8B-B14F-4D97-AF65-F5344CB8AC3E}">
@@ -44406,6 +45051,49 @@
           <a:p>
             <a:pPr algn="ctr"/>
             <a:endParaRPr lang="fr-FR" dirty="0"/>
+          </a:p>
+        </p:txBody>
+      </p:sp>
+      <p:sp>
+        <p:nvSpPr>
+          <p:cNvPr id="49" name="ZoneTexte 48">
+            <a:extLst>
+              <a:ext uri="{FF2B5EF4-FFF2-40B4-BE49-F238E27FC236}">
+                <a16:creationId xmlns:a16="http://schemas.microsoft.com/office/drawing/2014/main" id="{BDD96B6C-70FC-45AC-8F22-A86DCB1113C5}"/>
+              </a:ext>
+            </a:extLst>
+          </p:cNvPr>
+          <p:cNvSpPr txBox="1"/>
+          <p:nvPr/>
+        </p:nvSpPr>
+        <p:spPr>
+          <a:xfrm>
+            <a:off x="10008112" y="6539577"/>
+            <a:ext cx="395978" cy="369332"/>
+          </a:xfrm>
+          <a:prstGeom prst="rect">
+            <a:avLst/>
+          </a:prstGeom>
+          <a:noFill/>
+        </p:spPr>
+        <p:txBody>
+          <a:bodyPr wrap="square" rtlCol="0">
+            <a:spAutoFit/>
+          </a:bodyPr>
+          <a:lstStyle/>
+          <a:p>
+            <a:r>
+              <a:rPr lang="fr-FR" i="1" dirty="0">
+                <a:effectLst>
+                  <a:outerShdw blurRad="38100" dist="38100" dir="2700000" algn="tl">
+                    <a:srgbClr val="000000">
+                      <a:alpha val="43137"/>
+                    </a:srgbClr>
+                  </a:outerShdw>
+                </a:effectLst>
+              </a:rPr>
+              <a:t>7</a:t>
+            </a:r>
           </a:p>
         </p:txBody>
       </p:sp>
@@ -46477,6 +47165,49 @@
           </a:p>
         </p:txBody>
       </p:sp>
+      <p:sp>
+        <p:nvSpPr>
+          <p:cNvPr id="44" name="ZoneTexte 43">
+            <a:extLst>
+              <a:ext uri="{FF2B5EF4-FFF2-40B4-BE49-F238E27FC236}">
+                <a16:creationId xmlns:a16="http://schemas.microsoft.com/office/drawing/2014/main" id="{AF893EB2-0DF5-48FC-839B-FEB00D5D9DCD}"/>
+              </a:ext>
+            </a:extLst>
+          </p:cNvPr>
+          <p:cNvSpPr txBox="1"/>
+          <p:nvPr/>
+        </p:nvSpPr>
+        <p:spPr>
+          <a:xfrm>
+            <a:off x="10008112" y="6539577"/>
+            <a:ext cx="395978" cy="369332"/>
+          </a:xfrm>
+          <a:prstGeom prst="rect">
+            <a:avLst/>
+          </a:prstGeom>
+          <a:noFill/>
+        </p:spPr>
+        <p:txBody>
+          <a:bodyPr wrap="square" rtlCol="0">
+            <a:spAutoFit/>
+          </a:bodyPr>
+          <a:lstStyle/>
+          <a:p>
+            <a:r>
+              <a:rPr lang="fr-FR" i="1" dirty="0">
+                <a:effectLst>
+                  <a:outerShdw blurRad="38100" dist="38100" dir="2700000" algn="tl">
+                    <a:srgbClr val="000000">
+                      <a:alpha val="43137"/>
+                    </a:srgbClr>
+                  </a:outerShdw>
+                </a:effectLst>
+              </a:rPr>
+              <a:t>8</a:t>
+            </a:r>
+          </a:p>
+        </p:txBody>
+      </p:sp>
     </p:spTree>
     <p:extLst>
       <p:ext uri="{BB962C8B-B14F-4D97-AF65-F5344CB8AC3E}">
@@ -48551,6 +49282,49 @@
           <a:p>
             <a:pPr algn="ctr"/>
             <a:endParaRPr lang="fr-FR" dirty="0"/>
+          </a:p>
+        </p:txBody>
+      </p:sp>
+      <p:sp>
+        <p:nvSpPr>
+          <p:cNvPr id="45" name="ZoneTexte 44">
+            <a:extLst>
+              <a:ext uri="{FF2B5EF4-FFF2-40B4-BE49-F238E27FC236}">
+                <a16:creationId xmlns:a16="http://schemas.microsoft.com/office/drawing/2014/main" id="{1752E7E7-1FF5-42A1-8ADD-F158B0CDC915}"/>
+              </a:ext>
+            </a:extLst>
+          </p:cNvPr>
+          <p:cNvSpPr txBox="1"/>
+          <p:nvPr/>
+        </p:nvSpPr>
+        <p:spPr>
+          <a:xfrm>
+            <a:off x="10008112" y="6539577"/>
+            <a:ext cx="395978" cy="369332"/>
+          </a:xfrm>
+          <a:prstGeom prst="rect">
+            <a:avLst/>
+          </a:prstGeom>
+          <a:noFill/>
+        </p:spPr>
+        <p:txBody>
+          <a:bodyPr wrap="square" rtlCol="0">
+            <a:spAutoFit/>
+          </a:bodyPr>
+          <a:lstStyle/>
+          <a:p>
+            <a:r>
+              <a:rPr lang="fr-FR" i="1" dirty="0">
+                <a:effectLst>
+                  <a:outerShdw blurRad="38100" dist="38100" dir="2700000" algn="tl">
+                    <a:srgbClr val="000000">
+                      <a:alpha val="43137"/>
+                    </a:srgbClr>
+                  </a:outerShdw>
+                </a:effectLst>
+              </a:rPr>
+              <a:t>9</a:t>
+            </a:r>
           </a:p>
         </p:txBody>
       </p:sp>

--- a/Nathan/Compte-rendus/REVUE-R2-GUIGAND-SFL6.pptx
+++ b/Nathan/Compte-rendus/REVUE-R2-GUIGAND-SFL6.pptx
@@ -3974,7 +3974,7 @@
             <a:fld id="{B61BEF0D-F0BB-DE4B-95CE-6DB70DBA9567}" type="datetimeFigureOut">
               <a:rPr lang="en-US" dirty="0"/>
               <a:pPr/>
-              <a:t>3/12/2020</a:t>
+              <a:t>3/13/2020</a:t>
             </a:fld>
             <a:endParaRPr lang="en-US" dirty="0"/>
           </a:p>
@@ -4222,7 +4222,7 @@
             <a:fld id="{B61BEF0D-F0BB-DE4B-95CE-6DB70DBA9567}" type="datetimeFigureOut">
               <a:rPr lang="en-US" dirty="0"/>
               <a:pPr/>
-              <a:t>3/12/2020</a:t>
+              <a:t>3/13/2020</a:t>
             </a:fld>
             <a:endParaRPr lang="en-US" dirty="0"/>
           </a:p>
@@ -4533,7 +4533,7 @@
             <a:fld id="{B61BEF0D-F0BB-DE4B-95CE-6DB70DBA9567}" type="datetimeFigureOut">
               <a:rPr lang="en-US" dirty="0"/>
               <a:pPr/>
-              <a:t>3/12/2020</a:t>
+              <a:t>3/13/2020</a:t>
             </a:fld>
             <a:endParaRPr lang="en-US" dirty="0"/>
           </a:p>
@@ -4871,7 +4871,7 @@
             <a:fld id="{B61BEF0D-F0BB-DE4B-95CE-6DB70DBA9567}" type="datetimeFigureOut">
               <a:rPr lang="en-US" dirty="0"/>
               <a:pPr/>
-              <a:t>3/12/2020</a:t>
+              <a:t>3/13/2020</a:t>
             </a:fld>
             <a:endParaRPr lang="en-US" dirty="0"/>
           </a:p>
@@ -5182,7 +5182,7 @@
             <a:fld id="{B61BEF0D-F0BB-DE4B-95CE-6DB70DBA9567}" type="datetimeFigureOut">
               <a:rPr lang="en-US" dirty="0"/>
               <a:pPr/>
-              <a:t>3/12/2020</a:t>
+              <a:t>3/13/2020</a:t>
             </a:fld>
             <a:endParaRPr lang="en-US" dirty="0"/>
           </a:p>
@@ -5572,7 +5572,7 @@
             <a:fld id="{B61BEF0D-F0BB-DE4B-95CE-6DB70DBA9567}" type="datetimeFigureOut">
               <a:rPr lang="en-US" dirty="0"/>
               <a:pPr/>
-              <a:t>3/12/2020</a:t>
+              <a:t>3/13/2020</a:t>
             </a:fld>
             <a:endParaRPr lang="en-US" dirty="0"/>
           </a:p>
@@ -5738,7 +5738,7 @@
           <a:p>
             <a:fld id="{55C6B4A9-1611-4792-9094-5F34BCA07E0B}" type="datetimeFigureOut">
               <a:rPr lang="en-US" dirty="0"/>
-              <a:t>3/12/2020</a:t>
+              <a:t>3/13/2020</a:t>
             </a:fld>
             <a:endParaRPr lang="en-US" dirty="0"/>
           </a:p>
@@ -5914,7 +5914,7 @@
             <a:fld id="{B61BEF0D-F0BB-DE4B-95CE-6DB70DBA9567}" type="datetimeFigureOut">
               <a:rPr lang="en-US" dirty="0"/>
               <a:pPr/>
-              <a:t>3/12/2020</a:t>
+              <a:t>3/13/2020</a:t>
             </a:fld>
             <a:endParaRPr lang="en-US" dirty="0"/>
           </a:p>
@@ -6087,7 +6087,7 @@
             <a:fld id="{B61BEF0D-F0BB-DE4B-95CE-6DB70DBA9567}" type="datetimeFigureOut">
               <a:rPr lang="en-US" dirty="0"/>
               <a:pPr/>
-              <a:t>3/12/2020</a:t>
+              <a:t>3/13/2020</a:t>
             </a:fld>
             <a:endParaRPr lang="en-US" dirty="0"/>
           </a:p>
@@ -6331,7 +6331,7 @@
             <a:fld id="{B61BEF0D-F0BB-DE4B-95CE-6DB70DBA9567}" type="datetimeFigureOut">
               <a:rPr lang="en-US" dirty="0"/>
               <a:pPr/>
-              <a:t>3/12/2020</a:t>
+              <a:t>3/13/2020</a:t>
             </a:fld>
             <a:endParaRPr lang="en-US" dirty="0"/>
           </a:p>
@@ -6559,7 +6559,7 @@
           <a:p>
             <a:fld id="{EB712588-04B1-427B-82EE-E8DB90309F08}" type="datetimeFigureOut">
               <a:rPr lang="en-US" dirty="0"/>
-              <a:t>3/12/2020</a:t>
+              <a:t>3/13/2020</a:t>
             </a:fld>
             <a:endParaRPr lang="en-US" dirty="0"/>
           </a:p>
@@ -6929,7 +6929,7 @@
             <a:fld id="{B61BEF0D-F0BB-DE4B-95CE-6DB70DBA9567}" type="datetimeFigureOut">
               <a:rPr lang="en-US" dirty="0"/>
               <a:pPr/>
-              <a:t>3/12/2020</a:t>
+              <a:t>3/13/2020</a:t>
             </a:fld>
             <a:endParaRPr lang="en-US" dirty="0"/>
           </a:p>
@@ -7049,7 +7049,7 @@
             <a:fld id="{B61BEF0D-F0BB-DE4B-95CE-6DB70DBA9567}" type="datetimeFigureOut">
               <a:rPr lang="en-US" dirty="0"/>
               <a:pPr/>
-              <a:t>3/12/2020</a:t>
+              <a:t>3/13/2020</a:t>
             </a:fld>
             <a:endParaRPr lang="en-US" dirty="0"/>
           </a:p>
@@ -7141,7 +7141,7 @@
             <a:fld id="{B61BEF0D-F0BB-DE4B-95CE-6DB70DBA9567}" type="datetimeFigureOut">
               <a:rPr lang="en-US" dirty="0"/>
               <a:pPr/>
-              <a:t>3/12/2020</a:t>
+              <a:t>3/13/2020</a:t>
             </a:fld>
             <a:endParaRPr lang="en-US" dirty="0"/>
           </a:p>
@@ -7392,7 +7392,7 @@
           <a:p>
             <a:fld id="{42A54C80-263E-416B-A8E0-580EDEADCBDC}" type="datetimeFigureOut">
               <a:rPr lang="en-US" dirty="0"/>
-              <a:t>3/12/2020</a:t>
+              <a:t>3/13/2020</a:t>
             </a:fld>
             <a:endParaRPr lang="en-US" dirty="0"/>
           </a:p>
@@ -7651,7 +7651,7 @@
             <a:fld id="{B61BEF0D-F0BB-DE4B-95CE-6DB70DBA9567}" type="datetimeFigureOut">
               <a:rPr lang="en-US" dirty="0"/>
               <a:pPr/>
-              <a:t>3/12/2020</a:t>
+              <a:t>3/13/2020</a:t>
             </a:fld>
             <a:endParaRPr lang="en-US" dirty="0"/>
           </a:p>
@@ -8391,7 +8391,7 @@
             <a:fld id="{B61BEF0D-F0BB-DE4B-95CE-6DB70DBA9567}" type="datetimeFigureOut">
               <a:rPr lang="en-US" dirty="0"/>
               <a:pPr/>
-              <a:t>3/12/2020</a:t>
+              <a:t>3/13/2020</a:t>
             </a:fld>
             <a:endParaRPr lang="en-US" dirty="0"/>
           </a:p>
@@ -14462,36 +14462,6 @@
           </a:p>
         </p:txBody>
       </p:sp>
-      <p:pic>
-        <p:nvPicPr>
-          <p:cNvPr id="2" name="Image 1">
-            <a:extLst>
-              <a:ext uri="{FF2B5EF4-FFF2-40B4-BE49-F238E27FC236}">
-                <a16:creationId xmlns:a16="http://schemas.microsoft.com/office/drawing/2014/main" id="{EB85B4BA-1247-4132-A680-7202937A7093}"/>
-              </a:ext>
-            </a:extLst>
-          </p:cNvPr>
-          <p:cNvPicPr>
-            <a:picLocks noChangeAspect="1"/>
-          </p:cNvPicPr>
-          <p:nvPr/>
-        </p:nvPicPr>
-        <p:blipFill>
-          <a:blip r:embed="rId3"/>
-          <a:stretch>
-            <a:fillRect/>
-          </a:stretch>
-        </p:blipFill>
-        <p:spPr>
-          <a:xfrm>
-            <a:off x="2412013" y="-119099"/>
-            <a:ext cx="7367973" cy="6977099"/>
-          </a:xfrm>
-          <a:prstGeom prst="rect">
-            <a:avLst/>
-          </a:prstGeom>
-        </p:spPr>
-      </p:pic>
       <p:sp>
         <p:nvSpPr>
           <p:cNvPr id="5" name="Organigramme : Terminateur 4">
@@ -16403,6 +16373,36 @@
           </a:p>
         </p:txBody>
       </p:sp>
+      <p:pic>
+        <p:nvPicPr>
+          <p:cNvPr id="4" name="Image 3">
+            <a:extLst>
+              <a:ext uri="{FF2B5EF4-FFF2-40B4-BE49-F238E27FC236}">
+                <a16:creationId xmlns:a16="http://schemas.microsoft.com/office/drawing/2014/main" id="{3E0C8B8C-937D-4587-9FD1-E0CDFF6CB2E0}"/>
+              </a:ext>
+            </a:extLst>
+          </p:cNvPr>
+          <p:cNvPicPr>
+            <a:picLocks noChangeAspect="1"/>
+          </p:cNvPicPr>
+          <p:nvPr/>
+        </p:nvPicPr>
+        <p:blipFill>
+          <a:blip r:embed="rId3"/>
+          <a:stretch>
+            <a:fillRect/>
+          </a:stretch>
+        </p:blipFill>
+        <p:spPr>
+          <a:xfrm>
+            <a:off x="2595131" y="191332"/>
+            <a:ext cx="7435500" cy="6557131"/>
+          </a:xfrm>
+          <a:prstGeom prst="rect">
+            <a:avLst/>
+          </a:prstGeom>
+        </p:spPr>
+      </p:pic>
     </p:spTree>
     <p:extLst>
       <p:ext uri="{BB962C8B-B14F-4D97-AF65-F5344CB8AC3E}">
@@ -16504,8 +16504,8 @@
         </p:nvSpPr>
         <p:spPr>
           <a:xfrm>
-            <a:off x="3560382" y="125069"/>
-            <a:ext cx="3242435" cy="646331"/>
+            <a:off x="3187520" y="507693"/>
+            <a:ext cx="3763696" cy="738664"/>
           </a:xfrm>
           <a:prstGeom prst="rect">
             <a:avLst/>
@@ -16550,13 +16550,13 @@
           <a:p>
             <a:pPr algn="ctr"/>
             <a:r>
-              <a:rPr lang="fr-FR" sz="2000" b="1" dirty="0">
+              <a:rPr lang="fr-FR" sz="2400" b="1" dirty="0">
                 <a:latin typeface="Eras Medium ITC" panose="020B0602030504020804" pitchFamily="34" charset="0"/>
               </a:rPr>
               <a:t>Diagramme de séquence : </a:t>
             </a:r>
             <a:r>
-              <a:rPr lang="fr-FR" sz="1600" b="1" dirty="0">
+              <a:rPr lang="fr-FR" b="1" dirty="0">
                 <a:solidFill>
                   <a:srgbClr val="A41258"/>
                 </a:solidFill>
@@ -16564,7 +16564,7 @@
               </a:rPr>
               <a:t>Envoi d’un message</a:t>
             </a:r>
-            <a:endParaRPr lang="fr-FR" b="1" dirty="0">
+            <a:endParaRPr lang="fr-FR" sz="2000" b="1" dirty="0">
               <a:solidFill>
                 <a:srgbClr val="A41258"/>
               </a:solidFill>
@@ -16573,35 +16573,6 @@
           </a:p>
         </p:txBody>
       </p:sp>
-      <p:pic>
-        <p:nvPicPr>
-          <p:cNvPr id="4" name="Image 3">
-            <a:extLst>
-              <a:ext uri="{FF2B5EF4-FFF2-40B4-BE49-F238E27FC236}">
-                <a16:creationId xmlns:a16="http://schemas.microsoft.com/office/drawing/2014/main" id="{23D5BB14-85E0-47B6-9674-A8E0DB36C8AC}"/>
-              </a:ext>
-            </a:extLst>
-          </p:cNvPr>
-          <p:cNvPicPr>
-            <a:picLocks noChangeAspect="1"/>
-          </p:cNvPicPr>
-          <p:nvPr/>
-        </p:nvPicPr>
-        <p:blipFill rotWithShape="1">
-          <a:blip r:embed="rId3"/>
-          <a:srcRect t="4014"/>
-          <a:stretch/>
-        </p:blipFill>
-        <p:spPr>
-          <a:xfrm>
-            <a:off x="143436" y="753035"/>
-            <a:ext cx="9576636" cy="6112494"/>
-          </a:xfrm>
-          <a:prstGeom prst="rect">
-            <a:avLst/>
-          </a:prstGeom>
-        </p:spPr>
-      </p:pic>
       <p:sp>
         <p:nvSpPr>
           <p:cNvPr id="6" name="Organigramme : Terminateur 5">
@@ -18513,6 +18484,36 @@
           </a:p>
         </p:txBody>
       </p:sp>
+      <p:pic>
+        <p:nvPicPr>
+          <p:cNvPr id="3" name="Image 2">
+            <a:extLst>
+              <a:ext uri="{FF2B5EF4-FFF2-40B4-BE49-F238E27FC236}">
+                <a16:creationId xmlns:a16="http://schemas.microsoft.com/office/drawing/2014/main" id="{C6D4CBA2-AA8E-4C8D-8100-A2755CC4A333}"/>
+              </a:ext>
+            </a:extLst>
+          </p:cNvPr>
+          <p:cNvPicPr>
+            <a:picLocks noChangeAspect="1"/>
+          </p:cNvPicPr>
+          <p:nvPr/>
+        </p:nvPicPr>
+        <p:blipFill>
+          <a:blip r:embed="rId3"/>
+          <a:stretch>
+            <a:fillRect/>
+          </a:stretch>
+        </p:blipFill>
+        <p:spPr>
+          <a:xfrm>
+            <a:off x="134700" y="1564121"/>
+            <a:ext cx="9546660" cy="5293879"/>
+          </a:xfrm>
+          <a:prstGeom prst="rect">
+            <a:avLst/>
+          </a:prstGeom>
+        </p:spPr>
+      </p:pic>
     </p:spTree>
     <p:extLst>
       <p:ext uri="{BB962C8B-B14F-4D97-AF65-F5344CB8AC3E}">
@@ -18555,36 +18556,6 @@
           <a:chExt cx="0" cy="0"/>
         </a:xfrm>
       </p:grpSpPr>
-      <p:pic>
-        <p:nvPicPr>
-          <p:cNvPr id="2" name="Image 1">
-            <a:extLst>
-              <a:ext uri="{FF2B5EF4-FFF2-40B4-BE49-F238E27FC236}">
-                <a16:creationId xmlns:a16="http://schemas.microsoft.com/office/drawing/2014/main" id="{C59FFCD1-E399-4C08-B4EB-D9717532E202}"/>
-              </a:ext>
-            </a:extLst>
-          </p:cNvPr>
-          <p:cNvPicPr>
-            <a:picLocks noChangeAspect="1"/>
-          </p:cNvPicPr>
-          <p:nvPr/>
-        </p:nvPicPr>
-        <p:blipFill>
-          <a:blip r:embed="rId2"/>
-          <a:stretch>
-            <a:fillRect/>
-          </a:stretch>
-        </p:blipFill>
-        <p:spPr>
-          <a:xfrm>
-            <a:off x="154247" y="0"/>
-            <a:ext cx="9631378" cy="5943600"/>
-          </a:xfrm>
-          <a:prstGeom prst="rect">
-            <a:avLst/>
-          </a:prstGeom>
-        </p:spPr>
-      </p:pic>
       <p:sp>
         <p:nvSpPr>
           <p:cNvPr id="3" name="Organigramme : Terminateur 2">
@@ -20496,6 +20467,36 @@
           </a:p>
         </p:txBody>
       </p:sp>
+      <p:pic>
+        <p:nvPicPr>
+          <p:cNvPr id="44" name="Image 43">
+            <a:extLst>
+              <a:ext uri="{FF2B5EF4-FFF2-40B4-BE49-F238E27FC236}">
+                <a16:creationId xmlns:a16="http://schemas.microsoft.com/office/drawing/2014/main" id="{19AEDB8A-0EE5-4697-AB9B-1B09E0667940}"/>
+              </a:ext>
+            </a:extLst>
+          </p:cNvPr>
+          <p:cNvPicPr>
+            <a:picLocks noChangeAspect="1"/>
+          </p:cNvPicPr>
+          <p:nvPr/>
+        </p:nvPicPr>
+        <p:blipFill>
+          <a:blip r:embed="rId2"/>
+          <a:stretch>
+            <a:fillRect/>
+          </a:stretch>
+        </p:blipFill>
+        <p:spPr>
+          <a:xfrm>
+            <a:off x="274450" y="-10254"/>
+            <a:ext cx="9408989" cy="5806803"/>
+          </a:xfrm>
+          <a:prstGeom prst="rect">
+            <a:avLst/>
+          </a:prstGeom>
+        </p:spPr>
+      </p:pic>
     </p:spTree>
     <p:extLst>
       <p:ext uri="{BB962C8B-B14F-4D97-AF65-F5344CB8AC3E}">
@@ -20657,36 +20658,6 @@
           </a:p>
         </p:txBody>
       </p:sp>
-      <p:pic>
-        <p:nvPicPr>
-          <p:cNvPr id="2" name="Image 1">
-            <a:extLst>
-              <a:ext uri="{FF2B5EF4-FFF2-40B4-BE49-F238E27FC236}">
-                <a16:creationId xmlns:a16="http://schemas.microsoft.com/office/drawing/2014/main" id="{C333449A-FDA8-4476-8BB6-3C164B35991D}"/>
-              </a:ext>
-            </a:extLst>
-          </p:cNvPr>
-          <p:cNvPicPr>
-            <a:picLocks noChangeAspect="1"/>
-          </p:cNvPicPr>
-          <p:nvPr/>
-        </p:nvPicPr>
-        <p:blipFill>
-          <a:blip r:embed="rId3"/>
-          <a:stretch>
-            <a:fillRect/>
-          </a:stretch>
-        </p:blipFill>
-        <p:spPr>
-          <a:xfrm>
-            <a:off x="1353116" y="113656"/>
-            <a:ext cx="8536272" cy="6714565"/>
-          </a:xfrm>
-          <a:prstGeom prst="rect">
-            <a:avLst/>
-          </a:prstGeom>
-        </p:spPr>
-      </p:pic>
       <p:sp>
         <p:nvSpPr>
           <p:cNvPr id="81" name="Organigramme : Terminateur 80">
@@ -22598,6 +22569,36 @@
           </a:p>
         </p:txBody>
       </p:sp>
+      <p:pic>
+        <p:nvPicPr>
+          <p:cNvPr id="3" name="Image 2">
+            <a:extLst>
+              <a:ext uri="{FF2B5EF4-FFF2-40B4-BE49-F238E27FC236}">
+                <a16:creationId xmlns:a16="http://schemas.microsoft.com/office/drawing/2014/main" id="{2C4C0008-5DAA-423C-8197-46FA89A1C36A}"/>
+              </a:ext>
+            </a:extLst>
+          </p:cNvPr>
+          <p:cNvPicPr>
+            <a:picLocks noChangeAspect="1"/>
+          </p:cNvPicPr>
+          <p:nvPr/>
+        </p:nvPicPr>
+        <p:blipFill>
+          <a:blip r:embed="rId3"/>
+          <a:stretch>
+            <a:fillRect/>
+          </a:stretch>
+        </p:blipFill>
+        <p:spPr>
+          <a:xfrm>
+            <a:off x="1419200" y="25020"/>
+            <a:ext cx="8525560" cy="6670506"/>
+          </a:xfrm>
+          <a:prstGeom prst="rect">
+            <a:avLst/>
+          </a:prstGeom>
+        </p:spPr>
+      </p:pic>
     </p:spTree>
     <p:extLst>
       <p:ext uri="{BB962C8B-B14F-4D97-AF65-F5344CB8AC3E}">

--- a/Nathan/Compte-rendus/REVUE-R2-GUIGAND-SFL6.pptx
+++ b/Nathan/Compte-rendus/REVUE-R2-GUIGAND-SFL6.pptx
@@ -24,6 +24,7 @@
     <p:sldId id="273" r:id="rId18"/>
     <p:sldId id="263" r:id="rId19"/>
     <p:sldId id="272" r:id="rId20"/>
+    <p:sldId id="278" r:id="rId21"/>
   </p:sldIdLst>
   <p:sldSz cx="12192000" cy="6858000"/>
   <p:notesSz cx="6858000" cy="9144000"/>
@@ -10202,8 +10203,8 @@
         </p:blipFill>
         <p:spPr>
           <a:xfrm>
-            <a:off x="813034" y="1241994"/>
-            <a:ext cx="7722875" cy="5111496"/>
+            <a:off x="813034" y="1241993"/>
+            <a:ext cx="8004031" cy="5297583"/>
           </a:xfrm>
           <a:prstGeom prst="rect">
             <a:avLst/>
@@ -12102,7 +12103,7 @@
         </p:nvSpPr>
         <p:spPr>
           <a:xfrm>
-            <a:off x="10008111" y="6539577"/>
+            <a:off x="-97120" y="6424982"/>
             <a:ext cx="481111" cy="369332"/>
           </a:xfrm>
           <a:prstGeom prst="rect">
@@ -14263,7 +14264,7 @@
         </p:nvSpPr>
         <p:spPr>
           <a:xfrm>
-            <a:off x="10008111" y="6539577"/>
+            <a:off x="-97120" y="6450793"/>
             <a:ext cx="481111" cy="369332"/>
           </a:xfrm>
           <a:prstGeom prst="rect">
@@ -16344,7 +16345,7 @@
         </p:nvSpPr>
         <p:spPr>
           <a:xfrm>
-            <a:off x="10008111" y="6539577"/>
+            <a:off x="-97120" y="6402053"/>
             <a:ext cx="481111" cy="369332"/>
           </a:xfrm>
           <a:prstGeom prst="rect">
@@ -18455,7 +18456,7 @@
         </p:nvSpPr>
         <p:spPr>
           <a:xfrm>
-            <a:off x="10008111" y="6539577"/>
+            <a:off x="-89822" y="6450793"/>
             <a:ext cx="481111" cy="369332"/>
           </a:xfrm>
           <a:prstGeom prst="rect">
@@ -20438,7 +20439,7 @@
         </p:nvSpPr>
         <p:spPr>
           <a:xfrm>
-            <a:off x="10008111" y="6539577"/>
+            <a:off x="-15183" y="6450793"/>
             <a:ext cx="481111" cy="369332"/>
           </a:xfrm>
           <a:prstGeom prst="rect">
@@ -22540,7 +22541,7 @@
         </p:nvSpPr>
         <p:spPr>
           <a:xfrm>
-            <a:off x="10008111" y="6539577"/>
+            <a:off x="-12066" y="6450793"/>
             <a:ext cx="481111" cy="369332"/>
           </a:xfrm>
           <a:prstGeom prst="rect">
@@ -22782,7 +22783,7 @@
         </p:blipFill>
         <p:spPr>
           <a:xfrm>
-            <a:off x="143436" y="945943"/>
+            <a:off x="162908" y="955823"/>
             <a:ext cx="9965023" cy="5679636"/>
           </a:xfrm>
           <a:prstGeom prst="rect">
@@ -24672,7 +24673,7 @@
         </p:nvSpPr>
         <p:spPr>
           <a:xfrm>
-            <a:off x="10008111" y="6539577"/>
+            <a:off x="-53144" y="6420953"/>
             <a:ext cx="481111" cy="369332"/>
           </a:xfrm>
           <a:prstGeom prst="rect">
@@ -26783,7 +26784,7 @@
         </p:nvSpPr>
         <p:spPr>
           <a:xfrm>
-            <a:off x="10008111" y="6539577"/>
+            <a:off x="-97120" y="6402052"/>
             <a:ext cx="481111" cy="369332"/>
           </a:xfrm>
           <a:prstGeom prst="rect">
@@ -28944,7 +28945,7 @@
         </p:nvSpPr>
         <p:spPr>
           <a:xfrm>
-            <a:off x="10008111" y="6539577"/>
+            <a:off x="0" y="6461025"/>
             <a:ext cx="481111" cy="369332"/>
           </a:xfrm>
           <a:prstGeom prst="rect">
@@ -29157,16 +29158,15 @@
           </p:cNvPicPr>
           <p:nvPr/>
         </p:nvPicPr>
-        <p:blipFill>
+        <p:blipFill rotWithShape="1">
           <a:blip r:embed="rId3"/>
-          <a:stretch>
-            <a:fillRect/>
-          </a:stretch>
+          <a:srcRect b="88403"/>
+          <a:stretch/>
         </p:blipFill>
         <p:spPr>
           <a:xfrm>
-            <a:off x="111708" y="780109"/>
-            <a:ext cx="9214227" cy="5934456"/>
+            <a:off x="111708" y="1607574"/>
+            <a:ext cx="9214227" cy="688206"/>
           </a:xfrm>
           <a:prstGeom prst="rect">
             <a:avLst/>
@@ -31065,7 +31065,7 @@
         </p:nvSpPr>
         <p:spPr>
           <a:xfrm>
-            <a:off x="10008111" y="6539577"/>
+            <a:off x="-97120" y="6425531"/>
             <a:ext cx="481111" cy="369332"/>
           </a:xfrm>
           <a:prstGeom prst="rect">
@@ -31094,6 +31094,123 @@
           </a:p>
         </p:txBody>
       </p:sp>
+      <p:pic>
+        <p:nvPicPr>
+          <p:cNvPr id="44" name="Image 43">
+            <a:extLst>
+              <a:ext uri="{FF2B5EF4-FFF2-40B4-BE49-F238E27FC236}">
+                <a16:creationId xmlns:a16="http://schemas.microsoft.com/office/drawing/2014/main" id="{923F1530-7EA0-4439-B77C-14AAE20CC88E}"/>
+              </a:ext>
+            </a:extLst>
+          </p:cNvPr>
+          <p:cNvPicPr>
+            <a:picLocks noChangeAspect="1"/>
+          </p:cNvPicPr>
+          <p:nvPr/>
+        </p:nvPicPr>
+        <p:blipFill rotWithShape="1">
+          <a:blip r:embed="rId3"/>
+          <a:srcRect t="11597" b="74669"/>
+          <a:stretch/>
+        </p:blipFill>
+        <p:spPr>
+          <a:xfrm>
+            <a:off x="111708" y="2688079"/>
+            <a:ext cx="9214227" cy="815026"/>
+          </a:xfrm>
+          <a:prstGeom prst="rect">
+            <a:avLst/>
+          </a:prstGeom>
+          <a:ln>
+            <a:noFill/>
+          </a:ln>
+          <a:effectLst>
+            <a:outerShdw blurRad="292100" dist="139700" dir="2700000" algn="tl" rotWithShape="0">
+              <a:srgbClr val="333333">
+                <a:alpha val="65000"/>
+              </a:srgbClr>
+            </a:outerShdw>
+          </a:effectLst>
+        </p:spPr>
+      </p:pic>
+      <p:pic>
+        <p:nvPicPr>
+          <p:cNvPr id="45" name="Image 44">
+            <a:extLst>
+              <a:ext uri="{FF2B5EF4-FFF2-40B4-BE49-F238E27FC236}">
+                <a16:creationId xmlns:a16="http://schemas.microsoft.com/office/drawing/2014/main" id="{48569626-8C5D-4A37-94EC-0CA3FEAE8113}"/>
+              </a:ext>
+            </a:extLst>
+          </p:cNvPr>
+          <p:cNvPicPr>
+            <a:picLocks noChangeAspect="1"/>
+          </p:cNvPicPr>
+          <p:nvPr/>
+        </p:nvPicPr>
+        <p:blipFill rotWithShape="1">
+          <a:blip r:embed="rId3"/>
+          <a:srcRect t="25290" b="58013"/>
+          <a:stretch/>
+        </p:blipFill>
+        <p:spPr>
+          <a:xfrm>
+            <a:off x="87199" y="3919295"/>
+            <a:ext cx="9214227" cy="990894"/>
+          </a:xfrm>
+          <a:prstGeom prst="rect">
+            <a:avLst/>
+          </a:prstGeom>
+          <a:ln>
+            <a:noFill/>
+          </a:ln>
+          <a:effectLst>
+            <a:outerShdw blurRad="292100" dist="139700" dir="2700000" algn="tl" rotWithShape="0">
+              <a:srgbClr val="333333">
+                <a:alpha val="65000"/>
+              </a:srgbClr>
+            </a:outerShdw>
+          </a:effectLst>
+        </p:spPr>
+      </p:pic>
+      <p:pic>
+        <p:nvPicPr>
+          <p:cNvPr id="46" name="Image 45">
+            <a:extLst>
+              <a:ext uri="{FF2B5EF4-FFF2-40B4-BE49-F238E27FC236}">
+                <a16:creationId xmlns:a16="http://schemas.microsoft.com/office/drawing/2014/main" id="{4E8DBBA9-B486-4D40-8C57-D6D08AD065F0}"/>
+              </a:ext>
+            </a:extLst>
+          </p:cNvPr>
+          <p:cNvPicPr>
+            <a:picLocks noChangeAspect="1"/>
+          </p:cNvPicPr>
+          <p:nvPr/>
+        </p:nvPicPr>
+        <p:blipFill rotWithShape="1">
+          <a:blip r:embed="rId3"/>
+          <a:srcRect t="42304" b="49251"/>
+          <a:stretch/>
+        </p:blipFill>
+        <p:spPr>
+          <a:xfrm>
+            <a:off x="111707" y="5367355"/>
+            <a:ext cx="9214227" cy="501161"/>
+          </a:xfrm>
+          <a:prstGeom prst="rect">
+            <a:avLst/>
+          </a:prstGeom>
+          <a:ln>
+            <a:noFill/>
+          </a:ln>
+          <a:effectLst>
+            <a:outerShdw blurRad="292100" dist="139700" dir="2700000" algn="tl" rotWithShape="0">
+              <a:srgbClr val="333333">
+                <a:alpha val="65000"/>
+              </a:srgbClr>
+            </a:outerShdw>
+          </a:effectLst>
+        </p:spPr>
+      </p:pic>
     </p:spTree>
     <p:extLst>
       <p:ext uri="{BB962C8B-B14F-4D97-AF65-F5344CB8AC3E}">
@@ -33104,7 +33221,7 @@
         </p:nvSpPr>
         <p:spPr>
           <a:xfrm>
-            <a:off x="10008112" y="6539577"/>
+            <a:off x="32495" y="6488668"/>
             <a:ext cx="395978" cy="369332"/>
           </a:xfrm>
           <a:prstGeom prst="rect">
@@ -33158,7 +33275,7 @@
 </p:sld>
 </file>
 
-<file path=ppt/slides/slide3.xml><?xml version="1.0" encoding="utf-8"?>
+<file path=ppt/slides/slide20.xml><?xml version="1.0" encoding="utf-8"?>
 <p:sld xmlns:a="http://schemas.openxmlformats.org/drawingml/2006/main" xmlns:r="http://schemas.openxmlformats.org/officeDocument/2006/relationships" xmlns:p="http://schemas.openxmlformats.org/presentationml/2006/main">
   <p:cSld>
     <p:spTree>
@@ -33175,492 +33292,6 @@
           <a:chExt cx="0" cy="0"/>
         </a:xfrm>
       </p:grpSpPr>
-      <p:sp>
-        <p:nvSpPr>
-          <p:cNvPr id="33" name="Organigramme : Terminateur 32">
-            <a:extLst>
-              <a:ext uri="{FF2B5EF4-FFF2-40B4-BE49-F238E27FC236}">
-                <a16:creationId xmlns:a16="http://schemas.microsoft.com/office/drawing/2014/main" id="{D2BDC4FA-1741-488E-A637-45368CD17A8E}"/>
-              </a:ext>
-            </a:extLst>
-          </p:cNvPr>
-          <p:cNvSpPr/>
-          <p:nvPr/>
-        </p:nvSpPr>
-        <p:spPr>
-          <a:xfrm>
-            <a:off x="11782953" y="4838752"/>
-            <a:ext cx="137445" cy="71437"/>
-          </a:xfrm>
-          <a:prstGeom prst="flowChartTerminator">
-            <a:avLst/>
-          </a:prstGeom>
-          <a:solidFill>
-            <a:schemeClr val="bg1"/>
-          </a:solidFill>
-          <a:ln>
-            <a:solidFill>
-              <a:schemeClr val="bg1"/>
-            </a:solidFill>
-          </a:ln>
-        </p:spPr>
-        <p:style>
-          <a:lnRef idx="2">
-            <a:schemeClr val="accent1">
-              <a:shade val="50000"/>
-            </a:schemeClr>
-          </a:lnRef>
-          <a:fillRef idx="1">
-            <a:schemeClr val="accent1"/>
-          </a:fillRef>
-          <a:effectRef idx="0">
-            <a:schemeClr val="accent1"/>
-          </a:effectRef>
-          <a:fontRef idx="minor">
-            <a:schemeClr val="lt1"/>
-          </a:fontRef>
-        </p:style>
-        <p:txBody>
-          <a:bodyPr rtlCol="0" anchor="ctr"/>
-          <a:lstStyle/>
-          <a:p>
-            <a:pPr algn="ctr"/>
-            <a:endParaRPr lang="fr-FR" dirty="0"/>
-          </a:p>
-        </p:txBody>
-      </p:sp>
-      <p:sp>
-        <p:nvSpPr>
-          <p:cNvPr id="34" name="Organigramme : Terminateur 33">
-            <a:extLst>
-              <a:ext uri="{FF2B5EF4-FFF2-40B4-BE49-F238E27FC236}">
-                <a16:creationId xmlns:a16="http://schemas.microsoft.com/office/drawing/2014/main" id="{15F57145-CF17-424E-9C53-F71710060AA6}"/>
-              </a:ext>
-            </a:extLst>
-          </p:cNvPr>
-          <p:cNvSpPr/>
-          <p:nvPr/>
-        </p:nvSpPr>
-        <p:spPr>
-          <a:xfrm>
-            <a:off x="11782954" y="4625096"/>
-            <a:ext cx="137445" cy="71437"/>
-          </a:xfrm>
-          <a:prstGeom prst="flowChartTerminator">
-            <a:avLst/>
-          </a:prstGeom>
-          <a:solidFill>
-            <a:schemeClr val="bg1"/>
-          </a:solidFill>
-          <a:ln>
-            <a:solidFill>
-              <a:schemeClr val="bg1"/>
-            </a:solidFill>
-          </a:ln>
-        </p:spPr>
-        <p:style>
-          <a:lnRef idx="2">
-            <a:schemeClr val="accent1">
-              <a:shade val="50000"/>
-            </a:schemeClr>
-          </a:lnRef>
-          <a:fillRef idx="1">
-            <a:schemeClr val="accent1"/>
-          </a:fillRef>
-          <a:effectRef idx="0">
-            <a:schemeClr val="accent1"/>
-          </a:effectRef>
-          <a:fontRef idx="minor">
-            <a:schemeClr val="lt1"/>
-          </a:fontRef>
-        </p:style>
-        <p:txBody>
-          <a:bodyPr rtlCol="0" anchor="ctr"/>
-          <a:lstStyle/>
-          <a:p>
-            <a:pPr algn="ctr"/>
-            <a:endParaRPr lang="fr-FR" dirty="0"/>
-          </a:p>
-        </p:txBody>
-      </p:sp>
-      <p:sp>
-        <p:nvSpPr>
-          <p:cNvPr id="35" name="Organigramme : Terminateur 34">
-            <a:extLst>
-              <a:ext uri="{FF2B5EF4-FFF2-40B4-BE49-F238E27FC236}">
-                <a16:creationId xmlns:a16="http://schemas.microsoft.com/office/drawing/2014/main" id="{8EC31AA7-587F-44B9-8F46-100CA0789874}"/>
-              </a:ext>
-            </a:extLst>
-          </p:cNvPr>
-          <p:cNvSpPr/>
-          <p:nvPr/>
-        </p:nvSpPr>
-        <p:spPr>
-          <a:xfrm>
-            <a:off x="11780105" y="4406798"/>
-            <a:ext cx="137445" cy="71437"/>
-          </a:xfrm>
-          <a:prstGeom prst="flowChartTerminator">
-            <a:avLst/>
-          </a:prstGeom>
-          <a:solidFill>
-            <a:schemeClr val="bg1"/>
-          </a:solidFill>
-          <a:ln>
-            <a:solidFill>
-              <a:schemeClr val="bg1"/>
-            </a:solidFill>
-          </a:ln>
-        </p:spPr>
-        <p:style>
-          <a:lnRef idx="2">
-            <a:schemeClr val="accent1">
-              <a:shade val="50000"/>
-            </a:schemeClr>
-          </a:lnRef>
-          <a:fillRef idx="1">
-            <a:schemeClr val="accent1"/>
-          </a:fillRef>
-          <a:effectRef idx="0">
-            <a:schemeClr val="accent1"/>
-          </a:effectRef>
-          <a:fontRef idx="minor">
-            <a:schemeClr val="lt1"/>
-          </a:fontRef>
-        </p:style>
-        <p:txBody>
-          <a:bodyPr rtlCol="0" anchor="ctr"/>
-          <a:lstStyle/>
-          <a:p>
-            <a:pPr algn="ctr"/>
-            <a:endParaRPr lang="fr-FR" dirty="0"/>
-          </a:p>
-        </p:txBody>
-      </p:sp>
-      <p:sp>
-        <p:nvSpPr>
-          <p:cNvPr id="30" name="Organigramme : Terminateur 29">
-            <a:extLst>
-              <a:ext uri="{FF2B5EF4-FFF2-40B4-BE49-F238E27FC236}">
-                <a16:creationId xmlns:a16="http://schemas.microsoft.com/office/drawing/2014/main" id="{38EAA4C7-17E4-4269-AD88-380D93A0D465}"/>
-              </a:ext>
-            </a:extLst>
-          </p:cNvPr>
-          <p:cNvSpPr/>
-          <p:nvPr/>
-        </p:nvSpPr>
-        <p:spPr>
-          <a:xfrm>
-            <a:off x="11782953" y="3678638"/>
-            <a:ext cx="137445" cy="71437"/>
-          </a:xfrm>
-          <a:prstGeom prst="flowChartTerminator">
-            <a:avLst/>
-          </a:prstGeom>
-          <a:solidFill>
-            <a:schemeClr val="bg1"/>
-          </a:solidFill>
-          <a:ln>
-            <a:solidFill>
-              <a:schemeClr val="bg1"/>
-            </a:solidFill>
-          </a:ln>
-        </p:spPr>
-        <p:style>
-          <a:lnRef idx="2">
-            <a:schemeClr val="accent1">
-              <a:shade val="50000"/>
-            </a:schemeClr>
-          </a:lnRef>
-          <a:fillRef idx="1">
-            <a:schemeClr val="accent1"/>
-          </a:fillRef>
-          <a:effectRef idx="0">
-            <a:schemeClr val="accent1"/>
-          </a:effectRef>
-          <a:fontRef idx="minor">
-            <a:schemeClr val="lt1"/>
-          </a:fontRef>
-        </p:style>
-        <p:txBody>
-          <a:bodyPr rtlCol="0" anchor="ctr"/>
-          <a:lstStyle/>
-          <a:p>
-            <a:pPr algn="ctr"/>
-            <a:endParaRPr lang="fr-FR" dirty="0"/>
-          </a:p>
-        </p:txBody>
-      </p:sp>
-      <p:sp>
-        <p:nvSpPr>
-          <p:cNvPr id="31" name="Organigramme : Terminateur 30">
-            <a:extLst>
-              <a:ext uri="{FF2B5EF4-FFF2-40B4-BE49-F238E27FC236}">
-                <a16:creationId xmlns:a16="http://schemas.microsoft.com/office/drawing/2014/main" id="{BDD756DD-F2ED-49EE-BF72-D956647E4371}"/>
-              </a:ext>
-            </a:extLst>
-          </p:cNvPr>
-          <p:cNvSpPr/>
-          <p:nvPr/>
-        </p:nvSpPr>
-        <p:spPr>
-          <a:xfrm>
-            <a:off x="11782954" y="3464982"/>
-            <a:ext cx="137445" cy="71437"/>
-          </a:xfrm>
-          <a:prstGeom prst="flowChartTerminator">
-            <a:avLst/>
-          </a:prstGeom>
-          <a:solidFill>
-            <a:schemeClr val="bg1"/>
-          </a:solidFill>
-          <a:ln>
-            <a:solidFill>
-              <a:schemeClr val="bg1"/>
-            </a:solidFill>
-          </a:ln>
-        </p:spPr>
-        <p:style>
-          <a:lnRef idx="2">
-            <a:schemeClr val="accent1">
-              <a:shade val="50000"/>
-            </a:schemeClr>
-          </a:lnRef>
-          <a:fillRef idx="1">
-            <a:schemeClr val="accent1"/>
-          </a:fillRef>
-          <a:effectRef idx="0">
-            <a:schemeClr val="accent1"/>
-          </a:effectRef>
-          <a:fontRef idx="minor">
-            <a:schemeClr val="lt1"/>
-          </a:fontRef>
-        </p:style>
-        <p:txBody>
-          <a:bodyPr rtlCol="0" anchor="ctr"/>
-          <a:lstStyle/>
-          <a:p>
-            <a:pPr algn="ctr"/>
-            <a:endParaRPr lang="fr-FR" dirty="0"/>
-          </a:p>
-        </p:txBody>
-      </p:sp>
-      <p:sp>
-        <p:nvSpPr>
-          <p:cNvPr id="32" name="Organigramme : Terminateur 31">
-            <a:extLst>
-              <a:ext uri="{FF2B5EF4-FFF2-40B4-BE49-F238E27FC236}">
-                <a16:creationId xmlns:a16="http://schemas.microsoft.com/office/drawing/2014/main" id="{2F127B38-AAAA-4DBD-B24D-B938CFEE48F7}"/>
-              </a:ext>
-            </a:extLst>
-          </p:cNvPr>
-          <p:cNvSpPr/>
-          <p:nvPr/>
-        </p:nvSpPr>
-        <p:spPr>
-          <a:xfrm>
-            <a:off x="11787913" y="3246684"/>
-            <a:ext cx="137445" cy="71437"/>
-          </a:xfrm>
-          <a:prstGeom prst="flowChartTerminator">
-            <a:avLst/>
-          </a:prstGeom>
-          <a:solidFill>
-            <a:schemeClr val="bg1"/>
-          </a:solidFill>
-          <a:ln>
-            <a:solidFill>
-              <a:schemeClr val="bg1"/>
-            </a:solidFill>
-          </a:ln>
-        </p:spPr>
-        <p:style>
-          <a:lnRef idx="2">
-            <a:schemeClr val="accent1">
-              <a:shade val="50000"/>
-            </a:schemeClr>
-          </a:lnRef>
-          <a:fillRef idx="1">
-            <a:schemeClr val="accent1"/>
-          </a:fillRef>
-          <a:effectRef idx="0">
-            <a:schemeClr val="accent1"/>
-          </a:effectRef>
-          <a:fontRef idx="minor">
-            <a:schemeClr val="lt1"/>
-          </a:fontRef>
-        </p:style>
-        <p:txBody>
-          <a:bodyPr rtlCol="0" anchor="ctr"/>
-          <a:lstStyle/>
-          <a:p>
-            <a:pPr algn="ctr"/>
-            <a:endParaRPr lang="fr-FR" dirty="0"/>
-          </a:p>
-        </p:txBody>
-      </p:sp>
-      <p:sp>
-        <p:nvSpPr>
-          <p:cNvPr id="29" name="Organigramme : Terminateur 28">
-            <a:extLst>
-              <a:ext uri="{FF2B5EF4-FFF2-40B4-BE49-F238E27FC236}">
-                <a16:creationId xmlns:a16="http://schemas.microsoft.com/office/drawing/2014/main" id="{8680FA50-09CB-4762-840F-59359D314EE6}"/>
-              </a:ext>
-            </a:extLst>
-          </p:cNvPr>
-          <p:cNvSpPr/>
-          <p:nvPr/>
-        </p:nvSpPr>
-        <p:spPr>
-          <a:xfrm>
-            <a:off x="11782810" y="1022638"/>
-            <a:ext cx="137445" cy="71437"/>
-          </a:xfrm>
-          <a:prstGeom prst="flowChartTerminator">
-            <a:avLst/>
-          </a:prstGeom>
-          <a:solidFill>
-            <a:schemeClr val="bg1"/>
-          </a:solidFill>
-          <a:ln>
-            <a:solidFill>
-              <a:schemeClr val="bg1"/>
-            </a:solidFill>
-          </a:ln>
-        </p:spPr>
-        <p:style>
-          <a:lnRef idx="2">
-            <a:schemeClr val="accent1">
-              <a:shade val="50000"/>
-            </a:schemeClr>
-          </a:lnRef>
-          <a:fillRef idx="1">
-            <a:schemeClr val="accent1"/>
-          </a:fillRef>
-          <a:effectRef idx="0">
-            <a:schemeClr val="accent1"/>
-          </a:effectRef>
-          <a:fontRef idx="minor">
-            <a:schemeClr val="lt1"/>
-          </a:fontRef>
-        </p:style>
-        <p:txBody>
-          <a:bodyPr rtlCol="0" anchor="ctr"/>
-          <a:lstStyle/>
-          <a:p>
-            <a:pPr algn="ctr"/>
-            <a:endParaRPr lang="fr-FR" dirty="0"/>
-          </a:p>
-        </p:txBody>
-      </p:sp>
-      <p:sp>
-        <p:nvSpPr>
-          <p:cNvPr id="28" name="Organigramme : Terminateur 27">
-            <a:extLst>
-              <a:ext uri="{FF2B5EF4-FFF2-40B4-BE49-F238E27FC236}">
-                <a16:creationId xmlns:a16="http://schemas.microsoft.com/office/drawing/2014/main" id="{DB05532A-1E62-4869-B0CD-457C8C100E8D}"/>
-              </a:ext>
-            </a:extLst>
-          </p:cNvPr>
-          <p:cNvSpPr/>
-          <p:nvPr/>
-        </p:nvSpPr>
-        <p:spPr>
-          <a:xfrm>
-            <a:off x="11782811" y="808982"/>
-            <a:ext cx="137445" cy="71437"/>
-          </a:xfrm>
-          <a:prstGeom prst="flowChartTerminator">
-            <a:avLst/>
-          </a:prstGeom>
-          <a:solidFill>
-            <a:schemeClr val="bg1"/>
-          </a:solidFill>
-          <a:ln>
-            <a:solidFill>
-              <a:schemeClr val="bg1"/>
-            </a:solidFill>
-          </a:ln>
-        </p:spPr>
-        <p:style>
-          <a:lnRef idx="2">
-            <a:schemeClr val="accent1">
-              <a:shade val="50000"/>
-            </a:schemeClr>
-          </a:lnRef>
-          <a:fillRef idx="1">
-            <a:schemeClr val="accent1"/>
-          </a:fillRef>
-          <a:effectRef idx="0">
-            <a:schemeClr val="accent1"/>
-          </a:effectRef>
-          <a:fontRef idx="minor">
-            <a:schemeClr val="lt1"/>
-          </a:fontRef>
-        </p:style>
-        <p:txBody>
-          <a:bodyPr rtlCol="0" anchor="ctr"/>
-          <a:lstStyle/>
-          <a:p>
-            <a:pPr algn="ctr"/>
-            <a:endParaRPr lang="fr-FR" dirty="0"/>
-          </a:p>
-        </p:txBody>
-      </p:sp>
-      <p:sp>
-        <p:nvSpPr>
-          <p:cNvPr id="27" name="Organigramme : Terminateur 26">
-            <a:extLst>
-              <a:ext uri="{FF2B5EF4-FFF2-40B4-BE49-F238E27FC236}">
-                <a16:creationId xmlns:a16="http://schemas.microsoft.com/office/drawing/2014/main" id="{82C3BEEF-E4AB-439D-AB25-3F975A1A8383}"/>
-              </a:ext>
-            </a:extLst>
-          </p:cNvPr>
-          <p:cNvSpPr/>
-          <p:nvPr/>
-        </p:nvSpPr>
-        <p:spPr>
-          <a:xfrm>
-            <a:off x="11780105" y="596427"/>
-            <a:ext cx="137445" cy="71437"/>
-          </a:xfrm>
-          <a:prstGeom prst="flowChartTerminator">
-            <a:avLst/>
-          </a:prstGeom>
-          <a:solidFill>
-            <a:srgbClr val="A31257"/>
-          </a:solidFill>
-          <a:ln>
-            <a:solidFill>
-              <a:schemeClr val="bg1"/>
-            </a:solidFill>
-          </a:ln>
-        </p:spPr>
-        <p:style>
-          <a:lnRef idx="2">
-            <a:schemeClr val="accent1">
-              <a:shade val="50000"/>
-            </a:schemeClr>
-          </a:lnRef>
-          <a:fillRef idx="1">
-            <a:schemeClr val="accent1"/>
-          </a:fillRef>
-          <a:effectRef idx="0">
-            <a:schemeClr val="accent1"/>
-          </a:effectRef>
-          <a:fontRef idx="minor">
-            <a:schemeClr val="lt1"/>
-          </a:fontRef>
-        </p:style>
-        <p:txBody>
-          <a:bodyPr rtlCol="0" anchor="ctr"/>
-          <a:lstStyle/>
-          <a:p>
-            <a:pPr algn="ctr"/>
-            <a:endParaRPr lang="fr-FR" dirty="0"/>
-          </a:p>
-        </p:txBody>
-      </p:sp>
       <p:pic>
         <p:nvPicPr>
           <p:cNvPr id="1026" name="Picture 2" descr="Image associée">
@@ -33711,7 +33342,7 @@
           <p:cNvPr id="3" name="ZoneTexte 2">
             <a:extLst>
               <a:ext uri="{FF2B5EF4-FFF2-40B4-BE49-F238E27FC236}">
-                <a16:creationId xmlns:a16="http://schemas.microsoft.com/office/drawing/2014/main" id="{710E88E4-C59A-4F33-A331-17F09767646F}"/>
+                <a16:creationId xmlns:a16="http://schemas.microsoft.com/office/drawing/2014/main" id="{1582123C-25BF-42F1-97F8-35FFB48DFFAA}"/>
               </a:ext>
             </a:extLst>
           </p:cNvPr>
@@ -33720,8 +33351,8 @@
         </p:nvSpPr>
         <p:spPr>
           <a:xfrm>
-            <a:off x="2816352" y="143435"/>
-            <a:ext cx="5342576" cy="646331"/>
+            <a:off x="2477079" y="168260"/>
+            <a:ext cx="6848856" cy="584775"/>
           </a:xfrm>
           <a:prstGeom prst="rect">
             <a:avLst/>
@@ -33766,102 +33397,35 @@
           <a:p>
             <a:pPr algn="ctr"/>
             <a:r>
-              <a:rPr lang="fr-FR" sz="3600" b="1" dirty="0">
+              <a:rPr lang="fr-FR" sz="3200" b="1" dirty="0">
                 <a:latin typeface="Eras Medium ITC" panose="020B0602030504020804" pitchFamily="34" charset="0"/>
               </a:rPr>
-              <a:t>Présentation du </a:t>
-            </a:r>
-            <a:r>
-              <a:rPr lang="fr-FR" sz="3600" b="1" dirty="0">
+              <a:t>Planification Gantt - </a:t>
+            </a:r>
+            <a:r>
+              <a:rPr lang="fr-FR" sz="2800" b="1" dirty="0">
                 <a:solidFill>
-                  <a:srgbClr val="A31257"/>
+                  <a:srgbClr val="A41258"/>
                 </a:solidFill>
                 <a:latin typeface="Eras Medium ITC" panose="020B0602030504020804" pitchFamily="34" charset="0"/>
               </a:rPr>
-              <a:t>projet</a:t>
-            </a:r>
-            <a:r>
-              <a:rPr lang="fr-FR" sz="3600" b="1" dirty="0">
+              <a:t>Partie personnelle </a:t>
+            </a:r>
+            <a:r>
+              <a:rPr lang="fr-FR" sz="2800" b="1" dirty="0">
                 <a:latin typeface="Eras Medium ITC" panose="020B0602030504020804" pitchFamily="34" charset="0"/>
               </a:rPr>
-              <a:t> :</a:t>
-            </a:r>
-            <a:endParaRPr lang="fr-FR" sz="3200" b="1" dirty="0">
-              <a:latin typeface="Eras Medium ITC" panose="020B0602030504020804" pitchFamily="34" charset="0"/>
-            </a:endParaRPr>
-          </a:p>
-        </p:txBody>
-      </p:sp>
-      <p:pic>
-        <p:nvPicPr>
-          <p:cNvPr id="2" name="Image 1">
-            <a:extLst>
-              <a:ext uri="{FF2B5EF4-FFF2-40B4-BE49-F238E27FC236}">
-                <a16:creationId xmlns:a16="http://schemas.microsoft.com/office/drawing/2014/main" id="{D297602B-3888-4148-A07F-260085A43925}"/>
-              </a:ext>
-            </a:extLst>
-          </p:cNvPr>
-          <p:cNvPicPr>
-            <a:picLocks noChangeAspect="1"/>
-          </p:cNvPicPr>
-          <p:nvPr/>
-        </p:nvPicPr>
-        <p:blipFill rotWithShape="1">
-          <a:blip r:embed="rId3"/>
-          <a:srcRect t="4170"/>
-          <a:stretch/>
-        </p:blipFill>
-        <p:spPr>
-          <a:xfrm>
-            <a:off x="0" y="936993"/>
-            <a:ext cx="8954429" cy="5914304"/>
-          </a:xfrm>
-          <a:prstGeom prst="rect">
-            <a:avLst/>
-          </a:prstGeom>
-        </p:spPr>
-      </p:pic>
-      <p:sp>
-        <p:nvSpPr>
-          <p:cNvPr id="10" name="ZoneTexte 9">
-            <a:extLst>
-              <a:ext uri="{FF2B5EF4-FFF2-40B4-BE49-F238E27FC236}">
-                <a16:creationId xmlns:a16="http://schemas.microsoft.com/office/drawing/2014/main" id="{A66FA68B-5F9D-451A-ABA9-7074434063CD}"/>
-              </a:ext>
-            </a:extLst>
-          </p:cNvPr>
-          <p:cNvSpPr txBox="1"/>
-          <p:nvPr/>
-        </p:nvSpPr>
-        <p:spPr>
-          <a:xfrm>
-            <a:off x="1" y="6378766"/>
-            <a:ext cx="429658" cy="461665"/>
-          </a:xfrm>
-          <a:prstGeom prst="rect">
-            <a:avLst/>
-          </a:prstGeom>
-          <a:noFill/>
-        </p:spPr>
-        <p:txBody>
-          <a:bodyPr wrap="square" rtlCol="0">
-            <a:spAutoFit/>
-          </a:bodyPr>
-          <a:lstStyle/>
-          <a:p>
-            <a:r>
-              <a:rPr lang="fr-FR" sz="2400" dirty="0"/>
-              <a:t>2</a:t>
-            </a:r>
-          </a:p>
-        </p:txBody>
-      </p:sp>
-      <p:sp>
-        <p:nvSpPr>
-          <p:cNvPr id="6" name="Ellipse 5">
-            <a:extLst>
-              <a:ext uri="{FF2B5EF4-FFF2-40B4-BE49-F238E27FC236}">
-                <a16:creationId xmlns:a16="http://schemas.microsoft.com/office/drawing/2014/main" id="{B4D120A1-E8E3-4251-AF0E-3375AFF9ACF8}"/>
+              <a:t>:</a:t>
+            </a:r>
+          </a:p>
+        </p:txBody>
+      </p:sp>
+      <p:sp>
+        <p:nvSpPr>
+          <p:cNvPr id="5" name="Organigramme : Terminateur 4">
+            <a:extLst>
+              <a:ext uri="{FF2B5EF4-FFF2-40B4-BE49-F238E27FC236}">
+                <a16:creationId xmlns:a16="http://schemas.microsoft.com/office/drawing/2014/main" id="{D5D7B4D6-ADF8-4C90-B3F5-DE9B8FB86B92}"/>
               </a:ext>
             </a:extLst>
           </p:cNvPr>
@@ -33870,10 +33434,10 @@
         </p:nvSpPr>
         <p:spPr>
           <a:xfrm>
-            <a:off x="11740896" y="143435"/>
-            <a:ext cx="307668" cy="317709"/>
-          </a:xfrm>
-          <a:prstGeom prst="ellipse">
+            <a:off x="11782953" y="4838752"/>
+            <a:ext cx="137445" cy="71437"/>
+          </a:xfrm>
+          <a:prstGeom prst="flowChartTerminator">
             <a:avLst/>
           </a:prstGeom>
           <a:solidFill>
@@ -33912,10 +33476,10 @@
       </p:sp>
       <p:sp>
         <p:nvSpPr>
-          <p:cNvPr id="16" name="Rectangle 15">
-            <a:extLst>
-              <a:ext uri="{FF2B5EF4-FFF2-40B4-BE49-F238E27FC236}">
-                <a16:creationId xmlns:a16="http://schemas.microsoft.com/office/drawing/2014/main" id="{F8FAD2E6-F58B-444D-83A0-C89C3228905D}"/>
+          <p:cNvPr id="6" name="Organigramme : Terminateur 5">
+            <a:extLst>
+              <a:ext uri="{FF2B5EF4-FFF2-40B4-BE49-F238E27FC236}">
+                <a16:creationId xmlns:a16="http://schemas.microsoft.com/office/drawing/2014/main" id="{F5881871-2C99-47E8-98F4-F11EAA0460C0}"/>
               </a:ext>
             </a:extLst>
           </p:cNvPr>
@@ -33924,17 +33488,19 @@
         </p:nvSpPr>
         <p:spPr>
           <a:xfrm>
-            <a:off x="11861348" y="325214"/>
-            <a:ext cx="55883" cy="6446174"/>
-          </a:xfrm>
-          <a:prstGeom prst="rect">
+            <a:off x="11782954" y="4625096"/>
+            <a:ext cx="137445" cy="71437"/>
+          </a:xfrm>
+          <a:prstGeom prst="flowChartTerminator">
             <a:avLst/>
           </a:prstGeom>
           <a:solidFill>
             <a:srgbClr val="A31257"/>
           </a:solidFill>
           <a:ln>
-            <a:noFill/>
+            <a:solidFill>
+              <a:schemeClr val="bg1"/>
+            </a:solidFill>
           </a:ln>
         </p:spPr>
         <p:style>
@@ -33958,16 +33524,500 @@
           <a:lstStyle/>
           <a:p>
             <a:pPr algn="ctr"/>
+            <a:endParaRPr lang="fr-FR" dirty="0"/>
+          </a:p>
+        </p:txBody>
+      </p:sp>
+      <p:sp>
+        <p:nvSpPr>
+          <p:cNvPr id="7" name="Organigramme : Terminateur 6">
+            <a:extLst>
+              <a:ext uri="{FF2B5EF4-FFF2-40B4-BE49-F238E27FC236}">
+                <a16:creationId xmlns:a16="http://schemas.microsoft.com/office/drawing/2014/main" id="{4F40152C-793B-4F6F-AE2B-5208B26A00A1}"/>
+              </a:ext>
+            </a:extLst>
+          </p:cNvPr>
+          <p:cNvSpPr/>
+          <p:nvPr/>
+        </p:nvSpPr>
+        <p:spPr>
+          <a:xfrm>
+            <a:off x="11780105" y="4406798"/>
+            <a:ext cx="137445" cy="71437"/>
+          </a:xfrm>
+          <a:prstGeom prst="flowChartTerminator">
+            <a:avLst/>
+          </a:prstGeom>
+          <a:solidFill>
+            <a:srgbClr val="A31257"/>
+          </a:solidFill>
+          <a:ln>
+            <a:solidFill>
+              <a:schemeClr val="bg1"/>
+            </a:solidFill>
+          </a:ln>
+        </p:spPr>
+        <p:style>
+          <a:lnRef idx="2">
+            <a:schemeClr val="accent1">
+              <a:shade val="50000"/>
+            </a:schemeClr>
+          </a:lnRef>
+          <a:fillRef idx="1">
+            <a:schemeClr val="accent1"/>
+          </a:fillRef>
+          <a:effectRef idx="0">
+            <a:schemeClr val="accent1"/>
+          </a:effectRef>
+          <a:fontRef idx="minor">
+            <a:schemeClr val="lt1"/>
+          </a:fontRef>
+        </p:style>
+        <p:txBody>
+          <a:bodyPr rtlCol="0" anchor="ctr"/>
+          <a:lstStyle/>
+          <a:p>
+            <a:pPr algn="ctr"/>
+            <a:endParaRPr lang="fr-FR" dirty="0"/>
+          </a:p>
+        </p:txBody>
+      </p:sp>
+      <p:sp>
+        <p:nvSpPr>
+          <p:cNvPr id="8" name="Organigramme : Terminateur 7">
+            <a:extLst>
+              <a:ext uri="{FF2B5EF4-FFF2-40B4-BE49-F238E27FC236}">
+                <a16:creationId xmlns:a16="http://schemas.microsoft.com/office/drawing/2014/main" id="{387909E1-265B-4863-9F50-D5EEABAE18F5}"/>
+              </a:ext>
+            </a:extLst>
+          </p:cNvPr>
+          <p:cNvSpPr/>
+          <p:nvPr/>
+        </p:nvSpPr>
+        <p:spPr>
+          <a:xfrm>
+            <a:off x="11782953" y="3678638"/>
+            <a:ext cx="137445" cy="71437"/>
+          </a:xfrm>
+          <a:prstGeom prst="flowChartTerminator">
+            <a:avLst/>
+          </a:prstGeom>
+          <a:solidFill>
+            <a:srgbClr val="A31257"/>
+          </a:solidFill>
+          <a:ln>
+            <a:solidFill>
+              <a:schemeClr val="bg1"/>
+            </a:solidFill>
+          </a:ln>
+        </p:spPr>
+        <p:style>
+          <a:lnRef idx="2">
+            <a:schemeClr val="accent1">
+              <a:shade val="50000"/>
+            </a:schemeClr>
+          </a:lnRef>
+          <a:fillRef idx="1">
+            <a:schemeClr val="accent1"/>
+          </a:fillRef>
+          <a:effectRef idx="0">
+            <a:schemeClr val="accent1"/>
+          </a:effectRef>
+          <a:fontRef idx="minor">
+            <a:schemeClr val="lt1"/>
+          </a:fontRef>
+        </p:style>
+        <p:txBody>
+          <a:bodyPr rtlCol="0" anchor="ctr"/>
+          <a:lstStyle/>
+          <a:p>
+            <a:pPr algn="ctr"/>
+            <a:endParaRPr lang="fr-FR" dirty="0"/>
+          </a:p>
+        </p:txBody>
+      </p:sp>
+      <p:sp>
+        <p:nvSpPr>
+          <p:cNvPr id="9" name="Organigramme : Terminateur 8">
+            <a:extLst>
+              <a:ext uri="{FF2B5EF4-FFF2-40B4-BE49-F238E27FC236}">
+                <a16:creationId xmlns:a16="http://schemas.microsoft.com/office/drawing/2014/main" id="{B050F516-2316-4B07-9C37-BE423D9CE195}"/>
+              </a:ext>
+            </a:extLst>
+          </p:cNvPr>
+          <p:cNvSpPr/>
+          <p:nvPr/>
+        </p:nvSpPr>
+        <p:spPr>
+          <a:xfrm>
+            <a:off x="11782954" y="3464982"/>
+            <a:ext cx="137445" cy="71437"/>
+          </a:xfrm>
+          <a:prstGeom prst="flowChartTerminator">
+            <a:avLst/>
+          </a:prstGeom>
+          <a:solidFill>
+            <a:srgbClr val="A31257"/>
+          </a:solidFill>
+          <a:ln>
+            <a:solidFill>
+              <a:schemeClr val="bg1"/>
+            </a:solidFill>
+          </a:ln>
+        </p:spPr>
+        <p:style>
+          <a:lnRef idx="2">
+            <a:schemeClr val="accent1">
+              <a:shade val="50000"/>
+            </a:schemeClr>
+          </a:lnRef>
+          <a:fillRef idx="1">
+            <a:schemeClr val="accent1"/>
+          </a:fillRef>
+          <a:effectRef idx="0">
+            <a:schemeClr val="accent1"/>
+          </a:effectRef>
+          <a:fontRef idx="minor">
+            <a:schemeClr val="lt1"/>
+          </a:fontRef>
+        </p:style>
+        <p:txBody>
+          <a:bodyPr rtlCol="0" anchor="ctr"/>
+          <a:lstStyle/>
+          <a:p>
+            <a:pPr algn="ctr"/>
+            <a:endParaRPr lang="fr-FR" dirty="0"/>
+          </a:p>
+        </p:txBody>
+      </p:sp>
+      <p:sp>
+        <p:nvSpPr>
+          <p:cNvPr id="10" name="Organigramme : Terminateur 9">
+            <a:extLst>
+              <a:ext uri="{FF2B5EF4-FFF2-40B4-BE49-F238E27FC236}">
+                <a16:creationId xmlns:a16="http://schemas.microsoft.com/office/drawing/2014/main" id="{5A6065E4-1134-49FC-9D01-0E75516633D4}"/>
+              </a:ext>
+            </a:extLst>
+          </p:cNvPr>
+          <p:cNvSpPr/>
+          <p:nvPr/>
+        </p:nvSpPr>
+        <p:spPr>
+          <a:xfrm>
+            <a:off x="11787913" y="3246684"/>
+            <a:ext cx="137445" cy="71437"/>
+          </a:xfrm>
+          <a:prstGeom prst="flowChartTerminator">
+            <a:avLst/>
+          </a:prstGeom>
+          <a:solidFill>
+            <a:srgbClr val="A31257"/>
+          </a:solidFill>
+          <a:ln>
+            <a:solidFill>
+              <a:schemeClr val="bg1"/>
+            </a:solidFill>
+          </a:ln>
+        </p:spPr>
+        <p:style>
+          <a:lnRef idx="2">
+            <a:schemeClr val="accent1">
+              <a:shade val="50000"/>
+            </a:schemeClr>
+          </a:lnRef>
+          <a:fillRef idx="1">
+            <a:schemeClr val="accent1"/>
+          </a:fillRef>
+          <a:effectRef idx="0">
+            <a:schemeClr val="accent1"/>
+          </a:effectRef>
+          <a:fontRef idx="minor">
+            <a:schemeClr val="lt1"/>
+          </a:fontRef>
+        </p:style>
+        <p:txBody>
+          <a:bodyPr rtlCol="0" anchor="ctr"/>
+          <a:lstStyle/>
+          <a:p>
+            <a:pPr algn="ctr"/>
+            <a:endParaRPr lang="fr-FR" dirty="0"/>
+          </a:p>
+        </p:txBody>
+      </p:sp>
+      <p:sp>
+        <p:nvSpPr>
+          <p:cNvPr id="11" name="Organigramme : Terminateur 10">
+            <a:extLst>
+              <a:ext uri="{FF2B5EF4-FFF2-40B4-BE49-F238E27FC236}">
+                <a16:creationId xmlns:a16="http://schemas.microsoft.com/office/drawing/2014/main" id="{DA60DE2F-90C9-4DFE-9458-98320DD7428D}"/>
+              </a:ext>
+            </a:extLst>
+          </p:cNvPr>
+          <p:cNvSpPr/>
+          <p:nvPr/>
+        </p:nvSpPr>
+        <p:spPr>
+          <a:xfrm>
+            <a:off x="11782810" y="1022638"/>
+            <a:ext cx="137445" cy="71437"/>
+          </a:xfrm>
+          <a:prstGeom prst="flowChartTerminator">
+            <a:avLst/>
+          </a:prstGeom>
+          <a:solidFill>
+            <a:srgbClr val="A31257"/>
+          </a:solidFill>
+          <a:ln>
+            <a:solidFill>
+              <a:schemeClr val="bg1"/>
+            </a:solidFill>
+          </a:ln>
+        </p:spPr>
+        <p:style>
+          <a:lnRef idx="2">
+            <a:schemeClr val="accent1">
+              <a:shade val="50000"/>
+            </a:schemeClr>
+          </a:lnRef>
+          <a:fillRef idx="1">
+            <a:schemeClr val="accent1"/>
+          </a:fillRef>
+          <a:effectRef idx="0">
+            <a:schemeClr val="accent1"/>
+          </a:effectRef>
+          <a:fontRef idx="minor">
+            <a:schemeClr val="lt1"/>
+          </a:fontRef>
+        </p:style>
+        <p:txBody>
+          <a:bodyPr rtlCol="0" anchor="ctr"/>
+          <a:lstStyle/>
+          <a:p>
+            <a:pPr algn="ctr"/>
+            <a:endParaRPr lang="fr-FR" dirty="0"/>
+          </a:p>
+        </p:txBody>
+      </p:sp>
+      <p:sp>
+        <p:nvSpPr>
+          <p:cNvPr id="12" name="Organigramme : Terminateur 11">
+            <a:extLst>
+              <a:ext uri="{FF2B5EF4-FFF2-40B4-BE49-F238E27FC236}">
+                <a16:creationId xmlns:a16="http://schemas.microsoft.com/office/drawing/2014/main" id="{C1FB4A03-F9B8-42BB-A320-D8C85FD69385}"/>
+              </a:ext>
+            </a:extLst>
+          </p:cNvPr>
+          <p:cNvSpPr/>
+          <p:nvPr/>
+        </p:nvSpPr>
+        <p:spPr>
+          <a:xfrm>
+            <a:off x="11782811" y="808982"/>
+            <a:ext cx="137445" cy="71437"/>
+          </a:xfrm>
+          <a:prstGeom prst="flowChartTerminator">
+            <a:avLst/>
+          </a:prstGeom>
+          <a:solidFill>
+            <a:srgbClr val="A31257"/>
+          </a:solidFill>
+          <a:ln>
+            <a:solidFill>
+              <a:schemeClr val="bg1"/>
+            </a:solidFill>
+          </a:ln>
+        </p:spPr>
+        <p:style>
+          <a:lnRef idx="2">
+            <a:schemeClr val="accent1">
+              <a:shade val="50000"/>
+            </a:schemeClr>
+          </a:lnRef>
+          <a:fillRef idx="1">
+            <a:schemeClr val="accent1"/>
+          </a:fillRef>
+          <a:effectRef idx="0">
+            <a:schemeClr val="accent1"/>
+          </a:effectRef>
+          <a:fontRef idx="minor">
+            <a:schemeClr val="lt1"/>
+          </a:fontRef>
+        </p:style>
+        <p:txBody>
+          <a:bodyPr rtlCol="0" anchor="ctr"/>
+          <a:lstStyle/>
+          <a:p>
+            <a:pPr algn="ctr"/>
+            <a:endParaRPr lang="fr-FR" dirty="0"/>
+          </a:p>
+        </p:txBody>
+      </p:sp>
+      <p:sp>
+        <p:nvSpPr>
+          <p:cNvPr id="13" name="Organigramme : Terminateur 12">
+            <a:extLst>
+              <a:ext uri="{FF2B5EF4-FFF2-40B4-BE49-F238E27FC236}">
+                <a16:creationId xmlns:a16="http://schemas.microsoft.com/office/drawing/2014/main" id="{E8B1F1F7-5229-46A9-9F1D-88FAF46E61AC}"/>
+              </a:ext>
+            </a:extLst>
+          </p:cNvPr>
+          <p:cNvSpPr/>
+          <p:nvPr/>
+        </p:nvSpPr>
+        <p:spPr>
+          <a:xfrm>
+            <a:off x="11780105" y="596427"/>
+            <a:ext cx="137445" cy="71437"/>
+          </a:xfrm>
+          <a:prstGeom prst="flowChartTerminator">
+            <a:avLst/>
+          </a:prstGeom>
+          <a:solidFill>
+            <a:srgbClr val="A31257"/>
+          </a:solidFill>
+          <a:ln>
+            <a:solidFill>
+              <a:schemeClr val="bg1"/>
+            </a:solidFill>
+          </a:ln>
+        </p:spPr>
+        <p:style>
+          <a:lnRef idx="2">
+            <a:schemeClr val="accent1">
+              <a:shade val="50000"/>
+            </a:schemeClr>
+          </a:lnRef>
+          <a:fillRef idx="1">
+            <a:schemeClr val="accent1"/>
+          </a:fillRef>
+          <a:effectRef idx="0">
+            <a:schemeClr val="accent1"/>
+          </a:effectRef>
+          <a:fontRef idx="minor">
+            <a:schemeClr val="lt1"/>
+          </a:fontRef>
+        </p:style>
+        <p:txBody>
+          <a:bodyPr rtlCol="0" anchor="ctr"/>
+          <a:lstStyle/>
+          <a:p>
+            <a:pPr algn="ctr"/>
+            <a:endParaRPr lang="fr-FR" dirty="0"/>
+          </a:p>
+        </p:txBody>
+      </p:sp>
+      <p:sp>
+        <p:nvSpPr>
+          <p:cNvPr id="14" name="Ellipse 13">
+            <a:extLst>
+              <a:ext uri="{FF2B5EF4-FFF2-40B4-BE49-F238E27FC236}">
+                <a16:creationId xmlns:a16="http://schemas.microsoft.com/office/drawing/2014/main" id="{601F127C-6008-457A-9806-AE85B632AA3F}"/>
+              </a:ext>
+            </a:extLst>
+          </p:cNvPr>
+          <p:cNvSpPr/>
+          <p:nvPr/>
+        </p:nvSpPr>
+        <p:spPr>
+          <a:xfrm>
+            <a:off x="11740896" y="143435"/>
+            <a:ext cx="307668" cy="317709"/>
+          </a:xfrm>
+          <a:prstGeom prst="ellipse">
+            <a:avLst/>
+          </a:prstGeom>
+          <a:solidFill>
+            <a:srgbClr val="A31257"/>
+          </a:solidFill>
+          <a:ln>
+            <a:solidFill>
+              <a:schemeClr val="bg1"/>
+            </a:solidFill>
+          </a:ln>
+        </p:spPr>
+        <p:style>
+          <a:lnRef idx="2">
+            <a:schemeClr val="accent1">
+              <a:shade val="50000"/>
+            </a:schemeClr>
+          </a:lnRef>
+          <a:fillRef idx="1">
+            <a:schemeClr val="accent1"/>
+          </a:fillRef>
+          <a:effectRef idx="0">
+            <a:schemeClr val="accent1"/>
+          </a:effectRef>
+          <a:fontRef idx="minor">
+            <a:schemeClr val="lt1"/>
+          </a:fontRef>
+        </p:style>
+        <p:txBody>
+          <a:bodyPr rtlCol="0" anchor="ctr"/>
+          <a:lstStyle/>
+          <a:p>
+            <a:pPr algn="ctr"/>
+            <a:endParaRPr lang="fr-FR" dirty="0"/>
+          </a:p>
+        </p:txBody>
+      </p:sp>
+      <p:sp>
+        <p:nvSpPr>
+          <p:cNvPr id="15" name="Rectangle 14">
+            <a:extLst>
+              <a:ext uri="{FF2B5EF4-FFF2-40B4-BE49-F238E27FC236}">
+                <a16:creationId xmlns:a16="http://schemas.microsoft.com/office/drawing/2014/main" id="{91E30541-3030-4A02-B144-4F46B3E2E6D7}"/>
+              </a:ext>
+            </a:extLst>
+          </p:cNvPr>
+          <p:cNvSpPr/>
+          <p:nvPr/>
+        </p:nvSpPr>
+        <p:spPr>
+          <a:xfrm>
+            <a:off x="11861348" y="325214"/>
+            <a:ext cx="55883" cy="6446174"/>
+          </a:xfrm>
+          <a:prstGeom prst="rect">
+            <a:avLst/>
+          </a:prstGeom>
+          <a:solidFill>
+            <a:srgbClr val="A31257"/>
+          </a:solidFill>
+          <a:ln>
+            <a:noFill/>
+          </a:ln>
+        </p:spPr>
+        <p:style>
+          <a:lnRef idx="2">
+            <a:schemeClr val="accent1">
+              <a:shade val="50000"/>
+            </a:schemeClr>
+          </a:lnRef>
+          <a:fillRef idx="1">
+            <a:schemeClr val="accent1"/>
+          </a:fillRef>
+          <a:effectRef idx="0">
+            <a:schemeClr val="accent1"/>
+          </a:effectRef>
+          <a:fontRef idx="minor">
+            <a:schemeClr val="lt1"/>
+          </a:fontRef>
+        </p:style>
+        <p:txBody>
+          <a:bodyPr rtlCol="0" anchor="ctr"/>
+          <a:lstStyle/>
+          <a:p>
+            <a:pPr algn="ctr"/>
             <a:endParaRPr lang="fr-FR"/>
           </a:p>
         </p:txBody>
       </p:sp>
       <p:sp>
         <p:nvSpPr>
-          <p:cNvPr id="36" name="ZoneTexte 35">
-            <a:extLst>
-              <a:ext uri="{FF2B5EF4-FFF2-40B4-BE49-F238E27FC236}">
-                <a16:creationId xmlns:a16="http://schemas.microsoft.com/office/drawing/2014/main" id="{D58482BA-511E-42F0-9AB3-8B528F37FD0C}"/>
+          <p:cNvPr id="16" name="ZoneTexte 15">
+            <a:extLst>
+              <a:ext uri="{FF2B5EF4-FFF2-40B4-BE49-F238E27FC236}">
+                <a16:creationId xmlns:a16="http://schemas.microsoft.com/office/drawing/2014/main" id="{45F683A0-876D-48B7-99C2-223869A4A52C}"/>
               </a:ext>
             </a:extLst>
           </p:cNvPr>
@@ -33976,7 +34026,7 @@
         </p:nvSpPr>
         <p:spPr>
           <a:xfrm>
-            <a:off x="9863775" y="181652"/>
+            <a:off x="9865580" y="164391"/>
             <a:ext cx="1874223" cy="261610"/>
           </a:xfrm>
           <a:prstGeom prst="rect">
@@ -34008,10 +34058,10 @@
       </p:sp>
       <p:sp>
         <p:nvSpPr>
-          <p:cNvPr id="37" name="ZoneTexte 36">
-            <a:extLst>
-              <a:ext uri="{FF2B5EF4-FFF2-40B4-BE49-F238E27FC236}">
-                <a16:creationId xmlns:a16="http://schemas.microsoft.com/office/drawing/2014/main" id="{02856E73-C177-4EF7-8F16-6760CDE6F2E2}"/>
+          <p:cNvPr id="17" name="ZoneTexte 16">
+            <a:extLst>
+              <a:ext uri="{FF2B5EF4-FFF2-40B4-BE49-F238E27FC236}">
+                <a16:creationId xmlns:a16="http://schemas.microsoft.com/office/drawing/2014/main" id="{ADC384DD-D786-49D0-9A14-40B72701A4A9}"/>
               </a:ext>
             </a:extLst>
           </p:cNvPr>
@@ -34052,10 +34102,10 @@
       </p:sp>
       <p:sp>
         <p:nvSpPr>
-          <p:cNvPr id="38" name="ZoneTexte 37">
-            <a:extLst>
-              <a:ext uri="{FF2B5EF4-FFF2-40B4-BE49-F238E27FC236}">
-                <a16:creationId xmlns:a16="http://schemas.microsoft.com/office/drawing/2014/main" id="{BD88F773-82B7-4917-B730-EBA464D49944}"/>
+          <p:cNvPr id="18" name="ZoneTexte 17">
+            <a:extLst>
+              <a:ext uri="{FF2B5EF4-FFF2-40B4-BE49-F238E27FC236}">
+                <a16:creationId xmlns:a16="http://schemas.microsoft.com/office/drawing/2014/main" id="{F2DD05A9-C2CC-45B0-B0BC-37FFC921B226}"/>
               </a:ext>
             </a:extLst>
           </p:cNvPr>
@@ -34096,10 +34146,10 @@
       </p:sp>
       <p:sp>
         <p:nvSpPr>
-          <p:cNvPr id="39" name="ZoneTexte 38">
-            <a:extLst>
-              <a:ext uri="{FF2B5EF4-FFF2-40B4-BE49-F238E27FC236}">
-                <a16:creationId xmlns:a16="http://schemas.microsoft.com/office/drawing/2014/main" id="{64834D40-3413-469B-98D4-3E042CA2E26D}"/>
+          <p:cNvPr id="19" name="ZoneTexte 18">
+            <a:extLst>
+              <a:ext uri="{FF2B5EF4-FFF2-40B4-BE49-F238E27FC236}">
+                <a16:creationId xmlns:a16="http://schemas.microsoft.com/office/drawing/2014/main" id="{75FF175D-26E8-41C9-AEAD-43C05EC852F3}"/>
               </a:ext>
             </a:extLst>
           </p:cNvPr>
@@ -34140,10 +34190,10 @@
       </p:sp>
       <p:sp>
         <p:nvSpPr>
-          <p:cNvPr id="40" name="ZoneTexte 39">
-            <a:extLst>
-              <a:ext uri="{FF2B5EF4-FFF2-40B4-BE49-F238E27FC236}">
-                <a16:creationId xmlns:a16="http://schemas.microsoft.com/office/drawing/2014/main" id="{8A3F0733-4849-4B28-933A-F126DB3D735F}"/>
+          <p:cNvPr id="20" name="ZoneTexte 19">
+            <a:extLst>
+              <a:ext uri="{FF2B5EF4-FFF2-40B4-BE49-F238E27FC236}">
+                <a16:creationId xmlns:a16="http://schemas.microsoft.com/office/drawing/2014/main" id="{A4277DF8-A6F6-485D-AC56-2B9C63AC6865}"/>
               </a:ext>
             </a:extLst>
           </p:cNvPr>
@@ -34184,10 +34234,10 @@
       </p:sp>
       <p:sp>
         <p:nvSpPr>
-          <p:cNvPr id="41" name="ZoneTexte 40">
-            <a:extLst>
-              <a:ext uri="{FF2B5EF4-FFF2-40B4-BE49-F238E27FC236}">
-                <a16:creationId xmlns:a16="http://schemas.microsoft.com/office/drawing/2014/main" id="{F324FD21-6FE2-457F-BEF2-7C65EF078B9C}"/>
+          <p:cNvPr id="21" name="ZoneTexte 20">
+            <a:extLst>
+              <a:ext uri="{FF2B5EF4-FFF2-40B4-BE49-F238E27FC236}">
+                <a16:creationId xmlns:a16="http://schemas.microsoft.com/office/drawing/2014/main" id="{88FE221C-7319-4794-9109-1CCBEBDE8624}"/>
               </a:ext>
             </a:extLst>
           </p:cNvPr>
@@ -34228,10 +34278,10 @@
       </p:sp>
       <p:sp>
         <p:nvSpPr>
-          <p:cNvPr id="42" name="ZoneTexte 41">
-            <a:extLst>
-              <a:ext uri="{FF2B5EF4-FFF2-40B4-BE49-F238E27FC236}">
-                <a16:creationId xmlns:a16="http://schemas.microsoft.com/office/drawing/2014/main" id="{82DE8002-7AE1-486B-A9DA-C00699F34CED}"/>
+          <p:cNvPr id="22" name="ZoneTexte 21">
+            <a:extLst>
+              <a:ext uri="{FF2B5EF4-FFF2-40B4-BE49-F238E27FC236}">
+                <a16:creationId xmlns:a16="http://schemas.microsoft.com/office/drawing/2014/main" id="{747BCBA1-79E6-4A5C-91AF-4921312B6C43}"/>
               </a:ext>
             </a:extLst>
           </p:cNvPr>
@@ -34272,10 +34322,10 @@
       </p:sp>
       <p:sp>
         <p:nvSpPr>
-          <p:cNvPr id="43" name="ZoneTexte 42">
-            <a:extLst>
-              <a:ext uri="{FF2B5EF4-FFF2-40B4-BE49-F238E27FC236}">
-                <a16:creationId xmlns:a16="http://schemas.microsoft.com/office/drawing/2014/main" id="{C938B8C6-EF6C-4A39-BBBD-E8664A0EE70C}"/>
+          <p:cNvPr id="23" name="ZoneTexte 22">
+            <a:extLst>
+              <a:ext uri="{FF2B5EF4-FFF2-40B4-BE49-F238E27FC236}">
+                <a16:creationId xmlns:a16="http://schemas.microsoft.com/office/drawing/2014/main" id="{A4CC8C0A-61D1-4D64-8EEC-D0038CED84B7}"/>
               </a:ext>
             </a:extLst>
           </p:cNvPr>
@@ -34316,10 +34366,10 @@
       </p:sp>
       <p:sp>
         <p:nvSpPr>
-          <p:cNvPr id="44" name="ZoneTexte 43">
-            <a:extLst>
-              <a:ext uri="{FF2B5EF4-FFF2-40B4-BE49-F238E27FC236}">
-                <a16:creationId xmlns:a16="http://schemas.microsoft.com/office/drawing/2014/main" id="{1B11148E-B2B6-448E-A99A-576204DCE23B}"/>
+          <p:cNvPr id="24" name="ZoneTexte 23">
+            <a:extLst>
+              <a:ext uri="{FF2B5EF4-FFF2-40B4-BE49-F238E27FC236}">
+                <a16:creationId xmlns:a16="http://schemas.microsoft.com/office/drawing/2014/main" id="{06A94E7C-C86D-4E45-B960-AC4E98972BE3}"/>
               </a:ext>
             </a:extLst>
           </p:cNvPr>
@@ -34360,10 +34410,10 @@
       </p:sp>
       <p:sp>
         <p:nvSpPr>
-          <p:cNvPr id="45" name="ZoneTexte 44">
-            <a:extLst>
-              <a:ext uri="{FF2B5EF4-FFF2-40B4-BE49-F238E27FC236}">
-                <a16:creationId xmlns:a16="http://schemas.microsoft.com/office/drawing/2014/main" id="{645616B6-0487-4964-8C30-072E5E108C1E}"/>
+          <p:cNvPr id="25" name="ZoneTexte 24">
+            <a:extLst>
+              <a:ext uri="{FF2B5EF4-FFF2-40B4-BE49-F238E27FC236}">
+                <a16:creationId xmlns:a16="http://schemas.microsoft.com/office/drawing/2014/main" id="{59E6AA7E-D31E-4BAF-9A6E-BE9960DFF233}"/>
               </a:ext>
             </a:extLst>
           </p:cNvPr>
@@ -34404,10 +34454,10 @@
       </p:sp>
       <p:sp>
         <p:nvSpPr>
-          <p:cNvPr id="46" name="ZoneTexte 45">
-            <a:extLst>
-              <a:ext uri="{FF2B5EF4-FFF2-40B4-BE49-F238E27FC236}">
-                <a16:creationId xmlns:a16="http://schemas.microsoft.com/office/drawing/2014/main" id="{DE01A5A9-8571-49D8-B475-E9E8E348A1A7}"/>
+          <p:cNvPr id="26" name="ZoneTexte 25">
+            <a:extLst>
+              <a:ext uri="{FF2B5EF4-FFF2-40B4-BE49-F238E27FC236}">
+                <a16:creationId xmlns:a16="http://schemas.microsoft.com/office/drawing/2014/main" id="{5F07CD81-F7FC-47A3-8DA8-6D5868E4086C}"/>
               </a:ext>
             </a:extLst>
           </p:cNvPr>
@@ -34448,10 +34498,10 @@
       </p:sp>
       <p:sp>
         <p:nvSpPr>
-          <p:cNvPr id="47" name="ZoneTexte 46">
-            <a:extLst>
-              <a:ext uri="{FF2B5EF4-FFF2-40B4-BE49-F238E27FC236}">
-                <a16:creationId xmlns:a16="http://schemas.microsoft.com/office/drawing/2014/main" id="{C51FBC08-5E66-409E-A8B8-3E032D994688}"/>
+          <p:cNvPr id="27" name="ZoneTexte 26">
+            <a:extLst>
+              <a:ext uri="{FF2B5EF4-FFF2-40B4-BE49-F238E27FC236}">
+                <a16:creationId xmlns:a16="http://schemas.microsoft.com/office/drawing/2014/main" id="{F32ABD23-5DAE-484C-A150-D7BEAF5DD059}"/>
               </a:ext>
             </a:extLst>
           </p:cNvPr>
@@ -34492,10 +34542,10 @@
       </p:sp>
       <p:sp>
         <p:nvSpPr>
-          <p:cNvPr id="48" name="ZoneTexte 47">
-            <a:extLst>
-              <a:ext uri="{FF2B5EF4-FFF2-40B4-BE49-F238E27FC236}">
-                <a16:creationId xmlns:a16="http://schemas.microsoft.com/office/drawing/2014/main" id="{0D2F99C4-9843-4D17-AE96-01EF2084A2CE}"/>
+          <p:cNvPr id="28" name="ZoneTexte 27">
+            <a:extLst>
+              <a:ext uri="{FF2B5EF4-FFF2-40B4-BE49-F238E27FC236}">
+                <a16:creationId xmlns:a16="http://schemas.microsoft.com/office/drawing/2014/main" id="{643E03C1-7220-437B-AF22-1FC3E896C40F}"/>
               </a:ext>
             </a:extLst>
           </p:cNvPr>
@@ -34536,10 +34586,10 @@
       </p:sp>
       <p:sp>
         <p:nvSpPr>
-          <p:cNvPr id="49" name="ZoneTexte 48">
-            <a:extLst>
-              <a:ext uri="{FF2B5EF4-FFF2-40B4-BE49-F238E27FC236}">
-                <a16:creationId xmlns:a16="http://schemas.microsoft.com/office/drawing/2014/main" id="{31FF25AC-42B6-4B7B-BA95-F752E1332D47}"/>
+          <p:cNvPr id="29" name="ZoneTexte 28">
+            <a:extLst>
+              <a:ext uri="{FF2B5EF4-FFF2-40B4-BE49-F238E27FC236}">
+                <a16:creationId xmlns:a16="http://schemas.microsoft.com/office/drawing/2014/main" id="{10196DB5-DDA8-4E9E-AA52-7205DD836E92}"/>
               </a:ext>
             </a:extLst>
           </p:cNvPr>
@@ -34580,10 +34630,10 @@
       </p:sp>
       <p:sp>
         <p:nvSpPr>
-          <p:cNvPr id="50" name="ZoneTexte 49">
-            <a:extLst>
-              <a:ext uri="{FF2B5EF4-FFF2-40B4-BE49-F238E27FC236}">
-                <a16:creationId xmlns:a16="http://schemas.microsoft.com/office/drawing/2014/main" id="{DB2FC691-99DB-43B0-AB69-B21080B6A345}"/>
+          <p:cNvPr id="30" name="ZoneTexte 29">
+            <a:extLst>
+              <a:ext uri="{FF2B5EF4-FFF2-40B4-BE49-F238E27FC236}">
+                <a16:creationId xmlns:a16="http://schemas.microsoft.com/office/drawing/2014/main" id="{F39ADC32-6ACE-4316-B140-AA8212B10837}"/>
               </a:ext>
             </a:extLst>
           </p:cNvPr>
@@ -34624,10 +34674,10 @@
       </p:sp>
       <p:sp>
         <p:nvSpPr>
-          <p:cNvPr id="51" name="ZoneTexte 50">
-            <a:extLst>
-              <a:ext uri="{FF2B5EF4-FFF2-40B4-BE49-F238E27FC236}">
-                <a16:creationId xmlns:a16="http://schemas.microsoft.com/office/drawing/2014/main" id="{9406FB6B-8B8A-47F1-BFB4-610191489A9C}"/>
+          <p:cNvPr id="31" name="ZoneTexte 30">
+            <a:extLst>
+              <a:ext uri="{FF2B5EF4-FFF2-40B4-BE49-F238E27FC236}">
+                <a16:creationId xmlns:a16="http://schemas.microsoft.com/office/drawing/2014/main" id="{656BC2CD-2307-4CEC-B4AA-E25D3E404042}"/>
               </a:ext>
             </a:extLst>
           </p:cNvPr>
@@ -34668,10 +34718,10 @@
       </p:sp>
       <p:sp>
         <p:nvSpPr>
-          <p:cNvPr id="52" name="ZoneTexte 51">
-            <a:extLst>
-              <a:ext uri="{FF2B5EF4-FFF2-40B4-BE49-F238E27FC236}">
-                <a16:creationId xmlns:a16="http://schemas.microsoft.com/office/drawing/2014/main" id="{261B014A-E74A-4DD1-BEE7-6A572145B1DB}"/>
+          <p:cNvPr id="32" name="ZoneTexte 31">
+            <a:extLst>
+              <a:ext uri="{FF2B5EF4-FFF2-40B4-BE49-F238E27FC236}">
+                <a16:creationId xmlns:a16="http://schemas.microsoft.com/office/drawing/2014/main" id="{97557180-60DD-444F-AC21-E8B767CC1F9D}"/>
               </a:ext>
             </a:extLst>
           </p:cNvPr>
@@ -34712,10 +34762,10 @@
       </p:sp>
       <p:sp>
         <p:nvSpPr>
-          <p:cNvPr id="53" name="ZoneTexte 52">
-            <a:extLst>
-              <a:ext uri="{FF2B5EF4-FFF2-40B4-BE49-F238E27FC236}">
-                <a16:creationId xmlns:a16="http://schemas.microsoft.com/office/drawing/2014/main" id="{822D78F8-F8BF-4199-8451-67A20574AD21}"/>
+          <p:cNvPr id="33" name="ZoneTexte 32">
+            <a:extLst>
+              <a:ext uri="{FF2B5EF4-FFF2-40B4-BE49-F238E27FC236}">
+                <a16:creationId xmlns:a16="http://schemas.microsoft.com/office/drawing/2014/main" id="{90F2FF7F-B282-4FC8-8C91-65780009A5FB}"/>
               </a:ext>
             </a:extLst>
           </p:cNvPr>
@@ -34756,10 +34806,10 @@
       </p:sp>
       <p:sp>
         <p:nvSpPr>
-          <p:cNvPr id="54" name="Rectangle 53">
-            <a:extLst>
-              <a:ext uri="{FF2B5EF4-FFF2-40B4-BE49-F238E27FC236}">
-                <a16:creationId xmlns:a16="http://schemas.microsoft.com/office/drawing/2014/main" id="{848386F5-3619-4FD9-9EC5-4FB94406467D}"/>
+          <p:cNvPr id="34" name="Rectangle 33">
+            <a:extLst>
+              <a:ext uri="{FF2B5EF4-FFF2-40B4-BE49-F238E27FC236}">
+                <a16:creationId xmlns:a16="http://schemas.microsoft.com/office/drawing/2014/main" id="{EA10574C-8868-43F2-81AC-1CB17C8DFF44}"/>
               </a:ext>
             </a:extLst>
           </p:cNvPr>
@@ -34768,8 +34818,8 @@
         </p:nvSpPr>
         <p:spPr>
           <a:xfrm>
-            <a:off x="11853752" y="667864"/>
-            <a:ext cx="63479" cy="6103524"/>
+            <a:off x="11853752" y="6550818"/>
+            <a:ext cx="63479" cy="220565"/>
           </a:xfrm>
           <a:prstGeom prst="rect">
             <a:avLst/>
@@ -34808,10 +34858,10 @@
       </p:sp>
       <p:sp>
         <p:nvSpPr>
-          <p:cNvPr id="7" name="Ellipse 6">
-            <a:extLst>
-              <a:ext uri="{FF2B5EF4-FFF2-40B4-BE49-F238E27FC236}">
-                <a16:creationId xmlns:a16="http://schemas.microsoft.com/office/drawing/2014/main" id="{0F6777D0-3C6D-4516-8AF3-1D2B146FDFB9}"/>
+          <p:cNvPr id="35" name="Ellipse 34">
+            <a:extLst>
+              <a:ext uri="{FF2B5EF4-FFF2-40B4-BE49-F238E27FC236}">
+                <a16:creationId xmlns:a16="http://schemas.microsoft.com/office/drawing/2014/main" id="{4034550D-0567-4422-9B2E-E14C253822B9}"/>
               </a:ext>
             </a:extLst>
           </p:cNvPr>
@@ -34824,6 +34874,601 @@
             <a:ext cx="307668" cy="317709"/>
           </a:xfrm>
           <a:prstGeom prst="ellipse">
+            <a:avLst/>
+          </a:prstGeom>
+          <a:solidFill>
+            <a:srgbClr val="A31257"/>
+          </a:solidFill>
+          <a:ln>
+            <a:solidFill>
+              <a:schemeClr val="bg1"/>
+            </a:solidFill>
+          </a:ln>
+        </p:spPr>
+        <p:style>
+          <a:lnRef idx="2">
+            <a:schemeClr val="accent1">
+              <a:shade val="50000"/>
+            </a:schemeClr>
+          </a:lnRef>
+          <a:fillRef idx="1">
+            <a:schemeClr val="accent1"/>
+          </a:fillRef>
+          <a:effectRef idx="0">
+            <a:schemeClr val="accent1"/>
+          </a:effectRef>
+          <a:fontRef idx="minor">
+            <a:schemeClr val="lt1"/>
+          </a:fontRef>
+        </p:style>
+        <p:txBody>
+          <a:bodyPr rtlCol="0" anchor="ctr"/>
+          <a:lstStyle/>
+          <a:p>
+            <a:pPr algn="ctr"/>
+            <a:endParaRPr lang="fr-FR" dirty="0"/>
+          </a:p>
+        </p:txBody>
+      </p:sp>
+      <p:sp>
+        <p:nvSpPr>
+          <p:cNvPr id="36" name="Ellipse 35">
+            <a:extLst>
+              <a:ext uri="{FF2B5EF4-FFF2-40B4-BE49-F238E27FC236}">
+                <a16:creationId xmlns:a16="http://schemas.microsoft.com/office/drawing/2014/main" id="{023354C0-F718-422A-871C-61DB06A2F69C}"/>
+              </a:ext>
+            </a:extLst>
+          </p:cNvPr>
+          <p:cNvSpPr/>
+          <p:nvPr/>
+        </p:nvSpPr>
+        <p:spPr>
+          <a:xfrm>
+            <a:off x="11739665" y="5113681"/>
+            <a:ext cx="307668" cy="317709"/>
+          </a:xfrm>
+          <a:prstGeom prst="ellipse">
+            <a:avLst/>
+          </a:prstGeom>
+          <a:solidFill>
+            <a:srgbClr val="A31257"/>
+          </a:solidFill>
+          <a:ln>
+            <a:solidFill>
+              <a:schemeClr val="bg1"/>
+            </a:solidFill>
+          </a:ln>
+        </p:spPr>
+        <p:style>
+          <a:lnRef idx="2">
+            <a:schemeClr val="accent1">
+              <a:shade val="50000"/>
+            </a:schemeClr>
+          </a:lnRef>
+          <a:fillRef idx="1">
+            <a:schemeClr val="accent1"/>
+          </a:fillRef>
+          <a:effectRef idx="0">
+            <a:schemeClr val="accent1"/>
+          </a:effectRef>
+          <a:fontRef idx="minor">
+            <a:schemeClr val="lt1"/>
+          </a:fontRef>
+        </p:style>
+        <p:txBody>
+          <a:bodyPr rtlCol="0" anchor="ctr"/>
+          <a:lstStyle/>
+          <a:p>
+            <a:pPr algn="ctr"/>
+            <a:endParaRPr lang="fr-FR" dirty="0"/>
+          </a:p>
+        </p:txBody>
+      </p:sp>
+      <p:sp>
+        <p:nvSpPr>
+          <p:cNvPr id="37" name="Ellipse 36">
+            <a:extLst>
+              <a:ext uri="{FF2B5EF4-FFF2-40B4-BE49-F238E27FC236}">
+                <a16:creationId xmlns:a16="http://schemas.microsoft.com/office/drawing/2014/main" id="{9E37CD15-2226-4EB5-A3C3-DAF7B691EF11}"/>
+              </a:ext>
+            </a:extLst>
+          </p:cNvPr>
+          <p:cNvSpPr/>
+          <p:nvPr/>
+        </p:nvSpPr>
+        <p:spPr>
+          <a:xfrm>
+            <a:off x="11741041" y="3959962"/>
+            <a:ext cx="307668" cy="317709"/>
+          </a:xfrm>
+          <a:prstGeom prst="ellipse">
+            <a:avLst/>
+          </a:prstGeom>
+          <a:solidFill>
+            <a:srgbClr val="A31257"/>
+          </a:solidFill>
+          <a:ln>
+            <a:solidFill>
+              <a:schemeClr val="bg1"/>
+            </a:solidFill>
+          </a:ln>
+        </p:spPr>
+        <p:style>
+          <a:lnRef idx="2">
+            <a:schemeClr val="accent1">
+              <a:shade val="50000"/>
+            </a:schemeClr>
+          </a:lnRef>
+          <a:fillRef idx="1">
+            <a:schemeClr val="accent1"/>
+          </a:fillRef>
+          <a:effectRef idx="0">
+            <a:schemeClr val="accent1"/>
+          </a:effectRef>
+          <a:fontRef idx="minor">
+            <a:schemeClr val="lt1"/>
+          </a:fontRef>
+        </p:style>
+        <p:txBody>
+          <a:bodyPr rtlCol="0" anchor="ctr"/>
+          <a:lstStyle/>
+          <a:p>
+            <a:pPr algn="ctr"/>
+            <a:endParaRPr lang="fr-FR" dirty="0"/>
+          </a:p>
+        </p:txBody>
+      </p:sp>
+      <p:sp>
+        <p:nvSpPr>
+          <p:cNvPr id="38" name="Ellipse 37">
+            <a:extLst>
+              <a:ext uri="{FF2B5EF4-FFF2-40B4-BE49-F238E27FC236}">
+                <a16:creationId xmlns:a16="http://schemas.microsoft.com/office/drawing/2014/main" id="{2AA71BAB-8F36-4B37-AA53-769E6F22BC72}"/>
+              </a:ext>
+            </a:extLst>
+          </p:cNvPr>
+          <p:cNvSpPr/>
+          <p:nvPr/>
+        </p:nvSpPr>
+        <p:spPr>
+          <a:xfrm>
+            <a:off x="11741041" y="2833333"/>
+            <a:ext cx="307668" cy="317709"/>
+          </a:xfrm>
+          <a:prstGeom prst="ellipse">
+            <a:avLst/>
+          </a:prstGeom>
+          <a:solidFill>
+            <a:srgbClr val="A31257"/>
+          </a:solidFill>
+          <a:ln>
+            <a:solidFill>
+              <a:schemeClr val="bg1"/>
+            </a:solidFill>
+          </a:ln>
+        </p:spPr>
+        <p:style>
+          <a:lnRef idx="2">
+            <a:schemeClr val="accent1">
+              <a:shade val="50000"/>
+            </a:schemeClr>
+          </a:lnRef>
+          <a:fillRef idx="1">
+            <a:schemeClr val="accent1"/>
+          </a:fillRef>
+          <a:effectRef idx="0">
+            <a:schemeClr val="accent1"/>
+          </a:effectRef>
+          <a:fontRef idx="minor">
+            <a:schemeClr val="lt1"/>
+          </a:fontRef>
+        </p:style>
+        <p:txBody>
+          <a:bodyPr rtlCol="0" anchor="ctr"/>
+          <a:lstStyle/>
+          <a:p>
+            <a:pPr algn="ctr"/>
+            <a:endParaRPr lang="fr-FR" dirty="0"/>
+          </a:p>
+        </p:txBody>
+      </p:sp>
+      <p:sp>
+        <p:nvSpPr>
+          <p:cNvPr id="39" name="Ellipse 38">
+            <a:extLst>
+              <a:ext uri="{FF2B5EF4-FFF2-40B4-BE49-F238E27FC236}">
+                <a16:creationId xmlns:a16="http://schemas.microsoft.com/office/drawing/2014/main" id="{0FFF524D-D6EB-413B-89D4-7AEF24A2F7F2}"/>
+              </a:ext>
+            </a:extLst>
+          </p:cNvPr>
+          <p:cNvSpPr/>
+          <p:nvPr/>
+        </p:nvSpPr>
+        <p:spPr>
+          <a:xfrm>
+            <a:off x="11739520" y="1775455"/>
+            <a:ext cx="307668" cy="317709"/>
+          </a:xfrm>
+          <a:prstGeom prst="ellipse">
+            <a:avLst/>
+          </a:prstGeom>
+          <a:solidFill>
+            <a:srgbClr val="A31257"/>
+          </a:solidFill>
+          <a:ln>
+            <a:solidFill>
+              <a:schemeClr val="bg1"/>
+            </a:solidFill>
+          </a:ln>
+        </p:spPr>
+        <p:style>
+          <a:lnRef idx="2">
+            <a:schemeClr val="accent1">
+              <a:shade val="50000"/>
+            </a:schemeClr>
+          </a:lnRef>
+          <a:fillRef idx="1">
+            <a:schemeClr val="accent1"/>
+          </a:fillRef>
+          <a:effectRef idx="0">
+            <a:schemeClr val="accent1"/>
+          </a:effectRef>
+          <a:fontRef idx="minor">
+            <a:schemeClr val="lt1"/>
+          </a:fontRef>
+        </p:style>
+        <p:txBody>
+          <a:bodyPr rtlCol="0" anchor="ctr"/>
+          <a:lstStyle/>
+          <a:p>
+            <a:pPr algn="ctr"/>
+            <a:endParaRPr lang="fr-FR" dirty="0"/>
+          </a:p>
+        </p:txBody>
+      </p:sp>
+      <p:sp>
+        <p:nvSpPr>
+          <p:cNvPr id="40" name="Ellipse 39">
+            <a:extLst>
+              <a:ext uri="{FF2B5EF4-FFF2-40B4-BE49-F238E27FC236}">
+                <a16:creationId xmlns:a16="http://schemas.microsoft.com/office/drawing/2014/main" id="{DC8E68D0-8766-420F-9508-B38F6BC81F15}"/>
+              </a:ext>
+            </a:extLst>
+          </p:cNvPr>
+          <p:cNvSpPr/>
+          <p:nvPr/>
+        </p:nvSpPr>
+        <p:spPr>
+          <a:xfrm>
+            <a:off x="11739520" y="2298845"/>
+            <a:ext cx="307668" cy="317709"/>
+          </a:xfrm>
+          <a:prstGeom prst="ellipse">
+            <a:avLst/>
+          </a:prstGeom>
+          <a:solidFill>
+            <a:srgbClr val="A31257"/>
+          </a:solidFill>
+          <a:ln>
+            <a:solidFill>
+              <a:schemeClr val="bg1"/>
+            </a:solidFill>
+          </a:ln>
+        </p:spPr>
+        <p:style>
+          <a:lnRef idx="2">
+            <a:schemeClr val="accent1">
+              <a:shade val="50000"/>
+            </a:schemeClr>
+          </a:lnRef>
+          <a:fillRef idx="1">
+            <a:schemeClr val="accent1"/>
+          </a:fillRef>
+          <a:effectRef idx="0">
+            <a:schemeClr val="accent1"/>
+          </a:effectRef>
+          <a:fontRef idx="minor">
+            <a:schemeClr val="lt1"/>
+          </a:fontRef>
+        </p:style>
+        <p:txBody>
+          <a:bodyPr rtlCol="0" anchor="ctr"/>
+          <a:lstStyle/>
+          <a:p>
+            <a:pPr algn="ctr"/>
+            <a:endParaRPr lang="fr-FR" dirty="0"/>
+          </a:p>
+        </p:txBody>
+      </p:sp>
+      <p:sp>
+        <p:nvSpPr>
+          <p:cNvPr id="41" name="Ellipse 40">
+            <a:extLst>
+              <a:ext uri="{FF2B5EF4-FFF2-40B4-BE49-F238E27FC236}">
+                <a16:creationId xmlns:a16="http://schemas.microsoft.com/office/drawing/2014/main" id="{0891BBA3-7892-45A0-8734-0AA9FC63FE4F}"/>
+              </a:ext>
+            </a:extLst>
+          </p:cNvPr>
+          <p:cNvSpPr/>
+          <p:nvPr/>
+        </p:nvSpPr>
+        <p:spPr>
+          <a:xfrm>
+            <a:off x="11740896" y="6476605"/>
+            <a:ext cx="307668" cy="317709"/>
+          </a:xfrm>
+          <a:prstGeom prst="ellipse">
+            <a:avLst/>
+          </a:prstGeom>
+          <a:solidFill>
+            <a:srgbClr val="A31257"/>
+          </a:solidFill>
+          <a:ln>
+            <a:solidFill>
+              <a:schemeClr val="bg1"/>
+            </a:solidFill>
+          </a:ln>
+        </p:spPr>
+        <p:style>
+          <a:lnRef idx="2">
+            <a:schemeClr val="accent1">
+              <a:shade val="50000"/>
+            </a:schemeClr>
+          </a:lnRef>
+          <a:fillRef idx="1">
+            <a:schemeClr val="accent1"/>
+          </a:fillRef>
+          <a:effectRef idx="0">
+            <a:schemeClr val="accent1"/>
+          </a:effectRef>
+          <a:fontRef idx="minor">
+            <a:schemeClr val="lt1"/>
+          </a:fontRef>
+        </p:style>
+        <p:txBody>
+          <a:bodyPr rtlCol="0" anchor="ctr"/>
+          <a:lstStyle/>
+          <a:p>
+            <a:pPr algn="ctr"/>
+            <a:endParaRPr lang="fr-FR" dirty="0"/>
+          </a:p>
+        </p:txBody>
+      </p:sp>
+      <p:sp>
+        <p:nvSpPr>
+          <p:cNvPr id="42" name="Ellipse 41">
+            <a:extLst>
+              <a:ext uri="{FF2B5EF4-FFF2-40B4-BE49-F238E27FC236}">
+                <a16:creationId xmlns:a16="http://schemas.microsoft.com/office/drawing/2014/main" id="{21888CC0-9223-494A-B603-0AD704D42D48}"/>
+              </a:ext>
+            </a:extLst>
+          </p:cNvPr>
+          <p:cNvSpPr/>
+          <p:nvPr/>
+        </p:nvSpPr>
+        <p:spPr>
+          <a:xfrm>
+            <a:off x="11739519" y="5796549"/>
+            <a:ext cx="307668" cy="317709"/>
+          </a:xfrm>
+          <a:prstGeom prst="ellipse">
+            <a:avLst/>
+          </a:prstGeom>
+          <a:solidFill>
+            <a:srgbClr val="A31257"/>
+          </a:solidFill>
+          <a:ln>
+            <a:solidFill>
+              <a:schemeClr val="bg1"/>
+            </a:solidFill>
+          </a:ln>
+        </p:spPr>
+        <p:style>
+          <a:lnRef idx="2">
+            <a:schemeClr val="accent1">
+              <a:shade val="50000"/>
+            </a:schemeClr>
+          </a:lnRef>
+          <a:fillRef idx="1">
+            <a:schemeClr val="accent1"/>
+          </a:fillRef>
+          <a:effectRef idx="0">
+            <a:schemeClr val="accent1"/>
+          </a:effectRef>
+          <a:fontRef idx="minor">
+            <a:schemeClr val="lt1"/>
+          </a:fontRef>
+        </p:style>
+        <p:txBody>
+          <a:bodyPr rtlCol="0" anchor="ctr"/>
+          <a:lstStyle/>
+          <a:p>
+            <a:pPr algn="ctr"/>
+            <a:endParaRPr lang="fr-FR" dirty="0"/>
+          </a:p>
+        </p:txBody>
+      </p:sp>
+      <p:sp>
+        <p:nvSpPr>
+          <p:cNvPr id="43" name="ZoneTexte 42">
+            <a:extLst>
+              <a:ext uri="{FF2B5EF4-FFF2-40B4-BE49-F238E27FC236}">
+                <a16:creationId xmlns:a16="http://schemas.microsoft.com/office/drawing/2014/main" id="{59538CA6-34CF-4D78-B829-B11BEF8E0498}"/>
+              </a:ext>
+            </a:extLst>
+          </p:cNvPr>
+          <p:cNvSpPr txBox="1"/>
+          <p:nvPr/>
+        </p:nvSpPr>
+        <p:spPr>
+          <a:xfrm>
+            <a:off x="0" y="6451908"/>
+            <a:ext cx="481111" cy="369332"/>
+          </a:xfrm>
+          <a:prstGeom prst="rect">
+            <a:avLst/>
+          </a:prstGeom>
+          <a:noFill/>
+        </p:spPr>
+        <p:txBody>
+          <a:bodyPr wrap="square" rtlCol="0">
+            <a:spAutoFit/>
+          </a:bodyPr>
+          <a:lstStyle/>
+          <a:p>
+            <a:r>
+              <a:rPr lang="fr-FR" i="1" dirty="0">
+                <a:effectLst>
+                  <a:outerShdw blurRad="38100" dist="38100" dir="2700000" algn="tl">
+                    <a:srgbClr val="000000">
+                      <a:alpha val="43137"/>
+                    </a:srgbClr>
+                  </a:outerShdw>
+                </a:effectLst>
+              </a:rPr>
+              <a:t>20</a:t>
+            </a:r>
+          </a:p>
+        </p:txBody>
+      </p:sp>
+      <p:pic>
+        <p:nvPicPr>
+          <p:cNvPr id="46" name="Image 45">
+            <a:extLst>
+              <a:ext uri="{FF2B5EF4-FFF2-40B4-BE49-F238E27FC236}">
+                <a16:creationId xmlns:a16="http://schemas.microsoft.com/office/drawing/2014/main" id="{4E8DBBA9-B486-4D40-8C57-D6D08AD065F0}"/>
+              </a:ext>
+            </a:extLst>
+          </p:cNvPr>
+          <p:cNvPicPr>
+            <a:picLocks noChangeAspect="1"/>
+          </p:cNvPicPr>
+          <p:nvPr/>
+        </p:nvPicPr>
+        <p:blipFill rotWithShape="1">
+          <a:blip r:embed="rId3"/>
+          <a:srcRect t="50158" b="8390"/>
+          <a:stretch/>
+        </p:blipFill>
+        <p:spPr>
+          <a:xfrm>
+            <a:off x="111708" y="1386570"/>
+            <a:ext cx="9214227" cy="2459967"/>
+          </a:xfrm>
+          <a:prstGeom prst="rect">
+            <a:avLst/>
+          </a:prstGeom>
+          <a:ln>
+            <a:noFill/>
+          </a:ln>
+          <a:effectLst>
+            <a:outerShdw blurRad="292100" dist="139700" dir="2700000" algn="tl" rotWithShape="0">
+              <a:srgbClr val="333333">
+                <a:alpha val="65000"/>
+              </a:srgbClr>
+            </a:outerShdw>
+          </a:effectLst>
+        </p:spPr>
+      </p:pic>
+      <p:pic>
+        <p:nvPicPr>
+          <p:cNvPr id="47" name="Image 46">
+            <a:extLst>
+              <a:ext uri="{FF2B5EF4-FFF2-40B4-BE49-F238E27FC236}">
+                <a16:creationId xmlns:a16="http://schemas.microsoft.com/office/drawing/2014/main" id="{2ADE881F-0C8E-4BB5-9F32-5F381C4FDF63}"/>
+              </a:ext>
+            </a:extLst>
+          </p:cNvPr>
+          <p:cNvPicPr>
+            <a:picLocks noChangeAspect="1"/>
+          </p:cNvPicPr>
+          <p:nvPr/>
+        </p:nvPicPr>
+        <p:blipFill rotWithShape="1">
+          <a:blip r:embed="rId3"/>
+          <a:srcRect t="90820" b="-1074"/>
+          <a:stretch/>
+        </p:blipFill>
+        <p:spPr>
+          <a:xfrm>
+            <a:off x="143436" y="4597610"/>
+            <a:ext cx="9214227" cy="608568"/>
+          </a:xfrm>
+          <a:prstGeom prst="rect">
+            <a:avLst/>
+          </a:prstGeom>
+          <a:ln>
+            <a:noFill/>
+          </a:ln>
+          <a:effectLst>
+            <a:outerShdw blurRad="292100" dist="139700" dir="2700000" algn="tl" rotWithShape="0">
+              <a:srgbClr val="333333">
+                <a:alpha val="65000"/>
+              </a:srgbClr>
+            </a:outerShdw>
+          </a:effectLst>
+        </p:spPr>
+      </p:pic>
+    </p:spTree>
+    <p:extLst>
+      <p:ext uri="{BB962C8B-B14F-4D97-AF65-F5344CB8AC3E}">
+        <p14:creationId xmlns:p14="http://schemas.microsoft.com/office/powerpoint/2010/main" val="4255349611"/>
+      </p:ext>
+    </p:extLst>
+  </p:cSld>
+  <p:clrMapOvr>
+    <a:masterClrMapping/>
+  </p:clrMapOvr>
+  <mc:AlternateContent xmlns:mc="http://schemas.openxmlformats.org/markup-compatibility/2006" xmlns:p159="http://schemas.microsoft.com/office/powerpoint/2015/09/main">
+    <mc:Choice Requires="p159">
+      <p:transition xmlns:p14="http://schemas.microsoft.com/office/powerpoint/2010/main" spd="slow" p14:dur="2000">
+        <p159:morph option="byObject"/>
+      </p:transition>
+    </mc:Choice>
+    <mc:Fallback xmlns="">
+      <p:transition spd="slow">
+        <p:fade/>
+      </p:transition>
+    </mc:Fallback>
+  </mc:AlternateContent>
+</p:sld>
+</file>
+
+<file path=ppt/slides/slide3.xml><?xml version="1.0" encoding="utf-8"?>
+<p:sld xmlns:a="http://schemas.openxmlformats.org/drawingml/2006/main" xmlns:r="http://schemas.openxmlformats.org/officeDocument/2006/relationships" xmlns:p="http://schemas.openxmlformats.org/presentationml/2006/main">
+  <p:cSld>
+    <p:spTree>
+      <p:nvGrpSpPr>
+        <p:cNvPr id="1" name=""/>
+        <p:cNvGrpSpPr/>
+        <p:nvPr/>
+      </p:nvGrpSpPr>
+      <p:grpSpPr>
+        <a:xfrm>
+          <a:off x="0" y="0"/>
+          <a:ext cx="0" cy="0"/>
+          <a:chOff x="0" y="0"/>
+          <a:chExt cx="0" cy="0"/>
+        </a:xfrm>
+      </p:grpSpPr>
+      <p:sp>
+        <p:nvSpPr>
+          <p:cNvPr id="33" name="Organigramme : Terminateur 32">
+            <a:extLst>
+              <a:ext uri="{FF2B5EF4-FFF2-40B4-BE49-F238E27FC236}">
+                <a16:creationId xmlns:a16="http://schemas.microsoft.com/office/drawing/2014/main" id="{D2BDC4FA-1741-488E-A637-45368CD17A8E}"/>
+              </a:ext>
+            </a:extLst>
+          </p:cNvPr>
+          <p:cNvSpPr/>
+          <p:nvPr/>
+        </p:nvSpPr>
+        <p:spPr>
+          <a:xfrm>
+            <a:off x="11782953" y="4838752"/>
+            <a:ext cx="137445" cy="71437"/>
+          </a:xfrm>
+          <a:prstGeom prst="flowChartTerminator">
             <a:avLst/>
           </a:prstGeom>
           <a:solidFill>
@@ -34862,10 +35507,10 @@
       </p:sp>
       <p:sp>
         <p:nvSpPr>
-          <p:cNvPr id="8" name="Ellipse 7">
-            <a:extLst>
-              <a:ext uri="{FF2B5EF4-FFF2-40B4-BE49-F238E27FC236}">
-                <a16:creationId xmlns:a16="http://schemas.microsoft.com/office/drawing/2014/main" id="{3F66C0BC-0AD1-47D9-AA60-15EE7576E084}"/>
+          <p:cNvPr id="34" name="Organigramme : Terminateur 33">
+            <a:extLst>
+              <a:ext uri="{FF2B5EF4-FFF2-40B4-BE49-F238E27FC236}">
+                <a16:creationId xmlns:a16="http://schemas.microsoft.com/office/drawing/2014/main" id="{15F57145-CF17-424E-9C53-F71710060AA6}"/>
               </a:ext>
             </a:extLst>
           </p:cNvPr>
@@ -34874,10 +35519,10 @@
         </p:nvSpPr>
         <p:spPr>
           <a:xfrm>
-            <a:off x="11739665" y="5113681"/>
-            <a:ext cx="307668" cy="317709"/>
-          </a:xfrm>
-          <a:prstGeom prst="ellipse">
+            <a:off x="11782954" y="4625096"/>
+            <a:ext cx="137445" cy="71437"/>
+          </a:xfrm>
+          <a:prstGeom prst="flowChartTerminator">
             <a:avLst/>
           </a:prstGeom>
           <a:solidFill>
@@ -34916,10 +35561,10 @@
       </p:sp>
       <p:sp>
         <p:nvSpPr>
-          <p:cNvPr id="9" name="Ellipse 8">
-            <a:extLst>
-              <a:ext uri="{FF2B5EF4-FFF2-40B4-BE49-F238E27FC236}">
-                <a16:creationId xmlns:a16="http://schemas.microsoft.com/office/drawing/2014/main" id="{86551707-AF4D-49DA-B7E5-AA2C57481BB6}"/>
+          <p:cNvPr id="35" name="Organigramme : Terminateur 34">
+            <a:extLst>
+              <a:ext uri="{FF2B5EF4-FFF2-40B4-BE49-F238E27FC236}">
+                <a16:creationId xmlns:a16="http://schemas.microsoft.com/office/drawing/2014/main" id="{8EC31AA7-587F-44B9-8F46-100CA0789874}"/>
               </a:ext>
             </a:extLst>
           </p:cNvPr>
@@ -34928,10 +35573,10 @@
         </p:nvSpPr>
         <p:spPr>
           <a:xfrm>
-            <a:off x="11741041" y="3959962"/>
-            <a:ext cx="307668" cy="317709"/>
-          </a:xfrm>
-          <a:prstGeom prst="ellipse">
+            <a:off x="11780105" y="4406798"/>
+            <a:ext cx="137445" cy="71437"/>
+          </a:xfrm>
+          <a:prstGeom prst="flowChartTerminator">
             <a:avLst/>
           </a:prstGeom>
           <a:solidFill>
@@ -34970,10 +35615,10 @@
       </p:sp>
       <p:sp>
         <p:nvSpPr>
-          <p:cNvPr id="11" name="Ellipse 10">
-            <a:extLst>
-              <a:ext uri="{FF2B5EF4-FFF2-40B4-BE49-F238E27FC236}">
-                <a16:creationId xmlns:a16="http://schemas.microsoft.com/office/drawing/2014/main" id="{EB9023AD-1547-40F0-A6EC-582A1913BE1E}"/>
+          <p:cNvPr id="30" name="Organigramme : Terminateur 29">
+            <a:extLst>
+              <a:ext uri="{FF2B5EF4-FFF2-40B4-BE49-F238E27FC236}">
+                <a16:creationId xmlns:a16="http://schemas.microsoft.com/office/drawing/2014/main" id="{38EAA4C7-17E4-4269-AD88-380D93A0D465}"/>
               </a:ext>
             </a:extLst>
           </p:cNvPr>
@@ -34982,10 +35627,10 @@
         </p:nvSpPr>
         <p:spPr>
           <a:xfrm>
-            <a:off x="11741041" y="2833333"/>
-            <a:ext cx="307668" cy="317709"/>
-          </a:xfrm>
-          <a:prstGeom prst="ellipse">
+            <a:off x="11782953" y="3678638"/>
+            <a:ext cx="137445" cy="71437"/>
+          </a:xfrm>
+          <a:prstGeom prst="flowChartTerminator">
             <a:avLst/>
           </a:prstGeom>
           <a:solidFill>
@@ -35024,10 +35669,10 @@
       </p:sp>
       <p:sp>
         <p:nvSpPr>
-          <p:cNvPr id="12" name="Ellipse 11">
-            <a:extLst>
-              <a:ext uri="{FF2B5EF4-FFF2-40B4-BE49-F238E27FC236}">
-                <a16:creationId xmlns:a16="http://schemas.microsoft.com/office/drawing/2014/main" id="{2D726ED6-0839-4E51-9EFF-5D414E7A0FE3}"/>
+          <p:cNvPr id="31" name="Organigramme : Terminateur 30">
+            <a:extLst>
+              <a:ext uri="{FF2B5EF4-FFF2-40B4-BE49-F238E27FC236}">
+                <a16:creationId xmlns:a16="http://schemas.microsoft.com/office/drawing/2014/main" id="{BDD756DD-F2ED-49EE-BF72-D956647E4371}"/>
               </a:ext>
             </a:extLst>
           </p:cNvPr>
@@ -35036,10 +35681,10 @@
         </p:nvSpPr>
         <p:spPr>
           <a:xfrm>
-            <a:off x="11739520" y="1775455"/>
-            <a:ext cx="307668" cy="317709"/>
-          </a:xfrm>
-          <a:prstGeom prst="ellipse">
+            <a:off x="11782954" y="3464982"/>
+            <a:ext cx="137445" cy="71437"/>
+          </a:xfrm>
+          <a:prstGeom prst="flowChartTerminator">
             <a:avLst/>
           </a:prstGeom>
           <a:solidFill>
@@ -35078,10 +35723,10 @@
       </p:sp>
       <p:sp>
         <p:nvSpPr>
-          <p:cNvPr id="13" name="Ellipse 12">
-            <a:extLst>
-              <a:ext uri="{FF2B5EF4-FFF2-40B4-BE49-F238E27FC236}">
-                <a16:creationId xmlns:a16="http://schemas.microsoft.com/office/drawing/2014/main" id="{07418C3A-2F1A-4B36-87EC-30BB455B05DF}"/>
+          <p:cNvPr id="32" name="Organigramme : Terminateur 31">
+            <a:extLst>
+              <a:ext uri="{FF2B5EF4-FFF2-40B4-BE49-F238E27FC236}">
+                <a16:creationId xmlns:a16="http://schemas.microsoft.com/office/drawing/2014/main" id="{2F127B38-AAAA-4DBD-B24D-B938CFEE48F7}"/>
               </a:ext>
             </a:extLst>
           </p:cNvPr>
@@ -35090,10 +35735,10 @@
         </p:nvSpPr>
         <p:spPr>
           <a:xfrm>
-            <a:off x="11739520" y="2298845"/>
-            <a:ext cx="307668" cy="317709"/>
-          </a:xfrm>
-          <a:prstGeom prst="ellipse">
+            <a:off x="11787913" y="3246684"/>
+            <a:ext cx="137445" cy="71437"/>
+          </a:xfrm>
+          <a:prstGeom prst="flowChartTerminator">
             <a:avLst/>
           </a:prstGeom>
           <a:solidFill>
@@ -35132,10 +35777,10 @@
       </p:sp>
       <p:sp>
         <p:nvSpPr>
-          <p:cNvPr id="14" name="Ellipse 13">
-            <a:extLst>
-              <a:ext uri="{FF2B5EF4-FFF2-40B4-BE49-F238E27FC236}">
-                <a16:creationId xmlns:a16="http://schemas.microsoft.com/office/drawing/2014/main" id="{756836C2-CD4F-4DFA-A300-D890A433D132}"/>
+          <p:cNvPr id="29" name="Organigramme : Terminateur 28">
+            <a:extLst>
+              <a:ext uri="{FF2B5EF4-FFF2-40B4-BE49-F238E27FC236}">
+                <a16:creationId xmlns:a16="http://schemas.microsoft.com/office/drawing/2014/main" id="{8680FA50-09CB-4762-840F-59359D314EE6}"/>
               </a:ext>
             </a:extLst>
           </p:cNvPr>
@@ -35144,10 +35789,10 @@
         </p:nvSpPr>
         <p:spPr>
           <a:xfrm>
-            <a:off x="11740896" y="6476605"/>
-            <a:ext cx="307668" cy="317709"/>
-          </a:xfrm>
-          <a:prstGeom prst="ellipse">
+            <a:off x="11782810" y="1022638"/>
+            <a:ext cx="137445" cy="71437"/>
+          </a:xfrm>
+          <a:prstGeom prst="flowChartTerminator">
             <a:avLst/>
           </a:prstGeom>
           <a:solidFill>
@@ -35186,10 +35831,10 @@
       </p:sp>
       <p:sp>
         <p:nvSpPr>
-          <p:cNvPr id="15" name="Ellipse 14">
-            <a:extLst>
-              <a:ext uri="{FF2B5EF4-FFF2-40B4-BE49-F238E27FC236}">
-                <a16:creationId xmlns:a16="http://schemas.microsoft.com/office/drawing/2014/main" id="{3741EA72-910F-4ED8-9950-2CEE6EAFC5AE}"/>
+          <p:cNvPr id="28" name="Organigramme : Terminateur 27">
+            <a:extLst>
+              <a:ext uri="{FF2B5EF4-FFF2-40B4-BE49-F238E27FC236}">
+                <a16:creationId xmlns:a16="http://schemas.microsoft.com/office/drawing/2014/main" id="{DB05532A-1E62-4869-B0CD-457C8C100E8D}"/>
               </a:ext>
             </a:extLst>
           </p:cNvPr>
@@ -35198,10 +35843,10 @@
         </p:nvSpPr>
         <p:spPr>
           <a:xfrm>
-            <a:off x="11739519" y="5796549"/>
-            <a:ext cx="307668" cy="317709"/>
-          </a:xfrm>
-          <a:prstGeom prst="ellipse">
+            <a:off x="11782811" y="808982"/>
+            <a:ext cx="137445" cy="71437"/>
+          </a:xfrm>
+          <a:prstGeom prst="flowChartTerminator">
             <a:avLst/>
           </a:prstGeom>
           <a:solidFill>
@@ -35240,6 +35885,1602 @@
       </p:sp>
       <p:sp>
         <p:nvSpPr>
+          <p:cNvPr id="27" name="Organigramme : Terminateur 26">
+            <a:extLst>
+              <a:ext uri="{FF2B5EF4-FFF2-40B4-BE49-F238E27FC236}">
+                <a16:creationId xmlns:a16="http://schemas.microsoft.com/office/drawing/2014/main" id="{82C3BEEF-E4AB-439D-AB25-3F975A1A8383}"/>
+              </a:ext>
+            </a:extLst>
+          </p:cNvPr>
+          <p:cNvSpPr/>
+          <p:nvPr/>
+        </p:nvSpPr>
+        <p:spPr>
+          <a:xfrm>
+            <a:off x="11780105" y="596427"/>
+            <a:ext cx="137445" cy="71437"/>
+          </a:xfrm>
+          <a:prstGeom prst="flowChartTerminator">
+            <a:avLst/>
+          </a:prstGeom>
+          <a:solidFill>
+            <a:srgbClr val="A31257"/>
+          </a:solidFill>
+          <a:ln>
+            <a:solidFill>
+              <a:schemeClr val="bg1"/>
+            </a:solidFill>
+          </a:ln>
+        </p:spPr>
+        <p:style>
+          <a:lnRef idx="2">
+            <a:schemeClr val="accent1">
+              <a:shade val="50000"/>
+            </a:schemeClr>
+          </a:lnRef>
+          <a:fillRef idx="1">
+            <a:schemeClr val="accent1"/>
+          </a:fillRef>
+          <a:effectRef idx="0">
+            <a:schemeClr val="accent1"/>
+          </a:effectRef>
+          <a:fontRef idx="minor">
+            <a:schemeClr val="lt1"/>
+          </a:fontRef>
+        </p:style>
+        <p:txBody>
+          <a:bodyPr rtlCol="0" anchor="ctr"/>
+          <a:lstStyle/>
+          <a:p>
+            <a:pPr algn="ctr"/>
+            <a:endParaRPr lang="fr-FR" dirty="0"/>
+          </a:p>
+        </p:txBody>
+      </p:sp>
+      <p:pic>
+        <p:nvPicPr>
+          <p:cNvPr id="1026" name="Picture 2" descr="Image associée">
+            <a:extLst>
+              <a:ext uri="{FF2B5EF4-FFF2-40B4-BE49-F238E27FC236}">
+                <a16:creationId xmlns:a16="http://schemas.microsoft.com/office/drawing/2014/main" id="{C816F3D8-CC4C-46B3-A21E-58AE9AD30454}"/>
+              </a:ext>
+            </a:extLst>
+          </p:cNvPr>
+          <p:cNvPicPr>
+            <a:picLocks noChangeAspect="1" noChangeArrowheads="1"/>
+          </p:cNvPicPr>
+          <p:nvPr/>
+        </p:nvPicPr>
+        <p:blipFill rotWithShape="1">
+          <a:blip r:embed="rId2">
+            <a:extLst>
+              <a:ext uri="{28A0092B-C50C-407E-A947-70E740481C1C}">
+                <a14:useLocalDpi xmlns:a14="http://schemas.microsoft.com/office/drawing/2010/main" val="0"/>
+              </a:ext>
+            </a:extLst>
+          </a:blip>
+          <a:srcRect l="18677" r="15441"/>
+          <a:stretch/>
+        </p:blipFill>
+        <p:spPr bwMode="auto">
+          <a:xfrm>
+            <a:off x="143436" y="143435"/>
+            <a:ext cx="2269635" cy="609600"/>
+          </a:xfrm>
+          <a:prstGeom prst="rect">
+            <a:avLst/>
+          </a:prstGeom>
+          <a:noFill/>
+          <a:extLst>
+            <a:ext uri="{909E8E84-426E-40DD-AFC4-6F175D3DCCD1}">
+              <a14:hiddenFill xmlns:a14="http://schemas.microsoft.com/office/drawing/2010/main">
+                <a:solidFill>
+                  <a:srgbClr val="FFFFFF"/>
+                </a:solidFill>
+              </a14:hiddenFill>
+            </a:ext>
+          </a:extLst>
+        </p:spPr>
+      </p:pic>
+      <p:sp>
+        <p:nvSpPr>
+          <p:cNvPr id="3" name="ZoneTexte 2">
+            <a:extLst>
+              <a:ext uri="{FF2B5EF4-FFF2-40B4-BE49-F238E27FC236}">
+                <a16:creationId xmlns:a16="http://schemas.microsoft.com/office/drawing/2014/main" id="{710E88E4-C59A-4F33-A331-17F09767646F}"/>
+              </a:ext>
+            </a:extLst>
+          </p:cNvPr>
+          <p:cNvSpPr txBox="1"/>
+          <p:nvPr/>
+        </p:nvSpPr>
+        <p:spPr>
+          <a:xfrm>
+            <a:off x="2816352" y="143435"/>
+            <a:ext cx="5342576" cy="646331"/>
+          </a:xfrm>
+          <a:prstGeom prst="rect">
+            <a:avLst/>
+          </a:prstGeom>
+          <a:noFill/>
+          <a:ln>
+            <a:noFill/>
+          </a:ln>
+          <a:effectLst>
+            <a:glow rad="63500">
+              <a:schemeClr val="accent4">
+                <a:satMod val="175000"/>
+                <a:alpha val="40000"/>
+              </a:schemeClr>
+            </a:glow>
+            <a:outerShdw blurRad="50800" dist="38100" dir="5400000" algn="t" rotWithShape="0">
+              <a:prstClr val="black">
+                <a:alpha val="40000"/>
+              </a:prstClr>
+            </a:outerShdw>
+          </a:effectLst>
+          <a:scene3d>
+            <a:camera prst="orthographicFront">
+              <a:rot lat="0" lon="0" rev="0"/>
+            </a:camera>
+            <a:lightRig rig="soft" dir="t">
+              <a:rot lat="0" lon="0" rev="0"/>
+            </a:lightRig>
+          </a:scene3d>
+          <a:sp3d contourW="44450" prstMaterial="matte">
+            <a:bevelT w="63500" h="63500" prst="artDeco"/>
+            <a:contourClr>
+              <a:srgbClr val="FFFFFF"/>
+            </a:contourClr>
+          </a:sp3d>
+        </p:spPr>
+        <p:txBody>
+          <a:bodyPr wrap="square" rtlCol="0">
+            <a:spAutoFit/>
+          </a:bodyPr>
+          <a:lstStyle/>
+          <a:p>
+            <a:pPr algn="ctr"/>
+            <a:r>
+              <a:rPr lang="fr-FR" sz="3600" b="1" dirty="0">
+                <a:latin typeface="Eras Medium ITC" panose="020B0602030504020804" pitchFamily="34" charset="0"/>
+              </a:rPr>
+              <a:t>Présentation du </a:t>
+            </a:r>
+            <a:r>
+              <a:rPr lang="fr-FR" sz="3600" b="1" dirty="0">
+                <a:solidFill>
+                  <a:srgbClr val="A31257"/>
+                </a:solidFill>
+                <a:latin typeface="Eras Medium ITC" panose="020B0602030504020804" pitchFamily="34" charset="0"/>
+              </a:rPr>
+              <a:t>projet</a:t>
+            </a:r>
+            <a:r>
+              <a:rPr lang="fr-FR" sz="3600" b="1" dirty="0">
+                <a:latin typeface="Eras Medium ITC" panose="020B0602030504020804" pitchFamily="34" charset="0"/>
+              </a:rPr>
+              <a:t> :</a:t>
+            </a:r>
+            <a:endParaRPr lang="fr-FR" sz="3200" b="1" dirty="0">
+              <a:latin typeface="Eras Medium ITC" panose="020B0602030504020804" pitchFamily="34" charset="0"/>
+            </a:endParaRPr>
+          </a:p>
+        </p:txBody>
+      </p:sp>
+      <p:pic>
+        <p:nvPicPr>
+          <p:cNvPr id="2" name="Image 1">
+            <a:extLst>
+              <a:ext uri="{FF2B5EF4-FFF2-40B4-BE49-F238E27FC236}">
+                <a16:creationId xmlns:a16="http://schemas.microsoft.com/office/drawing/2014/main" id="{D297602B-3888-4148-A07F-260085A43925}"/>
+              </a:ext>
+            </a:extLst>
+          </p:cNvPr>
+          <p:cNvPicPr>
+            <a:picLocks noChangeAspect="1"/>
+          </p:cNvPicPr>
+          <p:nvPr/>
+        </p:nvPicPr>
+        <p:blipFill rotWithShape="1">
+          <a:blip r:embed="rId3"/>
+          <a:srcRect t="4170"/>
+          <a:stretch/>
+        </p:blipFill>
+        <p:spPr>
+          <a:xfrm>
+            <a:off x="0" y="936993"/>
+            <a:ext cx="8954429" cy="5914304"/>
+          </a:xfrm>
+          <a:prstGeom prst="rect">
+            <a:avLst/>
+          </a:prstGeom>
+        </p:spPr>
+      </p:pic>
+      <p:sp>
+        <p:nvSpPr>
+          <p:cNvPr id="6" name="Ellipse 5">
+            <a:extLst>
+              <a:ext uri="{FF2B5EF4-FFF2-40B4-BE49-F238E27FC236}">
+                <a16:creationId xmlns:a16="http://schemas.microsoft.com/office/drawing/2014/main" id="{B4D120A1-E8E3-4251-AF0E-3375AFF9ACF8}"/>
+              </a:ext>
+            </a:extLst>
+          </p:cNvPr>
+          <p:cNvSpPr/>
+          <p:nvPr/>
+        </p:nvSpPr>
+        <p:spPr>
+          <a:xfrm>
+            <a:off x="11740896" y="143435"/>
+            <a:ext cx="307668" cy="317709"/>
+          </a:xfrm>
+          <a:prstGeom prst="ellipse">
+            <a:avLst/>
+          </a:prstGeom>
+          <a:solidFill>
+            <a:srgbClr val="A31257"/>
+          </a:solidFill>
+          <a:ln>
+            <a:solidFill>
+              <a:schemeClr val="bg1"/>
+            </a:solidFill>
+          </a:ln>
+        </p:spPr>
+        <p:style>
+          <a:lnRef idx="2">
+            <a:schemeClr val="accent1">
+              <a:shade val="50000"/>
+            </a:schemeClr>
+          </a:lnRef>
+          <a:fillRef idx="1">
+            <a:schemeClr val="accent1"/>
+          </a:fillRef>
+          <a:effectRef idx="0">
+            <a:schemeClr val="accent1"/>
+          </a:effectRef>
+          <a:fontRef idx="minor">
+            <a:schemeClr val="lt1"/>
+          </a:fontRef>
+        </p:style>
+        <p:txBody>
+          <a:bodyPr rtlCol="0" anchor="ctr"/>
+          <a:lstStyle/>
+          <a:p>
+            <a:pPr algn="ctr"/>
+            <a:endParaRPr lang="fr-FR" dirty="0"/>
+          </a:p>
+        </p:txBody>
+      </p:sp>
+      <p:sp>
+        <p:nvSpPr>
+          <p:cNvPr id="16" name="Rectangle 15">
+            <a:extLst>
+              <a:ext uri="{FF2B5EF4-FFF2-40B4-BE49-F238E27FC236}">
+                <a16:creationId xmlns:a16="http://schemas.microsoft.com/office/drawing/2014/main" id="{F8FAD2E6-F58B-444D-83A0-C89C3228905D}"/>
+              </a:ext>
+            </a:extLst>
+          </p:cNvPr>
+          <p:cNvSpPr/>
+          <p:nvPr/>
+        </p:nvSpPr>
+        <p:spPr>
+          <a:xfrm>
+            <a:off x="11861348" y="325214"/>
+            <a:ext cx="55883" cy="6446174"/>
+          </a:xfrm>
+          <a:prstGeom prst="rect">
+            <a:avLst/>
+          </a:prstGeom>
+          <a:solidFill>
+            <a:srgbClr val="A31257"/>
+          </a:solidFill>
+          <a:ln>
+            <a:noFill/>
+          </a:ln>
+        </p:spPr>
+        <p:style>
+          <a:lnRef idx="2">
+            <a:schemeClr val="accent1">
+              <a:shade val="50000"/>
+            </a:schemeClr>
+          </a:lnRef>
+          <a:fillRef idx="1">
+            <a:schemeClr val="accent1"/>
+          </a:fillRef>
+          <a:effectRef idx="0">
+            <a:schemeClr val="accent1"/>
+          </a:effectRef>
+          <a:fontRef idx="minor">
+            <a:schemeClr val="lt1"/>
+          </a:fontRef>
+        </p:style>
+        <p:txBody>
+          <a:bodyPr rtlCol="0" anchor="ctr"/>
+          <a:lstStyle/>
+          <a:p>
+            <a:pPr algn="ctr"/>
+            <a:endParaRPr lang="fr-FR"/>
+          </a:p>
+        </p:txBody>
+      </p:sp>
+      <p:sp>
+        <p:nvSpPr>
+          <p:cNvPr id="36" name="ZoneTexte 35">
+            <a:extLst>
+              <a:ext uri="{FF2B5EF4-FFF2-40B4-BE49-F238E27FC236}">
+                <a16:creationId xmlns:a16="http://schemas.microsoft.com/office/drawing/2014/main" id="{D58482BA-511E-42F0-9AB3-8B528F37FD0C}"/>
+              </a:ext>
+            </a:extLst>
+          </p:cNvPr>
+          <p:cNvSpPr txBox="1"/>
+          <p:nvPr/>
+        </p:nvSpPr>
+        <p:spPr>
+          <a:xfrm>
+            <a:off x="9863775" y="181652"/>
+            <a:ext cx="1874223" cy="261610"/>
+          </a:xfrm>
+          <a:prstGeom prst="rect">
+            <a:avLst/>
+          </a:prstGeom>
+          <a:noFill/>
+        </p:spPr>
+        <p:txBody>
+          <a:bodyPr wrap="square" rtlCol="0">
+            <a:spAutoFit/>
+          </a:bodyPr>
+          <a:lstStyle/>
+          <a:p>
+            <a:pPr algn="r"/>
+            <a:r>
+              <a:rPr lang="fr-FR" sz="1100" i="1" dirty="0">
+                <a:effectLst>
+                  <a:outerShdw blurRad="38100" dist="38100" dir="2700000" algn="tl">
+                    <a:srgbClr val="000000">
+                      <a:alpha val="43137"/>
+                    </a:srgbClr>
+                  </a:outerShdw>
+                </a:effectLst>
+              </a:rPr>
+              <a:t>Présentation du projet</a:t>
+            </a:r>
+          </a:p>
+        </p:txBody>
+      </p:sp>
+      <p:sp>
+        <p:nvSpPr>
+          <p:cNvPr id="37" name="ZoneTexte 36">
+            <a:extLst>
+              <a:ext uri="{FF2B5EF4-FFF2-40B4-BE49-F238E27FC236}">
+                <a16:creationId xmlns:a16="http://schemas.microsoft.com/office/drawing/2014/main" id="{02856E73-C177-4EF7-8F16-6760CDE6F2E2}"/>
+              </a:ext>
+            </a:extLst>
+          </p:cNvPr>
+          <p:cNvSpPr txBox="1"/>
+          <p:nvPr/>
+        </p:nvSpPr>
+        <p:spPr>
+          <a:xfrm>
+            <a:off x="9926211" y="507693"/>
+            <a:ext cx="1874223" cy="261610"/>
+          </a:xfrm>
+          <a:prstGeom prst="rect">
+            <a:avLst/>
+          </a:prstGeom>
+          <a:noFill/>
+        </p:spPr>
+        <p:txBody>
+          <a:bodyPr wrap="square" rtlCol="0">
+            <a:spAutoFit/>
+          </a:bodyPr>
+          <a:lstStyle/>
+          <a:p>
+            <a:pPr algn="r"/>
+            <a:r>
+              <a:rPr lang="fr-FR" sz="1100" i="1" dirty="0">
+                <a:effectLst>
+                  <a:outerShdw blurRad="38100" dist="38100" dir="2700000" algn="tl">
+                    <a:srgbClr val="000000">
+                      <a:alpha val="43137"/>
+                    </a:srgbClr>
+                  </a:outerShdw>
+                </a:effectLst>
+              </a:rPr>
+              <a:t>Schéma global</a:t>
+            </a:r>
+          </a:p>
+        </p:txBody>
+      </p:sp>
+      <p:sp>
+        <p:nvSpPr>
+          <p:cNvPr id="38" name="ZoneTexte 37">
+            <a:extLst>
+              <a:ext uri="{FF2B5EF4-FFF2-40B4-BE49-F238E27FC236}">
+                <a16:creationId xmlns:a16="http://schemas.microsoft.com/office/drawing/2014/main" id="{BD88F773-82B7-4917-B730-EBA464D49944}"/>
+              </a:ext>
+            </a:extLst>
+          </p:cNvPr>
+          <p:cNvSpPr txBox="1"/>
+          <p:nvPr/>
+        </p:nvSpPr>
+        <p:spPr>
+          <a:xfrm>
+            <a:off x="9946504" y="727130"/>
+            <a:ext cx="1874223" cy="261610"/>
+          </a:xfrm>
+          <a:prstGeom prst="rect">
+            <a:avLst/>
+          </a:prstGeom>
+          <a:noFill/>
+        </p:spPr>
+        <p:txBody>
+          <a:bodyPr wrap="square" rtlCol="0">
+            <a:spAutoFit/>
+          </a:bodyPr>
+          <a:lstStyle/>
+          <a:p>
+            <a:pPr algn="r"/>
+            <a:r>
+              <a:rPr lang="fr-FR" sz="1100" i="1" dirty="0">
+                <a:effectLst>
+                  <a:outerShdw blurRad="38100" dist="38100" dir="2700000" algn="tl">
+                    <a:srgbClr val="000000">
+                      <a:alpha val="43137"/>
+                    </a:srgbClr>
+                  </a:outerShdw>
+                </a:effectLst>
+              </a:rPr>
+              <a:t>Schéma personnalisé</a:t>
+            </a:r>
+          </a:p>
+        </p:txBody>
+      </p:sp>
+      <p:sp>
+        <p:nvSpPr>
+          <p:cNvPr id="39" name="ZoneTexte 38">
+            <a:extLst>
+              <a:ext uri="{FF2B5EF4-FFF2-40B4-BE49-F238E27FC236}">
+                <a16:creationId xmlns:a16="http://schemas.microsoft.com/office/drawing/2014/main" id="{64834D40-3413-469B-98D4-3E042CA2E26D}"/>
+              </a:ext>
+            </a:extLst>
+          </p:cNvPr>
+          <p:cNvSpPr txBox="1"/>
+          <p:nvPr/>
+        </p:nvSpPr>
+        <p:spPr>
+          <a:xfrm>
+            <a:off x="9941401" y="918998"/>
+            <a:ext cx="1874223" cy="261610"/>
+          </a:xfrm>
+          <a:prstGeom prst="rect">
+            <a:avLst/>
+          </a:prstGeom>
+          <a:noFill/>
+        </p:spPr>
+        <p:txBody>
+          <a:bodyPr wrap="square" rtlCol="0">
+            <a:spAutoFit/>
+          </a:bodyPr>
+          <a:lstStyle/>
+          <a:p>
+            <a:pPr algn="r"/>
+            <a:r>
+              <a:rPr lang="fr-FR" sz="1100" i="1" dirty="0">
+                <a:effectLst>
+                  <a:outerShdw blurRad="38100" dist="38100" dir="2700000" algn="tl">
+                    <a:srgbClr val="000000">
+                      <a:alpha val="43137"/>
+                    </a:srgbClr>
+                  </a:outerShdw>
+                </a:effectLst>
+              </a:rPr>
+              <a:t>Tâches personnelles</a:t>
+            </a:r>
+          </a:p>
+        </p:txBody>
+      </p:sp>
+      <p:sp>
+        <p:nvSpPr>
+          <p:cNvPr id="40" name="ZoneTexte 39">
+            <a:extLst>
+              <a:ext uri="{FF2B5EF4-FFF2-40B4-BE49-F238E27FC236}">
+                <a16:creationId xmlns:a16="http://schemas.microsoft.com/office/drawing/2014/main" id="{8A3F0733-4849-4B28-933A-F126DB3D735F}"/>
+              </a:ext>
+            </a:extLst>
+          </p:cNvPr>
+          <p:cNvSpPr txBox="1"/>
+          <p:nvPr/>
+        </p:nvSpPr>
+        <p:spPr>
+          <a:xfrm>
+            <a:off x="9865580" y="1281294"/>
+            <a:ext cx="1874223" cy="261610"/>
+          </a:xfrm>
+          <a:prstGeom prst="rect">
+            <a:avLst/>
+          </a:prstGeom>
+          <a:noFill/>
+        </p:spPr>
+        <p:txBody>
+          <a:bodyPr wrap="square" rtlCol="0">
+            <a:spAutoFit/>
+          </a:bodyPr>
+          <a:lstStyle/>
+          <a:p>
+            <a:pPr algn="r"/>
+            <a:r>
+              <a:rPr lang="fr-FR" sz="1100" i="1" dirty="0">
+                <a:effectLst>
+                  <a:outerShdw blurRad="38100" dist="38100" dir="2700000" algn="tl">
+                    <a:srgbClr val="000000">
+                      <a:alpha val="43137"/>
+                    </a:srgbClr>
+                  </a:outerShdw>
+                </a:effectLst>
+              </a:rPr>
+              <a:t>Schématisation réseau</a:t>
+            </a:r>
+          </a:p>
+        </p:txBody>
+      </p:sp>
+      <p:sp>
+        <p:nvSpPr>
+          <p:cNvPr id="41" name="ZoneTexte 40">
+            <a:extLst>
+              <a:ext uri="{FF2B5EF4-FFF2-40B4-BE49-F238E27FC236}">
+                <a16:creationId xmlns:a16="http://schemas.microsoft.com/office/drawing/2014/main" id="{F324FD21-6FE2-457F-BEF2-7C65EF078B9C}"/>
+              </a:ext>
+            </a:extLst>
+          </p:cNvPr>
+          <p:cNvSpPr txBox="1"/>
+          <p:nvPr/>
+        </p:nvSpPr>
+        <p:spPr>
+          <a:xfrm>
+            <a:off x="9863775" y="1787278"/>
+            <a:ext cx="1874223" cy="261610"/>
+          </a:xfrm>
+          <a:prstGeom prst="rect">
+            <a:avLst/>
+          </a:prstGeom>
+          <a:noFill/>
+        </p:spPr>
+        <p:txBody>
+          <a:bodyPr wrap="square" rtlCol="0">
+            <a:spAutoFit/>
+          </a:bodyPr>
+          <a:lstStyle/>
+          <a:p>
+            <a:pPr algn="r"/>
+            <a:r>
+              <a:rPr lang="fr-FR" sz="1100" i="1" dirty="0">
+                <a:effectLst>
+                  <a:outerShdw blurRad="38100" dist="38100" dir="2700000" algn="tl">
+                    <a:srgbClr val="000000">
+                      <a:alpha val="43137"/>
+                    </a:srgbClr>
+                  </a:outerShdw>
+                </a:effectLst>
+              </a:rPr>
+              <a:t>Développement</a:t>
+            </a:r>
+          </a:p>
+        </p:txBody>
+      </p:sp>
+      <p:sp>
+        <p:nvSpPr>
+          <p:cNvPr id="42" name="ZoneTexte 41">
+            <a:extLst>
+              <a:ext uri="{FF2B5EF4-FFF2-40B4-BE49-F238E27FC236}">
+                <a16:creationId xmlns:a16="http://schemas.microsoft.com/office/drawing/2014/main" id="{82DE8002-7AE1-486B-A9DA-C00699F34CED}"/>
+              </a:ext>
+            </a:extLst>
+          </p:cNvPr>
+          <p:cNvSpPr txBox="1"/>
+          <p:nvPr/>
+        </p:nvSpPr>
+        <p:spPr>
+          <a:xfrm>
+            <a:off x="9842434" y="2222827"/>
+            <a:ext cx="1874223" cy="430887"/>
+          </a:xfrm>
+          <a:prstGeom prst="rect">
+            <a:avLst/>
+          </a:prstGeom>
+          <a:noFill/>
+        </p:spPr>
+        <p:txBody>
+          <a:bodyPr wrap="square" rtlCol="0">
+            <a:spAutoFit/>
+          </a:bodyPr>
+          <a:lstStyle/>
+          <a:p>
+            <a:pPr algn="r"/>
+            <a:r>
+              <a:rPr lang="fr-FR" sz="1100" i="1" dirty="0">
+                <a:effectLst>
+                  <a:outerShdw blurRad="38100" dist="38100" dir="2700000" algn="tl">
+                    <a:srgbClr val="000000">
+                      <a:alpha val="43137"/>
+                    </a:srgbClr>
+                  </a:outerShdw>
+                </a:effectLst>
+              </a:rPr>
+              <a:t>Diagramme de cas d’utilisation</a:t>
+            </a:r>
+          </a:p>
+        </p:txBody>
+      </p:sp>
+      <p:sp>
+        <p:nvSpPr>
+          <p:cNvPr id="43" name="ZoneTexte 42">
+            <a:extLst>
+              <a:ext uri="{FF2B5EF4-FFF2-40B4-BE49-F238E27FC236}">
+                <a16:creationId xmlns:a16="http://schemas.microsoft.com/office/drawing/2014/main" id="{C938B8C6-EF6C-4A39-BBBD-E8664A0EE70C}"/>
+              </a:ext>
+            </a:extLst>
+          </p:cNvPr>
+          <p:cNvSpPr txBox="1"/>
+          <p:nvPr/>
+        </p:nvSpPr>
+        <p:spPr>
+          <a:xfrm>
+            <a:off x="9926210" y="2861382"/>
+            <a:ext cx="1874223" cy="261610"/>
+          </a:xfrm>
+          <a:prstGeom prst="rect">
+            <a:avLst/>
+          </a:prstGeom>
+          <a:noFill/>
+        </p:spPr>
+        <p:txBody>
+          <a:bodyPr wrap="square" rtlCol="0">
+            <a:spAutoFit/>
+          </a:bodyPr>
+          <a:lstStyle/>
+          <a:p>
+            <a:pPr algn="r"/>
+            <a:r>
+              <a:rPr lang="fr-FR" sz="1100" i="1" dirty="0">
+                <a:effectLst>
+                  <a:outerShdw blurRad="38100" dist="38100" dir="2700000" algn="tl">
+                    <a:srgbClr val="000000">
+                      <a:alpha val="43137"/>
+                    </a:srgbClr>
+                  </a:outerShdw>
+                </a:effectLst>
+              </a:rPr>
+              <a:t>Application de supervision</a:t>
+            </a:r>
+          </a:p>
+        </p:txBody>
+      </p:sp>
+      <p:sp>
+        <p:nvSpPr>
+          <p:cNvPr id="44" name="ZoneTexte 43">
+            <a:extLst>
+              <a:ext uri="{FF2B5EF4-FFF2-40B4-BE49-F238E27FC236}">
+                <a16:creationId xmlns:a16="http://schemas.microsoft.com/office/drawing/2014/main" id="{1B11148E-B2B6-448E-A99A-576204DCE23B}"/>
+              </a:ext>
+            </a:extLst>
+          </p:cNvPr>
+          <p:cNvSpPr txBox="1"/>
+          <p:nvPr/>
+        </p:nvSpPr>
+        <p:spPr>
+          <a:xfrm>
+            <a:off x="9956668" y="3157513"/>
+            <a:ext cx="1874223" cy="261610"/>
+          </a:xfrm>
+          <a:prstGeom prst="rect">
+            <a:avLst/>
+          </a:prstGeom>
+          <a:noFill/>
+        </p:spPr>
+        <p:txBody>
+          <a:bodyPr wrap="square" rtlCol="0">
+            <a:spAutoFit/>
+          </a:bodyPr>
+          <a:lstStyle/>
+          <a:p>
+            <a:pPr algn="r"/>
+            <a:r>
+              <a:rPr lang="fr-FR" sz="1100" i="1" dirty="0">
+                <a:effectLst>
+                  <a:outerShdw blurRad="38100" dist="38100" dir="2700000" algn="tl">
+                    <a:srgbClr val="000000">
+                      <a:alpha val="43137"/>
+                    </a:srgbClr>
+                  </a:outerShdw>
+                </a:effectLst>
+              </a:rPr>
+              <a:t>Lancer une partie</a:t>
+            </a:r>
+          </a:p>
+        </p:txBody>
+      </p:sp>
+      <p:sp>
+        <p:nvSpPr>
+          <p:cNvPr id="45" name="ZoneTexte 44">
+            <a:extLst>
+              <a:ext uri="{FF2B5EF4-FFF2-40B4-BE49-F238E27FC236}">
+                <a16:creationId xmlns:a16="http://schemas.microsoft.com/office/drawing/2014/main" id="{645616B6-0487-4964-8C30-072E5E108C1E}"/>
+              </a:ext>
+            </a:extLst>
+          </p:cNvPr>
+          <p:cNvSpPr txBox="1"/>
+          <p:nvPr/>
+        </p:nvSpPr>
+        <p:spPr>
+          <a:xfrm>
+            <a:off x="9947928" y="3386750"/>
+            <a:ext cx="1874223" cy="261610"/>
+          </a:xfrm>
+          <a:prstGeom prst="rect">
+            <a:avLst/>
+          </a:prstGeom>
+          <a:noFill/>
+        </p:spPr>
+        <p:txBody>
+          <a:bodyPr wrap="square" rtlCol="0">
+            <a:spAutoFit/>
+          </a:bodyPr>
+          <a:lstStyle/>
+          <a:p>
+            <a:pPr algn="r"/>
+            <a:r>
+              <a:rPr lang="fr-FR" sz="1100" i="1" dirty="0">
+                <a:effectLst>
+                  <a:outerShdw blurRad="38100" dist="38100" dir="2700000" algn="tl">
+                    <a:srgbClr val="000000">
+                      <a:alpha val="43137"/>
+                    </a:srgbClr>
+                  </a:outerShdw>
+                </a:effectLst>
+              </a:rPr>
+              <a:t>Superviser</a:t>
+            </a:r>
+          </a:p>
+        </p:txBody>
+      </p:sp>
+      <p:sp>
+        <p:nvSpPr>
+          <p:cNvPr id="46" name="ZoneTexte 45">
+            <a:extLst>
+              <a:ext uri="{FF2B5EF4-FFF2-40B4-BE49-F238E27FC236}">
+                <a16:creationId xmlns:a16="http://schemas.microsoft.com/office/drawing/2014/main" id="{DE01A5A9-8571-49D8-B475-E9E8E348A1A7}"/>
+              </a:ext>
+            </a:extLst>
+          </p:cNvPr>
+          <p:cNvSpPr txBox="1"/>
+          <p:nvPr/>
+        </p:nvSpPr>
+        <p:spPr>
+          <a:xfrm>
+            <a:off x="9941400" y="3596455"/>
+            <a:ext cx="1874223" cy="261610"/>
+          </a:xfrm>
+          <a:prstGeom prst="rect">
+            <a:avLst/>
+          </a:prstGeom>
+          <a:noFill/>
+        </p:spPr>
+        <p:txBody>
+          <a:bodyPr wrap="square" rtlCol="0">
+            <a:spAutoFit/>
+          </a:bodyPr>
+          <a:lstStyle/>
+          <a:p>
+            <a:pPr algn="r"/>
+            <a:r>
+              <a:rPr lang="fr-FR" sz="1100" i="1" dirty="0">
+                <a:effectLst>
+                  <a:outerShdw blurRad="38100" dist="38100" dir="2700000" algn="tl">
+                    <a:srgbClr val="000000">
+                      <a:alpha val="43137"/>
+                    </a:srgbClr>
+                  </a:outerShdw>
+                </a:effectLst>
+              </a:rPr>
+              <a:t>Envoi d’indice / Fin</a:t>
+            </a:r>
+          </a:p>
+        </p:txBody>
+      </p:sp>
+      <p:sp>
+        <p:nvSpPr>
+          <p:cNvPr id="47" name="ZoneTexte 46">
+            <a:extLst>
+              <a:ext uri="{FF2B5EF4-FFF2-40B4-BE49-F238E27FC236}">
+                <a16:creationId xmlns:a16="http://schemas.microsoft.com/office/drawing/2014/main" id="{C51FBC08-5E66-409E-A8B8-3E032D994688}"/>
+              </a:ext>
+            </a:extLst>
+          </p:cNvPr>
+          <p:cNvSpPr txBox="1"/>
+          <p:nvPr/>
+        </p:nvSpPr>
+        <p:spPr>
+          <a:xfrm>
+            <a:off x="9905882" y="3995785"/>
+            <a:ext cx="1874223" cy="261610"/>
+          </a:xfrm>
+          <a:prstGeom prst="rect">
+            <a:avLst/>
+          </a:prstGeom>
+          <a:noFill/>
+        </p:spPr>
+        <p:txBody>
+          <a:bodyPr wrap="square" rtlCol="0">
+            <a:spAutoFit/>
+          </a:bodyPr>
+          <a:lstStyle/>
+          <a:p>
+            <a:pPr algn="r"/>
+            <a:r>
+              <a:rPr lang="fr-FR" sz="1100" i="1" dirty="0">
+                <a:effectLst>
+                  <a:outerShdw blurRad="38100" dist="38100" dir="2700000" algn="tl">
+                    <a:srgbClr val="000000">
+                      <a:alpha val="43137"/>
+                    </a:srgbClr>
+                  </a:outerShdw>
+                </a:effectLst>
+              </a:rPr>
+              <a:t>Diagrammes de séquence</a:t>
+            </a:r>
+          </a:p>
+        </p:txBody>
+      </p:sp>
+      <p:sp>
+        <p:nvSpPr>
+          <p:cNvPr id="48" name="ZoneTexte 47">
+            <a:extLst>
+              <a:ext uri="{FF2B5EF4-FFF2-40B4-BE49-F238E27FC236}">
+                <a16:creationId xmlns:a16="http://schemas.microsoft.com/office/drawing/2014/main" id="{0D2F99C4-9843-4D17-AE96-01EF2084A2CE}"/>
+              </a:ext>
+            </a:extLst>
+          </p:cNvPr>
+          <p:cNvSpPr txBox="1"/>
+          <p:nvPr/>
+        </p:nvSpPr>
+        <p:spPr>
+          <a:xfrm>
+            <a:off x="9964263" y="4310665"/>
+            <a:ext cx="1874223" cy="261610"/>
+          </a:xfrm>
+          <a:prstGeom prst="rect">
+            <a:avLst/>
+          </a:prstGeom>
+          <a:noFill/>
+        </p:spPr>
+        <p:txBody>
+          <a:bodyPr wrap="square" rtlCol="0">
+            <a:spAutoFit/>
+          </a:bodyPr>
+          <a:lstStyle/>
+          <a:p>
+            <a:pPr algn="r"/>
+            <a:r>
+              <a:rPr lang="fr-FR" sz="1100" i="1" dirty="0">
+                <a:effectLst>
+                  <a:outerShdw blurRad="38100" dist="38100" dir="2700000" algn="tl">
+                    <a:srgbClr val="000000">
+                      <a:alpha val="43137"/>
+                    </a:srgbClr>
+                  </a:outerShdw>
+                </a:effectLst>
+              </a:rPr>
+              <a:t>Lancement d’une partie</a:t>
+            </a:r>
+          </a:p>
+        </p:txBody>
+      </p:sp>
+      <p:sp>
+        <p:nvSpPr>
+          <p:cNvPr id="49" name="ZoneTexte 48">
+            <a:extLst>
+              <a:ext uri="{FF2B5EF4-FFF2-40B4-BE49-F238E27FC236}">
+                <a16:creationId xmlns:a16="http://schemas.microsoft.com/office/drawing/2014/main" id="{31FF25AC-42B6-4B7B-BA95-F752E1332D47}"/>
+              </a:ext>
+            </a:extLst>
+          </p:cNvPr>
+          <p:cNvSpPr txBox="1"/>
+          <p:nvPr/>
+        </p:nvSpPr>
+        <p:spPr>
+          <a:xfrm>
+            <a:off x="9956667" y="4540093"/>
+            <a:ext cx="1874223" cy="261610"/>
+          </a:xfrm>
+          <a:prstGeom prst="rect">
+            <a:avLst/>
+          </a:prstGeom>
+          <a:noFill/>
+        </p:spPr>
+        <p:txBody>
+          <a:bodyPr wrap="square" rtlCol="0">
+            <a:spAutoFit/>
+          </a:bodyPr>
+          <a:lstStyle/>
+          <a:p>
+            <a:pPr algn="r"/>
+            <a:r>
+              <a:rPr lang="fr-FR" sz="1100" i="1" dirty="0">
+                <a:effectLst>
+                  <a:outerShdw blurRad="38100" dist="38100" dir="2700000" algn="tl">
+                    <a:srgbClr val="000000">
+                      <a:alpha val="43137"/>
+                    </a:srgbClr>
+                  </a:outerShdw>
+                </a:effectLst>
+              </a:rPr>
+              <a:t>Envoi d’un message</a:t>
+            </a:r>
+          </a:p>
+        </p:txBody>
+      </p:sp>
+      <p:sp>
+        <p:nvSpPr>
+          <p:cNvPr id="50" name="ZoneTexte 49">
+            <a:extLst>
+              <a:ext uri="{FF2B5EF4-FFF2-40B4-BE49-F238E27FC236}">
+                <a16:creationId xmlns:a16="http://schemas.microsoft.com/office/drawing/2014/main" id="{DB2FC691-99DB-43B0-AB69-B21080B6A345}"/>
+              </a:ext>
+            </a:extLst>
+          </p:cNvPr>
+          <p:cNvSpPr txBox="1"/>
+          <p:nvPr/>
+        </p:nvSpPr>
+        <p:spPr>
+          <a:xfrm>
+            <a:off x="9941399" y="4760933"/>
+            <a:ext cx="1874223" cy="261610"/>
+          </a:xfrm>
+          <a:prstGeom prst="rect">
+            <a:avLst/>
+          </a:prstGeom>
+          <a:noFill/>
+        </p:spPr>
+        <p:txBody>
+          <a:bodyPr wrap="square" rtlCol="0">
+            <a:spAutoFit/>
+          </a:bodyPr>
+          <a:lstStyle/>
+          <a:p>
+            <a:pPr algn="r"/>
+            <a:r>
+              <a:rPr lang="fr-FR" sz="1100" i="1" dirty="0">
+                <a:effectLst>
+                  <a:outerShdw blurRad="38100" dist="38100" dir="2700000" algn="tl">
+                    <a:srgbClr val="000000">
+                      <a:alpha val="43137"/>
+                    </a:srgbClr>
+                  </a:outerShdw>
+                </a:effectLst>
+              </a:rPr>
+              <a:t>Fin de la partie</a:t>
+            </a:r>
+          </a:p>
+        </p:txBody>
+      </p:sp>
+      <p:sp>
+        <p:nvSpPr>
+          <p:cNvPr id="51" name="ZoneTexte 50">
+            <a:extLst>
+              <a:ext uri="{FF2B5EF4-FFF2-40B4-BE49-F238E27FC236}">
+                <a16:creationId xmlns:a16="http://schemas.microsoft.com/office/drawing/2014/main" id="{9406FB6B-8B8A-47F1-BFB4-610191489A9C}"/>
+              </a:ext>
+            </a:extLst>
+          </p:cNvPr>
+          <p:cNvSpPr txBox="1"/>
+          <p:nvPr/>
+        </p:nvSpPr>
+        <p:spPr>
+          <a:xfrm>
+            <a:off x="9863775" y="5123280"/>
+            <a:ext cx="1874223" cy="261610"/>
+          </a:xfrm>
+          <a:prstGeom prst="rect">
+            <a:avLst/>
+          </a:prstGeom>
+          <a:noFill/>
+        </p:spPr>
+        <p:txBody>
+          <a:bodyPr wrap="square" rtlCol="0">
+            <a:spAutoFit/>
+          </a:bodyPr>
+          <a:lstStyle/>
+          <a:p>
+            <a:pPr algn="r"/>
+            <a:r>
+              <a:rPr lang="fr-FR" sz="1100" i="1" dirty="0">
+                <a:effectLst>
+                  <a:outerShdw blurRad="38100" dist="38100" dir="2700000" algn="tl">
+                    <a:srgbClr val="000000">
+                      <a:alpha val="43137"/>
+                    </a:srgbClr>
+                  </a:outerShdw>
+                </a:effectLst>
+              </a:rPr>
+              <a:t>Diagramme de classes</a:t>
+            </a:r>
+          </a:p>
+        </p:txBody>
+      </p:sp>
+      <p:sp>
+        <p:nvSpPr>
+          <p:cNvPr id="52" name="ZoneTexte 51">
+            <a:extLst>
+              <a:ext uri="{FF2B5EF4-FFF2-40B4-BE49-F238E27FC236}">
+                <a16:creationId xmlns:a16="http://schemas.microsoft.com/office/drawing/2014/main" id="{261B014A-E74A-4DD1-BEE7-6A572145B1DB}"/>
+              </a:ext>
+            </a:extLst>
+          </p:cNvPr>
+          <p:cNvSpPr txBox="1"/>
+          <p:nvPr/>
+        </p:nvSpPr>
+        <p:spPr>
+          <a:xfrm>
+            <a:off x="9842434" y="5824598"/>
+            <a:ext cx="1874223" cy="261610"/>
+          </a:xfrm>
+          <a:prstGeom prst="rect">
+            <a:avLst/>
+          </a:prstGeom>
+          <a:noFill/>
+        </p:spPr>
+        <p:txBody>
+          <a:bodyPr wrap="square" rtlCol="0">
+            <a:spAutoFit/>
+          </a:bodyPr>
+          <a:lstStyle/>
+          <a:p>
+            <a:pPr algn="r"/>
+            <a:r>
+              <a:rPr lang="fr-FR" sz="1100" i="1" dirty="0">
+                <a:effectLst>
+                  <a:outerShdw blurRad="38100" dist="38100" dir="2700000" algn="tl">
+                    <a:srgbClr val="000000">
+                      <a:alpha val="43137"/>
+                    </a:srgbClr>
+                  </a:outerShdw>
+                </a:effectLst>
+              </a:rPr>
+              <a:t>Base de Données</a:t>
+            </a:r>
+          </a:p>
+        </p:txBody>
+      </p:sp>
+      <p:sp>
+        <p:nvSpPr>
+          <p:cNvPr id="53" name="ZoneTexte 52">
+            <a:extLst>
+              <a:ext uri="{FF2B5EF4-FFF2-40B4-BE49-F238E27FC236}">
+                <a16:creationId xmlns:a16="http://schemas.microsoft.com/office/drawing/2014/main" id="{822D78F8-F8BF-4199-8451-67A20574AD21}"/>
+              </a:ext>
+            </a:extLst>
+          </p:cNvPr>
+          <p:cNvSpPr txBox="1"/>
+          <p:nvPr/>
+        </p:nvSpPr>
+        <p:spPr>
+          <a:xfrm>
+            <a:off x="9826051" y="6486853"/>
+            <a:ext cx="1874223" cy="261610"/>
+          </a:xfrm>
+          <a:prstGeom prst="rect">
+            <a:avLst/>
+          </a:prstGeom>
+          <a:noFill/>
+        </p:spPr>
+        <p:txBody>
+          <a:bodyPr wrap="square" rtlCol="0">
+            <a:spAutoFit/>
+          </a:bodyPr>
+          <a:lstStyle/>
+          <a:p>
+            <a:pPr algn="r"/>
+            <a:r>
+              <a:rPr lang="fr-FR" sz="1100" i="1" dirty="0">
+                <a:effectLst>
+                  <a:outerShdw blurRad="38100" dist="38100" dir="2700000" algn="tl">
+                    <a:srgbClr val="000000">
+                      <a:alpha val="43137"/>
+                    </a:srgbClr>
+                  </a:outerShdw>
+                </a:effectLst>
+              </a:rPr>
+              <a:t>Planification</a:t>
+            </a:r>
+          </a:p>
+        </p:txBody>
+      </p:sp>
+      <p:sp>
+        <p:nvSpPr>
+          <p:cNvPr id="54" name="Rectangle 53">
+            <a:extLst>
+              <a:ext uri="{FF2B5EF4-FFF2-40B4-BE49-F238E27FC236}">
+                <a16:creationId xmlns:a16="http://schemas.microsoft.com/office/drawing/2014/main" id="{848386F5-3619-4FD9-9EC5-4FB94406467D}"/>
+              </a:ext>
+            </a:extLst>
+          </p:cNvPr>
+          <p:cNvSpPr/>
+          <p:nvPr/>
+        </p:nvSpPr>
+        <p:spPr>
+          <a:xfrm>
+            <a:off x="11853752" y="667864"/>
+            <a:ext cx="63479" cy="6103524"/>
+          </a:xfrm>
+          <a:prstGeom prst="rect">
+            <a:avLst/>
+          </a:prstGeom>
+          <a:solidFill>
+            <a:schemeClr val="bg1"/>
+          </a:solidFill>
+          <a:ln>
+            <a:noFill/>
+          </a:ln>
+        </p:spPr>
+        <p:style>
+          <a:lnRef idx="2">
+            <a:schemeClr val="accent1">
+              <a:shade val="50000"/>
+            </a:schemeClr>
+          </a:lnRef>
+          <a:fillRef idx="1">
+            <a:schemeClr val="accent1"/>
+          </a:fillRef>
+          <a:effectRef idx="0">
+            <a:schemeClr val="accent1"/>
+          </a:effectRef>
+          <a:fontRef idx="minor">
+            <a:schemeClr val="lt1"/>
+          </a:fontRef>
+        </p:style>
+        <p:txBody>
+          <a:bodyPr rtlCol="0" anchor="ctr"/>
+          <a:lstStyle/>
+          <a:p>
+            <a:pPr algn="ctr"/>
+            <a:endParaRPr lang="fr-FR"/>
+          </a:p>
+        </p:txBody>
+      </p:sp>
+      <p:sp>
+        <p:nvSpPr>
+          <p:cNvPr id="7" name="Ellipse 6">
+            <a:extLst>
+              <a:ext uri="{FF2B5EF4-FFF2-40B4-BE49-F238E27FC236}">
+                <a16:creationId xmlns:a16="http://schemas.microsoft.com/office/drawing/2014/main" id="{0F6777D0-3C6D-4516-8AF3-1D2B146FDFB9}"/>
+              </a:ext>
+            </a:extLst>
+          </p:cNvPr>
+          <p:cNvSpPr/>
+          <p:nvPr/>
+        </p:nvSpPr>
+        <p:spPr>
+          <a:xfrm>
+            <a:off x="11740896" y="1266423"/>
+            <a:ext cx="307668" cy="317709"/>
+          </a:xfrm>
+          <a:prstGeom prst="ellipse">
+            <a:avLst/>
+          </a:prstGeom>
+          <a:solidFill>
+            <a:schemeClr val="bg1"/>
+          </a:solidFill>
+          <a:ln>
+            <a:solidFill>
+              <a:schemeClr val="bg1"/>
+            </a:solidFill>
+          </a:ln>
+        </p:spPr>
+        <p:style>
+          <a:lnRef idx="2">
+            <a:schemeClr val="accent1">
+              <a:shade val="50000"/>
+            </a:schemeClr>
+          </a:lnRef>
+          <a:fillRef idx="1">
+            <a:schemeClr val="accent1"/>
+          </a:fillRef>
+          <a:effectRef idx="0">
+            <a:schemeClr val="accent1"/>
+          </a:effectRef>
+          <a:fontRef idx="minor">
+            <a:schemeClr val="lt1"/>
+          </a:fontRef>
+        </p:style>
+        <p:txBody>
+          <a:bodyPr rtlCol="0" anchor="ctr"/>
+          <a:lstStyle/>
+          <a:p>
+            <a:pPr algn="ctr"/>
+            <a:endParaRPr lang="fr-FR" dirty="0"/>
+          </a:p>
+        </p:txBody>
+      </p:sp>
+      <p:sp>
+        <p:nvSpPr>
+          <p:cNvPr id="8" name="Ellipse 7">
+            <a:extLst>
+              <a:ext uri="{FF2B5EF4-FFF2-40B4-BE49-F238E27FC236}">
+                <a16:creationId xmlns:a16="http://schemas.microsoft.com/office/drawing/2014/main" id="{3F66C0BC-0AD1-47D9-AA60-15EE7576E084}"/>
+              </a:ext>
+            </a:extLst>
+          </p:cNvPr>
+          <p:cNvSpPr/>
+          <p:nvPr/>
+        </p:nvSpPr>
+        <p:spPr>
+          <a:xfrm>
+            <a:off x="11739665" y="5113681"/>
+            <a:ext cx="307668" cy="317709"/>
+          </a:xfrm>
+          <a:prstGeom prst="ellipse">
+            <a:avLst/>
+          </a:prstGeom>
+          <a:solidFill>
+            <a:schemeClr val="bg1"/>
+          </a:solidFill>
+          <a:ln>
+            <a:solidFill>
+              <a:schemeClr val="bg1"/>
+            </a:solidFill>
+          </a:ln>
+        </p:spPr>
+        <p:style>
+          <a:lnRef idx="2">
+            <a:schemeClr val="accent1">
+              <a:shade val="50000"/>
+            </a:schemeClr>
+          </a:lnRef>
+          <a:fillRef idx="1">
+            <a:schemeClr val="accent1"/>
+          </a:fillRef>
+          <a:effectRef idx="0">
+            <a:schemeClr val="accent1"/>
+          </a:effectRef>
+          <a:fontRef idx="minor">
+            <a:schemeClr val="lt1"/>
+          </a:fontRef>
+        </p:style>
+        <p:txBody>
+          <a:bodyPr rtlCol="0" anchor="ctr"/>
+          <a:lstStyle/>
+          <a:p>
+            <a:pPr algn="ctr"/>
+            <a:endParaRPr lang="fr-FR" dirty="0"/>
+          </a:p>
+        </p:txBody>
+      </p:sp>
+      <p:sp>
+        <p:nvSpPr>
+          <p:cNvPr id="9" name="Ellipse 8">
+            <a:extLst>
+              <a:ext uri="{FF2B5EF4-FFF2-40B4-BE49-F238E27FC236}">
+                <a16:creationId xmlns:a16="http://schemas.microsoft.com/office/drawing/2014/main" id="{86551707-AF4D-49DA-B7E5-AA2C57481BB6}"/>
+              </a:ext>
+            </a:extLst>
+          </p:cNvPr>
+          <p:cNvSpPr/>
+          <p:nvPr/>
+        </p:nvSpPr>
+        <p:spPr>
+          <a:xfrm>
+            <a:off x="11741041" y="3959962"/>
+            <a:ext cx="307668" cy="317709"/>
+          </a:xfrm>
+          <a:prstGeom prst="ellipse">
+            <a:avLst/>
+          </a:prstGeom>
+          <a:solidFill>
+            <a:schemeClr val="bg1"/>
+          </a:solidFill>
+          <a:ln>
+            <a:solidFill>
+              <a:schemeClr val="bg1"/>
+            </a:solidFill>
+          </a:ln>
+        </p:spPr>
+        <p:style>
+          <a:lnRef idx="2">
+            <a:schemeClr val="accent1">
+              <a:shade val="50000"/>
+            </a:schemeClr>
+          </a:lnRef>
+          <a:fillRef idx="1">
+            <a:schemeClr val="accent1"/>
+          </a:fillRef>
+          <a:effectRef idx="0">
+            <a:schemeClr val="accent1"/>
+          </a:effectRef>
+          <a:fontRef idx="minor">
+            <a:schemeClr val="lt1"/>
+          </a:fontRef>
+        </p:style>
+        <p:txBody>
+          <a:bodyPr rtlCol="0" anchor="ctr"/>
+          <a:lstStyle/>
+          <a:p>
+            <a:pPr algn="ctr"/>
+            <a:endParaRPr lang="fr-FR" dirty="0"/>
+          </a:p>
+        </p:txBody>
+      </p:sp>
+      <p:sp>
+        <p:nvSpPr>
+          <p:cNvPr id="11" name="Ellipse 10">
+            <a:extLst>
+              <a:ext uri="{FF2B5EF4-FFF2-40B4-BE49-F238E27FC236}">
+                <a16:creationId xmlns:a16="http://schemas.microsoft.com/office/drawing/2014/main" id="{EB9023AD-1547-40F0-A6EC-582A1913BE1E}"/>
+              </a:ext>
+            </a:extLst>
+          </p:cNvPr>
+          <p:cNvSpPr/>
+          <p:nvPr/>
+        </p:nvSpPr>
+        <p:spPr>
+          <a:xfrm>
+            <a:off x="11741041" y="2833333"/>
+            <a:ext cx="307668" cy="317709"/>
+          </a:xfrm>
+          <a:prstGeom prst="ellipse">
+            <a:avLst/>
+          </a:prstGeom>
+          <a:solidFill>
+            <a:schemeClr val="bg1"/>
+          </a:solidFill>
+          <a:ln>
+            <a:solidFill>
+              <a:schemeClr val="bg1"/>
+            </a:solidFill>
+          </a:ln>
+        </p:spPr>
+        <p:style>
+          <a:lnRef idx="2">
+            <a:schemeClr val="accent1">
+              <a:shade val="50000"/>
+            </a:schemeClr>
+          </a:lnRef>
+          <a:fillRef idx="1">
+            <a:schemeClr val="accent1"/>
+          </a:fillRef>
+          <a:effectRef idx="0">
+            <a:schemeClr val="accent1"/>
+          </a:effectRef>
+          <a:fontRef idx="minor">
+            <a:schemeClr val="lt1"/>
+          </a:fontRef>
+        </p:style>
+        <p:txBody>
+          <a:bodyPr rtlCol="0" anchor="ctr"/>
+          <a:lstStyle/>
+          <a:p>
+            <a:pPr algn="ctr"/>
+            <a:endParaRPr lang="fr-FR" dirty="0"/>
+          </a:p>
+        </p:txBody>
+      </p:sp>
+      <p:sp>
+        <p:nvSpPr>
+          <p:cNvPr id="12" name="Ellipse 11">
+            <a:extLst>
+              <a:ext uri="{FF2B5EF4-FFF2-40B4-BE49-F238E27FC236}">
+                <a16:creationId xmlns:a16="http://schemas.microsoft.com/office/drawing/2014/main" id="{2D726ED6-0839-4E51-9EFF-5D414E7A0FE3}"/>
+              </a:ext>
+            </a:extLst>
+          </p:cNvPr>
+          <p:cNvSpPr/>
+          <p:nvPr/>
+        </p:nvSpPr>
+        <p:spPr>
+          <a:xfrm>
+            <a:off x="11739520" y="1775455"/>
+            <a:ext cx="307668" cy="317709"/>
+          </a:xfrm>
+          <a:prstGeom prst="ellipse">
+            <a:avLst/>
+          </a:prstGeom>
+          <a:solidFill>
+            <a:schemeClr val="bg1"/>
+          </a:solidFill>
+          <a:ln>
+            <a:solidFill>
+              <a:schemeClr val="bg1"/>
+            </a:solidFill>
+          </a:ln>
+        </p:spPr>
+        <p:style>
+          <a:lnRef idx="2">
+            <a:schemeClr val="accent1">
+              <a:shade val="50000"/>
+            </a:schemeClr>
+          </a:lnRef>
+          <a:fillRef idx="1">
+            <a:schemeClr val="accent1"/>
+          </a:fillRef>
+          <a:effectRef idx="0">
+            <a:schemeClr val="accent1"/>
+          </a:effectRef>
+          <a:fontRef idx="minor">
+            <a:schemeClr val="lt1"/>
+          </a:fontRef>
+        </p:style>
+        <p:txBody>
+          <a:bodyPr rtlCol="0" anchor="ctr"/>
+          <a:lstStyle/>
+          <a:p>
+            <a:pPr algn="ctr"/>
+            <a:endParaRPr lang="fr-FR" dirty="0"/>
+          </a:p>
+        </p:txBody>
+      </p:sp>
+      <p:sp>
+        <p:nvSpPr>
+          <p:cNvPr id="13" name="Ellipse 12">
+            <a:extLst>
+              <a:ext uri="{FF2B5EF4-FFF2-40B4-BE49-F238E27FC236}">
+                <a16:creationId xmlns:a16="http://schemas.microsoft.com/office/drawing/2014/main" id="{07418C3A-2F1A-4B36-87EC-30BB455B05DF}"/>
+              </a:ext>
+            </a:extLst>
+          </p:cNvPr>
+          <p:cNvSpPr/>
+          <p:nvPr/>
+        </p:nvSpPr>
+        <p:spPr>
+          <a:xfrm>
+            <a:off x="11739520" y="2298845"/>
+            <a:ext cx="307668" cy="317709"/>
+          </a:xfrm>
+          <a:prstGeom prst="ellipse">
+            <a:avLst/>
+          </a:prstGeom>
+          <a:solidFill>
+            <a:schemeClr val="bg1"/>
+          </a:solidFill>
+          <a:ln>
+            <a:solidFill>
+              <a:schemeClr val="bg1"/>
+            </a:solidFill>
+          </a:ln>
+        </p:spPr>
+        <p:style>
+          <a:lnRef idx="2">
+            <a:schemeClr val="accent1">
+              <a:shade val="50000"/>
+            </a:schemeClr>
+          </a:lnRef>
+          <a:fillRef idx="1">
+            <a:schemeClr val="accent1"/>
+          </a:fillRef>
+          <a:effectRef idx="0">
+            <a:schemeClr val="accent1"/>
+          </a:effectRef>
+          <a:fontRef idx="minor">
+            <a:schemeClr val="lt1"/>
+          </a:fontRef>
+        </p:style>
+        <p:txBody>
+          <a:bodyPr rtlCol="0" anchor="ctr"/>
+          <a:lstStyle/>
+          <a:p>
+            <a:pPr algn="ctr"/>
+            <a:endParaRPr lang="fr-FR" dirty="0"/>
+          </a:p>
+        </p:txBody>
+      </p:sp>
+      <p:sp>
+        <p:nvSpPr>
+          <p:cNvPr id="14" name="Ellipse 13">
+            <a:extLst>
+              <a:ext uri="{FF2B5EF4-FFF2-40B4-BE49-F238E27FC236}">
+                <a16:creationId xmlns:a16="http://schemas.microsoft.com/office/drawing/2014/main" id="{756836C2-CD4F-4DFA-A300-D890A433D132}"/>
+              </a:ext>
+            </a:extLst>
+          </p:cNvPr>
+          <p:cNvSpPr/>
+          <p:nvPr/>
+        </p:nvSpPr>
+        <p:spPr>
+          <a:xfrm>
+            <a:off x="11740896" y="6476605"/>
+            <a:ext cx="307668" cy="317709"/>
+          </a:xfrm>
+          <a:prstGeom prst="ellipse">
+            <a:avLst/>
+          </a:prstGeom>
+          <a:solidFill>
+            <a:schemeClr val="bg1"/>
+          </a:solidFill>
+          <a:ln>
+            <a:solidFill>
+              <a:schemeClr val="bg1"/>
+            </a:solidFill>
+          </a:ln>
+        </p:spPr>
+        <p:style>
+          <a:lnRef idx="2">
+            <a:schemeClr val="accent1">
+              <a:shade val="50000"/>
+            </a:schemeClr>
+          </a:lnRef>
+          <a:fillRef idx="1">
+            <a:schemeClr val="accent1"/>
+          </a:fillRef>
+          <a:effectRef idx="0">
+            <a:schemeClr val="accent1"/>
+          </a:effectRef>
+          <a:fontRef idx="minor">
+            <a:schemeClr val="lt1"/>
+          </a:fontRef>
+        </p:style>
+        <p:txBody>
+          <a:bodyPr rtlCol="0" anchor="ctr"/>
+          <a:lstStyle/>
+          <a:p>
+            <a:pPr algn="ctr"/>
+            <a:endParaRPr lang="fr-FR" dirty="0"/>
+          </a:p>
+        </p:txBody>
+      </p:sp>
+      <p:sp>
+        <p:nvSpPr>
+          <p:cNvPr id="15" name="Ellipse 14">
+            <a:extLst>
+              <a:ext uri="{FF2B5EF4-FFF2-40B4-BE49-F238E27FC236}">
+                <a16:creationId xmlns:a16="http://schemas.microsoft.com/office/drawing/2014/main" id="{3741EA72-910F-4ED8-9950-2CEE6EAFC5AE}"/>
+              </a:ext>
+            </a:extLst>
+          </p:cNvPr>
+          <p:cNvSpPr/>
+          <p:nvPr/>
+        </p:nvSpPr>
+        <p:spPr>
+          <a:xfrm>
+            <a:off x="11739519" y="5796549"/>
+            <a:ext cx="307668" cy="317709"/>
+          </a:xfrm>
+          <a:prstGeom prst="ellipse">
+            <a:avLst/>
+          </a:prstGeom>
+          <a:solidFill>
+            <a:schemeClr val="bg1"/>
+          </a:solidFill>
+          <a:ln>
+            <a:solidFill>
+              <a:schemeClr val="bg1"/>
+            </a:solidFill>
+          </a:ln>
+        </p:spPr>
+        <p:style>
+          <a:lnRef idx="2">
+            <a:schemeClr val="accent1">
+              <a:shade val="50000"/>
+            </a:schemeClr>
+          </a:lnRef>
+          <a:fillRef idx="1">
+            <a:schemeClr val="accent1"/>
+          </a:fillRef>
+          <a:effectRef idx="0">
+            <a:schemeClr val="accent1"/>
+          </a:effectRef>
+          <a:fontRef idx="minor">
+            <a:schemeClr val="lt1"/>
+          </a:fontRef>
+        </p:style>
+        <p:txBody>
+          <a:bodyPr rtlCol="0" anchor="ctr"/>
+          <a:lstStyle/>
+          <a:p>
+            <a:pPr algn="ctr"/>
+            <a:endParaRPr lang="fr-FR" dirty="0"/>
+          </a:p>
+        </p:txBody>
+      </p:sp>
+      <p:sp>
+        <p:nvSpPr>
           <p:cNvPr id="4" name="ZoneTexte 3">
             <a:extLst>
               <a:ext uri="{FF2B5EF4-FFF2-40B4-BE49-F238E27FC236}">
@@ -35252,7 +37493,7 @@
         </p:nvSpPr>
         <p:spPr>
           <a:xfrm>
-            <a:off x="10008112" y="6539577"/>
+            <a:off x="0" y="6486853"/>
             <a:ext cx="395978" cy="369332"/>
           </a:xfrm>
           <a:prstGeom prst="rect">
@@ -35697,41 +37938,6 @@
       </p:sp>
       <p:sp>
         <p:nvSpPr>
-          <p:cNvPr id="10" name="ZoneTexte 9">
-            <a:extLst>
-              <a:ext uri="{FF2B5EF4-FFF2-40B4-BE49-F238E27FC236}">
-                <a16:creationId xmlns:a16="http://schemas.microsoft.com/office/drawing/2014/main" id="{A66FA68B-5F9D-451A-ABA9-7074434063CD}"/>
-              </a:ext>
-            </a:extLst>
-          </p:cNvPr>
-          <p:cNvSpPr txBox="1"/>
-          <p:nvPr/>
-        </p:nvSpPr>
-        <p:spPr>
-          <a:xfrm>
-            <a:off x="1" y="6378766"/>
-            <a:ext cx="429658" cy="461665"/>
-          </a:xfrm>
-          <a:prstGeom prst="rect">
-            <a:avLst/>
-          </a:prstGeom>
-          <a:noFill/>
-        </p:spPr>
-        <p:txBody>
-          <a:bodyPr wrap="square" rtlCol="0">
-            <a:spAutoFit/>
-          </a:bodyPr>
-          <a:lstStyle/>
-          <a:p>
-            <a:r>
-              <a:rPr lang="fr-FR" sz="2400" dirty="0"/>
-              <a:t>2</a:t>
-            </a:r>
-          </a:p>
-        </p:txBody>
-      </p:sp>
-      <p:sp>
-        <p:nvSpPr>
           <p:cNvPr id="25" name="Rectangle 24">
             <a:extLst>
               <a:ext uri="{FF2B5EF4-FFF2-40B4-BE49-F238E27FC236}">
@@ -37666,7 +39872,7 @@
         </p:nvSpPr>
         <p:spPr>
           <a:xfrm>
-            <a:off x="10008112" y="6539577"/>
+            <a:off x="0" y="6486853"/>
             <a:ext cx="395978" cy="369332"/>
           </a:xfrm>
           <a:prstGeom prst="rect">
@@ -38796,41 +41002,6 @@
           </a:prstGeom>
         </p:spPr>
       </p:pic>
-      <p:sp>
-        <p:nvSpPr>
-          <p:cNvPr id="39" name="ZoneTexte 38">
-            <a:extLst>
-              <a:ext uri="{FF2B5EF4-FFF2-40B4-BE49-F238E27FC236}">
-                <a16:creationId xmlns:a16="http://schemas.microsoft.com/office/drawing/2014/main" id="{147022B0-33C4-46F1-800E-AD1C4A88B978}"/>
-              </a:ext>
-            </a:extLst>
-          </p:cNvPr>
-          <p:cNvSpPr txBox="1"/>
-          <p:nvPr/>
-        </p:nvSpPr>
-        <p:spPr>
-          <a:xfrm>
-            <a:off x="1" y="6378766"/>
-            <a:ext cx="429658" cy="461665"/>
-          </a:xfrm>
-          <a:prstGeom prst="rect">
-            <a:avLst/>
-          </a:prstGeom>
-          <a:noFill/>
-        </p:spPr>
-        <p:txBody>
-          <a:bodyPr wrap="square" rtlCol="0">
-            <a:spAutoFit/>
-          </a:bodyPr>
-          <a:lstStyle/>
-          <a:p>
-            <a:r>
-              <a:rPr lang="fr-FR" sz="2400" dirty="0"/>
-              <a:t>4</a:t>
-            </a:r>
-          </a:p>
-        </p:txBody>
-      </p:sp>
       <p:pic>
         <p:nvPicPr>
           <p:cNvPr id="10" name="Graphique 9" descr="Disque">
@@ -40756,7 +42927,7 @@
         </p:nvSpPr>
         <p:spPr>
           <a:xfrm>
-            <a:off x="10008112" y="6539577"/>
+            <a:off x="18326" y="6451629"/>
             <a:ext cx="395978" cy="369332"/>
           </a:xfrm>
           <a:prstGeom prst="rect">
@@ -40958,36 +43129,6 @@
           </a:p>
         </p:txBody>
       </p:sp>
-      <p:pic>
-        <p:nvPicPr>
-          <p:cNvPr id="2" name="Image 1">
-            <a:extLst>
-              <a:ext uri="{FF2B5EF4-FFF2-40B4-BE49-F238E27FC236}">
-                <a16:creationId xmlns:a16="http://schemas.microsoft.com/office/drawing/2014/main" id="{10D031A8-0679-4012-BA3F-648C05FE51E2}"/>
-              </a:ext>
-            </a:extLst>
-          </p:cNvPr>
-          <p:cNvPicPr>
-            <a:picLocks noChangeAspect="1"/>
-          </p:cNvPicPr>
-          <p:nvPr/>
-        </p:nvPicPr>
-        <p:blipFill>
-          <a:blip r:embed="rId3"/>
-          <a:stretch>
-            <a:fillRect/>
-          </a:stretch>
-        </p:blipFill>
-        <p:spPr>
-          <a:xfrm>
-            <a:off x="439776" y="1285754"/>
-            <a:ext cx="8697087" cy="5105173"/>
-          </a:xfrm>
-          <a:prstGeom prst="rect">
-            <a:avLst/>
-          </a:prstGeom>
-        </p:spPr>
-      </p:pic>
       <p:sp>
         <p:nvSpPr>
           <p:cNvPr id="5" name="Organigramme : Terminateur 4">
@@ -42870,7 +45011,7 @@
         </p:nvSpPr>
         <p:spPr>
           <a:xfrm>
-            <a:off x="10008112" y="6539577"/>
+            <a:off x="43798" y="6450793"/>
             <a:ext cx="395978" cy="369332"/>
           </a:xfrm>
           <a:prstGeom prst="rect">
@@ -42899,6 +45040,35 @@
           </a:p>
         </p:txBody>
       </p:sp>
+      <p:pic>
+        <p:nvPicPr>
+          <p:cNvPr id="4" name="Image 3">
+            <a:extLst>
+              <a:ext uri="{FF2B5EF4-FFF2-40B4-BE49-F238E27FC236}">
+                <a16:creationId xmlns:a16="http://schemas.microsoft.com/office/drawing/2014/main" id="{31B9159B-1C16-4C44-A382-522D106B9D1D}"/>
+              </a:ext>
+            </a:extLst>
+          </p:cNvPr>
+          <p:cNvPicPr>
+            <a:picLocks noChangeAspect="1"/>
+          </p:cNvPicPr>
+          <p:nvPr/>
+        </p:nvPicPr>
+        <p:blipFill rotWithShape="1">
+          <a:blip r:embed="rId3"/>
+          <a:srcRect l="54375" t="16419" r="4723" b="6385"/>
+          <a:stretch/>
+        </p:blipFill>
+        <p:spPr>
+          <a:xfrm>
+            <a:off x="411895" y="1049803"/>
+            <a:ext cx="8790096" cy="5184370"/>
+          </a:xfrm>
+          <a:prstGeom prst="rect">
+            <a:avLst/>
+          </a:prstGeom>
+        </p:spPr>
+      </p:pic>
     </p:spTree>
     <p:extLst>
       <p:ext uri="{BB962C8B-B14F-4D97-AF65-F5344CB8AC3E}">
@@ -45069,7 +47239,7 @@
         </p:nvSpPr>
         <p:spPr>
           <a:xfrm>
-            <a:off x="10008112" y="6539577"/>
+            <a:off x="0" y="6402054"/>
             <a:ext cx="395978" cy="369332"/>
           </a:xfrm>
           <a:prstGeom prst="rect">
@@ -47180,7 +49350,7 @@
         </p:nvSpPr>
         <p:spPr>
           <a:xfrm>
-            <a:off x="10008112" y="6539577"/>
+            <a:off x="0" y="6402054"/>
             <a:ext cx="395978" cy="369332"/>
           </a:xfrm>
           <a:prstGeom prst="rect">
@@ -47379,12 +49549,1923 @@
           </a:extLst>
         </p:spPr>
       </p:pic>
+      <p:sp>
+        <p:nvSpPr>
+          <p:cNvPr id="7" name="Organigramme : Terminateur 6">
+            <a:extLst>
+              <a:ext uri="{FF2B5EF4-FFF2-40B4-BE49-F238E27FC236}">
+                <a16:creationId xmlns:a16="http://schemas.microsoft.com/office/drawing/2014/main" id="{57DEE394-029F-48B7-9F72-E6864CAB5BBA}"/>
+              </a:ext>
+            </a:extLst>
+          </p:cNvPr>
+          <p:cNvSpPr/>
+          <p:nvPr/>
+        </p:nvSpPr>
+        <p:spPr>
+          <a:xfrm>
+            <a:off x="11782953" y="4838752"/>
+            <a:ext cx="137445" cy="71437"/>
+          </a:xfrm>
+          <a:prstGeom prst="flowChartTerminator">
+            <a:avLst/>
+          </a:prstGeom>
+          <a:solidFill>
+            <a:schemeClr val="bg1"/>
+          </a:solidFill>
+          <a:ln>
+            <a:solidFill>
+              <a:schemeClr val="bg1"/>
+            </a:solidFill>
+          </a:ln>
+        </p:spPr>
+        <p:style>
+          <a:lnRef idx="2">
+            <a:schemeClr val="accent1">
+              <a:shade val="50000"/>
+            </a:schemeClr>
+          </a:lnRef>
+          <a:fillRef idx="1">
+            <a:schemeClr val="accent1"/>
+          </a:fillRef>
+          <a:effectRef idx="0">
+            <a:schemeClr val="accent1"/>
+          </a:effectRef>
+          <a:fontRef idx="minor">
+            <a:schemeClr val="lt1"/>
+          </a:fontRef>
+        </p:style>
+        <p:txBody>
+          <a:bodyPr rtlCol="0" anchor="ctr"/>
+          <a:lstStyle/>
+          <a:p>
+            <a:pPr algn="ctr"/>
+            <a:endParaRPr lang="fr-FR" dirty="0"/>
+          </a:p>
+        </p:txBody>
+      </p:sp>
+      <p:sp>
+        <p:nvSpPr>
+          <p:cNvPr id="8" name="Organigramme : Terminateur 7">
+            <a:extLst>
+              <a:ext uri="{FF2B5EF4-FFF2-40B4-BE49-F238E27FC236}">
+                <a16:creationId xmlns:a16="http://schemas.microsoft.com/office/drawing/2014/main" id="{1695D1D7-21FF-4078-8EAB-9782ECE0BD73}"/>
+              </a:ext>
+            </a:extLst>
+          </p:cNvPr>
+          <p:cNvSpPr/>
+          <p:nvPr/>
+        </p:nvSpPr>
+        <p:spPr>
+          <a:xfrm>
+            <a:off x="11782954" y="4625096"/>
+            <a:ext cx="137445" cy="71437"/>
+          </a:xfrm>
+          <a:prstGeom prst="flowChartTerminator">
+            <a:avLst/>
+          </a:prstGeom>
+          <a:solidFill>
+            <a:schemeClr val="bg1"/>
+          </a:solidFill>
+          <a:ln>
+            <a:solidFill>
+              <a:schemeClr val="bg1"/>
+            </a:solidFill>
+          </a:ln>
+        </p:spPr>
+        <p:style>
+          <a:lnRef idx="2">
+            <a:schemeClr val="accent1">
+              <a:shade val="50000"/>
+            </a:schemeClr>
+          </a:lnRef>
+          <a:fillRef idx="1">
+            <a:schemeClr val="accent1"/>
+          </a:fillRef>
+          <a:effectRef idx="0">
+            <a:schemeClr val="accent1"/>
+          </a:effectRef>
+          <a:fontRef idx="minor">
+            <a:schemeClr val="lt1"/>
+          </a:fontRef>
+        </p:style>
+        <p:txBody>
+          <a:bodyPr rtlCol="0" anchor="ctr"/>
+          <a:lstStyle/>
+          <a:p>
+            <a:pPr algn="ctr"/>
+            <a:endParaRPr lang="fr-FR" dirty="0"/>
+          </a:p>
+        </p:txBody>
+      </p:sp>
+      <p:sp>
+        <p:nvSpPr>
+          <p:cNvPr id="9" name="Organigramme : Terminateur 8">
+            <a:extLst>
+              <a:ext uri="{FF2B5EF4-FFF2-40B4-BE49-F238E27FC236}">
+                <a16:creationId xmlns:a16="http://schemas.microsoft.com/office/drawing/2014/main" id="{0F12AE1B-7207-40EE-BB8D-8ADDCBCB6FD7}"/>
+              </a:ext>
+            </a:extLst>
+          </p:cNvPr>
+          <p:cNvSpPr/>
+          <p:nvPr/>
+        </p:nvSpPr>
+        <p:spPr>
+          <a:xfrm>
+            <a:off x="11780105" y="4406798"/>
+            <a:ext cx="137445" cy="71437"/>
+          </a:xfrm>
+          <a:prstGeom prst="flowChartTerminator">
+            <a:avLst/>
+          </a:prstGeom>
+          <a:solidFill>
+            <a:schemeClr val="bg1"/>
+          </a:solidFill>
+          <a:ln>
+            <a:solidFill>
+              <a:schemeClr val="bg1"/>
+            </a:solidFill>
+          </a:ln>
+        </p:spPr>
+        <p:style>
+          <a:lnRef idx="2">
+            <a:schemeClr val="accent1">
+              <a:shade val="50000"/>
+            </a:schemeClr>
+          </a:lnRef>
+          <a:fillRef idx="1">
+            <a:schemeClr val="accent1"/>
+          </a:fillRef>
+          <a:effectRef idx="0">
+            <a:schemeClr val="accent1"/>
+          </a:effectRef>
+          <a:fontRef idx="minor">
+            <a:schemeClr val="lt1"/>
+          </a:fontRef>
+        </p:style>
+        <p:txBody>
+          <a:bodyPr rtlCol="0" anchor="ctr"/>
+          <a:lstStyle/>
+          <a:p>
+            <a:pPr algn="ctr"/>
+            <a:endParaRPr lang="fr-FR" dirty="0"/>
+          </a:p>
+        </p:txBody>
+      </p:sp>
+      <p:sp>
+        <p:nvSpPr>
+          <p:cNvPr id="10" name="Organigramme : Terminateur 9">
+            <a:extLst>
+              <a:ext uri="{FF2B5EF4-FFF2-40B4-BE49-F238E27FC236}">
+                <a16:creationId xmlns:a16="http://schemas.microsoft.com/office/drawing/2014/main" id="{7FB84129-A1C3-4A3A-8E7D-5856633D9558}"/>
+              </a:ext>
+            </a:extLst>
+          </p:cNvPr>
+          <p:cNvSpPr/>
+          <p:nvPr/>
+        </p:nvSpPr>
+        <p:spPr>
+          <a:xfrm>
+            <a:off x="11782953" y="3678638"/>
+            <a:ext cx="137445" cy="71437"/>
+          </a:xfrm>
+          <a:prstGeom prst="flowChartTerminator">
+            <a:avLst/>
+          </a:prstGeom>
+          <a:solidFill>
+            <a:schemeClr val="bg1"/>
+          </a:solidFill>
+          <a:ln>
+            <a:solidFill>
+              <a:schemeClr val="bg1"/>
+            </a:solidFill>
+          </a:ln>
+        </p:spPr>
+        <p:style>
+          <a:lnRef idx="2">
+            <a:schemeClr val="accent1">
+              <a:shade val="50000"/>
+            </a:schemeClr>
+          </a:lnRef>
+          <a:fillRef idx="1">
+            <a:schemeClr val="accent1"/>
+          </a:fillRef>
+          <a:effectRef idx="0">
+            <a:schemeClr val="accent1"/>
+          </a:effectRef>
+          <a:fontRef idx="minor">
+            <a:schemeClr val="lt1"/>
+          </a:fontRef>
+        </p:style>
+        <p:txBody>
+          <a:bodyPr rtlCol="0" anchor="ctr"/>
+          <a:lstStyle/>
+          <a:p>
+            <a:pPr algn="ctr"/>
+            <a:endParaRPr lang="fr-FR" dirty="0"/>
+          </a:p>
+        </p:txBody>
+      </p:sp>
+      <p:sp>
+        <p:nvSpPr>
+          <p:cNvPr id="11" name="Organigramme : Terminateur 10">
+            <a:extLst>
+              <a:ext uri="{FF2B5EF4-FFF2-40B4-BE49-F238E27FC236}">
+                <a16:creationId xmlns:a16="http://schemas.microsoft.com/office/drawing/2014/main" id="{4F3ECCBD-6917-4BF0-930C-DB8DC5EABE94}"/>
+              </a:ext>
+            </a:extLst>
+          </p:cNvPr>
+          <p:cNvSpPr/>
+          <p:nvPr/>
+        </p:nvSpPr>
+        <p:spPr>
+          <a:xfrm>
+            <a:off x="11782954" y="3464982"/>
+            <a:ext cx="137445" cy="71437"/>
+          </a:xfrm>
+          <a:prstGeom prst="flowChartTerminator">
+            <a:avLst/>
+          </a:prstGeom>
+          <a:solidFill>
+            <a:schemeClr val="bg1"/>
+          </a:solidFill>
+          <a:ln>
+            <a:solidFill>
+              <a:schemeClr val="bg1"/>
+            </a:solidFill>
+          </a:ln>
+        </p:spPr>
+        <p:style>
+          <a:lnRef idx="2">
+            <a:schemeClr val="accent1">
+              <a:shade val="50000"/>
+            </a:schemeClr>
+          </a:lnRef>
+          <a:fillRef idx="1">
+            <a:schemeClr val="accent1"/>
+          </a:fillRef>
+          <a:effectRef idx="0">
+            <a:schemeClr val="accent1"/>
+          </a:effectRef>
+          <a:fontRef idx="minor">
+            <a:schemeClr val="lt1"/>
+          </a:fontRef>
+        </p:style>
+        <p:txBody>
+          <a:bodyPr rtlCol="0" anchor="ctr"/>
+          <a:lstStyle/>
+          <a:p>
+            <a:pPr algn="ctr"/>
+            <a:endParaRPr lang="fr-FR" dirty="0"/>
+          </a:p>
+        </p:txBody>
+      </p:sp>
+      <p:sp>
+        <p:nvSpPr>
+          <p:cNvPr id="12" name="Organigramme : Terminateur 11">
+            <a:extLst>
+              <a:ext uri="{FF2B5EF4-FFF2-40B4-BE49-F238E27FC236}">
+                <a16:creationId xmlns:a16="http://schemas.microsoft.com/office/drawing/2014/main" id="{5DF44AD1-9E9D-4B1E-BCB0-55F8F1ED2BD9}"/>
+              </a:ext>
+            </a:extLst>
+          </p:cNvPr>
+          <p:cNvSpPr/>
+          <p:nvPr/>
+        </p:nvSpPr>
+        <p:spPr>
+          <a:xfrm>
+            <a:off x="11787913" y="3246684"/>
+            <a:ext cx="137445" cy="71437"/>
+          </a:xfrm>
+          <a:prstGeom prst="flowChartTerminator">
+            <a:avLst/>
+          </a:prstGeom>
+          <a:solidFill>
+            <a:srgbClr val="A31257"/>
+          </a:solidFill>
+          <a:ln>
+            <a:solidFill>
+              <a:schemeClr val="bg1"/>
+            </a:solidFill>
+          </a:ln>
+        </p:spPr>
+        <p:style>
+          <a:lnRef idx="2">
+            <a:schemeClr val="accent1">
+              <a:shade val="50000"/>
+            </a:schemeClr>
+          </a:lnRef>
+          <a:fillRef idx="1">
+            <a:schemeClr val="accent1"/>
+          </a:fillRef>
+          <a:effectRef idx="0">
+            <a:schemeClr val="accent1"/>
+          </a:effectRef>
+          <a:fontRef idx="minor">
+            <a:schemeClr val="lt1"/>
+          </a:fontRef>
+        </p:style>
+        <p:txBody>
+          <a:bodyPr rtlCol="0" anchor="ctr"/>
+          <a:lstStyle/>
+          <a:p>
+            <a:pPr algn="ctr"/>
+            <a:endParaRPr lang="fr-FR" dirty="0"/>
+          </a:p>
+        </p:txBody>
+      </p:sp>
+      <p:sp>
+        <p:nvSpPr>
+          <p:cNvPr id="13" name="Organigramme : Terminateur 12">
+            <a:extLst>
+              <a:ext uri="{FF2B5EF4-FFF2-40B4-BE49-F238E27FC236}">
+                <a16:creationId xmlns:a16="http://schemas.microsoft.com/office/drawing/2014/main" id="{8CF54132-A740-490C-B127-4D894C51C2F1}"/>
+              </a:ext>
+            </a:extLst>
+          </p:cNvPr>
+          <p:cNvSpPr/>
+          <p:nvPr/>
+        </p:nvSpPr>
+        <p:spPr>
+          <a:xfrm>
+            <a:off x="11782810" y="1022638"/>
+            <a:ext cx="137445" cy="71437"/>
+          </a:xfrm>
+          <a:prstGeom prst="flowChartTerminator">
+            <a:avLst/>
+          </a:prstGeom>
+          <a:solidFill>
+            <a:srgbClr val="A31257"/>
+          </a:solidFill>
+          <a:ln>
+            <a:solidFill>
+              <a:schemeClr val="bg1"/>
+            </a:solidFill>
+          </a:ln>
+        </p:spPr>
+        <p:style>
+          <a:lnRef idx="2">
+            <a:schemeClr val="accent1">
+              <a:shade val="50000"/>
+            </a:schemeClr>
+          </a:lnRef>
+          <a:fillRef idx="1">
+            <a:schemeClr val="accent1"/>
+          </a:fillRef>
+          <a:effectRef idx="0">
+            <a:schemeClr val="accent1"/>
+          </a:effectRef>
+          <a:fontRef idx="minor">
+            <a:schemeClr val="lt1"/>
+          </a:fontRef>
+        </p:style>
+        <p:txBody>
+          <a:bodyPr rtlCol="0" anchor="ctr"/>
+          <a:lstStyle/>
+          <a:p>
+            <a:pPr algn="ctr"/>
+            <a:endParaRPr lang="fr-FR" dirty="0"/>
+          </a:p>
+        </p:txBody>
+      </p:sp>
+      <p:sp>
+        <p:nvSpPr>
+          <p:cNvPr id="14" name="Organigramme : Terminateur 13">
+            <a:extLst>
+              <a:ext uri="{FF2B5EF4-FFF2-40B4-BE49-F238E27FC236}">
+                <a16:creationId xmlns:a16="http://schemas.microsoft.com/office/drawing/2014/main" id="{19734B98-B7F0-4F9C-9154-CC5762CAFD8F}"/>
+              </a:ext>
+            </a:extLst>
+          </p:cNvPr>
+          <p:cNvSpPr/>
+          <p:nvPr/>
+        </p:nvSpPr>
+        <p:spPr>
+          <a:xfrm>
+            <a:off x="11782811" y="808982"/>
+            <a:ext cx="137445" cy="71437"/>
+          </a:xfrm>
+          <a:prstGeom prst="flowChartTerminator">
+            <a:avLst/>
+          </a:prstGeom>
+          <a:solidFill>
+            <a:srgbClr val="A31257"/>
+          </a:solidFill>
+          <a:ln>
+            <a:solidFill>
+              <a:schemeClr val="bg1"/>
+            </a:solidFill>
+          </a:ln>
+        </p:spPr>
+        <p:style>
+          <a:lnRef idx="2">
+            <a:schemeClr val="accent1">
+              <a:shade val="50000"/>
+            </a:schemeClr>
+          </a:lnRef>
+          <a:fillRef idx="1">
+            <a:schemeClr val="accent1"/>
+          </a:fillRef>
+          <a:effectRef idx="0">
+            <a:schemeClr val="accent1"/>
+          </a:effectRef>
+          <a:fontRef idx="minor">
+            <a:schemeClr val="lt1"/>
+          </a:fontRef>
+        </p:style>
+        <p:txBody>
+          <a:bodyPr rtlCol="0" anchor="ctr"/>
+          <a:lstStyle/>
+          <a:p>
+            <a:pPr algn="ctr"/>
+            <a:endParaRPr lang="fr-FR" dirty="0"/>
+          </a:p>
+        </p:txBody>
+      </p:sp>
+      <p:sp>
+        <p:nvSpPr>
+          <p:cNvPr id="15" name="Organigramme : Terminateur 14">
+            <a:extLst>
+              <a:ext uri="{FF2B5EF4-FFF2-40B4-BE49-F238E27FC236}">
+                <a16:creationId xmlns:a16="http://schemas.microsoft.com/office/drawing/2014/main" id="{3745DFE9-B11B-4991-9D3A-A94669DDA0C6}"/>
+              </a:ext>
+            </a:extLst>
+          </p:cNvPr>
+          <p:cNvSpPr/>
+          <p:nvPr/>
+        </p:nvSpPr>
+        <p:spPr>
+          <a:xfrm>
+            <a:off x="11780105" y="596427"/>
+            <a:ext cx="137445" cy="71437"/>
+          </a:xfrm>
+          <a:prstGeom prst="flowChartTerminator">
+            <a:avLst/>
+          </a:prstGeom>
+          <a:solidFill>
+            <a:srgbClr val="A31257"/>
+          </a:solidFill>
+          <a:ln>
+            <a:solidFill>
+              <a:schemeClr val="bg1"/>
+            </a:solidFill>
+          </a:ln>
+        </p:spPr>
+        <p:style>
+          <a:lnRef idx="2">
+            <a:schemeClr val="accent1">
+              <a:shade val="50000"/>
+            </a:schemeClr>
+          </a:lnRef>
+          <a:fillRef idx="1">
+            <a:schemeClr val="accent1"/>
+          </a:fillRef>
+          <a:effectRef idx="0">
+            <a:schemeClr val="accent1"/>
+          </a:effectRef>
+          <a:fontRef idx="minor">
+            <a:schemeClr val="lt1"/>
+          </a:fontRef>
+        </p:style>
+        <p:txBody>
+          <a:bodyPr rtlCol="0" anchor="ctr"/>
+          <a:lstStyle/>
+          <a:p>
+            <a:pPr algn="ctr"/>
+            <a:endParaRPr lang="fr-FR" dirty="0"/>
+          </a:p>
+        </p:txBody>
+      </p:sp>
+      <p:sp>
+        <p:nvSpPr>
+          <p:cNvPr id="16" name="Ellipse 15">
+            <a:extLst>
+              <a:ext uri="{FF2B5EF4-FFF2-40B4-BE49-F238E27FC236}">
+                <a16:creationId xmlns:a16="http://schemas.microsoft.com/office/drawing/2014/main" id="{7F2100D1-743B-4390-8637-2BC961CB6A5A}"/>
+              </a:ext>
+            </a:extLst>
+          </p:cNvPr>
+          <p:cNvSpPr/>
+          <p:nvPr/>
+        </p:nvSpPr>
+        <p:spPr>
+          <a:xfrm>
+            <a:off x="11740896" y="143435"/>
+            <a:ext cx="307668" cy="317709"/>
+          </a:xfrm>
+          <a:prstGeom prst="ellipse">
+            <a:avLst/>
+          </a:prstGeom>
+          <a:solidFill>
+            <a:srgbClr val="A31257"/>
+          </a:solidFill>
+          <a:ln>
+            <a:solidFill>
+              <a:schemeClr val="bg1"/>
+            </a:solidFill>
+          </a:ln>
+        </p:spPr>
+        <p:style>
+          <a:lnRef idx="2">
+            <a:schemeClr val="accent1">
+              <a:shade val="50000"/>
+            </a:schemeClr>
+          </a:lnRef>
+          <a:fillRef idx="1">
+            <a:schemeClr val="accent1"/>
+          </a:fillRef>
+          <a:effectRef idx="0">
+            <a:schemeClr val="accent1"/>
+          </a:effectRef>
+          <a:fontRef idx="minor">
+            <a:schemeClr val="lt1"/>
+          </a:fontRef>
+        </p:style>
+        <p:txBody>
+          <a:bodyPr rtlCol="0" anchor="ctr"/>
+          <a:lstStyle/>
+          <a:p>
+            <a:pPr algn="ctr"/>
+            <a:endParaRPr lang="fr-FR" dirty="0"/>
+          </a:p>
+        </p:txBody>
+      </p:sp>
+      <p:sp>
+        <p:nvSpPr>
+          <p:cNvPr id="17" name="Rectangle 16">
+            <a:extLst>
+              <a:ext uri="{FF2B5EF4-FFF2-40B4-BE49-F238E27FC236}">
+                <a16:creationId xmlns:a16="http://schemas.microsoft.com/office/drawing/2014/main" id="{14197D79-0E6E-4EF7-A9E4-F078D552E36D}"/>
+              </a:ext>
+            </a:extLst>
+          </p:cNvPr>
+          <p:cNvSpPr/>
+          <p:nvPr/>
+        </p:nvSpPr>
+        <p:spPr>
+          <a:xfrm>
+            <a:off x="11861348" y="325214"/>
+            <a:ext cx="55883" cy="6446174"/>
+          </a:xfrm>
+          <a:prstGeom prst="rect">
+            <a:avLst/>
+          </a:prstGeom>
+          <a:solidFill>
+            <a:srgbClr val="A31257"/>
+          </a:solidFill>
+          <a:ln>
+            <a:noFill/>
+          </a:ln>
+        </p:spPr>
+        <p:style>
+          <a:lnRef idx="2">
+            <a:schemeClr val="accent1">
+              <a:shade val="50000"/>
+            </a:schemeClr>
+          </a:lnRef>
+          <a:fillRef idx="1">
+            <a:schemeClr val="accent1"/>
+          </a:fillRef>
+          <a:effectRef idx="0">
+            <a:schemeClr val="accent1"/>
+          </a:effectRef>
+          <a:fontRef idx="minor">
+            <a:schemeClr val="lt1"/>
+          </a:fontRef>
+        </p:style>
+        <p:txBody>
+          <a:bodyPr rtlCol="0" anchor="ctr"/>
+          <a:lstStyle/>
+          <a:p>
+            <a:pPr algn="ctr"/>
+            <a:endParaRPr lang="fr-FR"/>
+          </a:p>
+        </p:txBody>
+      </p:sp>
+      <p:sp>
+        <p:nvSpPr>
+          <p:cNvPr id="18" name="ZoneTexte 17">
+            <a:extLst>
+              <a:ext uri="{FF2B5EF4-FFF2-40B4-BE49-F238E27FC236}">
+                <a16:creationId xmlns:a16="http://schemas.microsoft.com/office/drawing/2014/main" id="{2B2DE2A8-AB2A-485D-9BCC-E9AF804F0EB1}"/>
+              </a:ext>
+            </a:extLst>
+          </p:cNvPr>
+          <p:cNvSpPr txBox="1"/>
+          <p:nvPr/>
+        </p:nvSpPr>
+        <p:spPr>
+          <a:xfrm>
+            <a:off x="9865580" y="164391"/>
+            <a:ext cx="1874223" cy="261610"/>
+          </a:xfrm>
+          <a:prstGeom prst="rect">
+            <a:avLst/>
+          </a:prstGeom>
+          <a:noFill/>
+        </p:spPr>
+        <p:txBody>
+          <a:bodyPr wrap="square" rtlCol="0">
+            <a:spAutoFit/>
+          </a:bodyPr>
+          <a:lstStyle/>
+          <a:p>
+            <a:pPr algn="r"/>
+            <a:r>
+              <a:rPr lang="fr-FR" sz="1100" i="1" dirty="0">
+                <a:effectLst>
+                  <a:outerShdw blurRad="38100" dist="38100" dir="2700000" algn="tl">
+                    <a:srgbClr val="000000">
+                      <a:alpha val="43137"/>
+                    </a:srgbClr>
+                  </a:outerShdw>
+                </a:effectLst>
+              </a:rPr>
+              <a:t>Présentation du projet</a:t>
+            </a:r>
+          </a:p>
+        </p:txBody>
+      </p:sp>
+      <p:sp>
+        <p:nvSpPr>
+          <p:cNvPr id="19" name="ZoneTexte 18">
+            <a:extLst>
+              <a:ext uri="{FF2B5EF4-FFF2-40B4-BE49-F238E27FC236}">
+                <a16:creationId xmlns:a16="http://schemas.microsoft.com/office/drawing/2014/main" id="{DB559097-D100-4223-B571-8D410F23EB1B}"/>
+              </a:ext>
+            </a:extLst>
+          </p:cNvPr>
+          <p:cNvSpPr txBox="1"/>
+          <p:nvPr/>
+        </p:nvSpPr>
+        <p:spPr>
+          <a:xfrm>
+            <a:off x="9926211" y="507693"/>
+            <a:ext cx="1874223" cy="261610"/>
+          </a:xfrm>
+          <a:prstGeom prst="rect">
+            <a:avLst/>
+          </a:prstGeom>
+          <a:noFill/>
+        </p:spPr>
+        <p:txBody>
+          <a:bodyPr wrap="square" rtlCol="0">
+            <a:spAutoFit/>
+          </a:bodyPr>
+          <a:lstStyle/>
+          <a:p>
+            <a:pPr algn="r"/>
+            <a:r>
+              <a:rPr lang="fr-FR" sz="1100" i="1" dirty="0">
+                <a:effectLst>
+                  <a:outerShdw blurRad="38100" dist="38100" dir="2700000" algn="tl">
+                    <a:srgbClr val="000000">
+                      <a:alpha val="43137"/>
+                    </a:srgbClr>
+                  </a:outerShdw>
+                </a:effectLst>
+              </a:rPr>
+              <a:t>Schéma global</a:t>
+            </a:r>
+          </a:p>
+        </p:txBody>
+      </p:sp>
+      <p:sp>
+        <p:nvSpPr>
+          <p:cNvPr id="20" name="ZoneTexte 19">
+            <a:extLst>
+              <a:ext uri="{FF2B5EF4-FFF2-40B4-BE49-F238E27FC236}">
+                <a16:creationId xmlns:a16="http://schemas.microsoft.com/office/drawing/2014/main" id="{D863450F-FD60-42F2-8C14-0B83318BFA24}"/>
+              </a:ext>
+            </a:extLst>
+          </p:cNvPr>
+          <p:cNvSpPr txBox="1"/>
+          <p:nvPr/>
+        </p:nvSpPr>
+        <p:spPr>
+          <a:xfrm>
+            <a:off x="9946504" y="727130"/>
+            <a:ext cx="1874223" cy="261610"/>
+          </a:xfrm>
+          <a:prstGeom prst="rect">
+            <a:avLst/>
+          </a:prstGeom>
+          <a:noFill/>
+        </p:spPr>
+        <p:txBody>
+          <a:bodyPr wrap="square" rtlCol="0">
+            <a:spAutoFit/>
+          </a:bodyPr>
+          <a:lstStyle/>
+          <a:p>
+            <a:pPr algn="r"/>
+            <a:r>
+              <a:rPr lang="fr-FR" sz="1100" i="1" dirty="0">
+                <a:effectLst>
+                  <a:outerShdw blurRad="38100" dist="38100" dir="2700000" algn="tl">
+                    <a:srgbClr val="000000">
+                      <a:alpha val="43137"/>
+                    </a:srgbClr>
+                  </a:outerShdw>
+                </a:effectLst>
+              </a:rPr>
+              <a:t>Schéma personnalisé</a:t>
+            </a:r>
+          </a:p>
+        </p:txBody>
+      </p:sp>
+      <p:sp>
+        <p:nvSpPr>
+          <p:cNvPr id="21" name="ZoneTexte 20">
+            <a:extLst>
+              <a:ext uri="{FF2B5EF4-FFF2-40B4-BE49-F238E27FC236}">
+                <a16:creationId xmlns:a16="http://schemas.microsoft.com/office/drawing/2014/main" id="{593C577D-345D-4FFB-ACF7-E2CEFAB0288A}"/>
+              </a:ext>
+            </a:extLst>
+          </p:cNvPr>
+          <p:cNvSpPr txBox="1"/>
+          <p:nvPr/>
+        </p:nvSpPr>
+        <p:spPr>
+          <a:xfrm>
+            <a:off x="9941401" y="918998"/>
+            <a:ext cx="1874223" cy="261610"/>
+          </a:xfrm>
+          <a:prstGeom prst="rect">
+            <a:avLst/>
+          </a:prstGeom>
+          <a:noFill/>
+        </p:spPr>
+        <p:txBody>
+          <a:bodyPr wrap="square" rtlCol="0">
+            <a:spAutoFit/>
+          </a:bodyPr>
+          <a:lstStyle/>
+          <a:p>
+            <a:pPr algn="r"/>
+            <a:r>
+              <a:rPr lang="fr-FR" sz="1100" i="1" dirty="0">
+                <a:effectLst>
+                  <a:outerShdw blurRad="38100" dist="38100" dir="2700000" algn="tl">
+                    <a:srgbClr val="000000">
+                      <a:alpha val="43137"/>
+                    </a:srgbClr>
+                  </a:outerShdw>
+                </a:effectLst>
+              </a:rPr>
+              <a:t>Tâches personnelles</a:t>
+            </a:r>
+          </a:p>
+        </p:txBody>
+      </p:sp>
+      <p:sp>
+        <p:nvSpPr>
+          <p:cNvPr id="22" name="ZoneTexte 21">
+            <a:extLst>
+              <a:ext uri="{FF2B5EF4-FFF2-40B4-BE49-F238E27FC236}">
+                <a16:creationId xmlns:a16="http://schemas.microsoft.com/office/drawing/2014/main" id="{D7AB4BB7-BD76-40A8-B81D-2D066F6BC2FD}"/>
+              </a:ext>
+            </a:extLst>
+          </p:cNvPr>
+          <p:cNvSpPr txBox="1"/>
+          <p:nvPr/>
+        </p:nvSpPr>
+        <p:spPr>
+          <a:xfrm>
+            <a:off x="9865580" y="1281294"/>
+            <a:ext cx="1874223" cy="261610"/>
+          </a:xfrm>
+          <a:prstGeom prst="rect">
+            <a:avLst/>
+          </a:prstGeom>
+          <a:noFill/>
+        </p:spPr>
+        <p:txBody>
+          <a:bodyPr wrap="square" rtlCol="0">
+            <a:spAutoFit/>
+          </a:bodyPr>
+          <a:lstStyle/>
+          <a:p>
+            <a:pPr algn="r"/>
+            <a:r>
+              <a:rPr lang="fr-FR" sz="1100" i="1" dirty="0">
+                <a:effectLst>
+                  <a:outerShdw blurRad="38100" dist="38100" dir="2700000" algn="tl">
+                    <a:srgbClr val="000000">
+                      <a:alpha val="43137"/>
+                    </a:srgbClr>
+                  </a:outerShdw>
+                </a:effectLst>
+              </a:rPr>
+              <a:t>Schématisation réseau</a:t>
+            </a:r>
+          </a:p>
+        </p:txBody>
+      </p:sp>
+      <p:sp>
+        <p:nvSpPr>
+          <p:cNvPr id="23" name="ZoneTexte 22">
+            <a:extLst>
+              <a:ext uri="{FF2B5EF4-FFF2-40B4-BE49-F238E27FC236}">
+                <a16:creationId xmlns:a16="http://schemas.microsoft.com/office/drawing/2014/main" id="{6BDA070A-6294-427F-8C14-735BA42DA0DA}"/>
+              </a:ext>
+            </a:extLst>
+          </p:cNvPr>
+          <p:cNvSpPr txBox="1"/>
+          <p:nvPr/>
+        </p:nvSpPr>
+        <p:spPr>
+          <a:xfrm>
+            <a:off x="9863775" y="1787278"/>
+            <a:ext cx="1874223" cy="261610"/>
+          </a:xfrm>
+          <a:prstGeom prst="rect">
+            <a:avLst/>
+          </a:prstGeom>
+          <a:noFill/>
+        </p:spPr>
+        <p:txBody>
+          <a:bodyPr wrap="square" rtlCol="0">
+            <a:spAutoFit/>
+          </a:bodyPr>
+          <a:lstStyle/>
+          <a:p>
+            <a:pPr algn="r"/>
+            <a:r>
+              <a:rPr lang="fr-FR" sz="1100" i="1" dirty="0">
+                <a:effectLst>
+                  <a:outerShdw blurRad="38100" dist="38100" dir="2700000" algn="tl">
+                    <a:srgbClr val="000000">
+                      <a:alpha val="43137"/>
+                    </a:srgbClr>
+                  </a:outerShdw>
+                </a:effectLst>
+              </a:rPr>
+              <a:t>Développement</a:t>
+            </a:r>
+          </a:p>
+        </p:txBody>
+      </p:sp>
+      <p:sp>
+        <p:nvSpPr>
+          <p:cNvPr id="24" name="ZoneTexte 23">
+            <a:extLst>
+              <a:ext uri="{FF2B5EF4-FFF2-40B4-BE49-F238E27FC236}">
+                <a16:creationId xmlns:a16="http://schemas.microsoft.com/office/drawing/2014/main" id="{4E42C59E-D8D8-4406-B838-8A2538025471}"/>
+              </a:ext>
+            </a:extLst>
+          </p:cNvPr>
+          <p:cNvSpPr txBox="1"/>
+          <p:nvPr/>
+        </p:nvSpPr>
+        <p:spPr>
+          <a:xfrm>
+            <a:off x="9842434" y="2222827"/>
+            <a:ext cx="1874223" cy="430887"/>
+          </a:xfrm>
+          <a:prstGeom prst="rect">
+            <a:avLst/>
+          </a:prstGeom>
+          <a:noFill/>
+        </p:spPr>
+        <p:txBody>
+          <a:bodyPr wrap="square" rtlCol="0">
+            <a:spAutoFit/>
+          </a:bodyPr>
+          <a:lstStyle/>
+          <a:p>
+            <a:pPr algn="r"/>
+            <a:r>
+              <a:rPr lang="fr-FR" sz="1100" i="1" dirty="0">
+                <a:effectLst>
+                  <a:outerShdw blurRad="38100" dist="38100" dir="2700000" algn="tl">
+                    <a:srgbClr val="000000">
+                      <a:alpha val="43137"/>
+                    </a:srgbClr>
+                  </a:outerShdw>
+                </a:effectLst>
+              </a:rPr>
+              <a:t>Diagramme de cas d’utilisation</a:t>
+            </a:r>
+          </a:p>
+        </p:txBody>
+      </p:sp>
+      <p:sp>
+        <p:nvSpPr>
+          <p:cNvPr id="25" name="ZoneTexte 24">
+            <a:extLst>
+              <a:ext uri="{FF2B5EF4-FFF2-40B4-BE49-F238E27FC236}">
+                <a16:creationId xmlns:a16="http://schemas.microsoft.com/office/drawing/2014/main" id="{4DA0A808-73DB-4785-AEB2-9D964A153AA0}"/>
+              </a:ext>
+            </a:extLst>
+          </p:cNvPr>
+          <p:cNvSpPr txBox="1"/>
+          <p:nvPr/>
+        </p:nvSpPr>
+        <p:spPr>
+          <a:xfrm>
+            <a:off x="9926210" y="2861382"/>
+            <a:ext cx="1874223" cy="261610"/>
+          </a:xfrm>
+          <a:prstGeom prst="rect">
+            <a:avLst/>
+          </a:prstGeom>
+          <a:noFill/>
+        </p:spPr>
+        <p:txBody>
+          <a:bodyPr wrap="square" rtlCol="0">
+            <a:spAutoFit/>
+          </a:bodyPr>
+          <a:lstStyle/>
+          <a:p>
+            <a:pPr algn="r"/>
+            <a:r>
+              <a:rPr lang="fr-FR" sz="1100" i="1" dirty="0">
+                <a:effectLst>
+                  <a:outerShdw blurRad="38100" dist="38100" dir="2700000" algn="tl">
+                    <a:srgbClr val="000000">
+                      <a:alpha val="43137"/>
+                    </a:srgbClr>
+                  </a:outerShdw>
+                </a:effectLst>
+              </a:rPr>
+              <a:t>Application de supervision</a:t>
+            </a:r>
+          </a:p>
+        </p:txBody>
+      </p:sp>
+      <p:sp>
+        <p:nvSpPr>
+          <p:cNvPr id="26" name="ZoneTexte 25">
+            <a:extLst>
+              <a:ext uri="{FF2B5EF4-FFF2-40B4-BE49-F238E27FC236}">
+                <a16:creationId xmlns:a16="http://schemas.microsoft.com/office/drawing/2014/main" id="{B386A81B-1608-4CD8-91C7-67F38784446F}"/>
+              </a:ext>
+            </a:extLst>
+          </p:cNvPr>
+          <p:cNvSpPr txBox="1"/>
+          <p:nvPr/>
+        </p:nvSpPr>
+        <p:spPr>
+          <a:xfrm>
+            <a:off x="9956668" y="3157513"/>
+            <a:ext cx="1874223" cy="261610"/>
+          </a:xfrm>
+          <a:prstGeom prst="rect">
+            <a:avLst/>
+          </a:prstGeom>
+          <a:noFill/>
+        </p:spPr>
+        <p:txBody>
+          <a:bodyPr wrap="square" rtlCol="0">
+            <a:spAutoFit/>
+          </a:bodyPr>
+          <a:lstStyle/>
+          <a:p>
+            <a:pPr algn="r"/>
+            <a:r>
+              <a:rPr lang="fr-FR" sz="1100" i="1" dirty="0">
+                <a:effectLst>
+                  <a:outerShdw blurRad="38100" dist="38100" dir="2700000" algn="tl">
+                    <a:srgbClr val="000000">
+                      <a:alpha val="43137"/>
+                    </a:srgbClr>
+                  </a:outerShdw>
+                </a:effectLst>
+              </a:rPr>
+              <a:t>Lancer une partie</a:t>
+            </a:r>
+          </a:p>
+        </p:txBody>
+      </p:sp>
+      <p:sp>
+        <p:nvSpPr>
+          <p:cNvPr id="27" name="ZoneTexte 26">
+            <a:extLst>
+              <a:ext uri="{FF2B5EF4-FFF2-40B4-BE49-F238E27FC236}">
+                <a16:creationId xmlns:a16="http://schemas.microsoft.com/office/drawing/2014/main" id="{18B941C4-5CC5-46BA-9E42-67CAF55BC422}"/>
+              </a:ext>
+            </a:extLst>
+          </p:cNvPr>
+          <p:cNvSpPr txBox="1"/>
+          <p:nvPr/>
+        </p:nvSpPr>
+        <p:spPr>
+          <a:xfrm>
+            <a:off x="9947928" y="3386750"/>
+            <a:ext cx="1874223" cy="261610"/>
+          </a:xfrm>
+          <a:prstGeom prst="rect">
+            <a:avLst/>
+          </a:prstGeom>
+          <a:noFill/>
+        </p:spPr>
+        <p:txBody>
+          <a:bodyPr wrap="square" rtlCol="0">
+            <a:spAutoFit/>
+          </a:bodyPr>
+          <a:lstStyle/>
+          <a:p>
+            <a:pPr algn="r"/>
+            <a:r>
+              <a:rPr lang="fr-FR" sz="1100" i="1" dirty="0">
+                <a:effectLst>
+                  <a:outerShdw blurRad="38100" dist="38100" dir="2700000" algn="tl">
+                    <a:srgbClr val="000000">
+                      <a:alpha val="43137"/>
+                    </a:srgbClr>
+                  </a:outerShdw>
+                </a:effectLst>
+              </a:rPr>
+              <a:t>Superviser</a:t>
+            </a:r>
+          </a:p>
+        </p:txBody>
+      </p:sp>
+      <p:sp>
+        <p:nvSpPr>
+          <p:cNvPr id="28" name="ZoneTexte 27">
+            <a:extLst>
+              <a:ext uri="{FF2B5EF4-FFF2-40B4-BE49-F238E27FC236}">
+                <a16:creationId xmlns:a16="http://schemas.microsoft.com/office/drawing/2014/main" id="{0AF81A8C-85A4-4A40-97E0-09D6D272EAD4}"/>
+              </a:ext>
+            </a:extLst>
+          </p:cNvPr>
+          <p:cNvSpPr txBox="1"/>
+          <p:nvPr/>
+        </p:nvSpPr>
+        <p:spPr>
+          <a:xfrm>
+            <a:off x="9941400" y="3596455"/>
+            <a:ext cx="1874223" cy="261610"/>
+          </a:xfrm>
+          <a:prstGeom prst="rect">
+            <a:avLst/>
+          </a:prstGeom>
+          <a:noFill/>
+        </p:spPr>
+        <p:txBody>
+          <a:bodyPr wrap="square" rtlCol="0">
+            <a:spAutoFit/>
+          </a:bodyPr>
+          <a:lstStyle/>
+          <a:p>
+            <a:pPr algn="r"/>
+            <a:r>
+              <a:rPr lang="fr-FR" sz="1100" i="1" dirty="0">
+                <a:effectLst>
+                  <a:outerShdw blurRad="38100" dist="38100" dir="2700000" algn="tl">
+                    <a:srgbClr val="000000">
+                      <a:alpha val="43137"/>
+                    </a:srgbClr>
+                  </a:outerShdw>
+                </a:effectLst>
+              </a:rPr>
+              <a:t>Envoi d’indice / Fin</a:t>
+            </a:r>
+          </a:p>
+        </p:txBody>
+      </p:sp>
+      <p:sp>
+        <p:nvSpPr>
+          <p:cNvPr id="29" name="ZoneTexte 28">
+            <a:extLst>
+              <a:ext uri="{FF2B5EF4-FFF2-40B4-BE49-F238E27FC236}">
+                <a16:creationId xmlns:a16="http://schemas.microsoft.com/office/drawing/2014/main" id="{5B24EEFF-E9CB-4016-B267-541243FA2D35}"/>
+              </a:ext>
+            </a:extLst>
+          </p:cNvPr>
+          <p:cNvSpPr txBox="1"/>
+          <p:nvPr/>
+        </p:nvSpPr>
+        <p:spPr>
+          <a:xfrm>
+            <a:off x="9905882" y="3995785"/>
+            <a:ext cx="1874223" cy="261610"/>
+          </a:xfrm>
+          <a:prstGeom prst="rect">
+            <a:avLst/>
+          </a:prstGeom>
+          <a:noFill/>
+        </p:spPr>
+        <p:txBody>
+          <a:bodyPr wrap="square" rtlCol="0">
+            <a:spAutoFit/>
+          </a:bodyPr>
+          <a:lstStyle/>
+          <a:p>
+            <a:pPr algn="r"/>
+            <a:r>
+              <a:rPr lang="fr-FR" sz="1100" i="1" dirty="0">
+                <a:effectLst>
+                  <a:outerShdw blurRad="38100" dist="38100" dir="2700000" algn="tl">
+                    <a:srgbClr val="000000">
+                      <a:alpha val="43137"/>
+                    </a:srgbClr>
+                  </a:outerShdw>
+                </a:effectLst>
+              </a:rPr>
+              <a:t>Diagrammes de séquence</a:t>
+            </a:r>
+          </a:p>
+        </p:txBody>
+      </p:sp>
+      <p:sp>
+        <p:nvSpPr>
+          <p:cNvPr id="30" name="ZoneTexte 29">
+            <a:extLst>
+              <a:ext uri="{FF2B5EF4-FFF2-40B4-BE49-F238E27FC236}">
+                <a16:creationId xmlns:a16="http://schemas.microsoft.com/office/drawing/2014/main" id="{C3E3FC6C-0787-470F-8AD2-ACCFBF6B6E1D}"/>
+              </a:ext>
+            </a:extLst>
+          </p:cNvPr>
+          <p:cNvSpPr txBox="1"/>
+          <p:nvPr/>
+        </p:nvSpPr>
+        <p:spPr>
+          <a:xfrm>
+            <a:off x="9964263" y="4310665"/>
+            <a:ext cx="1874223" cy="261610"/>
+          </a:xfrm>
+          <a:prstGeom prst="rect">
+            <a:avLst/>
+          </a:prstGeom>
+          <a:noFill/>
+        </p:spPr>
+        <p:txBody>
+          <a:bodyPr wrap="square" rtlCol="0">
+            <a:spAutoFit/>
+          </a:bodyPr>
+          <a:lstStyle/>
+          <a:p>
+            <a:pPr algn="r"/>
+            <a:r>
+              <a:rPr lang="fr-FR" sz="1100" i="1" dirty="0">
+                <a:effectLst>
+                  <a:outerShdw blurRad="38100" dist="38100" dir="2700000" algn="tl">
+                    <a:srgbClr val="000000">
+                      <a:alpha val="43137"/>
+                    </a:srgbClr>
+                  </a:outerShdw>
+                </a:effectLst>
+              </a:rPr>
+              <a:t>Lancement d’une partie</a:t>
+            </a:r>
+          </a:p>
+        </p:txBody>
+      </p:sp>
+      <p:sp>
+        <p:nvSpPr>
+          <p:cNvPr id="31" name="ZoneTexte 30">
+            <a:extLst>
+              <a:ext uri="{FF2B5EF4-FFF2-40B4-BE49-F238E27FC236}">
+                <a16:creationId xmlns:a16="http://schemas.microsoft.com/office/drawing/2014/main" id="{43F026D7-B31F-4EA8-8115-3904E6A3A7F6}"/>
+              </a:ext>
+            </a:extLst>
+          </p:cNvPr>
+          <p:cNvSpPr txBox="1"/>
+          <p:nvPr/>
+        </p:nvSpPr>
+        <p:spPr>
+          <a:xfrm>
+            <a:off x="9956667" y="4540093"/>
+            <a:ext cx="1874223" cy="261610"/>
+          </a:xfrm>
+          <a:prstGeom prst="rect">
+            <a:avLst/>
+          </a:prstGeom>
+          <a:noFill/>
+        </p:spPr>
+        <p:txBody>
+          <a:bodyPr wrap="square" rtlCol="0">
+            <a:spAutoFit/>
+          </a:bodyPr>
+          <a:lstStyle/>
+          <a:p>
+            <a:pPr algn="r"/>
+            <a:r>
+              <a:rPr lang="fr-FR" sz="1100" i="1" dirty="0">
+                <a:effectLst>
+                  <a:outerShdw blurRad="38100" dist="38100" dir="2700000" algn="tl">
+                    <a:srgbClr val="000000">
+                      <a:alpha val="43137"/>
+                    </a:srgbClr>
+                  </a:outerShdw>
+                </a:effectLst>
+              </a:rPr>
+              <a:t>Envoi d’un message</a:t>
+            </a:r>
+          </a:p>
+        </p:txBody>
+      </p:sp>
+      <p:sp>
+        <p:nvSpPr>
+          <p:cNvPr id="32" name="ZoneTexte 31">
+            <a:extLst>
+              <a:ext uri="{FF2B5EF4-FFF2-40B4-BE49-F238E27FC236}">
+                <a16:creationId xmlns:a16="http://schemas.microsoft.com/office/drawing/2014/main" id="{AD7C4B72-A758-4339-83D1-AFFE44629EC2}"/>
+              </a:ext>
+            </a:extLst>
+          </p:cNvPr>
+          <p:cNvSpPr txBox="1"/>
+          <p:nvPr/>
+        </p:nvSpPr>
+        <p:spPr>
+          <a:xfrm>
+            <a:off x="9941399" y="4760933"/>
+            <a:ext cx="1874223" cy="261610"/>
+          </a:xfrm>
+          <a:prstGeom prst="rect">
+            <a:avLst/>
+          </a:prstGeom>
+          <a:noFill/>
+        </p:spPr>
+        <p:txBody>
+          <a:bodyPr wrap="square" rtlCol="0">
+            <a:spAutoFit/>
+          </a:bodyPr>
+          <a:lstStyle/>
+          <a:p>
+            <a:pPr algn="r"/>
+            <a:r>
+              <a:rPr lang="fr-FR" sz="1100" i="1" dirty="0">
+                <a:effectLst>
+                  <a:outerShdw blurRad="38100" dist="38100" dir="2700000" algn="tl">
+                    <a:srgbClr val="000000">
+                      <a:alpha val="43137"/>
+                    </a:srgbClr>
+                  </a:outerShdw>
+                </a:effectLst>
+              </a:rPr>
+              <a:t>Fin de la partie</a:t>
+            </a:r>
+          </a:p>
+        </p:txBody>
+      </p:sp>
+      <p:sp>
+        <p:nvSpPr>
+          <p:cNvPr id="33" name="ZoneTexte 32">
+            <a:extLst>
+              <a:ext uri="{FF2B5EF4-FFF2-40B4-BE49-F238E27FC236}">
+                <a16:creationId xmlns:a16="http://schemas.microsoft.com/office/drawing/2014/main" id="{A6F2E83A-07BB-466D-BB8A-BB3D0830FC61}"/>
+              </a:ext>
+            </a:extLst>
+          </p:cNvPr>
+          <p:cNvSpPr txBox="1"/>
+          <p:nvPr/>
+        </p:nvSpPr>
+        <p:spPr>
+          <a:xfrm>
+            <a:off x="9863775" y="5123280"/>
+            <a:ext cx="1874223" cy="261610"/>
+          </a:xfrm>
+          <a:prstGeom prst="rect">
+            <a:avLst/>
+          </a:prstGeom>
+          <a:noFill/>
+        </p:spPr>
+        <p:txBody>
+          <a:bodyPr wrap="square" rtlCol="0">
+            <a:spAutoFit/>
+          </a:bodyPr>
+          <a:lstStyle/>
+          <a:p>
+            <a:pPr algn="r"/>
+            <a:r>
+              <a:rPr lang="fr-FR" sz="1100" i="1" dirty="0">
+                <a:effectLst>
+                  <a:outerShdw blurRad="38100" dist="38100" dir="2700000" algn="tl">
+                    <a:srgbClr val="000000">
+                      <a:alpha val="43137"/>
+                    </a:srgbClr>
+                  </a:outerShdw>
+                </a:effectLst>
+              </a:rPr>
+              <a:t>Diagramme de classes</a:t>
+            </a:r>
+          </a:p>
+        </p:txBody>
+      </p:sp>
+      <p:sp>
+        <p:nvSpPr>
+          <p:cNvPr id="34" name="ZoneTexte 33">
+            <a:extLst>
+              <a:ext uri="{FF2B5EF4-FFF2-40B4-BE49-F238E27FC236}">
+                <a16:creationId xmlns:a16="http://schemas.microsoft.com/office/drawing/2014/main" id="{6E589928-B62D-4900-8216-72FDFCC2512B}"/>
+              </a:ext>
+            </a:extLst>
+          </p:cNvPr>
+          <p:cNvSpPr txBox="1"/>
+          <p:nvPr/>
+        </p:nvSpPr>
+        <p:spPr>
+          <a:xfrm>
+            <a:off x="9842434" y="5824598"/>
+            <a:ext cx="1874223" cy="261610"/>
+          </a:xfrm>
+          <a:prstGeom prst="rect">
+            <a:avLst/>
+          </a:prstGeom>
+          <a:noFill/>
+        </p:spPr>
+        <p:txBody>
+          <a:bodyPr wrap="square" rtlCol="0">
+            <a:spAutoFit/>
+          </a:bodyPr>
+          <a:lstStyle/>
+          <a:p>
+            <a:pPr algn="r"/>
+            <a:r>
+              <a:rPr lang="fr-FR" sz="1100" i="1" dirty="0">
+                <a:effectLst>
+                  <a:outerShdw blurRad="38100" dist="38100" dir="2700000" algn="tl">
+                    <a:srgbClr val="000000">
+                      <a:alpha val="43137"/>
+                    </a:srgbClr>
+                  </a:outerShdw>
+                </a:effectLst>
+              </a:rPr>
+              <a:t>Base de Données</a:t>
+            </a:r>
+          </a:p>
+        </p:txBody>
+      </p:sp>
+      <p:sp>
+        <p:nvSpPr>
+          <p:cNvPr id="35" name="ZoneTexte 34">
+            <a:extLst>
+              <a:ext uri="{FF2B5EF4-FFF2-40B4-BE49-F238E27FC236}">
+                <a16:creationId xmlns:a16="http://schemas.microsoft.com/office/drawing/2014/main" id="{57206C83-DFED-4CA4-AD46-1A819F47B23F}"/>
+              </a:ext>
+            </a:extLst>
+          </p:cNvPr>
+          <p:cNvSpPr txBox="1"/>
+          <p:nvPr/>
+        </p:nvSpPr>
+        <p:spPr>
+          <a:xfrm>
+            <a:off x="9826051" y="6486853"/>
+            <a:ext cx="1874223" cy="261610"/>
+          </a:xfrm>
+          <a:prstGeom prst="rect">
+            <a:avLst/>
+          </a:prstGeom>
+          <a:noFill/>
+        </p:spPr>
+        <p:txBody>
+          <a:bodyPr wrap="square" rtlCol="0">
+            <a:spAutoFit/>
+          </a:bodyPr>
+          <a:lstStyle/>
+          <a:p>
+            <a:pPr algn="r"/>
+            <a:r>
+              <a:rPr lang="fr-FR" sz="1100" i="1" dirty="0">
+                <a:effectLst>
+                  <a:outerShdw blurRad="38100" dist="38100" dir="2700000" algn="tl">
+                    <a:srgbClr val="000000">
+                      <a:alpha val="43137"/>
+                    </a:srgbClr>
+                  </a:outerShdw>
+                </a:effectLst>
+              </a:rPr>
+              <a:t>Planification</a:t>
+            </a:r>
+          </a:p>
+        </p:txBody>
+      </p:sp>
+      <p:sp>
+        <p:nvSpPr>
+          <p:cNvPr id="36" name="Rectangle 35">
+            <a:extLst>
+              <a:ext uri="{FF2B5EF4-FFF2-40B4-BE49-F238E27FC236}">
+                <a16:creationId xmlns:a16="http://schemas.microsoft.com/office/drawing/2014/main" id="{ECC69C73-F537-48FE-B223-513F11F11C77}"/>
+              </a:ext>
+            </a:extLst>
+          </p:cNvPr>
+          <p:cNvSpPr/>
+          <p:nvPr/>
+        </p:nvSpPr>
+        <p:spPr>
+          <a:xfrm>
+            <a:off x="11853752" y="3318121"/>
+            <a:ext cx="63479" cy="3453264"/>
+          </a:xfrm>
+          <a:prstGeom prst="rect">
+            <a:avLst/>
+          </a:prstGeom>
+          <a:solidFill>
+            <a:schemeClr val="bg1"/>
+          </a:solidFill>
+          <a:ln>
+            <a:noFill/>
+          </a:ln>
+        </p:spPr>
+        <p:style>
+          <a:lnRef idx="2">
+            <a:schemeClr val="accent1">
+              <a:shade val="50000"/>
+            </a:schemeClr>
+          </a:lnRef>
+          <a:fillRef idx="1">
+            <a:schemeClr val="accent1"/>
+          </a:fillRef>
+          <a:effectRef idx="0">
+            <a:schemeClr val="accent1"/>
+          </a:effectRef>
+          <a:fontRef idx="minor">
+            <a:schemeClr val="lt1"/>
+          </a:fontRef>
+        </p:style>
+        <p:txBody>
+          <a:bodyPr rtlCol="0" anchor="ctr"/>
+          <a:lstStyle/>
+          <a:p>
+            <a:pPr algn="ctr"/>
+            <a:endParaRPr lang="fr-FR"/>
+          </a:p>
+        </p:txBody>
+      </p:sp>
+      <p:sp>
+        <p:nvSpPr>
+          <p:cNvPr id="37" name="Ellipse 36">
+            <a:extLst>
+              <a:ext uri="{FF2B5EF4-FFF2-40B4-BE49-F238E27FC236}">
+                <a16:creationId xmlns:a16="http://schemas.microsoft.com/office/drawing/2014/main" id="{71B598E0-932A-43E1-8A61-7A2957E5AA5B}"/>
+              </a:ext>
+            </a:extLst>
+          </p:cNvPr>
+          <p:cNvSpPr/>
+          <p:nvPr/>
+        </p:nvSpPr>
+        <p:spPr>
+          <a:xfrm>
+            <a:off x="11740896" y="1266423"/>
+            <a:ext cx="307668" cy="317709"/>
+          </a:xfrm>
+          <a:prstGeom prst="ellipse">
+            <a:avLst/>
+          </a:prstGeom>
+          <a:solidFill>
+            <a:srgbClr val="A31257"/>
+          </a:solidFill>
+          <a:ln>
+            <a:solidFill>
+              <a:schemeClr val="bg1"/>
+            </a:solidFill>
+          </a:ln>
+        </p:spPr>
+        <p:style>
+          <a:lnRef idx="2">
+            <a:schemeClr val="accent1">
+              <a:shade val="50000"/>
+            </a:schemeClr>
+          </a:lnRef>
+          <a:fillRef idx="1">
+            <a:schemeClr val="accent1"/>
+          </a:fillRef>
+          <a:effectRef idx="0">
+            <a:schemeClr val="accent1"/>
+          </a:effectRef>
+          <a:fontRef idx="minor">
+            <a:schemeClr val="lt1"/>
+          </a:fontRef>
+        </p:style>
+        <p:txBody>
+          <a:bodyPr rtlCol="0" anchor="ctr"/>
+          <a:lstStyle/>
+          <a:p>
+            <a:pPr algn="ctr"/>
+            <a:endParaRPr lang="fr-FR" dirty="0"/>
+          </a:p>
+        </p:txBody>
+      </p:sp>
+      <p:sp>
+        <p:nvSpPr>
+          <p:cNvPr id="38" name="Ellipse 37">
+            <a:extLst>
+              <a:ext uri="{FF2B5EF4-FFF2-40B4-BE49-F238E27FC236}">
+                <a16:creationId xmlns:a16="http://schemas.microsoft.com/office/drawing/2014/main" id="{45DEAF45-571E-418D-B6C3-3DBABACB2D4A}"/>
+              </a:ext>
+            </a:extLst>
+          </p:cNvPr>
+          <p:cNvSpPr/>
+          <p:nvPr/>
+        </p:nvSpPr>
+        <p:spPr>
+          <a:xfrm>
+            <a:off x="11739665" y="5113681"/>
+            <a:ext cx="307668" cy="317709"/>
+          </a:xfrm>
+          <a:prstGeom prst="ellipse">
+            <a:avLst/>
+          </a:prstGeom>
+          <a:solidFill>
+            <a:schemeClr val="bg1"/>
+          </a:solidFill>
+          <a:ln>
+            <a:solidFill>
+              <a:schemeClr val="bg1"/>
+            </a:solidFill>
+          </a:ln>
+        </p:spPr>
+        <p:style>
+          <a:lnRef idx="2">
+            <a:schemeClr val="accent1">
+              <a:shade val="50000"/>
+            </a:schemeClr>
+          </a:lnRef>
+          <a:fillRef idx="1">
+            <a:schemeClr val="accent1"/>
+          </a:fillRef>
+          <a:effectRef idx="0">
+            <a:schemeClr val="accent1"/>
+          </a:effectRef>
+          <a:fontRef idx="minor">
+            <a:schemeClr val="lt1"/>
+          </a:fontRef>
+        </p:style>
+        <p:txBody>
+          <a:bodyPr rtlCol="0" anchor="ctr"/>
+          <a:lstStyle/>
+          <a:p>
+            <a:pPr algn="ctr"/>
+            <a:endParaRPr lang="fr-FR" dirty="0"/>
+          </a:p>
+        </p:txBody>
+      </p:sp>
+      <p:sp>
+        <p:nvSpPr>
+          <p:cNvPr id="39" name="Ellipse 38">
+            <a:extLst>
+              <a:ext uri="{FF2B5EF4-FFF2-40B4-BE49-F238E27FC236}">
+                <a16:creationId xmlns:a16="http://schemas.microsoft.com/office/drawing/2014/main" id="{D0C74383-804F-41DF-B94F-54AEAB19C2C5}"/>
+              </a:ext>
+            </a:extLst>
+          </p:cNvPr>
+          <p:cNvSpPr/>
+          <p:nvPr/>
+        </p:nvSpPr>
+        <p:spPr>
+          <a:xfrm>
+            <a:off x="11741041" y="3959962"/>
+            <a:ext cx="307668" cy="317709"/>
+          </a:xfrm>
+          <a:prstGeom prst="ellipse">
+            <a:avLst/>
+          </a:prstGeom>
+          <a:solidFill>
+            <a:schemeClr val="bg1"/>
+          </a:solidFill>
+          <a:ln>
+            <a:solidFill>
+              <a:schemeClr val="bg1"/>
+            </a:solidFill>
+          </a:ln>
+        </p:spPr>
+        <p:style>
+          <a:lnRef idx="2">
+            <a:schemeClr val="accent1">
+              <a:shade val="50000"/>
+            </a:schemeClr>
+          </a:lnRef>
+          <a:fillRef idx="1">
+            <a:schemeClr val="accent1"/>
+          </a:fillRef>
+          <a:effectRef idx="0">
+            <a:schemeClr val="accent1"/>
+          </a:effectRef>
+          <a:fontRef idx="minor">
+            <a:schemeClr val="lt1"/>
+          </a:fontRef>
+        </p:style>
+        <p:txBody>
+          <a:bodyPr rtlCol="0" anchor="ctr"/>
+          <a:lstStyle/>
+          <a:p>
+            <a:pPr algn="ctr"/>
+            <a:endParaRPr lang="fr-FR" dirty="0"/>
+          </a:p>
+        </p:txBody>
+      </p:sp>
+      <p:sp>
+        <p:nvSpPr>
+          <p:cNvPr id="40" name="Ellipse 39">
+            <a:extLst>
+              <a:ext uri="{FF2B5EF4-FFF2-40B4-BE49-F238E27FC236}">
+                <a16:creationId xmlns:a16="http://schemas.microsoft.com/office/drawing/2014/main" id="{1A36D8AA-A5B8-44E4-8C71-912A9C5B118F}"/>
+              </a:ext>
+            </a:extLst>
+          </p:cNvPr>
+          <p:cNvSpPr/>
+          <p:nvPr/>
+        </p:nvSpPr>
+        <p:spPr>
+          <a:xfrm>
+            <a:off x="11741041" y="2833333"/>
+            <a:ext cx="307668" cy="317709"/>
+          </a:xfrm>
+          <a:prstGeom prst="ellipse">
+            <a:avLst/>
+          </a:prstGeom>
+          <a:solidFill>
+            <a:srgbClr val="A31257"/>
+          </a:solidFill>
+          <a:ln>
+            <a:solidFill>
+              <a:schemeClr val="bg1"/>
+            </a:solidFill>
+          </a:ln>
+        </p:spPr>
+        <p:style>
+          <a:lnRef idx="2">
+            <a:schemeClr val="accent1">
+              <a:shade val="50000"/>
+            </a:schemeClr>
+          </a:lnRef>
+          <a:fillRef idx="1">
+            <a:schemeClr val="accent1"/>
+          </a:fillRef>
+          <a:effectRef idx="0">
+            <a:schemeClr val="accent1"/>
+          </a:effectRef>
+          <a:fontRef idx="minor">
+            <a:schemeClr val="lt1"/>
+          </a:fontRef>
+        </p:style>
+        <p:txBody>
+          <a:bodyPr rtlCol="0" anchor="ctr"/>
+          <a:lstStyle/>
+          <a:p>
+            <a:pPr algn="ctr"/>
+            <a:endParaRPr lang="fr-FR" dirty="0"/>
+          </a:p>
+        </p:txBody>
+      </p:sp>
+      <p:sp>
+        <p:nvSpPr>
+          <p:cNvPr id="41" name="Ellipse 40">
+            <a:extLst>
+              <a:ext uri="{FF2B5EF4-FFF2-40B4-BE49-F238E27FC236}">
+                <a16:creationId xmlns:a16="http://schemas.microsoft.com/office/drawing/2014/main" id="{E1C338EC-3741-4A3F-A048-49F375790D43}"/>
+              </a:ext>
+            </a:extLst>
+          </p:cNvPr>
+          <p:cNvSpPr/>
+          <p:nvPr/>
+        </p:nvSpPr>
+        <p:spPr>
+          <a:xfrm>
+            <a:off x="11739520" y="1775455"/>
+            <a:ext cx="307668" cy="317709"/>
+          </a:xfrm>
+          <a:prstGeom prst="ellipse">
+            <a:avLst/>
+          </a:prstGeom>
+          <a:solidFill>
+            <a:srgbClr val="A31257"/>
+          </a:solidFill>
+          <a:ln>
+            <a:solidFill>
+              <a:schemeClr val="bg1"/>
+            </a:solidFill>
+          </a:ln>
+        </p:spPr>
+        <p:style>
+          <a:lnRef idx="2">
+            <a:schemeClr val="accent1">
+              <a:shade val="50000"/>
+            </a:schemeClr>
+          </a:lnRef>
+          <a:fillRef idx="1">
+            <a:schemeClr val="accent1"/>
+          </a:fillRef>
+          <a:effectRef idx="0">
+            <a:schemeClr val="accent1"/>
+          </a:effectRef>
+          <a:fontRef idx="minor">
+            <a:schemeClr val="lt1"/>
+          </a:fontRef>
+        </p:style>
+        <p:txBody>
+          <a:bodyPr rtlCol="0" anchor="ctr"/>
+          <a:lstStyle/>
+          <a:p>
+            <a:pPr algn="ctr"/>
+            <a:endParaRPr lang="fr-FR" dirty="0"/>
+          </a:p>
+        </p:txBody>
+      </p:sp>
+      <p:sp>
+        <p:nvSpPr>
+          <p:cNvPr id="42" name="Ellipse 41">
+            <a:extLst>
+              <a:ext uri="{FF2B5EF4-FFF2-40B4-BE49-F238E27FC236}">
+                <a16:creationId xmlns:a16="http://schemas.microsoft.com/office/drawing/2014/main" id="{6125BBF9-AA1A-4D5E-8254-2BBB56283301}"/>
+              </a:ext>
+            </a:extLst>
+          </p:cNvPr>
+          <p:cNvSpPr/>
+          <p:nvPr/>
+        </p:nvSpPr>
+        <p:spPr>
+          <a:xfrm>
+            <a:off x="11739520" y="2298845"/>
+            <a:ext cx="307668" cy="317709"/>
+          </a:xfrm>
+          <a:prstGeom prst="ellipse">
+            <a:avLst/>
+          </a:prstGeom>
+          <a:solidFill>
+            <a:srgbClr val="A31257"/>
+          </a:solidFill>
+          <a:ln>
+            <a:solidFill>
+              <a:schemeClr val="bg1"/>
+            </a:solidFill>
+          </a:ln>
+        </p:spPr>
+        <p:style>
+          <a:lnRef idx="2">
+            <a:schemeClr val="accent1">
+              <a:shade val="50000"/>
+            </a:schemeClr>
+          </a:lnRef>
+          <a:fillRef idx="1">
+            <a:schemeClr val="accent1"/>
+          </a:fillRef>
+          <a:effectRef idx="0">
+            <a:schemeClr val="accent1"/>
+          </a:effectRef>
+          <a:fontRef idx="minor">
+            <a:schemeClr val="lt1"/>
+          </a:fontRef>
+        </p:style>
+        <p:txBody>
+          <a:bodyPr rtlCol="0" anchor="ctr"/>
+          <a:lstStyle/>
+          <a:p>
+            <a:pPr algn="ctr"/>
+            <a:endParaRPr lang="fr-FR" dirty="0"/>
+          </a:p>
+        </p:txBody>
+      </p:sp>
+      <p:sp>
+        <p:nvSpPr>
+          <p:cNvPr id="43" name="Ellipse 42">
+            <a:extLst>
+              <a:ext uri="{FF2B5EF4-FFF2-40B4-BE49-F238E27FC236}">
+                <a16:creationId xmlns:a16="http://schemas.microsoft.com/office/drawing/2014/main" id="{5291165E-3CF9-45EA-8B60-B81BBBE78619}"/>
+              </a:ext>
+            </a:extLst>
+          </p:cNvPr>
+          <p:cNvSpPr/>
+          <p:nvPr/>
+        </p:nvSpPr>
+        <p:spPr>
+          <a:xfrm>
+            <a:off x="11740896" y="6476605"/>
+            <a:ext cx="307668" cy="317709"/>
+          </a:xfrm>
+          <a:prstGeom prst="ellipse">
+            <a:avLst/>
+          </a:prstGeom>
+          <a:solidFill>
+            <a:schemeClr val="bg1"/>
+          </a:solidFill>
+          <a:ln>
+            <a:solidFill>
+              <a:schemeClr val="bg1"/>
+            </a:solidFill>
+          </a:ln>
+        </p:spPr>
+        <p:style>
+          <a:lnRef idx="2">
+            <a:schemeClr val="accent1">
+              <a:shade val="50000"/>
+            </a:schemeClr>
+          </a:lnRef>
+          <a:fillRef idx="1">
+            <a:schemeClr val="accent1"/>
+          </a:fillRef>
+          <a:effectRef idx="0">
+            <a:schemeClr val="accent1"/>
+          </a:effectRef>
+          <a:fontRef idx="minor">
+            <a:schemeClr val="lt1"/>
+          </a:fontRef>
+        </p:style>
+        <p:txBody>
+          <a:bodyPr rtlCol="0" anchor="ctr"/>
+          <a:lstStyle/>
+          <a:p>
+            <a:pPr algn="ctr"/>
+            <a:endParaRPr lang="fr-FR" dirty="0"/>
+          </a:p>
+        </p:txBody>
+      </p:sp>
+      <p:sp>
+        <p:nvSpPr>
+          <p:cNvPr id="44" name="Ellipse 43">
+            <a:extLst>
+              <a:ext uri="{FF2B5EF4-FFF2-40B4-BE49-F238E27FC236}">
+                <a16:creationId xmlns:a16="http://schemas.microsoft.com/office/drawing/2014/main" id="{5B6CC439-70FE-4162-ACBE-65E9F6633491}"/>
+              </a:ext>
+            </a:extLst>
+          </p:cNvPr>
+          <p:cNvSpPr/>
+          <p:nvPr/>
+        </p:nvSpPr>
+        <p:spPr>
+          <a:xfrm>
+            <a:off x="11739519" y="5796549"/>
+            <a:ext cx="307668" cy="317709"/>
+          </a:xfrm>
+          <a:prstGeom prst="ellipse">
+            <a:avLst/>
+          </a:prstGeom>
+          <a:solidFill>
+            <a:schemeClr val="bg1"/>
+          </a:solidFill>
+          <a:ln>
+            <a:solidFill>
+              <a:schemeClr val="bg1"/>
+            </a:solidFill>
+          </a:ln>
+        </p:spPr>
+        <p:style>
+          <a:lnRef idx="2">
+            <a:schemeClr val="accent1">
+              <a:shade val="50000"/>
+            </a:schemeClr>
+          </a:lnRef>
+          <a:fillRef idx="1">
+            <a:schemeClr val="accent1"/>
+          </a:fillRef>
+          <a:effectRef idx="0">
+            <a:schemeClr val="accent1"/>
+          </a:effectRef>
+          <a:fontRef idx="minor">
+            <a:schemeClr val="lt1"/>
+          </a:fontRef>
+        </p:style>
+        <p:txBody>
+          <a:bodyPr rtlCol="0" anchor="ctr"/>
+          <a:lstStyle/>
+          <a:p>
+            <a:pPr algn="ctr"/>
+            <a:endParaRPr lang="fr-FR" dirty="0"/>
+          </a:p>
+        </p:txBody>
+      </p:sp>
+      <p:sp>
+        <p:nvSpPr>
+          <p:cNvPr id="45" name="ZoneTexte 44">
+            <a:extLst>
+              <a:ext uri="{FF2B5EF4-FFF2-40B4-BE49-F238E27FC236}">
+                <a16:creationId xmlns:a16="http://schemas.microsoft.com/office/drawing/2014/main" id="{1752E7E7-1FF5-42A1-8ADD-F158B0CDC915}"/>
+              </a:ext>
+            </a:extLst>
+          </p:cNvPr>
+          <p:cNvSpPr txBox="1"/>
+          <p:nvPr/>
+        </p:nvSpPr>
+        <p:spPr>
+          <a:xfrm>
+            <a:off x="0" y="6379131"/>
+            <a:ext cx="395978" cy="369332"/>
+          </a:xfrm>
+          <a:prstGeom prst="rect">
+            <a:avLst/>
+          </a:prstGeom>
+          <a:noFill/>
+        </p:spPr>
+        <p:txBody>
+          <a:bodyPr wrap="square" rtlCol="0">
+            <a:spAutoFit/>
+          </a:bodyPr>
+          <a:lstStyle/>
+          <a:p>
+            <a:r>
+              <a:rPr lang="fr-FR" i="1" dirty="0">
+                <a:effectLst>
+                  <a:outerShdw blurRad="38100" dist="38100" dir="2700000" algn="tl">
+                    <a:srgbClr val="000000">
+                      <a:alpha val="43137"/>
+                    </a:srgbClr>
+                  </a:outerShdw>
+                </a:effectLst>
+              </a:rPr>
+              <a:t>9</a:t>
+            </a:r>
+          </a:p>
+        </p:txBody>
+      </p:sp>
       <p:pic>
         <p:nvPicPr>
-          <p:cNvPr id="6" name="Image 5">
-            <a:extLst>
-              <a:ext uri="{FF2B5EF4-FFF2-40B4-BE49-F238E27FC236}">
-                <a16:creationId xmlns:a16="http://schemas.microsoft.com/office/drawing/2014/main" id="{2DF70B55-D409-4D06-BEFE-77DF00988E09}"/>
+          <p:cNvPr id="2" name="Image 1">
+            <a:extLst>
+              <a:ext uri="{FF2B5EF4-FFF2-40B4-BE49-F238E27FC236}">
+                <a16:creationId xmlns:a16="http://schemas.microsoft.com/office/drawing/2014/main" id="{77AABE81-4BA8-4C56-8E74-F81A514941E9}"/>
               </a:ext>
             </a:extLst>
           </p:cNvPr>
@@ -47393,15 +51474,16 @@
           </p:cNvPicPr>
           <p:nvPr/>
         </p:nvPicPr>
-        <p:blipFill rotWithShape="1">
+        <p:blipFill>
           <a:blip r:embed="rId3"/>
-          <a:srcRect r="549" b="931"/>
-          <a:stretch/>
+          <a:stretch>
+            <a:fillRect/>
+          </a:stretch>
         </p:blipFill>
         <p:spPr>
           <a:xfrm>
-            <a:off x="2413071" y="1416204"/>
-            <a:ext cx="4837835" cy="5015552"/>
+            <a:off x="3158942" y="1584132"/>
+            <a:ext cx="4407431" cy="4563281"/>
           </a:xfrm>
           <a:prstGeom prst="rect">
             <a:avLst/>
@@ -47418,1917 +51500,6 @@
           </a:effectLst>
         </p:spPr>
       </p:pic>
-      <p:sp>
-        <p:nvSpPr>
-          <p:cNvPr id="7" name="Organigramme : Terminateur 6">
-            <a:extLst>
-              <a:ext uri="{FF2B5EF4-FFF2-40B4-BE49-F238E27FC236}">
-                <a16:creationId xmlns:a16="http://schemas.microsoft.com/office/drawing/2014/main" id="{57DEE394-029F-48B7-9F72-E6864CAB5BBA}"/>
-              </a:ext>
-            </a:extLst>
-          </p:cNvPr>
-          <p:cNvSpPr/>
-          <p:nvPr/>
-        </p:nvSpPr>
-        <p:spPr>
-          <a:xfrm>
-            <a:off x="11782953" y="4838752"/>
-            <a:ext cx="137445" cy="71437"/>
-          </a:xfrm>
-          <a:prstGeom prst="flowChartTerminator">
-            <a:avLst/>
-          </a:prstGeom>
-          <a:solidFill>
-            <a:schemeClr val="bg1"/>
-          </a:solidFill>
-          <a:ln>
-            <a:solidFill>
-              <a:schemeClr val="bg1"/>
-            </a:solidFill>
-          </a:ln>
-        </p:spPr>
-        <p:style>
-          <a:lnRef idx="2">
-            <a:schemeClr val="accent1">
-              <a:shade val="50000"/>
-            </a:schemeClr>
-          </a:lnRef>
-          <a:fillRef idx="1">
-            <a:schemeClr val="accent1"/>
-          </a:fillRef>
-          <a:effectRef idx="0">
-            <a:schemeClr val="accent1"/>
-          </a:effectRef>
-          <a:fontRef idx="minor">
-            <a:schemeClr val="lt1"/>
-          </a:fontRef>
-        </p:style>
-        <p:txBody>
-          <a:bodyPr rtlCol="0" anchor="ctr"/>
-          <a:lstStyle/>
-          <a:p>
-            <a:pPr algn="ctr"/>
-            <a:endParaRPr lang="fr-FR" dirty="0"/>
-          </a:p>
-        </p:txBody>
-      </p:sp>
-      <p:sp>
-        <p:nvSpPr>
-          <p:cNvPr id="8" name="Organigramme : Terminateur 7">
-            <a:extLst>
-              <a:ext uri="{FF2B5EF4-FFF2-40B4-BE49-F238E27FC236}">
-                <a16:creationId xmlns:a16="http://schemas.microsoft.com/office/drawing/2014/main" id="{1695D1D7-21FF-4078-8EAB-9782ECE0BD73}"/>
-              </a:ext>
-            </a:extLst>
-          </p:cNvPr>
-          <p:cNvSpPr/>
-          <p:nvPr/>
-        </p:nvSpPr>
-        <p:spPr>
-          <a:xfrm>
-            <a:off x="11782954" y="4625096"/>
-            <a:ext cx="137445" cy="71437"/>
-          </a:xfrm>
-          <a:prstGeom prst="flowChartTerminator">
-            <a:avLst/>
-          </a:prstGeom>
-          <a:solidFill>
-            <a:schemeClr val="bg1"/>
-          </a:solidFill>
-          <a:ln>
-            <a:solidFill>
-              <a:schemeClr val="bg1"/>
-            </a:solidFill>
-          </a:ln>
-        </p:spPr>
-        <p:style>
-          <a:lnRef idx="2">
-            <a:schemeClr val="accent1">
-              <a:shade val="50000"/>
-            </a:schemeClr>
-          </a:lnRef>
-          <a:fillRef idx="1">
-            <a:schemeClr val="accent1"/>
-          </a:fillRef>
-          <a:effectRef idx="0">
-            <a:schemeClr val="accent1"/>
-          </a:effectRef>
-          <a:fontRef idx="minor">
-            <a:schemeClr val="lt1"/>
-          </a:fontRef>
-        </p:style>
-        <p:txBody>
-          <a:bodyPr rtlCol="0" anchor="ctr"/>
-          <a:lstStyle/>
-          <a:p>
-            <a:pPr algn="ctr"/>
-            <a:endParaRPr lang="fr-FR" dirty="0"/>
-          </a:p>
-        </p:txBody>
-      </p:sp>
-      <p:sp>
-        <p:nvSpPr>
-          <p:cNvPr id="9" name="Organigramme : Terminateur 8">
-            <a:extLst>
-              <a:ext uri="{FF2B5EF4-FFF2-40B4-BE49-F238E27FC236}">
-                <a16:creationId xmlns:a16="http://schemas.microsoft.com/office/drawing/2014/main" id="{0F12AE1B-7207-40EE-BB8D-8ADDCBCB6FD7}"/>
-              </a:ext>
-            </a:extLst>
-          </p:cNvPr>
-          <p:cNvSpPr/>
-          <p:nvPr/>
-        </p:nvSpPr>
-        <p:spPr>
-          <a:xfrm>
-            <a:off x="11780105" y="4406798"/>
-            <a:ext cx="137445" cy="71437"/>
-          </a:xfrm>
-          <a:prstGeom prst="flowChartTerminator">
-            <a:avLst/>
-          </a:prstGeom>
-          <a:solidFill>
-            <a:schemeClr val="bg1"/>
-          </a:solidFill>
-          <a:ln>
-            <a:solidFill>
-              <a:schemeClr val="bg1"/>
-            </a:solidFill>
-          </a:ln>
-        </p:spPr>
-        <p:style>
-          <a:lnRef idx="2">
-            <a:schemeClr val="accent1">
-              <a:shade val="50000"/>
-            </a:schemeClr>
-          </a:lnRef>
-          <a:fillRef idx="1">
-            <a:schemeClr val="accent1"/>
-          </a:fillRef>
-          <a:effectRef idx="0">
-            <a:schemeClr val="accent1"/>
-          </a:effectRef>
-          <a:fontRef idx="minor">
-            <a:schemeClr val="lt1"/>
-          </a:fontRef>
-        </p:style>
-        <p:txBody>
-          <a:bodyPr rtlCol="0" anchor="ctr"/>
-          <a:lstStyle/>
-          <a:p>
-            <a:pPr algn="ctr"/>
-            <a:endParaRPr lang="fr-FR" dirty="0"/>
-          </a:p>
-        </p:txBody>
-      </p:sp>
-      <p:sp>
-        <p:nvSpPr>
-          <p:cNvPr id="10" name="Organigramme : Terminateur 9">
-            <a:extLst>
-              <a:ext uri="{FF2B5EF4-FFF2-40B4-BE49-F238E27FC236}">
-                <a16:creationId xmlns:a16="http://schemas.microsoft.com/office/drawing/2014/main" id="{7FB84129-A1C3-4A3A-8E7D-5856633D9558}"/>
-              </a:ext>
-            </a:extLst>
-          </p:cNvPr>
-          <p:cNvSpPr/>
-          <p:nvPr/>
-        </p:nvSpPr>
-        <p:spPr>
-          <a:xfrm>
-            <a:off x="11782953" y="3678638"/>
-            <a:ext cx="137445" cy="71437"/>
-          </a:xfrm>
-          <a:prstGeom prst="flowChartTerminator">
-            <a:avLst/>
-          </a:prstGeom>
-          <a:solidFill>
-            <a:schemeClr val="bg1"/>
-          </a:solidFill>
-          <a:ln>
-            <a:solidFill>
-              <a:schemeClr val="bg1"/>
-            </a:solidFill>
-          </a:ln>
-        </p:spPr>
-        <p:style>
-          <a:lnRef idx="2">
-            <a:schemeClr val="accent1">
-              <a:shade val="50000"/>
-            </a:schemeClr>
-          </a:lnRef>
-          <a:fillRef idx="1">
-            <a:schemeClr val="accent1"/>
-          </a:fillRef>
-          <a:effectRef idx="0">
-            <a:schemeClr val="accent1"/>
-          </a:effectRef>
-          <a:fontRef idx="minor">
-            <a:schemeClr val="lt1"/>
-          </a:fontRef>
-        </p:style>
-        <p:txBody>
-          <a:bodyPr rtlCol="0" anchor="ctr"/>
-          <a:lstStyle/>
-          <a:p>
-            <a:pPr algn="ctr"/>
-            <a:endParaRPr lang="fr-FR" dirty="0"/>
-          </a:p>
-        </p:txBody>
-      </p:sp>
-      <p:sp>
-        <p:nvSpPr>
-          <p:cNvPr id="11" name="Organigramme : Terminateur 10">
-            <a:extLst>
-              <a:ext uri="{FF2B5EF4-FFF2-40B4-BE49-F238E27FC236}">
-                <a16:creationId xmlns:a16="http://schemas.microsoft.com/office/drawing/2014/main" id="{4F3ECCBD-6917-4BF0-930C-DB8DC5EABE94}"/>
-              </a:ext>
-            </a:extLst>
-          </p:cNvPr>
-          <p:cNvSpPr/>
-          <p:nvPr/>
-        </p:nvSpPr>
-        <p:spPr>
-          <a:xfrm>
-            <a:off x="11782954" y="3464982"/>
-            <a:ext cx="137445" cy="71437"/>
-          </a:xfrm>
-          <a:prstGeom prst="flowChartTerminator">
-            <a:avLst/>
-          </a:prstGeom>
-          <a:solidFill>
-            <a:schemeClr val="bg1"/>
-          </a:solidFill>
-          <a:ln>
-            <a:solidFill>
-              <a:schemeClr val="bg1"/>
-            </a:solidFill>
-          </a:ln>
-        </p:spPr>
-        <p:style>
-          <a:lnRef idx="2">
-            <a:schemeClr val="accent1">
-              <a:shade val="50000"/>
-            </a:schemeClr>
-          </a:lnRef>
-          <a:fillRef idx="1">
-            <a:schemeClr val="accent1"/>
-          </a:fillRef>
-          <a:effectRef idx="0">
-            <a:schemeClr val="accent1"/>
-          </a:effectRef>
-          <a:fontRef idx="minor">
-            <a:schemeClr val="lt1"/>
-          </a:fontRef>
-        </p:style>
-        <p:txBody>
-          <a:bodyPr rtlCol="0" anchor="ctr"/>
-          <a:lstStyle/>
-          <a:p>
-            <a:pPr algn="ctr"/>
-            <a:endParaRPr lang="fr-FR" dirty="0"/>
-          </a:p>
-        </p:txBody>
-      </p:sp>
-      <p:sp>
-        <p:nvSpPr>
-          <p:cNvPr id="12" name="Organigramme : Terminateur 11">
-            <a:extLst>
-              <a:ext uri="{FF2B5EF4-FFF2-40B4-BE49-F238E27FC236}">
-                <a16:creationId xmlns:a16="http://schemas.microsoft.com/office/drawing/2014/main" id="{5DF44AD1-9E9D-4B1E-BCB0-55F8F1ED2BD9}"/>
-              </a:ext>
-            </a:extLst>
-          </p:cNvPr>
-          <p:cNvSpPr/>
-          <p:nvPr/>
-        </p:nvSpPr>
-        <p:spPr>
-          <a:xfrm>
-            <a:off x="11787913" y="3246684"/>
-            <a:ext cx="137445" cy="71437"/>
-          </a:xfrm>
-          <a:prstGeom prst="flowChartTerminator">
-            <a:avLst/>
-          </a:prstGeom>
-          <a:solidFill>
-            <a:srgbClr val="A31257"/>
-          </a:solidFill>
-          <a:ln>
-            <a:solidFill>
-              <a:schemeClr val="bg1"/>
-            </a:solidFill>
-          </a:ln>
-        </p:spPr>
-        <p:style>
-          <a:lnRef idx="2">
-            <a:schemeClr val="accent1">
-              <a:shade val="50000"/>
-            </a:schemeClr>
-          </a:lnRef>
-          <a:fillRef idx="1">
-            <a:schemeClr val="accent1"/>
-          </a:fillRef>
-          <a:effectRef idx="0">
-            <a:schemeClr val="accent1"/>
-          </a:effectRef>
-          <a:fontRef idx="minor">
-            <a:schemeClr val="lt1"/>
-          </a:fontRef>
-        </p:style>
-        <p:txBody>
-          <a:bodyPr rtlCol="0" anchor="ctr"/>
-          <a:lstStyle/>
-          <a:p>
-            <a:pPr algn="ctr"/>
-            <a:endParaRPr lang="fr-FR" dirty="0"/>
-          </a:p>
-        </p:txBody>
-      </p:sp>
-      <p:sp>
-        <p:nvSpPr>
-          <p:cNvPr id="13" name="Organigramme : Terminateur 12">
-            <a:extLst>
-              <a:ext uri="{FF2B5EF4-FFF2-40B4-BE49-F238E27FC236}">
-                <a16:creationId xmlns:a16="http://schemas.microsoft.com/office/drawing/2014/main" id="{8CF54132-A740-490C-B127-4D894C51C2F1}"/>
-              </a:ext>
-            </a:extLst>
-          </p:cNvPr>
-          <p:cNvSpPr/>
-          <p:nvPr/>
-        </p:nvSpPr>
-        <p:spPr>
-          <a:xfrm>
-            <a:off x="11782810" y="1022638"/>
-            <a:ext cx="137445" cy="71437"/>
-          </a:xfrm>
-          <a:prstGeom prst="flowChartTerminator">
-            <a:avLst/>
-          </a:prstGeom>
-          <a:solidFill>
-            <a:srgbClr val="A31257"/>
-          </a:solidFill>
-          <a:ln>
-            <a:solidFill>
-              <a:schemeClr val="bg1"/>
-            </a:solidFill>
-          </a:ln>
-        </p:spPr>
-        <p:style>
-          <a:lnRef idx="2">
-            <a:schemeClr val="accent1">
-              <a:shade val="50000"/>
-            </a:schemeClr>
-          </a:lnRef>
-          <a:fillRef idx="1">
-            <a:schemeClr val="accent1"/>
-          </a:fillRef>
-          <a:effectRef idx="0">
-            <a:schemeClr val="accent1"/>
-          </a:effectRef>
-          <a:fontRef idx="minor">
-            <a:schemeClr val="lt1"/>
-          </a:fontRef>
-        </p:style>
-        <p:txBody>
-          <a:bodyPr rtlCol="0" anchor="ctr"/>
-          <a:lstStyle/>
-          <a:p>
-            <a:pPr algn="ctr"/>
-            <a:endParaRPr lang="fr-FR" dirty="0"/>
-          </a:p>
-        </p:txBody>
-      </p:sp>
-      <p:sp>
-        <p:nvSpPr>
-          <p:cNvPr id="14" name="Organigramme : Terminateur 13">
-            <a:extLst>
-              <a:ext uri="{FF2B5EF4-FFF2-40B4-BE49-F238E27FC236}">
-                <a16:creationId xmlns:a16="http://schemas.microsoft.com/office/drawing/2014/main" id="{19734B98-B7F0-4F9C-9154-CC5762CAFD8F}"/>
-              </a:ext>
-            </a:extLst>
-          </p:cNvPr>
-          <p:cNvSpPr/>
-          <p:nvPr/>
-        </p:nvSpPr>
-        <p:spPr>
-          <a:xfrm>
-            <a:off x="11782811" y="808982"/>
-            <a:ext cx="137445" cy="71437"/>
-          </a:xfrm>
-          <a:prstGeom prst="flowChartTerminator">
-            <a:avLst/>
-          </a:prstGeom>
-          <a:solidFill>
-            <a:srgbClr val="A31257"/>
-          </a:solidFill>
-          <a:ln>
-            <a:solidFill>
-              <a:schemeClr val="bg1"/>
-            </a:solidFill>
-          </a:ln>
-        </p:spPr>
-        <p:style>
-          <a:lnRef idx="2">
-            <a:schemeClr val="accent1">
-              <a:shade val="50000"/>
-            </a:schemeClr>
-          </a:lnRef>
-          <a:fillRef idx="1">
-            <a:schemeClr val="accent1"/>
-          </a:fillRef>
-          <a:effectRef idx="0">
-            <a:schemeClr val="accent1"/>
-          </a:effectRef>
-          <a:fontRef idx="minor">
-            <a:schemeClr val="lt1"/>
-          </a:fontRef>
-        </p:style>
-        <p:txBody>
-          <a:bodyPr rtlCol="0" anchor="ctr"/>
-          <a:lstStyle/>
-          <a:p>
-            <a:pPr algn="ctr"/>
-            <a:endParaRPr lang="fr-FR" dirty="0"/>
-          </a:p>
-        </p:txBody>
-      </p:sp>
-      <p:sp>
-        <p:nvSpPr>
-          <p:cNvPr id="15" name="Organigramme : Terminateur 14">
-            <a:extLst>
-              <a:ext uri="{FF2B5EF4-FFF2-40B4-BE49-F238E27FC236}">
-                <a16:creationId xmlns:a16="http://schemas.microsoft.com/office/drawing/2014/main" id="{3745DFE9-B11B-4991-9D3A-A94669DDA0C6}"/>
-              </a:ext>
-            </a:extLst>
-          </p:cNvPr>
-          <p:cNvSpPr/>
-          <p:nvPr/>
-        </p:nvSpPr>
-        <p:spPr>
-          <a:xfrm>
-            <a:off x="11780105" y="596427"/>
-            <a:ext cx="137445" cy="71437"/>
-          </a:xfrm>
-          <a:prstGeom prst="flowChartTerminator">
-            <a:avLst/>
-          </a:prstGeom>
-          <a:solidFill>
-            <a:srgbClr val="A31257"/>
-          </a:solidFill>
-          <a:ln>
-            <a:solidFill>
-              <a:schemeClr val="bg1"/>
-            </a:solidFill>
-          </a:ln>
-        </p:spPr>
-        <p:style>
-          <a:lnRef idx="2">
-            <a:schemeClr val="accent1">
-              <a:shade val="50000"/>
-            </a:schemeClr>
-          </a:lnRef>
-          <a:fillRef idx="1">
-            <a:schemeClr val="accent1"/>
-          </a:fillRef>
-          <a:effectRef idx="0">
-            <a:schemeClr val="accent1"/>
-          </a:effectRef>
-          <a:fontRef idx="minor">
-            <a:schemeClr val="lt1"/>
-          </a:fontRef>
-        </p:style>
-        <p:txBody>
-          <a:bodyPr rtlCol="0" anchor="ctr"/>
-          <a:lstStyle/>
-          <a:p>
-            <a:pPr algn="ctr"/>
-            <a:endParaRPr lang="fr-FR" dirty="0"/>
-          </a:p>
-        </p:txBody>
-      </p:sp>
-      <p:sp>
-        <p:nvSpPr>
-          <p:cNvPr id="16" name="Ellipse 15">
-            <a:extLst>
-              <a:ext uri="{FF2B5EF4-FFF2-40B4-BE49-F238E27FC236}">
-                <a16:creationId xmlns:a16="http://schemas.microsoft.com/office/drawing/2014/main" id="{7F2100D1-743B-4390-8637-2BC961CB6A5A}"/>
-              </a:ext>
-            </a:extLst>
-          </p:cNvPr>
-          <p:cNvSpPr/>
-          <p:nvPr/>
-        </p:nvSpPr>
-        <p:spPr>
-          <a:xfrm>
-            <a:off x="11740896" y="143435"/>
-            <a:ext cx="307668" cy="317709"/>
-          </a:xfrm>
-          <a:prstGeom prst="ellipse">
-            <a:avLst/>
-          </a:prstGeom>
-          <a:solidFill>
-            <a:srgbClr val="A31257"/>
-          </a:solidFill>
-          <a:ln>
-            <a:solidFill>
-              <a:schemeClr val="bg1"/>
-            </a:solidFill>
-          </a:ln>
-        </p:spPr>
-        <p:style>
-          <a:lnRef idx="2">
-            <a:schemeClr val="accent1">
-              <a:shade val="50000"/>
-            </a:schemeClr>
-          </a:lnRef>
-          <a:fillRef idx="1">
-            <a:schemeClr val="accent1"/>
-          </a:fillRef>
-          <a:effectRef idx="0">
-            <a:schemeClr val="accent1"/>
-          </a:effectRef>
-          <a:fontRef idx="minor">
-            <a:schemeClr val="lt1"/>
-          </a:fontRef>
-        </p:style>
-        <p:txBody>
-          <a:bodyPr rtlCol="0" anchor="ctr"/>
-          <a:lstStyle/>
-          <a:p>
-            <a:pPr algn="ctr"/>
-            <a:endParaRPr lang="fr-FR" dirty="0"/>
-          </a:p>
-        </p:txBody>
-      </p:sp>
-      <p:sp>
-        <p:nvSpPr>
-          <p:cNvPr id="17" name="Rectangle 16">
-            <a:extLst>
-              <a:ext uri="{FF2B5EF4-FFF2-40B4-BE49-F238E27FC236}">
-                <a16:creationId xmlns:a16="http://schemas.microsoft.com/office/drawing/2014/main" id="{14197D79-0E6E-4EF7-A9E4-F078D552E36D}"/>
-              </a:ext>
-            </a:extLst>
-          </p:cNvPr>
-          <p:cNvSpPr/>
-          <p:nvPr/>
-        </p:nvSpPr>
-        <p:spPr>
-          <a:xfrm>
-            <a:off x="11861348" y="325214"/>
-            <a:ext cx="55883" cy="6446174"/>
-          </a:xfrm>
-          <a:prstGeom prst="rect">
-            <a:avLst/>
-          </a:prstGeom>
-          <a:solidFill>
-            <a:srgbClr val="A31257"/>
-          </a:solidFill>
-          <a:ln>
-            <a:noFill/>
-          </a:ln>
-        </p:spPr>
-        <p:style>
-          <a:lnRef idx="2">
-            <a:schemeClr val="accent1">
-              <a:shade val="50000"/>
-            </a:schemeClr>
-          </a:lnRef>
-          <a:fillRef idx="1">
-            <a:schemeClr val="accent1"/>
-          </a:fillRef>
-          <a:effectRef idx="0">
-            <a:schemeClr val="accent1"/>
-          </a:effectRef>
-          <a:fontRef idx="minor">
-            <a:schemeClr val="lt1"/>
-          </a:fontRef>
-        </p:style>
-        <p:txBody>
-          <a:bodyPr rtlCol="0" anchor="ctr"/>
-          <a:lstStyle/>
-          <a:p>
-            <a:pPr algn="ctr"/>
-            <a:endParaRPr lang="fr-FR"/>
-          </a:p>
-        </p:txBody>
-      </p:sp>
-      <p:sp>
-        <p:nvSpPr>
-          <p:cNvPr id="18" name="ZoneTexte 17">
-            <a:extLst>
-              <a:ext uri="{FF2B5EF4-FFF2-40B4-BE49-F238E27FC236}">
-                <a16:creationId xmlns:a16="http://schemas.microsoft.com/office/drawing/2014/main" id="{2B2DE2A8-AB2A-485D-9BCC-E9AF804F0EB1}"/>
-              </a:ext>
-            </a:extLst>
-          </p:cNvPr>
-          <p:cNvSpPr txBox="1"/>
-          <p:nvPr/>
-        </p:nvSpPr>
-        <p:spPr>
-          <a:xfrm>
-            <a:off x="9865580" y="164391"/>
-            <a:ext cx="1874223" cy="261610"/>
-          </a:xfrm>
-          <a:prstGeom prst="rect">
-            <a:avLst/>
-          </a:prstGeom>
-          <a:noFill/>
-        </p:spPr>
-        <p:txBody>
-          <a:bodyPr wrap="square" rtlCol="0">
-            <a:spAutoFit/>
-          </a:bodyPr>
-          <a:lstStyle/>
-          <a:p>
-            <a:pPr algn="r"/>
-            <a:r>
-              <a:rPr lang="fr-FR" sz="1100" i="1" dirty="0">
-                <a:effectLst>
-                  <a:outerShdw blurRad="38100" dist="38100" dir="2700000" algn="tl">
-                    <a:srgbClr val="000000">
-                      <a:alpha val="43137"/>
-                    </a:srgbClr>
-                  </a:outerShdw>
-                </a:effectLst>
-              </a:rPr>
-              <a:t>Présentation du projet</a:t>
-            </a:r>
-          </a:p>
-        </p:txBody>
-      </p:sp>
-      <p:sp>
-        <p:nvSpPr>
-          <p:cNvPr id="19" name="ZoneTexte 18">
-            <a:extLst>
-              <a:ext uri="{FF2B5EF4-FFF2-40B4-BE49-F238E27FC236}">
-                <a16:creationId xmlns:a16="http://schemas.microsoft.com/office/drawing/2014/main" id="{DB559097-D100-4223-B571-8D410F23EB1B}"/>
-              </a:ext>
-            </a:extLst>
-          </p:cNvPr>
-          <p:cNvSpPr txBox="1"/>
-          <p:nvPr/>
-        </p:nvSpPr>
-        <p:spPr>
-          <a:xfrm>
-            <a:off x="9926211" y="507693"/>
-            <a:ext cx="1874223" cy="261610"/>
-          </a:xfrm>
-          <a:prstGeom prst="rect">
-            <a:avLst/>
-          </a:prstGeom>
-          <a:noFill/>
-        </p:spPr>
-        <p:txBody>
-          <a:bodyPr wrap="square" rtlCol="0">
-            <a:spAutoFit/>
-          </a:bodyPr>
-          <a:lstStyle/>
-          <a:p>
-            <a:pPr algn="r"/>
-            <a:r>
-              <a:rPr lang="fr-FR" sz="1100" i="1" dirty="0">
-                <a:effectLst>
-                  <a:outerShdw blurRad="38100" dist="38100" dir="2700000" algn="tl">
-                    <a:srgbClr val="000000">
-                      <a:alpha val="43137"/>
-                    </a:srgbClr>
-                  </a:outerShdw>
-                </a:effectLst>
-              </a:rPr>
-              <a:t>Schéma global</a:t>
-            </a:r>
-          </a:p>
-        </p:txBody>
-      </p:sp>
-      <p:sp>
-        <p:nvSpPr>
-          <p:cNvPr id="20" name="ZoneTexte 19">
-            <a:extLst>
-              <a:ext uri="{FF2B5EF4-FFF2-40B4-BE49-F238E27FC236}">
-                <a16:creationId xmlns:a16="http://schemas.microsoft.com/office/drawing/2014/main" id="{D863450F-FD60-42F2-8C14-0B83318BFA24}"/>
-              </a:ext>
-            </a:extLst>
-          </p:cNvPr>
-          <p:cNvSpPr txBox="1"/>
-          <p:nvPr/>
-        </p:nvSpPr>
-        <p:spPr>
-          <a:xfrm>
-            <a:off x="9946504" y="727130"/>
-            <a:ext cx="1874223" cy="261610"/>
-          </a:xfrm>
-          <a:prstGeom prst="rect">
-            <a:avLst/>
-          </a:prstGeom>
-          <a:noFill/>
-        </p:spPr>
-        <p:txBody>
-          <a:bodyPr wrap="square" rtlCol="0">
-            <a:spAutoFit/>
-          </a:bodyPr>
-          <a:lstStyle/>
-          <a:p>
-            <a:pPr algn="r"/>
-            <a:r>
-              <a:rPr lang="fr-FR" sz="1100" i="1" dirty="0">
-                <a:effectLst>
-                  <a:outerShdw blurRad="38100" dist="38100" dir="2700000" algn="tl">
-                    <a:srgbClr val="000000">
-                      <a:alpha val="43137"/>
-                    </a:srgbClr>
-                  </a:outerShdw>
-                </a:effectLst>
-              </a:rPr>
-              <a:t>Schéma personnalisé</a:t>
-            </a:r>
-          </a:p>
-        </p:txBody>
-      </p:sp>
-      <p:sp>
-        <p:nvSpPr>
-          <p:cNvPr id="21" name="ZoneTexte 20">
-            <a:extLst>
-              <a:ext uri="{FF2B5EF4-FFF2-40B4-BE49-F238E27FC236}">
-                <a16:creationId xmlns:a16="http://schemas.microsoft.com/office/drawing/2014/main" id="{593C577D-345D-4FFB-ACF7-E2CEFAB0288A}"/>
-              </a:ext>
-            </a:extLst>
-          </p:cNvPr>
-          <p:cNvSpPr txBox="1"/>
-          <p:nvPr/>
-        </p:nvSpPr>
-        <p:spPr>
-          <a:xfrm>
-            <a:off x="9941401" y="918998"/>
-            <a:ext cx="1874223" cy="261610"/>
-          </a:xfrm>
-          <a:prstGeom prst="rect">
-            <a:avLst/>
-          </a:prstGeom>
-          <a:noFill/>
-        </p:spPr>
-        <p:txBody>
-          <a:bodyPr wrap="square" rtlCol="0">
-            <a:spAutoFit/>
-          </a:bodyPr>
-          <a:lstStyle/>
-          <a:p>
-            <a:pPr algn="r"/>
-            <a:r>
-              <a:rPr lang="fr-FR" sz="1100" i="1" dirty="0">
-                <a:effectLst>
-                  <a:outerShdw blurRad="38100" dist="38100" dir="2700000" algn="tl">
-                    <a:srgbClr val="000000">
-                      <a:alpha val="43137"/>
-                    </a:srgbClr>
-                  </a:outerShdw>
-                </a:effectLst>
-              </a:rPr>
-              <a:t>Tâches personnelles</a:t>
-            </a:r>
-          </a:p>
-        </p:txBody>
-      </p:sp>
-      <p:sp>
-        <p:nvSpPr>
-          <p:cNvPr id="22" name="ZoneTexte 21">
-            <a:extLst>
-              <a:ext uri="{FF2B5EF4-FFF2-40B4-BE49-F238E27FC236}">
-                <a16:creationId xmlns:a16="http://schemas.microsoft.com/office/drawing/2014/main" id="{D7AB4BB7-BD76-40A8-B81D-2D066F6BC2FD}"/>
-              </a:ext>
-            </a:extLst>
-          </p:cNvPr>
-          <p:cNvSpPr txBox="1"/>
-          <p:nvPr/>
-        </p:nvSpPr>
-        <p:spPr>
-          <a:xfrm>
-            <a:off x="9865580" y="1281294"/>
-            <a:ext cx="1874223" cy="261610"/>
-          </a:xfrm>
-          <a:prstGeom prst="rect">
-            <a:avLst/>
-          </a:prstGeom>
-          <a:noFill/>
-        </p:spPr>
-        <p:txBody>
-          <a:bodyPr wrap="square" rtlCol="0">
-            <a:spAutoFit/>
-          </a:bodyPr>
-          <a:lstStyle/>
-          <a:p>
-            <a:pPr algn="r"/>
-            <a:r>
-              <a:rPr lang="fr-FR" sz="1100" i="1" dirty="0">
-                <a:effectLst>
-                  <a:outerShdw blurRad="38100" dist="38100" dir="2700000" algn="tl">
-                    <a:srgbClr val="000000">
-                      <a:alpha val="43137"/>
-                    </a:srgbClr>
-                  </a:outerShdw>
-                </a:effectLst>
-              </a:rPr>
-              <a:t>Schématisation réseau</a:t>
-            </a:r>
-          </a:p>
-        </p:txBody>
-      </p:sp>
-      <p:sp>
-        <p:nvSpPr>
-          <p:cNvPr id="23" name="ZoneTexte 22">
-            <a:extLst>
-              <a:ext uri="{FF2B5EF4-FFF2-40B4-BE49-F238E27FC236}">
-                <a16:creationId xmlns:a16="http://schemas.microsoft.com/office/drawing/2014/main" id="{6BDA070A-6294-427F-8C14-735BA42DA0DA}"/>
-              </a:ext>
-            </a:extLst>
-          </p:cNvPr>
-          <p:cNvSpPr txBox="1"/>
-          <p:nvPr/>
-        </p:nvSpPr>
-        <p:spPr>
-          <a:xfrm>
-            <a:off x="9863775" y="1787278"/>
-            <a:ext cx="1874223" cy="261610"/>
-          </a:xfrm>
-          <a:prstGeom prst="rect">
-            <a:avLst/>
-          </a:prstGeom>
-          <a:noFill/>
-        </p:spPr>
-        <p:txBody>
-          <a:bodyPr wrap="square" rtlCol="0">
-            <a:spAutoFit/>
-          </a:bodyPr>
-          <a:lstStyle/>
-          <a:p>
-            <a:pPr algn="r"/>
-            <a:r>
-              <a:rPr lang="fr-FR" sz="1100" i="1" dirty="0">
-                <a:effectLst>
-                  <a:outerShdw blurRad="38100" dist="38100" dir="2700000" algn="tl">
-                    <a:srgbClr val="000000">
-                      <a:alpha val="43137"/>
-                    </a:srgbClr>
-                  </a:outerShdw>
-                </a:effectLst>
-              </a:rPr>
-              <a:t>Développement</a:t>
-            </a:r>
-          </a:p>
-        </p:txBody>
-      </p:sp>
-      <p:sp>
-        <p:nvSpPr>
-          <p:cNvPr id="24" name="ZoneTexte 23">
-            <a:extLst>
-              <a:ext uri="{FF2B5EF4-FFF2-40B4-BE49-F238E27FC236}">
-                <a16:creationId xmlns:a16="http://schemas.microsoft.com/office/drawing/2014/main" id="{4E42C59E-D8D8-4406-B838-8A2538025471}"/>
-              </a:ext>
-            </a:extLst>
-          </p:cNvPr>
-          <p:cNvSpPr txBox="1"/>
-          <p:nvPr/>
-        </p:nvSpPr>
-        <p:spPr>
-          <a:xfrm>
-            <a:off x="9842434" y="2222827"/>
-            <a:ext cx="1874223" cy="430887"/>
-          </a:xfrm>
-          <a:prstGeom prst="rect">
-            <a:avLst/>
-          </a:prstGeom>
-          <a:noFill/>
-        </p:spPr>
-        <p:txBody>
-          <a:bodyPr wrap="square" rtlCol="0">
-            <a:spAutoFit/>
-          </a:bodyPr>
-          <a:lstStyle/>
-          <a:p>
-            <a:pPr algn="r"/>
-            <a:r>
-              <a:rPr lang="fr-FR" sz="1100" i="1" dirty="0">
-                <a:effectLst>
-                  <a:outerShdw blurRad="38100" dist="38100" dir="2700000" algn="tl">
-                    <a:srgbClr val="000000">
-                      <a:alpha val="43137"/>
-                    </a:srgbClr>
-                  </a:outerShdw>
-                </a:effectLst>
-              </a:rPr>
-              <a:t>Diagramme de cas d’utilisation</a:t>
-            </a:r>
-          </a:p>
-        </p:txBody>
-      </p:sp>
-      <p:sp>
-        <p:nvSpPr>
-          <p:cNvPr id="25" name="ZoneTexte 24">
-            <a:extLst>
-              <a:ext uri="{FF2B5EF4-FFF2-40B4-BE49-F238E27FC236}">
-                <a16:creationId xmlns:a16="http://schemas.microsoft.com/office/drawing/2014/main" id="{4DA0A808-73DB-4785-AEB2-9D964A153AA0}"/>
-              </a:ext>
-            </a:extLst>
-          </p:cNvPr>
-          <p:cNvSpPr txBox="1"/>
-          <p:nvPr/>
-        </p:nvSpPr>
-        <p:spPr>
-          <a:xfrm>
-            <a:off x="9926210" y="2861382"/>
-            <a:ext cx="1874223" cy="261610"/>
-          </a:xfrm>
-          <a:prstGeom prst="rect">
-            <a:avLst/>
-          </a:prstGeom>
-          <a:noFill/>
-        </p:spPr>
-        <p:txBody>
-          <a:bodyPr wrap="square" rtlCol="0">
-            <a:spAutoFit/>
-          </a:bodyPr>
-          <a:lstStyle/>
-          <a:p>
-            <a:pPr algn="r"/>
-            <a:r>
-              <a:rPr lang="fr-FR" sz="1100" i="1" dirty="0">
-                <a:effectLst>
-                  <a:outerShdw blurRad="38100" dist="38100" dir="2700000" algn="tl">
-                    <a:srgbClr val="000000">
-                      <a:alpha val="43137"/>
-                    </a:srgbClr>
-                  </a:outerShdw>
-                </a:effectLst>
-              </a:rPr>
-              <a:t>Application de supervision</a:t>
-            </a:r>
-          </a:p>
-        </p:txBody>
-      </p:sp>
-      <p:sp>
-        <p:nvSpPr>
-          <p:cNvPr id="26" name="ZoneTexte 25">
-            <a:extLst>
-              <a:ext uri="{FF2B5EF4-FFF2-40B4-BE49-F238E27FC236}">
-                <a16:creationId xmlns:a16="http://schemas.microsoft.com/office/drawing/2014/main" id="{B386A81B-1608-4CD8-91C7-67F38784446F}"/>
-              </a:ext>
-            </a:extLst>
-          </p:cNvPr>
-          <p:cNvSpPr txBox="1"/>
-          <p:nvPr/>
-        </p:nvSpPr>
-        <p:spPr>
-          <a:xfrm>
-            <a:off x="9956668" y="3157513"/>
-            <a:ext cx="1874223" cy="261610"/>
-          </a:xfrm>
-          <a:prstGeom prst="rect">
-            <a:avLst/>
-          </a:prstGeom>
-          <a:noFill/>
-        </p:spPr>
-        <p:txBody>
-          <a:bodyPr wrap="square" rtlCol="0">
-            <a:spAutoFit/>
-          </a:bodyPr>
-          <a:lstStyle/>
-          <a:p>
-            <a:pPr algn="r"/>
-            <a:r>
-              <a:rPr lang="fr-FR" sz="1100" i="1" dirty="0">
-                <a:effectLst>
-                  <a:outerShdw blurRad="38100" dist="38100" dir="2700000" algn="tl">
-                    <a:srgbClr val="000000">
-                      <a:alpha val="43137"/>
-                    </a:srgbClr>
-                  </a:outerShdw>
-                </a:effectLst>
-              </a:rPr>
-              <a:t>Lancer une partie</a:t>
-            </a:r>
-          </a:p>
-        </p:txBody>
-      </p:sp>
-      <p:sp>
-        <p:nvSpPr>
-          <p:cNvPr id="27" name="ZoneTexte 26">
-            <a:extLst>
-              <a:ext uri="{FF2B5EF4-FFF2-40B4-BE49-F238E27FC236}">
-                <a16:creationId xmlns:a16="http://schemas.microsoft.com/office/drawing/2014/main" id="{18B941C4-5CC5-46BA-9E42-67CAF55BC422}"/>
-              </a:ext>
-            </a:extLst>
-          </p:cNvPr>
-          <p:cNvSpPr txBox="1"/>
-          <p:nvPr/>
-        </p:nvSpPr>
-        <p:spPr>
-          <a:xfrm>
-            <a:off x="9947928" y="3386750"/>
-            <a:ext cx="1874223" cy="261610"/>
-          </a:xfrm>
-          <a:prstGeom prst="rect">
-            <a:avLst/>
-          </a:prstGeom>
-          <a:noFill/>
-        </p:spPr>
-        <p:txBody>
-          <a:bodyPr wrap="square" rtlCol="0">
-            <a:spAutoFit/>
-          </a:bodyPr>
-          <a:lstStyle/>
-          <a:p>
-            <a:pPr algn="r"/>
-            <a:r>
-              <a:rPr lang="fr-FR" sz="1100" i="1" dirty="0">
-                <a:effectLst>
-                  <a:outerShdw blurRad="38100" dist="38100" dir="2700000" algn="tl">
-                    <a:srgbClr val="000000">
-                      <a:alpha val="43137"/>
-                    </a:srgbClr>
-                  </a:outerShdw>
-                </a:effectLst>
-              </a:rPr>
-              <a:t>Superviser</a:t>
-            </a:r>
-          </a:p>
-        </p:txBody>
-      </p:sp>
-      <p:sp>
-        <p:nvSpPr>
-          <p:cNvPr id="28" name="ZoneTexte 27">
-            <a:extLst>
-              <a:ext uri="{FF2B5EF4-FFF2-40B4-BE49-F238E27FC236}">
-                <a16:creationId xmlns:a16="http://schemas.microsoft.com/office/drawing/2014/main" id="{0AF81A8C-85A4-4A40-97E0-09D6D272EAD4}"/>
-              </a:ext>
-            </a:extLst>
-          </p:cNvPr>
-          <p:cNvSpPr txBox="1"/>
-          <p:nvPr/>
-        </p:nvSpPr>
-        <p:spPr>
-          <a:xfrm>
-            <a:off x="9941400" y="3596455"/>
-            <a:ext cx="1874223" cy="261610"/>
-          </a:xfrm>
-          <a:prstGeom prst="rect">
-            <a:avLst/>
-          </a:prstGeom>
-          <a:noFill/>
-        </p:spPr>
-        <p:txBody>
-          <a:bodyPr wrap="square" rtlCol="0">
-            <a:spAutoFit/>
-          </a:bodyPr>
-          <a:lstStyle/>
-          <a:p>
-            <a:pPr algn="r"/>
-            <a:r>
-              <a:rPr lang="fr-FR" sz="1100" i="1" dirty="0">
-                <a:effectLst>
-                  <a:outerShdw blurRad="38100" dist="38100" dir="2700000" algn="tl">
-                    <a:srgbClr val="000000">
-                      <a:alpha val="43137"/>
-                    </a:srgbClr>
-                  </a:outerShdw>
-                </a:effectLst>
-              </a:rPr>
-              <a:t>Envoi d’indice / Fin</a:t>
-            </a:r>
-          </a:p>
-        </p:txBody>
-      </p:sp>
-      <p:sp>
-        <p:nvSpPr>
-          <p:cNvPr id="29" name="ZoneTexte 28">
-            <a:extLst>
-              <a:ext uri="{FF2B5EF4-FFF2-40B4-BE49-F238E27FC236}">
-                <a16:creationId xmlns:a16="http://schemas.microsoft.com/office/drawing/2014/main" id="{5B24EEFF-E9CB-4016-B267-541243FA2D35}"/>
-              </a:ext>
-            </a:extLst>
-          </p:cNvPr>
-          <p:cNvSpPr txBox="1"/>
-          <p:nvPr/>
-        </p:nvSpPr>
-        <p:spPr>
-          <a:xfrm>
-            <a:off x="9905882" y="3995785"/>
-            <a:ext cx="1874223" cy="261610"/>
-          </a:xfrm>
-          <a:prstGeom prst="rect">
-            <a:avLst/>
-          </a:prstGeom>
-          <a:noFill/>
-        </p:spPr>
-        <p:txBody>
-          <a:bodyPr wrap="square" rtlCol="0">
-            <a:spAutoFit/>
-          </a:bodyPr>
-          <a:lstStyle/>
-          <a:p>
-            <a:pPr algn="r"/>
-            <a:r>
-              <a:rPr lang="fr-FR" sz="1100" i="1" dirty="0">
-                <a:effectLst>
-                  <a:outerShdw blurRad="38100" dist="38100" dir="2700000" algn="tl">
-                    <a:srgbClr val="000000">
-                      <a:alpha val="43137"/>
-                    </a:srgbClr>
-                  </a:outerShdw>
-                </a:effectLst>
-              </a:rPr>
-              <a:t>Diagrammes de séquence</a:t>
-            </a:r>
-          </a:p>
-        </p:txBody>
-      </p:sp>
-      <p:sp>
-        <p:nvSpPr>
-          <p:cNvPr id="30" name="ZoneTexte 29">
-            <a:extLst>
-              <a:ext uri="{FF2B5EF4-FFF2-40B4-BE49-F238E27FC236}">
-                <a16:creationId xmlns:a16="http://schemas.microsoft.com/office/drawing/2014/main" id="{C3E3FC6C-0787-470F-8AD2-ACCFBF6B6E1D}"/>
-              </a:ext>
-            </a:extLst>
-          </p:cNvPr>
-          <p:cNvSpPr txBox="1"/>
-          <p:nvPr/>
-        </p:nvSpPr>
-        <p:spPr>
-          <a:xfrm>
-            <a:off x="9964263" y="4310665"/>
-            <a:ext cx="1874223" cy="261610"/>
-          </a:xfrm>
-          <a:prstGeom prst="rect">
-            <a:avLst/>
-          </a:prstGeom>
-          <a:noFill/>
-        </p:spPr>
-        <p:txBody>
-          <a:bodyPr wrap="square" rtlCol="0">
-            <a:spAutoFit/>
-          </a:bodyPr>
-          <a:lstStyle/>
-          <a:p>
-            <a:pPr algn="r"/>
-            <a:r>
-              <a:rPr lang="fr-FR" sz="1100" i="1" dirty="0">
-                <a:effectLst>
-                  <a:outerShdw blurRad="38100" dist="38100" dir="2700000" algn="tl">
-                    <a:srgbClr val="000000">
-                      <a:alpha val="43137"/>
-                    </a:srgbClr>
-                  </a:outerShdw>
-                </a:effectLst>
-              </a:rPr>
-              <a:t>Lancement d’une partie</a:t>
-            </a:r>
-          </a:p>
-        </p:txBody>
-      </p:sp>
-      <p:sp>
-        <p:nvSpPr>
-          <p:cNvPr id="31" name="ZoneTexte 30">
-            <a:extLst>
-              <a:ext uri="{FF2B5EF4-FFF2-40B4-BE49-F238E27FC236}">
-                <a16:creationId xmlns:a16="http://schemas.microsoft.com/office/drawing/2014/main" id="{43F026D7-B31F-4EA8-8115-3904E6A3A7F6}"/>
-              </a:ext>
-            </a:extLst>
-          </p:cNvPr>
-          <p:cNvSpPr txBox="1"/>
-          <p:nvPr/>
-        </p:nvSpPr>
-        <p:spPr>
-          <a:xfrm>
-            <a:off x="9956667" y="4540093"/>
-            <a:ext cx="1874223" cy="261610"/>
-          </a:xfrm>
-          <a:prstGeom prst="rect">
-            <a:avLst/>
-          </a:prstGeom>
-          <a:noFill/>
-        </p:spPr>
-        <p:txBody>
-          <a:bodyPr wrap="square" rtlCol="0">
-            <a:spAutoFit/>
-          </a:bodyPr>
-          <a:lstStyle/>
-          <a:p>
-            <a:pPr algn="r"/>
-            <a:r>
-              <a:rPr lang="fr-FR" sz="1100" i="1" dirty="0">
-                <a:effectLst>
-                  <a:outerShdw blurRad="38100" dist="38100" dir="2700000" algn="tl">
-                    <a:srgbClr val="000000">
-                      <a:alpha val="43137"/>
-                    </a:srgbClr>
-                  </a:outerShdw>
-                </a:effectLst>
-              </a:rPr>
-              <a:t>Envoi d’un message</a:t>
-            </a:r>
-          </a:p>
-        </p:txBody>
-      </p:sp>
-      <p:sp>
-        <p:nvSpPr>
-          <p:cNvPr id="32" name="ZoneTexte 31">
-            <a:extLst>
-              <a:ext uri="{FF2B5EF4-FFF2-40B4-BE49-F238E27FC236}">
-                <a16:creationId xmlns:a16="http://schemas.microsoft.com/office/drawing/2014/main" id="{AD7C4B72-A758-4339-83D1-AFFE44629EC2}"/>
-              </a:ext>
-            </a:extLst>
-          </p:cNvPr>
-          <p:cNvSpPr txBox="1"/>
-          <p:nvPr/>
-        </p:nvSpPr>
-        <p:spPr>
-          <a:xfrm>
-            <a:off x="9941399" y="4760933"/>
-            <a:ext cx="1874223" cy="261610"/>
-          </a:xfrm>
-          <a:prstGeom prst="rect">
-            <a:avLst/>
-          </a:prstGeom>
-          <a:noFill/>
-        </p:spPr>
-        <p:txBody>
-          <a:bodyPr wrap="square" rtlCol="0">
-            <a:spAutoFit/>
-          </a:bodyPr>
-          <a:lstStyle/>
-          <a:p>
-            <a:pPr algn="r"/>
-            <a:r>
-              <a:rPr lang="fr-FR" sz="1100" i="1" dirty="0">
-                <a:effectLst>
-                  <a:outerShdw blurRad="38100" dist="38100" dir="2700000" algn="tl">
-                    <a:srgbClr val="000000">
-                      <a:alpha val="43137"/>
-                    </a:srgbClr>
-                  </a:outerShdw>
-                </a:effectLst>
-              </a:rPr>
-              <a:t>Fin de la partie</a:t>
-            </a:r>
-          </a:p>
-        </p:txBody>
-      </p:sp>
-      <p:sp>
-        <p:nvSpPr>
-          <p:cNvPr id="33" name="ZoneTexte 32">
-            <a:extLst>
-              <a:ext uri="{FF2B5EF4-FFF2-40B4-BE49-F238E27FC236}">
-                <a16:creationId xmlns:a16="http://schemas.microsoft.com/office/drawing/2014/main" id="{A6F2E83A-07BB-466D-BB8A-BB3D0830FC61}"/>
-              </a:ext>
-            </a:extLst>
-          </p:cNvPr>
-          <p:cNvSpPr txBox="1"/>
-          <p:nvPr/>
-        </p:nvSpPr>
-        <p:spPr>
-          <a:xfrm>
-            <a:off x="9863775" y="5123280"/>
-            <a:ext cx="1874223" cy="261610"/>
-          </a:xfrm>
-          <a:prstGeom prst="rect">
-            <a:avLst/>
-          </a:prstGeom>
-          <a:noFill/>
-        </p:spPr>
-        <p:txBody>
-          <a:bodyPr wrap="square" rtlCol="0">
-            <a:spAutoFit/>
-          </a:bodyPr>
-          <a:lstStyle/>
-          <a:p>
-            <a:pPr algn="r"/>
-            <a:r>
-              <a:rPr lang="fr-FR" sz="1100" i="1" dirty="0">
-                <a:effectLst>
-                  <a:outerShdw blurRad="38100" dist="38100" dir="2700000" algn="tl">
-                    <a:srgbClr val="000000">
-                      <a:alpha val="43137"/>
-                    </a:srgbClr>
-                  </a:outerShdw>
-                </a:effectLst>
-              </a:rPr>
-              <a:t>Diagramme de classes</a:t>
-            </a:r>
-          </a:p>
-        </p:txBody>
-      </p:sp>
-      <p:sp>
-        <p:nvSpPr>
-          <p:cNvPr id="34" name="ZoneTexte 33">
-            <a:extLst>
-              <a:ext uri="{FF2B5EF4-FFF2-40B4-BE49-F238E27FC236}">
-                <a16:creationId xmlns:a16="http://schemas.microsoft.com/office/drawing/2014/main" id="{6E589928-B62D-4900-8216-72FDFCC2512B}"/>
-              </a:ext>
-            </a:extLst>
-          </p:cNvPr>
-          <p:cNvSpPr txBox="1"/>
-          <p:nvPr/>
-        </p:nvSpPr>
-        <p:spPr>
-          <a:xfrm>
-            <a:off x="9842434" y="5824598"/>
-            <a:ext cx="1874223" cy="261610"/>
-          </a:xfrm>
-          <a:prstGeom prst="rect">
-            <a:avLst/>
-          </a:prstGeom>
-          <a:noFill/>
-        </p:spPr>
-        <p:txBody>
-          <a:bodyPr wrap="square" rtlCol="0">
-            <a:spAutoFit/>
-          </a:bodyPr>
-          <a:lstStyle/>
-          <a:p>
-            <a:pPr algn="r"/>
-            <a:r>
-              <a:rPr lang="fr-FR" sz="1100" i="1" dirty="0">
-                <a:effectLst>
-                  <a:outerShdw blurRad="38100" dist="38100" dir="2700000" algn="tl">
-                    <a:srgbClr val="000000">
-                      <a:alpha val="43137"/>
-                    </a:srgbClr>
-                  </a:outerShdw>
-                </a:effectLst>
-              </a:rPr>
-              <a:t>Base de Données</a:t>
-            </a:r>
-          </a:p>
-        </p:txBody>
-      </p:sp>
-      <p:sp>
-        <p:nvSpPr>
-          <p:cNvPr id="35" name="ZoneTexte 34">
-            <a:extLst>
-              <a:ext uri="{FF2B5EF4-FFF2-40B4-BE49-F238E27FC236}">
-                <a16:creationId xmlns:a16="http://schemas.microsoft.com/office/drawing/2014/main" id="{57206C83-DFED-4CA4-AD46-1A819F47B23F}"/>
-              </a:ext>
-            </a:extLst>
-          </p:cNvPr>
-          <p:cNvSpPr txBox="1"/>
-          <p:nvPr/>
-        </p:nvSpPr>
-        <p:spPr>
-          <a:xfrm>
-            <a:off x="9826051" y="6486853"/>
-            <a:ext cx="1874223" cy="261610"/>
-          </a:xfrm>
-          <a:prstGeom prst="rect">
-            <a:avLst/>
-          </a:prstGeom>
-          <a:noFill/>
-        </p:spPr>
-        <p:txBody>
-          <a:bodyPr wrap="square" rtlCol="0">
-            <a:spAutoFit/>
-          </a:bodyPr>
-          <a:lstStyle/>
-          <a:p>
-            <a:pPr algn="r"/>
-            <a:r>
-              <a:rPr lang="fr-FR" sz="1100" i="1" dirty="0">
-                <a:effectLst>
-                  <a:outerShdw blurRad="38100" dist="38100" dir="2700000" algn="tl">
-                    <a:srgbClr val="000000">
-                      <a:alpha val="43137"/>
-                    </a:srgbClr>
-                  </a:outerShdw>
-                </a:effectLst>
-              </a:rPr>
-              <a:t>Planification</a:t>
-            </a:r>
-          </a:p>
-        </p:txBody>
-      </p:sp>
-      <p:sp>
-        <p:nvSpPr>
-          <p:cNvPr id="36" name="Rectangle 35">
-            <a:extLst>
-              <a:ext uri="{FF2B5EF4-FFF2-40B4-BE49-F238E27FC236}">
-                <a16:creationId xmlns:a16="http://schemas.microsoft.com/office/drawing/2014/main" id="{ECC69C73-F537-48FE-B223-513F11F11C77}"/>
-              </a:ext>
-            </a:extLst>
-          </p:cNvPr>
-          <p:cNvSpPr/>
-          <p:nvPr/>
-        </p:nvSpPr>
-        <p:spPr>
-          <a:xfrm>
-            <a:off x="11853752" y="3318121"/>
-            <a:ext cx="63479" cy="3453264"/>
-          </a:xfrm>
-          <a:prstGeom prst="rect">
-            <a:avLst/>
-          </a:prstGeom>
-          <a:solidFill>
-            <a:schemeClr val="bg1"/>
-          </a:solidFill>
-          <a:ln>
-            <a:noFill/>
-          </a:ln>
-        </p:spPr>
-        <p:style>
-          <a:lnRef idx="2">
-            <a:schemeClr val="accent1">
-              <a:shade val="50000"/>
-            </a:schemeClr>
-          </a:lnRef>
-          <a:fillRef idx="1">
-            <a:schemeClr val="accent1"/>
-          </a:fillRef>
-          <a:effectRef idx="0">
-            <a:schemeClr val="accent1"/>
-          </a:effectRef>
-          <a:fontRef idx="minor">
-            <a:schemeClr val="lt1"/>
-          </a:fontRef>
-        </p:style>
-        <p:txBody>
-          <a:bodyPr rtlCol="0" anchor="ctr"/>
-          <a:lstStyle/>
-          <a:p>
-            <a:pPr algn="ctr"/>
-            <a:endParaRPr lang="fr-FR"/>
-          </a:p>
-        </p:txBody>
-      </p:sp>
-      <p:sp>
-        <p:nvSpPr>
-          <p:cNvPr id="37" name="Ellipse 36">
-            <a:extLst>
-              <a:ext uri="{FF2B5EF4-FFF2-40B4-BE49-F238E27FC236}">
-                <a16:creationId xmlns:a16="http://schemas.microsoft.com/office/drawing/2014/main" id="{71B598E0-932A-43E1-8A61-7A2957E5AA5B}"/>
-              </a:ext>
-            </a:extLst>
-          </p:cNvPr>
-          <p:cNvSpPr/>
-          <p:nvPr/>
-        </p:nvSpPr>
-        <p:spPr>
-          <a:xfrm>
-            <a:off x="11740896" y="1266423"/>
-            <a:ext cx="307668" cy="317709"/>
-          </a:xfrm>
-          <a:prstGeom prst="ellipse">
-            <a:avLst/>
-          </a:prstGeom>
-          <a:solidFill>
-            <a:srgbClr val="A31257"/>
-          </a:solidFill>
-          <a:ln>
-            <a:solidFill>
-              <a:schemeClr val="bg1"/>
-            </a:solidFill>
-          </a:ln>
-        </p:spPr>
-        <p:style>
-          <a:lnRef idx="2">
-            <a:schemeClr val="accent1">
-              <a:shade val="50000"/>
-            </a:schemeClr>
-          </a:lnRef>
-          <a:fillRef idx="1">
-            <a:schemeClr val="accent1"/>
-          </a:fillRef>
-          <a:effectRef idx="0">
-            <a:schemeClr val="accent1"/>
-          </a:effectRef>
-          <a:fontRef idx="minor">
-            <a:schemeClr val="lt1"/>
-          </a:fontRef>
-        </p:style>
-        <p:txBody>
-          <a:bodyPr rtlCol="0" anchor="ctr"/>
-          <a:lstStyle/>
-          <a:p>
-            <a:pPr algn="ctr"/>
-            <a:endParaRPr lang="fr-FR" dirty="0"/>
-          </a:p>
-        </p:txBody>
-      </p:sp>
-      <p:sp>
-        <p:nvSpPr>
-          <p:cNvPr id="38" name="Ellipse 37">
-            <a:extLst>
-              <a:ext uri="{FF2B5EF4-FFF2-40B4-BE49-F238E27FC236}">
-                <a16:creationId xmlns:a16="http://schemas.microsoft.com/office/drawing/2014/main" id="{45DEAF45-571E-418D-B6C3-3DBABACB2D4A}"/>
-              </a:ext>
-            </a:extLst>
-          </p:cNvPr>
-          <p:cNvSpPr/>
-          <p:nvPr/>
-        </p:nvSpPr>
-        <p:spPr>
-          <a:xfrm>
-            <a:off x="11739665" y="5113681"/>
-            <a:ext cx="307668" cy="317709"/>
-          </a:xfrm>
-          <a:prstGeom prst="ellipse">
-            <a:avLst/>
-          </a:prstGeom>
-          <a:solidFill>
-            <a:schemeClr val="bg1"/>
-          </a:solidFill>
-          <a:ln>
-            <a:solidFill>
-              <a:schemeClr val="bg1"/>
-            </a:solidFill>
-          </a:ln>
-        </p:spPr>
-        <p:style>
-          <a:lnRef idx="2">
-            <a:schemeClr val="accent1">
-              <a:shade val="50000"/>
-            </a:schemeClr>
-          </a:lnRef>
-          <a:fillRef idx="1">
-            <a:schemeClr val="accent1"/>
-          </a:fillRef>
-          <a:effectRef idx="0">
-            <a:schemeClr val="accent1"/>
-          </a:effectRef>
-          <a:fontRef idx="minor">
-            <a:schemeClr val="lt1"/>
-          </a:fontRef>
-        </p:style>
-        <p:txBody>
-          <a:bodyPr rtlCol="0" anchor="ctr"/>
-          <a:lstStyle/>
-          <a:p>
-            <a:pPr algn="ctr"/>
-            <a:endParaRPr lang="fr-FR" dirty="0"/>
-          </a:p>
-        </p:txBody>
-      </p:sp>
-      <p:sp>
-        <p:nvSpPr>
-          <p:cNvPr id="39" name="Ellipse 38">
-            <a:extLst>
-              <a:ext uri="{FF2B5EF4-FFF2-40B4-BE49-F238E27FC236}">
-                <a16:creationId xmlns:a16="http://schemas.microsoft.com/office/drawing/2014/main" id="{D0C74383-804F-41DF-B94F-54AEAB19C2C5}"/>
-              </a:ext>
-            </a:extLst>
-          </p:cNvPr>
-          <p:cNvSpPr/>
-          <p:nvPr/>
-        </p:nvSpPr>
-        <p:spPr>
-          <a:xfrm>
-            <a:off x="11741041" y="3959962"/>
-            <a:ext cx="307668" cy="317709"/>
-          </a:xfrm>
-          <a:prstGeom prst="ellipse">
-            <a:avLst/>
-          </a:prstGeom>
-          <a:solidFill>
-            <a:schemeClr val="bg1"/>
-          </a:solidFill>
-          <a:ln>
-            <a:solidFill>
-              <a:schemeClr val="bg1"/>
-            </a:solidFill>
-          </a:ln>
-        </p:spPr>
-        <p:style>
-          <a:lnRef idx="2">
-            <a:schemeClr val="accent1">
-              <a:shade val="50000"/>
-            </a:schemeClr>
-          </a:lnRef>
-          <a:fillRef idx="1">
-            <a:schemeClr val="accent1"/>
-          </a:fillRef>
-          <a:effectRef idx="0">
-            <a:schemeClr val="accent1"/>
-          </a:effectRef>
-          <a:fontRef idx="minor">
-            <a:schemeClr val="lt1"/>
-          </a:fontRef>
-        </p:style>
-        <p:txBody>
-          <a:bodyPr rtlCol="0" anchor="ctr"/>
-          <a:lstStyle/>
-          <a:p>
-            <a:pPr algn="ctr"/>
-            <a:endParaRPr lang="fr-FR" dirty="0"/>
-          </a:p>
-        </p:txBody>
-      </p:sp>
-      <p:sp>
-        <p:nvSpPr>
-          <p:cNvPr id="40" name="Ellipse 39">
-            <a:extLst>
-              <a:ext uri="{FF2B5EF4-FFF2-40B4-BE49-F238E27FC236}">
-                <a16:creationId xmlns:a16="http://schemas.microsoft.com/office/drawing/2014/main" id="{1A36D8AA-A5B8-44E4-8C71-912A9C5B118F}"/>
-              </a:ext>
-            </a:extLst>
-          </p:cNvPr>
-          <p:cNvSpPr/>
-          <p:nvPr/>
-        </p:nvSpPr>
-        <p:spPr>
-          <a:xfrm>
-            <a:off x="11741041" y="2833333"/>
-            <a:ext cx="307668" cy="317709"/>
-          </a:xfrm>
-          <a:prstGeom prst="ellipse">
-            <a:avLst/>
-          </a:prstGeom>
-          <a:solidFill>
-            <a:srgbClr val="A31257"/>
-          </a:solidFill>
-          <a:ln>
-            <a:solidFill>
-              <a:schemeClr val="bg1"/>
-            </a:solidFill>
-          </a:ln>
-        </p:spPr>
-        <p:style>
-          <a:lnRef idx="2">
-            <a:schemeClr val="accent1">
-              <a:shade val="50000"/>
-            </a:schemeClr>
-          </a:lnRef>
-          <a:fillRef idx="1">
-            <a:schemeClr val="accent1"/>
-          </a:fillRef>
-          <a:effectRef idx="0">
-            <a:schemeClr val="accent1"/>
-          </a:effectRef>
-          <a:fontRef idx="minor">
-            <a:schemeClr val="lt1"/>
-          </a:fontRef>
-        </p:style>
-        <p:txBody>
-          <a:bodyPr rtlCol="0" anchor="ctr"/>
-          <a:lstStyle/>
-          <a:p>
-            <a:pPr algn="ctr"/>
-            <a:endParaRPr lang="fr-FR" dirty="0"/>
-          </a:p>
-        </p:txBody>
-      </p:sp>
-      <p:sp>
-        <p:nvSpPr>
-          <p:cNvPr id="41" name="Ellipse 40">
-            <a:extLst>
-              <a:ext uri="{FF2B5EF4-FFF2-40B4-BE49-F238E27FC236}">
-                <a16:creationId xmlns:a16="http://schemas.microsoft.com/office/drawing/2014/main" id="{E1C338EC-3741-4A3F-A048-49F375790D43}"/>
-              </a:ext>
-            </a:extLst>
-          </p:cNvPr>
-          <p:cNvSpPr/>
-          <p:nvPr/>
-        </p:nvSpPr>
-        <p:spPr>
-          <a:xfrm>
-            <a:off x="11739520" y="1775455"/>
-            <a:ext cx="307668" cy="317709"/>
-          </a:xfrm>
-          <a:prstGeom prst="ellipse">
-            <a:avLst/>
-          </a:prstGeom>
-          <a:solidFill>
-            <a:srgbClr val="A31257"/>
-          </a:solidFill>
-          <a:ln>
-            <a:solidFill>
-              <a:schemeClr val="bg1"/>
-            </a:solidFill>
-          </a:ln>
-        </p:spPr>
-        <p:style>
-          <a:lnRef idx="2">
-            <a:schemeClr val="accent1">
-              <a:shade val="50000"/>
-            </a:schemeClr>
-          </a:lnRef>
-          <a:fillRef idx="1">
-            <a:schemeClr val="accent1"/>
-          </a:fillRef>
-          <a:effectRef idx="0">
-            <a:schemeClr val="accent1"/>
-          </a:effectRef>
-          <a:fontRef idx="minor">
-            <a:schemeClr val="lt1"/>
-          </a:fontRef>
-        </p:style>
-        <p:txBody>
-          <a:bodyPr rtlCol="0" anchor="ctr"/>
-          <a:lstStyle/>
-          <a:p>
-            <a:pPr algn="ctr"/>
-            <a:endParaRPr lang="fr-FR" dirty="0"/>
-          </a:p>
-        </p:txBody>
-      </p:sp>
-      <p:sp>
-        <p:nvSpPr>
-          <p:cNvPr id="42" name="Ellipse 41">
-            <a:extLst>
-              <a:ext uri="{FF2B5EF4-FFF2-40B4-BE49-F238E27FC236}">
-                <a16:creationId xmlns:a16="http://schemas.microsoft.com/office/drawing/2014/main" id="{6125BBF9-AA1A-4D5E-8254-2BBB56283301}"/>
-              </a:ext>
-            </a:extLst>
-          </p:cNvPr>
-          <p:cNvSpPr/>
-          <p:nvPr/>
-        </p:nvSpPr>
-        <p:spPr>
-          <a:xfrm>
-            <a:off x="11739520" y="2298845"/>
-            <a:ext cx="307668" cy="317709"/>
-          </a:xfrm>
-          <a:prstGeom prst="ellipse">
-            <a:avLst/>
-          </a:prstGeom>
-          <a:solidFill>
-            <a:srgbClr val="A31257"/>
-          </a:solidFill>
-          <a:ln>
-            <a:solidFill>
-              <a:schemeClr val="bg1"/>
-            </a:solidFill>
-          </a:ln>
-        </p:spPr>
-        <p:style>
-          <a:lnRef idx="2">
-            <a:schemeClr val="accent1">
-              <a:shade val="50000"/>
-            </a:schemeClr>
-          </a:lnRef>
-          <a:fillRef idx="1">
-            <a:schemeClr val="accent1"/>
-          </a:fillRef>
-          <a:effectRef idx="0">
-            <a:schemeClr val="accent1"/>
-          </a:effectRef>
-          <a:fontRef idx="minor">
-            <a:schemeClr val="lt1"/>
-          </a:fontRef>
-        </p:style>
-        <p:txBody>
-          <a:bodyPr rtlCol="0" anchor="ctr"/>
-          <a:lstStyle/>
-          <a:p>
-            <a:pPr algn="ctr"/>
-            <a:endParaRPr lang="fr-FR" dirty="0"/>
-          </a:p>
-        </p:txBody>
-      </p:sp>
-      <p:sp>
-        <p:nvSpPr>
-          <p:cNvPr id="43" name="Ellipse 42">
-            <a:extLst>
-              <a:ext uri="{FF2B5EF4-FFF2-40B4-BE49-F238E27FC236}">
-                <a16:creationId xmlns:a16="http://schemas.microsoft.com/office/drawing/2014/main" id="{5291165E-3CF9-45EA-8B60-B81BBBE78619}"/>
-              </a:ext>
-            </a:extLst>
-          </p:cNvPr>
-          <p:cNvSpPr/>
-          <p:nvPr/>
-        </p:nvSpPr>
-        <p:spPr>
-          <a:xfrm>
-            <a:off x="11740896" y="6476605"/>
-            <a:ext cx="307668" cy="317709"/>
-          </a:xfrm>
-          <a:prstGeom prst="ellipse">
-            <a:avLst/>
-          </a:prstGeom>
-          <a:solidFill>
-            <a:schemeClr val="bg1"/>
-          </a:solidFill>
-          <a:ln>
-            <a:solidFill>
-              <a:schemeClr val="bg1"/>
-            </a:solidFill>
-          </a:ln>
-        </p:spPr>
-        <p:style>
-          <a:lnRef idx="2">
-            <a:schemeClr val="accent1">
-              <a:shade val="50000"/>
-            </a:schemeClr>
-          </a:lnRef>
-          <a:fillRef idx="1">
-            <a:schemeClr val="accent1"/>
-          </a:fillRef>
-          <a:effectRef idx="0">
-            <a:schemeClr val="accent1"/>
-          </a:effectRef>
-          <a:fontRef idx="minor">
-            <a:schemeClr val="lt1"/>
-          </a:fontRef>
-        </p:style>
-        <p:txBody>
-          <a:bodyPr rtlCol="0" anchor="ctr"/>
-          <a:lstStyle/>
-          <a:p>
-            <a:pPr algn="ctr"/>
-            <a:endParaRPr lang="fr-FR" dirty="0"/>
-          </a:p>
-        </p:txBody>
-      </p:sp>
-      <p:sp>
-        <p:nvSpPr>
-          <p:cNvPr id="44" name="Ellipse 43">
-            <a:extLst>
-              <a:ext uri="{FF2B5EF4-FFF2-40B4-BE49-F238E27FC236}">
-                <a16:creationId xmlns:a16="http://schemas.microsoft.com/office/drawing/2014/main" id="{5B6CC439-70FE-4162-ACBE-65E9F6633491}"/>
-              </a:ext>
-            </a:extLst>
-          </p:cNvPr>
-          <p:cNvSpPr/>
-          <p:nvPr/>
-        </p:nvSpPr>
-        <p:spPr>
-          <a:xfrm>
-            <a:off x="11739519" y="5796549"/>
-            <a:ext cx="307668" cy="317709"/>
-          </a:xfrm>
-          <a:prstGeom prst="ellipse">
-            <a:avLst/>
-          </a:prstGeom>
-          <a:solidFill>
-            <a:schemeClr val="bg1"/>
-          </a:solidFill>
-          <a:ln>
-            <a:solidFill>
-              <a:schemeClr val="bg1"/>
-            </a:solidFill>
-          </a:ln>
-        </p:spPr>
-        <p:style>
-          <a:lnRef idx="2">
-            <a:schemeClr val="accent1">
-              <a:shade val="50000"/>
-            </a:schemeClr>
-          </a:lnRef>
-          <a:fillRef idx="1">
-            <a:schemeClr val="accent1"/>
-          </a:fillRef>
-          <a:effectRef idx="0">
-            <a:schemeClr val="accent1"/>
-          </a:effectRef>
-          <a:fontRef idx="minor">
-            <a:schemeClr val="lt1"/>
-          </a:fontRef>
-        </p:style>
-        <p:txBody>
-          <a:bodyPr rtlCol="0" anchor="ctr"/>
-          <a:lstStyle/>
-          <a:p>
-            <a:pPr algn="ctr"/>
-            <a:endParaRPr lang="fr-FR" dirty="0"/>
-          </a:p>
-        </p:txBody>
-      </p:sp>
-      <p:sp>
-        <p:nvSpPr>
-          <p:cNvPr id="45" name="ZoneTexte 44">
-            <a:extLst>
-              <a:ext uri="{FF2B5EF4-FFF2-40B4-BE49-F238E27FC236}">
-                <a16:creationId xmlns:a16="http://schemas.microsoft.com/office/drawing/2014/main" id="{1752E7E7-1FF5-42A1-8ADD-F158B0CDC915}"/>
-              </a:ext>
-            </a:extLst>
-          </p:cNvPr>
-          <p:cNvSpPr txBox="1"/>
-          <p:nvPr/>
-        </p:nvSpPr>
-        <p:spPr>
-          <a:xfrm>
-            <a:off x="10008112" y="6539577"/>
-            <a:ext cx="395978" cy="369332"/>
-          </a:xfrm>
-          <a:prstGeom prst="rect">
-            <a:avLst/>
-          </a:prstGeom>
-          <a:noFill/>
-        </p:spPr>
-        <p:txBody>
-          <a:bodyPr wrap="square" rtlCol="0">
-            <a:spAutoFit/>
-          </a:bodyPr>
-          <a:lstStyle/>
-          <a:p>
-            <a:r>
-              <a:rPr lang="fr-FR" i="1" dirty="0">
-                <a:effectLst>
-                  <a:outerShdw blurRad="38100" dist="38100" dir="2700000" algn="tl">
-                    <a:srgbClr val="000000">
-                      <a:alpha val="43137"/>
-                    </a:srgbClr>
-                  </a:outerShdw>
-                </a:effectLst>
-              </a:rPr>
-              <a:t>9</a:t>
-            </a:r>
-          </a:p>
-        </p:txBody>
-      </p:sp>
     </p:spTree>
     <p:extLst>
       <p:ext uri="{BB962C8B-B14F-4D97-AF65-F5344CB8AC3E}">

--- a/Nathan/Compte-rendus/REVUE-R2-GUIGAND-SFL6.pptx
+++ b/Nathan/Compte-rendus/REVUE-R2-GUIGAND-SFL6.pptx
@@ -22761,36 +22761,6 @@
           </a:p>
         </p:txBody>
       </p:sp>
-      <p:pic>
-        <p:nvPicPr>
-          <p:cNvPr id="6" name="Image 5">
-            <a:extLst>
-              <a:ext uri="{FF2B5EF4-FFF2-40B4-BE49-F238E27FC236}">
-                <a16:creationId xmlns:a16="http://schemas.microsoft.com/office/drawing/2014/main" id="{3D4BD27D-BFB7-4F2A-A9D5-1419F9CD53FC}"/>
-              </a:ext>
-            </a:extLst>
-          </p:cNvPr>
-          <p:cNvPicPr>
-            <a:picLocks noChangeAspect="1"/>
-          </p:cNvPicPr>
-          <p:nvPr/>
-        </p:nvPicPr>
-        <p:blipFill>
-          <a:blip r:embed="rId3"/>
-          <a:stretch>
-            <a:fillRect/>
-          </a:stretch>
-        </p:blipFill>
-        <p:spPr>
-          <a:xfrm>
-            <a:off x="162908" y="955823"/>
-            <a:ext cx="9965023" cy="5679636"/>
-          </a:xfrm>
-          <a:prstGeom prst="rect">
-            <a:avLst/>
-          </a:prstGeom>
-        </p:spPr>
-      </p:pic>
       <p:sp>
         <p:nvSpPr>
           <p:cNvPr id="7" name="Organigramme : Terminateur 6">
@@ -24702,6 +24672,36 @@
           </a:p>
         </p:txBody>
       </p:sp>
+      <p:pic>
+        <p:nvPicPr>
+          <p:cNvPr id="2" name="Image 1">
+            <a:extLst>
+              <a:ext uri="{FF2B5EF4-FFF2-40B4-BE49-F238E27FC236}">
+                <a16:creationId xmlns:a16="http://schemas.microsoft.com/office/drawing/2014/main" id="{9E7A1399-FC36-49EF-9865-C13949D38631}"/>
+              </a:ext>
+            </a:extLst>
+          </p:cNvPr>
+          <p:cNvPicPr>
+            <a:picLocks noChangeAspect="1"/>
+          </p:cNvPicPr>
+          <p:nvPr/>
+        </p:nvPicPr>
+        <p:blipFill>
+          <a:blip r:embed="rId3"/>
+          <a:stretch>
+            <a:fillRect/>
+          </a:stretch>
+        </p:blipFill>
+        <p:spPr>
+          <a:xfrm>
+            <a:off x="113970" y="776989"/>
+            <a:ext cx="9768113" cy="5946171"/>
+          </a:xfrm>
+          <a:prstGeom prst="rect">
+            <a:avLst/>
+          </a:prstGeom>
+        </p:spPr>
+      </p:pic>
     </p:spTree>
     <p:extLst>
       <p:ext uri="{BB962C8B-B14F-4D97-AF65-F5344CB8AC3E}">

--- a/Nathan/Compte-rendus/REVUE-R2-GUIGAND-SFL6.pptx
+++ b/Nathan/Compte-rendus/REVUE-R2-GUIGAND-SFL6.pptx
@@ -9062,6 +9062,13 @@
             <a:avLst/>
           </a:prstGeom>
           <a:noFill/>
+          <a:effectLst>
+            <a:outerShdw blurRad="63500" sx="102000" sy="102000" algn="ctr" rotWithShape="0">
+              <a:prstClr val="black">
+                <a:alpha val="40000"/>
+              </a:prstClr>
+            </a:outerShdw>
+          </a:effectLst>
           <a:extLst>
             <a:ext uri="{909E8E84-426E-40DD-AFC4-6F175D3DCCD1}">
               <a14:hiddenFill xmlns:a14="http://schemas.microsoft.com/office/drawing/2010/main">
@@ -10195,16 +10202,15 @@
           </p:cNvPicPr>
           <p:nvPr/>
         </p:nvPicPr>
-        <p:blipFill>
+        <p:blipFill rotWithShape="1">
           <a:blip r:embed="rId3"/>
-          <a:stretch>
-            <a:fillRect/>
-          </a:stretch>
+          <a:srcRect l="434"/>
+          <a:stretch/>
         </p:blipFill>
         <p:spPr>
           <a:xfrm>
-            <a:off x="813034" y="1241993"/>
-            <a:ext cx="8004031" cy="5297583"/>
+            <a:off x="847725" y="1241993"/>
+            <a:ext cx="7969340" cy="5297583"/>
           </a:xfrm>
           <a:prstGeom prst="rect">
             <a:avLst/>
@@ -10845,6 +10851,11 @@
             <a:r>
               <a:rPr lang="fr-FR" sz="1100" i="1" dirty="0">
                 <a:effectLst>
+                  <a:glow rad="63500">
+                    <a:schemeClr val="bg1">
+                      <a:alpha val="40000"/>
+                    </a:schemeClr>
+                  </a:glow>
                   <a:outerShdw blurRad="38100" dist="38100" dir="2700000" algn="tl">
                     <a:srgbClr val="000000">
                       <a:alpha val="43137"/>
@@ -10889,6 +10900,11 @@
             <a:r>
               <a:rPr lang="fr-FR" sz="1100" i="1" dirty="0">
                 <a:effectLst>
+                  <a:glow rad="63500">
+                    <a:schemeClr val="bg1">
+                      <a:alpha val="40000"/>
+                    </a:schemeClr>
+                  </a:glow>
                   <a:outerShdw blurRad="38100" dist="38100" dir="2700000" algn="tl">
                     <a:srgbClr val="000000">
                       <a:alpha val="43137"/>
@@ -10933,6 +10949,11 @@
             <a:r>
               <a:rPr lang="fr-FR" sz="1100" i="1" dirty="0">
                 <a:effectLst>
+                  <a:glow rad="63500">
+                    <a:schemeClr val="bg1">
+                      <a:alpha val="40000"/>
+                    </a:schemeClr>
+                  </a:glow>
                   <a:outerShdw blurRad="38100" dist="38100" dir="2700000" algn="tl">
                     <a:srgbClr val="000000">
                       <a:alpha val="43137"/>
@@ -10977,6 +10998,11 @@
             <a:r>
               <a:rPr lang="fr-FR" sz="1100" i="1" dirty="0">
                 <a:effectLst>
+                  <a:glow rad="63500">
+                    <a:schemeClr val="bg1">
+                      <a:alpha val="40000"/>
+                    </a:schemeClr>
+                  </a:glow>
                   <a:outerShdw blurRad="38100" dist="38100" dir="2700000" algn="tl">
                     <a:srgbClr val="000000">
                       <a:alpha val="43137"/>
@@ -11021,6 +11047,11 @@
             <a:r>
               <a:rPr lang="fr-FR" sz="1100" i="1" dirty="0">
                 <a:effectLst>
+                  <a:glow rad="63500">
+                    <a:schemeClr val="bg1">
+                      <a:alpha val="40000"/>
+                    </a:schemeClr>
+                  </a:glow>
                   <a:outerShdw blurRad="38100" dist="38100" dir="2700000" algn="tl">
                     <a:srgbClr val="000000">
                       <a:alpha val="43137"/>
@@ -11065,6 +11096,11 @@
             <a:r>
               <a:rPr lang="fr-FR" sz="1100" i="1" dirty="0">
                 <a:effectLst>
+                  <a:glow rad="63500">
+                    <a:schemeClr val="bg1">
+                      <a:alpha val="40000"/>
+                    </a:schemeClr>
+                  </a:glow>
                   <a:outerShdw blurRad="38100" dist="38100" dir="2700000" algn="tl">
                     <a:srgbClr val="000000">
                       <a:alpha val="43137"/>
@@ -11109,6 +11145,11 @@
             <a:r>
               <a:rPr lang="fr-FR" sz="1100" i="1" dirty="0">
                 <a:effectLst>
+                  <a:glow rad="63500">
+                    <a:schemeClr val="bg1">
+                      <a:alpha val="40000"/>
+                    </a:schemeClr>
+                  </a:glow>
                   <a:outerShdw blurRad="38100" dist="38100" dir="2700000" algn="tl">
                     <a:srgbClr val="000000">
                       <a:alpha val="43137"/>
@@ -11153,6 +11194,11 @@
             <a:r>
               <a:rPr lang="fr-FR" sz="1100" i="1" dirty="0">
                 <a:effectLst>
+                  <a:glow rad="63500">
+                    <a:schemeClr val="bg1">
+                      <a:alpha val="40000"/>
+                    </a:schemeClr>
+                  </a:glow>
                   <a:outerShdw blurRad="38100" dist="38100" dir="2700000" algn="tl">
                     <a:srgbClr val="000000">
                       <a:alpha val="43137"/>
@@ -11197,6 +11243,11 @@
             <a:r>
               <a:rPr lang="fr-FR" sz="1100" i="1" dirty="0">
                 <a:effectLst>
+                  <a:glow rad="63500">
+                    <a:schemeClr val="bg1">
+                      <a:alpha val="40000"/>
+                    </a:schemeClr>
+                  </a:glow>
                   <a:outerShdw blurRad="38100" dist="38100" dir="2700000" algn="tl">
                     <a:srgbClr val="000000">
                       <a:alpha val="43137"/>
@@ -11241,6 +11292,11 @@
             <a:r>
               <a:rPr lang="fr-FR" sz="1100" i="1" dirty="0">
                 <a:effectLst>
+                  <a:glow rad="63500">
+                    <a:schemeClr val="bg1">
+                      <a:alpha val="40000"/>
+                    </a:schemeClr>
+                  </a:glow>
                   <a:outerShdw blurRad="38100" dist="38100" dir="2700000" algn="tl">
                     <a:srgbClr val="000000">
                       <a:alpha val="43137"/>
@@ -11285,6 +11341,11 @@
             <a:r>
               <a:rPr lang="fr-FR" sz="1100" i="1" dirty="0">
                 <a:effectLst>
+                  <a:glow rad="63500">
+                    <a:schemeClr val="bg1">
+                      <a:alpha val="40000"/>
+                    </a:schemeClr>
+                  </a:glow>
                   <a:outerShdw blurRad="38100" dist="38100" dir="2700000" algn="tl">
                     <a:srgbClr val="000000">
                       <a:alpha val="43137"/>
@@ -11329,6 +11390,11 @@
             <a:r>
               <a:rPr lang="fr-FR" sz="1100" i="1" dirty="0">
                 <a:effectLst>
+                  <a:glow rad="63500">
+                    <a:schemeClr val="bg1">
+                      <a:alpha val="40000"/>
+                    </a:schemeClr>
+                  </a:glow>
                   <a:outerShdw blurRad="38100" dist="38100" dir="2700000" algn="tl">
                     <a:srgbClr val="000000">
                       <a:alpha val="43137"/>
@@ -11373,6 +11439,11 @@
             <a:r>
               <a:rPr lang="fr-FR" sz="1100" i="1" dirty="0">
                 <a:effectLst>
+                  <a:glow rad="63500">
+                    <a:schemeClr val="bg1">
+                      <a:alpha val="40000"/>
+                    </a:schemeClr>
+                  </a:glow>
                   <a:outerShdw blurRad="38100" dist="38100" dir="2700000" algn="tl">
                     <a:srgbClr val="000000">
                       <a:alpha val="43137"/>
@@ -11417,6 +11488,11 @@
             <a:r>
               <a:rPr lang="fr-FR" sz="1100" i="1" dirty="0">
                 <a:effectLst>
+                  <a:glow rad="63500">
+                    <a:schemeClr val="bg1">
+                      <a:alpha val="40000"/>
+                    </a:schemeClr>
+                  </a:glow>
                   <a:outerShdw blurRad="38100" dist="38100" dir="2700000" algn="tl">
                     <a:srgbClr val="000000">
                       <a:alpha val="43137"/>
@@ -11461,6 +11537,11 @@
             <a:r>
               <a:rPr lang="fr-FR" sz="1100" i="1" dirty="0">
                 <a:effectLst>
+                  <a:glow rad="63500">
+                    <a:schemeClr val="bg1">
+                      <a:alpha val="40000"/>
+                    </a:schemeClr>
+                  </a:glow>
                   <a:outerShdw blurRad="38100" dist="38100" dir="2700000" algn="tl">
                     <a:srgbClr val="000000">
                       <a:alpha val="43137"/>
@@ -11505,6 +11586,11 @@
             <a:r>
               <a:rPr lang="fr-FR" sz="1100" i="1" dirty="0">
                 <a:effectLst>
+                  <a:glow rad="63500">
+                    <a:schemeClr val="bg1">
+                      <a:alpha val="40000"/>
+                    </a:schemeClr>
+                  </a:glow>
                   <a:outerShdw blurRad="38100" dist="38100" dir="2700000" algn="tl">
                     <a:srgbClr val="000000">
                       <a:alpha val="43137"/>
@@ -11549,6 +11635,11 @@
             <a:r>
               <a:rPr lang="fr-FR" sz="1100" i="1" dirty="0">
                 <a:effectLst>
+                  <a:glow rad="63500">
+                    <a:schemeClr val="bg1">
+                      <a:alpha val="40000"/>
+                    </a:schemeClr>
+                  </a:glow>
                   <a:outerShdw blurRad="38100" dist="38100" dir="2700000" algn="tl">
                     <a:srgbClr val="000000">
                       <a:alpha val="43137"/>
@@ -11593,6 +11684,11 @@
             <a:r>
               <a:rPr lang="fr-FR" sz="1100" i="1" dirty="0">
                 <a:effectLst>
+                  <a:glow rad="63500">
+                    <a:schemeClr val="bg1">
+                      <a:alpha val="40000"/>
+                    </a:schemeClr>
+                  </a:glow>
                   <a:outerShdw blurRad="38100" dist="38100" dir="2700000" algn="tl">
                     <a:srgbClr val="000000">
                       <a:alpha val="43137"/>
@@ -12316,16 +12412,15 @@
           </p:cNvPicPr>
           <p:nvPr/>
         </p:nvPicPr>
-        <p:blipFill>
+        <p:blipFill rotWithShape="1">
           <a:blip r:embed="rId3"/>
-          <a:stretch>
-            <a:fillRect/>
-          </a:stretch>
+          <a:srcRect l="1335" t="1124"/>
+          <a:stretch/>
         </p:blipFill>
         <p:spPr>
           <a:xfrm>
-            <a:off x="1037026" y="1817649"/>
-            <a:ext cx="3834770" cy="3958683"/>
+            <a:off x="1088230" y="1862138"/>
+            <a:ext cx="3783565" cy="3914194"/>
           </a:xfrm>
           <a:prstGeom prst="rect">
             <a:avLst/>
@@ -13006,6 +13101,11 @@
             <a:r>
               <a:rPr lang="fr-FR" sz="1100" i="1" dirty="0">
                 <a:effectLst>
+                  <a:glow rad="63500">
+                    <a:schemeClr val="bg1">
+                      <a:alpha val="40000"/>
+                    </a:schemeClr>
+                  </a:glow>
                   <a:outerShdw blurRad="38100" dist="38100" dir="2700000" algn="tl">
                     <a:srgbClr val="000000">
                       <a:alpha val="43137"/>
@@ -13050,6 +13150,11 @@
             <a:r>
               <a:rPr lang="fr-FR" sz="1100" i="1" dirty="0">
                 <a:effectLst>
+                  <a:glow rad="63500">
+                    <a:schemeClr val="bg1">
+                      <a:alpha val="40000"/>
+                    </a:schemeClr>
+                  </a:glow>
                   <a:outerShdw blurRad="38100" dist="38100" dir="2700000" algn="tl">
                     <a:srgbClr val="000000">
                       <a:alpha val="43137"/>
@@ -13094,6 +13199,11 @@
             <a:r>
               <a:rPr lang="fr-FR" sz="1100" i="1" dirty="0">
                 <a:effectLst>
+                  <a:glow rad="63500">
+                    <a:schemeClr val="bg1">
+                      <a:alpha val="40000"/>
+                    </a:schemeClr>
+                  </a:glow>
                   <a:outerShdw blurRad="38100" dist="38100" dir="2700000" algn="tl">
                     <a:srgbClr val="000000">
                       <a:alpha val="43137"/>
@@ -13138,6 +13248,11 @@
             <a:r>
               <a:rPr lang="fr-FR" sz="1100" i="1" dirty="0">
                 <a:effectLst>
+                  <a:glow rad="63500">
+                    <a:schemeClr val="bg1">
+                      <a:alpha val="40000"/>
+                    </a:schemeClr>
+                  </a:glow>
                   <a:outerShdw blurRad="38100" dist="38100" dir="2700000" algn="tl">
                     <a:srgbClr val="000000">
                       <a:alpha val="43137"/>
@@ -13182,6 +13297,11 @@
             <a:r>
               <a:rPr lang="fr-FR" sz="1100" i="1" dirty="0">
                 <a:effectLst>
+                  <a:glow rad="63500">
+                    <a:schemeClr val="bg1">
+                      <a:alpha val="40000"/>
+                    </a:schemeClr>
+                  </a:glow>
                   <a:outerShdw blurRad="38100" dist="38100" dir="2700000" algn="tl">
                     <a:srgbClr val="000000">
                       <a:alpha val="43137"/>
@@ -13226,6 +13346,11 @@
             <a:r>
               <a:rPr lang="fr-FR" sz="1100" i="1" dirty="0">
                 <a:effectLst>
+                  <a:glow rad="63500">
+                    <a:schemeClr val="bg1">
+                      <a:alpha val="40000"/>
+                    </a:schemeClr>
+                  </a:glow>
                   <a:outerShdw blurRad="38100" dist="38100" dir="2700000" algn="tl">
                     <a:srgbClr val="000000">
                       <a:alpha val="43137"/>
@@ -13270,6 +13395,11 @@
             <a:r>
               <a:rPr lang="fr-FR" sz="1100" i="1" dirty="0">
                 <a:effectLst>
+                  <a:glow rad="63500">
+                    <a:schemeClr val="bg1">
+                      <a:alpha val="40000"/>
+                    </a:schemeClr>
+                  </a:glow>
                   <a:outerShdw blurRad="38100" dist="38100" dir="2700000" algn="tl">
                     <a:srgbClr val="000000">
                       <a:alpha val="43137"/>
@@ -13314,6 +13444,11 @@
             <a:r>
               <a:rPr lang="fr-FR" sz="1100" i="1" dirty="0">
                 <a:effectLst>
+                  <a:glow rad="63500">
+                    <a:schemeClr val="bg1">
+                      <a:alpha val="40000"/>
+                    </a:schemeClr>
+                  </a:glow>
                   <a:outerShdw blurRad="38100" dist="38100" dir="2700000" algn="tl">
                     <a:srgbClr val="000000">
                       <a:alpha val="43137"/>
@@ -13358,6 +13493,11 @@
             <a:r>
               <a:rPr lang="fr-FR" sz="1100" i="1" dirty="0">
                 <a:effectLst>
+                  <a:glow rad="63500">
+                    <a:schemeClr val="bg1">
+                      <a:alpha val="40000"/>
+                    </a:schemeClr>
+                  </a:glow>
                   <a:outerShdw blurRad="38100" dist="38100" dir="2700000" algn="tl">
                     <a:srgbClr val="000000">
                       <a:alpha val="43137"/>
@@ -13402,6 +13542,11 @@
             <a:r>
               <a:rPr lang="fr-FR" sz="1100" i="1" dirty="0">
                 <a:effectLst>
+                  <a:glow rad="63500">
+                    <a:schemeClr val="bg1">
+                      <a:alpha val="40000"/>
+                    </a:schemeClr>
+                  </a:glow>
                   <a:outerShdw blurRad="38100" dist="38100" dir="2700000" algn="tl">
                     <a:srgbClr val="000000">
                       <a:alpha val="43137"/>
@@ -13446,6 +13591,11 @@
             <a:r>
               <a:rPr lang="fr-FR" sz="1100" i="1" dirty="0">
                 <a:effectLst>
+                  <a:glow rad="63500">
+                    <a:schemeClr val="bg1">
+                      <a:alpha val="40000"/>
+                    </a:schemeClr>
+                  </a:glow>
                   <a:outerShdw blurRad="38100" dist="38100" dir="2700000" algn="tl">
                     <a:srgbClr val="000000">
                       <a:alpha val="43137"/>
@@ -13490,6 +13640,11 @@
             <a:r>
               <a:rPr lang="fr-FR" sz="1100" i="1" dirty="0">
                 <a:effectLst>
+                  <a:glow rad="63500">
+                    <a:schemeClr val="bg1">
+                      <a:alpha val="40000"/>
+                    </a:schemeClr>
+                  </a:glow>
                   <a:outerShdw blurRad="38100" dist="38100" dir="2700000" algn="tl">
                     <a:srgbClr val="000000">
                       <a:alpha val="43137"/>
@@ -13534,6 +13689,11 @@
             <a:r>
               <a:rPr lang="fr-FR" sz="1100" i="1" dirty="0">
                 <a:effectLst>
+                  <a:glow rad="63500">
+                    <a:schemeClr val="bg1">
+                      <a:alpha val="40000"/>
+                    </a:schemeClr>
+                  </a:glow>
                   <a:outerShdw blurRad="38100" dist="38100" dir="2700000" algn="tl">
                     <a:srgbClr val="000000">
                       <a:alpha val="43137"/>
@@ -13578,6 +13738,11 @@
             <a:r>
               <a:rPr lang="fr-FR" sz="1100" i="1" dirty="0">
                 <a:effectLst>
+                  <a:glow rad="63500">
+                    <a:schemeClr val="bg1">
+                      <a:alpha val="40000"/>
+                    </a:schemeClr>
+                  </a:glow>
                   <a:outerShdw blurRad="38100" dist="38100" dir="2700000" algn="tl">
                     <a:srgbClr val="000000">
                       <a:alpha val="43137"/>
@@ -13622,6 +13787,11 @@
             <a:r>
               <a:rPr lang="fr-FR" sz="1100" i="1" dirty="0">
                 <a:effectLst>
+                  <a:glow rad="63500">
+                    <a:schemeClr val="bg1">
+                      <a:alpha val="40000"/>
+                    </a:schemeClr>
+                  </a:glow>
                   <a:outerShdw blurRad="38100" dist="38100" dir="2700000" algn="tl">
                     <a:srgbClr val="000000">
                       <a:alpha val="43137"/>
@@ -13666,6 +13836,11 @@
             <a:r>
               <a:rPr lang="fr-FR" sz="1100" i="1" dirty="0">
                 <a:effectLst>
+                  <a:glow rad="63500">
+                    <a:schemeClr val="bg1">
+                      <a:alpha val="40000"/>
+                    </a:schemeClr>
+                  </a:glow>
                   <a:outerShdw blurRad="38100" dist="38100" dir="2700000" algn="tl">
                     <a:srgbClr val="000000">
                       <a:alpha val="43137"/>
@@ -13710,6 +13885,11 @@
             <a:r>
               <a:rPr lang="fr-FR" sz="1100" i="1" dirty="0">
                 <a:effectLst>
+                  <a:glow rad="63500">
+                    <a:schemeClr val="bg1">
+                      <a:alpha val="40000"/>
+                    </a:schemeClr>
+                  </a:glow>
                   <a:outerShdw blurRad="38100" dist="38100" dir="2700000" algn="tl">
                     <a:srgbClr val="000000">
                       <a:alpha val="43137"/>
@@ -13754,6 +13934,11 @@
             <a:r>
               <a:rPr lang="fr-FR" sz="1100" i="1" dirty="0">
                 <a:effectLst>
+                  <a:glow rad="63500">
+                    <a:schemeClr val="bg1">
+                      <a:alpha val="40000"/>
+                    </a:schemeClr>
+                  </a:glow>
                   <a:outerShdw blurRad="38100" dist="38100" dir="2700000" algn="tl">
                     <a:srgbClr val="000000">
                       <a:alpha val="43137"/>
@@ -14513,7 +14698,15 @@
           <a:lstStyle/>
           <a:p>
             <a:pPr algn="ctr"/>
-            <a:endParaRPr lang="fr-FR" dirty="0"/>
+            <a:endParaRPr lang="fr-FR" dirty="0">
+              <a:effectLst>
+                <a:glow rad="63500">
+                  <a:schemeClr val="bg1">
+                    <a:alpha val="40000"/>
+                  </a:schemeClr>
+                </a:glow>
+              </a:effectLst>
+            </a:endParaRPr>
           </a:p>
         </p:txBody>
       </p:sp>
@@ -14567,7 +14760,15 @@
           <a:lstStyle/>
           <a:p>
             <a:pPr algn="ctr"/>
-            <a:endParaRPr lang="fr-FR" dirty="0"/>
+            <a:endParaRPr lang="fr-FR" dirty="0">
+              <a:effectLst>
+                <a:glow rad="63500">
+                  <a:schemeClr val="bg1">
+                    <a:alpha val="40000"/>
+                  </a:schemeClr>
+                </a:glow>
+              </a:effectLst>
+            </a:endParaRPr>
           </a:p>
         </p:txBody>
       </p:sp>
@@ -14621,7 +14822,15 @@
           <a:lstStyle/>
           <a:p>
             <a:pPr algn="ctr"/>
-            <a:endParaRPr lang="fr-FR" dirty="0"/>
+            <a:endParaRPr lang="fr-FR" dirty="0">
+              <a:effectLst>
+                <a:glow rad="63500">
+                  <a:schemeClr val="bg1">
+                    <a:alpha val="40000"/>
+                  </a:schemeClr>
+                </a:glow>
+              </a:effectLst>
+            </a:endParaRPr>
           </a:p>
         </p:txBody>
       </p:sp>
@@ -14675,7 +14884,15 @@
           <a:lstStyle/>
           <a:p>
             <a:pPr algn="ctr"/>
-            <a:endParaRPr lang="fr-FR" dirty="0"/>
+            <a:endParaRPr lang="fr-FR" dirty="0">
+              <a:effectLst>
+                <a:glow rad="63500">
+                  <a:schemeClr val="bg1">
+                    <a:alpha val="40000"/>
+                  </a:schemeClr>
+                </a:glow>
+              </a:effectLst>
+            </a:endParaRPr>
           </a:p>
         </p:txBody>
       </p:sp>
@@ -14729,7 +14946,15 @@
           <a:lstStyle/>
           <a:p>
             <a:pPr algn="ctr"/>
-            <a:endParaRPr lang="fr-FR" dirty="0"/>
+            <a:endParaRPr lang="fr-FR" dirty="0">
+              <a:effectLst>
+                <a:glow rad="63500">
+                  <a:schemeClr val="bg1">
+                    <a:alpha val="40000"/>
+                  </a:schemeClr>
+                </a:glow>
+              </a:effectLst>
+            </a:endParaRPr>
           </a:p>
         </p:txBody>
       </p:sp>
@@ -14783,7 +15008,15 @@
           <a:lstStyle/>
           <a:p>
             <a:pPr algn="ctr"/>
-            <a:endParaRPr lang="fr-FR" dirty="0"/>
+            <a:endParaRPr lang="fr-FR" dirty="0">
+              <a:effectLst>
+                <a:glow rad="63500">
+                  <a:schemeClr val="bg1">
+                    <a:alpha val="40000"/>
+                  </a:schemeClr>
+                </a:glow>
+              </a:effectLst>
+            </a:endParaRPr>
           </a:p>
         </p:txBody>
       </p:sp>
@@ -14837,7 +15070,15 @@
           <a:lstStyle/>
           <a:p>
             <a:pPr algn="ctr"/>
-            <a:endParaRPr lang="fr-FR" dirty="0"/>
+            <a:endParaRPr lang="fr-FR" dirty="0">
+              <a:effectLst>
+                <a:glow rad="63500">
+                  <a:schemeClr val="bg1">
+                    <a:alpha val="40000"/>
+                  </a:schemeClr>
+                </a:glow>
+              </a:effectLst>
+            </a:endParaRPr>
           </a:p>
         </p:txBody>
       </p:sp>
@@ -14891,7 +15132,15 @@
           <a:lstStyle/>
           <a:p>
             <a:pPr algn="ctr"/>
-            <a:endParaRPr lang="fr-FR" dirty="0"/>
+            <a:endParaRPr lang="fr-FR" dirty="0">
+              <a:effectLst>
+                <a:glow rad="63500">
+                  <a:schemeClr val="bg1">
+                    <a:alpha val="40000"/>
+                  </a:schemeClr>
+                </a:glow>
+              </a:effectLst>
+            </a:endParaRPr>
           </a:p>
         </p:txBody>
       </p:sp>
@@ -14945,7 +15194,15 @@
           <a:lstStyle/>
           <a:p>
             <a:pPr algn="ctr"/>
-            <a:endParaRPr lang="fr-FR" dirty="0"/>
+            <a:endParaRPr lang="fr-FR" dirty="0">
+              <a:effectLst>
+                <a:glow rad="63500">
+                  <a:schemeClr val="bg1">
+                    <a:alpha val="40000"/>
+                  </a:schemeClr>
+                </a:glow>
+              </a:effectLst>
+            </a:endParaRPr>
           </a:p>
         </p:txBody>
       </p:sp>
@@ -15051,7 +15308,15 @@
           <a:lstStyle/>
           <a:p>
             <a:pPr algn="ctr"/>
-            <a:endParaRPr lang="fr-FR"/>
+            <a:endParaRPr lang="fr-FR">
+              <a:effectLst>
+                <a:glow rad="63500">
+                  <a:schemeClr val="bg1">
+                    <a:alpha val="40000"/>
+                  </a:schemeClr>
+                </a:glow>
+              </a:effectLst>
+            </a:endParaRPr>
           </a:p>
         </p:txBody>
       </p:sp>
@@ -15087,6 +15352,11 @@
             <a:r>
               <a:rPr lang="fr-FR" sz="1100" i="1" dirty="0">
                 <a:effectLst>
+                  <a:glow rad="63500">
+                    <a:schemeClr val="bg1">
+                      <a:alpha val="40000"/>
+                    </a:schemeClr>
+                  </a:glow>
                   <a:outerShdw blurRad="38100" dist="38100" dir="2700000" algn="tl">
                     <a:srgbClr val="000000">
                       <a:alpha val="43137"/>
@@ -15131,6 +15401,11 @@
             <a:r>
               <a:rPr lang="fr-FR" sz="1100" i="1" dirty="0">
                 <a:effectLst>
+                  <a:glow rad="63500">
+                    <a:schemeClr val="bg1">
+                      <a:alpha val="40000"/>
+                    </a:schemeClr>
+                  </a:glow>
                   <a:outerShdw blurRad="38100" dist="38100" dir="2700000" algn="tl">
                     <a:srgbClr val="000000">
                       <a:alpha val="43137"/>
@@ -15175,6 +15450,11 @@
             <a:r>
               <a:rPr lang="fr-FR" sz="1100" i="1" dirty="0">
                 <a:effectLst>
+                  <a:glow rad="63500">
+                    <a:schemeClr val="bg1">
+                      <a:alpha val="40000"/>
+                    </a:schemeClr>
+                  </a:glow>
                   <a:outerShdw blurRad="38100" dist="38100" dir="2700000" algn="tl">
                     <a:srgbClr val="000000">
                       <a:alpha val="43137"/>
@@ -15219,6 +15499,11 @@
             <a:r>
               <a:rPr lang="fr-FR" sz="1100" i="1" dirty="0">
                 <a:effectLst>
+                  <a:glow rad="63500">
+                    <a:schemeClr val="bg1">
+                      <a:alpha val="40000"/>
+                    </a:schemeClr>
+                  </a:glow>
                   <a:outerShdw blurRad="38100" dist="38100" dir="2700000" algn="tl">
                     <a:srgbClr val="000000">
                       <a:alpha val="43137"/>
@@ -15263,6 +15548,11 @@
             <a:r>
               <a:rPr lang="fr-FR" sz="1100" i="1" dirty="0">
                 <a:effectLst>
+                  <a:glow rad="63500">
+                    <a:schemeClr val="bg1">
+                      <a:alpha val="40000"/>
+                    </a:schemeClr>
+                  </a:glow>
                   <a:outerShdw blurRad="38100" dist="38100" dir="2700000" algn="tl">
                     <a:srgbClr val="000000">
                       <a:alpha val="43137"/>
@@ -15307,6 +15597,11 @@
             <a:r>
               <a:rPr lang="fr-FR" sz="1100" i="1" dirty="0">
                 <a:effectLst>
+                  <a:glow rad="63500">
+                    <a:schemeClr val="bg1">
+                      <a:alpha val="40000"/>
+                    </a:schemeClr>
+                  </a:glow>
                   <a:outerShdw blurRad="38100" dist="38100" dir="2700000" algn="tl">
                     <a:srgbClr val="000000">
                       <a:alpha val="43137"/>
@@ -15351,6 +15646,11 @@
             <a:r>
               <a:rPr lang="fr-FR" sz="1100" i="1" dirty="0">
                 <a:effectLst>
+                  <a:glow rad="63500">
+                    <a:schemeClr val="bg1">
+                      <a:alpha val="40000"/>
+                    </a:schemeClr>
+                  </a:glow>
                   <a:outerShdw blurRad="38100" dist="38100" dir="2700000" algn="tl">
                     <a:srgbClr val="000000">
                       <a:alpha val="43137"/>
@@ -15395,6 +15695,11 @@
             <a:r>
               <a:rPr lang="fr-FR" sz="1100" i="1" dirty="0">
                 <a:effectLst>
+                  <a:glow rad="63500">
+                    <a:schemeClr val="bg1">
+                      <a:alpha val="40000"/>
+                    </a:schemeClr>
+                  </a:glow>
                   <a:outerShdw blurRad="38100" dist="38100" dir="2700000" algn="tl">
                     <a:srgbClr val="000000">
                       <a:alpha val="43137"/>
@@ -15439,6 +15744,11 @@
             <a:r>
               <a:rPr lang="fr-FR" sz="1100" i="1" dirty="0">
                 <a:effectLst>
+                  <a:glow rad="63500">
+                    <a:schemeClr val="bg1">
+                      <a:alpha val="40000"/>
+                    </a:schemeClr>
+                  </a:glow>
                   <a:outerShdw blurRad="38100" dist="38100" dir="2700000" algn="tl">
                     <a:srgbClr val="000000">
                       <a:alpha val="43137"/>
@@ -15483,6 +15793,11 @@
             <a:r>
               <a:rPr lang="fr-FR" sz="1100" i="1" dirty="0">
                 <a:effectLst>
+                  <a:glow rad="63500">
+                    <a:schemeClr val="bg1">
+                      <a:alpha val="40000"/>
+                    </a:schemeClr>
+                  </a:glow>
                   <a:outerShdw blurRad="38100" dist="38100" dir="2700000" algn="tl">
                     <a:srgbClr val="000000">
                       <a:alpha val="43137"/>
@@ -15527,6 +15842,11 @@
             <a:r>
               <a:rPr lang="fr-FR" sz="1100" i="1" dirty="0">
                 <a:effectLst>
+                  <a:glow rad="63500">
+                    <a:schemeClr val="bg1">
+                      <a:alpha val="40000"/>
+                    </a:schemeClr>
+                  </a:glow>
                   <a:outerShdw blurRad="38100" dist="38100" dir="2700000" algn="tl">
                     <a:srgbClr val="000000">
                       <a:alpha val="43137"/>
@@ -15571,6 +15891,11 @@
             <a:r>
               <a:rPr lang="fr-FR" sz="1100" i="1" dirty="0">
                 <a:effectLst>
+                  <a:glow rad="63500">
+                    <a:schemeClr val="bg1">
+                      <a:alpha val="40000"/>
+                    </a:schemeClr>
+                  </a:glow>
                   <a:outerShdw blurRad="38100" dist="38100" dir="2700000" algn="tl">
                     <a:srgbClr val="000000">
                       <a:alpha val="43137"/>
@@ -15615,6 +15940,11 @@
             <a:r>
               <a:rPr lang="fr-FR" sz="1100" i="1" dirty="0">
                 <a:effectLst>
+                  <a:glow rad="63500">
+                    <a:schemeClr val="bg1">
+                      <a:alpha val="40000"/>
+                    </a:schemeClr>
+                  </a:glow>
                   <a:outerShdw blurRad="38100" dist="38100" dir="2700000" algn="tl">
                     <a:srgbClr val="000000">
                       <a:alpha val="43137"/>
@@ -15659,6 +15989,11 @@
             <a:r>
               <a:rPr lang="fr-FR" sz="1100" i="1" dirty="0">
                 <a:effectLst>
+                  <a:glow rad="63500">
+                    <a:schemeClr val="bg1">
+                      <a:alpha val="40000"/>
+                    </a:schemeClr>
+                  </a:glow>
                   <a:outerShdw blurRad="38100" dist="38100" dir="2700000" algn="tl">
                     <a:srgbClr val="000000">
                       <a:alpha val="43137"/>
@@ -15703,6 +16038,11 @@
             <a:r>
               <a:rPr lang="fr-FR" sz="1100" i="1" dirty="0">
                 <a:effectLst>
+                  <a:glow rad="63500">
+                    <a:schemeClr val="bg1">
+                      <a:alpha val="40000"/>
+                    </a:schemeClr>
+                  </a:glow>
                   <a:outerShdw blurRad="38100" dist="38100" dir="2700000" algn="tl">
                     <a:srgbClr val="000000">
                       <a:alpha val="43137"/>
@@ -15747,6 +16087,11 @@
             <a:r>
               <a:rPr lang="fr-FR" sz="1100" i="1" dirty="0">
                 <a:effectLst>
+                  <a:glow rad="63500">
+                    <a:schemeClr val="bg1">
+                      <a:alpha val="40000"/>
+                    </a:schemeClr>
+                  </a:glow>
                   <a:outerShdw blurRad="38100" dist="38100" dir="2700000" algn="tl">
                     <a:srgbClr val="000000">
                       <a:alpha val="43137"/>
@@ -15791,6 +16136,11 @@
             <a:r>
               <a:rPr lang="fr-FR" sz="1100" i="1" dirty="0">
                 <a:effectLst>
+                  <a:glow rad="63500">
+                    <a:schemeClr val="bg1">
+                      <a:alpha val="40000"/>
+                    </a:schemeClr>
+                  </a:glow>
                   <a:outerShdw blurRad="38100" dist="38100" dir="2700000" algn="tl">
                     <a:srgbClr val="000000">
                       <a:alpha val="43137"/>
@@ -15835,6 +16185,11 @@
             <a:r>
               <a:rPr lang="fr-FR" sz="1100" i="1" dirty="0">
                 <a:effectLst>
+                  <a:glow rad="63500">
+                    <a:schemeClr val="bg1">
+                      <a:alpha val="40000"/>
+                    </a:schemeClr>
+                  </a:glow>
                   <a:outerShdw blurRad="38100" dist="38100" dir="2700000" algn="tl">
                     <a:srgbClr val="000000">
                       <a:alpha val="43137"/>
@@ -15895,7 +16250,15 @@
           <a:lstStyle/>
           <a:p>
             <a:pPr algn="ctr"/>
-            <a:endParaRPr lang="fr-FR"/>
+            <a:endParaRPr lang="fr-FR">
+              <a:effectLst>
+                <a:glow rad="63500">
+                  <a:schemeClr val="bg1">
+                    <a:alpha val="40000"/>
+                  </a:schemeClr>
+                </a:glow>
+              </a:effectLst>
+            </a:endParaRPr>
           </a:p>
         </p:txBody>
       </p:sp>
@@ -16624,7 +16987,15 @@
           <a:lstStyle/>
           <a:p>
             <a:pPr algn="ctr"/>
-            <a:endParaRPr lang="fr-FR" dirty="0"/>
+            <a:endParaRPr lang="fr-FR" dirty="0">
+              <a:effectLst>
+                <a:glow rad="63500">
+                  <a:schemeClr val="bg1">
+                    <a:alpha val="40000"/>
+                  </a:schemeClr>
+                </a:glow>
+              </a:effectLst>
+            </a:endParaRPr>
           </a:p>
         </p:txBody>
       </p:sp>
@@ -16678,7 +17049,15 @@
           <a:lstStyle/>
           <a:p>
             <a:pPr algn="ctr"/>
-            <a:endParaRPr lang="fr-FR" dirty="0"/>
+            <a:endParaRPr lang="fr-FR" dirty="0">
+              <a:effectLst>
+                <a:glow rad="63500">
+                  <a:schemeClr val="bg1">
+                    <a:alpha val="40000"/>
+                  </a:schemeClr>
+                </a:glow>
+              </a:effectLst>
+            </a:endParaRPr>
           </a:p>
         </p:txBody>
       </p:sp>
@@ -16732,7 +17111,15 @@
           <a:lstStyle/>
           <a:p>
             <a:pPr algn="ctr"/>
-            <a:endParaRPr lang="fr-FR" dirty="0"/>
+            <a:endParaRPr lang="fr-FR" dirty="0">
+              <a:effectLst>
+                <a:glow rad="63500">
+                  <a:schemeClr val="bg1">
+                    <a:alpha val="40000"/>
+                  </a:schemeClr>
+                </a:glow>
+              </a:effectLst>
+            </a:endParaRPr>
           </a:p>
         </p:txBody>
       </p:sp>
@@ -16786,7 +17173,15 @@
           <a:lstStyle/>
           <a:p>
             <a:pPr algn="ctr"/>
-            <a:endParaRPr lang="fr-FR" dirty="0"/>
+            <a:endParaRPr lang="fr-FR" dirty="0">
+              <a:effectLst>
+                <a:glow rad="63500">
+                  <a:schemeClr val="bg1">
+                    <a:alpha val="40000"/>
+                  </a:schemeClr>
+                </a:glow>
+              </a:effectLst>
+            </a:endParaRPr>
           </a:p>
         </p:txBody>
       </p:sp>
@@ -16840,7 +17235,15 @@
           <a:lstStyle/>
           <a:p>
             <a:pPr algn="ctr"/>
-            <a:endParaRPr lang="fr-FR" dirty="0"/>
+            <a:endParaRPr lang="fr-FR" dirty="0">
+              <a:effectLst>
+                <a:glow rad="63500">
+                  <a:schemeClr val="bg1">
+                    <a:alpha val="40000"/>
+                  </a:schemeClr>
+                </a:glow>
+              </a:effectLst>
+            </a:endParaRPr>
           </a:p>
         </p:txBody>
       </p:sp>
@@ -16894,7 +17297,15 @@
           <a:lstStyle/>
           <a:p>
             <a:pPr algn="ctr"/>
-            <a:endParaRPr lang="fr-FR" dirty="0"/>
+            <a:endParaRPr lang="fr-FR" dirty="0">
+              <a:effectLst>
+                <a:glow rad="63500">
+                  <a:schemeClr val="bg1">
+                    <a:alpha val="40000"/>
+                  </a:schemeClr>
+                </a:glow>
+              </a:effectLst>
+            </a:endParaRPr>
           </a:p>
         </p:txBody>
       </p:sp>
@@ -16948,7 +17359,15 @@
           <a:lstStyle/>
           <a:p>
             <a:pPr algn="ctr"/>
-            <a:endParaRPr lang="fr-FR" dirty="0"/>
+            <a:endParaRPr lang="fr-FR" dirty="0">
+              <a:effectLst>
+                <a:glow rad="63500">
+                  <a:schemeClr val="bg1">
+                    <a:alpha val="40000"/>
+                  </a:schemeClr>
+                </a:glow>
+              </a:effectLst>
+            </a:endParaRPr>
           </a:p>
         </p:txBody>
       </p:sp>
@@ -17002,7 +17421,15 @@
           <a:lstStyle/>
           <a:p>
             <a:pPr algn="ctr"/>
-            <a:endParaRPr lang="fr-FR" dirty="0"/>
+            <a:endParaRPr lang="fr-FR" dirty="0">
+              <a:effectLst>
+                <a:glow rad="63500">
+                  <a:schemeClr val="bg1">
+                    <a:alpha val="40000"/>
+                  </a:schemeClr>
+                </a:glow>
+              </a:effectLst>
+            </a:endParaRPr>
           </a:p>
         </p:txBody>
       </p:sp>
@@ -17056,7 +17483,15 @@
           <a:lstStyle/>
           <a:p>
             <a:pPr algn="ctr"/>
-            <a:endParaRPr lang="fr-FR" dirty="0"/>
+            <a:endParaRPr lang="fr-FR" dirty="0">
+              <a:effectLst>
+                <a:glow rad="63500">
+                  <a:schemeClr val="bg1">
+                    <a:alpha val="40000"/>
+                  </a:schemeClr>
+                </a:glow>
+              </a:effectLst>
+            </a:endParaRPr>
           </a:p>
         </p:txBody>
       </p:sp>
@@ -17162,7 +17597,15 @@
           <a:lstStyle/>
           <a:p>
             <a:pPr algn="ctr"/>
-            <a:endParaRPr lang="fr-FR"/>
+            <a:endParaRPr lang="fr-FR">
+              <a:effectLst>
+                <a:glow rad="63500">
+                  <a:schemeClr val="bg1">
+                    <a:alpha val="40000"/>
+                  </a:schemeClr>
+                </a:glow>
+              </a:effectLst>
+            </a:endParaRPr>
           </a:p>
         </p:txBody>
       </p:sp>
@@ -17198,6 +17641,11 @@
             <a:r>
               <a:rPr lang="fr-FR" sz="1100" i="1" dirty="0">
                 <a:effectLst>
+                  <a:glow rad="63500">
+                    <a:schemeClr val="bg1">
+                      <a:alpha val="40000"/>
+                    </a:schemeClr>
+                  </a:glow>
                   <a:outerShdw blurRad="38100" dist="38100" dir="2700000" algn="tl">
                     <a:srgbClr val="000000">
                       <a:alpha val="43137"/>
@@ -17242,6 +17690,11 @@
             <a:r>
               <a:rPr lang="fr-FR" sz="1100" i="1" dirty="0">
                 <a:effectLst>
+                  <a:glow rad="63500">
+                    <a:schemeClr val="bg1">
+                      <a:alpha val="40000"/>
+                    </a:schemeClr>
+                  </a:glow>
                   <a:outerShdw blurRad="38100" dist="38100" dir="2700000" algn="tl">
                     <a:srgbClr val="000000">
                       <a:alpha val="43137"/>
@@ -17286,6 +17739,11 @@
             <a:r>
               <a:rPr lang="fr-FR" sz="1100" i="1" dirty="0">
                 <a:effectLst>
+                  <a:glow rad="63500">
+                    <a:schemeClr val="bg1">
+                      <a:alpha val="40000"/>
+                    </a:schemeClr>
+                  </a:glow>
                   <a:outerShdw blurRad="38100" dist="38100" dir="2700000" algn="tl">
                     <a:srgbClr val="000000">
                       <a:alpha val="43137"/>
@@ -17330,6 +17788,11 @@
             <a:r>
               <a:rPr lang="fr-FR" sz="1100" i="1" dirty="0">
                 <a:effectLst>
+                  <a:glow rad="63500">
+                    <a:schemeClr val="bg1">
+                      <a:alpha val="40000"/>
+                    </a:schemeClr>
+                  </a:glow>
                   <a:outerShdw blurRad="38100" dist="38100" dir="2700000" algn="tl">
                     <a:srgbClr val="000000">
                       <a:alpha val="43137"/>
@@ -17374,6 +17837,11 @@
             <a:r>
               <a:rPr lang="fr-FR" sz="1100" i="1" dirty="0">
                 <a:effectLst>
+                  <a:glow rad="63500">
+                    <a:schemeClr val="bg1">
+                      <a:alpha val="40000"/>
+                    </a:schemeClr>
+                  </a:glow>
                   <a:outerShdw blurRad="38100" dist="38100" dir="2700000" algn="tl">
                     <a:srgbClr val="000000">
                       <a:alpha val="43137"/>
@@ -17418,6 +17886,11 @@
             <a:r>
               <a:rPr lang="fr-FR" sz="1100" i="1" dirty="0">
                 <a:effectLst>
+                  <a:glow rad="63500">
+                    <a:schemeClr val="bg1">
+                      <a:alpha val="40000"/>
+                    </a:schemeClr>
+                  </a:glow>
                   <a:outerShdw blurRad="38100" dist="38100" dir="2700000" algn="tl">
                     <a:srgbClr val="000000">
                       <a:alpha val="43137"/>
@@ -17462,6 +17935,11 @@
             <a:r>
               <a:rPr lang="fr-FR" sz="1100" i="1" dirty="0">
                 <a:effectLst>
+                  <a:glow rad="63500">
+                    <a:schemeClr val="bg1">
+                      <a:alpha val="40000"/>
+                    </a:schemeClr>
+                  </a:glow>
                   <a:outerShdw blurRad="38100" dist="38100" dir="2700000" algn="tl">
                     <a:srgbClr val="000000">
                       <a:alpha val="43137"/>
@@ -17506,6 +17984,11 @@
             <a:r>
               <a:rPr lang="fr-FR" sz="1100" i="1" dirty="0">
                 <a:effectLst>
+                  <a:glow rad="63500">
+                    <a:schemeClr val="bg1">
+                      <a:alpha val="40000"/>
+                    </a:schemeClr>
+                  </a:glow>
                   <a:outerShdw blurRad="38100" dist="38100" dir="2700000" algn="tl">
                     <a:srgbClr val="000000">
                       <a:alpha val="43137"/>
@@ -17550,6 +18033,11 @@
             <a:r>
               <a:rPr lang="fr-FR" sz="1100" i="1" dirty="0">
                 <a:effectLst>
+                  <a:glow rad="63500">
+                    <a:schemeClr val="bg1">
+                      <a:alpha val="40000"/>
+                    </a:schemeClr>
+                  </a:glow>
                   <a:outerShdw blurRad="38100" dist="38100" dir="2700000" algn="tl">
                     <a:srgbClr val="000000">
                       <a:alpha val="43137"/>
@@ -17594,6 +18082,11 @@
             <a:r>
               <a:rPr lang="fr-FR" sz="1100" i="1" dirty="0">
                 <a:effectLst>
+                  <a:glow rad="63500">
+                    <a:schemeClr val="bg1">
+                      <a:alpha val="40000"/>
+                    </a:schemeClr>
+                  </a:glow>
                   <a:outerShdw blurRad="38100" dist="38100" dir="2700000" algn="tl">
                     <a:srgbClr val="000000">
                       <a:alpha val="43137"/>
@@ -17638,6 +18131,11 @@
             <a:r>
               <a:rPr lang="fr-FR" sz="1100" i="1" dirty="0">
                 <a:effectLst>
+                  <a:glow rad="63500">
+                    <a:schemeClr val="bg1">
+                      <a:alpha val="40000"/>
+                    </a:schemeClr>
+                  </a:glow>
                   <a:outerShdw blurRad="38100" dist="38100" dir="2700000" algn="tl">
                     <a:srgbClr val="000000">
                       <a:alpha val="43137"/>
@@ -17682,6 +18180,11 @@
             <a:r>
               <a:rPr lang="fr-FR" sz="1100" i="1" dirty="0">
                 <a:effectLst>
+                  <a:glow rad="63500">
+                    <a:schemeClr val="bg1">
+                      <a:alpha val="40000"/>
+                    </a:schemeClr>
+                  </a:glow>
                   <a:outerShdw blurRad="38100" dist="38100" dir="2700000" algn="tl">
                     <a:srgbClr val="000000">
                       <a:alpha val="43137"/>
@@ -17726,6 +18229,11 @@
             <a:r>
               <a:rPr lang="fr-FR" sz="1100" i="1" dirty="0">
                 <a:effectLst>
+                  <a:glow rad="63500">
+                    <a:schemeClr val="bg1">
+                      <a:alpha val="40000"/>
+                    </a:schemeClr>
+                  </a:glow>
                   <a:outerShdw blurRad="38100" dist="38100" dir="2700000" algn="tl">
                     <a:srgbClr val="000000">
                       <a:alpha val="43137"/>
@@ -17770,6 +18278,11 @@
             <a:r>
               <a:rPr lang="fr-FR" sz="1100" i="1" dirty="0">
                 <a:effectLst>
+                  <a:glow rad="63500">
+                    <a:schemeClr val="bg1">
+                      <a:alpha val="40000"/>
+                    </a:schemeClr>
+                  </a:glow>
                   <a:outerShdw blurRad="38100" dist="38100" dir="2700000" algn="tl">
                     <a:srgbClr val="000000">
                       <a:alpha val="43137"/>
@@ -17814,6 +18327,11 @@
             <a:r>
               <a:rPr lang="fr-FR" sz="1100" i="1" dirty="0">
                 <a:effectLst>
+                  <a:glow rad="63500">
+                    <a:schemeClr val="bg1">
+                      <a:alpha val="40000"/>
+                    </a:schemeClr>
+                  </a:glow>
                   <a:outerShdw blurRad="38100" dist="38100" dir="2700000" algn="tl">
                     <a:srgbClr val="000000">
                       <a:alpha val="43137"/>
@@ -17858,6 +18376,11 @@
             <a:r>
               <a:rPr lang="fr-FR" sz="1100" i="1" dirty="0">
                 <a:effectLst>
+                  <a:glow rad="63500">
+                    <a:schemeClr val="bg1">
+                      <a:alpha val="40000"/>
+                    </a:schemeClr>
+                  </a:glow>
                   <a:outerShdw blurRad="38100" dist="38100" dir="2700000" algn="tl">
                     <a:srgbClr val="000000">
                       <a:alpha val="43137"/>
@@ -17902,6 +18425,11 @@
             <a:r>
               <a:rPr lang="fr-FR" sz="1100" i="1" dirty="0">
                 <a:effectLst>
+                  <a:glow rad="63500">
+                    <a:schemeClr val="bg1">
+                      <a:alpha val="40000"/>
+                    </a:schemeClr>
+                  </a:glow>
                   <a:outerShdw blurRad="38100" dist="38100" dir="2700000" algn="tl">
                     <a:srgbClr val="000000">
                       <a:alpha val="43137"/>
@@ -17946,6 +18474,11 @@
             <a:r>
               <a:rPr lang="fr-FR" sz="1100" i="1" dirty="0">
                 <a:effectLst>
+                  <a:glow rad="63500">
+                    <a:schemeClr val="bg1">
+                      <a:alpha val="40000"/>
+                    </a:schemeClr>
+                  </a:glow>
                   <a:outerShdw blurRad="38100" dist="38100" dir="2700000" algn="tl">
                     <a:srgbClr val="000000">
                       <a:alpha val="43137"/>
@@ -18006,7 +18539,15 @@
           <a:lstStyle/>
           <a:p>
             <a:pPr algn="ctr"/>
-            <a:endParaRPr lang="fr-FR"/>
+            <a:endParaRPr lang="fr-FR">
+              <a:effectLst>
+                <a:glow rad="63500">
+                  <a:schemeClr val="bg1">
+                    <a:alpha val="40000"/>
+                  </a:schemeClr>
+                </a:glow>
+              </a:effectLst>
+            </a:endParaRPr>
           </a:p>
         </p:txBody>
       </p:sp>
@@ -18607,7 +19148,15 @@
           <a:lstStyle/>
           <a:p>
             <a:pPr algn="ctr"/>
-            <a:endParaRPr lang="fr-FR" dirty="0"/>
+            <a:endParaRPr lang="fr-FR" dirty="0">
+              <a:effectLst>
+                <a:glow rad="63500">
+                  <a:schemeClr val="bg1">
+                    <a:alpha val="40000"/>
+                  </a:schemeClr>
+                </a:glow>
+              </a:effectLst>
+            </a:endParaRPr>
           </a:p>
         </p:txBody>
       </p:sp>
@@ -18661,7 +19210,15 @@
           <a:lstStyle/>
           <a:p>
             <a:pPr algn="ctr"/>
-            <a:endParaRPr lang="fr-FR" dirty="0"/>
+            <a:endParaRPr lang="fr-FR" dirty="0">
+              <a:effectLst>
+                <a:glow rad="63500">
+                  <a:schemeClr val="bg1">
+                    <a:alpha val="40000"/>
+                  </a:schemeClr>
+                </a:glow>
+              </a:effectLst>
+            </a:endParaRPr>
           </a:p>
         </p:txBody>
       </p:sp>
@@ -18715,7 +19272,15 @@
           <a:lstStyle/>
           <a:p>
             <a:pPr algn="ctr"/>
-            <a:endParaRPr lang="fr-FR" dirty="0"/>
+            <a:endParaRPr lang="fr-FR" dirty="0">
+              <a:effectLst>
+                <a:glow rad="63500">
+                  <a:schemeClr val="bg1">
+                    <a:alpha val="40000"/>
+                  </a:schemeClr>
+                </a:glow>
+              </a:effectLst>
+            </a:endParaRPr>
           </a:p>
         </p:txBody>
       </p:sp>
@@ -18769,7 +19334,15 @@
           <a:lstStyle/>
           <a:p>
             <a:pPr algn="ctr"/>
-            <a:endParaRPr lang="fr-FR" dirty="0"/>
+            <a:endParaRPr lang="fr-FR" dirty="0">
+              <a:effectLst>
+                <a:glow rad="63500">
+                  <a:schemeClr val="bg1">
+                    <a:alpha val="40000"/>
+                  </a:schemeClr>
+                </a:glow>
+              </a:effectLst>
+            </a:endParaRPr>
           </a:p>
         </p:txBody>
       </p:sp>
@@ -18823,7 +19396,15 @@
           <a:lstStyle/>
           <a:p>
             <a:pPr algn="ctr"/>
-            <a:endParaRPr lang="fr-FR" dirty="0"/>
+            <a:endParaRPr lang="fr-FR" dirty="0">
+              <a:effectLst>
+                <a:glow rad="63500">
+                  <a:schemeClr val="bg1">
+                    <a:alpha val="40000"/>
+                  </a:schemeClr>
+                </a:glow>
+              </a:effectLst>
+            </a:endParaRPr>
           </a:p>
         </p:txBody>
       </p:sp>
@@ -18877,7 +19458,15 @@
           <a:lstStyle/>
           <a:p>
             <a:pPr algn="ctr"/>
-            <a:endParaRPr lang="fr-FR" dirty="0"/>
+            <a:endParaRPr lang="fr-FR" dirty="0">
+              <a:effectLst>
+                <a:glow rad="63500">
+                  <a:schemeClr val="bg1">
+                    <a:alpha val="40000"/>
+                  </a:schemeClr>
+                </a:glow>
+              </a:effectLst>
+            </a:endParaRPr>
           </a:p>
         </p:txBody>
       </p:sp>
@@ -18931,7 +19520,15 @@
           <a:lstStyle/>
           <a:p>
             <a:pPr algn="ctr"/>
-            <a:endParaRPr lang="fr-FR" dirty="0"/>
+            <a:endParaRPr lang="fr-FR" dirty="0">
+              <a:effectLst>
+                <a:glow rad="63500">
+                  <a:schemeClr val="bg1">
+                    <a:alpha val="40000"/>
+                  </a:schemeClr>
+                </a:glow>
+              </a:effectLst>
+            </a:endParaRPr>
           </a:p>
         </p:txBody>
       </p:sp>
@@ -18985,7 +19582,15 @@
           <a:lstStyle/>
           <a:p>
             <a:pPr algn="ctr"/>
-            <a:endParaRPr lang="fr-FR" dirty="0"/>
+            <a:endParaRPr lang="fr-FR" dirty="0">
+              <a:effectLst>
+                <a:glow rad="63500">
+                  <a:schemeClr val="bg1">
+                    <a:alpha val="40000"/>
+                  </a:schemeClr>
+                </a:glow>
+              </a:effectLst>
+            </a:endParaRPr>
           </a:p>
         </p:txBody>
       </p:sp>
@@ -19039,7 +19644,15 @@
           <a:lstStyle/>
           <a:p>
             <a:pPr algn="ctr"/>
-            <a:endParaRPr lang="fr-FR" dirty="0"/>
+            <a:endParaRPr lang="fr-FR" dirty="0">
+              <a:effectLst>
+                <a:glow rad="63500">
+                  <a:schemeClr val="bg1">
+                    <a:alpha val="40000"/>
+                  </a:schemeClr>
+                </a:glow>
+              </a:effectLst>
+            </a:endParaRPr>
           </a:p>
         </p:txBody>
       </p:sp>
@@ -19145,7 +19758,15 @@
           <a:lstStyle/>
           <a:p>
             <a:pPr algn="ctr"/>
-            <a:endParaRPr lang="fr-FR"/>
+            <a:endParaRPr lang="fr-FR">
+              <a:effectLst>
+                <a:glow rad="63500">
+                  <a:schemeClr val="bg1">
+                    <a:alpha val="40000"/>
+                  </a:schemeClr>
+                </a:glow>
+              </a:effectLst>
+            </a:endParaRPr>
           </a:p>
         </p:txBody>
       </p:sp>
@@ -19181,6 +19802,11 @@
             <a:r>
               <a:rPr lang="fr-FR" sz="1100" i="1" dirty="0">
                 <a:effectLst>
+                  <a:glow rad="63500">
+                    <a:schemeClr val="bg1">
+                      <a:alpha val="40000"/>
+                    </a:schemeClr>
+                  </a:glow>
                   <a:outerShdw blurRad="38100" dist="38100" dir="2700000" algn="tl">
                     <a:srgbClr val="000000">
                       <a:alpha val="43137"/>
@@ -19225,6 +19851,11 @@
             <a:r>
               <a:rPr lang="fr-FR" sz="1100" i="1" dirty="0">
                 <a:effectLst>
+                  <a:glow rad="63500">
+                    <a:schemeClr val="bg1">
+                      <a:alpha val="40000"/>
+                    </a:schemeClr>
+                  </a:glow>
                   <a:outerShdw blurRad="38100" dist="38100" dir="2700000" algn="tl">
                     <a:srgbClr val="000000">
                       <a:alpha val="43137"/>
@@ -19269,6 +19900,11 @@
             <a:r>
               <a:rPr lang="fr-FR" sz="1100" i="1" dirty="0">
                 <a:effectLst>
+                  <a:glow rad="63500">
+                    <a:schemeClr val="bg1">
+                      <a:alpha val="40000"/>
+                    </a:schemeClr>
+                  </a:glow>
                   <a:outerShdw blurRad="38100" dist="38100" dir="2700000" algn="tl">
                     <a:srgbClr val="000000">
                       <a:alpha val="43137"/>
@@ -19313,6 +19949,11 @@
             <a:r>
               <a:rPr lang="fr-FR" sz="1100" i="1" dirty="0">
                 <a:effectLst>
+                  <a:glow rad="63500">
+                    <a:schemeClr val="bg1">
+                      <a:alpha val="40000"/>
+                    </a:schemeClr>
+                  </a:glow>
                   <a:outerShdw blurRad="38100" dist="38100" dir="2700000" algn="tl">
                     <a:srgbClr val="000000">
                       <a:alpha val="43137"/>
@@ -19357,6 +19998,11 @@
             <a:r>
               <a:rPr lang="fr-FR" sz="1100" i="1" dirty="0">
                 <a:effectLst>
+                  <a:glow rad="63500">
+                    <a:schemeClr val="bg1">
+                      <a:alpha val="40000"/>
+                    </a:schemeClr>
+                  </a:glow>
                   <a:outerShdw blurRad="38100" dist="38100" dir="2700000" algn="tl">
                     <a:srgbClr val="000000">
                       <a:alpha val="43137"/>
@@ -19401,6 +20047,11 @@
             <a:r>
               <a:rPr lang="fr-FR" sz="1100" i="1" dirty="0">
                 <a:effectLst>
+                  <a:glow rad="63500">
+                    <a:schemeClr val="bg1">
+                      <a:alpha val="40000"/>
+                    </a:schemeClr>
+                  </a:glow>
                   <a:outerShdw blurRad="38100" dist="38100" dir="2700000" algn="tl">
                     <a:srgbClr val="000000">
                       <a:alpha val="43137"/>
@@ -19445,6 +20096,11 @@
             <a:r>
               <a:rPr lang="fr-FR" sz="1100" i="1" dirty="0">
                 <a:effectLst>
+                  <a:glow rad="63500">
+                    <a:schemeClr val="bg1">
+                      <a:alpha val="40000"/>
+                    </a:schemeClr>
+                  </a:glow>
                   <a:outerShdw blurRad="38100" dist="38100" dir="2700000" algn="tl">
                     <a:srgbClr val="000000">
                       <a:alpha val="43137"/>
@@ -19489,6 +20145,11 @@
             <a:r>
               <a:rPr lang="fr-FR" sz="1100" i="1" dirty="0">
                 <a:effectLst>
+                  <a:glow rad="63500">
+                    <a:schemeClr val="bg1">
+                      <a:alpha val="40000"/>
+                    </a:schemeClr>
+                  </a:glow>
                   <a:outerShdw blurRad="38100" dist="38100" dir="2700000" algn="tl">
                     <a:srgbClr val="000000">
                       <a:alpha val="43137"/>
@@ -19533,6 +20194,11 @@
             <a:r>
               <a:rPr lang="fr-FR" sz="1100" i="1" dirty="0">
                 <a:effectLst>
+                  <a:glow rad="63500">
+                    <a:schemeClr val="bg1">
+                      <a:alpha val="40000"/>
+                    </a:schemeClr>
+                  </a:glow>
                   <a:outerShdw blurRad="38100" dist="38100" dir="2700000" algn="tl">
                     <a:srgbClr val="000000">
                       <a:alpha val="43137"/>
@@ -19577,6 +20243,11 @@
             <a:r>
               <a:rPr lang="fr-FR" sz="1100" i="1" dirty="0">
                 <a:effectLst>
+                  <a:glow rad="63500">
+                    <a:schemeClr val="bg1">
+                      <a:alpha val="40000"/>
+                    </a:schemeClr>
+                  </a:glow>
                   <a:outerShdw blurRad="38100" dist="38100" dir="2700000" algn="tl">
                     <a:srgbClr val="000000">
                       <a:alpha val="43137"/>
@@ -19621,6 +20292,11 @@
             <a:r>
               <a:rPr lang="fr-FR" sz="1100" i="1" dirty="0">
                 <a:effectLst>
+                  <a:glow rad="63500">
+                    <a:schemeClr val="bg1">
+                      <a:alpha val="40000"/>
+                    </a:schemeClr>
+                  </a:glow>
                   <a:outerShdw blurRad="38100" dist="38100" dir="2700000" algn="tl">
                     <a:srgbClr val="000000">
                       <a:alpha val="43137"/>
@@ -19665,6 +20341,11 @@
             <a:r>
               <a:rPr lang="fr-FR" sz="1100" i="1" dirty="0">
                 <a:effectLst>
+                  <a:glow rad="63500">
+                    <a:schemeClr val="bg1">
+                      <a:alpha val="40000"/>
+                    </a:schemeClr>
+                  </a:glow>
                   <a:outerShdw blurRad="38100" dist="38100" dir="2700000" algn="tl">
                     <a:srgbClr val="000000">
                       <a:alpha val="43137"/>
@@ -19709,6 +20390,11 @@
             <a:r>
               <a:rPr lang="fr-FR" sz="1100" i="1" dirty="0">
                 <a:effectLst>
+                  <a:glow rad="63500">
+                    <a:schemeClr val="bg1">
+                      <a:alpha val="40000"/>
+                    </a:schemeClr>
+                  </a:glow>
                   <a:outerShdw blurRad="38100" dist="38100" dir="2700000" algn="tl">
                     <a:srgbClr val="000000">
                       <a:alpha val="43137"/>
@@ -19753,6 +20439,11 @@
             <a:r>
               <a:rPr lang="fr-FR" sz="1100" i="1" dirty="0">
                 <a:effectLst>
+                  <a:glow rad="63500">
+                    <a:schemeClr val="bg1">
+                      <a:alpha val="40000"/>
+                    </a:schemeClr>
+                  </a:glow>
                   <a:outerShdw blurRad="38100" dist="38100" dir="2700000" algn="tl">
                     <a:srgbClr val="000000">
                       <a:alpha val="43137"/>
@@ -19797,6 +20488,11 @@
             <a:r>
               <a:rPr lang="fr-FR" sz="1100" i="1" dirty="0">
                 <a:effectLst>
+                  <a:glow rad="63500">
+                    <a:schemeClr val="bg1">
+                      <a:alpha val="40000"/>
+                    </a:schemeClr>
+                  </a:glow>
                   <a:outerShdw blurRad="38100" dist="38100" dir="2700000" algn="tl">
                     <a:srgbClr val="000000">
                       <a:alpha val="43137"/>
@@ -19841,6 +20537,11 @@
             <a:r>
               <a:rPr lang="fr-FR" sz="1100" i="1" dirty="0">
                 <a:effectLst>
+                  <a:glow rad="63500">
+                    <a:schemeClr val="bg1">
+                      <a:alpha val="40000"/>
+                    </a:schemeClr>
+                  </a:glow>
                   <a:outerShdw blurRad="38100" dist="38100" dir="2700000" algn="tl">
                     <a:srgbClr val="000000">
                       <a:alpha val="43137"/>
@@ -19885,6 +20586,11 @@
             <a:r>
               <a:rPr lang="fr-FR" sz="1100" i="1" dirty="0">
                 <a:effectLst>
+                  <a:glow rad="63500">
+                    <a:schemeClr val="bg1">
+                      <a:alpha val="40000"/>
+                    </a:schemeClr>
+                  </a:glow>
                   <a:outerShdw blurRad="38100" dist="38100" dir="2700000" algn="tl">
                     <a:srgbClr val="000000">
                       <a:alpha val="43137"/>
@@ -19929,6 +20635,11 @@
             <a:r>
               <a:rPr lang="fr-FR" sz="1100" i="1" dirty="0">
                 <a:effectLst>
+                  <a:glow rad="63500">
+                    <a:schemeClr val="bg1">
+                      <a:alpha val="40000"/>
+                    </a:schemeClr>
+                  </a:glow>
                   <a:outerShdw blurRad="38100" dist="38100" dir="2700000" algn="tl">
                     <a:srgbClr val="000000">
                       <a:alpha val="43137"/>
@@ -19989,7 +20700,15 @@
           <a:lstStyle/>
           <a:p>
             <a:pPr algn="ctr"/>
-            <a:endParaRPr lang="fr-FR"/>
+            <a:endParaRPr lang="fr-FR">
+              <a:effectLst>
+                <a:glow rad="63500">
+                  <a:schemeClr val="bg1">
+                    <a:alpha val="40000"/>
+                  </a:schemeClr>
+                </a:glow>
+              </a:effectLst>
+            </a:endParaRPr>
           </a:p>
         </p:txBody>
       </p:sp>
@@ -21283,6 +22002,11 @@
             <a:r>
               <a:rPr lang="fr-FR" sz="1100" i="1" dirty="0">
                 <a:effectLst>
+                  <a:glow rad="63500">
+                    <a:schemeClr val="bg1">
+                      <a:alpha val="40000"/>
+                    </a:schemeClr>
+                  </a:glow>
                   <a:outerShdw blurRad="38100" dist="38100" dir="2700000" algn="tl">
                     <a:srgbClr val="000000">
                       <a:alpha val="43137"/>
@@ -21327,6 +22051,11 @@
             <a:r>
               <a:rPr lang="fr-FR" sz="1100" i="1" dirty="0">
                 <a:effectLst>
+                  <a:glow rad="63500">
+                    <a:schemeClr val="bg1">
+                      <a:alpha val="40000"/>
+                    </a:schemeClr>
+                  </a:glow>
                   <a:outerShdw blurRad="38100" dist="38100" dir="2700000" algn="tl">
                     <a:srgbClr val="000000">
                       <a:alpha val="43137"/>
@@ -21371,6 +22100,11 @@
             <a:r>
               <a:rPr lang="fr-FR" sz="1100" i="1" dirty="0">
                 <a:effectLst>
+                  <a:glow rad="63500">
+                    <a:schemeClr val="bg1">
+                      <a:alpha val="40000"/>
+                    </a:schemeClr>
+                  </a:glow>
                   <a:outerShdw blurRad="38100" dist="38100" dir="2700000" algn="tl">
                     <a:srgbClr val="000000">
                       <a:alpha val="43137"/>
@@ -21415,6 +22149,11 @@
             <a:r>
               <a:rPr lang="fr-FR" sz="1100" i="1" dirty="0">
                 <a:effectLst>
+                  <a:glow rad="63500">
+                    <a:schemeClr val="bg1">
+                      <a:alpha val="40000"/>
+                    </a:schemeClr>
+                  </a:glow>
                   <a:outerShdw blurRad="38100" dist="38100" dir="2700000" algn="tl">
                     <a:srgbClr val="000000">
                       <a:alpha val="43137"/>
@@ -21459,6 +22198,11 @@
             <a:r>
               <a:rPr lang="fr-FR" sz="1100" i="1" dirty="0">
                 <a:effectLst>
+                  <a:glow rad="63500">
+                    <a:schemeClr val="bg1">
+                      <a:alpha val="40000"/>
+                    </a:schemeClr>
+                  </a:glow>
                   <a:outerShdw blurRad="38100" dist="38100" dir="2700000" algn="tl">
                     <a:srgbClr val="000000">
                       <a:alpha val="43137"/>
@@ -21503,6 +22247,11 @@
             <a:r>
               <a:rPr lang="fr-FR" sz="1100" i="1" dirty="0">
                 <a:effectLst>
+                  <a:glow rad="63500">
+                    <a:schemeClr val="bg1">
+                      <a:alpha val="40000"/>
+                    </a:schemeClr>
+                  </a:glow>
                   <a:outerShdw blurRad="38100" dist="38100" dir="2700000" algn="tl">
                     <a:srgbClr val="000000">
                       <a:alpha val="43137"/>
@@ -21547,6 +22296,11 @@
             <a:r>
               <a:rPr lang="fr-FR" sz="1100" i="1" dirty="0">
                 <a:effectLst>
+                  <a:glow rad="63500">
+                    <a:schemeClr val="bg1">
+                      <a:alpha val="40000"/>
+                    </a:schemeClr>
+                  </a:glow>
                   <a:outerShdw blurRad="38100" dist="38100" dir="2700000" algn="tl">
                     <a:srgbClr val="000000">
                       <a:alpha val="43137"/>
@@ -21591,6 +22345,11 @@
             <a:r>
               <a:rPr lang="fr-FR" sz="1100" i="1" dirty="0">
                 <a:effectLst>
+                  <a:glow rad="63500">
+                    <a:schemeClr val="bg1">
+                      <a:alpha val="40000"/>
+                    </a:schemeClr>
+                  </a:glow>
                   <a:outerShdw blurRad="38100" dist="38100" dir="2700000" algn="tl">
                     <a:srgbClr val="000000">
                       <a:alpha val="43137"/>
@@ -21635,6 +22394,11 @@
             <a:r>
               <a:rPr lang="fr-FR" sz="1100" i="1" dirty="0">
                 <a:effectLst>
+                  <a:glow rad="63500">
+                    <a:schemeClr val="bg1">
+                      <a:alpha val="40000"/>
+                    </a:schemeClr>
+                  </a:glow>
                   <a:outerShdw blurRad="38100" dist="38100" dir="2700000" algn="tl">
                     <a:srgbClr val="000000">
                       <a:alpha val="43137"/>
@@ -21679,6 +22443,11 @@
             <a:r>
               <a:rPr lang="fr-FR" sz="1100" i="1" dirty="0">
                 <a:effectLst>
+                  <a:glow rad="63500">
+                    <a:schemeClr val="bg1">
+                      <a:alpha val="40000"/>
+                    </a:schemeClr>
+                  </a:glow>
                   <a:outerShdw blurRad="38100" dist="38100" dir="2700000" algn="tl">
                     <a:srgbClr val="000000">
                       <a:alpha val="43137"/>
@@ -21723,6 +22492,11 @@
             <a:r>
               <a:rPr lang="fr-FR" sz="1100" i="1" dirty="0">
                 <a:effectLst>
+                  <a:glow rad="63500">
+                    <a:schemeClr val="bg1">
+                      <a:alpha val="40000"/>
+                    </a:schemeClr>
+                  </a:glow>
                   <a:outerShdw blurRad="38100" dist="38100" dir="2700000" algn="tl">
                     <a:srgbClr val="000000">
                       <a:alpha val="43137"/>
@@ -21767,6 +22541,11 @@
             <a:r>
               <a:rPr lang="fr-FR" sz="1100" i="1" dirty="0">
                 <a:effectLst>
+                  <a:glow rad="63500">
+                    <a:schemeClr val="bg1">
+                      <a:alpha val="40000"/>
+                    </a:schemeClr>
+                  </a:glow>
                   <a:outerShdw blurRad="38100" dist="38100" dir="2700000" algn="tl">
                     <a:srgbClr val="000000">
                       <a:alpha val="43137"/>
@@ -21811,6 +22590,11 @@
             <a:r>
               <a:rPr lang="fr-FR" sz="1100" i="1" dirty="0">
                 <a:effectLst>
+                  <a:glow rad="63500">
+                    <a:schemeClr val="bg1">
+                      <a:alpha val="40000"/>
+                    </a:schemeClr>
+                  </a:glow>
                   <a:outerShdw blurRad="38100" dist="38100" dir="2700000" algn="tl">
                     <a:srgbClr val="000000">
                       <a:alpha val="43137"/>
@@ -21855,6 +22639,11 @@
             <a:r>
               <a:rPr lang="fr-FR" sz="1100" i="1" dirty="0">
                 <a:effectLst>
+                  <a:glow rad="63500">
+                    <a:schemeClr val="bg1">
+                      <a:alpha val="40000"/>
+                    </a:schemeClr>
+                  </a:glow>
                   <a:outerShdw blurRad="38100" dist="38100" dir="2700000" algn="tl">
                     <a:srgbClr val="000000">
                       <a:alpha val="43137"/>
@@ -21899,6 +22688,11 @@
             <a:r>
               <a:rPr lang="fr-FR" sz="1100" i="1" dirty="0">
                 <a:effectLst>
+                  <a:glow rad="63500">
+                    <a:schemeClr val="bg1">
+                      <a:alpha val="40000"/>
+                    </a:schemeClr>
+                  </a:glow>
                   <a:outerShdw blurRad="38100" dist="38100" dir="2700000" algn="tl">
                     <a:srgbClr val="000000">
                       <a:alpha val="43137"/>
@@ -21943,6 +22737,11 @@
             <a:r>
               <a:rPr lang="fr-FR" sz="1100" i="1" dirty="0">
                 <a:effectLst>
+                  <a:glow rad="63500">
+                    <a:schemeClr val="bg1">
+                      <a:alpha val="40000"/>
+                    </a:schemeClr>
+                  </a:glow>
                   <a:outerShdw blurRad="38100" dist="38100" dir="2700000" algn="tl">
                     <a:srgbClr val="000000">
                       <a:alpha val="43137"/>
@@ -21987,6 +22786,11 @@
             <a:r>
               <a:rPr lang="fr-FR" sz="1100" i="1" dirty="0">
                 <a:effectLst>
+                  <a:glow rad="63500">
+                    <a:schemeClr val="bg1">
+                      <a:alpha val="40000"/>
+                    </a:schemeClr>
+                  </a:glow>
                   <a:outerShdw blurRad="38100" dist="38100" dir="2700000" algn="tl">
                     <a:srgbClr val="000000">
                       <a:alpha val="43137"/>
@@ -22031,6 +22835,11 @@
             <a:r>
               <a:rPr lang="fr-FR" sz="1100" i="1" dirty="0">
                 <a:effectLst>
+                  <a:glow rad="63500">
+                    <a:schemeClr val="bg1">
+                      <a:alpha val="40000"/>
+                    </a:schemeClr>
+                  </a:glow>
                   <a:outerShdw blurRad="38100" dist="38100" dir="2700000" algn="tl">
                     <a:srgbClr val="000000">
                       <a:alpha val="43137"/>
@@ -22811,7 +23620,15 @@
           <a:lstStyle/>
           <a:p>
             <a:pPr algn="ctr"/>
-            <a:endParaRPr lang="fr-FR" dirty="0"/>
+            <a:endParaRPr lang="fr-FR" dirty="0">
+              <a:effectLst>
+                <a:glow rad="63500">
+                  <a:schemeClr val="bg1">
+                    <a:alpha val="40000"/>
+                  </a:schemeClr>
+                </a:glow>
+              </a:effectLst>
+            </a:endParaRPr>
           </a:p>
         </p:txBody>
       </p:sp>
@@ -22865,7 +23682,15 @@
           <a:lstStyle/>
           <a:p>
             <a:pPr algn="ctr"/>
-            <a:endParaRPr lang="fr-FR" dirty="0"/>
+            <a:endParaRPr lang="fr-FR" dirty="0">
+              <a:effectLst>
+                <a:glow rad="63500">
+                  <a:schemeClr val="bg1">
+                    <a:alpha val="40000"/>
+                  </a:schemeClr>
+                </a:glow>
+              </a:effectLst>
+            </a:endParaRPr>
           </a:p>
         </p:txBody>
       </p:sp>
@@ -22919,7 +23744,15 @@
           <a:lstStyle/>
           <a:p>
             <a:pPr algn="ctr"/>
-            <a:endParaRPr lang="fr-FR" dirty="0"/>
+            <a:endParaRPr lang="fr-FR" dirty="0">
+              <a:effectLst>
+                <a:glow rad="63500">
+                  <a:schemeClr val="bg1">
+                    <a:alpha val="40000"/>
+                  </a:schemeClr>
+                </a:glow>
+              </a:effectLst>
+            </a:endParaRPr>
           </a:p>
         </p:txBody>
       </p:sp>
@@ -22973,7 +23806,15 @@
           <a:lstStyle/>
           <a:p>
             <a:pPr algn="ctr"/>
-            <a:endParaRPr lang="fr-FR" dirty="0"/>
+            <a:endParaRPr lang="fr-FR" dirty="0">
+              <a:effectLst>
+                <a:glow rad="63500">
+                  <a:schemeClr val="bg1">
+                    <a:alpha val="40000"/>
+                  </a:schemeClr>
+                </a:glow>
+              </a:effectLst>
+            </a:endParaRPr>
           </a:p>
         </p:txBody>
       </p:sp>
@@ -23027,7 +23868,15 @@
           <a:lstStyle/>
           <a:p>
             <a:pPr algn="ctr"/>
-            <a:endParaRPr lang="fr-FR" dirty="0"/>
+            <a:endParaRPr lang="fr-FR" dirty="0">
+              <a:effectLst>
+                <a:glow rad="63500">
+                  <a:schemeClr val="bg1">
+                    <a:alpha val="40000"/>
+                  </a:schemeClr>
+                </a:glow>
+              </a:effectLst>
+            </a:endParaRPr>
           </a:p>
         </p:txBody>
       </p:sp>
@@ -23081,7 +23930,15 @@
           <a:lstStyle/>
           <a:p>
             <a:pPr algn="ctr"/>
-            <a:endParaRPr lang="fr-FR" dirty="0"/>
+            <a:endParaRPr lang="fr-FR" dirty="0">
+              <a:effectLst>
+                <a:glow rad="63500">
+                  <a:schemeClr val="bg1">
+                    <a:alpha val="40000"/>
+                  </a:schemeClr>
+                </a:glow>
+              </a:effectLst>
+            </a:endParaRPr>
           </a:p>
         </p:txBody>
       </p:sp>
@@ -23135,7 +23992,15 @@
           <a:lstStyle/>
           <a:p>
             <a:pPr algn="ctr"/>
-            <a:endParaRPr lang="fr-FR" dirty="0"/>
+            <a:endParaRPr lang="fr-FR" dirty="0">
+              <a:effectLst>
+                <a:glow rad="63500">
+                  <a:schemeClr val="bg1">
+                    <a:alpha val="40000"/>
+                  </a:schemeClr>
+                </a:glow>
+              </a:effectLst>
+            </a:endParaRPr>
           </a:p>
         </p:txBody>
       </p:sp>
@@ -23189,7 +24054,15 @@
           <a:lstStyle/>
           <a:p>
             <a:pPr algn="ctr"/>
-            <a:endParaRPr lang="fr-FR" dirty="0"/>
+            <a:endParaRPr lang="fr-FR" dirty="0">
+              <a:effectLst>
+                <a:glow rad="63500">
+                  <a:schemeClr val="bg1">
+                    <a:alpha val="40000"/>
+                  </a:schemeClr>
+                </a:glow>
+              </a:effectLst>
+            </a:endParaRPr>
           </a:p>
         </p:txBody>
       </p:sp>
@@ -23243,7 +24116,15 @@
           <a:lstStyle/>
           <a:p>
             <a:pPr algn="ctr"/>
-            <a:endParaRPr lang="fr-FR" dirty="0"/>
+            <a:endParaRPr lang="fr-FR" dirty="0">
+              <a:effectLst>
+                <a:glow rad="63500">
+                  <a:schemeClr val="bg1">
+                    <a:alpha val="40000"/>
+                  </a:schemeClr>
+                </a:glow>
+              </a:effectLst>
+            </a:endParaRPr>
           </a:p>
         </p:txBody>
       </p:sp>
@@ -23349,7 +24230,15 @@
           <a:lstStyle/>
           <a:p>
             <a:pPr algn="ctr"/>
-            <a:endParaRPr lang="fr-FR"/>
+            <a:endParaRPr lang="fr-FR">
+              <a:effectLst>
+                <a:glow rad="63500">
+                  <a:schemeClr val="bg1">
+                    <a:alpha val="40000"/>
+                  </a:schemeClr>
+                </a:glow>
+              </a:effectLst>
+            </a:endParaRPr>
           </a:p>
         </p:txBody>
       </p:sp>
@@ -23385,6 +24274,11 @@
             <a:r>
               <a:rPr lang="fr-FR" sz="1100" i="1" dirty="0">
                 <a:effectLst>
+                  <a:glow rad="63500">
+                    <a:schemeClr val="bg1">
+                      <a:alpha val="40000"/>
+                    </a:schemeClr>
+                  </a:glow>
                   <a:outerShdw blurRad="38100" dist="38100" dir="2700000" algn="tl">
                     <a:srgbClr val="000000">
                       <a:alpha val="43137"/>
@@ -23429,6 +24323,11 @@
             <a:r>
               <a:rPr lang="fr-FR" sz="1100" i="1" dirty="0">
                 <a:effectLst>
+                  <a:glow rad="63500">
+                    <a:schemeClr val="bg1">
+                      <a:alpha val="40000"/>
+                    </a:schemeClr>
+                  </a:glow>
                   <a:outerShdw blurRad="38100" dist="38100" dir="2700000" algn="tl">
                     <a:srgbClr val="000000">
                       <a:alpha val="43137"/>
@@ -23473,6 +24372,11 @@
             <a:r>
               <a:rPr lang="fr-FR" sz="1100" i="1" dirty="0">
                 <a:effectLst>
+                  <a:glow rad="63500">
+                    <a:schemeClr val="bg1">
+                      <a:alpha val="40000"/>
+                    </a:schemeClr>
+                  </a:glow>
                   <a:outerShdw blurRad="38100" dist="38100" dir="2700000" algn="tl">
                     <a:srgbClr val="000000">
                       <a:alpha val="43137"/>
@@ -23517,6 +24421,11 @@
             <a:r>
               <a:rPr lang="fr-FR" sz="1100" i="1" dirty="0">
                 <a:effectLst>
+                  <a:glow rad="63500">
+                    <a:schemeClr val="bg1">
+                      <a:alpha val="40000"/>
+                    </a:schemeClr>
+                  </a:glow>
                   <a:outerShdw blurRad="38100" dist="38100" dir="2700000" algn="tl">
                     <a:srgbClr val="000000">
                       <a:alpha val="43137"/>
@@ -23561,6 +24470,11 @@
             <a:r>
               <a:rPr lang="fr-FR" sz="1100" i="1" dirty="0">
                 <a:effectLst>
+                  <a:glow rad="63500">
+                    <a:schemeClr val="bg1">
+                      <a:alpha val="40000"/>
+                    </a:schemeClr>
+                  </a:glow>
                   <a:outerShdw blurRad="38100" dist="38100" dir="2700000" algn="tl">
                     <a:srgbClr val="000000">
                       <a:alpha val="43137"/>
@@ -23605,6 +24519,11 @@
             <a:r>
               <a:rPr lang="fr-FR" sz="1100" i="1" dirty="0">
                 <a:effectLst>
+                  <a:glow rad="63500">
+                    <a:schemeClr val="bg1">
+                      <a:alpha val="40000"/>
+                    </a:schemeClr>
+                  </a:glow>
                   <a:outerShdw blurRad="38100" dist="38100" dir="2700000" algn="tl">
                     <a:srgbClr val="000000">
                       <a:alpha val="43137"/>
@@ -23649,6 +24568,11 @@
             <a:r>
               <a:rPr lang="fr-FR" sz="1100" i="1" dirty="0">
                 <a:effectLst>
+                  <a:glow rad="63500">
+                    <a:schemeClr val="bg1">
+                      <a:alpha val="40000"/>
+                    </a:schemeClr>
+                  </a:glow>
                   <a:outerShdw blurRad="38100" dist="38100" dir="2700000" algn="tl">
                     <a:srgbClr val="000000">
                       <a:alpha val="43137"/>
@@ -23693,6 +24617,11 @@
             <a:r>
               <a:rPr lang="fr-FR" sz="1100" i="1" dirty="0">
                 <a:effectLst>
+                  <a:glow rad="63500">
+                    <a:schemeClr val="bg1">
+                      <a:alpha val="40000"/>
+                    </a:schemeClr>
+                  </a:glow>
                   <a:outerShdw blurRad="38100" dist="38100" dir="2700000" algn="tl">
                     <a:srgbClr val="000000">
                       <a:alpha val="43137"/>
@@ -23737,6 +24666,11 @@
             <a:r>
               <a:rPr lang="fr-FR" sz="1100" i="1" dirty="0">
                 <a:effectLst>
+                  <a:glow rad="63500">
+                    <a:schemeClr val="bg1">
+                      <a:alpha val="40000"/>
+                    </a:schemeClr>
+                  </a:glow>
                   <a:outerShdw blurRad="38100" dist="38100" dir="2700000" algn="tl">
                     <a:srgbClr val="000000">
                       <a:alpha val="43137"/>
@@ -23781,6 +24715,11 @@
             <a:r>
               <a:rPr lang="fr-FR" sz="1100" i="1" dirty="0">
                 <a:effectLst>
+                  <a:glow rad="63500">
+                    <a:schemeClr val="bg1">
+                      <a:alpha val="40000"/>
+                    </a:schemeClr>
+                  </a:glow>
                   <a:outerShdw blurRad="38100" dist="38100" dir="2700000" algn="tl">
                     <a:srgbClr val="000000">
                       <a:alpha val="43137"/>
@@ -23825,6 +24764,11 @@
             <a:r>
               <a:rPr lang="fr-FR" sz="1100" i="1" dirty="0">
                 <a:effectLst>
+                  <a:glow rad="63500">
+                    <a:schemeClr val="bg1">
+                      <a:alpha val="40000"/>
+                    </a:schemeClr>
+                  </a:glow>
                   <a:outerShdw blurRad="38100" dist="38100" dir="2700000" algn="tl">
                     <a:srgbClr val="000000">
                       <a:alpha val="43137"/>
@@ -23869,6 +24813,11 @@
             <a:r>
               <a:rPr lang="fr-FR" sz="1100" i="1" dirty="0">
                 <a:effectLst>
+                  <a:glow rad="63500">
+                    <a:schemeClr val="bg1">
+                      <a:alpha val="40000"/>
+                    </a:schemeClr>
+                  </a:glow>
                   <a:outerShdw blurRad="38100" dist="38100" dir="2700000" algn="tl">
                     <a:srgbClr val="000000">
                       <a:alpha val="43137"/>
@@ -23913,6 +24862,11 @@
             <a:r>
               <a:rPr lang="fr-FR" sz="1100" i="1" dirty="0">
                 <a:effectLst>
+                  <a:glow rad="63500">
+                    <a:schemeClr val="bg1">
+                      <a:alpha val="40000"/>
+                    </a:schemeClr>
+                  </a:glow>
                   <a:outerShdw blurRad="38100" dist="38100" dir="2700000" algn="tl">
                     <a:srgbClr val="000000">
                       <a:alpha val="43137"/>
@@ -23957,6 +24911,11 @@
             <a:r>
               <a:rPr lang="fr-FR" sz="1100" i="1" dirty="0">
                 <a:effectLst>
+                  <a:glow rad="63500">
+                    <a:schemeClr val="bg1">
+                      <a:alpha val="40000"/>
+                    </a:schemeClr>
+                  </a:glow>
                   <a:outerShdw blurRad="38100" dist="38100" dir="2700000" algn="tl">
                     <a:srgbClr val="000000">
                       <a:alpha val="43137"/>
@@ -24001,6 +24960,11 @@
             <a:r>
               <a:rPr lang="fr-FR" sz="1100" i="1" dirty="0">
                 <a:effectLst>
+                  <a:glow rad="63500">
+                    <a:schemeClr val="bg1">
+                      <a:alpha val="40000"/>
+                    </a:schemeClr>
+                  </a:glow>
                   <a:outerShdw blurRad="38100" dist="38100" dir="2700000" algn="tl">
                     <a:srgbClr val="000000">
                       <a:alpha val="43137"/>
@@ -24045,6 +25009,11 @@
             <a:r>
               <a:rPr lang="fr-FR" sz="1100" i="1" dirty="0">
                 <a:effectLst>
+                  <a:glow rad="63500">
+                    <a:schemeClr val="bg1">
+                      <a:alpha val="40000"/>
+                    </a:schemeClr>
+                  </a:glow>
                   <a:outerShdw blurRad="38100" dist="38100" dir="2700000" algn="tl">
                     <a:srgbClr val="000000">
                       <a:alpha val="43137"/>
@@ -24089,6 +25058,11 @@
             <a:r>
               <a:rPr lang="fr-FR" sz="1100" i="1" dirty="0">
                 <a:effectLst>
+                  <a:glow rad="63500">
+                    <a:schemeClr val="bg1">
+                      <a:alpha val="40000"/>
+                    </a:schemeClr>
+                  </a:glow>
                   <a:outerShdw blurRad="38100" dist="38100" dir="2700000" algn="tl">
                     <a:srgbClr val="000000">
                       <a:alpha val="43137"/>
@@ -24133,6 +25107,11 @@
             <a:r>
               <a:rPr lang="fr-FR" sz="1100" i="1" dirty="0">
                 <a:effectLst>
+                  <a:glow rad="63500">
+                    <a:schemeClr val="bg1">
+                      <a:alpha val="40000"/>
+                    </a:schemeClr>
+                  </a:glow>
                   <a:outerShdw blurRad="38100" dist="38100" dir="2700000" algn="tl">
                     <a:srgbClr val="000000">
                       <a:alpha val="43137"/>
@@ -24193,7 +25172,15 @@
           <a:lstStyle/>
           <a:p>
             <a:pPr algn="ctr"/>
-            <a:endParaRPr lang="fr-FR"/>
+            <a:endParaRPr lang="fr-FR">
+              <a:effectLst>
+                <a:glow rad="63500">
+                  <a:schemeClr val="bg1">
+                    <a:alpha val="40000"/>
+                  </a:schemeClr>
+                </a:glow>
+              </a:effectLst>
+            </a:endParaRPr>
           </a:p>
         </p:txBody>
       </p:sp>
@@ -24952,7 +25939,15 @@
           <a:lstStyle/>
           <a:p>
             <a:pPr algn="ctr"/>
-            <a:endParaRPr lang="fr-FR" dirty="0"/>
+            <a:endParaRPr lang="fr-FR" dirty="0">
+              <a:effectLst>
+                <a:glow rad="63500">
+                  <a:schemeClr val="bg1">
+                    <a:alpha val="40000"/>
+                  </a:schemeClr>
+                </a:glow>
+              </a:effectLst>
+            </a:endParaRPr>
           </a:p>
         </p:txBody>
       </p:sp>
@@ -25006,7 +26001,15 @@
           <a:lstStyle/>
           <a:p>
             <a:pPr algn="ctr"/>
-            <a:endParaRPr lang="fr-FR" dirty="0"/>
+            <a:endParaRPr lang="fr-FR" dirty="0">
+              <a:effectLst>
+                <a:glow rad="63500">
+                  <a:schemeClr val="bg1">
+                    <a:alpha val="40000"/>
+                  </a:schemeClr>
+                </a:glow>
+              </a:effectLst>
+            </a:endParaRPr>
           </a:p>
         </p:txBody>
       </p:sp>
@@ -25060,7 +26063,15 @@
           <a:lstStyle/>
           <a:p>
             <a:pPr algn="ctr"/>
-            <a:endParaRPr lang="fr-FR" dirty="0"/>
+            <a:endParaRPr lang="fr-FR" dirty="0">
+              <a:effectLst>
+                <a:glow rad="63500">
+                  <a:schemeClr val="bg1">
+                    <a:alpha val="40000"/>
+                  </a:schemeClr>
+                </a:glow>
+              </a:effectLst>
+            </a:endParaRPr>
           </a:p>
         </p:txBody>
       </p:sp>
@@ -25114,7 +26125,15 @@
           <a:lstStyle/>
           <a:p>
             <a:pPr algn="ctr"/>
-            <a:endParaRPr lang="fr-FR" dirty="0"/>
+            <a:endParaRPr lang="fr-FR" dirty="0">
+              <a:effectLst>
+                <a:glow rad="63500">
+                  <a:schemeClr val="bg1">
+                    <a:alpha val="40000"/>
+                  </a:schemeClr>
+                </a:glow>
+              </a:effectLst>
+            </a:endParaRPr>
           </a:p>
         </p:txBody>
       </p:sp>
@@ -25168,7 +26187,15 @@
           <a:lstStyle/>
           <a:p>
             <a:pPr algn="ctr"/>
-            <a:endParaRPr lang="fr-FR" dirty="0"/>
+            <a:endParaRPr lang="fr-FR" dirty="0">
+              <a:effectLst>
+                <a:glow rad="63500">
+                  <a:schemeClr val="bg1">
+                    <a:alpha val="40000"/>
+                  </a:schemeClr>
+                </a:glow>
+              </a:effectLst>
+            </a:endParaRPr>
           </a:p>
         </p:txBody>
       </p:sp>
@@ -25222,7 +26249,15 @@
           <a:lstStyle/>
           <a:p>
             <a:pPr algn="ctr"/>
-            <a:endParaRPr lang="fr-FR" dirty="0"/>
+            <a:endParaRPr lang="fr-FR" dirty="0">
+              <a:effectLst>
+                <a:glow rad="63500">
+                  <a:schemeClr val="bg1">
+                    <a:alpha val="40000"/>
+                  </a:schemeClr>
+                </a:glow>
+              </a:effectLst>
+            </a:endParaRPr>
           </a:p>
         </p:txBody>
       </p:sp>
@@ -25276,7 +26311,15 @@
           <a:lstStyle/>
           <a:p>
             <a:pPr algn="ctr"/>
-            <a:endParaRPr lang="fr-FR" dirty="0"/>
+            <a:endParaRPr lang="fr-FR" dirty="0">
+              <a:effectLst>
+                <a:glow rad="63500">
+                  <a:schemeClr val="bg1">
+                    <a:alpha val="40000"/>
+                  </a:schemeClr>
+                </a:glow>
+              </a:effectLst>
+            </a:endParaRPr>
           </a:p>
         </p:txBody>
       </p:sp>
@@ -25330,7 +26373,15 @@
           <a:lstStyle/>
           <a:p>
             <a:pPr algn="ctr"/>
-            <a:endParaRPr lang="fr-FR" dirty="0"/>
+            <a:endParaRPr lang="fr-FR" dirty="0">
+              <a:effectLst>
+                <a:glow rad="63500">
+                  <a:schemeClr val="bg1">
+                    <a:alpha val="40000"/>
+                  </a:schemeClr>
+                </a:glow>
+              </a:effectLst>
+            </a:endParaRPr>
           </a:p>
         </p:txBody>
       </p:sp>
@@ -25384,7 +26435,15 @@
           <a:lstStyle/>
           <a:p>
             <a:pPr algn="ctr"/>
-            <a:endParaRPr lang="fr-FR" dirty="0"/>
+            <a:endParaRPr lang="fr-FR" dirty="0">
+              <a:effectLst>
+                <a:glow rad="63500">
+                  <a:schemeClr val="bg1">
+                    <a:alpha val="40000"/>
+                  </a:schemeClr>
+                </a:glow>
+              </a:effectLst>
+            </a:endParaRPr>
           </a:p>
         </p:txBody>
       </p:sp>
@@ -25490,7 +26549,15 @@
           <a:lstStyle/>
           <a:p>
             <a:pPr algn="ctr"/>
-            <a:endParaRPr lang="fr-FR"/>
+            <a:endParaRPr lang="fr-FR">
+              <a:effectLst>
+                <a:glow rad="63500">
+                  <a:schemeClr val="bg1">
+                    <a:alpha val="40000"/>
+                  </a:schemeClr>
+                </a:glow>
+              </a:effectLst>
+            </a:endParaRPr>
           </a:p>
         </p:txBody>
       </p:sp>
@@ -25526,6 +26593,11 @@
             <a:r>
               <a:rPr lang="fr-FR" sz="1100" i="1" dirty="0">
                 <a:effectLst>
+                  <a:glow rad="63500">
+                    <a:schemeClr val="bg1">
+                      <a:alpha val="40000"/>
+                    </a:schemeClr>
+                  </a:glow>
                   <a:outerShdw blurRad="38100" dist="38100" dir="2700000" algn="tl">
                     <a:srgbClr val="000000">
                       <a:alpha val="43137"/>
@@ -25570,6 +26642,11 @@
             <a:r>
               <a:rPr lang="fr-FR" sz="1100" i="1" dirty="0">
                 <a:effectLst>
+                  <a:glow rad="63500">
+                    <a:schemeClr val="bg1">
+                      <a:alpha val="40000"/>
+                    </a:schemeClr>
+                  </a:glow>
                   <a:outerShdw blurRad="38100" dist="38100" dir="2700000" algn="tl">
                     <a:srgbClr val="000000">
                       <a:alpha val="43137"/>
@@ -25614,6 +26691,11 @@
             <a:r>
               <a:rPr lang="fr-FR" sz="1100" i="1" dirty="0">
                 <a:effectLst>
+                  <a:glow rad="63500">
+                    <a:schemeClr val="bg1">
+                      <a:alpha val="40000"/>
+                    </a:schemeClr>
+                  </a:glow>
                   <a:outerShdw blurRad="38100" dist="38100" dir="2700000" algn="tl">
                     <a:srgbClr val="000000">
                       <a:alpha val="43137"/>
@@ -25658,6 +26740,11 @@
             <a:r>
               <a:rPr lang="fr-FR" sz="1100" i="1" dirty="0">
                 <a:effectLst>
+                  <a:glow rad="63500">
+                    <a:schemeClr val="bg1">
+                      <a:alpha val="40000"/>
+                    </a:schemeClr>
+                  </a:glow>
                   <a:outerShdw blurRad="38100" dist="38100" dir="2700000" algn="tl">
                     <a:srgbClr val="000000">
                       <a:alpha val="43137"/>
@@ -25702,6 +26789,11 @@
             <a:r>
               <a:rPr lang="fr-FR" sz="1100" i="1" dirty="0">
                 <a:effectLst>
+                  <a:glow rad="63500">
+                    <a:schemeClr val="bg1">
+                      <a:alpha val="40000"/>
+                    </a:schemeClr>
+                  </a:glow>
                   <a:outerShdw blurRad="38100" dist="38100" dir="2700000" algn="tl">
                     <a:srgbClr val="000000">
                       <a:alpha val="43137"/>
@@ -25746,6 +26838,11 @@
             <a:r>
               <a:rPr lang="fr-FR" sz="1100" i="1" dirty="0">
                 <a:effectLst>
+                  <a:glow rad="63500">
+                    <a:schemeClr val="bg1">
+                      <a:alpha val="40000"/>
+                    </a:schemeClr>
+                  </a:glow>
                   <a:outerShdw blurRad="38100" dist="38100" dir="2700000" algn="tl">
                     <a:srgbClr val="000000">
                       <a:alpha val="43137"/>
@@ -25790,6 +26887,11 @@
             <a:r>
               <a:rPr lang="fr-FR" sz="1100" i="1" dirty="0">
                 <a:effectLst>
+                  <a:glow rad="63500">
+                    <a:schemeClr val="bg1">
+                      <a:alpha val="40000"/>
+                    </a:schemeClr>
+                  </a:glow>
                   <a:outerShdw blurRad="38100" dist="38100" dir="2700000" algn="tl">
                     <a:srgbClr val="000000">
                       <a:alpha val="43137"/>
@@ -25834,6 +26936,11 @@
             <a:r>
               <a:rPr lang="fr-FR" sz="1100" i="1" dirty="0">
                 <a:effectLst>
+                  <a:glow rad="63500">
+                    <a:schemeClr val="bg1">
+                      <a:alpha val="40000"/>
+                    </a:schemeClr>
+                  </a:glow>
                   <a:outerShdw blurRad="38100" dist="38100" dir="2700000" algn="tl">
                     <a:srgbClr val="000000">
                       <a:alpha val="43137"/>
@@ -25878,6 +26985,11 @@
             <a:r>
               <a:rPr lang="fr-FR" sz="1100" i="1" dirty="0">
                 <a:effectLst>
+                  <a:glow rad="63500">
+                    <a:schemeClr val="bg1">
+                      <a:alpha val="40000"/>
+                    </a:schemeClr>
+                  </a:glow>
                   <a:outerShdw blurRad="38100" dist="38100" dir="2700000" algn="tl">
                     <a:srgbClr val="000000">
                       <a:alpha val="43137"/>
@@ -25922,6 +27034,11 @@
             <a:r>
               <a:rPr lang="fr-FR" sz="1100" i="1" dirty="0">
                 <a:effectLst>
+                  <a:glow rad="63500">
+                    <a:schemeClr val="bg1">
+                      <a:alpha val="40000"/>
+                    </a:schemeClr>
+                  </a:glow>
                   <a:outerShdw blurRad="38100" dist="38100" dir="2700000" algn="tl">
                     <a:srgbClr val="000000">
                       <a:alpha val="43137"/>
@@ -25966,6 +27083,11 @@
             <a:r>
               <a:rPr lang="fr-FR" sz="1100" i="1" dirty="0">
                 <a:effectLst>
+                  <a:glow rad="63500">
+                    <a:schemeClr val="bg1">
+                      <a:alpha val="40000"/>
+                    </a:schemeClr>
+                  </a:glow>
                   <a:outerShdw blurRad="38100" dist="38100" dir="2700000" algn="tl">
                     <a:srgbClr val="000000">
                       <a:alpha val="43137"/>
@@ -26010,6 +27132,11 @@
             <a:r>
               <a:rPr lang="fr-FR" sz="1100" i="1" dirty="0">
                 <a:effectLst>
+                  <a:glow rad="63500">
+                    <a:schemeClr val="bg1">
+                      <a:alpha val="40000"/>
+                    </a:schemeClr>
+                  </a:glow>
                   <a:outerShdw blurRad="38100" dist="38100" dir="2700000" algn="tl">
                     <a:srgbClr val="000000">
                       <a:alpha val="43137"/>
@@ -26054,6 +27181,11 @@
             <a:r>
               <a:rPr lang="fr-FR" sz="1100" i="1" dirty="0">
                 <a:effectLst>
+                  <a:glow rad="63500">
+                    <a:schemeClr val="bg1">
+                      <a:alpha val="40000"/>
+                    </a:schemeClr>
+                  </a:glow>
                   <a:outerShdw blurRad="38100" dist="38100" dir="2700000" algn="tl">
                     <a:srgbClr val="000000">
                       <a:alpha val="43137"/>
@@ -26098,6 +27230,11 @@
             <a:r>
               <a:rPr lang="fr-FR" sz="1100" i="1" dirty="0">
                 <a:effectLst>
+                  <a:glow rad="63500">
+                    <a:schemeClr val="bg1">
+                      <a:alpha val="40000"/>
+                    </a:schemeClr>
+                  </a:glow>
                   <a:outerShdw blurRad="38100" dist="38100" dir="2700000" algn="tl">
                     <a:srgbClr val="000000">
                       <a:alpha val="43137"/>
@@ -26142,6 +27279,11 @@
             <a:r>
               <a:rPr lang="fr-FR" sz="1100" i="1" dirty="0">
                 <a:effectLst>
+                  <a:glow rad="63500">
+                    <a:schemeClr val="bg1">
+                      <a:alpha val="40000"/>
+                    </a:schemeClr>
+                  </a:glow>
                   <a:outerShdw blurRad="38100" dist="38100" dir="2700000" algn="tl">
                     <a:srgbClr val="000000">
                       <a:alpha val="43137"/>
@@ -26186,6 +27328,11 @@
             <a:r>
               <a:rPr lang="fr-FR" sz="1100" i="1" dirty="0">
                 <a:effectLst>
+                  <a:glow rad="63500">
+                    <a:schemeClr val="bg1">
+                      <a:alpha val="40000"/>
+                    </a:schemeClr>
+                  </a:glow>
                   <a:outerShdw blurRad="38100" dist="38100" dir="2700000" algn="tl">
                     <a:srgbClr val="000000">
                       <a:alpha val="43137"/>
@@ -26230,6 +27377,11 @@
             <a:r>
               <a:rPr lang="fr-FR" sz="1100" i="1" dirty="0">
                 <a:effectLst>
+                  <a:glow rad="63500">
+                    <a:schemeClr val="bg1">
+                      <a:alpha val="40000"/>
+                    </a:schemeClr>
+                  </a:glow>
                   <a:outerShdw blurRad="38100" dist="38100" dir="2700000" algn="tl">
                     <a:srgbClr val="000000">
                       <a:alpha val="43137"/>
@@ -26274,6 +27426,11 @@
             <a:r>
               <a:rPr lang="fr-FR" sz="1100" i="1" dirty="0">
                 <a:effectLst>
+                  <a:glow rad="63500">
+                    <a:schemeClr val="bg1">
+                      <a:alpha val="40000"/>
+                    </a:schemeClr>
+                  </a:glow>
                   <a:outerShdw blurRad="38100" dist="38100" dir="2700000" algn="tl">
                     <a:srgbClr val="000000">
                       <a:alpha val="43137"/>
@@ -26334,7 +27491,15 @@
           <a:lstStyle/>
           <a:p>
             <a:pPr algn="ctr"/>
-            <a:endParaRPr lang="fr-FR"/>
+            <a:endParaRPr lang="fr-FR">
+              <a:effectLst>
+                <a:glow rad="63500">
+                  <a:schemeClr val="bg1">
+                    <a:alpha val="40000"/>
+                  </a:schemeClr>
+                </a:glow>
+              </a:effectLst>
+            </a:endParaRPr>
           </a:p>
         </p:txBody>
       </p:sp>
@@ -27113,7 +28278,15 @@
           <a:lstStyle/>
           <a:p>
             <a:pPr algn="ctr"/>
-            <a:endParaRPr lang="fr-FR" dirty="0"/>
+            <a:endParaRPr lang="fr-FR" dirty="0">
+              <a:effectLst>
+                <a:glow rad="63500">
+                  <a:schemeClr val="bg1">
+                    <a:alpha val="40000"/>
+                  </a:schemeClr>
+                </a:glow>
+              </a:effectLst>
+            </a:endParaRPr>
           </a:p>
         </p:txBody>
       </p:sp>
@@ -27167,7 +28340,15 @@
           <a:lstStyle/>
           <a:p>
             <a:pPr algn="ctr"/>
-            <a:endParaRPr lang="fr-FR" dirty="0"/>
+            <a:endParaRPr lang="fr-FR" dirty="0">
+              <a:effectLst>
+                <a:glow rad="63500">
+                  <a:schemeClr val="bg1">
+                    <a:alpha val="40000"/>
+                  </a:schemeClr>
+                </a:glow>
+              </a:effectLst>
+            </a:endParaRPr>
           </a:p>
         </p:txBody>
       </p:sp>
@@ -27221,7 +28402,15 @@
           <a:lstStyle/>
           <a:p>
             <a:pPr algn="ctr"/>
-            <a:endParaRPr lang="fr-FR" dirty="0"/>
+            <a:endParaRPr lang="fr-FR" dirty="0">
+              <a:effectLst>
+                <a:glow rad="63500">
+                  <a:schemeClr val="bg1">
+                    <a:alpha val="40000"/>
+                  </a:schemeClr>
+                </a:glow>
+              </a:effectLst>
+            </a:endParaRPr>
           </a:p>
         </p:txBody>
       </p:sp>
@@ -27275,7 +28464,15 @@
           <a:lstStyle/>
           <a:p>
             <a:pPr algn="ctr"/>
-            <a:endParaRPr lang="fr-FR" dirty="0"/>
+            <a:endParaRPr lang="fr-FR" dirty="0">
+              <a:effectLst>
+                <a:glow rad="63500">
+                  <a:schemeClr val="bg1">
+                    <a:alpha val="40000"/>
+                  </a:schemeClr>
+                </a:glow>
+              </a:effectLst>
+            </a:endParaRPr>
           </a:p>
         </p:txBody>
       </p:sp>
@@ -27329,7 +28526,15 @@
           <a:lstStyle/>
           <a:p>
             <a:pPr algn="ctr"/>
-            <a:endParaRPr lang="fr-FR" dirty="0"/>
+            <a:endParaRPr lang="fr-FR" dirty="0">
+              <a:effectLst>
+                <a:glow rad="63500">
+                  <a:schemeClr val="bg1">
+                    <a:alpha val="40000"/>
+                  </a:schemeClr>
+                </a:glow>
+              </a:effectLst>
+            </a:endParaRPr>
           </a:p>
         </p:txBody>
       </p:sp>
@@ -27383,7 +28588,15 @@
           <a:lstStyle/>
           <a:p>
             <a:pPr algn="ctr"/>
-            <a:endParaRPr lang="fr-FR" dirty="0"/>
+            <a:endParaRPr lang="fr-FR" dirty="0">
+              <a:effectLst>
+                <a:glow rad="63500">
+                  <a:schemeClr val="bg1">
+                    <a:alpha val="40000"/>
+                  </a:schemeClr>
+                </a:glow>
+              </a:effectLst>
+            </a:endParaRPr>
           </a:p>
         </p:txBody>
       </p:sp>
@@ -27437,7 +28650,15 @@
           <a:lstStyle/>
           <a:p>
             <a:pPr algn="ctr"/>
-            <a:endParaRPr lang="fr-FR" dirty="0"/>
+            <a:endParaRPr lang="fr-FR" dirty="0">
+              <a:effectLst>
+                <a:glow rad="63500">
+                  <a:schemeClr val="bg1">
+                    <a:alpha val="40000"/>
+                  </a:schemeClr>
+                </a:glow>
+              </a:effectLst>
+            </a:endParaRPr>
           </a:p>
         </p:txBody>
       </p:sp>
@@ -27491,7 +28712,15 @@
           <a:lstStyle/>
           <a:p>
             <a:pPr algn="ctr"/>
-            <a:endParaRPr lang="fr-FR" dirty="0"/>
+            <a:endParaRPr lang="fr-FR" dirty="0">
+              <a:effectLst>
+                <a:glow rad="63500">
+                  <a:schemeClr val="bg1">
+                    <a:alpha val="40000"/>
+                  </a:schemeClr>
+                </a:glow>
+              </a:effectLst>
+            </a:endParaRPr>
           </a:p>
         </p:txBody>
       </p:sp>
@@ -27545,7 +28774,15 @@
           <a:lstStyle/>
           <a:p>
             <a:pPr algn="ctr"/>
-            <a:endParaRPr lang="fr-FR" dirty="0"/>
+            <a:endParaRPr lang="fr-FR" dirty="0">
+              <a:effectLst>
+                <a:glow rad="63500">
+                  <a:schemeClr val="bg1">
+                    <a:alpha val="40000"/>
+                  </a:schemeClr>
+                </a:glow>
+              </a:effectLst>
+            </a:endParaRPr>
           </a:p>
         </p:txBody>
       </p:sp>
@@ -27651,7 +28888,15 @@
           <a:lstStyle/>
           <a:p>
             <a:pPr algn="ctr"/>
-            <a:endParaRPr lang="fr-FR"/>
+            <a:endParaRPr lang="fr-FR">
+              <a:effectLst>
+                <a:glow rad="63500">
+                  <a:schemeClr val="bg1">
+                    <a:alpha val="40000"/>
+                  </a:schemeClr>
+                </a:glow>
+              </a:effectLst>
+            </a:endParaRPr>
           </a:p>
         </p:txBody>
       </p:sp>
@@ -27687,6 +28932,11 @@
             <a:r>
               <a:rPr lang="fr-FR" sz="1100" i="1" dirty="0">
                 <a:effectLst>
+                  <a:glow rad="63500">
+                    <a:schemeClr val="bg1">
+                      <a:alpha val="40000"/>
+                    </a:schemeClr>
+                  </a:glow>
                   <a:outerShdw blurRad="38100" dist="38100" dir="2700000" algn="tl">
                     <a:srgbClr val="000000">
                       <a:alpha val="43137"/>
@@ -27731,6 +28981,11 @@
             <a:r>
               <a:rPr lang="fr-FR" sz="1100" i="1" dirty="0">
                 <a:effectLst>
+                  <a:glow rad="63500">
+                    <a:schemeClr val="bg1">
+                      <a:alpha val="40000"/>
+                    </a:schemeClr>
+                  </a:glow>
                   <a:outerShdw blurRad="38100" dist="38100" dir="2700000" algn="tl">
                     <a:srgbClr val="000000">
                       <a:alpha val="43137"/>
@@ -27775,6 +29030,11 @@
             <a:r>
               <a:rPr lang="fr-FR" sz="1100" i="1" dirty="0">
                 <a:effectLst>
+                  <a:glow rad="63500">
+                    <a:schemeClr val="bg1">
+                      <a:alpha val="40000"/>
+                    </a:schemeClr>
+                  </a:glow>
                   <a:outerShdw blurRad="38100" dist="38100" dir="2700000" algn="tl">
                     <a:srgbClr val="000000">
                       <a:alpha val="43137"/>
@@ -27819,6 +29079,11 @@
             <a:r>
               <a:rPr lang="fr-FR" sz="1100" i="1" dirty="0">
                 <a:effectLst>
+                  <a:glow rad="63500">
+                    <a:schemeClr val="bg1">
+                      <a:alpha val="40000"/>
+                    </a:schemeClr>
+                  </a:glow>
                   <a:outerShdw blurRad="38100" dist="38100" dir="2700000" algn="tl">
                     <a:srgbClr val="000000">
                       <a:alpha val="43137"/>
@@ -27863,6 +29128,11 @@
             <a:r>
               <a:rPr lang="fr-FR" sz="1100" i="1" dirty="0">
                 <a:effectLst>
+                  <a:glow rad="63500">
+                    <a:schemeClr val="bg1">
+                      <a:alpha val="40000"/>
+                    </a:schemeClr>
+                  </a:glow>
                   <a:outerShdw blurRad="38100" dist="38100" dir="2700000" algn="tl">
                     <a:srgbClr val="000000">
                       <a:alpha val="43137"/>
@@ -27907,6 +29177,11 @@
             <a:r>
               <a:rPr lang="fr-FR" sz="1100" i="1" dirty="0">
                 <a:effectLst>
+                  <a:glow rad="63500">
+                    <a:schemeClr val="bg1">
+                      <a:alpha val="40000"/>
+                    </a:schemeClr>
+                  </a:glow>
                   <a:outerShdw blurRad="38100" dist="38100" dir="2700000" algn="tl">
                     <a:srgbClr val="000000">
                       <a:alpha val="43137"/>
@@ -27951,6 +29226,11 @@
             <a:r>
               <a:rPr lang="fr-FR" sz="1100" i="1" dirty="0">
                 <a:effectLst>
+                  <a:glow rad="63500">
+                    <a:schemeClr val="bg1">
+                      <a:alpha val="40000"/>
+                    </a:schemeClr>
+                  </a:glow>
                   <a:outerShdw blurRad="38100" dist="38100" dir="2700000" algn="tl">
                     <a:srgbClr val="000000">
                       <a:alpha val="43137"/>
@@ -27995,6 +29275,11 @@
             <a:r>
               <a:rPr lang="fr-FR" sz="1100" i="1" dirty="0">
                 <a:effectLst>
+                  <a:glow rad="63500">
+                    <a:schemeClr val="bg1">
+                      <a:alpha val="40000"/>
+                    </a:schemeClr>
+                  </a:glow>
                   <a:outerShdw blurRad="38100" dist="38100" dir="2700000" algn="tl">
                     <a:srgbClr val="000000">
                       <a:alpha val="43137"/>
@@ -28039,6 +29324,11 @@
             <a:r>
               <a:rPr lang="fr-FR" sz="1100" i="1" dirty="0">
                 <a:effectLst>
+                  <a:glow rad="63500">
+                    <a:schemeClr val="bg1">
+                      <a:alpha val="40000"/>
+                    </a:schemeClr>
+                  </a:glow>
                   <a:outerShdw blurRad="38100" dist="38100" dir="2700000" algn="tl">
                     <a:srgbClr val="000000">
                       <a:alpha val="43137"/>
@@ -28083,6 +29373,11 @@
             <a:r>
               <a:rPr lang="fr-FR" sz="1100" i="1" dirty="0">
                 <a:effectLst>
+                  <a:glow rad="63500">
+                    <a:schemeClr val="bg1">
+                      <a:alpha val="40000"/>
+                    </a:schemeClr>
+                  </a:glow>
                   <a:outerShdw blurRad="38100" dist="38100" dir="2700000" algn="tl">
                     <a:srgbClr val="000000">
                       <a:alpha val="43137"/>
@@ -28127,6 +29422,11 @@
             <a:r>
               <a:rPr lang="fr-FR" sz="1100" i="1" dirty="0">
                 <a:effectLst>
+                  <a:glow rad="63500">
+                    <a:schemeClr val="bg1">
+                      <a:alpha val="40000"/>
+                    </a:schemeClr>
+                  </a:glow>
                   <a:outerShdw blurRad="38100" dist="38100" dir="2700000" algn="tl">
                     <a:srgbClr val="000000">
                       <a:alpha val="43137"/>
@@ -28171,6 +29471,11 @@
             <a:r>
               <a:rPr lang="fr-FR" sz="1100" i="1" dirty="0">
                 <a:effectLst>
+                  <a:glow rad="63500">
+                    <a:schemeClr val="bg1">
+                      <a:alpha val="40000"/>
+                    </a:schemeClr>
+                  </a:glow>
                   <a:outerShdw blurRad="38100" dist="38100" dir="2700000" algn="tl">
                     <a:srgbClr val="000000">
                       <a:alpha val="43137"/>
@@ -28215,6 +29520,11 @@
             <a:r>
               <a:rPr lang="fr-FR" sz="1100" i="1" dirty="0">
                 <a:effectLst>
+                  <a:glow rad="63500">
+                    <a:schemeClr val="bg1">
+                      <a:alpha val="40000"/>
+                    </a:schemeClr>
+                  </a:glow>
                   <a:outerShdw blurRad="38100" dist="38100" dir="2700000" algn="tl">
                     <a:srgbClr val="000000">
                       <a:alpha val="43137"/>
@@ -28259,6 +29569,11 @@
             <a:r>
               <a:rPr lang="fr-FR" sz="1100" i="1" dirty="0">
                 <a:effectLst>
+                  <a:glow rad="63500">
+                    <a:schemeClr val="bg1">
+                      <a:alpha val="40000"/>
+                    </a:schemeClr>
+                  </a:glow>
                   <a:outerShdw blurRad="38100" dist="38100" dir="2700000" algn="tl">
                     <a:srgbClr val="000000">
                       <a:alpha val="43137"/>
@@ -28303,6 +29618,11 @@
             <a:r>
               <a:rPr lang="fr-FR" sz="1100" i="1" dirty="0">
                 <a:effectLst>
+                  <a:glow rad="63500">
+                    <a:schemeClr val="bg1">
+                      <a:alpha val="40000"/>
+                    </a:schemeClr>
+                  </a:glow>
                   <a:outerShdw blurRad="38100" dist="38100" dir="2700000" algn="tl">
                     <a:srgbClr val="000000">
                       <a:alpha val="43137"/>
@@ -28347,6 +29667,11 @@
             <a:r>
               <a:rPr lang="fr-FR" sz="1100" i="1" dirty="0">
                 <a:effectLst>
+                  <a:glow rad="63500">
+                    <a:schemeClr val="bg1">
+                      <a:alpha val="40000"/>
+                    </a:schemeClr>
+                  </a:glow>
                   <a:outerShdw blurRad="38100" dist="38100" dir="2700000" algn="tl">
                     <a:srgbClr val="000000">
                       <a:alpha val="43137"/>
@@ -28391,6 +29716,11 @@
             <a:r>
               <a:rPr lang="fr-FR" sz="1100" i="1" dirty="0">
                 <a:effectLst>
+                  <a:glow rad="63500">
+                    <a:schemeClr val="bg1">
+                      <a:alpha val="40000"/>
+                    </a:schemeClr>
+                  </a:glow>
                   <a:outerShdw blurRad="38100" dist="38100" dir="2700000" algn="tl">
                     <a:srgbClr val="000000">
                       <a:alpha val="43137"/>
@@ -28435,6 +29765,11 @@
             <a:r>
               <a:rPr lang="fr-FR" sz="1100" i="1" dirty="0">
                 <a:effectLst>
+                  <a:glow rad="63500">
+                    <a:schemeClr val="bg1">
+                      <a:alpha val="40000"/>
+                    </a:schemeClr>
+                  </a:glow>
                   <a:outerShdw blurRad="38100" dist="38100" dir="2700000" algn="tl">
                     <a:srgbClr val="000000">
                       <a:alpha val="43137"/>
@@ -28495,7 +29830,15 @@
           <a:lstStyle/>
           <a:p>
             <a:pPr algn="ctr"/>
-            <a:endParaRPr lang="fr-FR"/>
+            <a:endParaRPr lang="fr-FR">
+              <a:effectLst>
+                <a:glow rad="63500">
+                  <a:schemeClr val="bg1">
+                    <a:alpha val="40000"/>
+                  </a:schemeClr>
+                </a:glow>
+              </a:effectLst>
+            </a:endParaRPr>
           </a:p>
         </p:txBody>
       </p:sp>
@@ -29807,6 +31150,11 @@
             <a:r>
               <a:rPr lang="fr-FR" sz="1100" i="1" dirty="0">
                 <a:effectLst>
+                  <a:glow rad="63500">
+                    <a:schemeClr val="bg1">
+                      <a:alpha val="40000"/>
+                    </a:schemeClr>
+                  </a:glow>
                   <a:outerShdw blurRad="38100" dist="38100" dir="2700000" algn="tl">
                     <a:srgbClr val="000000">
                       <a:alpha val="43137"/>
@@ -29851,6 +31199,11 @@
             <a:r>
               <a:rPr lang="fr-FR" sz="1100" i="1" dirty="0">
                 <a:effectLst>
+                  <a:glow rad="63500">
+                    <a:schemeClr val="bg1">
+                      <a:alpha val="40000"/>
+                    </a:schemeClr>
+                  </a:glow>
                   <a:outerShdw blurRad="38100" dist="38100" dir="2700000" algn="tl">
                     <a:srgbClr val="000000">
                       <a:alpha val="43137"/>
@@ -29895,6 +31248,11 @@
             <a:r>
               <a:rPr lang="fr-FR" sz="1100" i="1" dirty="0">
                 <a:effectLst>
+                  <a:glow rad="63500">
+                    <a:schemeClr val="bg1">
+                      <a:alpha val="40000"/>
+                    </a:schemeClr>
+                  </a:glow>
                   <a:outerShdw blurRad="38100" dist="38100" dir="2700000" algn="tl">
                     <a:srgbClr val="000000">
                       <a:alpha val="43137"/>
@@ -29939,6 +31297,11 @@
             <a:r>
               <a:rPr lang="fr-FR" sz="1100" i="1" dirty="0">
                 <a:effectLst>
+                  <a:glow rad="63500">
+                    <a:schemeClr val="bg1">
+                      <a:alpha val="40000"/>
+                    </a:schemeClr>
+                  </a:glow>
                   <a:outerShdw blurRad="38100" dist="38100" dir="2700000" algn="tl">
                     <a:srgbClr val="000000">
                       <a:alpha val="43137"/>
@@ -29983,6 +31346,11 @@
             <a:r>
               <a:rPr lang="fr-FR" sz="1100" i="1" dirty="0">
                 <a:effectLst>
+                  <a:glow rad="63500">
+                    <a:schemeClr val="bg1">
+                      <a:alpha val="40000"/>
+                    </a:schemeClr>
+                  </a:glow>
                   <a:outerShdw blurRad="38100" dist="38100" dir="2700000" algn="tl">
                     <a:srgbClr val="000000">
                       <a:alpha val="43137"/>
@@ -30027,6 +31395,11 @@
             <a:r>
               <a:rPr lang="fr-FR" sz="1100" i="1" dirty="0">
                 <a:effectLst>
+                  <a:glow rad="63500">
+                    <a:schemeClr val="bg1">
+                      <a:alpha val="40000"/>
+                    </a:schemeClr>
+                  </a:glow>
                   <a:outerShdw blurRad="38100" dist="38100" dir="2700000" algn="tl">
                     <a:srgbClr val="000000">
                       <a:alpha val="43137"/>
@@ -30071,6 +31444,11 @@
             <a:r>
               <a:rPr lang="fr-FR" sz="1100" i="1" dirty="0">
                 <a:effectLst>
+                  <a:glow rad="63500">
+                    <a:schemeClr val="bg1">
+                      <a:alpha val="40000"/>
+                    </a:schemeClr>
+                  </a:glow>
                   <a:outerShdw blurRad="38100" dist="38100" dir="2700000" algn="tl">
                     <a:srgbClr val="000000">
                       <a:alpha val="43137"/>
@@ -30115,6 +31493,11 @@
             <a:r>
               <a:rPr lang="fr-FR" sz="1100" i="1" dirty="0">
                 <a:effectLst>
+                  <a:glow rad="63500">
+                    <a:schemeClr val="bg1">
+                      <a:alpha val="40000"/>
+                    </a:schemeClr>
+                  </a:glow>
                   <a:outerShdw blurRad="38100" dist="38100" dir="2700000" algn="tl">
                     <a:srgbClr val="000000">
                       <a:alpha val="43137"/>
@@ -30159,6 +31542,11 @@
             <a:r>
               <a:rPr lang="fr-FR" sz="1100" i="1" dirty="0">
                 <a:effectLst>
+                  <a:glow rad="63500">
+                    <a:schemeClr val="bg1">
+                      <a:alpha val="40000"/>
+                    </a:schemeClr>
+                  </a:glow>
                   <a:outerShdw blurRad="38100" dist="38100" dir="2700000" algn="tl">
                     <a:srgbClr val="000000">
                       <a:alpha val="43137"/>
@@ -30203,6 +31591,11 @@
             <a:r>
               <a:rPr lang="fr-FR" sz="1100" i="1" dirty="0">
                 <a:effectLst>
+                  <a:glow rad="63500">
+                    <a:schemeClr val="bg1">
+                      <a:alpha val="40000"/>
+                    </a:schemeClr>
+                  </a:glow>
                   <a:outerShdw blurRad="38100" dist="38100" dir="2700000" algn="tl">
                     <a:srgbClr val="000000">
                       <a:alpha val="43137"/>
@@ -30247,6 +31640,11 @@
             <a:r>
               <a:rPr lang="fr-FR" sz="1100" i="1" dirty="0">
                 <a:effectLst>
+                  <a:glow rad="63500">
+                    <a:schemeClr val="bg1">
+                      <a:alpha val="40000"/>
+                    </a:schemeClr>
+                  </a:glow>
                   <a:outerShdw blurRad="38100" dist="38100" dir="2700000" algn="tl">
                     <a:srgbClr val="000000">
                       <a:alpha val="43137"/>
@@ -30291,6 +31689,11 @@
             <a:r>
               <a:rPr lang="fr-FR" sz="1100" i="1" dirty="0">
                 <a:effectLst>
+                  <a:glow rad="63500">
+                    <a:schemeClr val="bg1">
+                      <a:alpha val="40000"/>
+                    </a:schemeClr>
+                  </a:glow>
                   <a:outerShdw blurRad="38100" dist="38100" dir="2700000" algn="tl">
                     <a:srgbClr val="000000">
                       <a:alpha val="43137"/>
@@ -30335,6 +31738,11 @@
             <a:r>
               <a:rPr lang="fr-FR" sz="1100" i="1" dirty="0">
                 <a:effectLst>
+                  <a:glow rad="63500">
+                    <a:schemeClr val="bg1">
+                      <a:alpha val="40000"/>
+                    </a:schemeClr>
+                  </a:glow>
                   <a:outerShdw blurRad="38100" dist="38100" dir="2700000" algn="tl">
                     <a:srgbClr val="000000">
                       <a:alpha val="43137"/>
@@ -30379,6 +31787,11 @@
             <a:r>
               <a:rPr lang="fr-FR" sz="1100" i="1" dirty="0">
                 <a:effectLst>
+                  <a:glow rad="63500">
+                    <a:schemeClr val="bg1">
+                      <a:alpha val="40000"/>
+                    </a:schemeClr>
+                  </a:glow>
                   <a:outerShdw blurRad="38100" dist="38100" dir="2700000" algn="tl">
                     <a:srgbClr val="000000">
                       <a:alpha val="43137"/>
@@ -30423,6 +31836,11 @@
             <a:r>
               <a:rPr lang="fr-FR" sz="1100" i="1" dirty="0">
                 <a:effectLst>
+                  <a:glow rad="63500">
+                    <a:schemeClr val="bg1">
+                      <a:alpha val="40000"/>
+                    </a:schemeClr>
+                  </a:glow>
                   <a:outerShdw blurRad="38100" dist="38100" dir="2700000" algn="tl">
                     <a:srgbClr val="000000">
                       <a:alpha val="43137"/>
@@ -30467,6 +31885,11 @@
             <a:r>
               <a:rPr lang="fr-FR" sz="1100" i="1" dirty="0">
                 <a:effectLst>
+                  <a:glow rad="63500">
+                    <a:schemeClr val="bg1">
+                      <a:alpha val="40000"/>
+                    </a:schemeClr>
+                  </a:glow>
                   <a:outerShdw blurRad="38100" dist="38100" dir="2700000" algn="tl">
                     <a:srgbClr val="000000">
                       <a:alpha val="43137"/>
@@ -30511,6 +31934,11 @@
             <a:r>
               <a:rPr lang="fr-FR" sz="1100" i="1" dirty="0">
                 <a:effectLst>
+                  <a:glow rad="63500">
+                    <a:schemeClr val="bg1">
+                      <a:alpha val="40000"/>
+                    </a:schemeClr>
+                  </a:glow>
                   <a:outerShdw blurRad="38100" dist="38100" dir="2700000" algn="tl">
                     <a:srgbClr val="000000">
                       <a:alpha val="43137"/>
@@ -30555,6 +31983,11 @@
             <a:r>
               <a:rPr lang="fr-FR" sz="1100" i="1" dirty="0">
                 <a:effectLst>
+                  <a:glow rad="63500">
+                    <a:schemeClr val="bg1">
+                      <a:alpha val="40000"/>
+                    </a:schemeClr>
+                  </a:glow>
                   <a:outerShdw blurRad="38100" dist="38100" dir="2700000" algn="tl">
                     <a:srgbClr val="000000">
                       <a:alpha val="43137"/>
@@ -33470,7 +34903,15 @@
           <a:lstStyle/>
           <a:p>
             <a:pPr algn="ctr"/>
-            <a:endParaRPr lang="fr-FR" dirty="0"/>
+            <a:endParaRPr lang="fr-FR" dirty="0">
+              <a:effectLst>
+                <a:glow rad="63500">
+                  <a:schemeClr val="bg1">
+                    <a:alpha val="40000"/>
+                  </a:schemeClr>
+                </a:glow>
+              </a:effectLst>
+            </a:endParaRPr>
           </a:p>
         </p:txBody>
       </p:sp>
@@ -33524,7 +34965,15 @@
           <a:lstStyle/>
           <a:p>
             <a:pPr algn="ctr"/>
-            <a:endParaRPr lang="fr-FR" dirty="0"/>
+            <a:endParaRPr lang="fr-FR" dirty="0">
+              <a:effectLst>
+                <a:glow rad="63500">
+                  <a:schemeClr val="bg1">
+                    <a:alpha val="40000"/>
+                  </a:schemeClr>
+                </a:glow>
+              </a:effectLst>
+            </a:endParaRPr>
           </a:p>
         </p:txBody>
       </p:sp>
@@ -33578,7 +35027,15 @@
           <a:lstStyle/>
           <a:p>
             <a:pPr algn="ctr"/>
-            <a:endParaRPr lang="fr-FR" dirty="0"/>
+            <a:endParaRPr lang="fr-FR" dirty="0">
+              <a:effectLst>
+                <a:glow rad="63500">
+                  <a:schemeClr val="bg1">
+                    <a:alpha val="40000"/>
+                  </a:schemeClr>
+                </a:glow>
+              </a:effectLst>
+            </a:endParaRPr>
           </a:p>
         </p:txBody>
       </p:sp>
@@ -33632,7 +35089,15 @@
           <a:lstStyle/>
           <a:p>
             <a:pPr algn="ctr"/>
-            <a:endParaRPr lang="fr-FR" dirty="0"/>
+            <a:endParaRPr lang="fr-FR" dirty="0">
+              <a:effectLst>
+                <a:glow rad="63500">
+                  <a:schemeClr val="bg1">
+                    <a:alpha val="40000"/>
+                  </a:schemeClr>
+                </a:glow>
+              </a:effectLst>
+            </a:endParaRPr>
           </a:p>
         </p:txBody>
       </p:sp>
@@ -33686,7 +35151,15 @@
           <a:lstStyle/>
           <a:p>
             <a:pPr algn="ctr"/>
-            <a:endParaRPr lang="fr-FR" dirty="0"/>
+            <a:endParaRPr lang="fr-FR" dirty="0">
+              <a:effectLst>
+                <a:glow rad="63500">
+                  <a:schemeClr val="bg1">
+                    <a:alpha val="40000"/>
+                  </a:schemeClr>
+                </a:glow>
+              </a:effectLst>
+            </a:endParaRPr>
           </a:p>
         </p:txBody>
       </p:sp>
@@ -33740,7 +35213,15 @@
           <a:lstStyle/>
           <a:p>
             <a:pPr algn="ctr"/>
-            <a:endParaRPr lang="fr-FR" dirty="0"/>
+            <a:endParaRPr lang="fr-FR" dirty="0">
+              <a:effectLst>
+                <a:glow rad="63500">
+                  <a:schemeClr val="bg1">
+                    <a:alpha val="40000"/>
+                  </a:schemeClr>
+                </a:glow>
+              </a:effectLst>
+            </a:endParaRPr>
           </a:p>
         </p:txBody>
       </p:sp>
@@ -33794,7 +35275,15 @@
           <a:lstStyle/>
           <a:p>
             <a:pPr algn="ctr"/>
-            <a:endParaRPr lang="fr-FR" dirty="0"/>
+            <a:endParaRPr lang="fr-FR" dirty="0">
+              <a:effectLst>
+                <a:glow rad="63500">
+                  <a:schemeClr val="bg1">
+                    <a:alpha val="40000"/>
+                  </a:schemeClr>
+                </a:glow>
+              </a:effectLst>
+            </a:endParaRPr>
           </a:p>
         </p:txBody>
       </p:sp>
@@ -33848,7 +35337,15 @@
           <a:lstStyle/>
           <a:p>
             <a:pPr algn="ctr"/>
-            <a:endParaRPr lang="fr-FR" dirty="0"/>
+            <a:endParaRPr lang="fr-FR" dirty="0">
+              <a:effectLst>
+                <a:glow rad="63500">
+                  <a:schemeClr val="bg1">
+                    <a:alpha val="40000"/>
+                  </a:schemeClr>
+                </a:glow>
+              </a:effectLst>
+            </a:endParaRPr>
           </a:p>
         </p:txBody>
       </p:sp>
@@ -33902,7 +35399,15 @@
           <a:lstStyle/>
           <a:p>
             <a:pPr algn="ctr"/>
-            <a:endParaRPr lang="fr-FR" dirty="0"/>
+            <a:endParaRPr lang="fr-FR" dirty="0">
+              <a:effectLst>
+                <a:glow rad="63500">
+                  <a:schemeClr val="bg1">
+                    <a:alpha val="40000"/>
+                  </a:schemeClr>
+                </a:glow>
+              </a:effectLst>
+            </a:endParaRPr>
           </a:p>
         </p:txBody>
       </p:sp>
@@ -34008,7 +35513,15 @@
           <a:lstStyle/>
           <a:p>
             <a:pPr algn="ctr"/>
-            <a:endParaRPr lang="fr-FR"/>
+            <a:endParaRPr lang="fr-FR">
+              <a:effectLst>
+                <a:glow rad="63500">
+                  <a:schemeClr val="bg1">
+                    <a:alpha val="40000"/>
+                  </a:schemeClr>
+                </a:glow>
+              </a:effectLst>
+            </a:endParaRPr>
           </a:p>
         </p:txBody>
       </p:sp>
@@ -34044,6 +35557,11 @@
             <a:r>
               <a:rPr lang="fr-FR" sz="1100" i="1" dirty="0">
                 <a:effectLst>
+                  <a:glow rad="63500">
+                    <a:schemeClr val="bg1">
+                      <a:alpha val="40000"/>
+                    </a:schemeClr>
+                  </a:glow>
                   <a:outerShdw blurRad="38100" dist="38100" dir="2700000" algn="tl">
                     <a:srgbClr val="000000">
                       <a:alpha val="43137"/>
@@ -34088,6 +35606,11 @@
             <a:r>
               <a:rPr lang="fr-FR" sz="1100" i="1" dirty="0">
                 <a:effectLst>
+                  <a:glow rad="63500">
+                    <a:schemeClr val="bg1">
+                      <a:alpha val="40000"/>
+                    </a:schemeClr>
+                  </a:glow>
                   <a:outerShdw blurRad="38100" dist="38100" dir="2700000" algn="tl">
                     <a:srgbClr val="000000">
                       <a:alpha val="43137"/>
@@ -34132,6 +35655,11 @@
             <a:r>
               <a:rPr lang="fr-FR" sz="1100" i="1" dirty="0">
                 <a:effectLst>
+                  <a:glow rad="63500">
+                    <a:schemeClr val="bg1">
+                      <a:alpha val="40000"/>
+                    </a:schemeClr>
+                  </a:glow>
                   <a:outerShdw blurRad="38100" dist="38100" dir="2700000" algn="tl">
                     <a:srgbClr val="000000">
                       <a:alpha val="43137"/>
@@ -34176,6 +35704,11 @@
             <a:r>
               <a:rPr lang="fr-FR" sz="1100" i="1" dirty="0">
                 <a:effectLst>
+                  <a:glow rad="63500">
+                    <a:schemeClr val="bg1">
+                      <a:alpha val="40000"/>
+                    </a:schemeClr>
+                  </a:glow>
                   <a:outerShdw blurRad="38100" dist="38100" dir="2700000" algn="tl">
                     <a:srgbClr val="000000">
                       <a:alpha val="43137"/>
@@ -34220,6 +35753,11 @@
             <a:r>
               <a:rPr lang="fr-FR" sz="1100" i="1" dirty="0">
                 <a:effectLst>
+                  <a:glow rad="63500">
+                    <a:schemeClr val="bg1">
+                      <a:alpha val="40000"/>
+                    </a:schemeClr>
+                  </a:glow>
                   <a:outerShdw blurRad="38100" dist="38100" dir="2700000" algn="tl">
                     <a:srgbClr val="000000">
                       <a:alpha val="43137"/>
@@ -34264,6 +35802,11 @@
             <a:r>
               <a:rPr lang="fr-FR" sz="1100" i="1" dirty="0">
                 <a:effectLst>
+                  <a:glow rad="63500">
+                    <a:schemeClr val="bg1">
+                      <a:alpha val="40000"/>
+                    </a:schemeClr>
+                  </a:glow>
                   <a:outerShdw blurRad="38100" dist="38100" dir="2700000" algn="tl">
                     <a:srgbClr val="000000">
                       <a:alpha val="43137"/>
@@ -34308,6 +35851,11 @@
             <a:r>
               <a:rPr lang="fr-FR" sz="1100" i="1" dirty="0">
                 <a:effectLst>
+                  <a:glow rad="63500">
+                    <a:schemeClr val="bg1">
+                      <a:alpha val="40000"/>
+                    </a:schemeClr>
+                  </a:glow>
                   <a:outerShdw blurRad="38100" dist="38100" dir="2700000" algn="tl">
                     <a:srgbClr val="000000">
                       <a:alpha val="43137"/>
@@ -34352,6 +35900,11 @@
             <a:r>
               <a:rPr lang="fr-FR" sz="1100" i="1" dirty="0">
                 <a:effectLst>
+                  <a:glow rad="63500">
+                    <a:schemeClr val="bg1">
+                      <a:alpha val="40000"/>
+                    </a:schemeClr>
+                  </a:glow>
                   <a:outerShdw blurRad="38100" dist="38100" dir="2700000" algn="tl">
                     <a:srgbClr val="000000">
                       <a:alpha val="43137"/>
@@ -34396,6 +35949,11 @@
             <a:r>
               <a:rPr lang="fr-FR" sz="1100" i="1" dirty="0">
                 <a:effectLst>
+                  <a:glow rad="63500">
+                    <a:schemeClr val="bg1">
+                      <a:alpha val="40000"/>
+                    </a:schemeClr>
+                  </a:glow>
                   <a:outerShdw blurRad="38100" dist="38100" dir="2700000" algn="tl">
                     <a:srgbClr val="000000">
                       <a:alpha val="43137"/>
@@ -34440,6 +35998,11 @@
             <a:r>
               <a:rPr lang="fr-FR" sz="1100" i="1" dirty="0">
                 <a:effectLst>
+                  <a:glow rad="63500">
+                    <a:schemeClr val="bg1">
+                      <a:alpha val="40000"/>
+                    </a:schemeClr>
+                  </a:glow>
                   <a:outerShdw blurRad="38100" dist="38100" dir="2700000" algn="tl">
                     <a:srgbClr val="000000">
                       <a:alpha val="43137"/>
@@ -34484,6 +36047,11 @@
             <a:r>
               <a:rPr lang="fr-FR" sz="1100" i="1" dirty="0">
                 <a:effectLst>
+                  <a:glow rad="63500">
+                    <a:schemeClr val="bg1">
+                      <a:alpha val="40000"/>
+                    </a:schemeClr>
+                  </a:glow>
                   <a:outerShdw blurRad="38100" dist="38100" dir="2700000" algn="tl">
                     <a:srgbClr val="000000">
                       <a:alpha val="43137"/>
@@ -34528,6 +36096,11 @@
             <a:r>
               <a:rPr lang="fr-FR" sz="1100" i="1" dirty="0">
                 <a:effectLst>
+                  <a:glow rad="63500">
+                    <a:schemeClr val="bg1">
+                      <a:alpha val="40000"/>
+                    </a:schemeClr>
+                  </a:glow>
                   <a:outerShdw blurRad="38100" dist="38100" dir="2700000" algn="tl">
                     <a:srgbClr val="000000">
                       <a:alpha val="43137"/>
@@ -34572,6 +36145,11 @@
             <a:r>
               <a:rPr lang="fr-FR" sz="1100" i="1" dirty="0">
                 <a:effectLst>
+                  <a:glow rad="63500">
+                    <a:schemeClr val="bg1">
+                      <a:alpha val="40000"/>
+                    </a:schemeClr>
+                  </a:glow>
                   <a:outerShdw blurRad="38100" dist="38100" dir="2700000" algn="tl">
                     <a:srgbClr val="000000">
                       <a:alpha val="43137"/>
@@ -34616,6 +36194,11 @@
             <a:r>
               <a:rPr lang="fr-FR" sz="1100" i="1" dirty="0">
                 <a:effectLst>
+                  <a:glow rad="63500">
+                    <a:schemeClr val="bg1">
+                      <a:alpha val="40000"/>
+                    </a:schemeClr>
+                  </a:glow>
                   <a:outerShdw blurRad="38100" dist="38100" dir="2700000" algn="tl">
                     <a:srgbClr val="000000">
                       <a:alpha val="43137"/>
@@ -34660,6 +36243,11 @@
             <a:r>
               <a:rPr lang="fr-FR" sz="1100" i="1" dirty="0">
                 <a:effectLst>
+                  <a:glow rad="63500">
+                    <a:schemeClr val="bg1">
+                      <a:alpha val="40000"/>
+                    </a:schemeClr>
+                  </a:glow>
                   <a:outerShdw blurRad="38100" dist="38100" dir="2700000" algn="tl">
                     <a:srgbClr val="000000">
                       <a:alpha val="43137"/>
@@ -34704,6 +36292,11 @@
             <a:r>
               <a:rPr lang="fr-FR" sz="1100" i="1" dirty="0">
                 <a:effectLst>
+                  <a:glow rad="63500">
+                    <a:schemeClr val="bg1">
+                      <a:alpha val="40000"/>
+                    </a:schemeClr>
+                  </a:glow>
                   <a:outerShdw blurRad="38100" dist="38100" dir="2700000" algn="tl">
                     <a:srgbClr val="000000">
                       <a:alpha val="43137"/>
@@ -34748,6 +36341,11 @@
             <a:r>
               <a:rPr lang="fr-FR" sz="1100" i="1" dirty="0">
                 <a:effectLst>
+                  <a:glow rad="63500">
+                    <a:schemeClr val="bg1">
+                      <a:alpha val="40000"/>
+                    </a:schemeClr>
+                  </a:glow>
                   <a:outerShdw blurRad="38100" dist="38100" dir="2700000" algn="tl">
                     <a:srgbClr val="000000">
                       <a:alpha val="43137"/>
@@ -34792,6 +36390,11 @@
             <a:r>
               <a:rPr lang="fr-FR" sz="1100" i="1" dirty="0">
                 <a:effectLst>
+                  <a:glow rad="63500">
+                    <a:schemeClr val="bg1">
+                      <a:alpha val="40000"/>
+                    </a:schemeClr>
+                  </a:glow>
                   <a:outerShdw blurRad="38100" dist="38100" dir="2700000" algn="tl">
                     <a:srgbClr val="000000">
                       <a:alpha val="43137"/>
@@ -34852,7 +36455,15 @@
           <a:lstStyle/>
           <a:p>
             <a:pPr algn="ctr"/>
-            <a:endParaRPr lang="fr-FR"/>
+            <a:endParaRPr lang="fr-FR">
+              <a:effectLst>
+                <a:glow rad="63500">
+                  <a:schemeClr val="bg1">
+                    <a:alpha val="40000"/>
+                  </a:schemeClr>
+                </a:glow>
+              </a:effectLst>
+            </a:endParaRPr>
           </a:p>
         </p:txBody>
       </p:sp>
@@ -36224,6 +37835,14 @@
             <a:avLst/>
           </a:prstGeom>
           <a:noFill/>
+          <a:effectLst>
+            <a:glow rad="63500">
+              <a:schemeClr val="accent2">
+                <a:satMod val="175000"/>
+                <a:alpha val="40000"/>
+              </a:schemeClr>
+            </a:glow>
+          </a:effectLst>
         </p:spPr>
         <p:txBody>
           <a:bodyPr wrap="square" rtlCol="0">
@@ -36235,6 +37854,11 @@
             <a:r>
               <a:rPr lang="fr-FR" sz="1100" i="1" dirty="0">
                 <a:effectLst>
+                  <a:glow rad="63500">
+                    <a:schemeClr val="bg1">
+                      <a:alpha val="40000"/>
+                    </a:schemeClr>
+                  </a:glow>
                   <a:outerShdw blurRad="38100" dist="38100" dir="2700000" algn="tl">
                     <a:srgbClr val="000000">
                       <a:alpha val="43137"/>
@@ -36279,6 +37903,11 @@
             <a:r>
               <a:rPr lang="fr-FR" sz="1100" i="1" dirty="0">
                 <a:effectLst>
+                  <a:glow rad="63500">
+                    <a:schemeClr val="bg1">
+                      <a:alpha val="40000"/>
+                    </a:schemeClr>
+                  </a:glow>
                   <a:outerShdw blurRad="38100" dist="38100" dir="2700000" algn="tl">
                     <a:srgbClr val="000000">
                       <a:alpha val="43137"/>
@@ -36323,6 +37952,11 @@
             <a:r>
               <a:rPr lang="fr-FR" sz="1100" i="1" dirty="0">
                 <a:effectLst>
+                  <a:glow rad="63500">
+                    <a:schemeClr val="bg1">
+                      <a:alpha val="40000"/>
+                    </a:schemeClr>
+                  </a:glow>
                   <a:outerShdw blurRad="38100" dist="38100" dir="2700000" algn="tl">
                     <a:srgbClr val="000000">
                       <a:alpha val="43137"/>
@@ -36367,6 +38001,11 @@
             <a:r>
               <a:rPr lang="fr-FR" sz="1100" i="1" dirty="0">
                 <a:effectLst>
+                  <a:glow rad="63500">
+                    <a:schemeClr val="bg1">
+                      <a:alpha val="40000"/>
+                    </a:schemeClr>
+                  </a:glow>
                   <a:outerShdw blurRad="38100" dist="38100" dir="2700000" algn="tl">
                     <a:srgbClr val="000000">
                       <a:alpha val="43137"/>
@@ -36411,6 +38050,11 @@
             <a:r>
               <a:rPr lang="fr-FR" sz="1100" i="1" dirty="0">
                 <a:effectLst>
+                  <a:glow rad="63500">
+                    <a:schemeClr val="bg1">
+                      <a:alpha val="40000"/>
+                    </a:schemeClr>
+                  </a:glow>
                   <a:outerShdw blurRad="38100" dist="38100" dir="2700000" algn="tl">
                     <a:srgbClr val="000000">
                       <a:alpha val="43137"/>
@@ -36455,6 +38099,11 @@
             <a:r>
               <a:rPr lang="fr-FR" sz="1100" i="1" dirty="0">
                 <a:effectLst>
+                  <a:glow rad="63500">
+                    <a:schemeClr val="bg1">
+                      <a:alpha val="40000"/>
+                    </a:schemeClr>
+                  </a:glow>
                   <a:outerShdw blurRad="38100" dist="38100" dir="2700000" algn="tl">
                     <a:srgbClr val="000000">
                       <a:alpha val="43137"/>
@@ -36499,6 +38148,11 @@
             <a:r>
               <a:rPr lang="fr-FR" sz="1100" i="1" dirty="0">
                 <a:effectLst>
+                  <a:glow rad="63500">
+                    <a:schemeClr val="bg1">
+                      <a:alpha val="40000"/>
+                    </a:schemeClr>
+                  </a:glow>
                   <a:outerShdw blurRad="38100" dist="38100" dir="2700000" algn="tl">
                     <a:srgbClr val="000000">
                       <a:alpha val="43137"/>
@@ -36543,6 +38197,11 @@
             <a:r>
               <a:rPr lang="fr-FR" sz="1100" i="1" dirty="0">
                 <a:effectLst>
+                  <a:glow rad="63500">
+                    <a:schemeClr val="bg1">
+                      <a:alpha val="40000"/>
+                    </a:schemeClr>
+                  </a:glow>
                   <a:outerShdw blurRad="38100" dist="38100" dir="2700000" algn="tl">
                     <a:srgbClr val="000000">
                       <a:alpha val="43137"/>
@@ -36587,6 +38246,11 @@
             <a:r>
               <a:rPr lang="fr-FR" sz="1100" i="1" dirty="0">
                 <a:effectLst>
+                  <a:glow rad="63500">
+                    <a:schemeClr val="bg1">
+                      <a:alpha val="40000"/>
+                    </a:schemeClr>
+                  </a:glow>
                   <a:outerShdw blurRad="38100" dist="38100" dir="2700000" algn="tl">
                     <a:srgbClr val="000000">
                       <a:alpha val="43137"/>
@@ -36631,6 +38295,11 @@
             <a:r>
               <a:rPr lang="fr-FR" sz="1100" i="1" dirty="0">
                 <a:effectLst>
+                  <a:glow rad="63500">
+                    <a:schemeClr val="bg1">
+                      <a:alpha val="40000"/>
+                    </a:schemeClr>
+                  </a:glow>
                   <a:outerShdw blurRad="38100" dist="38100" dir="2700000" algn="tl">
                     <a:srgbClr val="000000">
                       <a:alpha val="43137"/>
@@ -36675,6 +38344,11 @@
             <a:r>
               <a:rPr lang="fr-FR" sz="1100" i="1" dirty="0">
                 <a:effectLst>
+                  <a:glow rad="63500">
+                    <a:schemeClr val="bg1">
+                      <a:alpha val="40000"/>
+                    </a:schemeClr>
+                  </a:glow>
                   <a:outerShdw blurRad="38100" dist="38100" dir="2700000" algn="tl">
                     <a:srgbClr val="000000">
                       <a:alpha val="43137"/>
@@ -36719,6 +38393,11 @@
             <a:r>
               <a:rPr lang="fr-FR" sz="1100" i="1" dirty="0">
                 <a:effectLst>
+                  <a:glow rad="63500">
+                    <a:schemeClr val="bg1">
+                      <a:alpha val="40000"/>
+                    </a:schemeClr>
+                  </a:glow>
                   <a:outerShdw blurRad="38100" dist="38100" dir="2700000" algn="tl">
                     <a:srgbClr val="000000">
                       <a:alpha val="43137"/>
@@ -36763,6 +38442,11 @@
             <a:r>
               <a:rPr lang="fr-FR" sz="1100" i="1" dirty="0">
                 <a:effectLst>
+                  <a:glow rad="63500">
+                    <a:schemeClr val="bg1">
+                      <a:alpha val="40000"/>
+                    </a:schemeClr>
+                  </a:glow>
                   <a:outerShdw blurRad="38100" dist="38100" dir="2700000" algn="tl">
                     <a:srgbClr val="000000">
                       <a:alpha val="43137"/>
@@ -36807,6 +38491,11 @@
             <a:r>
               <a:rPr lang="fr-FR" sz="1100" i="1" dirty="0">
                 <a:effectLst>
+                  <a:glow rad="63500">
+                    <a:schemeClr val="bg1">
+                      <a:alpha val="40000"/>
+                    </a:schemeClr>
+                  </a:glow>
                   <a:outerShdw blurRad="38100" dist="38100" dir="2700000" algn="tl">
                     <a:srgbClr val="000000">
                       <a:alpha val="43137"/>
@@ -36851,6 +38540,11 @@
             <a:r>
               <a:rPr lang="fr-FR" sz="1100" i="1" dirty="0">
                 <a:effectLst>
+                  <a:glow rad="63500">
+                    <a:schemeClr val="bg1">
+                      <a:alpha val="40000"/>
+                    </a:schemeClr>
+                  </a:glow>
                   <a:outerShdw blurRad="38100" dist="38100" dir="2700000" algn="tl">
                     <a:srgbClr val="000000">
                       <a:alpha val="43137"/>
@@ -36895,6 +38589,11 @@
             <a:r>
               <a:rPr lang="fr-FR" sz="1100" i="1" dirty="0">
                 <a:effectLst>
+                  <a:glow rad="63500">
+                    <a:schemeClr val="bg1">
+                      <a:alpha val="40000"/>
+                    </a:schemeClr>
+                  </a:glow>
                   <a:outerShdw blurRad="38100" dist="38100" dir="2700000" algn="tl">
                     <a:srgbClr val="000000">
                       <a:alpha val="43137"/>
@@ -36939,6 +38638,11 @@
             <a:r>
               <a:rPr lang="fr-FR" sz="1100" i="1" dirty="0">
                 <a:effectLst>
+                  <a:glow rad="63500">
+                    <a:schemeClr val="bg1">
+                      <a:alpha val="40000"/>
+                    </a:schemeClr>
+                  </a:glow>
                   <a:outerShdw blurRad="38100" dist="38100" dir="2700000" algn="tl">
                     <a:srgbClr val="000000">
                       <a:alpha val="43137"/>
@@ -36983,6 +38687,11 @@
             <a:r>
               <a:rPr lang="fr-FR" sz="1100" i="1" dirty="0">
                 <a:effectLst>
+                  <a:glow rad="63500">
+                    <a:schemeClr val="bg1">
+                      <a:alpha val="40000"/>
+                    </a:schemeClr>
+                  </a:glow>
                   <a:outerShdw blurRad="38100" dist="38100" dir="2700000" algn="tl">
                     <a:srgbClr val="000000">
                       <a:alpha val="43137"/>
@@ -38614,6 +40323,11 @@
             <a:r>
               <a:rPr lang="fr-FR" sz="1100" i="1" dirty="0">
                 <a:effectLst>
+                  <a:glow rad="63500">
+                    <a:schemeClr val="bg1">
+                      <a:alpha val="40000"/>
+                    </a:schemeClr>
+                  </a:glow>
                   <a:outerShdw blurRad="38100" dist="38100" dir="2700000" algn="tl">
                     <a:srgbClr val="000000">
                       <a:alpha val="43137"/>
@@ -38658,6 +40372,11 @@
             <a:r>
               <a:rPr lang="fr-FR" sz="1100" i="1" dirty="0">
                 <a:effectLst>
+                  <a:glow rad="63500">
+                    <a:schemeClr val="bg1">
+                      <a:alpha val="40000"/>
+                    </a:schemeClr>
+                  </a:glow>
                   <a:outerShdw blurRad="38100" dist="38100" dir="2700000" algn="tl">
                     <a:srgbClr val="000000">
                       <a:alpha val="43137"/>
@@ -38702,6 +40421,11 @@
             <a:r>
               <a:rPr lang="fr-FR" sz="1100" i="1" dirty="0">
                 <a:effectLst>
+                  <a:glow rad="63500">
+                    <a:schemeClr val="bg1">
+                      <a:alpha val="40000"/>
+                    </a:schemeClr>
+                  </a:glow>
                   <a:outerShdw blurRad="38100" dist="38100" dir="2700000" algn="tl">
                     <a:srgbClr val="000000">
                       <a:alpha val="43137"/>
@@ -38746,6 +40470,11 @@
             <a:r>
               <a:rPr lang="fr-FR" sz="1100" i="1" dirty="0">
                 <a:effectLst>
+                  <a:glow rad="63500">
+                    <a:schemeClr val="bg1">
+                      <a:alpha val="40000"/>
+                    </a:schemeClr>
+                  </a:glow>
                   <a:outerShdw blurRad="38100" dist="38100" dir="2700000" algn="tl">
                     <a:srgbClr val="000000">
                       <a:alpha val="43137"/>
@@ -38790,6 +40519,11 @@
             <a:r>
               <a:rPr lang="fr-FR" sz="1100" i="1" dirty="0">
                 <a:effectLst>
+                  <a:glow rad="63500">
+                    <a:schemeClr val="bg1">
+                      <a:alpha val="40000"/>
+                    </a:schemeClr>
+                  </a:glow>
                   <a:outerShdw blurRad="38100" dist="38100" dir="2700000" algn="tl">
                     <a:srgbClr val="000000">
                       <a:alpha val="43137"/>
@@ -38834,6 +40568,11 @@
             <a:r>
               <a:rPr lang="fr-FR" sz="1100" i="1" dirty="0">
                 <a:effectLst>
+                  <a:glow rad="63500">
+                    <a:schemeClr val="bg1">
+                      <a:alpha val="40000"/>
+                    </a:schemeClr>
+                  </a:glow>
                   <a:outerShdw blurRad="38100" dist="38100" dir="2700000" algn="tl">
                     <a:srgbClr val="000000">
                       <a:alpha val="43137"/>
@@ -38878,6 +40617,11 @@
             <a:r>
               <a:rPr lang="fr-FR" sz="1100" i="1" dirty="0">
                 <a:effectLst>
+                  <a:glow rad="63500">
+                    <a:schemeClr val="bg1">
+                      <a:alpha val="40000"/>
+                    </a:schemeClr>
+                  </a:glow>
                   <a:outerShdw blurRad="38100" dist="38100" dir="2700000" algn="tl">
                     <a:srgbClr val="000000">
                       <a:alpha val="43137"/>
@@ -38922,6 +40666,11 @@
             <a:r>
               <a:rPr lang="fr-FR" sz="1100" i="1" dirty="0">
                 <a:effectLst>
+                  <a:glow rad="63500">
+                    <a:schemeClr val="bg1">
+                      <a:alpha val="40000"/>
+                    </a:schemeClr>
+                  </a:glow>
                   <a:outerShdw blurRad="38100" dist="38100" dir="2700000" algn="tl">
                     <a:srgbClr val="000000">
                       <a:alpha val="43137"/>
@@ -38966,6 +40715,11 @@
             <a:r>
               <a:rPr lang="fr-FR" sz="1100" i="1" dirty="0">
                 <a:effectLst>
+                  <a:glow rad="63500">
+                    <a:schemeClr val="bg1">
+                      <a:alpha val="40000"/>
+                    </a:schemeClr>
+                  </a:glow>
                   <a:outerShdw blurRad="38100" dist="38100" dir="2700000" algn="tl">
                     <a:srgbClr val="000000">
                       <a:alpha val="43137"/>
@@ -39010,6 +40764,11 @@
             <a:r>
               <a:rPr lang="fr-FR" sz="1100" i="1" dirty="0">
                 <a:effectLst>
+                  <a:glow rad="63500">
+                    <a:schemeClr val="bg1">
+                      <a:alpha val="40000"/>
+                    </a:schemeClr>
+                  </a:glow>
                   <a:outerShdw blurRad="38100" dist="38100" dir="2700000" algn="tl">
                     <a:srgbClr val="000000">
                       <a:alpha val="43137"/>
@@ -39054,6 +40813,11 @@
             <a:r>
               <a:rPr lang="fr-FR" sz="1100" i="1" dirty="0">
                 <a:effectLst>
+                  <a:glow rad="63500">
+                    <a:schemeClr val="bg1">
+                      <a:alpha val="40000"/>
+                    </a:schemeClr>
+                  </a:glow>
                   <a:outerShdw blurRad="38100" dist="38100" dir="2700000" algn="tl">
                     <a:srgbClr val="000000">
                       <a:alpha val="43137"/>
@@ -39098,6 +40862,11 @@
             <a:r>
               <a:rPr lang="fr-FR" sz="1100" i="1" dirty="0">
                 <a:effectLst>
+                  <a:glow rad="63500">
+                    <a:schemeClr val="bg1">
+                      <a:alpha val="40000"/>
+                    </a:schemeClr>
+                  </a:glow>
                   <a:outerShdw blurRad="38100" dist="38100" dir="2700000" algn="tl">
                     <a:srgbClr val="000000">
                       <a:alpha val="43137"/>
@@ -39142,6 +40911,11 @@
             <a:r>
               <a:rPr lang="fr-FR" sz="1100" i="1" dirty="0">
                 <a:effectLst>
+                  <a:glow rad="63500">
+                    <a:schemeClr val="bg1">
+                      <a:alpha val="40000"/>
+                    </a:schemeClr>
+                  </a:glow>
                   <a:outerShdw blurRad="38100" dist="38100" dir="2700000" algn="tl">
                     <a:srgbClr val="000000">
                       <a:alpha val="43137"/>
@@ -39186,6 +40960,11 @@
             <a:r>
               <a:rPr lang="fr-FR" sz="1100" i="1" dirty="0">
                 <a:effectLst>
+                  <a:glow rad="63500">
+                    <a:schemeClr val="bg1">
+                      <a:alpha val="40000"/>
+                    </a:schemeClr>
+                  </a:glow>
                   <a:outerShdw blurRad="38100" dist="38100" dir="2700000" algn="tl">
                     <a:srgbClr val="000000">
                       <a:alpha val="43137"/>
@@ -39230,6 +41009,11 @@
             <a:r>
               <a:rPr lang="fr-FR" sz="1100" i="1" dirty="0">
                 <a:effectLst>
+                  <a:glow rad="63500">
+                    <a:schemeClr val="bg1">
+                      <a:alpha val="40000"/>
+                    </a:schemeClr>
+                  </a:glow>
                   <a:outerShdw blurRad="38100" dist="38100" dir="2700000" algn="tl">
                     <a:srgbClr val="000000">
                       <a:alpha val="43137"/>
@@ -39274,6 +41058,11 @@
             <a:r>
               <a:rPr lang="fr-FR" sz="1100" i="1" dirty="0">
                 <a:effectLst>
+                  <a:glow rad="63500">
+                    <a:schemeClr val="bg1">
+                      <a:alpha val="40000"/>
+                    </a:schemeClr>
+                  </a:glow>
                   <a:outerShdw blurRad="38100" dist="38100" dir="2700000" algn="tl">
                     <a:srgbClr val="000000">
                       <a:alpha val="43137"/>
@@ -39318,6 +41107,11 @@
             <a:r>
               <a:rPr lang="fr-FR" sz="1100" i="1" dirty="0">
                 <a:effectLst>
+                  <a:glow rad="63500">
+                    <a:schemeClr val="bg1">
+                      <a:alpha val="40000"/>
+                    </a:schemeClr>
+                  </a:glow>
                   <a:outerShdw blurRad="38100" dist="38100" dir="2700000" algn="tl">
                     <a:srgbClr val="000000">
                       <a:alpha val="43137"/>
@@ -39362,6 +41156,11 @@
             <a:r>
               <a:rPr lang="fr-FR" sz="1100" i="1" dirty="0">
                 <a:effectLst>
+                  <a:glow rad="63500">
+                    <a:schemeClr val="bg1">
+                      <a:alpha val="40000"/>
+                    </a:schemeClr>
+                  </a:glow>
                   <a:outerShdw blurRad="38100" dist="38100" dir="2700000" algn="tl">
                     <a:srgbClr val="000000">
                       <a:alpha val="43137"/>
@@ -41669,6 +43468,11 @@
             <a:r>
               <a:rPr lang="fr-FR" sz="1100" i="1" dirty="0">
                 <a:effectLst>
+                  <a:glow rad="63500">
+                    <a:schemeClr val="bg1">
+                      <a:alpha val="40000"/>
+                    </a:schemeClr>
+                  </a:glow>
                   <a:outerShdw blurRad="38100" dist="38100" dir="2700000" algn="tl">
                     <a:srgbClr val="000000">
                       <a:alpha val="43137"/>
@@ -41713,6 +43517,11 @@
             <a:r>
               <a:rPr lang="fr-FR" sz="1100" i="1" dirty="0">
                 <a:effectLst>
+                  <a:glow rad="63500">
+                    <a:schemeClr val="bg1">
+                      <a:alpha val="40000"/>
+                    </a:schemeClr>
+                  </a:glow>
                   <a:outerShdw blurRad="38100" dist="38100" dir="2700000" algn="tl">
                     <a:srgbClr val="000000">
                       <a:alpha val="43137"/>
@@ -41757,6 +43566,11 @@
             <a:r>
               <a:rPr lang="fr-FR" sz="1100" i="1" dirty="0">
                 <a:effectLst>
+                  <a:glow rad="63500">
+                    <a:schemeClr val="bg1">
+                      <a:alpha val="40000"/>
+                    </a:schemeClr>
+                  </a:glow>
                   <a:outerShdw blurRad="38100" dist="38100" dir="2700000" algn="tl">
                     <a:srgbClr val="000000">
                       <a:alpha val="43137"/>
@@ -41801,6 +43615,11 @@
             <a:r>
               <a:rPr lang="fr-FR" sz="1100" i="1" dirty="0">
                 <a:effectLst>
+                  <a:glow rad="63500">
+                    <a:schemeClr val="bg1">
+                      <a:alpha val="40000"/>
+                    </a:schemeClr>
+                  </a:glow>
                   <a:outerShdw blurRad="38100" dist="38100" dir="2700000" algn="tl">
                     <a:srgbClr val="000000">
                       <a:alpha val="43137"/>
@@ -41845,6 +43664,11 @@
             <a:r>
               <a:rPr lang="fr-FR" sz="1100" i="1" dirty="0">
                 <a:effectLst>
+                  <a:glow rad="63500">
+                    <a:schemeClr val="bg1">
+                      <a:alpha val="40000"/>
+                    </a:schemeClr>
+                  </a:glow>
                   <a:outerShdw blurRad="38100" dist="38100" dir="2700000" algn="tl">
                     <a:srgbClr val="000000">
                       <a:alpha val="43137"/>
@@ -41889,6 +43713,11 @@
             <a:r>
               <a:rPr lang="fr-FR" sz="1100" i="1" dirty="0">
                 <a:effectLst>
+                  <a:glow rad="63500">
+                    <a:schemeClr val="bg1">
+                      <a:alpha val="40000"/>
+                    </a:schemeClr>
+                  </a:glow>
                   <a:outerShdw blurRad="38100" dist="38100" dir="2700000" algn="tl">
                     <a:srgbClr val="000000">
                       <a:alpha val="43137"/>
@@ -41933,6 +43762,11 @@
             <a:r>
               <a:rPr lang="fr-FR" sz="1100" i="1" dirty="0">
                 <a:effectLst>
+                  <a:glow rad="63500">
+                    <a:schemeClr val="bg1">
+                      <a:alpha val="40000"/>
+                    </a:schemeClr>
+                  </a:glow>
                   <a:outerShdw blurRad="38100" dist="38100" dir="2700000" algn="tl">
                     <a:srgbClr val="000000">
                       <a:alpha val="43137"/>
@@ -41977,6 +43811,11 @@
             <a:r>
               <a:rPr lang="fr-FR" sz="1100" i="1" dirty="0">
                 <a:effectLst>
+                  <a:glow rad="63500">
+                    <a:schemeClr val="bg1">
+                      <a:alpha val="40000"/>
+                    </a:schemeClr>
+                  </a:glow>
                   <a:outerShdw blurRad="38100" dist="38100" dir="2700000" algn="tl">
                     <a:srgbClr val="000000">
                       <a:alpha val="43137"/>
@@ -42021,6 +43860,11 @@
             <a:r>
               <a:rPr lang="fr-FR" sz="1100" i="1" dirty="0">
                 <a:effectLst>
+                  <a:glow rad="63500">
+                    <a:schemeClr val="bg1">
+                      <a:alpha val="40000"/>
+                    </a:schemeClr>
+                  </a:glow>
                   <a:outerShdw blurRad="38100" dist="38100" dir="2700000" algn="tl">
                     <a:srgbClr val="000000">
                       <a:alpha val="43137"/>
@@ -42065,6 +43909,11 @@
             <a:r>
               <a:rPr lang="fr-FR" sz="1100" i="1" dirty="0">
                 <a:effectLst>
+                  <a:glow rad="63500">
+                    <a:schemeClr val="bg1">
+                      <a:alpha val="40000"/>
+                    </a:schemeClr>
+                  </a:glow>
                   <a:outerShdw blurRad="38100" dist="38100" dir="2700000" algn="tl">
                     <a:srgbClr val="000000">
                       <a:alpha val="43137"/>
@@ -42109,6 +43958,11 @@
             <a:r>
               <a:rPr lang="fr-FR" sz="1100" i="1" dirty="0">
                 <a:effectLst>
+                  <a:glow rad="63500">
+                    <a:schemeClr val="bg1">
+                      <a:alpha val="40000"/>
+                    </a:schemeClr>
+                  </a:glow>
                   <a:outerShdw blurRad="38100" dist="38100" dir="2700000" algn="tl">
                     <a:srgbClr val="000000">
                       <a:alpha val="43137"/>
@@ -42153,6 +44007,11 @@
             <a:r>
               <a:rPr lang="fr-FR" sz="1100" i="1" dirty="0">
                 <a:effectLst>
+                  <a:glow rad="63500">
+                    <a:schemeClr val="bg1">
+                      <a:alpha val="40000"/>
+                    </a:schemeClr>
+                  </a:glow>
                   <a:outerShdw blurRad="38100" dist="38100" dir="2700000" algn="tl">
                     <a:srgbClr val="000000">
                       <a:alpha val="43137"/>
@@ -42197,6 +44056,11 @@
             <a:r>
               <a:rPr lang="fr-FR" sz="1100" i="1" dirty="0">
                 <a:effectLst>
+                  <a:glow rad="63500">
+                    <a:schemeClr val="bg1">
+                      <a:alpha val="40000"/>
+                    </a:schemeClr>
+                  </a:glow>
                   <a:outerShdw blurRad="38100" dist="38100" dir="2700000" algn="tl">
                     <a:srgbClr val="000000">
                       <a:alpha val="43137"/>
@@ -42241,6 +44105,11 @@
             <a:r>
               <a:rPr lang="fr-FR" sz="1100" i="1" dirty="0">
                 <a:effectLst>
+                  <a:glow rad="63500">
+                    <a:schemeClr val="bg1">
+                      <a:alpha val="40000"/>
+                    </a:schemeClr>
+                  </a:glow>
                   <a:outerShdw blurRad="38100" dist="38100" dir="2700000" algn="tl">
                     <a:srgbClr val="000000">
                       <a:alpha val="43137"/>
@@ -42285,6 +44154,11 @@
             <a:r>
               <a:rPr lang="fr-FR" sz="1100" i="1" dirty="0">
                 <a:effectLst>
+                  <a:glow rad="63500">
+                    <a:schemeClr val="bg1">
+                      <a:alpha val="40000"/>
+                    </a:schemeClr>
+                  </a:glow>
                   <a:outerShdw blurRad="38100" dist="38100" dir="2700000" algn="tl">
                     <a:srgbClr val="000000">
                       <a:alpha val="43137"/>
@@ -42329,6 +44203,11 @@
             <a:r>
               <a:rPr lang="fr-FR" sz="1100" i="1" dirty="0">
                 <a:effectLst>
+                  <a:glow rad="63500">
+                    <a:schemeClr val="bg1">
+                      <a:alpha val="40000"/>
+                    </a:schemeClr>
+                  </a:glow>
                   <a:outerShdw blurRad="38100" dist="38100" dir="2700000" algn="tl">
                     <a:srgbClr val="000000">
                       <a:alpha val="43137"/>
@@ -42373,6 +44252,11 @@
             <a:r>
               <a:rPr lang="fr-FR" sz="1100" i="1" dirty="0">
                 <a:effectLst>
+                  <a:glow rad="63500">
+                    <a:schemeClr val="bg1">
+                      <a:alpha val="40000"/>
+                    </a:schemeClr>
+                  </a:glow>
                   <a:outerShdw blurRad="38100" dist="38100" dir="2700000" algn="tl">
                     <a:srgbClr val="000000">
                       <a:alpha val="43137"/>
@@ -42417,6 +44301,11 @@
             <a:r>
               <a:rPr lang="fr-FR" sz="1100" i="1" dirty="0">
                 <a:effectLst>
+                  <a:glow rad="63500">
+                    <a:schemeClr val="bg1">
+                      <a:alpha val="40000"/>
+                    </a:schemeClr>
+                  </a:glow>
                   <a:outerShdw blurRad="38100" dist="38100" dir="2700000" algn="tl">
                     <a:srgbClr val="000000">
                       <a:alpha val="43137"/>
@@ -43753,6 +45642,11 @@
             <a:r>
               <a:rPr lang="fr-FR" sz="1100" i="1" dirty="0">
                 <a:effectLst>
+                  <a:glow rad="63500">
+                    <a:schemeClr val="bg1">
+                      <a:alpha val="40000"/>
+                    </a:schemeClr>
+                  </a:glow>
                   <a:outerShdw blurRad="38100" dist="38100" dir="2700000" algn="tl">
                     <a:srgbClr val="000000">
                       <a:alpha val="43137"/>
@@ -43797,6 +45691,11 @@
             <a:r>
               <a:rPr lang="fr-FR" sz="1100" i="1" dirty="0">
                 <a:effectLst>
+                  <a:glow rad="63500">
+                    <a:schemeClr val="bg1">
+                      <a:alpha val="40000"/>
+                    </a:schemeClr>
+                  </a:glow>
                   <a:outerShdw blurRad="38100" dist="38100" dir="2700000" algn="tl">
                     <a:srgbClr val="000000">
                       <a:alpha val="43137"/>
@@ -43841,6 +45740,11 @@
             <a:r>
               <a:rPr lang="fr-FR" sz="1100" i="1" dirty="0">
                 <a:effectLst>
+                  <a:glow rad="63500">
+                    <a:schemeClr val="bg1">
+                      <a:alpha val="40000"/>
+                    </a:schemeClr>
+                  </a:glow>
                   <a:outerShdw blurRad="38100" dist="38100" dir="2700000" algn="tl">
                     <a:srgbClr val="000000">
                       <a:alpha val="43137"/>
@@ -43885,6 +45789,11 @@
             <a:r>
               <a:rPr lang="fr-FR" sz="1100" i="1" dirty="0">
                 <a:effectLst>
+                  <a:glow rad="63500">
+                    <a:schemeClr val="bg1">
+                      <a:alpha val="40000"/>
+                    </a:schemeClr>
+                  </a:glow>
                   <a:outerShdw blurRad="38100" dist="38100" dir="2700000" algn="tl">
                     <a:srgbClr val="000000">
                       <a:alpha val="43137"/>
@@ -43929,6 +45838,11 @@
             <a:r>
               <a:rPr lang="fr-FR" sz="1100" i="1" dirty="0">
                 <a:effectLst>
+                  <a:glow rad="63500">
+                    <a:schemeClr val="bg1">
+                      <a:alpha val="40000"/>
+                    </a:schemeClr>
+                  </a:glow>
                   <a:outerShdw blurRad="38100" dist="38100" dir="2700000" algn="tl">
                     <a:srgbClr val="000000">
                       <a:alpha val="43137"/>
@@ -43973,6 +45887,11 @@
             <a:r>
               <a:rPr lang="fr-FR" sz="1100" i="1" dirty="0">
                 <a:effectLst>
+                  <a:glow rad="63500">
+                    <a:schemeClr val="bg1">
+                      <a:alpha val="40000"/>
+                    </a:schemeClr>
+                  </a:glow>
                   <a:outerShdw blurRad="38100" dist="38100" dir="2700000" algn="tl">
                     <a:srgbClr val="000000">
                       <a:alpha val="43137"/>
@@ -44017,6 +45936,11 @@
             <a:r>
               <a:rPr lang="fr-FR" sz="1100" i="1" dirty="0">
                 <a:effectLst>
+                  <a:glow rad="63500">
+                    <a:schemeClr val="bg1">
+                      <a:alpha val="40000"/>
+                    </a:schemeClr>
+                  </a:glow>
                   <a:outerShdw blurRad="38100" dist="38100" dir="2700000" algn="tl">
                     <a:srgbClr val="000000">
                       <a:alpha val="43137"/>
@@ -44061,6 +45985,11 @@
             <a:r>
               <a:rPr lang="fr-FR" sz="1100" i="1" dirty="0">
                 <a:effectLst>
+                  <a:glow rad="63500">
+                    <a:schemeClr val="bg1">
+                      <a:alpha val="40000"/>
+                    </a:schemeClr>
+                  </a:glow>
                   <a:outerShdw blurRad="38100" dist="38100" dir="2700000" algn="tl">
                     <a:srgbClr val="000000">
                       <a:alpha val="43137"/>
@@ -44105,6 +46034,11 @@
             <a:r>
               <a:rPr lang="fr-FR" sz="1100" i="1" dirty="0">
                 <a:effectLst>
+                  <a:glow rad="63500">
+                    <a:schemeClr val="bg1">
+                      <a:alpha val="40000"/>
+                    </a:schemeClr>
+                  </a:glow>
                   <a:outerShdw blurRad="38100" dist="38100" dir="2700000" algn="tl">
                     <a:srgbClr val="000000">
                       <a:alpha val="43137"/>
@@ -44149,6 +46083,11 @@
             <a:r>
               <a:rPr lang="fr-FR" sz="1100" i="1" dirty="0">
                 <a:effectLst>
+                  <a:glow rad="63500">
+                    <a:schemeClr val="bg1">
+                      <a:alpha val="40000"/>
+                    </a:schemeClr>
+                  </a:glow>
                   <a:outerShdw blurRad="38100" dist="38100" dir="2700000" algn="tl">
                     <a:srgbClr val="000000">
                       <a:alpha val="43137"/>
@@ -44193,6 +46132,11 @@
             <a:r>
               <a:rPr lang="fr-FR" sz="1100" i="1" dirty="0">
                 <a:effectLst>
+                  <a:glow rad="63500">
+                    <a:schemeClr val="bg1">
+                      <a:alpha val="40000"/>
+                    </a:schemeClr>
+                  </a:glow>
                   <a:outerShdw blurRad="38100" dist="38100" dir="2700000" algn="tl">
                     <a:srgbClr val="000000">
                       <a:alpha val="43137"/>
@@ -44237,6 +46181,11 @@
             <a:r>
               <a:rPr lang="fr-FR" sz="1100" i="1" dirty="0">
                 <a:effectLst>
+                  <a:glow rad="63500">
+                    <a:schemeClr val="bg1">
+                      <a:alpha val="40000"/>
+                    </a:schemeClr>
+                  </a:glow>
                   <a:outerShdw blurRad="38100" dist="38100" dir="2700000" algn="tl">
                     <a:srgbClr val="000000">
                       <a:alpha val="43137"/>
@@ -44281,6 +46230,11 @@
             <a:r>
               <a:rPr lang="fr-FR" sz="1100" i="1" dirty="0">
                 <a:effectLst>
+                  <a:glow rad="63500">
+                    <a:schemeClr val="bg1">
+                      <a:alpha val="40000"/>
+                    </a:schemeClr>
+                  </a:glow>
                   <a:outerShdw blurRad="38100" dist="38100" dir="2700000" algn="tl">
                     <a:srgbClr val="000000">
                       <a:alpha val="43137"/>
@@ -44325,6 +46279,11 @@
             <a:r>
               <a:rPr lang="fr-FR" sz="1100" i="1" dirty="0">
                 <a:effectLst>
+                  <a:glow rad="63500">
+                    <a:schemeClr val="bg1">
+                      <a:alpha val="40000"/>
+                    </a:schemeClr>
+                  </a:glow>
                   <a:outerShdw blurRad="38100" dist="38100" dir="2700000" algn="tl">
                     <a:srgbClr val="000000">
                       <a:alpha val="43137"/>
@@ -44369,6 +46328,11 @@
             <a:r>
               <a:rPr lang="fr-FR" sz="1100" i="1" dirty="0">
                 <a:effectLst>
+                  <a:glow rad="63500">
+                    <a:schemeClr val="bg1">
+                      <a:alpha val="40000"/>
+                    </a:schemeClr>
+                  </a:glow>
                   <a:outerShdw blurRad="38100" dist="38100" dir="2700000" algn="tl">
                     <a:srgbClr val="000000">
                       <a:alpha val="43137"/>
@@ -44413,6 +46377,11 @@
             <a:r>
               <a:rPr lang="fr-FR" sz="1100" i="1" dirty="0">
                 <a:effectLst>
+                  <a:glow rad="63500">
+                    <a:schemeClr val="bg1">
+                      <a:alpha val="40000"/>
+                    </a:schemeClr>
+                  </a:glow>
                   <a:outerShdw blurRad="38100" dist="38100" dir="2700000" algn="tl">
                     <a:srgbClr val="000000">
                       <a:alpha val="43137"/>
@@ -44457,6 +46426,11 @@
             <a:r>
               <a:rPr lang="fr-FR" sz="1100" i="1" dirty="0">
                 <a:effectLst>
+                  <a:glow rad="63500">
+                    <a:schemeClr val="bg1">
+                      <a:alpha val="40000"/>
+                    </a:schemeClr>
+                  </a:glow>
                   <a:outerShdw blurRad="38100" dist="38100" dir="2700000" algn="tl">
                     <a:srgbClr val="000000">
                       <a:alpha val="43137"/>
@@ -44501,6 +46475,11 @@
             <a:r>
               <a:rPr lang="fr-FR" sz="1100" i="1" dirty="0">
                 <a:effectLst>
+                  <a:glow rad="63500">
+                    <a:schemeClr val="bg1">
+                      <a:alpha val="40000"/>
+                    </a:schemeClr>
+                  </a:glow>
                   <a:outerShdw blurRad="38100" dist="38100" dir="2700000" algn="tl">
                     <a:srgbClr val="000000">
                       <a:alpha val="43137"/>
@@ -45407,7 +47386,15 @@
           <a:lstStyle/>
           <a:p>
             <a:pPr algn="ctr"/>
-            <a:endParaRPr lang="fr-FR" dirty="0"/>
+            <a:endParaRPr lang="fr-FR" dirty="0">
+              <a:effectLst>
+                <a:glow rad="63500">
+                  <a:schemeClr val="bg1">
+                    <a:alpha val="40000"/>
+                  </a:schemeClr>
+                </a:glow>
+              </a:effectLst>
+            </a:endParaRPr>
           </a:p>
         </p:txBody>
       </p:sp>
@@ -45461,7 +47448,15 @@
           <a:lstStyle/>
           <a:p>
             <a:pPr algn="ctr"/>
-            <a:endParaRPr lang="fr-FR" dirty="0"/>
+            <a:endParaRPr lang="fr-FR" dirty="0">
+              <a:effectLst>
+                <a:glow rad="63500">
+                  <a:schemeClr val="bg1">
+                    <a:alpha val="40000"/>
+                  </a:schemeClr>
+                </a:glow>
+              </a:effectLst>
+            </a:endParaRPr>
           </a:p>
         </p:txBody>
       </p:sp>
@@ -45515,7 +47510,15 @@
           <a:lstStyle/>
           <a:p>
             <a:pPr algn="ctr"/>
-            <a:endParaRPr lang="fr-FR" dirty="0"/>
+            <a:endParaRPr lang="fr-FR" dirty="0">
+              <a:effectLst>
+                <a:glow rad="63500">
+                  <a:schemeClr val="bg1">
+                    <a:alpha val="40000"/>
+                  </a:schemeClr>
+                </a:glow>
+              </a:effectLst>
+            </a:endParaRPr>
           </a:p>
         </p:txBody>
       </p:sp>
@@ -45569,7 +47572,15 @@
           <a:lstStyle/>
           <a:p>
             <a:pPr algn="ctr"/>
-            <a:endParaRPr lang="fr-FR" dirty="0"/>
+            <a:endParaRPr lang="fr-FR" dirty="0">
+              <a:effectLst>
+                <a:glow rad="63500">
+                  <a:schemeClr val="bg1">
+                    <a:alpha val="40000"/>
+                  </a:schemeClr>
+                </a:glow>
+              </a:effectLst>
+            </a:endParaRPr>
           </a:p>
         </p:txBody>
       </p:sp>
@@ -45623,7 +47634,15 @@
           <a:lstStyle/>
           <a:p>
             <a:pPr algn="ctr"/>
-            <a:endParaRPr lang="fr-FR" dirty="0"/>
+            <a:endParaRPr lang="fr-FR" dirty="0">
+              <a:effectLst>
+                <a:glow rad="63500">
+                  <a:schemeClr val="bg1">
+                    <a:alpha val="40000"/>
+                  </a:schemeClr>
+                </a:glow>
+              </a:effectLst>
+            </a:endParaRPr>
           </a:p>
         </p:txBody>
       </p:sp>
@@ -45731,7 +47750,15 @@
           <a:lstStyle/>
           <a:p>
             <a:pPr algn="ctr"/>
-            <a:endParaRPr lang="fr-FR" dirty="0"/>
+            <a:endParaRPr lang="fr-FR" dirty="0">
+              <a:effectLst>
+                <a:glow rad="63500">
+                  <a:schemeClr val="bg1">
+                    <a:alpha val="40000"/>
+                  </a:schemeClr>
+                </a:glow>
+              </a:effectLst>
+            </a:endParaRPr>
           </a:p>
         </p:txBody>
       </p:sp>
@@ -45785,7 +47812,15 @@
           <a:lstStyle/>
           <a:p>
             <a:pPr algn="ctr"/>
-            <a:endParaRPr lang="fr-FR" dirty="0"/>
+            <a:endParaRPr lang="fr-FR" dirty="0">
+              <a:effectLst>
+                <a:glow rad="63500">
+                  <a:schemeClr val="bg1">
+                    <a:alpha val="40000"/>
+                  </a:schemeClr>
+                </a:glow>
+              </a:effectLst>
+            </a:endParaRPr>
           </a:p>
         </p:txBody>
       </p:sp>
@@ -45839,7 +47874,15 @@
           <a:lstStyle/>
           <a:p>
             <a:pPr algn="ctr"/>
-            <a:endParaRPr lang="fr-FR" dirty="0"/>
+            <a:endParaRPr lang="fr-FR" dirty="0">
+              <a:effectLst>
+                <a:glow rad="63500">
+                  <a:schemeClr val="bg1">
+                    <a:alpha val="40000"/>
+                  </a:schemeClr>
+                </a:glow>
+              </a:effectLst>
+            </a:endParaRPr>
           </a:p>
         </p:txBody>
       </p:sp>
@@ -45945,7 +47988,15 @@
           <a:lstStyle/>
           <a:p>
             <a:pPr algn="ctr"/>
-            <a:endParaRPr lang="fr-FR"/>
+            <a:endParaRPr lang="fr-FR">
+              <a:effectLst>
+                <a:glow rad="63500">
+                  <a:schemeClr val="bg1">
+                    <a:alpha val="40000"/>
+                  </a:schemeClr>
+                </a:glow>
+              </a:effectLst>
+            </a:endParaRPr>
           </a:p>
         </p:txBody>
       </p:sp>
@@ -45981,6 +48032,11 @@
             <a:r>
               <a:rPr lang="fr-FR" sz="1100" i="1" dirty="0">
                 <a:effectLst>
+                  <a:glow rad="63500">
+                    <a:schemeClr val="bg1">
+                      <a:alpha val="40000"/>
+                    </a:schemeClr>
+                  </a:glow>
                   <a:outerShdw blurRad="38100" dist="38100" dir="2700000" algn="tl">
                     <a:srgbClr val="000000">
                       <a:alpha val="43137"/>
@@ -46025,6 +48081,11 @@
             <a:r>
               <a:rPr lang="fr-FR" sz="1100" i="1" dirty="0">
                 <a:effectLst>
+                  <a:glow rad="63500">
+                    <a:schemeClr val="bg1">
+                      <a:alpha val="40000"/>
+                    </a:schemeClr>
+                  </a:glow>
                   <a:outerShdw blurRad="38100" dist="38100" dir="2700000" algn="tl">
                     <a:srgbClr val="000000">
                       <a:alpha val="43137"/>
@@ -46069,6 +48130,11 @@
             <a:r>
               <a:rPr lang="fr-FR" sz="1100" i="1" dirty="0">
                 <a:effectLst>
+                  <a:glow rad="63500">
+                    <a:schemeClr val="bg1">
+                      <a:alpha val="40000"/>
+                    </a:schemeClr>
+                  </a:glow>
                   <a:outerShdw blurRad="38100" dist="38100" dir="2700000" algn="tl">
                     <a:srgbClr val="000000">
                       <a:alpha val="43137"/>
@@ -46113,6 +48179,11 @@
             <a:r>
               <a:rPr lang="fr-FR" sz="1100" i="1" dirty="0">
                 <a:effectLst>
+                  <a:glow rad="63500">
+                    <a:schemeClr val="bg1">
+                      <a:alpha val="40000"/>
+                    </a:schemeClr>
+                  </a:glow>
                   <a:outerShdw blurRad="38100" dist="38100" dir="2700000" algn="tl">
                     <a:srgbClr val="000000">
                       <a:alpha val="43137"/>
@@ -46157,6 +48228,11 @@
             <a:r>
               <a:rPr lang="fr-FR" sz="1100" i="1" dirty="0">
                 <a:effectLst>
+                  <a:glow rad="63500">
+                    <a:schemeClr val="bg1">
+                      <a:alpha val="40000"/>
+                    </a:schemeClr>
+                  </a:glow>
                   <a:outerShdw blurRad="38100" dist="38100" dir="2700000" algn="tl">
                     <a:srgbClr val="000000">
                       <a:alpha val="43137"/>
@@ -46201,6 +48277,11 @@
             <a:r>
               <a:rPr lang="fr-FR" sz="1100" i="1" dirty="0">
                 <a:effectLst>
+                  <a:glow rad="63500">
+                    <a:schemeClr val="bg1">
+                      <a:alpha val="40000"/>
+                    </a:schemeClr>
+                  </a:glow>
                   <a:outerShdw blurRad="38100" dist="38100" dir="2700000" algn="tl">
                     <a:srgbClr val="000000">
                       <a:alpha val="43137"/>
@@ -46245,6 +48326,11 @@
             <a:r>
               <a:rPr lang="fr-FR" sz="1100" i="1" dirty="0">
                 <a:effectLst>
+                  <a:glow rad="63500">
+                    <a:schemeClr val="bg1">
+                      <a:alpha val="40000"/>
+                    </a:schemeClr>
+                  </a:glow>
                   <a:outerShdw blurRad="38100" dist="38100" dir="2700000" algn="tl">
                     <a:srgbClr val="000000">
                       <a:alpha val="43137"/>
@@ -46289,6 +48375,11 @@
             <a:r>
               <a:rPr lang="fr-FR" sz="1100" i="1" dirty="0">
                 <a:effectLst>
+                  <a:glow rad="63500">
+                    <a:schemeClr val="bg1">
+                      <a:alpha val="40000"/>
+                    </a:schemeClr>
+                  </a:glow>
                   <a:outerShdw blurRad="38100" dist="38100" dir="2700000" algn="tl">
                     <a:srgbClr val="000000">
                       <a:alpha val="43137"/>
@@ -46333,6 +48424,11 @@
             <a:r>
               <a:rPr lang="fr-FR" sz="1100" i="1" dirty="0">
                 <a:effectLst>
+                  <a:glow rad="63500">
+                    <a:schemeClr val="bg1">
+                      <a:alpha val="40000"/>
+                    </a:schemeClr>
+                  </a:glow>
                   <a:outerShdw blurRad="38100" dist="38100" dir="2700000" algn="tl">
                     <a:srgbClr val="000000">
                       <a:alpha val="43137"/>
@@ -46377,6 +48473,11 @@
             <a:r>
               <a:rPr lang="fr-FR" sz="1100" i="1" dirty="0">
                 <a:effectLst>
+                  <a:glow rad="63500">
+                    <a:schemeClr val="bg1">
+                      <a:alpha val="40000"/>
+                    </a:schemeClr>
+                  </a:glow>
                   <a:outerShdw blurRad="38100" dist="38100" dir="2700000" algn="tl">
                     <a:srgbClr val="000000">
                       <a:alpha val="43137"/>
@@ -46421,6 +48522,11 @@
             <a:r>
               <a:rPr lang="fr-FR" sz="1100" i="1" dirty="0">
                 <a:effectLst>
+                  <a:glow rad="63500">
+                    <a:schemeClr val="bg1">
+                      <a:alpha val="40000"/>
+                    </a:schemeClr>
+                  </a:glow>
                   <a:outerShdw blurRad="38100" dist="38100" dir="2700000" algn="tl">
                     <a:srgbClr val="000000">
                       <a:alpha val="43137"/>
@@ -46465,6 +48571,11 @@
             <a:r>
               <a:rPr lang="fr-FR" sz="1100" i="1" dirty="0">
                 <a:effectLst>
+                  <a:glow rad="63500">
+                    <a:schemeClr val="bg1">
+                      <a:alpha val="40000"/>
+                    </a:schemeClr>
+                  </a:glow>
                   <a:outerShdw blurRad="38100" dist="38100" dir="2700000" algn="tl">
                     <a:srgbClr val="000000">
                       <a:alpha val="43137"/>
@@ -46509,6 +48620,11 @@
             <a:r>
               <a:rPr lang="fr-FR" sz="1100" i="1" dirty="0">
                 <a:effectLst>
+                  <a:glow rad="63500">
+                    <a:schemeClr val="bg1">
+                      <a:alpha val="40000"/>
+                    </a:schemeClr>
+                  </a:glow>
                   <a:outerShdw blurRad="38100" dist="38100" dir="2700000" algn="tl">
                     <a:srgbClr val="000000">
                       <a:alpha val="43137"/>
@@ -46553,6 +48669,11 @@
             <a:r>
               <a:rPr lang="fr-FR" sz="1100" i="1" dirty="0">
                 <a:effectLst>
+                  <a:glow rad="63500">
+                    <a:schemeClr val="bg1">
+                      <a:alpha val="40000"/>
+                    </a:schemeClr>
+                  </a:glow>
                   <a:outerShdw blurRad="38100" dist="38100" dir="2700000" algn="tl">
                     <a:srgbClr val="000000">
                       <a:alpha val="43137"/>
@@ -46597,6 +48718,11 @@
             <a:r>
               <a:rPr lang="fr-FR" sz="1100" i="1" dirty="0">
                 <a:effectLst>
+                  <a:glow rad="63500">
+                    <a:schemeClr val="bg1">
+                      <a:alpha val="40000"/>
+                    </a:schemeClr>
+                  </a:glow>
                   <a:outerShdw blurRad="38100" dist="38100" dir="2700000" algn="tl">
                     <a:srgbClr val="000000">
                       <a:alpha val="43137"/>
@@ -46641,6 +48767,11 @@
             <a:r>
               <a:rPr lang="fr-FR" sz="1100" i="1" dirty="0">
                 <a:effectLst>
+                  <a:glow rad="63500">
+                    <a:schemeClr val="bg1">
+                      <a:alpha val="40000"/>
+                    </a:schemeClr>
+                  </a:glow>
                   <a:outerShdw blurRad="38100" dist="38100" dir="2700000" algn="tl">
                     <a:srgbClr val="000000">
                       <a:alpha val="43137"/>
@@ -46685,6 +48816,11 @@
             <a:r>
               <a:rPr lang="fr-FR" sz="1100" i="1" dirty="0">
                 <a:effectLst>
+                  <a:glow rad="63500">
+                    <a:schemeClr val="bg1">
+                      <a:alpha val="40000"/>
+                    </a:schemeClr>
+                  </a:glow>
                   <a:outerShdw blurRad="38100" dist="38100" dir="2700000" algn="tl">
                     <a:srgbClr val="000000">
                       <a:alpha val="43137"/>
@@ -46729,6 +48865,11 @@
             <a:r>
               <a:rPr lang="fr-FR" sz="1100" i="1" dirty="0">
                 <a:effectLst>
+                  <a:glow rad="63500">
+                    <a:schemeClr val="bg1">
+                      <a:alpha val="40000"/>
+                    </a:schemeClr>
+                  </a:glow>
                   <a:outerShdw blurRad="38100" dist="38100" dir="2700000" algn="tl">
                     <a:srgbClr val="000000">
                       <a:alpha val="43137"/>
@@ -46789,7 +48930,15 @@
           <a:lstStyle/>
           <a:p>
             <a:pPr algn="ctr"/>
-            <a:endParaRPr lang="fr-FR"/>
+            <a:endParaRPr lang="fr-FR">
+              <a:effectLst>
+                <a:glow rad="63500">
+                  <a:schemeClr val="bg1">
+                    <a:alpha val="40000"/>
+                  </a:schemeClr>
+                </a:glow>
+              </a:effectLst>
+            </a:endParaRPr>
           </a:p>
         </p:txBody>
       </p:sp>
@@ -47518,7 +49667,15 @@
           <a:lstStyle/>
           <a:p>
             <a:pPr algn="ctr"/>
-            <a:endParaRPr lang="fr-FR" dirty="0"/>
+            <a:endParaRPr lang="fr-FR" dirty="0">
+              <a:effectLst>
+                <a:glow rad="63500">
+                  <a:schemeClr val="bg1">
+                    <a:alpha val="40000"/>
+                  </a:schemeClr>
+                </a:glow>
+              </a:effectLst>
+            </a:endParaRPr>
           </a:p>
         </p:txBody>
       </p:sp>
@@ -47572,7 +49729,15 @@
           <a:lstStyle/>
           <a:p>
             <a:pPr algn="ctr"/>
-            <a:endParaRPr lang="fr-FR" dirty="0"/>
+            <a:endParaRPr lang="fr-FR" dirty="0">
+              <a:effectLst>
+                <a:glow rad="63500">
+                  <a:schemeClr val="bg1">
+                    <a:alpha val="40000"/>
+                  </a:schemeClr>
+                </a:glow>
+              </a:effectLst>
+            </a:endParaRPr>
           </a:p>
         </p:txBody>
       </p:sp>
@@ -47626,7 +49791,15 @@
           <a:lstStyle/>
           <a:p>
             <a:pPr algn="ctr"/>
-            <a:endParaRPr lang="fr-FR" dirty="0"/>
+            <a:endParaRPr lang="fr-FR" dirty="0">
+              <a:effectLst>
+                <a:glow rad="63500">
+                  <a:schemeClr val="bg1">
+                    <a:alpha val="40000"/>
+                  </a:schemeClr>
+                </a:glow>
+              </a:effectLst>
+            </a:endParaRPr>
           </a:p>
         </p:txBody>
       </p:sp>
@@ -47680,7 +49853,15 @@
           <a:lstStyle/>
           <a:p>
             <a:pPr algn="ctr"/>
-            <a:endParaRPr lang="fr-FR" dirty="0"/>
+            <a:endParaRPr lang="fr-FR" dirty="0">
+              <a:effectLst>
+                <a:glow rad="63500">
+                  <a:schemeClr val="bg1">
+                    <a:alpha val="40000"/>
+                  </a:schemeClr>
+                </a:glow>
+              </a:effectLst>
+            </a:endParaRPr>
           </a:p>
         </p:txBody>
       </p:sp>
@@ -47734,7 +49915,15 @@
           <a:lstStyle/>
           <a:p>
             <a:pPr algn="ctr"/>
-            <a:endParaRPr lang="fr-FR" dirty="0"/>
+            <a:endParaRPr lang="fr-FR" dirty="0">
+              <a:effectLst>
+                <a:glow rad="63500">
+                  <a:schemeClr val="bg1">
+                    <a:alpha val="40000"/>
+                  </a:schemeClr>
+                </a:glow>
+              </a:effectLst>
+            </a:endParaRPr>
           </a:p>
         </p:txBody>
       </p:sp>
@@ -47842,7 +50031,15 @@
           <a:lstStyle/>
           <a:p>
             <a:pPr algn="ctr"/>
-            <a:endParaRPr lang="fr-FR" dirty="0"/>
+            <a:endParaRPr lang="fr-FR" dirty="0">
+              <a:effectLst>
+                <a:glow rad="63500">
+                  <a:schemeClr val="bg1">
+                    <a:alpha val="40000"/>
+                  </a:schemeClr>
+                </a:glow>
+              </a:effectLst>
+            </a:endParaRPr>
           </a:p>
         </p:txBody>
       </p:sp>
@@ -47896,7 +50093,15 @@
           <a:lstStyle/>
           <a:p>
             <a:pPr algn="ctr"/>
-            <a:endParaRPr lang="fr-FR" dirty="0"/>
+            <a:endParaRPr lang="fr-FR" dirty="0">
+              <a:effectLst>
+                <a:glow rad="63500">
+                  <a:schemeClr val="bg1">
+                    <a:alpha val="40000"/>
+                  </a:schemeClr>
+                </a:glow>
+              </a:effectLst>
+            </a:endParaRPr>
           </a:p>
         </p:txBody>
       </p:sp>
@@ -47950,7 +50155,15 @@
           <a:lstStyle/>
           <a:p>
             <a:pPr algn="ctr"/>
-            <a:endParaRPr lang="fr-FR" dirty="0"/>
+            <a:endParaRPr lang="fr-FR" dirty="0">
+              <a:effectLst>
+                <a:glow rad="63500">
+                  <a:schemeClr val="bg1">
+                    <a:alpha val="40000"/>
+                  </a:schemeClr>
+                </a:glow>
+              </a:effectLst>
+            </a:endParaRPr>
           </a:p>
         </p:txBody>
       </p:sp>
@@ -48056,7 +50269,15 @@
           <a:lstStyle/>
           <a:p>
             <a:pPr algn="ctr"/>
-            <a:endParaRPr lang="fr-FR"/>
+            <a:endParaRPr lang="fr-FR">
+              <a:effectLst>
+                <a:glow rad="63500">
+                  <a:schemeClr val="bg1">
+                    <a:alpha val="40000"/>
+                  </a:schemeClr>
+                </a:glow>
+              </a:effectLst>
+            </a:endParaRPr>
           </a:p>
         </p:txBody>
       </p:sp>
@@ -48092,6 +50313,11 @@
             <a:r>
               <a:rPr lang="fr-FR" sz="1100" i="1" dirty="0">
                 <a:effectLst>
+                  <a:glow rad="63500">
+                    <a:schemeClr val="bg1">
+                      <a:alpha val="40000"/>
+                    </a:schemeClr>
+                  </a:glow>
                   <a:outerShdw blurRad="38100" dist="38100" dir="2700000" algn="tl">
                     <a:srgbClr val="000000">
                       <a:alpha val="43137"/>
@@ -48136,6 +50362,11 @@
             <a:r>
               <a:rPr lang="fr-FR" sz="1100" i="1" dirty="0">
                 <a:effectLst>
+                  <a:glow rad="63500">
+                    <a:schemeClr val="bg1">
+                      <a:alpha val="40000"/>
+                    </a:schemeClr>
+                  </a:glow>
                   <a:outerShdw blurRad="38100" dist="38100" dir="2700000" algn="tl">
                     <a:srgbClr val="000000">
                       <a:alpha val="43137"/>
@@ -48180,6 +50411,11 @@
             <a:r>
               <a:rPr lang="fr-FR" sz="1100" i="1" dirty="0">
                 <a:effectLst>
+                  <a:glow rad="63500">
+                    <a:schemeClr val="bg1">
+                      <a:alpha val="40000"/>
+                    </a:schemeClr>
+                  </a:glow>
                   <a:outerShdw blurRad="38100" dist="38100" dir="2700000" algn="tl">
                     <a:srgbClr val="000000">
                       <a:alpha val="43137"/>
@@ -48224,6 +50460,11 @@
             <a:r>
               <a:rPr lang="fr-FR" sz="1100" i="1" dirty="0">
                 <a:effectLst>
+                  <a:glow rad="63500">
+                    <a:schemeClr val="bg1">
+                      <a:alpha val="40000"/>
+                    </a:schemeClr>
+                  </a:glow>
                   <a:outerShdw blurRad="38100" dist="38100" dir="2700000" algn="tl">
                     <a:srgbClr val="000000">
                       <a:alpha val="43137"/>
@@ -48268,6 +50509,11 @@
             <a:r>
               <a:rPr lang="fr-FR" sz="1100" i="1" dirty="0">
                 <a:effectLst>
+                  <a:glow rad="63500">
+                    <a:schemeClr val="bg1">
+                      <a:alpha val="40000"/>
+                    </a:schemeClr>
+                  </a:glow>
                   <a:outerShdw blurRad="38100" dist="38100" dir="2700000" algn="tl">
                     <a:srgbClr val="000000">
                       <a:alpha val="43137"/>
@@ -48312,6 +50558,11 @@
             <a:r>
               <a:rPr lang="fr-FR" sz="1100" i="1" dirty="0">
                 <a:effectLst>
+                  <a:glow rad="63500">
+                    <a:schemeClr val="bg1">
+                      <a:alpha val="40000"/>
+                    </a:schemeClr>
+                  </a:glow>
                   <a:outerShdw blurRad="38100" dist="38100" dir="2700000" algn="tl">
                     <a:srgbClr val="000000">
                       <a:alpha val="43137"/>
@@ -48356,6 +50607,11 @@
             <a:r>
               <a:rPr lang="fr-FR" sz="1100" i="1" dirty="0">
                 <a:effectLst>
+                  <a:glow rad="63500">
+                    <a:schemeClr val="bg1">
+                      <a:alpha val="40000"/>
+                    </a:schemeClr>
+                  </a:glow>
                   <a:outerShdw blurRad="38100" dist="38100" dir="2700000" algn="tl">
                     <a:srgbClr val="000000">
                       <a:alpha val="43137"/>
@@ -48400,6 +50656,11 @@
             <a:r>
               <a:rPr lang="fr-FR" sz="1100" i="1" dirty="0">
                 <a:effectLst>
+                  <a:glow rad="63500">
+                    <a:schemeClr val="bg1">
+                      <a:alpha val="40000"/>
+                    </a:schemeClr>
+                  </a:glow>
                   <a:outerShdw blurRad="38100" dist="38100" dir="2700000" algn="tl">
                     <a:srgbClr val="000000">
                       <a:alpha val="43137"/>
@@ -48444,6 +50705,11 @@
             <a:r>
               <a:rPr lang="fr-FR" sz="1100" i="1" dirty="0">
                 <a:effectLst>
+                  <a:glow rad="63500">
+                    <a:schemeClr val="bg1">
+                      <a:alpha val="40000"/>
+                    </a:schemeClr>
+                  </a:glow>
                   <a:outerShdw blurRad="38100" dist="38100" dir="2700000" algn="tl">
                     <a:srgbClr val="000000">
                       <a:alpha val="43137"/>
@@ -48488,6 +50754,11 @@
             <a:r>
               <a:rPr lang="fr-FR" sz="1100" i="1" dirty="0">
                 <a:effectLst>
+                  <a:glow rad="63500">
+                    <a:schemeClr val="bg1">
+                      <a:alpha val="40000"/>
+                    </a:schemeClr>
+                  </a:glow>
                   <a:outerShdw blurRad="38100" dist="38100" dir="2700000" algn="tl">
                     <a:srgbClr val="000000">
                       <a:alpha val="43137"/>
@@ -48532,6 +50803,11 @@
             <a:r>
               <a:rPr lang="fr-FR" sz="1100" i="1" dirty="0">
                 <a:effectLst>
+                  <a:glow rad="63500">
+                    <a:schemeClr val="bg1">
+                      <a:alpha val="40000"/>
+                    </a:schemeClr>
+                  </a:glow>
                   <a:outerShdw blurRad="38100" dist="38100" dir="2700000" algn="tl">
                     <a:srgbClr val="000000">
                       <a:alpha val="43137"/>
@@ -48576,6 +50852,11 @@
             <a:r>
               <a:rPr lang="fr-FR" sz="1100" i="1" dirty="0">
                 <a:effectLst>
+                  <a:glow rad="63500">
+                    <a:schemeClr val="bg1">
+                      <a:alpha val="40000"/>
+                    </a:schemeClr>
+                  </a:glow>
                   <a:outerShdw blurRad="38100" dist="38100" dir="2700000" algn="tl">
                     <a:srgbClr val="000000">
                       <a:alpha val="43137"/>
@@ -48620,6 +50901,11 @@
             <a:r>
               <a:rPr lang="fr-FR" sz="1100" i="1" dirty="0">
                 <a:effectLst>
+                  <a:glow rad="63500">
+                    <a:schemeClr val="bg1">
+                      <a:alpha val="40000"/>
+                    </a:schemeClr>
+                  </a:glow>
                   <a:outerShdw blurRad="38100" dist="38100" dir="2700000" algn="tl">
                     <a:srgbClr val="000000">
                       <a:alpha val="43137"/>
@@ -48664,6 +50950,11 @@
             <a:r>
               <a:rPr lang="fr-FR" sz="1100" i="1" dirty="0">
                 <a:effectLst>
+                  <a:glow rad="63500">
+                    <a:schemeClr val="bg1">
+                      <a:alpha val="40000"/>
+                    </a:schemeClr>
+                  </a:glow>
                   <a:outerShdw blurRad="38100" dist="38100" dir="2700000" algn="tl">
                     <a:srgbClr val="000000">
                       <a:alpha val="43137"/>
@@ -48708,6 +50999,11 @@
             <a:r>
               <a:rPr lang="fr-FR" sz="1100" i="1" dirty="0">
                 <a:effectLst>
+                  <a:glow rad="63500">
+                    <a:schemeClr val="bg1">
+                      <a:alpha val="40000"/>
+                    </a:schemeClr>
+                  </a:glow>
                   <a:outerShdw blurRad="38100" dist="38100" dir="2700000" algn="tl">
                     <a:srgbClr val="000000">
                       <a:alpha val="43137"/>
@@ -48752,6 +51048,11 @@
             <a:r>
               <a:rPr lang="fr-FR" sz="1100" i="1" dirty="0">
                 <a:effectLst>
+                  <a:glow rad="63500">
+                    <a:schemeClr val="bg1">
+                      <a:alpha val="40000"/>
+                    </a:schemeClr>
+                  </a:glow>
                   <a:outerShdw blurRad="38100" dist="38100" dir="2700000" algn="tl">
                     <a:srgbClr val="000000">
                       <a:alpha val="43137"/>
@@ -48796,6 +51097,11 @@
             <a:r>
               <a:rPr lang="fr-FR" sz="1100" i="1" dirty="0">
                 <a:effectLst>
+                  <a:glow rad="63500">
+                    <a:schemeClr val="bg1">
+                      <a:alpha val="40000"/>
+                    </a:schemeClr>
+                  </a:glow>
                   <a:outerShdw blurRad="38100" dist="38100" dir="2700000" algn="tl">
                     <a:srgbClr val="000000">
                       <a:alpha val="43137"/>
@@ -48840,6 +51146,11 @@
             <a:r>
               <a:rPr lang="fr-FR" sz="1100" i="1" dirty="0">
                 <a:effectLst>
+                  <a:glow rad="63500">
+                    <a:schemeClr val="bg1">
+                      <a:alpha val="40000"/>
+                    </a:schemeClr>
+                  </a:glow>
                   <a:outerShdw blurRad="38100" dist="38100" dir="2700000" algn="tl">
                     <a:srgbClr val="000000">
                       <a:alpha val="43137"/>
@@ -50173,6 +52484,11 @@
             <a:r>
               <a:rPr lang="fr-FR" sz="1100" i="1" dirty="0">
                 <a:effectLst>
+                  <a:glow rad="63500">
+                    <a:schemeClr val="bg1">
+                      <a:alpha val="40000"/>
+                    </a:schemeClr>
+                  </a:glow>
                   <a:outerShdw blurRad="38100" dist="38100" dir="2700000" algn="tl">
                     <a:srgbClr val="000000">
                       <a:alpha val="43137"/>
@@ -50217,6 +52533,11 @@
             <a:r>
               <a:rPr lang="fr-FR" sz="1100" i="1" dirty="0">
                 <a:effectLst>
+                  <a:glow rad="63500">
+                    <a:schemeClr val="bg1">
+                      <a:alpha val="40000"/>
+                    </a:schemeClr>
+                  </a:glow>
                   <a:outerShdw blurRad="38100" dist="38100" dir="2700000" algn="tl">
                     <a:srgbClr val="000000">
                       <a:alpha val="43137"/>
@@ -50261,6 +52582,11 @@
             <a:r>
               <a:rPr lang="fr-FR" sz="1100" i="1" dirty="0">
                 <a:effectLst>
+                  <a:glow rad="63500">
+                    <a:schemeClr val="bg1">
+                      <a:alpha val="40000"/>
+                    </a:schemeClr>
+                  </a:glow>
                   <a:outerShdw blurRad="38100" dist="38100" dir="2700000" algn="tl">
                     <a:srgbClr val="000000">
                       <a:alpha val="43137"/>
@@ -50305,6 +52631,11 @@
             <a:r>
               <a:rPr lang="fr-FR" sz="1100" i="1" dirty="0">
                 <a:effectLst>
+                  <a:glow rad="63500">
+                    <a:schemeClr val="bg1">
+                      <a:alpha val="40000"/>
+                    </a:schemeClr>
+                  </a:glow>
                   <a:outerShdw blurRad="38100" dist="38100" dir="2700000" algn="tl">
                     <a:srgbClr val="000000">
                       <a:alpha val="43137"/>
@@ -50349,6 +52680,11 @@
             <a:r>
               <a:rPr lang="fr-FR" sz="1100" i="1" dirty="0">
                 <a:effectLst>
+                  <a:glow rad="63500">
+                    <a:schemeClr val="bg1">
+                      <a:alpha val="40000"/>
+                    </a:schemeClr>
+                  </a:glow>
                   <a:outerShdw blurRad="38100" dist="38100" dir="2700000" algn="tl">
                     <a:srgbClr val="000000">
                       <a:alpha val="43137"/>
@@ -50393,6 +52729,11 @@
             <a:r>
               <a:rPr lang="fr-FR" sz="1100" i="1" dirty="0">
                 <a:effectLst>
+                  <a:glow rad="63500">
+                    <a:schemeClr val="bg1">
+                      <a:alpha val="40000"/>
+                    </a:schemeClr>
+                  </a:glow>
                   <a:outerShdw blurRad="38100" dist="38100" dir="2700000" algn="tl">
                     <a:srgbClr val="000000">
                       <a:alpha val="43137"/>
@@ -50437,6 +52778,11 @@
             <a:r>
               <a:rPr lang="fr-FR" sz="1100" i="1" dirty="0">
                 <a:effectLst>
+                  <a:glow rad="63500">
+                    <a:schemeClr val="bg1">
+                      <a:alpha val="40000"/>
+                    </a:schemeClr>
+                  </a:glow>
                   <a:outerShdw blurRad="38100" dist="38100" dir="2700000" algn="tl">
                     <a:srgbClr val="000000">
                       <a:alpha val="43137"/>
@@ -50481,6 +52827,11 @@
             <a:r>
               <a:rPr lang="fr-FR" sz="1100" i="1" dirty="0">
                 <a:effectLst>
+                  <a:glow rad="63500">
+                    <a:schemeClr val="bg1">
+                      <a:alpha val="40000"/>
+                    </a:schemeClr>
+                  </a:glow>
                   <a:outerShdw blurRad="38100" dist="38100" dir="2700000" algn="tl">
                     <a:srgbClr val="000000">
                       <a:alpha val="43137"/>
@@ -50525,6 +52876,11 @@
             <a:r>
               <a:rPr lang="fr-FR" sz="1100" i="1" dirty="0">
                 <a:effectLst>
+                  <a:glow rad="63500">
+                    <a:schemeClr val="bg1">
+                      <a:alpha val="40000"/>
+                    </a:schemeClr>
+                  </a:glow>
                   <a:outerShdw blurRad="38100" dist="38100" dir="2700000" algn="tl">
                     <a:srgbClr val="000000">
                       <a:alpha val="43137"/>
@@ -50569,6 +52925,11 @@
             <a:r>
               <a:rPr lang="fr-FR" sz="1100" i="1" dirty="0">
                 <a:effectLst>
+                  <a:glow rad="63500">
+                    <a:schemeClr val="bg1">
+                      <a:alpha val="40000"/>
+                    </a:schemeClr>
+                  </a:glow>
                   <a:outerShdw blurRad="38100" dist="38100" dir="2700000" algn="tl">
                     <a:srgbClr val="000000">
                       <a:alpha val="43137"/>
@@ -50613,6 +52974,11 @@
             <a:r>
               <a:rPr lang="fr-FR" sz="1100" i="1" dirty="0">
                 <a:effectLst>
+                  <a:glow rad="63500">
+                    <a:schemeClr val="bg1">
+                      <a:alpha val="40000"/>
+                    </a:schemeClr>
+                  </a:glow>
                   <a:outerShdw blurRad="38100" dist="38100" dir="2700000" algn="tl">
                     <a:srgbClr val="000000">
                       <a:alpha val="43137"/>
@@ -50657,6 +53023,11 @@
             <a:r>
               <a:rPr lang="fr-FR" sz="1100" i="1" dirty="0">
                 <a:effectLst>
+                  <a:glow rad="63500">
+                    <a:schemeClr val="bg1">
+                      <a:alpha val="40000"/>
+                    </a:schemeClr>
+                  </a:glow>
                   <a:outerShdw blurRad="38100" dist="38100" dir="2700000" algn="tl">
                     <a:srgbClr val="000000">
                       <a:alpha val="43137"/>
@@ -50701,6 +53072,11 @@
             <a:r>
               <a:rPr lang="fr-FR" sz="1100" i="1" dirty="0">
                 <a:effectLst>
+                  <a:glow rad="63500">
+                    <a:schemeClr val="bg1">
+                      <a:alpha val="40000"/>
+                    </a:schemeClr>
+                  </a:glow>
                   <a:outerShdw blurRad="38100" dist="38100" dir="2700000" algn="tl">
                     <a:srgbClr val="000000">
                       <a:alpha val="43137"/>
@@ -50745,6 +53121,11 @@
             <a:r>
               <a:rPr lang="fr-FR" sz="1100" i="1" dirty="0">
                 <a:effectLst>
+                  <a:glow rad="63500">
+                    <a:schemeClr val="bg1">
+                      <a:alpha val="40000"/>
+                    </a:schemeClr>
+                  </a:glow>
                   <a:outerShdw blurRad="38100" dist="38100" dir="2700000" algn="tl">
                     <a:srgbClr val="000000">
                       <a:alpha val="43137"/>
@@ -50789,6 +53170,11 @@
             <a:r>
               <a:rPr lang="fr-FR" sz="1100" i="1" dirty="0">
                 <a:effectLst>
+                  <a:glow rad="63500">
+                    <a:schemeClr val="bg1">
+                      <a:alpha val="40000"/>
+                    </a:schemeClr>
+                  </a:glow>
                   <a:outerShdw blurRad="38100" dist="38100" dir="2700000" algn="tl">
                     <a:srgbClr val="000000">
                       <a:alpha val="43137"/>
@@ -50833,6 +53219,11 @@
             <a:r>
               <a:rPr lang="fr-FR" sz="1100" i="1" dirty="0">
                 <a:effectLst>
+                  <a:glow rad="63500">
+                    <a:schemeClr val="bg1">
+                      <a:alpha val="40000"/>
+                    </a:schemeClr>
+                  </a:glow>
                   <a:outerShdw blurRad="38100" dist="38100" dir="2700000" algn="tl">
                     <a:srgbClr val="000000">
                       <a:alpha val="43137"/>
@@ -50877,6 +53268,11 @@
             <a:r>
               <a:rPr lang="fr-FR" sz="1100" i="1" dirty="0">
                 <a:effectLst>
+                  <a:glow rad="63500">
+                    <a:schemeClr val="bg1">
+                      <a:alpha val="40000"/>
+                    </a:schemeClr>
+                  </a:glow>
                   <a:outerShdw blurRad="38100" dist="38100" dir="2700000" algn="tl">
                     <a:srgbClr val="000000">
                       <a:alpha val="43137"/>
@@ -50921,6 +53317,11 @@
             <a:r>
               <a:rPr lang="fr-FR" sz="1100" i="1" dirty="0">
                 <a:effectLst>
+                  <a:glow rad="63500">
+                    <a:schemeClr val="bg1">
+                      <a:alpha val="40000"/>
+                    </a:schemeClr>
+                  </a:glow>
                   <a:outerShdw blurRad="38100" dist="38100" dir="2700000" algn="tl">
                     <a:srgbClr val="000000">
                       <a:alpha val="43137"/>

--- a/Nathan/Compte-rendus/REVUE-R2-GUIGAND-SFL6.pptx
+++ b/Nathan/Compte-rendus/REVUE-R2-GUIGAND-SFL6.pptx
@@ -42605,7 +42605,7 @@
         <p:spPr>
           <a:xfrm>
             <a:off x="1701832" y="5148140"/>
-            <a:ext cx="6457096" cy="1612174"/>
+            <a:ext cx="6457096" cy="1338713"/>
           </a:xfrm>
           <a:prstGeom prst="rect">
             <a:avLst/>
@@ -42678,28 +42678,6 @@
                 </a:solidFill>
               </a:rPr>
               <a:t>Intercommunication locale</a:t>
-            </a:r>
-          </a:p>
-          <a:p>
-            <a:pPr marL="742950" lvl="1" indent="-285750">
-              <a:buFontTx/>
-              <a:buChar char="-"/>
-            </a:pPr>
-            <a:r>
-              <a:rPr lang="fr-FR" dirty="0">
-                <a:solidFill>
-                  <a:schemeClr val="tx1"/>
-                </a:solidFill>
-              </a:rPr>
-              <a:t>Installation clé WIFI sur Raspberry </a:t>
-            </a:r>
-            <a:r>
-              <a:rPr lang="fr-FR" i="1" dirty="0">
-                <a:solidFill>
-                  <a:schemeClr val="tx1"/>
-                </a:solidFill>
-              </a:rPr>
-              <a:t>-&gt; TP Link WN725N</a:t>
             </a:r>
           </a:p>
           <a:p>

--- a/Nathan/Compte-rendus/REVUE-R2-GUIGAND-SFL6.pptx
+++ b/Nathan/Compte-rendus/REVUE-R2-GUIGAND-SFL6.pptx
@@ -33647,7 +33647,7 @@
                   </a:outerShdw>
                 </a:effectLst>
               </a:rPr>
-              <a:t>Diagramme de classe</a:t>
+              <a:t>Diagramme de classes</a:t>
             </a:r>
           </a:p>
         </p:txBody>
